--- a/Presentation/PHS Rshiny Team Klas.pptx
+++ b/Presentation/PHS Rshiny Team Klas.pptx
@@ -5,7 +5,7 @@
     <p:sldMasterId id="2147483648" r:id="rId1"/>
   </p:sldMasterIdLst>
   <p:notesMasterIdLst>
-    <p:notesMasterId r:id="rId12"/>
+    <p:notesMasterId r:id="rId13"/>
   </p:notesMasterIdLst>
   <p:sldIdLst>
     <p:sldId id="256" r:id="rId2"/>
@@ -15,9 +15,10 @@
     <p:sldId id="259" r:id="rId6"/>
     <p:sldId id="260" r:id="rId7"/>
     <p:sldId id="261" r:id="rId8"/>
-    <p:sldId id="265" r:id="rId9"/>
-    <p:sldId id="264" r:id="rId10"/>
-    <p:sldId id="266" r:id="rId11"/>
+    <p:sldId id="267" r:id="rId9"/>
+    <p:sldId id="265" r:id="rId10"/>
+    <p:sldId id="268" r:id="rId11"/>
+    <p:sldId id="266" r:id="rId12"/>
   </p:sldIdLst>
   <p:sldSz cx="12192000" cy="6858000"/>
   <p:notesSz cx="6858000" cy="9144000"/>
@@ -117,6 +118,6277 @@
     </a:lvl9pPr>
   </p:defaultTextStyle>
 </p:presentation>
+</file>
+
+<file path=ppt/diagrams/colors1.xml><?xml version="1.0" encoding="utf-8"?>
+<dgm:colorsDef xmlns:dgm="http://schemas.openxmlformats.org/drawingml/2006/diagram" xmlns:a="http://schemas.openxmlformats.org/drawingml/2006/main" uniqueId="urn:microsoft.com/office/officeart/2005/8/colors/accent0_2">
+  <dgm:title val=""/>
+  <dgm:desc val=""/>
+  <dgm:catLst>
+    <dgm:cat type="mainScheme" pri="10200"/>
+  </dgm:catLst>
+  <dgm:styleLbl name="node0">
+    <dgm:fillClrLst meth="repeat">
+      <a:schemeClr val="lt1"/>
+    </dgm:fillClrLst>
+    <dgm:linClrLst meth="repeat">
+      <a:schemeClr val="dk2">
+        <a:shade val="80000"/>
+      </a:schemeClr>
+    </dgm:linClrLst>
+    <dgm:effectClrLst/>
+    <dgm:txLinClrLst/>
+    <dgm:txFillClrLst meth="repeat">
+      <a:schemeClr val="dk2"/>
+    </dgm:txFillClrLst>
+    <dgm:txEffectClrLst/>
+  </dgm:styleLbl>
+  <dgm:styleLbl name="node1">
+    <dgm:fillClrLst meth="repeat">
+      <a:schemeClr val="lt1"/>
+    </dgm:fillClrLst>
+    <dgm:linClrLst meth="repeat">
+      <a:schemeClr val="dk2">
+        <a:shade val="80000"/>
+      </a:schemeClr>
+    </dgm:linClrLst>
+    <dgm:effectClrLst/>
+    <dgm:txLinClrLst/>
+    <dgm:txFillClrLst meth="repeat">
+      <a:schemeClr val="dk2"/>
+    </dgm:txFillClrLst>
+    <dgm:txEffectClrLst/>
+  </dgm:styleLbl>
+  <dgm:styleLbl name="alignNode1">
+    <dgm:fillClrLst meth="repeat">
+      <a:schemeClr val="lt1"/>
+    </dgm:fillClrLst>
+    <dgm:linClrLst meth="repeat">
+      <a:schemeClr val="dk2">
+        <a:shade val="80000"/>
+      </a:schemeClr>
+    </dgm:linClrLst>
+    <dgm:effectClrLst/>
+    <dgm:txLinClrLst/>
+    <dgm:txFillClrLst meth="repeat">
+      <a:schemeClr val="dk2"/>
+    </dgm:txFillClrLst>
+    <dgm:txEffectClrLst/>
+  </dgm:styleLbl>
+  <dgm:styleLbl name="lnNode1">
+    <dgm:fillClrLst meth="repeat">
+      <a:schemeClr val="lt1"/>
+    </dgm:fillClrLst>
+    <dgm:linClrLst meth="repeat">
+      <a:schemeClr val="dk2">
+        <a:shade val="80000"/>
+      </a:schemeClr>
+    </dgm:linClrLst>
+    <dgm:effectClrLst/>
+    <dgm:txLinClrLst/>
+    <dgm:txFillClrLst meth="repeat">
+      <a:schemeClr val="dk2"/>
+    </dgm:txFillClrLst>
+    <dgm:txEffectClrLst/>
+  </dgm:styleLbl>
+  <dgm:styleLbl name="vennNode1">
+    <dgm:fillClrLst meth="repeat">
+      <a:schemeClr val="lt1">
+        <a:alpha val="50000"/>
+      </a:schemeClr>
+    </dgm:fillClrLst>
+    <dgm:linClrLst meth="repeat">
+      <a:schemeClr val="dk2">
+        <a:shade val="80000"/>
+      </a:schemeClr>
+    </dgm:linClrLst>
+    <dgm:effectClrLst/>
+    <dgm:txLinClrLst/>
+    <dgm:txFillClrLst/>
+    <dgm:txEffectClrLst/>
+  </dgm:styleLbl>
+  <dgm:styleLbl name="node2">
+    <dgm:fillClrLst meth="repeat">
+      <a:schemeClr val="lt1"/>
+    </dgm:fillClrLst>
+    <dgm:linClrLst meth="repeat">
+      <a:schemeClr val="dk2">
+        <a:shade val="80000"/>
+      </a:schemeClr>
+    </dgm:linClrLst>
+    <dgm:effectClrLst/>
+    <dgm:txLinClrLst/>
+    <dgm:txFillClrLst meth="repeat">
+      <a:schemeClr val="dk2"/>
+    </dgm:txFillClrLst>
+    <dgm:txEffectClrLst/>
+  </dgm:styleLbl>
+  <dgm:styleLbl name="node3">
+    <dgm:fillClrLst meth="repeat">
+      <a:schemeClr val="lt1"/>
+    </dgm:fillClrLst>
+    <dgm:linClrLst meth="repeat">
+      <a:schemeClr val="dk2">
+        <a:shade val="80000"/>
+      </a:schemeClr>
+    </dgm:linClrLst>
+    <dgm:effectClrLst/>
+    <dgm:txLinClrLst/>
+    <dgm:txFillClrLst meth="repeat">
+      <a:schemeClr val="dk2"/>
+    </dgm:txFillClrLst>
+    <dgm:txEffectClrLst/>
+  </dgm:styleLbl>
+  <dgm:styleLbl name="node4">
+    <dgm:fillClrLst meth="repeat">
+      <a:schemeClr val="lt1"/>
+    </dgm:fillClrLst>
+    <dgm:linClrLst meth="repeat">
+      <a:schemeClr val="dk2">
+        <a:shade val="80000"/>
+      </a:schemeClr>
+    </dgm:linClrLst>
+    <dgm:effectClrLst/>
+    <dgm:txLinClrLst/>
+    <dgm:txFillClrLst meth="repeat">
+      <a:schemeClr val="dk2"/>
+    </dgm:txFillClrLst>
+    <dgm:txEffectClrLst/>
+  </dgm:styleLbl>
+  <dgm:styleLbl name="fgImgPlace1">
+    <dgm:fillClrLst meth="repeat">
+      <a:schemeClr val="dk2">
+        <a:tint val="40000"/>
+      </a:schemeClr>
+    </dgm:fillClrLst>
+    <dgm:linClrLst meth="repeat">
+      <a:schemeClr val="dk2">
+        <a:shade val="80000"/>
+      </a:schemeClr>
+    </dgm:linClrLst>
+    <dgm:effectClrLst/>
+    <dgm:txLinClrLst/>
+    <dgm:txFillClrLst meth="repeat">
+      <a:schemeClr val="lt1"/>
+    </dgm:txFillClrLst>
+    <dgm:txEffectClrLst/>
+  </dgm:styleLbl>
+  <dgm:styleLbl name="alignImgPlace1">
+    <dgm:fillClrLst meth="repeat">
+      <a:schemeClr val="dk2">
+        <a:tint val="40000"/>
+      </a:schemeClr>
+    </dgm:fillClrLst>
+    <dgm:linClrLst meth="repeat">
+      <a:schemeClr val="dk2">
+        <a:shade val="80000"/>
+      </a:schemeClr>
+    </dgm:linClrLst>
+    <dgm:effectClrLst/>
+    <dgm:txLinClrLst/>
+    <dgm:txFillClrLst meth="repeat">
+      <a:schemeClr val="lt1"/>
+    </dgm:txFillClrLst>
+    <dgm:txEffectClrLst/>
+  </dgm:styleLbl>
+  <dgm:styleLbl name="bgImgPlace1">
+    <dgm:fillClrLst meth="repeat">
+      <a:schemeClr val="dk2">
+        <a:tint val="40000"/>
+      </a:schemeClr>
+    </dgm:fillClrLst>
+    <dgm:linClrLst meth="repeat">
+      <a:schemeClr val="dk2">
+        <a:shade val="80000"/>
+      </a:schemeClr>
+    </dgm:linClrLst>
+    <dgm:effectClrLst/>
+    <dgm:txLinClrLst/>
+    <dgm:txFillClrLst meth="repeat">
+      <a:schemeClr val="lt1"/>
+    </dgm:txFillClrLst>
+    <dgm:txEffectClrLst/>
+  </dgm:styleLbl>
+  <dgm:styleLbl name="sibTrans2D1">
+    <dgm:fillClrLst meth="repeat">
+      <a:schemeClr val="dk2">
+        <a:tint val="60000"/>
+      </a:schemeClr>
+    </dgm:fillClrLst>
+    <dgm:linClrLst meth="repeat">
+      <a:schemeClr val="dk2">
+        <a:tint val="60000"/>
+      </a:schemeClr>
+    </dgm:linClrLst>
+    <dgm:effectClrLst/>
+    <dgm:txLinClrLst/>
+    <dgm:txFillClrLst meth="repeat">
+      <a:schemeClr val="dk2"/>
+    </dgm:txFillClrLst>
+    <dgm:txEffectClrLst/>
+  </dgm:styleLbl>
+  <dgm:styleLbl name="fgSibTrans2D1">
+    <dgm:fillClrLst meth="repeat">
+      <a:schemeClr val="dk2">
+        <a:tint val="60000"/>
+      </a:schemeClr>
+    </dgm:fillClrLst>
+    <dgm:linClrLst meth="repeat">
+      <a:schemeClr val="dk2">
+        <a:tint val="60000"/>
+      </a:schemeClr>
+    </dgm:linClrLst>
+    <dgm:effectClrLst/>
+    <dgm:txLinClrLst/>
+    <dgm:txFillClrLst meth="repeat">
+      <a:schemeClr val="dk2"/>
+    </dgm:txFillClrLst>
+    <dgm:txEffectClrLst/>
+  </dgm:styleLbl>
+  <dgm:styleLbl name="bgSibTrans2D1">
+    <dgm:fillClrLst meth="repeat">
+      <a:schemeClr val="dk2">
+        <a:tint val="60000"/>
+      </a:schemeClr>
+    </dgm:fillClrLst>
+    <dgm:linClrLst meth="repeat">
+      <a:schemeClr val="dk2">
+        <a:tint val="60000"/>
+      </a:schemeClr>
+    </dgm:linClrLst>
+    <dgm:effectClrLst/>
+    <dgm:txLinClrLst/>
+    <dgm:txFillClrLst meth="repeat">
+      <a:schemeClr val="dk2"/>
+    </dgm:txFillClrLst>
+    <dgm:txEffectClrLst/>
+  </dgm:styleLbl>
+  <dgm:styleLbl name="sibTrans1D1">
+    <dgm:fillClrLst meth="repeat">
+      <a:schemeClr val="dk2"/>
+    </dgm:fillClrLst>
+    <dgm:linClrLst meth="repeat">
+      <a:schemeClr val="dk2"/>
+    </dgm:linClrLst>
+    <dgm:effectClrLst/>
+    <dgm:txLinClrLst/>
+    <dgm:txFillClrLst meth="repeat">
+      <a:schemeClr val="tx1"/>
+    </dgm:txFillClrLst>
+    <dgm:txEffectClrLst/>
+  </dgm:styleLbl>
+  <dgm:styleLbl name="callout">
+    <dgm:fillClrLst meth="repeat">
+      <a:schemeClr val="dk2"/>
+    </dgm:fillClrLst>
+    <dgm:linClrLst meth="repeat">
+      <a:schemeClr val="dk2"/>
+    </dgm:linClrLst>
+    <dgm:effectClrLst/>
+    <dgm:txLinClrLst/>
+    <dgm:txFillClrLst meth="repeat">
+      <a:schemeClr val="tx1"/>
+    </dgm:txFillClrLst>
+    <dgm:txEffectClrLst/>
+  </dgm:styleLbl>
+  <dgm:styleLbl name="asst0">
+    <dgm:fillClrLst meth="repeat">
+      <a:schemeClr val="lt1"/>
+    </dgm:fillClrLst>
+    <dgm:linClrLst meth="repeat">
+      <a:schemeClr val="dk2">
+        <a:shade val="80000"/>
+      </a:schemeClr>
+    </dgm:linClrLst>
+    <dgm:effectClrLst/>
+    <dgm:txLinClrLst/>
+    <dgm:txFillClrLst meth="repeat">
+      <a:schemeClr val="dk2"/>
+    </dgm:txFillClrLst>
+    <dgm:txEffectClrLst/>
+  </dgm:styleLbl>
+  <dgm:styleLbl name="asst1">
+    <dgm:fillClrLst meth="repeat">
+      <a:schemeClr val="lt1"/>
+    </dgm:fillClrLst>
+    <dgm:linClrLst meth="repeat">
+      <a:schemeClr val="dk2">
+        <a:shade val="80000"/>
+      </a:schemeClr>
+    </dgm:linClrLst>
+    <dgm:effectClrLst/>
+    <dgm:txLinClrLst/>
+    <dgm:txFillClrLst meth="repeat">
+      <a:schemeClr val="dk2"/>
+    </dgm:txFillClrLst>
+    <dgm:txEffectClrLst/>
+  </dgm:styleLbl>
+  <dgm:styleLbl name="asst2">
+    <dgm:fillClrLst meth="repeat">
+      <a:schemeClr val="lt1"/>
+    </dgm:fillClrLst>
+    <dgm:linClrLst meth="repeat">
+      <a:schemeClr val="dk2">
+        <a:shade val="80000"/>
+      </a:schemeClr>
+    </dgm:linClrLst>
+    <dgm:effectClrLst/>
+    <dgm:txLinClrLst/>
+    <dgm:txFillClrLst meth="repeat">
+      <a:schemeClr val="dk2"/>
+    </dgm:txFillClrLst>
+    <dgm:txEffectClrLst/>
+  </dgm:styleLbl>
+  <dgm:styleLbl name="asst3">
+    <dgm:fillClrLst meth="repeat">
+      <a:schemeClr val="lt1"/>
+    </dgm:fillClrLst>
+    <dgm:linClrLst meth="repeat">
+      <a:schemeClr val="dk2">
+        <a:shade val="80000"/>
+      </a:schemeClr>
+    </dgm:linClrLst>
+    <dgm:effectClrLst/>
+    <dgm:txLinClrLst/>
+    <dgm:txFillClrLst meth="repeat">
+      <a:schemeClr val="dk2"/>
+    </dgm:txFillClrLst>
+    <dgm:txEffectClrLst/>
+  </dgm:styleLbl>
+  <dgm:styleLbl name="asst4">
+    <dgm:fillClrLst meth="repeat">
+      <a:schemeClr val="lt1"/>
+    </dgm:fillClrLst>
+    <dgm:linClrLst meth="repeat">
+      <a:schemeClr val="dk2">
+        <a:shade val="80000"/>
+      </a:schemeClr>
+    </dgm:linClrLst>
+    <dgm:effectClrLst/>
+    <dgm:txLinClrLst/>
+    <dgm:txFillClrLst meth="repeat">
+      <a:schemeClr val="dk2"/>
+    </dgm:txFillClrLst>
+    <dgm:txEffectClrLst/>
+  </dgm:styleLbl>
+  <dgm:styleLbl name="parChTrans2D1">
+    <dgm:fillClrLst meth="repeat">
+      <a:schemeClr val="dk2">
+        <a:tint val="60000"/>
+      </a:schemeClr>
+    </dgm:fillClrLst>
+    <dgm:linClrLst meth="repeat">
+      <a:schemeClr val="dk2">
+        <a:tint val="60000"/>
+      </a:schemeClr>
+    </dgm:linClrLst>
+    <dgm:effectClrLst/>
+    <dgm:txLinClrLst/>
+    <dgm:txFillClrLst/>
+    <dgm:txEffectClrLst/>
+  </dgm:styleLbl>
+  <dgm:styleLbl name="parChTrans2D2">
+    <dgm:fillClrLst meth="repeat">
+      <a:schemeClr val="dk2"/>
+    </dgm:fillClrLst>
+    <dgm:linClrLst meth="repeat">
+      <a:schemeClr val="dk2"/>
+    </dgm:linClrLst>
+    <dgm:effectClrLst/>
+    <dgm:txLinClrLst/>
+    <dgm:txFillClrLst/>
+    <dgm:txEffectClrLst/>
+  </dgm:styleLbl>
+  <dgm:styleLbl name="parChTrans2D3">
+    <dgm:fillClrLst meth="repeat">
+      <a:schemeClr val="dk2"/>
+    </dgm:fillClrLst>
+    <dgm:linClrLst meth="repeat">
+      <a:schemeClr val="dk2"/>
+    </dgm:linClrLst>
+    <dgm:effectClrLst/>
+    <dgm:txLinClrLst/>
+    <dgm:txFillClrLst/>
+    <dgm:txEffectClrLst/>
+  </dgm:styleLbl>
+  <dgm:styleLbl name="parChTrans2D4">
+    <dgm:fillClrLst meth="repeat">
+      <a:schemeClr val="dk2"/>
+    </dgm:fillClrLst>
+    <dgm:linClrLst meth="repeat">
+      <a:schemeClr val="dk2"/>
+    </dgm:linClrLst>
+    <dgm:effectClrLst/>
+    <dgm:txLinClrLst/>
+    <dgm:txFillClrLst meth="repeat">
+      <a:schemeClr val="lt1"/>
+    </dgm:txFillClrLst>
+    <dgm:txEffectClrLst/>
+  </dgm:styleLbl>
+  <dgm:styleLbl name="parChTrans1D1">
+    <dgm:fillClrLst meth="repeat">
+      <a:schemeClr val="dk2"/>
+    </dgm:fillClrLst>
+    <dgm:linClrLst meth="repeat">
+      <a:schemeClr val="dk2">
+        <a:shade val="60000"/>
+      </a:schemeClr>
+    </dgm:linClrLst>
+    <dgm:effectClrLst/>
+    <dgm:txLinClrLst/>
+    <dgm:txFillClrLst meth="repeat">
+      <a:schemeClr val="tx1"/>
+    </dgm:txFillClrLst>
+    <dgm:txEffectClrLst/>
+  </dgm:styleLbl>
+  <dgm:styleLbl name="parChTrans1D2">
+    <dgm:fillClrLst meth="repeat">
+      <a:schemeClr val="dk2"/>
+    </dgm:fillClrLst>
+    <dgm:linClrLst meth="repeat">
+      <a:schemeClr val="dk2">
+        <a:shade val="60000"/>
+      </a:schemeClr>
+    </dgm:linClrLst>
+    <dgm:effectClrLst/>
+    <dgm:txLinClrLst/>
+    <dgm:txFillClrLst meth="repeat">
+      <a:schemeClr val="tx1"/>
+    </dgm:txFillClrLst>
+    <dgm:txEffectClrLst/>
+  </dgm:styleLbl>
+  <dgm:styleLbl name="parChTrans1D3">
+    <dgm:fillClrLst meth="repeat">
+      <a:schemeClr val="dk2"/>
+    </dgm:fillClrLst>
+    <dgm:linClrLst meth="repeat">
+      <a:schemeClr val="dk2">
+        <a:shade val="80000"/>
+      </a:schemeClr>
+    </dgm:linClrLst>
+    <dgm:effectClrLst/>
+    <dgm:txLinClrLst/>
+    <dgm:txFillClrLst meth="repeat">
+      <a:schemeClr val="tx1"/>
+    </dgm:txFillClrLst>
+    <dgm:txEffectClrLst/>
+  </dgm:styleLbl>
+  <dgm:styleLbl name="parChTrans1D4">
+    <dgm:fillClrLst meth="repeat">
+      <a:schemeClr val="dk2"/>
+    </dgm:fillClrLst>
+    <dgm:linClrLst meth="repeat">
+      <a:schemeClr val="dk2">
+        <a:shade val="80000"/>
+      </a:schemeClr>
+    </dgm:linClrLst>
+    <dgm:effectClrLst/>
+    <dgm:txLinClrLst/>
+    <dgm:txFillClrLst meth="repeat">
+      <a:schemeClr val="tx1"/>
+    </dgm:txFillClrLst>
+    <dgm:txEffectClrLst/>
+  </dgm:styleLbl>
+  <dgm:styleLbl name="fgAcc1">
+    <dgm:fillClrLst meth="repeat">
+      <a:schemeClr val="dk2">
+        <a:alpha val="90000"/>
+        <a:tint val="40000"/>
+      </a:schemeClr>
+    </dgm:fillClrLst>
+    <dgm:linClrLst meth="repeat">
+      <a:schemeClr val="dk2"/>
+    </dgm:linClrLst>
+    <dgm:effectClrLst/>
+    <dgm:txLinClrLst/>
+    <dgm:txFillClrLst meth="repeat">
+      <a:schemeClr val="dk2"/>
+    </dgm:txFillClrLst>
+    <dgm:txEffectClrLst/>
+  </dgm:styleLbl>
+  <dgm:styleLbl name="conFgAcc1">
+    <dgm:fillClrLst meth="repeat">
+      <a:schemeClr val="dk2">
+        <a:alpha val="90000"/>
+        <a:tint val="40000"/>
+      </a:schemeClr>
+    </dgm:fillClrLst>
+    <dgm:linClrLst meth="repeat">
+      <a:schemeClr val="dk2"/>
+    </dgm:linClrLst>
+    <dgm:effectClrLst/>
+    <dgm:txLinClrLst/>
+    <dgm:txFillClrLst meth="repeat">
+      <a:schemeClr val="dk2"/>
+    </dgm:txFillClrLst>
+    <dgm:txEffectClrLst/>
+  </dgm:styleLbl>
+  <dgm:styleLbl name="alignAcc1">
+    <dgm:fillClrLst meth="repeat">
+      <a:schemeClr val="dk2">
+        <a:alpha val="90000"/>
+        <a:tint val="40000"/>
+      </a:schemeClr>
+    </dgm:fillClrLst>
+    <dgm:linClrLst meth="repeat">
+      <a:schemeClr val="dk2"/>
+    </dgm:linClrLst>
+    <dgm:effectClrLst/>
+    <dgm:txLinClrLst/>
+    <dgm:txFillClrLst meth="repeat">
+      <a:schemeClr val="dk2"/>
+    </dgm:txFillClrLst>
+    <dgm:txEffectClrLst/>
+  </dgm:styleLbl>
+  <dgm:styleLbl name="trAlignAcc1">
+    <dgm:fillClrLst meth="repeat">
+      <a:schemeClr val="dk2">
+        <a:alpha val="40000"/>
+        <a:tint val="40000"/>
+      </a:schemeClr>
+    </dgm:fillClrLst>
+    <dgm:linClrLst meth="repeat">
+      <a:schemeClr val="dk2"/>
+    </dgm:linClrLst>
+    <dgm:effectClrLst/>
+    <dgm:txLinClrLst/>
+    <dgm:txFillClrLst meth="repeat">
+      <a:schemeClr val="dk2"/>
+    </dgm:txFillClrLst>
+    <dgm:txEffectClrLst/>
+  </dgm:styleLbl>
+  <dgm:styleLbl name="bgAcc1">
+    <dgm:fillClrLst meth="repeat">
+      <a:schemeClr val="dk2">
+        <a:alpha val="90000"/>
+        <a:tint val="40000"/>
+      </a:schemeClr>
+    </dgm:fillClrLst>
+    <dgm:linClrLst meth="repeat">
+      <a:schemeClr val="dk2"/>
+    </dgm:linClrLst>
+    <dgm:effectClrLst/>
+    <dgm:txLinClrLst/>
+    <dgm:txFillClrLst meth="repeat">
+      <a:schemeClr val="dk2"/>
+    </dgm:txFillClrLst>
+    <dgm:txEffectClrLst/>
+  </dgm:styleLbl>
+  <dgm:styleLbl name="solidFgAcc1">
+    <dgm:fillClrLst meth="repeat">
+      <a:schemeClr val="lt1"/>
+    </dgm:fillClrLst>
+    <dgm:linClrLst meth="repeat">
+      <a:schemeClr val="dk2"/>
+    </dgm:linClrLst>
+    <dgm:effectClrLst/>
+    <dgm:txLinClrLst/>
+    <dgm:txFillClrLst meth="repeat">
+      <a:schemeClr val="dk2"/>
+    </dgm:txFillClrLst>
+    <dgm:txEffectClrLst/>
+  </dgm:styleLbl>
+  <dgm:styleLbl name="solidAlignAcc1">
+    <dgm:fillClrLst meth="repeat">
+      <a:schemeClr val="lt1"/>
+    </dgm:fillClrLst>
+    <dgm:linClrLst meth="repeat">
+      <a:schemeClr val="dk2"/>
+    </dgm:linClrLst>
+    <dgm:effectClrLst/>
+    <dgm:txLinClrLst/>
+    <dgm:txFillClrLst meth="repeat">
+      <a:schemeClr val="dk2"/>
+    </dgm:txFillClrLst>
+    <dgm:txEffectClrLst/>
+  </dgm:styleLbl>
+  <dgm:styleLbl name="solidBgAcc1">
+    <dgm:fillClrLst meth="repeat">
+      <a:schemeClr val="lt1"/>
+    </dgm:fillClrLst>
+    <dgm:linClrLst meth="repeat">
+      <a:schemeClr val="dk2"/>
+    </dgm:linClrLst>
+    <dgm:effectClrLst/>
+    <dgm:txLinClrLst/>
+    <dgm:txFillClrLst meth="repeat">
+      <a:schemeClr val="dk2"/>
+    </dgm:txFillClrLst>
+    <dgm:txEffectClrLst/>
+  </dgm:styleLbl>
+  <dgm:styleLbl name="fgAccFollowNode1">
+    <dgm:fillClrLst meth="repeat">
+      <a:schemeClr val="lt1">
+        <a:alpha val="90000"/>
+        <a:tint val="40000"/>
+      </a:schemeClr>
+    </dgm:fillClrLst>
+    <dgm:linClrLst meth="repeat">
+      <a:schemeClr val="dk2">
+        <a:alpha val="90000"/>
+      </a:schemeClr>
+    </dgm:linClrLst>
+    <dgm:effectClrLst/>
+    <dgm:txLinClrLst/>
+    <dgm:txFillClrLst meth="repeat">
+      <a:schemeClr val="dk2"/>
+    </dgm:txFillClrLst>
+    <dgm:txEffectClrLst/>
+  </dgm:styleLbl>
+  <dgm:styleLbl name="alignAccFollowNode1">
+    <dgm:fillClrLst meth="repeat">
+      <a:schemeClr val="lt1">
+        <a:alpha val="90000"/>
+        <a:tint val="40000"/>
+      </a:schemeClr>
+    </dgm:fillClrLst>
+    <dgm:linClrLst meth="repeat">
+      <a:schemeClr val="dk2">
+        <a:alpha val="90000"/>
+      </a:schemeClr>
+    </dgm:linClrLst>
+    <dgm:effectClrLst/>
+    <dgm:txLinClrLst/>
+    <dgm:txFillClrLst meth="repeat">
+      <a:schemeClr val="dk2"/>
+    </dgm:txFillClrLst>
+    <dgm:txEffectClrLst/>
+  </dgm:styleLbl>
+  <dgm:styleLbl name="bgAccFollowNode1">
+    <dgm:fillClrLst meth="repeat">
+      <a:schemeClr val="lt1">
+        <a:alpha val="90000"/>
+        <a:tint val="40000"/>
+      </a:schemeClr>
+    </dgm:fillClrLst>
+    <dgm:linClrLst meth="repeat">
+      <a:schemeClr val="dk2">
+        <a:alpha val="90000"/>
+      </a:schemeClr>
+    </dgm:linClrLst>
+    <dgm:effectClrLst/>
+    <dgm:txLinClrLst/>
+    <dgm:txFillClrLst meth="repeat">
+      <a:schemeClr val="dk2"/>
+    </dgm:txFillClrLst>
+    <dgm:txEffectClrLst/>
+  </dgm:styleLbl>
+  <dgm:styleLbl name="fgAcc0">
+    <dgm:fillClrLst meth="repeat">
+      <a:schemeClr val="dk2">
+        <a:alpha val="90000"/>
+        <a:tint val="40000"/>
+      </a:schemeClr>
+    </dgm:fillClrLst>
+    <dgm:linClrLst meth="repeat">
+      <a:schemeClr val="dk2"/>
+    </dgm:linClrLst>
+    <dgm:effectClrLst/>
+    <dgm:txLinClrLst/>
+    <dgm:txFillClrLst meth="repeat">
+      <a:schemeClr val="dk2"/>
+    </dgm:txFillClrLst>
+    <dgm:txEffectClrLst/>
+  </dgm:styleLbl>
+  <dgm:styleLbl name="fgAcc2">
+    <dgm:fillClrLst meth="repeat">
+      <a:schemeClr val="dk2">
+        <a:alpha val="90000"/>
+        <a:tint val="40000"/>
+      </a:schemeClr>
+    </dgm:fillClrLst>
+    <dgm:linClrLst meth="repeat">
+      <a:schemeClr val="dk2"/>
+    </dgm:linClrLst>
+    <dgm:effectClrLst/>
+    <dgm:txLinClrLst/>
+    <dgm:txFillClrLst meth="repeat">
+      <a:schemeClr val="dk2"/>
+    </dgm:txFillClrLst>
+    <dgm:txEffectClrLst/>
+  </dgm:styleLbl>
+  <dgm:styleLbl name="fgAcc3">
+    <dgm:fillClrLst meth="repeat">
+      <a:schemeClr val="dk2">
+        <a:alpha val="90000"/>
+        <a:tint val="40000"/>
+      </a:schemeClr>
+    </dgm:fillClrLst>
+    <dgm:linClrLst meth="repeat">
+      <a:schemeClr val="dk2"/>
+    </dgm:linClrLst>
+    <dgm:effectClrLst/>
+    <dgm:txLinClrLst/>
+    <dgm:txFillClrLst meth="repeat">
+      <a:schemeClr val="dk2"/>
+    </dgm:txFillClrLst>
+    <dgm:txEffectClrLst/>
+  </dgm:styleLbl>
+  <dgm:styleLbl name="fgAcc4">
+    <dgm:fillClrLst meth="repeat">
+      <a:schemeClr val="dk2">
+        <a:alpha val="90000"/>
+        <a:tint val="40000"/>
+      </a:schemeClr>
+    </dgm:fillClrLst>
+    <dgm:linClrLst meth="repeat">
+      <a:schemeClr val="dk2"/>
+    </dgm:linClrLst>
+    <dgm:effectClrLst/>
+    <dgm:txLinClrLst/>
+    <dgm:txFillClrLst meth="repeat">
+      <a:schemeClr val="dk2"/>
+    </dgm:txFillClrLst>
+    <dgm:txEffectClrLst/>
+  </dgm:styleLbl>
+  <dgm:styleLbl name="bgShp">
+    <dgm:fillClrLst meth="repeat">
+      <a:schemeClr val="dk2">
+        <a:tint val="40000"/>
+      </a:schemeClr>
+    </dgm:fillClrLst>
+    <dgm:linClrLst meth="repeat">
+      <a:schemeClr val="dk2"/>
+    </dgm:linClrLst>
+    <dgm:effectClrLst/>
+    <dgm:txLinClrLst/>
+    <dgm:txFillClrLst meth="repeat">
+      <a:schemeClr val="dk1"/>
+    </dgm:txFillClrLst>
+    <dgm:txEffectClrLst/>
+  </dgm:styleLbl>
+  <dgm:styleLbl name="dkBgShp">
+    <dgm:fillClrLst meth="repeat">
+      <a:schemeClr val="dk2">
+        <a:shade val="80000"/>
+      </a:schemeClr>
+    </dgm:fillClrLst>
+    <dgm:linClrLst meth="repeat">
+      <a:schemeClr val="dk2"/>
+    </dgm:linClrLst>
+    <dgm:effectClrLst/>
+    <dgm:txLinClrLst/>
+    <dgm:txFillClrLst meth="repeat">
+      <a:schemeClr val="lt2"/>
+    </dgm:txFillClrLst>
+    <dgm:txEffectClrLst/>
+  </dgm:styleLbl>
+  <dgm:styleLbl name="trBgShp">
+    <dgm:fillClrLst meth="repeat">
+      <a:schemeClr val="dk2">
+        <a:tint val="50000"/>
+        <a:alpha val="40000"/>
+      </a:schemeClr>
+    </dgm:fillClrLst>
+    <dgm:linClrLst meth="repeat">
+      <a:schemeClr val="dk2"/>
+    </dgm:linClrLst>
+    <dgm:effectClrLst/>
+    <dgm:txLinClrLst/>
+    <dgm:txFillClrLst meth="repeat">
+      <a:schemeClr val="lt2"/>
+    </dgm:txFillClrLst>
+    <dgm:txEffectClrLst/>
+  </dgm:styleLbl>
+  <dgm:styleLbl name="fgShp">
+    <dgm:fillClrLst meth="repeat">
+      <a:schemeClr val="dk2">
+        <a:tint val="60000"/>
+      </a:schemeClr>
+    </dgm:fillClrLst>
+    <dgm:linClrLst meth="repeat">
+      <a:schemeClr val="lt1"/>
+    </dgm:linClrLst>
+    <dgm:effectClrLst/>
+    <dgm:txLinClrLst/>
+    <dgm:txFillClrLst meth="repeat">
+      <a:schemeClr val="dk2"/>
+    </dgm:txFillClrLst>
+    <dgm:txEffectClrLst/>
+  </dgm:styleLbl>
+  <dgm:styleLbl name="revTx">
+    <dgm:fillClrLst meth="repeat">
+      <a:schemeClr val="lt1">
+        <a:alpha val="0"/>
+      </a:schemeClr>
+    </dgm:fillClrLst>
+    <dgm:linClrLst meth="repeat">
+      <a:schemeClr val="dk2">
+        <a:alpha val="0"/>
+      </a:schemeClr>
+    </dgm:linClrLst>
+    <dgm:effectClrLst/>
+    <dgm:txLinClrLst/>
+    <dgm:txFillClrLst meth="repeat">
+      <a:schemeClr val="tx1"/>
+    </dgm:txFillClrLst>
+    <dgm:txEffectClrLst/>
+  </dgm:styleLbl>
+</dgm:colorsDef>
+</file>
+
+<file path=ppt/diagrams/data1.xml><?xml version="1.0" encoding="utf-8"?>
+<dgm:dataModel xmlns:dgm="http://schemas.openxmlformats.org/drawingml/2006/diagram" xmlns:a="http://schemas.openxmlformats.org/drawingml/2006/main">
+  <dgm:ptLst>
+    <dgm:pt modelId="{92879506-E01D-1F4E-B51D-9C8031976A1D}" type="doc">
+      <dgm:prSet loTypeId="urn:microsoft.com/office/officeart/2008/layout/HexagonCluster" loCatId="" qsTypeId="urn:microsoft.com/office/officeart/2005/8/quickstyle/simple1" qsCatId="simple" csTypeId="urn:microsoft.com/office/officeart/2005/8/colors/accent0_2" csCatId="mainScheme" phldr="1"/>
+      <dgm:spPr/>
+      <dgm:t>
+        <a:bodyPr/>
+        <a:lstStyle/>
+        <a:p>
+          <a:endParaRPr lang="en-GB"/>
+        </a:p>
+      </dgm:t>
+    </dgm:pt>
+    <dgm:pt modelId="{C04828EF-3B9C-4F43-BDAD-EE771B9E4BD9}">
+      <dgm:prSet phldrT="[Text]"/>
+      <dgm:spPr/>
+      <dgm:t>
+        <a:bodyPr/>
+        <a:lstStyle/>
+        <a:p>
+          <a:r>
+            <a:rPr lang="en-GB" dirty="0">
+              <a:solidFill>
+                <a:schemeClr val="tx2"/>
+              </a:solidFill>
+            </a:rPr>
+            <a:t>Discord</a:t>
+          </a:r>
+        </a:p>
+      </dgm:t>
+    </dgm:pt>
+    <dgm:pt modelId="{F083344F-7C6B-2C4B-9095-D251C56464D6}" type="parTrans" cxnId="{5B1B5A11-B80A-254C-9C33-65387AF266FC}">
+      <dgm:prSet/>
+      <dgm:spPr/>
+      <dgm:t>
+        <a:bodyPr/>
+        <a:lstStyle/>
+        <a:p>
+          <a:endParaRPr lang="en-GB"/>
+        </a:p>
+      </dgm:t>
+    </dgm:pt>
+    <dgm:pt modelId="{92E5DC12-343A-0140-A3E8-DF43A57D10E6}" type="sibTrans" cxnId="{5B1B5A11-B80A-254C-9C33-65387AF266FC}">
+      <dgm:prSet/>
+      <dgm:spPr>
+        <a:blipFill>
+          <a:blip xmlns:r="http://schemas.openxmlformats.org/officeDocument/2006/relationships" r:embed="rId1">
+            <a:extLst>
+              <a:ext uri="{28A0092B-C50C-407E-A947-70E740481C1C}">
+                <a14:useLocalDpi xmlns:a14="http://schemas.microsoft.com/office/drawing/2010/main" val="0"/>
+              </a:ext>
+            </a:extLst>
+          </a:blip>
+          <a:srcRect/>
+          <a:stretch>
+            <a:fillRect l="-7000" r="-7000"/>
+          </a:stretch>
+        </a:blipFill>
+      </dgm:spPr>
+      <dgm:t>
+        <a:bodyPr/>
+        <a:lstStyle/>
+        <a:p>
+          <a:endParaRPr lang="en-GB"/>
+        </a:p>
+      </dgm:t>
+    </dgm:pt>
+    <dgm:pt modelId="{5C69374B-1681-C549-B863-D7F7CEB1B8AE}">
+      <dgm:prSet/>
+      <dgm:spPr/>
+      <dgm:t>
+        <a:bodyPr/>
+        <a:lstStyle/>
+        <a:p>
+          <a:r>
+            <a:rPr lang="en-GB" dirty="0">
+              <a:solidFill>
+                <a:schemeClr val="tx2"/>
+              </a:solidFill>
+            </a:rPr>
+            <a:t>tidyverse</a:t>
+          </a:r>
+        </a:p>
+      </dgm:t>
+    </dgm:pt>
+    <dgm:pt modelId="{F3E2682A-195C-F247-93A3-9DB33BC72353}" type="parTrans" cxnId="{2B774112-C444-194F-89C0-3FA5281A17F8}">
+      <dgm:prSet/>
+      <dgm:spPr/>
+      <dgm:t>
+        <a:bodyPr/>
+        <a:lstStyle/>
+        <a:p>
+          <a:endParaRPr lang="en-GB"/>
+        </a:p>
+      </dgm:t>
+    </dgm:pt>
+    <dgm:pt modelId="{324D62D8-5B4C-6640-901D-994796D3DB8F}" type="sibTrans" cxnId="{2B774112-C444-194F-89C0-3FA5281A17F8}">
+      <dgm:prSet/>
+      <dgm:spPr>
+        <a:blipFill>
+          <a:blip xmlns:r="http://schemas.openxmlformats.org/officeDocument/2006/relationships" r:embed="rId2">
+            <a:extLst>
+              <a:ext uri="{28A0092B-C50C-407E-A947-70E740481C1C}">
+                <a14:useLocalDpi xmlns:a14="http://schemas.microsoft.com/office/drawing/2010/main" val="0"/>
+              </a:ext>
+            </a:extLst>
+          </a:blip>
+          <a:srcRect/>
+          <a:stretch>
+            <a:fillRect t="-17000" b="-17000"/>
+          </a:stretch>
+        </a:blipFill>
+      </dgm:spPr>
+      <dgm:t>
+        <a:bodyPr/>
+        <a:lstStyle/>
+        <a:p>
+          <a:endParaRPr lang="en-GB"/>
+        </a:p>
+      </dgm:t>
+    </dgm:pt>
+    <dgm:pt modelId="{E59F1B4A-9DC2-0140-ADE0-D77E77158511}">
+      <dgm:prSet/>
+      <dgm:spPr/>
+      <dgm:t>
+        <a:bodyPr/>
+        <a:lstStyle/>
+        <a:p>
+          <a:r>
+            <a:rPr lang="en-GB" dirty="0">
+              <a:solidFill>
+                <a:schemeClr val="tx2"/>
+              </a:solidFill>
+            </a:rPr>
+            <a:t>RStudio</a:t>
+          </a:r>
+        </a:p>
+      </dgm:t>
+    </dgm:pt>
+    <dgm:pt modelId="{D256FD5A-3571-D447-A42D-68F8C2441609}" type="parTrans" cxnId="{E82811C6-4456-4542-A853-CA35A25B6E63}">
+      <dgm:prSet/>
+      <dgm:spPr/>
+      <dgm:t>
+        <a:bodyPr/>
+        <a:lstStyle/>
+        <a:p>
+          <a:endParaRPr lang="en-GB"/>
+        </a:p>
+      </dgm:t>
+    </dgm:pt>
+    <dgm:pt modelId="{FDED0507-A30A-D04D-8399-1D54A5202293}" type="sibTrans" cxnId="{E82811C6-4456-4542-A853-CA35A25B6E63}">
+      <dgm:prSet/>
+      <dgm:spPr>
+        <a:blipFill>
+          <a:blip xmlns:r="http://schemas.openxmlformats.org/officeDocument/2006/relationships" r:embed="rId3">
+            <a:extLst>
+              <a:ext uri="{28A0092B-C50C-407E-A947-70E740481C1C}">
+                <a14:useLocalDpi xmlns:a14="http://schemas.microsoft.com/office/drawing/2010/main" val="0"/>
+              </a:ext>
+            </a:extLst>
+          </a:blip>
+          <a:srcRect/>
+          <a:stretch>
+            <a:fillRect l="-5000" r="-5000"/>
+          </a:stretch>
+        </a:blipFill>
+      </dgm:spPr>
+      <dgm:t>
+        <a:bodyPr/>
+        <a:lstStyle/>
+        <a:p>
+          <a:endParaRPr lang="en-GB"/>
+        </a:p>
+      </dgm:t>
+    </dgm:pt>
+    <dgm:pt modelId="{83C7F4FA-695D-CD41-8063-0732A0E092AF}">
+      <dgm:prSet/>
+      <dgm:spPr/>
+      <dgm:t>
+        <a:bodyPr/>
+        <a:lstStyle/>
+        <a:p>
+          <a:r>
+            <a:rPr lang="en-GB" dirty="0" err="1">
+              <a:solidFill>
+                <a:schemeClr val="tx2"/>
+              </a:solidFill>
+            </a:rPr>
+            <a:t>Codeclan</a:t>
+          </a:r>
+          <a:endParaRPr lang="en-GB" dirty="0">
+            <a:solidFill>
+              <a:schemeClr val="tx2"/>
+            </a:solidFill>
+          </a:endParaRPr>
+        </a:p>
+      </dgm:t>
+    </dgm:pt>
+    <dgm:pt modelId="{9DA678F5-F50B-7941-A699-338A742FA619}" type="parTrans" cxnId="{9216EB21-49BD-8049-93A8-91B0F2BA15FD}">
+      <dgm:prSet/>
+      <dgm:spPr/>
+      <dgm:t>
+        <a:bodyPr/>
+        <a:lstStyle/>
+        <a:p>
+          <a:endParaRPr lang="en-GB"/>
+        </a:p>
+      </dgm:t>
+    </dgm:pt>
+    <dgm:pt modelId="{D70157DE-FA7F-8144-A6DE-70E785B37ACC}" type="sibTrans" cxnId="{9216EB21-49BD-8049-93A8-91B0F2BA15FD}">
+      <dgm:prSet/>
+      <dgm:spPr>
+        <a:blipFill>
+          <a:blip xmlns:r="http://schemas.openxmlformats.org/officeDocument/2006/relationships" r:embed="rId4">
+            <a:extLst>
+              <a:ext uri="{28A0092B-C50C-407E-A947-70E740481C1C}">
+                <a14:useLocalDpi xmlns:a14="http://schemas.microsoft.com/office/drawing/2010/main" val="0"/>
+              </a:ext>
+            </a:extLst>
+          </a:blip>
+          <a:srcRect/>
+          <a:stretch>
+            <a:fillRect t="-8000" b="-8000"/>
+          </a:stretch>
+        </a:blipFill>
+      </dgm:spPr>
+      <dgm:t>
+        <a:bodyPr/>
+        <a:lstStyle/>
+        <a:p>
+          <a:endParaRPr lang="en-GB"/>
+        </a:p>
+      </dgm:t>
+    </dgm:pt>
+    <dgm:pt modelId="{F7542B54-8E5B-9B49-923B-4F72EE343921}">
+      <dgm:prSet/>
+      <dgm:spPr/>
+      <dgm:t>
+        <a:bodyPr/>
+        <a:lstStyle/>
+        <a:p>
+          <a:r>
+            <a:rPr lang="en-GB" dirty="0">
+              <a:solidFill>
+                <a:schemeClr val="tx2"/>
+              </a:solidFill>
+            </a:rPr>
+            <a:t>GitHub</a:t>
+          </a:r>
+        </a:p>
+      </dgm:t>
+    </dgm:pt>
+    <dgm:pt modelId="{8656F192-3011-654C-A8E5-FD9385A047AB}" type="parTrans" cxnId="{D17EDB3C-A127-EA49-A7FE-8AFB9186EF24}">
+      <dgm:prSet/>
+      <dgm:spPr/>
+      <dgm:t>
+        <a:bodyPr/>
+        <a:lstStyle/>
+        <a:p>
+          <a:endParaRPr lang="en-GB"/>
+        </a:p>
+      </dgm:t>
+    </dgm:pt>
+    <dgm:pt modelId="{DC2C722B-5A0D-4E4F-8B8E-68D24AC8DD8D}" type="sibTrans" cxnId="{D17EDB3C-A127-EA49-A7FE-8AFB9186EF24}">
+      <dgm:prSet/>
+      <dgm:spPr>
+        <a:blipFill>
+          <a:blip xmlns:r="http://schemas.openxmlformats.org/officeDocument/2006/relationships" r:embed="rId5">
+            <a:extLst>
+              <a:ext uri="{28A0092B-C50C-407E-A947-70E740481C1C}">
+                <a14:useLocalDpi xmlns:a14="http://schemas.microsoft.com/office/drawing/2010/main" val="0"/>
+              </a:ext>
+            </a:extLst>
+          </a:blip>
+          <a:srcRect/>
+          <a:stretch>
+            <a:fillRect l="-2000" r="-2000"/>
+          </a:stretch>
+        </a:blipFill>
+      </dgm:spPr>
+      <dgm:t>
+        <a:bodyPr/>
+        <a:lstStyle/>
+        <a:p>
+          <a:endParaRPr lang="en-GB"/>
+        </a:p>
+      </dgm:t>
+    </dgm:pt>
+    <dgm:pt modelId="{FE870095-FB13-5A4F-9C98-55DC1830B745}">
+      <dgm:prSet/>
+      <dgm:spPr/>
+      <dgm:t>
+        <a:bodyPr/>
+        <a:lstStyle/>
+        <a:p>
+          <a:r>
+            <a:rPr lang="en-GB" dirty="0">
+              <a:solidFill>
+                <a:schemeClr val="tx2"/>
+              </a:solidFill>
+            </a:rPr>
+            <a:t>Shiny</a:t>
+          </a:r>
+        </a:p>
+      </dgm:t>
+    </dgm:pt>
+    <dgm:pt modelId="{34EE9CA5-6AAC-6D4E-BE95-E21AC395F88C}" type="parTrans" cxnId="{331D7EEB-4DF9-6247-AEC9-3D330CC74B10}">
+      <dgm:prSet/>
+      <dgm:spPr/>
+      <dgm:t>
+        <a:bodyPr/>
+        <a:lstStyle/>
+        <a:p>
+          <a:endParaRPr lang="en-GB"/>
+        </a:p>
+      </dgm:t>
+    </dgm:pt>
+    <dgm:pt modelId="{EED4DE32-A8DB-924C-B796-4C585D73817D}" type="sibTrans" cxnId="{331D7EEB-4DF9-6247-AEC9-3D330CC74B10}">
+      <dgm:prSet/>
+      <dgm:spPr>
+        <a:blipFill>
+          <a:blip xmlns:r="http://schemas.openxmlformats.org/officeDocument/2006/relationships" r:embed="rId6">
+            <a:extLst>
+              <a:ext uri="{28A0092B-C50C-407E-A947-70E740481C1C}">
+                <a14:useLocalDpi xmlns:a14="http://schemas.microsoft.com/office/drawing/2010/main" val="0"/>
+              </a:ext>
+            </a:extLst>
+          </a:blip>
+          <a:srcRect/>
+          <a:stretch>
+            <a:fillRect l="-3000" r="-3000"/>
+          </a:stretch>
+        </a:blipFill>
+      </dgm:spPr>
+      <dgm:t>
+        <a:bodyPr/>
+        <a:lstStyle/>
+        <a:p>
+          <a:endParaRPr lang="en-GB"/>
+        </a:p>
+      </dgm:t>
+    </dgm:pt>
+    <dgm:pt modelId="{9358042C-2AED-FF4E-95F7-D4BC56A73177}">
+      <dgm:prSet phldrT="[Text]"/>
+      <dgm:spPr/>
+      <dgm:t>
+        <a:bodyPr/>
+        <a:lstStyle/>
+        <a:p>
+          <a:r>
+            <a:rPr lang="en-GB" dirty="0">
+              <a:solidFill>
+                <a:schemeClr val="tx2"/>
+              </a:solidFill>
+            </a:rPr>
+            <a:t>ggplot</a:t>
+          </a:r>
+        </a:p>
+      </dgm:t>
+    </dgm:pt>
+    <dgm:pt modelId="{DB6FE44A-66BC-0C43-9C96-B9F4E373DF64}" type="sibTrans" cxnId="{829B7961-8F0C-EF43-AB0E-DB8850BF910C}">
+      <dgm:prSet/>
+      <dgm:spPr>
+        <a:blipFill>
+          <a:blip xmlns:r="http://schemas.openxmlformats.org/officeDocument/2006/relationships" r:embed="rId7">
+            <a:extLst>
+              <a:ext uri="{28A0092B-C50C-407E-A947-70E740481C1C}">
+                <a14:useLocalDpi xmlns:a14="http://schemas.microsoft.com/office/drawing/2010/main" val="0"/>
+              </a:ext>
+            </a:extLst>
+          </a:blip>
+          <a:srcRect/>
+          <a:stretch>
+            <a:fillRect t="-11000" b="-11000"/>
+          </a:stretch>
+        </a:blipFill>
+      </dgm:spPr>
+      <dgm:t>
+        <a:bodyPr/>
+        <a:lstStyle/>
+        <a:p>
+          <a:endParaRPr lang="en-GB"/>
+        </a:p>
+      </dgm:t>
+    </dgm:pt>
+    <dgm:pt modelId="{71FE9127-4ED1-6B4D-8AC9-D4FEF5810894}" type="parTrans" cxnId="{829B7961-8F0C-EF43-AB0E-DB8850BF910C}">
+      <dgm:prSet/>
+      <dgm:spPr/>
+      <dgm:t>
+        <a:bodyPr/>
+        <a:lstStyle/>
+        <a:p>
+          <a:endParaRPr lang="en-GB"/>
+        </a:p>
+      </dgm:t>
+    </dgm:pt>
+    <dgm:pt modelId="{38836144-24CC-8C4B-BCBE-319D57E657D0}" type="pres">
+      <dgm:prSet presAssocID="{92879506-E01D-1F4E-B51D-9C8031976A1D}" presName="Name0" presStyleCnt="0">
+        <dgm:presLayoutVars>
+          <dgm:chMax val="21"/>
+          <dgm:chPref val="21"/>
+        </dgm:presLayoutVars>
+      </dgm:prSet>
+      <dgm:spPr/>
+    </dgm:pt>
+    <dgm:pt modelId="{1F2758FF-C9A2-8C4A-8FF0-58592D7A22AA}" type="pres">
+      <dgm:prSet presAssocID="{9358042C-2AED-FF4E-95F7-D4BC56A73177}" presName="text1" presStyleCnt="0"/>
+      <dgm:spPr/>
+    </dgm:pt>
+    <dgm:pt modelId="{E6EB0E68-633D-BE45-9B21-3ABA609B0C57}" type="pres">
+      <dgm:prSet presAssocID="{9358042C-2AED-FF4E-95F7-D4BC56A73177}" presName="textRepeatNode" presStyleLbl="alignNode1" presStyleIdx="0" presStyleCnt="7">
+        <dgm:presLayoutVars>
+          <dgm:chMax val="0"/>
+          <dgm:chPref val="0"/>
+          <dgm:bulletEnabled val="1"/>
+        </dgm:presLayoutVars>
+      </dgm:prSet>
+      <dgm:spPr/>
+    </dgm:pt>
+    <dgm:pt modelId="{7F329155-C47D-6746-A3F9-C9C10CB0A9B5}" type="pres">
+      <dgm:prSet presAssocID="{9358042C-2AED-FF4E-95F7-D4BC56A73177}" presName="textaccent1" presStyleCnt="0"/>
+      <dgm:spPr/>
+    </dgm:pt>
+    <dgm:pt modelId="{6C55245C-7ED7-9C41-B53E-9061D34D88E4}" type="pres">
+      <dgm:prSet presAssocID="{9358042C-2AED-FF4E-95F7-D4BC56A73177}" presName="accentRepeatNode" presStyleLbl="solidAlignAcc1" presStyleIdx="0" presStyleCnt="14"/>
+      <dgm:spPr/>
+    </dgm:pt>
+    <dgm:pt modelId="{CF374A14-1362-B542-B463-F9D67054B826}" type="pres">
+      <dgm:prSet presAssocID="{DB6FE44A-66BC-0C43-9C96-B9F4E373DF64}" presName="image1" presStyleCnt="0"/>
+      <dgm:spPr/>
+    </dgm:pt>
+    <dgm:pt modelId="{CEF743CA-A560-CE4C-AE69-13749EE0D479}" type="pres">
+      <dgm:prSet presAssocID="{DB6FE44A-66BC-0C43-9C96-B9F4E373DF64}" presName="imageRepeatNode" presStyleLbl="alignAcc1" presStyleIdx="0" presStyleCnt="7"/>
+      <dgm:spPr/>
+    </dgm:pt>
+    <dgm:pt modelId="{E3114012-C536-C242-B7E6-D40C3483BB01}" type="pres">
+      <dgm:prSet presAssocID="{DB6FE44A-66BC-0C43-9C96-B9F4E373DF64}" presName="imageaccent1" presStyleCnt="0"/>
+      <dgm:spPr/>
+    </dgm:pt>
+    <dgm:pt modelId="{529260AB-3632-9B4F-8381-028FFDE5BFEC}" type="pres">
+      <dgm:prSet presAssocID="{DB6FE44A-66BC-0C43-9C96-B9F4E373DF64}" presName="accentRepeatNode" presStyleLbl="solidAlignAcc1" presStyleIdx="1" presStyleCnt="14"/>
+      <dgm:spPr/>
+    </dgm:pt>
+    <dgm:pt modelId="{562B9BD7-C713-294B-B0F9-55337CE12DBD}" type="pres">
+      <dgm:prSet presAssocID="{FE870095-FB13-5A4F-9C98-55DC1830B745}" presName="text2" presStyleCnt="0"/>
+      <dgm:spPr/>
+    </dgm:pt>
+    <dgm:pt modelId="{20C4DADF-AA0C-E940-9D9C-92A96C926F71}" type="pres">
+      <dgm:prSet presAssocID="{FE870095-FB13-5A4F-9C98-55DC1830B745}" presName="textRepeatNode" presStyleLbl="alignNode1" presStyleIdx="1" presStyleCnt="7">
+        <dgm:presLayoutVars>
+          <dgm:chMax val="0"/>
+          <dgm:chPref val="0"/>
+          <dgm:bulletEnabled val="1"/>
+        </dgm:presLayoutVars>
+      </dgm:prSet>
+      <dgm:spPr/>
+    </dgm:pt>
+    <dgm:pt modelId="{E439288E-FCDC-FF4E-ADED-C06CFF252D5F}" type="pres">
+      <dgm:prSet presAssocID="{FE870095-FB13-5A4F-9C98-55DC1830B745}" presName="textaccent2" presStyleCnt="0"/>
+      <dgm:spPr/>
+    </dgm:pt>
+    <dgm:pt modelId="{62CC3FD7-0CE7-5040-AC13-8A9827C7C3E4}" type="pres">
+      <dgm:prSet presAssocID="{FE870095-FB13-5A4F-9C98-55DC1830B745}" presName="accentRepeatNode" presStyleLbl="solidAlignAcc1" presStyleIdx="2" presStyleCnt="14"/>
+      <dgm:spPr/>
+    </dgm:pt>
+    <dgm:pt modelId="{0512852E-48BB-3042-9DE6-536A47680485}" type="pres">
+      <dgm:prSet presAssocID="{EED4DE32-A8DB-924C-B796-4C585D73817D}" presName="image2" presStyleCnt="0"/>
+      <dgm:spPr/>
+    </dgm:pt>
+    <dgm:pt modelId="{8C1CA2DF-C6B8-7F41-9EBC-2FB4DC121E3F}" type="pres">
+      <dgm:prSet presAssocID="{EED4DE32-A8DB-924C-B796-4C585D73817D}" presName="imageRepeatNode" presStyleLbl="alignAcc1" presStyleIdx="1" presStyleCnt="7"/>
+      <dgm:spPr/>
+    </dgm:pt>
+    <dgm:pt modelId="{926408BF-32B3-244D-B20C-A22BBDA2274D}" type="pres">
+      <dgm:prSet presAssocID="{EED4DE32-A8DB-924C-B796-4C585D73817D}" presName="imageaccent2" presStyleCnt="0"/>
+      <dgm:spPr/>
+    </dgm:pt>
+    <dgm:pt modelId="{38232EAB-CECD-1C44-A4AB-EE3DF9816F1B}" type="pres">
+      <dgm:prSet presAssocID="{EED4DE32-A8DB-924C-B796-4C585D73817D}" presName="accentRepeatNode" presStyleLbl="solidAlignAcc1" presStyleIdx="3" presStyleCnt="14"/>
+      <dgm:spPr/>
+    </dgm:pt>
+    <dgm:pt modelId="{473DBCBD-E81B-8945-AE05-12A1EC6B4B22}" type="pres">
+      <dgm:prSet presAssocID="{5C69374B-1681-C549-B863-D7F7CEB1B8AE}" presName="text3" presStyleCnt="0"/>
+      <dgm:spPr/>
+    </dgm:pt>
+    <dgm:pt modelId="{1E2666CD-B83B-1148-84FB-D244FD0E2266}" type="pres">
+      <dgm:prSet presAssocID="{5C69374B-1681-C549-B863-D7F7CEB1B8AE}" presName="textRepeatNode" presStyleLbl="alignNode1" presStyleIdx="2" presStyleCnt="7">
+        <dgm:presLayoutVars>
+          <dgm:chMax val="0"/>
+          <dgm:chPref val="0"/>
+          <dgm:bulletEnabled val="1"/>
+        </dgm:presLayoutVars>
+      </dgm:prSet>
+      <dgm:spPr/>
+    </dgm:pt>
+    <dgm:pt modelId="{64EBF9EB-ECBE-0646-ABF4-D929222D2A03}" type="pres">
+      <dgm:prSet presAssocID="{5C69374B-1681-C549-B863-D7F7CEB1B8AE}" presName="textaccent3" presStyleCnt="0"/>
+      <dgm:spPr/>
+    </dgm:pt>
+    <dgm:pt modelId="{C9A9DD41-362E-054D-A4DF-F64B98E19040}" type="pres">
+      <dgm:prSet presAssocID="{5C69374B-1681-C549-B863-D7F7CEB1B8AE}" presName="accentRepeatNode" presStyleLbl="solidAlignAcc1" presStyleIdx="4" presStyleCnt="14"/>
+      <dgm:spPr/>
+    </dgm:pt>
+    <dgm:pt modelId="{3D07F6BB-DBEA-4347-9A97-3ECEBD0D8B7A}" type="pres">
+      <dgm:prSet presAssocID="{324D62D8-5B4C-6640-901D-994796D3DB8F}" presName="image3" presStyleCnt="0"/>
+      <dgm:spPr/>
+    </dgm:pt>
+    <dgm:pt modelId="{059A0F5A-CD89-3D46-8A20-8BBA2C8B4E00}" type="pres">
+      <dgm:prSet presAssocID="{324D62D8-5B4C-6640-901D-994796D3DB8F}" presName="imageRepeatNode" presStyleLbl="alignAcc1" presStyleIdx="2" presStyleCnt="7"/>
+      <dgm:spPr/>
+    </dgm:pt>
+    <dgm:pt modelId="{E0573DA5-45FD-D146-B55F-323C14EB6BB9}" type="pres">
+      <dgm:prSet presAssocID="{324D62D8-5B4C-6640-901D-994796D3DB8F}" presName="imageaccent3" presStyleCnt="0"/>
+      <dgm:spPr/>
+    </dgm:pt>
+    <dgm:pt modelId="{4CB5CD11-49E1-714B-83EB-154FCD6A243E}" type="pres">
+      <dgm:prSet presAssocID="{324D62D8-5B4C-6640-901D-994796D3DB8F}" presName="accentRepeatNode" presStyleLbl="solidAlignAcc1" presStyleIdx="5" presStyleCnt="14"/>
+      <dgm:spPr/>
+    </dgm:pt>
+    <dgm:pt modelId="{1AD69490-C441-1746-BA54-1A1B8BEF28DE}" type="pres">
+      <dgm:prSet presAssocID="{C04828EF-3B9C-4F43-BDAD-EE771B9E4BD9}" presName="text4" presStyleCnt="0"/>
+      <dgm:spPr/>
+    </dgm:pt>
+    <dgm:pt modelId="{64A0C8F2-B2F9-EC40-B8C2-5DCD8E55FB8D}" type="pres">
+      <dgm:prSet presAssocID="{C04828EF-3B9C-4F43-BDAD-EE771B9E4BD9}" presName="textRepeatNode" presStyleLbl="alignNode1" presStyleIdx="3" presStyleCnt="7">
+        <dgm:presLayoutVars>
+          <dgm:chMax val="0"/>
+          <dgm:chPref val="0"/>
+          <dgm:bulletEnabled val="1"/>
+        </dgm:presLayoutVars>
+      </dgm:prSet>
+      <dgm:spPr/>
+    </dgm:pt>
+    <dgm:pt modelId="{4E94047B-75AB-D141-BB9E-BB3FD0256F2C}" type="pres">
+      <dgm:prSet presAssocID="{C04828EF-3B9C-4F43-BDAD-EE771B9E4BD9}" presName="textaccent4" presStyleCnt="0"/>
+      <dgm:spPr/>
+    </dgm:pt>
+    <dgm:pt modelId="{03FB3C37-C9F7-B94D-9741-D05B0A86A0F5}" type="pres">
+      <dgm:prSet presAssocID="{C04828EF-3B9C-4F43-BDAD-EE771B9E4BD9}" presName="accentRepeatNode" presStyleLbl="solidAlignAcc1" presStyleIdx="6" presStyleCnt="14"/>
+      <dgm:spPr/>
+    </dgm:pt>
+    <dgm:pt modelId="{C2AEE171-C239-B041-9901-5AEAF23D9849}" type="pres">
+      <dgm:prSet presAssocID="{92E5DC12-343A-0140-A3E8-DF43A57D10E6}" presName="image4" presStyleCnt="0"/>
+      <dgm:spPr/>
+    </dgm:pt>
+    <dgm:pt modelId="{DD75C77E-88C7-EF4C-B19F-D25C1974EBCA}" type="pres">
+      <dgm:prSet presAssocID="{92E5DC12-343A-0140-A3E8-DF43A57D10E6}" presName="imageRepeatNode" presStyleLbl="alignAcc1" presStyleIdx="3" presStyleCnt="7"/>
+      <dgm:spPr/>
+    </dgm:pt>
+    <dgm:pt modelId="{E2C3A0D5-640C-0540-A1BD-39A036E13341}" type="pres">
+      <dgm:prSet presAssocID="{92E5DC12-343A-0140-A3E8-DF43A57D10E6}" presName="imageaccent4" presStyleCnt="0"/>
+      <dgm:spPr/>
+    </dgm:pt>
+    <dgm:pt modelId="{CC2E543A-3E08-A14D-B17E-4A0933C12715}" type="pres">
+      <dgm:prSet presAssocID="{92E5DC12-343A-0140-A3E8-DF43A57D10E6}" presName="accentRepeatNode" presStyleLbl="solidAlignAcc1" presStyleIdx="7" presStyleCnt="14"/>
+      <dgm:spPr/>
+    </dgm:pt>
+    <dgm:pt modelId="{2EDCB8BF-4100-8347-A1C2-FEBD0F0F565B}" type="pres">
+      <dgm:prSet presAssocID="{E59F1B4A-9DC2-0140-ADE0-D77E77158511}" presName="text5" presStyleCnt="0"/>
+      <dgm:spPr/>
+    </dgm:pt>
+    <dgm:pt modelId="{6F57384F-6395-0847-856F-90F38335679D}" type="pres">
+      <dgm:prSet presAssocID="{E59F1B4A-9DC2-0140-ADE0-D77E77158511}" presName="textRepeatNode" presStyleLbl="alignNode1" presStyleIdx="4" presStyleCnt="7">
+        <dgm:presLayoutVars>
+          <dgm:chMax val="0"/>
+          <dgm:chPref val="0"/>
+          <dgm:bulletEnabled val="1"/>
+        </dgm:presLayoutVars>
+      </dgm:prSet>
+      <dgm:spPr/>
+    </dgm:pt>
+    <dgm:pt modelId="{5A91C254-CFAD-BA47-856A-C7BCF1478D84}" type="pres">
+      <dgm:prSet presAssocID="{E59F1B4A-9DC2-0140-ADE0-D77E77158511}" presName="textaccent5" presStyleCnt="0"/>
+      <dgm:spPr/>
+    </dgm:pt>
+    <dgm:pt modelId="{5CAF0E08-E585-0041-B16C-E6A80AD20F62}" type="pres">
+      <dgm:prSet presAssocID="{E59F1B4A-9DC2-0140-ADE0-D77E77158511}" presName="accentRepeatNode" presStyleLbl="solidAlignAcc1" presStyleIdx="8" presStyleCnt="14"/>
+      <dgm:spPr/>
+    </dgm:pt>
+    <dgm:pt modelId="{E421D329-3FA3-C643-A9C4-A9558653E950}" type="pres">
+      <dgm:prSet presAssocID="{FDED0507-A30A-D04D-8399-1D54A5202293}" presName="image5" presStyleCnt="0"/>
+      <dgm:spPr/>
+    </dgm:pt>
+    <dgm:pt modelId="{658580EB-7162-9D42-A4C2-FF39FECABF67}" type="pres">
+      <dgm:prSet presAssocID="{FDED0507-A30A-D04D-8399-1D54A5202293}" presName="imageRepeatNode" presStyleLbl="alignAcc1" presStyleIdx="4" presStyleCnt="7"/>
+      <dgm:spPr/>
+    </dgm:pt>
+    <dgm:pt modelId="{A731A76E-A4F0-B146-B86B-DE3179C9066F}" type="pres">
+      <dgm:prSet presAssocID="{FDED0507-A30A-D04D-8399-1D54A5202293}" presName="imageaccent5" presStyleCnt="0"/>
+      <dgm:spPr/>
+    </dgm:pt>
+    <dgm:pt modelId="{AD64E1BC-BD0B-C449-8076-E4D3DF612EF4}" type="pres">
+      <dgm:prSet presAssocID="{FDED0507-A30A-D04D-8399-1D54A5202293}" presName="accentRepeatNode" presStyleLbl="solidAlignAcc1" presStyleIdx="9" presStyleCnt="14"/>
+      <dgm:spPr/>
+    </dgm:pt>
+    <dgm:pt modelId="{A0A9BA56-97F8-794E-959B-7BCDF3C4825A}" type="pres">
+      <dgm:prSet presAssocID="{83C7F4FA-695D-CD41-8063-0732A0E092AF}" presName="text6" presStyleCnt="0"/>
+      <dgm:spPr/>
+    </dgm:pt>
+    <dgm:pt modelId="{B50C3079-AE0F-C644-A7D3-84720CB1879D}" type="pres">
+      <dgm:prSet presAssocID="{83C7F4FA-695D-CD41-8063-0732A0E092AF}" presName="textRepeatNode" presStyleLbl="alignNode1" presStyleIdx="5" presStyleCnt="7">
+        <dgm:presLayoutVars>
+          <dgm:chMax val="0"/>
+          <dgm:chPref val="0"/>
+          <dgm:bulletEnabled val="1"/>
+        </dgm:presLayoutVars>
+      </dgm:prSet>
+      <dgm:spPr/>
+    </dgm:pt>
+    <dgm:pt modelId="{583E7C07-5614-8647-88E8-56EFD29325A3}" type="pres">
+      <dgm:prSet presAssocID="{83C7F4FA-695D-CD41-8063-0732A0E092AF}" presName="textaccent6" presStyleCnt="0"/>
+      <dgm:spPr/>
+    </dgm:pt>
+    <dgm:pt modelId="{96C741F1-0D31-B948-A2AB-324CB2D1FFC5}" type="pres">
+      <dgm:prSet presAssocID="{83C7F4FA-695D-CD41-8063-0732A0E092AF}" presName="accentRepeatNode" presStyleLbl="solidAlignAcc1" presStyleIdx="10" presStyleCnt="14"/>
+      <dgm:spPr/>
+    </dgm:pt>
+    <dgm:pt modelId="{1DA8B923-E9A7-B046-B1A1-33CF6DEB27EC}" type="pres">
+      <dgm:prSet presAssocID="{D70157DE-FA7F-8144-A6DE-70E785B37ACC}" presName="image6" presStyleCnt="0"/>
+      <dgm:spPr/>
+    </dgm:pt>
+    <dgm:pt modelId="{3F99BF38-E351-E64F-9FF8-34E5D945504A}" type="pres">
+      <dgm:prSet presAssocID="{D70157DE-FA7F-8144-A6DE-70E785B37ACC}" presName="imageRepeatNode" presStyleLbl="alignAcc1" presStyleIdx="5" presStyleCnt="7"/>
+      <dgm:spPr/>
+    </dgm:pt>
+    <dgm:pt modelId="{9A260EBC-9157-EA45-B546-B0060894ED69}" type="pres">
+      <dgm:prSet presAssocID="{D70157DE-FA7F-8144-A6DE-70E785B37ACC}" presName="imageaccent6" presStyleCnt="0"/>
+      <dgm:spPr/>
+    </dgm:pt>
+    <dgm:pt modelId="{2F3C0296-3E9A-AF4B-BB41-BFDB09F9883E}" type="pres">
+      <dgm:prSet presAssocID="{D70157DE-FA7F-8144-A6DE-70E785B37ACC}" presName="accentRepeatNode" presStyleLbl="solidAlignAcc1" presStyleIdx="11" presStyleCnt="14"/>
+      <dgm:spPr/>
+    </dgm:pt>
+    <dgm:pt modelId="{E1D44001-654A-4F4B-971C-7D4ED561FC21}" type="pres">
+      <dgm:prSet presAssocID="{F7542B54-8E5B-9B49-923B-4F72EE343921}" presName="text7" presStyleCnt="0"/>
+      <dgm:spPr/>
+    </dgm:pt>
+    <dgm:pt modelId="{F90CF15B-D8A3-EB45-9EB6-33B241BEB86E}" type="pres">
+      <dgm:prSet presAssocID="{F7542B54-8E5B-9B49-923B-4F72EE343921}" presName="textRepeatNode" presStyleLbl="alignNode1" presStyleIdx="6" presStyleCnt="7">
+        <dgm:presLayoutVars>
+          <dgm:chMax val="0"/>
+          <dgm:chPref val="0"/>
+          <dgm:bulletEnabled val="1"/>
+        </dgm:presLayoutVars>
+      </dgm:prSet>
+      <dgm:spPr/>
+    </dgm:pt>
+    <dgm:pt modelId="{72AA7735-FA6B-1245-BB94-99F8E3B3AB26}" type="pres">
+      <dgm:prSet presAssocID="{F7542B54-8E5B-9B49-923B-4F72EE343921}" presName="textaccent7" presStyleCnt="0"/>
+      <dgm:spPr/>
+    </dgm:pt>
+    <dgm:pt modelId="{97601731-5207-794A-985E-002E04F676B8}" type="pres">
+      <dgm:prSet presAssocID="{F7542B54-8E5B-9B49-923B-4F72EE343921}" presName="accentRepeatNode" presStyleLbl="solidAlignAcc1" presStyleIdx="12" presStyleCnt="14"/>
+      <dgm:spPr/>
+    </dgm:pt>
+    <dgm:pt modelId="{10EB0089-4A0F-9B4C-BE34-B035F6BD5C11}" type="pres">
+      <dgm:prSet presAssocID="{DC2C722B-5A0D-4E4F-8B8E-68D24AC8DD8D}" presName="image7" presStyleCnt="0"/>
+      <dgm:spPr/>
+    </dgm:pt>
+    <dgm:pt modelId="{53155869-57EA-9544-9425-BCEB4A92C5A4}" type="pres">
+      <dgm:prSet presAssocID="{DC2C722B-5A0D-4E4F-8B8E-68D24AC8DD8D}" presName="imageRepeatNode" presStyleLbl="alignAcc1" presStyleIdx="6" presStyleCnt="7"/>
+      <dgm:spPr/>
+    </dgm:pt>
+    <dgm:pt modelId="{F5EAE763-EAA7-7149-AC8B-DF1DCE75C68B}" type="pres">
+      <dgm:prSet presAssocID="{DC2C722B-5A0D-4E4F-8B8E-68D24AC8DD8D}" presName="imageaccent7" presStyleCnt="0"/>
+      <dgm:spPr/>
+    </dgm:pt>
+    <dgm:pt modelId="{3AA83197-75E6-544E-9863-3E31118D17A9}" type="pres">
+      <dgm:prSet presAssocID="{DC2C722B-5A0D-4E4F-8B8E-68D24AC8DD8D}" presName="accentRepeatNode" presStyleLbl="solidAlignAcc1" presStyleIdx="13" presStyleCnt="14"/>
+      <dgm:spPr/>
+    </dgm:pt>
+  </dgm:ptLst>
+  <dgm:cxnLst>
+    <dgm:cxn modelId="{911F8607-4C0B-D646-828E-ACB7AF995BA0}" type="presOf" srcId="{83C7F4FA-695D-CD41-8063-0732A0E092AF}" destId="{B50C3079-AE0F-C644-A7D3-84720CB1879D}" srcOrd="0" destOrd="0" presId="urn:microsoft.com/office/officeart/2008/layout/HexagonCluster"/>
+    <dgm:cxn modelId="{5B1B5A11-B80A-254C-9C33-65387AF266FC}" srcId="{92879506-E01D-1F4E-B51D-9C8031976A1D}" destId="{C04828EF-3B9C-4F43-BDAD-EE771B9E4BD9}" srcOrd="3" destOrd="0" parTransId="{F083344F-7C6B-2C4B-9095-D251C56464D6}" sibTransId="{92E5DC12-343A-0140-A3E8-DF43A57D10E6}"/>
+    <dgm:cxn modelId="{2B774112-C444-194F-89C0-3FA5281A17F8}" srcId="{92879506-E01D-1F4E-B51D-9C8031976A1D}" destId="{5C69374B-1681-C549-B863-D7F7CEB1B8AE}" srcOrd="2" destOrd="0" parTransId="{F3E2682A-195C-F247-93A3-9DB33BC72353}" sibTransId="{324D62D8-5B4C-6640-901D-994796D3DB8F}"/>
+    <dgm:cxn modelId="{08A9B31A-04ED-E743-BE5D-EB9F8B3E4E4C}" type="presOf" srcId="{324D62D8-5B4C-6640-901D-994796D3DB8F}" destId="{059A0F5A-CD89-3D46-8A20-8BBA2C8B4E00}" srcOrd="0" destOrd="0" presId="urn:microsoft.com/office/officeart/2008/layout/HexagonCluster"/>
+    <dgm:cxn modelId="{9216EB21-49BD-8049-93A8-91B0F2BA15FD}" srcId="{92879506-E01D-1F4E-B51D-9C8031976A1D}" destId="{83C7F4FA-695D-CD41-8063-0732A0E092AF}" srcOrd="5" destOrd="0" parTransId="{9DA678F5-F50B-7941-A699-338A742FA619}" sibTransId="{D70157DE-FA7F-8144-A6DE-70E785B37ACC}"/>
+    <dgm:cxn modelId="{747F3822-9429-9E48-9941-674797E8AB77}" type="presOf" srcId="{92E5DC12-343A-0140-A3E8-DF43A57D10E6}" destId="{DD75C77E-88C7-EF4C-B19F-D25C1974EBCA}" srcOrd="0" destOrd="0" presId="urn:microsoft.com/office/officeart/2008/layout/HexagonCluster"/>
+    <dgm:cxn modelId="{E8D7E430-FEA0-404D-A0E2-0F52B733DC63}" type="presOf" srcId="{EED4DE32-A8DB-924C-B796-4C585D73817D}" destId="{8C1CA2DF-C6B8-7F41-9EBC-2FB4DC121E3F}" srcOrd="0" destOrd="0" presId="urn:microsoft.com/office/officeart/2008/layout/HexagonCluster"/>
+    <dgm:cxn modelId="{D17EDB3C-A127-EA49-A7FE-8AFB9186EF24}" srcId="{92879506-E01D-1F4E-B51D-9C8031976A1D}" destId="{F7542B54-8E5B-9B49-923B-4F72EE343921}" srcOrd="6" destOrd="0" parTransId="{8656F192-3011-654C-A8E5-FD9385A047AB}" sibTransId="{DC2C722B-5A0D-4E4F-8B8E-68D24AC8DD8D}"/>
+    <dgm:cxn modelId="{829B7961-8F0C-EF43-AB0E-DB8850BF910C}" srcId="{92879506-E01D-1F4E-B51D-9C8031976A1D}" destId="{9358042C-2AED-FF4E-95F7-D4BC56A73177}" srcOrd="0" destOrd="0" parTransId="{71FE9127-4ED1-6B4D-8AC9-D4FEF5810894}" sibTransId="{DB6FE44A-66BC-0C43-9C96-B9F4E373DF64}"/>
+    <dgm:cxn modelId="{DFC38B7A-A438-5242-96A1-0B11127887F8}" type="presOf" srcId="{FE870095-FB13-5A4F-9C98-55DC1830B745}" destId="{20C4DADF-AA0C-E940-9D9C-92A96C926F71}" srcOrd="0" destOrd="0" presId="urn:microsoft.com/office/officeart/2008/layout/HexagonCluster"/>
+    <dgm:cxn modelId="{39E13B85-601D-7540-88B3-84E3726F23F3}" type="presOf" srcId="{5C69374B-1681-C549-B863-D7F7CEB1B8AE}" destId="{1E2666CD-B83B-1148-84FB-D244FD0E2266}" srcOrd="0" destOrd="0" presId="urn:microsoft.com/office/officeart/2008/layout/HexagonCluster"/>
+    <dgm:cxn modelId="{5785A38B-5AC9-5A4A-80AB-395F4BBC1303}" type="presOf" srcId="{C04828EF-3B9C-4F43-BDAD-EE771B9E4BD9}" destId="{64A0C8F2-B2F9-EC40-B8C2-5DCD8E55FB8D}" srcOrd="0" destOrd="0" presId="urn:microsoft.com/office/officeart/2008/layout/HexagonCluster"/>
+    <dgm:cxn modelId="{D639B49F-EEEC-A644-8A4F-E18D08847A1F}" type="presOf" srcId="{9358042C-2AED-FF4E-95F7-D4BC56A73177}" destId="{E6EB0E68-633D-BE45-9B21-3ABA609B0C57}" srcOrd="0" destOrd="0" presId="urn:microsoft.com/office/officeart/2008/layout/HexagonCluster"/>
+    <dgm:cxn modelId="{46A72BB2-33D6-F14D-8953-78B70B71DC68}" type="presOf" srcId="{DC2C722B-5A0D-4E4F-8B8E-68D24AC8DD8D}" destId="{53155869-57EA-9544-9425-BCEB4A92C5A4}" srcOrd="0" destOrd="0" presId="urn:microsoft.com/office/officeart/2008/layout/HexagonCluster"/>
+    <dgm:cxn modelId="{094839BF-BC14-044F-A6C8-D75C8E54FB73}" type="presOf" srcId="{D70157DE-FA7F-8144-A6DE-70E785B37ACC}" destId="{3F99BF38-E351-E64F-9FF8-34E5D945504A}" srcOrd="0" destOrd="0" presId="urn:microsoft.com/office/officeart/2008/layout/HexagonCluster"/>
+    <dgm:cxn modelId="{E82811C6-4456-4542-A853-CA35A25B6E63}" srcId="{92879506-E01D-1F4E-B51D-9C8031976A1D}" destId="{E59F1B4A-9DC2-0140-ADE0-D77E77158511}" srcOrd="4" destOrd="0" parTransId="{D256FD5A-3571-D447-A42D-68F8C2441609}" sibTransId="{FDED0507-A30A-D04D-8399-1D54A5202293}"/>
+    <dgm:cxn modelId="{1ECB9DC8-0D09-F442-B04F-43639FA8799C}" type="presOf" srcId="{92879506-E01D-1F4E-B51D-9C8031976A1D}" destId="{38836144-24CC-8C4B-BCBE-319D57E657D0}" srcOrd="0" destOrd="0" presId="urn:microsoft.com/office/officeart/2008/layout/HexagonCluster"/>
+    <dgm:cxn modelId="{5F0A0DD4-0511-7B4B-BCB3-918841895BD9}" type="presOf" srcId="{F7542B54-8E5B-9B49-923B-4F72EE343921}" destId="{F90CF15B-D8A3-EB45-9EB6-33B241BEB86E}" srcOrd="0" destOrd="0" presId="urn:microsoft.com/office/officeart/2008/layout/HexagonCluster"/>
+    <dgm:cxn modelId="{27A716E2-7F1D-0141-B943-39CB70404512}" type="presOf" srcId="{E59F1B4A-9DC2-0140-ADE0-D77E77158511}" destId="{6F57384F-6395-0847-856F-90F38335679D}" srcOrd="0" destOrd="0" presId="urn:microsoft.com/office/officeart/2008/layout/HexagonCluster"/>
+    <dgm:cxn modelId="{DAD216E4-B140-DB41-8DBF-8DAF3984460D}" type="presOf" srcId="{DB6FE44A-66BC-0C43-9C96-B9F4E373DF64}" destId="{CEF743CA-A560-CE4C-AE69-13749EE0D479}" srcOrd="0" destOrd="0" presId="urn:microsoft.com/office/officeart/2008/layout/HexagonCluster"/>
+    <dgm:cxn modelId="{331D7EEB-4DF9-6247-AEC9-3D330CC74B10}" srcId="{92879506-E01D-1F4E-B51D-9C8031976A1D}" destId="{FE870095-FB13-5A4F-9C98-55DC1830B745}" srcOrd="1" destOrd="0" parTransId="{34EE9CA5-6AAC-6D4E-BE95-E21AC395F88C}" sibTransId="{EED4DE32-A8DB-924C-B796-4C585D73817D}"/>
+    <dgm:cxn modelId="{85C25EFC-46C8-D843-8CE4-FAA158EF2CF2}" type="presOf" srcId="{FDED0507-A30A-D04D-8399-1D54A5202293}" destId="{658580EB-7162-9D42-A4C2-FF39FECABF67}" srcOrd="0" destOrd="0" presId="urn:microsoft.com/office/officeart/2008/layout/HexagonCluster"/>
+    <dgm:cxn modelId="{15B336F0-64A5-7D4E-BC3E-16D3DAD0BC72}" type="presParOf" srcId="{38836144-24CC-8C4B-BCBE-319D57E657D0}" destId="{1F2758FF-C9A2-8C4A-8FF0-58592D7A22AA}" srcOrd="0" destOrd="0" presId="urn:microsoft.com/office/officeart/2008/layout/HexagonCluster"/>
+    <dgm:cxn modelId="{957C4B78-9EB2-A941-9196-1A5DEDE41D8B}" type="presParOf" srcId="{1F2758FF-C9A2-8C4A-8FF0-58592D7A22AA}" destId="{E6EB0E68-633D-BE45-9B21-3ABA609B0C57}" srcOrd="0" destOrd="0" presId="urn:microsoft.com/office/officeart/2008/layout/HexagonCluster"/>
+    <dgm:cxn modelId="{F6DC9881-CA78-FB40-8239-DDD3115B3685}" type="presParOf" srcId="{38836144-24CC-8C4B-BCBE-319D57E657D0}" destId="{7F329155-C47D-6746-A3F9-C9C10CB0A9B5}" srcOrd="1" destOrd="0" presId="urn:microsoft.com/office/officeart/2008/layout/HexagonCluster"/>
+    <dgm:cxn modelId="{2E836249-4C36-F045-88C7-D42A9FA2FCA4}" type="presParOf" srcId="{7F329155-C47D-6746-A3F9-C9C10CB0A9B5}" destId="{6C55245C-7ED7-9C41-B53E-9061D34D88E4}" srcOrd="0" destOrd="0" presId="urn:microsoft.com/office/officeart/2008/layout/HexagonCluster"/>
+    <dgm:cxn modelId="{786B3BD2-6422-B142-B6BC-1CC6542A27B9}" type="presParOf" srcId="{38836144-24CC-8C4B-BCBE-319D57E657D0}" destId="{CF374A14-1362-B542-B463-F9D67054B826}" srcOrd="2" destOrd="0" presId="urn:microsoft.com/office/officeart/2008/layout/HexagonCluster"/>
+    <dgm:cxn modelId="{44E5507D-CA87-C443-8D94-6F42E15861F1}" type="presParOf" srcId="{CF374A14-1362-B542-B463-F9D67054B826}" destId="{CEF743CA-A560-CE4C-AE69-13749EE0D479}" srcOrd="0" destOrd="0" presId="urn:microsoft.com/office/officeart/2008/layout/HexagonCluster"/>
+    <dgm:cxn modelId="{BE5CE73D-E1AD-B84B-9FB2-BDF1D5C31A69}" type="presParOf" srcId="{38836144-24CC-8C4B-BCBE-319D57E657D0}" destId="{E3114012-C536-C242-B7E6-D40C3483BB01}" srcOrd="3" destOrd="0" presId="urn:microsoft.com/office/officeart/2008/layout/HexagonCluster"/>
+    <dgm:cxn modelId="{336D5DF2-5FCA-EF4F-8387-38F32BA1020E}" type="presParOf" srcId="{E3114012-C536-C242-B7E6-D40C3483BB01}" destId="{529260AB-3632-9B4F-8381-028FFDE5BFEC}" srcOrd="0" destOrd="0" presId="urn:microsoft.com/office/officeart/2008/layout/HexagonCluster"/>
+    <dgm:cxn modelId="{42A288AA-97DF-DF42-8C61-58FCC8A3B5E3}" type="presParOf" srcId="{38836144-24CC-8C4B-BCBE-319D57E657D0}" destId="{562B9BD7-C713-294B-B0F9-55337CE12DBD}" srcOrd="4" destOrd="0" presId="urn:microsoft.com/office/officeart/2008/layout/HexagonCluster"/>
+    <dgm:cxn modelId="{3C69F4C0-A2F9-8949-BE83-193F2AFC08EC}" type="presParOf" srcId="{562B9BD7-C713-294B-B0F9-55337CE12DBD}" destId="{20C4DADF-AA0C-E940-9D9C-92A96C926F71}" srcOrd="0" destOrd="0" presId="urn:microsoft.com/office/officeart/2008/layout/HexagonCluster"/>
+    <dgm:cxn modelId="{04FDB56E-0496-EA42-88A2-BFD808711E22}" type="presParOf" srcId="{38836144-24CC-8C4B-BCBE-319D57E657D0}" destId="{E439288E-FCDC-FF4E-ADED-C06CFF252D5F}" srcOrd="5" destOrd="0" presId="urn:microsoft.com/office/officeart/2008/layout/HexagonCluster"/>
+    <dgm:cxn modelId="{FB4382FA-5A84-3F41-AA7D-7A645BADEB46}" type="presParOf" srcId="{E439288E-FCDC-FF4E-ADED-C06CFF252D5F}" destId="{62CC3FD7-0CE7-5040-AC13-8A9827C7C3E4}" srcOrd="0" destOrd="0" presId="urn:microsoft.com/office/officeart/2008/layout/HexagonCluster"/>
+    <dgm:cxn modelId="{9CEE9C6B-0E02-E345-8F32-474A441B0699}" type="presParOf" srcId="{38836144-24CC-8C4B-BCBE-319D57E657D0}" destId="{0512852E-48BB-3042-9DE6-536A47680485}" srcOrd="6" destOrd="0" presId="urn:microsoft.com/office/officeart/2008/layout/HexagonCluster"/>
+    <dgm:cxn modelId="{A74BC9BC-8357-054E-8334-9B8956594546}" type="presParOf" srcId="{0512852E-48BB-3042-9DE6-536A47680485}" destId="{8C1CA2DF-C6B8-7F41-9EBC-2FB4DC121E3F}" srcOrd="0" destOrd="0" presId="urn:microsoft.com/office/officeart/2008/layout/HexagonCluster"/>
+    <dgm:cxn modelId="{41000EC0-4DF8-CF48-9094-60AF3ECBEBD2}" type="presParOf" srcId="{38836144-24CC-8C4B-BCBE-319D57E657D0}" destId="{926408BF-32B3-244D-B20C-A22BBDA2274D}" srcOrd="7" destOrd="0" presId="urn:microsoft.com/office/officeart/2008/layout/HexagonCluster"/>
+    <dgm:cxn modelId="{7C8D19B3-DBBD-C04E-9AC2-2F3F605C393B}" type="presParOf" srcId="{926408BF-32B3-244D-B20C-A22BBDA2274D}" destId="{38232EAB-CECD-1C44-A4AB-EE3DF9816F1B}" srcOrd="0" destOrd="0" presId="urn:microsoft.com/office/officeart/2008/layout/HexagonCluster"/>
+    <dgm:cxn modelId="{08B2BB5F-7CE6-BC46-AE00-61066D64476F}" type="presParOf" srcId="{38836144-24CC-8C4B-BCBE-319D57E657D0}" destId="{473DBCBD-E81B-8945-AE05-12A1EC6B4B22}" srcOrd="8" destOrd="0" presId="urn:microsoft.com/office/officeart/2008/layout/HexagonCluster"/>
+    <dgm:cxn modelId="{77010858-7DA0-014C-AFBD-A36EE9FF9D27}" type="presParOf" srcId="{473DBCBD-E81B-8945-AE05-12A1EC6B4B22}" destId="{1E2666CD-B83B-1148-84FB-D244FD0E2266}" srcOrd="0" destOrd="0" presId="urn:microsoft.com/office/officeart/2008/layout/HexagonCluster"/>
+    <dgm:cxn modelId="{853E91F9-9FF0-F048-8BD2-69042CC1C8C4}" type="presParOf" srcId="{38836144-24CC-8C4B-BCBE-319D57E657D0}" destId="{64EBF9EB-ECBE-0646-ABF4-D929222D2A03}" srcOrd="9" destOrd="0" presId="urn:microsoft.com/office/officeart/2008/layout/HexagonCluster"/>
+    <dgm:cxn modelId="{52DF2B47-EF68-294B-92F2-3569834F9F79}" type="presParOf" srcId="{64EBF9EB-ECBE-0646-ABF4-D929222D2A03}" destId="{C9A9DD41-362E-054D-A4DF-F64B98E19040}" srcOrd="0" destOrd="0" presId="urn:microsoft.com/office/officeart/2008/layout/HexagonCluster"/>
+    <dgm:cxn modelId="{C528F3BD-1B71-A14F-A2BB-C13DC3FF7934}" type="presParOf" srcId="{38836144-24CC-8C4B-BCBE-319D57E657D0}" destId="{3D07F6BB-DBEA-4347-9A97-3ECEBD0D8B7A}" srcOrd="10" destOrd="0" presId="urn:microsoft.com/office/officeart/2008/layout/HexagonCluster"/>
+    <dgm:cxn modelId="{89C4E86C-1799-9B47-B1FB-032495CF85AF}" type="presParOf" srcId="{3D07F6BB-DBEA-4347-9A97-3ECEBD0D8B7A}" destId="{059A0F5A-CD89-3D46-8A20-8BBA2C8B4E00}" srcOrd="0" destOrd="0" presId="urn:microsoft.com/office/officeart/2008/layout/HexagonCluster"/>
+    <dgm:cxn modelId="{FCB32DF0-F310-A440-B4B3-83E55F831DF4}" type="presParOf" srcId="{38836144-24CC-8C4B-BCBE-319D57E657D0}" destId="{E0573DA5-45FD-D146-B55F-323C14EB6BB9}" srcOrd="11" destOrd="0" presId="urn:microsoft.com/office/officeart/2008/layout/HexagonCluster"/>
+    <dgm:cxn modelId="{36046D53-3E5F-F740-BFF0-3E4A0A1043C2}" type="presParOf" srcId="{E0573DA5-45FD-D146-B55F-323C14EB6BB9}" destId="{4CB5CD11-49E1-714B-83EB-154FCD6A243E}" srcOrd="0" destOrd="0" presId="urn:microsoft.com/office/officeart/2008/layout/HexagonCluster"/>
+    <dgm:cxn modelId="{42D1A75B-FD5A-8243-AECF-0E5CD90F3E0B}" type="presParOf" srcId="{38836144-24CC-8C4B-BCBE-319D57E657D0}" destId="{1AD69490-C441-1746-BA54-1A1B8BEF28DE}" srcOrd="12" destOrd="0" presId="urn:microsoft.com/office/officeart/2008/layout/HexagonCluster"/>
+    <dgm:cxn modelId="{81ABBB99-7111-824A-9E64-207ED9ADC586}" type="presParOf" srcId="{1AD69490-C441-1746-BA54-1A1B8BEF28DE}" destId="{64A0C8F2-B2F9-EC40-B8C2-5DCD8E55FB8D}" srcOrd="0" destOrd="0" presId="urn:microsoft.com/office/officeart/2008/layout/HexagonCluster"/>
+    <dgm:cxn modelId="{067CE9B4-2349-A448-AA7D-90F855193666}" type="presParOf" srcId="{38836144-24CC-8C4B-BCBE-319D57E657D0}" destId="{4E94047B-75AB-D141-BB9E-BB3FD0256F2C}" srcOrd="13" destOrd="0" presId="urn:microsoft.com/office/officeart/2008/layout/HexagonCluster"/>
+    <dgm:cxn modelId="{7AEF54D9-9C54-694C-897F-02F22B005505}" type="presParOf" srcId="{4E94047B-75AB-D141-BB9E-BB3FD0256F2C}" destId="{03FB3C37-C9F7-B94D-9741-D05B0A86A0F5}" srcOrd="0" destOrd="0" presId="urn:microsoft.com/office/officeart/2008/layout/HexagonCluster"/>
+    <dgm:cxn modelId="{761F2CE8-787C-814F-9343-19711F403A25}" type="presParOf" srcId="{38836144-24CC-8C4B-BCBE-319D57E657D0}" destId="{C2AEE171-C239-B041-9901-5AEAF23D9849}" srcOrd="14" destOrd="0" presId="urn:microsoft.com/office/officeart/2008/layout/HexagonCluster"/>
+    <dgm:cxn modelId="{3B1B6B94-E7BA-A64E-9433-9D883FA8834F}" type="presParOf" srcId="{C2AEE171-C239-B041-9901-5AEAF23D9849}" destId="{DD75C77E-88C7-EF4C-B19F-D25C1974EBCA}" srcOrd="0" destOrd="0" presId="urn:microsoft.com/office/officeart/2008/layout/HexagonCluster"/>
+    <dgm:cxn modelId="{53CF48E4-0F1C-214B-95DE-8DD567A5AE50}" type="presParOf" srcId="{38836144-24CC-8C4B-BCBE-319D57E657D0}" destId="{E2C3A0D5-640C-0540-A1BD-39A036E13341}" srcOrd="15" destOrd="0" presId="urn:microsoft.com/office/officeart/2008/layout/HexagonCluster"/>
+    <dgm:cxn modelId="{35B61633-264F-EA48-BCA2-54E8C07EA093}" type="presParOf" srcId="{E2C3A0D5-640C-0540-A1BD-39A036E13341}" destId="{CC2E543A-3E08-A14D-B17E-4A0933C12715}" srcOrd="0" destOrd="0" presId="urn:microsoft.com/office/officeart/2008/layout/HexagonCluster"/>
+    <dgm:cxn modelId="{B98C9EC8-CC8E-3D4A-AA48-E484CE8E50A9}" type="presParOf" srcId="{38836144-24CC-8C4B-BCBE-319D57E657D0}" destId="{2EDCB8BF-4100-8347-A1C2-FEBD0F0F565B}" srcOrd="16" destOrd="0" presId="urn:microsoft.com/office/officeart/2008/layout/HexagonCluster"/>
+    <dgm:cxn modelId="{358D3AC8-F919-0742-8020-73344BCB42ED}" type="presParOf" srcId="{2EDCB8BF-4100-8347-A1C2-FEBD0F0F565B}" destId="{6F57384F-6395-0847-856F-90F38335679D}" srcOrd="0" destOrd="0" presId="urn:microsoft.com/office/officeart/2008/layout/HexagonCluster"/>
+    <dgm:cxn modelId="{47051DDB-B518-6940-AB27-4122EC935504}" type="presParOf" srcId="{38836144-24CC-8C4B-BCBE-319D57E657D0}" destId="{5A91C254-CFAD-BA47-856A-C7BCF1478D84}" srcOrd="17" destOrd="0" presId="urn:microsoft.com/office/officeart/2008/layout/HexagonCluster"/>
+    <dgm:cxn modelId="{546EE31C-68EA-8E4F-A21F-2D81455164C3}" type="presParOf" srcId="{5A91C254-CFAD-BA47-856A-C7BCF1478D84}" destId="{5CAF0E08-E585-0041-B16C-E6A80AD20F62}" srcOrd="0" destOrd="0" presId="urn:microsoft.com/office/officeart/2008/layout/HexagonCluster"/>
+    <dgm:cxn modelId="{30CBEE87-89E8-6A4F-B129-BB6B667BB89C}" type="presParOf" srcId="{38836144-24CC-8C4B-BCBE-319D57E657D0}" destId="{E421D329-3FA3-C643-A9C4-A9558653E950}" srcOrd="18" destOrd="0" presId="urn:microsoft.com/office/officeart/2008/layout/HexagonCluster"/>
+    <dgm:cxn modelId="{D1943422-C144-614F-A753-2D44A3C555E7}" type="presParOf" srcId="{E421D329-3FA3-C643-A9C4-A9558653E950}" destId="{658580EB-7162-9D42-A4C2-FF39FECABF67}" srcOrd="0" destOrd="0" presId="urn:microsoft.com/office/officeart/2008/layout/HexagonCluster"/>
+    <dgm:cxn modelId="{BA7EE6AA-C3DC-8C43-8448-D3FF6F643B33}" type="presParOf" srcId="{38836144-24CC-8C4B-BCBE-319D57E657D0}" destId="{A731A76E-A4F0-B146-B86B-DE3179C9066F}" srcOrd="19" destOrd="0" presId="urn:microsoft.com/office/officeart/2008/layout/HexagonCluster"/>
+    <dgm:cxn modelId="{E5D0E5FE-3DF3-3D4A-8A6A-71CFEFC85A92}" type="presParOf" srcId="{A731A76E-A4F0-B146-B86B-DE3179C9066F}" destId="{AD64E1BC-BD0B-C449-8076-E4D3DF612EF4}" srcOrd="0" destOrd="0" presId="urn:microsoft.com/office/officeart/2008/layout/HexagonCluster"/>
+    <dgm:cxn modelId="{05634611-3789-954D-87DD-0AE7338AC168}" type="presParOf" srcId="{38836144-24CC-8C4B-BCBE-319D57E657D0}" destId="{A0A9BA56-97F8-794E-959B-7BCDF3C4825A}" srcOrd="20" destOrd="0" presId="urn:microsoft.com/office/officeart/2008/layout/HexagonCluster"/>
+    <dgm:cxn modelId="{BFCD2DCA-2369-A44F-9D2F-2203AE398FDF}" type="presParOf" srcId="{A0A9BA56-97F8-794E-959B-7BCDF3C4825A}" destId="{B50C3079-AE0F-C644-A7D3-84720CB1879D}" srcOrd="0" destOrd="0" presId="urn:microsoft.com/office/officeart/2008/layout/HexagonCluster"/>
+    <dgm:cxn modelId="{ED59EBC1-112C-184F-9537-7441F7E1409E}" type="presParOf" srcId="{38836144-24CC-8C4B-BCBE-319D57E657D0}" destId="{583E7C07-5614-8647-88E8-56EFD29325A3}" srcOrd="21" destOrd="0" presId="urn:microsoft.com/office/officeart/2008/layout/HexagonCluster"/>
+    <dgm:cxn modelId="{8EB71150-CCBE-0C46-AF5E-9ABEA35B5C27}" type="presParOf" srcId="{583E7C07-5614-8647-88E8-56EFD29325A3}" destId="{96C741F1-0D31-B948-A2AB-324CB2D1FFC5}" srcOrd="0" destOrd="0" presId="urn:microsoft.com/office/officeart/2008/layout/HexagonCluster"/>
+    <dgm:cxn modelId="{F8419D62-C1DE-134C-91CF-E4A772B3313D}" type="presParOf" srcId="{38836144-24CC-8C4B-BCBE-319D57E657D0}" destId="{1DA8B923-E9A7-B046-B1A1-33CF6DEB27EC}" srcOrd="22" destOrd="0" presId="urn:microsoft.com/office/officeart/2008/layout/HexagonCluster"/>
+    <dgm:cxn modelId="{63763351-8DB5-EE41-86C7-5135BBA17DCA}" type="presParOf" srcId="{1DA8B923-E9A7-B046-B1A1-33CF6DEB27EC}" destId="{3F99BF38-E351-E64F-9FF8-34E5D945504A}" srcOrd="0" destOrd="0" presId="urn:microsoft.com/office/officeart/2008/layout/HexagonCluster"/>
+    <dgm:cxn modelId="{DD4E8EC1-640A-FF41-8504-F2ACD3EC0770}" type="presParOf" srcId="{38836144-24CC-8C4B-BCBE-319D57E657D0}" destId="{9A260EBC-9157-EA45-B546-B0060894ED69}" srcOrd="23" destOrd="0" presId="urn:microsoft.com/office/officeart/2008/layout/HexagonCluster"/>
+    <dgm:cxn modelId="{243B57C6-6CB6-4645-B68C-87024B1D616D}" type="presParOf" srcId="{9A260EBC-9157-EA45-B546-B0060894ED69}" destId="{2F3C0296-3E9A-AF4B-BB41-BFDB09F9883E}" srcOrd="0" destOrd="0" presId="urn:microsoft.com/office/officeart/2008/layout/HexagonCluster"/>
+    <dgm:cxn modelId="{2C8F62A7-9336-BE4D-A4A6-8C8F21E37462}" type="presParOf" srcId="{38836144-24CC-8C4B-BCBE-319D57E657D0}" destId="{E1D44001-654A-4F4B-971C-7D4ED561FC21}" srcOrd="24" destOrd="0" presId="urn:microsoft.com/office/officeart/2008/layout/HexagonCluster"/>
+    <dgm:cxn modelId="{F46AD185-9DAC-2F42-9B85-847854078AFB}" type="presParOf" srcId="{E1D44001-654A-4F4B-971C-7D4ED561FC21}" destId="{F90CF15B-D8A3-EB45-9EB6-33B241BEB86E}" srcOrd="0" destOrd="0" presId="urn:microsoft.com/office/officeart/2008/layout/HexagonCluster"/>
+    <dgm:cxn modelId="{AD80EC5C-F268-FF4E-8D69-0E6E5AC43832}" type="presParOf" srcId="{38836144-24CC-8C4B-BCBE-319D57E657D0}" destId="{72AA7735-FA6B-1245-BB94-99F8E3B3AB26}" srcOrd="25" destOrd="0" presId="urn:microsoft.com/office/officeart/2008/layout/HexagonCluster"/>
+    <dgm:cxn modelId="{489ACFD3-0CC5-1342-A678-A7AD6C52AA33}" type="presParOf" srcId="{72AA7735-FA6B-1245-BB94-99F8E3B3AB26}" destId="{97601731-5207-794A-985E-002E04F676B8}" srcOrd="0" destOrd="0" presId="urn:microsoft.com/office/officeart/2008/layout/HexagonCluster"/>
+    <dgm:cxn modelId="{2995502A-AE73-E248-9B00-614AAE90414C}" type="presParOf" srcId="{38836144-24CC-8C4B-BCBE-319D57E657D0}" destId="{10EB0089-4A0F-9B4C-BE34-B035F6BD5C11}" srcOrd="26" destOrd="0" presId="urn:microsoft.com/office/officeart/2008/layout/HexagonCluster"/>
+    <dgm:cxn modelId="{AC38E7E2-5B2A-C447-80CE-FE86E29A7DEC}" type="presParOf" srcId="{10EB0089-4A0F-9B4C-BE34-B035F6BD5C11}" destId="{53155869-57EA-9544-9425-BCEB4A92C5A4}" srcOrd="0" destOrd="0" presId="urn:microsoft.com/office/officeart/2008/layout/HexagonCluster"/>
+    <dgm:cxn modelId="{C7D72637-066D-A542-83D3-EE548F3E5EA2}" type="presParOf" srcId="{38836144-24CC-8C4B-BCBE-319D57E657D0}" destId="{F5EAE763-EAA7-7149-AC8B-DF1DCE75C68B}" srcOrd="27" destOrd="0" presId="urn:microsoft.com/office/officeart/2008/layout/HexagonCluster"/>
+    <dgm:cxn modelId="{873F8910-C92C-A14C-B054-16D9948819FC}" type="presParOf" srcId="{F5EAE763-EAA7-7149-AC8B-DF1DCE75C68B}" destId="{3AA83197-75E6-544E-9863-3E31118D17A9}" srcOrd="0" destOrd="0" presId="urn:microsoft.com/office/officeart/2008/layout/HexagonCluster"/>
+  </dgm:cxnLst>
+  <dgm:bg/>
+  <dgm:whole/>
+  <dgm:extLst>
+    <a:ext uri="http://schemas.microsoft.com/office/drawing/2008/diagram">
+      <dsp:dataModelExt xmlns:dsp="http://schemas.microsoft.com/office/drawing/2008/diagram" relId="rId7" minVer="http://schemas.openxmlformats.org/drawingml/2006/diagram"/>
+    </a:ext>
+  </dgm:extLst>
+</dgm:dataModel>
+</file>
+
+<file path=ppt/diagrams/drawing1.xml><?xml version="1.0" encoding="utf-8"?>
+<dsp:drawing xmlns:dgm="http://schemas.openxmlformats.org/drawingml/2006/diagram" xmlns:dsp="http://schemas.microsoft.com/office/drawing/2008/diagram" xmlns:a="http://schemas.openxmlformats.org/drawingml/2006/main">
+  <dsp:spTree>
+    <dsp:nvGrpSpPr>
+      <dsp:cNvPr id="0" name=""/>
+      <dsp:cNvGrpSpPr/>
+    </dsp:nvGrpSpPr>
+    <dsp:grpSpPr/>
+    <dsp:sp modelId="{E6EB0E68-633D-BE45-9B21-3ABA609B0C57}">
+      <dsp:nvSpPr>
+        <dsp:cNvPr id="0" name=""/>
+        <dsp:cNvSpPr/>
+      </dsp:nvSpPr>
+      <dsp:spPr>
+        <a:xfrm>
+          <a:off x="1164339" y="2255854"/>
+          <a:ext cx="1353015" cy="1161799"/>
+        </a:xfrm>
+        <a:prstGeom prst="hexagon">
+          <a:avLst>
+            <a:gd name="adj" fmla="val 25000"/>
+            <a:gd name="vf" fmla="val 115470"/>
+          </a:avLst>
+        </a:prstGeom>
+        <a:solidFill>
+          <a:schemeClr val="lt1">
+            <a:hueOff val="0"/>
+            <a:satOff val="0"/>
+            <a:lumOff val="0"/>
+            <a:alphaOff val="0"/>
+          </a:schemeClr>
+        </a:solidFill>
+        <a:ln w="12700" cap="flat" cmpd="sng" algn="ctr">
+          <a:solidFill>
+            <a:schemeClr val="dk2">
+              <a:shade val="80000"/>
+              <a:hueOff val="0"/>
+              <a:satOff val="0"/>
+              <a:lumOff val="0"/>
+              <a:alphaOff val="0"/>
+            </a:schemeClr>
+          </a:solidFill>
+          <a:prstDash val="solid"/>
+        </a:ln>
+        <a:effectLst/>
+      </dsp:spPr>
+      <dsp:style>
+        <a:lnRef idx="2">
+          <a:scrgbClr r="0" g="0" b="0"/>
+        </a:lnRef>
+        <a:fillRef idx="1">
+          <a:scrgbClr r="0" g="0" b="0"/>
+        </a:fillRef>
+        <a:effectRef idx="0">
+          <a:scrgbClr r="0" g="0" b="0"/>
+        </a:effectRef>
+        <a:fontRef idx="minor">
+          <a:schemeClr val="lt1"/>
+        </a:fontRef>
+      </dsp:style>
+      <dsp:txBody>
+        <a:bodyPr spcFirstLastPara="0" vert="horz" wrap="square" lIns="0" tIns="17780" rIns="0" bIns="17780" numCol="1" spcCol="1270" anchor="ctr" anchorCtr="0">
+          <a:noAutofit/>
+        </a:bodyPr>
+        <a:lstStyle/>
+        <a:p>
+          <a:pPr marL="0" lvl="0" indent="0" algn="ctr" defTabSz="622300">
+            <a:lnSpc>
+              <a:spcPct val="90000"/>
+            </a:lnSpc>
+            <a:spcBef>
+              <a:spcPct val="0"/>
+            </a:spcBef>
+            <a:spcAft>
+              <a:spcPct val="35000"/>
+            </a:spcAft>
+            <a:buNone/>
+          </a:pPr>
+          <a:r>
+            <a:rPr lang="en-GB" sz="1400" kern="1200" dirty="0">
+              <a:solidFill>
+                <a:schemeClr val="tx2"/>
+              </a:solidFill>
+            </a:rPr>
+            <a:t>ggplot</a:t>
+          </a:r>
+        </a:p>
+      </dsp:txBody>
+      <dsp:txXfrm>
+        <a:off x="1373907" y="2435804"/>
+        <a:ext cx="933879" cy="801899"/>
+      </dsp:txXfrm>
+    </dsp:sp>
+    <dsp:sp modelId="{6C55245C-7ED7-9C41-B53E-9061D34D88E4}">
+      <dsp:nvSpPr>
+        <dsp:cNvPr id="0" name=""/>
+        <dsp:cNvSpPr/>
+      </dsp:nvSpPr>
+      <dsp:spPr>
+        <a:xfrm>
+          <a:off x="1196622" y="2775226"/>
+          <a:ext cx="157827" cy="136192"/>
+        </a:xfrm>
+        <a:prstGeom prst="hexagon">
+          <a:avLst>
+            <a:gd name="adj" fmla="val 25000"/>
+            <a:gd name="vf" fmla="val 115470"/>
+          </a:avLst>
+        </a:prstGeom>
+        <a:solidFill>
+          <a:schemeClr val="lt1">
+            <a:hueOff val="0"/>
+            <a:satOff val="0"/>
+            <a:lumOff val="0"/>
+            <a:alphaOff val="0"/>
+          </a:schemeClr>
+        </a:solidFill>
+        <a:ln w="12700" cap="flat" cmpd="sng" algn="ctr">
+          <a:solidFill>
+            <a:schemeClr val="dk2">
+              <a:hueOff val="0"/>
+              <a:satOff val="0"/>
+              <a:lumOff val="0"/>
+              <a:alphaOff val="0"/>
+            </a:schemeClr>
+          </a:solidFill>
+          <a:prstDash val="solid"/>
+        </a:ln>
+        <a:effectLst/>
+      </dsp:spPr>
+      <dsp:style>
+        <a:lnRef idx="2">
+          <a:scrgbClr r="0" g="0" b="0"/>
+        </a:lnRef>
+        <a:fillRef idx="1">
+          <a:scrgbClr r="0" g="0" b="0"/>
+        </a:fillRef>
+        <a:effectRef idx="0">
+          <a:scrgbClr r="0" g="0" b="0"/>
+        </a:effectRef>
+        <a:fontRef idx="minor"/>
+      </dsp:style>
+    </dsp:sp>
+    <dsp:sp modelId="{CEF743CA-A560-CE4C-AE69-13749EE0D479}">
+      <dsp:nvSpPr>
+        <dsp:cNvPr id="0" name=""/>
+        <dsp:cNvSpPr/>
+      </dsp:nvSpPr>
+      <dsp:spPr>
+        <a:xfrm>
+          <a:off x="0" y="1613426"/>
+          <a:ext cx="1353015" cy="1161799"/>
+        </a:xfrm>
+        <a:prstGeom prst="hexagon">
+          <a:avLst>
+            <a:gd name="adj" fmla="val 25000"/>
+            <a:gd name="vf" fmla="val 115470"/>
+          </a:avLst>
+        </a:prstGeom>
+        <a:blipFill>
+          <a:blip xmlns:r="http://schemas.openxmlformats.org/officeDocument/2006/relationships" r:embed="rId1">
+            <a:extLst>
+              <a:ext uri="{28A0092B-C50C-407E-A947-70E740481C1C}">
+                <a14:useLocalDpi xmlns:a14="http://schemas.microsoft.com/office/drawing/2010/main" val="0"/>
+              </a:ext>
+            </a:extLst>
+          </a:blip>
+          <a:srcRect/>
+          <a:stretch>
+            <a:fillRect t="-11000" b="-11000"/>
+          </a:stretch>
+        </a:blipFill>
+        <a:ln w="12700" cap="flat" cmpd="sng" algn="ctr">
+          <a:solidFill>
+            <a:schemeClr val="dk2">
+              <a:hueOff val="0"/>
+              <a:satOff val="0"/>
+              <a:lumOff val="0"/>
+              <a:alphaOff val="0"/>
+            </a:schemeClr>
+          </a:solidFill>
+          <a:prstDash val="solid"/>
+        </a:ln>
+        <a:effectLst/>
+      </dsp:spPr>
+      <dsp:style>
+        <a:lnRef idx="2">
+          <a:scrgbClr r="0" g="0" b="0"/>
+        </a:lnRef>
+        <a:fillRef idx="1">
+          <a:scrgbClr r="0" g="0" b="0"/>
+        </a:fillRef>
+        <a:effectRef idx="0">
+          <a:scrgbClr r="0" g="0" b="0"/>
+        </a:effectRef>
+        <a:fontRef idx="minor"/>
+      </dsp:style>
+    </dsp:sp>
+    <dsp:sp modelId="{529260AB-3632-9B4F-8381-028FFDE5BFEC}">
+      <dsp:nvSpPr>
+        <dsp:cNvPr id="0" name=""/>
+        <dsp:cNvSpPr/>
+      </dsp:nvSpPr>
+      <dsp:spPr>
+        <a:xfrm>
+          <a:off x="926879" y="2621078"/>
+          <a:ext cx="157827" cy="136192"/>
+        </a:xfrm>
+        <a:prstGeom prst="hexagon">
+          <a:avLst>
+            <a:gd name="adj" fmla="val 25000"/>
+            <a:gd name="vf" fmla="val 115470"/>
+          </a:avLst>
+        </a:prstGeom>
+        <a:solidFill>
+          <a:schemeClr val="lt1">
+            <a:hueOff val="0"/>
+            <a:satOff val="0"/>
+            <a:lumOff val="0"/>
+            <a:alphaOff val="0"/>
+          </a:schemeClr>
+        </a:solidFill>
+        <a:ln w="12700" cap="flat" cmpd="sng" algn="ctr">
+          <a:solidFill>
+            <a:schemeClr val="dk2">
+              <a:hueOff val="0"/>
+              <a:satOff val="0"/>
+              <a:lumOff val="0"/>
+              <a:alphaOff val="0"/>
+            </a:schemeClr>
+          </a:solidFill>
+          <a:prstDash val="solid"/>
+        </a:ln>
+        <a:effectLst/>
+      </dsp:spPr>
+      <dsp:style>
+        <a:lnRef idx="2">
+          <a:scrgbClr r="0" g="0" b="0"/>
+        </a:lnRef>
+        <a:fillRef idx="1">
+          <a:scrgbClr r="0" g="0" b="0"/>
+        </a:fillRef>
+        <a:effectRef idx="0">
+          <a:scrgbClr r="0" g="0" b="0"/>
+        </a:effectRef>
+        <a:fontRef idx="minor"/>
+      </dsp:style>
+    </dsp:sp>
+    <dsp:sp modelId="{20C4DADF-AA0C-E940-9D9C-92A96C926F71}">
+      <dsp:nvSpPr>
+        <dsp:cNvPr id="0" name=""/>
+        <dsp:cNvSpPr/>
+      </dsp:nvSpPr>
+      <dsp:spPr>
+        <a:xfrm>
+          <a:off x="2328678" y="1609923"/>
+          <a:ext cx="1353015" cy="1161799"/>
+        </a:xfrm>
+        <a:prstGeom prst="hexagon">
+          <a:avLst>
+            <a:gd name="adj" fmla="val 25000"/>
+            <a:gd name="vf" fmla="val 115470"/>
+          </a:avLst>
+        </a:prstGeom>
+        <a:solidFill>
+          <a:schemeClr val="lt1">
+            <a:hueOff val="0"/>
+            <a:satOff val="0"/>
+            <a:lumOff val="0"/>
+            <a:alphaOff val="0"/>
+          </a:schemeClr>
+        </a:solidFill>
+        <a:ln w="12700" cap="flat" cmpd="sng" algn="ctr">
+          <a:solidFill>
+            <a:schemeClr val="dk2">
+              <a:shade val="80000"/>
+              <a:hueOff val="0"/>
+              <a:satOff val="0"/>
+              <a:lumOff val="0"/>
+              <a:alphaOff val="0"/>
+            </a:schemeClr>
+          </a:solidFill>
+          <a:prstDash val="solid"/>
+        </a:ln>
+        <a:effectLst/>
+      </dsp:spPr>
+      <dsp:style>
+        <a:lnRef idx="2">
+          <a:scrgbClr r="0" g="0" b="0"/>
+        </a:lnRef>
+        <a:fillRef idx="1">
+          <a:scrgbClr r="0" g="0" b="0"/>
+        </a:fillRef>
+        <a:effectRef idx="0">
+          <a:scrgbClr r="0" g="0" b="0"/>
+        </a:effectRef>
+        <a:fontRef idx="minor">
+          <a:schemeClr val="lt1"/>
+        </a:fontRef>
+      </dsp:style>
+      <dsp:txBody>
+        <a:bodyPr spcFirstLastPara="0" vert="horz" wrap="square" lIns="0" tIns="17780" rIns="0" bIns="17780" numCol="1" spcCol="1270" anchor="ctr" anchorCtr="0">
+          <a:noAutofit/>
+        </a:bodyPr>
+        <a:lstStyle/>
+        <a:p>
+          <a:pPr marL="0" lvl="0" indent="0" algn="ctr" defTabSz="622300">
+            <a:lnSpc>
+              <a:spcPct val="90000"/>
+            </a:lnSpc>
+            <a:spcBef>
+              <a:spcPct val="0"/>
+            </a:spcBef>
+            <a:spcAft>
+              <a:spcPct val="35000"/>
+            </a:spcAft>
+            <a:buNone/>
+          </a:pPr>
+          <a:r>
+            <a:rPr lang="en-GB" sz="1400" kern="1200" dirty="0">
+              <a:solidFill>
+                <a:schemeClr val="tx2"/>
+              </a:solidFill>
+            </a:rPr>
+            <a:t>Shiny</a:t>
+          </a:r>
+        </a:p>
+      </dsp:txBody>
+      <dsp:txXfrm>
+        <a:off x="2538246" y="1789873"/>
+        <a:ext cx="933879" cy="801899"/>
+      </dsp:txXfrm>
+    </dsp:sp>
+    <dsp:sp modelId="{62CC3FD7-0CE7-5040-AC13-8A9827C7C3E4}">
+      <dsp:nvSpPr>
+        <dsp:cNvPr id="0" name=""/>
+        <dsp:cNvSpPr/>
+      </dsp:nvSpPr>
+      <dsp:spPr>
+        <a:xfrm>
+          <a:off x="3259862" y="2614948"/>
+          <a:ext cx="157827" cy="136192"/>
+        </a:xfrm>
+        <a:prstGeom prst="hexagon">
+          <a:avLst>
+            <a:gd name="adj" fmla="val 25000"/>
+            <a:gd name="vf" fmla="val 115470"/>
+          </a:avLst>
+        </a:prstGeom>
+        <a:solidFill>
+          <a:schemeClr val="lt1">
+            <a:hueOff val="0"/>
+            <a:satOff val="0"/>
+            <a:lumOff val="0"/>
+            <a:alphaOff val="0"/>
+          </a:schemeClr>
+        </a:solidFill>
+        <a:ln w="12700" cap="flat" cmpd="sng" algn="ctr">
+          <a:solidFill>
+            <a:schemeClr val="dk2">
+              <a:hueOff val="0"/>
+              <a:satOff val="0"/>
+              <a:lumOff val="0"/>
+              <a:alphaOff val="0"/>
+            </a:schemeClr>
+          </a:solidFill>
+          <a:prstDash val="solid"/>
+        </a:ln>
+        <a:effectLst/>
+      </dsp:spPr>
+      <dsp:style>
+        <a:lnRef idx="2">
+          <a:scrgbClr r="0" g="0" b="0"/>
+        </a:lnRef>
+        <a:fillRef idx="1">
+          <a:scrgbClr r="0" g="0" b="0"/>
+        </a:fillRef>
+        <a:effectRef idx="0">
+          <a:scrgbClr r="0" g="0" b="0"/>
+        </a:effectRef>
+        <a:fontRef idx="minor"/>
+      </dsp:style>
+    </dsp:sp>
+    <dsp:sp modelId="{8C1CA2DF-C6B8-7F41-9EBC-2FB4DC121E3F}">
+      <dsp:nvSpPr>
+        <dsp:cNvPr id="0" name=""/>
+        <dsp:cNvSpPr/>
+      </dsp:nvSpPr>
+      <dsp:spPr>
+        <a:xfrm>
+          <a:off x="3492299" y="2253226"/>
+          <a:ext cx="1353015" cy="1161799"/>
+        </a:xfrm>
+        <a:prstGeom prst="hexagon">
+          <a:avLst>
+            <a:gd name="adj" fmla="val 25000"/>
+            <a:gd name="vf" fmla="val 115470"/>
+          </a:avLst>
+        </a:prstGeom>
+        <a:blipFill>
+          <a:blip xmlns:r="http://schemas.openxmlformats.org/officeDocument/2006/relationships" r:embed="rId2">
+            <a:extLst>
+              <a:ext uri="{28A0092B-C50C-407E-A947-70E740481C1C}">
+                <a14:useLocalDpi xmlns:a14="http://schemas.microsoft.com/office/drawing/2010/main" val="0"/>
+              </a:ext>
+            </a:extLst>
+          </a:blip>
+          <a:srcRect/>
+          <a:stretch>
+            <a:fillRect l="-3000" r="-3000"/>
+          </a:stretch>
+        </a:blipFill>
+        <a:ln w="12700" cap="flat" cmpd="sng" algn="ctr">
+          <a:solidFill>
+            <a:schemeClr val="dk2">
+              <a:hueOff val="0"/>
+              <a:satOff val="0"/>
+              <a:lumOff val="0"/>
+              <a:alphaOff val="0"/>
+            </a:schemeClr>
+          </a:solidFill>
+          <a:prstDash val="solid"/>
+        </a:ln>
+        <a:effectLst/>
+      </dsp:spPr>
+      <dsp:style>
+        <a:lnRef idx="2">
+          <a:scrgbClr r="0" g="0" b="0"/>
+        </a:lnRef>
+        <a:fillRef idx="1">
+          <a:scrgbClr r="0" g="0" b="0"/>
+        </a:fillRef>
+        <a:effectRef idx="0">
+          <a:scrgbClr r="0" g="0" b="0"/>
+        </a:effectRef>
+        <a:fontRef idx="minor"/>
+      </dsp:style>
+    </dsp:sp>
+    <dsp:sp modelId="{38232EAB-CECD-1C44-A4AB-EE3DF9816F1B}">
+      <dsp:nvSpPr>
+        <dsp:cNvPr id="0" name=""/>
+        <dsp:cNvSpPr/>
+      </dsp:nvSpPr>
+      <dsp:spPr>
+        <a:xfrm>
+          <a:off x="3525300" y="2770409"/>
+          <a:ext cx="157827" cy="136192"/>
+        </a:xfrm>
+        <a:prstGeom prst="hexagon">
+          <a:avLst>
+            <a:gd name="adj" fmla="val 25000"/>
+            <a:gd name="vf" fmla="val 115470"/>
+          </a:avLst>
+        </a:prstGeom>
+        <a:solidFill>
+          <a:schemeClr val="lt1">
+            <a:hueOff val="0"/>
+            <a:satOff val="0"/>
+            <a:lumOff val="0"/>
+            <a:alphaOff val="0"/>
+          </a:schemeClr>
+        </a:solidFill>
+        <a:ln w="12700" cap="flat" cmpd="sng" algn="ctr">
+          <a:solidFill>
+            <a:schemeClr val="dk2">
+              <a:hueOff val="0"/>
+              <a:satOff val="0"/>
+              <a:lumOff val="0"/>
+              <a:alphaOff val="0"/>
+            </a:schemeClr>
+          </a:solidFill>
+          <a:prstDash val="solid"/>
+        </a:ln>
+        <a:effectLst/>
+      </dsp:spPr>
+      <dsp:style>
+        <a:lnRef idx="2">
+          <a:scrgbClr r="0" g="0" b="0"/>
+        </a:lnRef>
+        <a:fillRef idx="1">
+          <a:scrgbClr r="0" g="0" b="0"/>
+        </a:fillRef>
+        <a:effectRef idx="0">
+          <a:scrgbClr r="0" g="0" b="0"/>
+        </a:effectRef>
+        <a:fontRef idx="minor"/>
+      </dsp:style>
+    </dsp:sp>
+    <dsp:sp modelId="{1E2666CD-B83B-1148-84FB-D244FD0E2266}">
+      <dsp:nvSpPr>
+        <dsp:cNvPr id="0" name=""/>
+        <dsp:cNvSpPr/>
+      </dsp:nvSpPr>
+      <dsp:spPr>
+        <a:xfrm>
+          <a:off x="1164339" y="971437"/>
+          <a:ext cx="1353015" cy="1161799"/>
+        </a:xfrm>
+        <a:prstGeom prst="hexagon">
+          <a:avLst>
+            <a:gd name="adj" fmla="val 25000"/>
+            <a:gd name="vf" fmla="val 115470"/>
+          </a:avLst>
+        </a:prstGeom>
+        <a:solidFill>
+          <a:schemeClr val="lt1">
+            <a:hueOff val="0"/>
+            <a:satOff val="0"/>
+            <a:lumOff val="0"/>
+            <a:alphaOff val="0"/>
+          </a:schemeClr>
+        </a:solidFill>
+        <a:ln w="12700" cap="flat" cmpd="sng" algn="ctr">
+          <a:solidFill>
+            <a:schemeClr val="dk2">
+              <a:shade val="80000"/>
+              <a:hueOff val="0"/>
+              <a:satOff val="0"/>
+              <a:lumOff val="0"/>
+              <a:alphaOff val="0"/>
+            </a:schemeClr>
+          </a:solidFill>
+          <a:prstDash val="solid"/>
+        </a:ln>
+        <a:effectLst/>
+      </dsp:spPr>
+      <dsp:style>
+        <a:lnRef idx="2">
+          <a:scrgbClr r="0" g="0" b="0"/>
+        </a:lnRef>
+        <a:fillRef idx="1">
+          <a:scrgbClr r="0" g="0" b="0"/>
+        </a:fillRef>
+        <a:effectRef idx="0">
+          <a:scrgbClr r="0" g="0" b="0"/>
+        </a:effectRef>
+        <a:fontRef idx="minor">
+          <a:schemeClr val="lt1"/>
+        </a:fontRef>
+      </dsp:style>
+      <dsp:txBody>
+        <a:bodyPr spcFirstLastPara="0" vert="horz" wrap="square" lIns="0" tIns="17780" rIns="0" bIns="17780" numCol="1" spcCol="1270" anchor="ctr" anchorCtr="0">
+          <a:noAutofit/>
+        </a:bodyPr>
+        <a:lstStyle/>
+        <a:p>
+          <a:pPr marL="0" lvl="0" indent="0" algn="ctr" defTabSz="622300">
+            <a:lnSpc>
+              <a:spcPct val="90000"/>
+            </a:lnSpc>
+            <a:spcBef>
+              <a:spcPct val="0"/>
+            </a:spcBef>
+            <a:spcAft>
+              <a:spcPct val="35000"/>
+            </a:spcAft>
+            <a:buNone/>
+          </a:pPr>
+          <a:r>
+            <a:rPr lang="en-GB" sz="1400" kern="1200" dirty="0">
+              <a:solidFill>
+                <a:schemeClr val="tx2"/>
+              </a:solidFill>
+            </a:rPr>
+            <a:t>tidyverse</a:t>
+          </a:r>
+        </a:p>
+      </dsp:txBody>
+      <dsp:txXfrm>
+        <a:off x="1373907" y="1151387"/>
+        <a:ext cx="933879" cy="801899"/>
+      </dsp:txXfrm>
+    </dsp:sp>
+    <dsp:sp modelId="{C9A9DD41-362E-054D-A4DF-F64B98E19040}">
+      <dsp:nvSpPr>
+        <dsp:cNvPr id="0" name=""/>
+        <dsp:cNvSpPr/>
+      </dsp:nvSpPr>
+      <dsp:spPr>
+        <a:xfrm>
+          <a:off x="2085479" y="987202"/>
+          <a:ext cx="157827" cy="136192"/>
+        </a:xfrm>
+        <a:prstGeom prst="hexagon">
+          <a:avLst>
+            <a:gd name="adj" fmla="val 25000"/>
+            <a:gd name="vf" fmla="val 115470"/>
+          </a:avLst>
+        </a:prstGeom>
+        <a:solidFill>
+          <a:schemeClr val="lt1">
+            <a:hueOff val="0"/>
+            <a:satOff val="0"/>
+            <a:lumOff val="0"/>
+            <a:alphaOff val="0"/>
+          </a:schemeClr>
+        </a:solidFill>
+        <a:ln w="12700" cap="flat" cmpd="sng" algn="ctr">
+          <a:solidFill>
+            <a:schemeClr val="dk2">
+              <a:hueOff val="0"/>
+              <a:satOff val="0"/>
+              <a:lumOff val="0"/>
+              <a:alphaOff val="0"/>
+            </a:schemeClr>
+          </a:solidFill>
+          <a:prstDash val="solid"/>
+        </a:ln>
+        <a:effectLst/>
+      </dsp:spPr>
+      <dsp:style>
+        <a:lnRef idx="2">
+          <a:scrgbClr r="0" g="0" b="0"/>
+        </a:lnRef>
+        <a:fillRef idx="1">
+          <a:scrgbClr r="0" g="0" b="0"/>
+        </a:fillRef>
+        <a:effectRef idx="0">
+          <a:scrgbClr r="0" g="0" b="0"/>
+        </a:effectRef>
+        <a:fontRef idx="minor"/>
+      </dsp:style>
+    </dsp:sp>
+    <dsp:sp modelId="{059A0F5A-CD89-3D46-8A20-8BBA2C8B4E00}">
+      <dsp:nvSpPr>
+        <dsp:cNvPr id="0" name=""/>
+        <dsp:cNvSpPr/>
+      </dsp:nvSpPr>
+      <dsp:spPr>
+        <a:xfrm>
+          <a:off x="2328678" y="325506"/>
+          <a:ext cx="1353015" cy="1161799"/>
+        </a:xfrm>
+        <a:prstGeom prst="hexagon">
+          <a:avLst>
+            <a:gd name="adj" fmla="val 25000"/>
+            <a:gd name="vf" fmla="val 115470"/>
+          </a:avLst>
+        </a:prstGeom>
+        <a:blipFill>
+          <a:blip xmlns:r="http://schemas.openxmlformats.org/officeDocument/2006/relationships" r:embed="rId3">
+            <a:extLst>
+              <a:ext uri="{28A0092B-C50C-407E-A947-70E740481C1C}">
+                <a14:useLocalDpi xmlns:a14="http://schemas.microsoft.com/office/drawing/2010/main" val="0"/>
+              </a:ext>
+            </a:extLst>
+          </a:blip>
+          <a:srcRect/>
+          <a:stretch>
+            <a:fillRect t="-17000" b="-17000"/>
+          </a:stretch>
+        </a:blipFill>
+        <a:ln w="12700" cap="flat" cmpd="sng" algn="ctr">
+          <a:solidFill>
+            <a:schemeClr val="dk2">
+              <a:hueOff val="0"/>
+              <a:satOff val="0"/>
+              <a:lumOff val="0"/>
+              <a:alphaOff val="0"/>
+            </a:schemeClr>
+          </a:solidFill>
+          <a:prstDash val="solid"/>
+        </a:ln>
+        <a:effectLst/>
+      </dsp:spPr>
+      <dsp:style>
+        <a:lnRef idx="2">
+          <a:scrgbClr r="0" g="0" b="0"/>
+        </a:lnRef>
+        <a:fillRef idx="1">
+          <a:scrgbClr r="0" g="0" b="0"/>
+        </a:fillRef>
+        <a:effectRef idx="0">
+          <a:scrgbClr r="0" g="0" b="0"/>
+        </a:effectRef>
+        <a:fontRef idx="minor"/>
+      </dsp:style>
+    </dsp:sp>
+    <dsp:sp modelId="{4CB5CD11-49E1-714B-83EB-154FCD6A243E}">
+      <dsp:nvSpPr>
+        <dsp:cNvPr id="0" name=""/>
+        <dsp:cNvSpPr/>
+      </dsp:nvSpPr>
+      <dsp:spPr>
+        <a:xfrm>
+          <a:off x="2366700" y="840061"/>
+          <a:ext cx="157827" cy="136192"/>
+        </a:xfrm>
+        <a:prstGeom prst="hexagon">
+          <a:avLst>
+            <a:gd name="adj" fmla="val 25000"/>
+            <a:gd name="vf" fmla="val 115470"/>
+          </a:avLst>
+        </a:prstGeom>
+        <a:solidFill>
+          <a:schemeClr val="lt1">
+            <a:hueOff val="0"/>
+            <a:satOff val="0"/>
+            <a:lumOff val="0"/>
+            <a:alphaOff val="0"/>
+          </a:schemeClr>
+        </a:solidFill>
+        <a:ln w="12700" cap="flat" cmpd="sng" algn="ctr">
+          <a:solidFill>
+            <a:schemeClr val="dk2">
+              <a:hueOff val="0"/>
+              <a:satOff val="0"/>
+              <a:lumOff val="0"/>
+              <a:alphaOff val="0"/>
+            </a:schemeClr>
+          </a:solidFill>
+          <a:prstDash val="solid"/>
+        </a:ln>
+        <a:effectLst/>
+      </dsp:spPr>
+      <dsp:style>
+        <a:lnRef idx="2">
+          <a:scrgbClr r="0" g="0" b="0"/>
+        </a:lnRef>
+        <a:fillRef idx="1">
+          <a:scrgbClr r="0" g="0" b="0"/>
+        </a:fillRef>
+        <a:effectRef idx="0">
+          <a:scrgbClr r="0" g="0" b="0"/>
+        </a:effectRef>
+        <a:fontRef idx="minor"/>
+      </dsp:style>
+    </dsp:sp>
+    <dsp:sp modelId="{64A0C8F2-B2F9-EC40-B8C2-5DCD8E55FB8D}">
+      <dsp:nvSpPr>
+        <dsp:cNvPr id="0" name=""/>
+        <dsp:cNvSpPr/>
+      </dsp:nvSpPr>
+      <dsp:spPr>
+        <a:xfrm>
+          <a:off x="3492299" y="968809"/>
+          <a:ext cx="1353015" cy="1161799"/>
+        </a:xfrm>
+        <a:prstGeom prst="hexagon">
+          <a:avLst>
+            <a:gd name="adj" fmla="val 25000"/>
+            <a:gd name="vf" fmla="val 115470"/>
+          </a:avLst>
+        </a:prstGeom>
+        <a:solidFill>
+          <a:schemeClr val="lt1">
+            <a:hueOff val="0"/>
+            <a:satOff val="0"/>
+            <a:lumOff val="0"/>
+            <a:alphaOff val="0"/>
+          </a:schemeClr>
+        </a:solidFill>
+        <a:ln w="12700" cap="flat" cmpd="sng" algn="ctr">
+          <a:solidFill>
+            <a:schemeClr val="dk2">
+              <a:shade val="80000"/>
+              <a:hueOff val="0"/>
+              <a:satOff val="0"/>
+              <a:lumOff val="0"/>
+              <a:alphaOff val="0"/>
+            </a:schemeClr>
+          </a:solidFill>
+          <a:prstDash val="solid"/>
+        </a:ln>
+        <a:effectLst/>
+      </dsp:spPr>
+      <dsp:style>
+        <a:lnRef idx="2">
+          <a:scrgbClr r="0" g="0" b="0"/>
+        </a:lnRef>
+        <a:fillRef idx="1">
+          <a:scrgbClr r="0" g="0" b="0"/>
+        </a:fillRef>
+        <a:effectRef idx="0">
+          <a:scrgbClr r="0" g="0" b="0"/>
+        </a:effectRef>
+        <a:fontRef idx="minor">
+          <a:schemeClr val="lt1"/>
+        </a:fontRef>
+      </dsp:style>
+      <dsp:txBody>
+        <a:bodyPr spcFirstLastPara="0" vert="horz" wrap="square" lIns="0" tIns="17780" rIns="0" bIns="17780" numCol="1" spcCol="1270" anchor="ctr" anchorCtr="0">
+          <a:noAutofit/>
+        </a:bodyPr>
+        <a:lstStyle/>
+        <a:p>
+          <a:pPr marL="0" lvl="0" indent="0" algn="ctr" defTabSz="622300">
+            <a:lnSpc>
+              <a:spcPct val="90000"/>
+            </a:lnSpc>
+            <a:spcBef>
+              <a:spcPct val="0"/>
+            </a:spcBef>
+            <a:spcAft>
+              <a:spcPct val="35000"/>
+            </a:spcAft>
+            <a:buNone/>
+          </a:pPr>
+          <a:r>
+            <a:rPr lang="en-GB" sz="1400" kern="1200" dirty="0">
+              <a:solidFill>
+                <a:schemeClr val="tx2"/>
+              </a:solidFill>
+            </a:rPr>
+            <a:t>Discord</a:t>
+          </a:r>
+        </a:p>
+      </dsp:txBody>
+      <dsp:txXfrm>
+        <a:off x="3701867" y="1148759"/>
+        <a:ext cx="933879" cy="801899"/>
+      </dsp:txXfrm>
+    </dsp:sp>
+    <dsp:sp modelId="{03FB3C37-C9F7-B94D-9741-D05B0A86A0F5}">
+      <dsp:nvSpPr>
+        <dsp:cNvPr id="0" name=""/>
+        <dsp:cNvSpPr/>
+      </dsp:nvSpPr>
+      <dsp:spPr>
+        <a:xfrm>
+          <a:off x="4663095" y="1483802"/>
+          <a:ext cx="157827" cy="136192"/>
+        </a:xfrm>
+        <a:prstGeom prst="hexagon">
+          <a:avLst>
+            <a:gd name="adj" fmla="val 25000"/>
+            <a:gd name="vf" fmla="val 115470"/>
+          </a:avLst>
+        </a:prstGeom>
+        <a:solidFill>
+          <a:schemeClr val="lt1">
+            <a:hueOff val="0"/>
+            <a:satOff val="0"/>
+            <a:lumOff val="0"/>
+            <a:alphaOff val="0"/>
+          </a:schemeClr>
+        </a:solidFill>
+        <a:ln w="12700" cap="flat" cmpd="sng" algn="ctr">
+          <a:solidFill>
+            <a:schemeClr val="dk2">
+              <a:hueOff val="0"/>
+              <a:satOff val="0"/>
+              <a:lumOff val="0"/>
+              <a:alphaOff val="0"/>
+            </a:schemeClr>
+          </a:solidFill>
+          <a:prstDash val="solid"/>
+        </a:ln>
+        <a:effectLst/>
+      </dsp:spPr>
+      <dsp:style>
+        <a:lnRef idx="2">
+          <a:scrgbClr r="0" g="0" b="0"/>
+        </a:lnRef>
+        <a:fillRef idx="1">
+          <a:scrgbClr r="0" g="0" b="0"/>
+        </a:fillRef>
+        <a:effectRef idx="0">
+          <a:scrgbClr r="0" g="0" b="0"/>
+        </a:effectRef>
+        <a:fontRef idx="minor"/>
+      </dsp:style>
+    </dsp:sp>
+    <dsp:sp modelId="{DD75C77E-88C7-EF4C-B19F-D25C1974EBCA}">
+      <dsp:nvSpPr>
+        <dsp:cNvPr id="0" name=""/>
+        <dsp:cNvSpPr/>
+      </dsp:nvSpPr>
+      <dsp:spPr>
+        <a:xfrm>
+          <a:off x="4656638" y="1622185"/>
+          <a:ext cx="1353015" cy="1161799"/>
+        </a:xfrm>
+        <a:prstGeom prst="hexagon">
+          <a:avLst>
+            <a:gd name="adj" fmla="val 25000"/>
+            <a:gd name="vf" fmla="val 115470"/>
+          </a:avLst>
+        </a:prstGeom>
+        <a:blipFill>
+          <a:blip xmlns:r="http://schemas.openxmlformats.org/officeDocument/2006/relationships" r:embed="rId4">
+            <a:extLst>
+              <a:ext uri="{28A0092B-C50C-407E-A947-70E740481C1C}">
+                <a14:useLocalDpi xmlns:a14="http://schemas.microsoft.com/office/drawing/2010/main" val="0"/>
+              </a:ext>
+            </a:extLst>
+          </a:blip>
+          <a:srcRect/>
+          <a:stretch>
+            <a:fillRect l="-7000" r="-7000"/>
+          </a:stretch>
+        </a:blipFill>
+        <a:ln w="12700" cap="flat" cmpd="sng" algn="ctr">
+          <a:solidFill>
+            <a:schemeClr val="dk2">
+              <a:hueOff val="0"/>
+              <a:satOff val="0"/>
+              <a:lumOff val="0"/>
+              <a:alphaOff val="0"/>
+            </a:schemeClr>
+          </a:solidFill>
+          <a:prstDash val="solid"/>
+        </a:ln>
+        <a:effectLst/>
+      </dsp:spPr>
+      <dsp:style>
+        <a:lnRef idx="2">
+          <a:scrgbClr r="0" g="0" b="0"/>
+        </a:lnRef>
+        <a:fillRef idx="1">
+          <a:scrgbClr r="0" g="0" b="0"/>
+        </a:fillRef>
+        <a:effectRef idx="0">
+          <a:scrgbClr r="0" g="0" b="0"/>
+        </a:effectRef>
+        <a:fontRef idx="minor"/>
+      </dsp:style>
+    </dsp:sp>
+    <dsp:sp modelId="{CC2E543A-3E08-A14D-B17E-4A0933C12715}">
+      <dsp:nvSpPr>
+        <dsp:cNvPr id="0" name=""/>
+        <dsp:cNvSpPr/>
+      </dsp:nvSpPr>
+      <dsp:spPr>
+        <a:xfrm>
+          <a:off x="4920641" y="1642767"/>
+          <a:ext cx="157827" cy="136192"/>
+        </a:xfrm>
+        <a:prstGeom prst="hexagon">
+          <a:avLst>
+            <a:gd name="adj" fmla="val 25000"/>
+            <a:gd name="vf" fmla="val 115470"/>
+          </a:avLst>
+        </a:prstGeom>
+        <a:solidFill>
+          <a:schemeClr val="lt1">
+            <a:hueOff val="0"/>
+            <a:satOff val="0"/>
+            <a:lumOff val="0"/>
+            <a:alphaOff val="0"/>
+          </a:schemeClr>
+        </a:solidFill>
+        <a:ln w="12700" cap="flat" cmpd="sng" algn="ctr">
+          <a:solidFill>
+            <a:schemeClr val="dk2">
+              <a:hueOff val="0"/>
+              <a:satOff val="0"/>
+              <a:lumOff val="0"/>
+              <a:alphaOff val="0"/>
+            </a:schemeClr>
+          </a:solidFill>
+          <a:prstDash val="solid"/>
+        </a:ln>
+        <a:effectLst/>
+      </dsp:spPr>
+      <dsp:style>
+        <a:lnRef idx="2">
+          <a:scrgbClr r="0" g="0" b="0"/>
+        </a:lnRef>
+        <a:fillRef idx="1">
+          <a:scrgbClr r="0" g="0" b="0"/>
+        </a:fillRef>
+        <a:effectRef idx="0">
+          <a:scrgbClr r="0" g="0" b="0"/>
+        </a:effectRef>
+        <a:fontRef idx="minor"/>
+      </dsp:style>
+    </dsp:sp>
+    <dsp:sp modelId="{6F57384F-6395-0847-856F-90F38335679D}">
+      <dsp:nvSpPr>
+        <dsp:cNvPr id="0" name=""/>
+        <dsp:cNvSpPr/>
+      </dsp:nvSpPr>
+      <dsp:spPr>
+        <a:xfrm>
+          <a:off x="4656638" y="337768"/>
+          <a:ext cx="1353015" cy="1161799"/>
+        </a:xfrm>
+        <a:prstGeom prst="hexagon">
+          <a:avLst>
+            <a:gd name="adj" fmla="val 25000"/>
+            <a:gd name="vf" fmla="val 115470"/>
+          </a:avLst>
+        </a:prstGeom>
+        <a:solidFill>
+          <a:schemeClr val="lt1">
+            <a:hueOff val="0"/>
+            <a:satOff val="0"/>
+            <a:lumOff val="0"/>
+            <a:alphaOff val="0"/>
+          </a:schemeClr>
+        </a:solidFill>
+        <a:ln w="12700" cap="flat" cmpd="sng" algn="ctr">
+          <a:solidFill>
+            <a:schemeClr val="dk2">
+              <a:shade val="80000"/>
+              <a:hueOff val="0"/>
+              <a:satOff val="0"/>
+              <a:lumOff val="0"/>
+              <a:alphaOff val="0"/>
+            </a:schemeClr>
+          </a:solidFill>
+          <a:prstDash val="solid"/>
+        </a:ln>
+        <a:effectLst/>
+      </dsp:spPr>
+      <dsp:style>
+        <a:lnRef idx="2">
+          <a:scrgbClr r="0" g="0" b="0"/>
+        </a:lnRef>
+        <a:fillRef idx="1">
+          <a:scrgbClr r="0" g="0" b="0"/>
+        </a:fillRef>
+        <a:effectRef idx="0">
+          <a:scrgbClr r="0" g="0" b="0"/>
+        </a:effectRef>
+        <a:fontRef idx="minor">
+          <a:schemeClr val="lt1"/>
+        </a:fontRef>
+      </dsp:style>
+      <dsp:txBody>
+        <a:bodyPr spcFirstLastPara="0" vert="horz" wrap="square" lIns="0" tIns="17780" rIns="0" bIns="17780" numCol="1" spcCol="1270" anchor="ctr" anchorCtr="0">
+          <a:noAutofit/>
+        </a:bodyPr>
+        <a:lstStyle/>
+        <a:p>
+          <a:pPr marL="0" lvl="0" indent="0" algn="ctr" defTabSz="622300">
+            <a:lnSpc>
+              <a:spcPct val="90000"/>
+            </a:lnSpc>
+            <a:spcBef>
+              <a:spcPct val="0"/>
+            </a:spcBef>
+            <a:spcAft>
+              <a:spcPct val="35000"/>
+            </a:spcAft>
+            <a:buNone/>
+          </a:pPr>
+          <a:r>
+            <a:rPr lang="en-GB" sz="1400" kern="1200" dirty="0">
+              <a:solidFill>
+                <a:schemeClr val="tx2"/>
+              </a:solidFill>
+            </a:rPr>
+            <a:t>RStudio</a:t>
+          </a:r>
+        </a:p>
+      </dsp:txBody>
+      <dsp:txXfrm>
+        <a:off x="4866206" y="517718"/>
+        <a:ext cx="933879" cy="801899"/>
+      </dsp:txXfrm>
+    </dsp:sp>
+    <dsp:sp modelId="{5CAF0E08-E585-0041-B16C-E6A80AD20F62}">
+      <dsp:nvSpPr>
+        <dsp:cNvPr id="0" name=""/>
+        <dsp:cNvSpPr/>
+      </dsp:nvSpPr>
+      <dsp:spPr>
+        <a:xfrm>
+          <a:off x="5827434" y="858454"/>
+          <a:ext cx="157827" cy="136192"/>
+        </a:xfrm>
+        <a:prstGeom prst="hexagon">
+          <a:avLst>
+            <a:gd name="adj" fmla="val 25000"/>
+            <a:gd name="vf" fmla="val 115470"/>
+          </a:avLst>
+        </a:prstGeom>
+        <a:solidFill>
+          <a:schemeClr val="lt1">
+            <a:hueOff val="0"/>
+            <a:satOff val="0"/>
+            <a:lumOff val="0"/>
+            <a:alphaOff val="0"/>
+          </a:schemeClr>
+        </a:solidFill>
+        <a:ln w="12700" cap="flat" cmpd="sng" algn="ctr">
+          <a:solidFill>
+            <a:schemeClr val="dk2">
+              <a:hueOff val="0"/>
+              <a:satOff val="0"/>
+              <a:lumOff val="0"/>
+              <a:alphaOff val="0"/>
+            </a:schemeClr>
+          </a:solidFill>
+          <a:prstDash val="solid"/>
+        </a:ln>
+        <a:effectLst/>
+      </dsp:spPr>
+      <dsp:style>
+        <a:lnRef idx="2">
+          <a:scrgbClr r="0" g="0" b="0"/>
+        </a:lnRef>
+        <a:fillRef idx="1">
+          <a:scrgbClr r="0" g="0" b="0"/>
+        </a:fillRef>
+        <a:effectRef idx="0">
+          <a:scrgbClr r="0" g="0" b="0"/>
+        </a:effectRef>
+        <a:fontRef idx="minor"/>
+      </dsp:style>
+    </dsp:sp>
+    <dsp:sp modelId="{658580EB-7162-9D42-A4C2-FF39FECABF67}">
+      <dsp:nvSpPr>
+        <dsp:cNvPr id="0" name=""/>
+        <dsp:cNvSpPr/>
+      </dsp:nvSpPr>
+      <dsp:spPr>
+        <a:xfrm>
+          <a:off x="5820977" y="985888"/>
+          <a:ext cx="1353015" cy="1161799"/>
+        </a:xfrm>
+        <a:prstGeom prst="hexagon">
+          <a:avLst>
+            <a:gd name="adj" fmla="val 25000"/>
+            <a:gd name="vf" fmla="val 115470"/>
+          </a:avLst>
+        </a:prstGeom>
+        <a:blipFill>
+          <a:blip xmlns:r="http://schemas.openxmlformats.org/officeDocument/2006/relationships" r:embed="rId5">
+            <a:extLst>
+              <a:ext uri="{28A0092B-C50C-407E-A947-70E740481C1C}">
+                <a14:useLocalDpi xmlns:a14="http://schemas.microsoft.com/office/drawing/2010/main" val="0"/>
+              </a:ext>
+            </a:extLst>
+          </a:blip>
+          <a:srcRect/>
+          <a:stretch>
+            <a:fillRect l="-5000" r="-5000"/>
+          </a:stretch>
+        </a:blipFill>
+        <a:ln w="12700" cap="flat" cmpd="sng" algn="ctr">
+          <a:solidFill>
+            <a:schemeClr val="dk2">
+              <a:hueOff val="0"/>
+              <a:satOff val="0"/>
+              <a:lumOff val="0"/>
+              <a:alphaOff val="0"/>
+            </a:schemeClr>
+          </a:solidFill>
+          <a:prstDash val="solid"/>
+        </a:ln>
+        <a:effectLst/>
+      </dsp:spPr>
+      <dsp:style>
+        <a:lnRef idx="2">
+          <a:scrgbClr r="0" g="0" b="0"/>
+        </a:lnRef>
+        <a:fillRef idx="1">
+          <a:scrgbClr r="0" g="0" b="0"/>
+        </a:fillRef>
+        <a:effectRef idx="0">
+          <a:scrgbClr r="0" g="0" b="0"/>
+        </a:effectRef>
+        <a:fontRef idx="minor"/>
+      </dsp:style>
+    </dsp:sp>
+    <dsp:sp modelId="{AD64E1BC-BD0B-C449-8076-E4D3DF612EF4}">
+      <dsp:nvSpPr>
+        <dsp:cNvPr id="0" name=""/>
+        <dsp:cNvSpPr/>
+      </dsp:nvSpPr>
+      <dsp:spPr>
+        <a:xfrm>
+          <a:off x="6090720" y="1011725"/>
+          <a:ext cx="157827" cy="136192"/>
+        </a:xfrm>
+        <a:prstGeom prst="hexagon">
+          <a:avLst>
+            <a:gd name="adj" fmla="val 25000"/>
+            <a:gd name="vf" fmla="val 115470"/>
+          </a:avLst>
+        </a:prstGeom>
+        <a:solidFill>
+          <a:schemeClr val="lt1">
+            <a:hueOff val="0"/>
+            <a:satOff val="0"/>
+            <a:lumOff val="0"/>
+            <a:alphaOff val="0"/>
+          </a:schemeClr>
+        </a:solidFill>
+        <a:ln w="12700" cap="flat" cmpd="sng" algn="ctr">
+          <a:solidFill>
+            <a:schemeClr val="dk2">
+              <a:hueOff val="0"/>
+              <a:satOff val="0"/>
+              <a:lumOff val="0"/>
+              <a:alphaOff val="0"/>
+            </a:schemeClr>
+          </a:solidFill>
+          <a:prstDash val="solid"/>
+        </a:ln>
+        <a:effectLst/>
+      </dsp:spPr>
+      <dsp:style>
+        <a:lnRef idx="2">
+          <a:scrgbClr r="0" g="0" b="0"/>
+        </a:lnRef>
+        <a:fillRef idx="1">
+          <a:scrgbClr r="0" g="0" b="0"/>
+        </a:fillRef>
+        <a:effectRef idx="0">
+          <a:scrgbClr r="0" g="0" b="0"/>
+        </a:effectRef>
+        <a:fontRef idx="minor"/>
+      </dsp:style>
+    </dsp:sp>
+    <dsp:sp modelId="{B50C3079-AE0F-C644-A7D3-84720CB1879D}">
+      <dsp:nvSpPr>
+        <dsp:cNvPr id="0" name=""/>
+        <dsp:cNvSpPr/>
+      </dsp:nvSpPr>
+      <dsp:spPr>
+        <a:xfrm>
+          <a:off x="5820977" y="2268116"/>
+          <a:ext cx="1353015" cy="1161799"/>
+        </a:xfrm>
+        <a:prstGeom prst="hexagon">
+          <a:avLst>
+            <a:gd name="adj" fmla="val 25000"/>
+            <a:gd name="vf" fmla="val 115470"/>
+          </a:avLst>
+        </a:prstGeom>
+        <a:solidFill>
+          <a:schemeClr val="lt1">
+            <a:hueOff val="0"/>
+            <a:satOff val="0"/>
+            <a:lumOff val="0"/>
+            <a:alphaOff val="0"/>
+          </a:schemeClr>
+        </a:solidFill>
+        <a:ln w="12700" cap="flat" cmpd="sng" algn="ctr">
+          <a:solidFill>
+            <a:schemeClr val="dk2">
+              <a:shade val="80000"/>
+              <a:hueOff val="0"/>
+              <a:satOff val="0"/>
+              <a:lumOff val="0"/>
+              <a:alphaOff val="0"/>
+            </a:schemeClr>
+          </a:solidFill>
+          <a:prstDash val="solid"/>
+        </a:ln>
+        <a:effectLst/>
+      </dsp:spPr>
+      <dsp:style>
+        <a:lnRef idx="2">
+          <a:scrgbClr r="0" g="0" b="0"/>
+        </a:lnRef>
+        <a:fillRef idx="1">
+          <a:scrgbClr r="0" g="0" b="0"/>
+        </a:fillRef>
+        <a:effectRef idx="0">
+          <a:scrgbClr r="0" g="0" b="0"/>
+        </a:effectRef>
+        <a:fontRef idx="minor">
+          <a:schemeClr val="lt1"/>
+        </a:fontRef>
+      </dsp:style>
+      <dsp:txBody>
+        <a:bodyPr spcFirstLastPara="0" vert="horz" wrap="square" lIns="0" tIns="17780" rIns="0" bIns="17780" numCol="1" spcCol="1270" anchor="ctr" anchorCtr="0">
+          <a:noAutofit/>
+        </a:bodyPr>
+        <a:lstStyle/>
+        <a:p>
+          <a:pPr marL="0" lvl="0" indent="0" algn="ctr" defTabSz="622300">
+            <a:lnSpc>
+              <a:spcPct val="90000"/>
+            </a:lnSpc>
+            <a:spcBef>
+              <a:spcPct val="0"/>
+            </a:spcBef>
+            <a:spcAft>
+              <a:spcPct val="35000"/>
+            </a:spcAft>
+            <a:buNone/>
+          </a:pPr>
+          <a:r>
+            <a:rPr lang="en-GB" sz="1400" kern="1200" dirty="0" err="1">
+              <a:solidFill>
+                <a:schemeClr val="tx2"/>
+              </a:solidFill>
+            </a:rPr>
+            <a:t>Codeclan</a:t>
+          </a:r>
+          <a:endParaRPr lang="en-GB" sz="1400" kern="1200" dirty="0">
+            <a:solidFill>
+              <a:schemeClr val="tx2"/>
+            </a:solidFill>
+          </a:endParaRPr>
+        </a:p>
+      </dsp:txBody>
+      <dsp:txXfrm>
+        <a:off x="6030545" y="2448066"/>
+        <a:ext cx="933879" cy="801899"/>
+      </dsp:txXfrm>
+    </dsp:sp>
+    <dsp:sp modelId="{96C741F1-0D31-B948-A2AB-324CB2D1FFC5}">
+      <dsp:nvSpPr>
+        <dsp:cNvPr id="0" name=""/>
+        <dsp:cNvSpPr/>
+      </dsp:nvSpPr>
+      <dsp:spPr>
+        <a:xfrm>
+          <a:off x="6089285" y="3285840"/>
+          <a:ext cx="157827" cy="136192"/>
+        </a:xfrm>
+        <a:prstGeom prst="hexagon">
+          <a:avLst>
+            <a:gd name="adj" fmla="val 25000"/>
+            <a:gd name="vf" fmla="val 115470"/>
+          </a:avLst>
+        </a:prstGeom>
+        <a:solidFill>
+          <a:schemeClr val="lt1">
+            <a:hueOff val="0"/>
+            <a:satOff val="0"/>
+            <a:lumOff val="0"/>
+            <a:alphaOff val="0"/>
+          </a:schemeClr>
+        </a:solidFill>
+        <a:ln w="12700" cap="flat" cmpd="sng" algn="ctr">
+          <a:solidFill>
+            <a:schemeClr val="dk2">
+              <a:hueOff val="0"/>
+              <a:satOff val="0"/>
+              <a:lumOff val="0"/>
+              <a:alphaOff val="0"/>
+            </a:schemeClr>
+          </a:solidFill>
+          <a:prstDash val="solid"/>
+        </a:ln>
+        <a:effectLst/>
+      </dsp:spPr>
+      <dsp:style>
+        <a:lnRef idx="2">
+          <a:scrgbClr r="0" g="0" b="0"/>
+        </a:lnRef>
+        <a:fillRef idx="1">
+          <a:scrgbClr r="0" g="0" b="0"/>
+        </a:fillRef>
+        <a:effectRef idx="0">
+          <a:scrgbClr r="0" g="0" b="0"/>
+        </a:effectRef>
+        <a:fontRef idx="minor"/>
+      </dsp:style>
+    </dsp:sp>
+    <dsp:sp modelId="{3F99BF38-E351-E64F-9FF8-34E5D945504A}">
+      <dsp:nvSpPr>
+        <dsp:cNvPr id="0" name=""/>
+        <dsp:cNvSpPr/>
+      </dsp:nvSpPr>
+      <dsp:spPr>
+        <a:xfrm>
+          <a:off x="4656638" y="2904412"/>
+          <a:ext cx="1353015" cy="1161799"/>
+        </a:xfrm>
+        <a:prstGeom prst="hexagon">
+          <a:avLst>
+            <a:gd name="adj" fmla="val 25000"/>
+            <a:gd name="vf" fmla="val 115470"/>
+          </a:avLst>
+        </a:prstGeom>
+        <a:blipFill>
+          <a:blip xmlns:r="http://schemas.openxmlformats.org/officeDocument/2006/relationships" r:embed="rId6">
+            <a:extLst>
+              <a:ext uri="{28A0092B-C50C-407E-A947-70E740481C1C}">
+                <a14:useLocalDpi xmlns:a14="http://schemas.microsoft.com/office/drawing/2010/main" val="0"/>
+              </a:ext>
+            </a:extLst>
+          </a:blip>
+          <a:srcRect/>
+          <a:stretch>
+            <a:fillRect t="-8000" b="-8000"/>
+          </a:stretch>
+        </a:blipFill>
+        <a:ln w="12700" cap="flat" cmpd="sng" algn="ctr">
+          <a:solidFill>
+            <a:schemeClr val="dk2">
+              <a:hueOff val="0"/>
+              <a:satOff val="0"/>
+              <a:lumOff val="0"/>
+              <a:alphaOff val="0"/>
+            </a:schemeClr>
+          </a:solidFill>
+          <a:prstDash val="solid"/>
+        </a:ln>
+        <a:effectLst/>
+      </dsp:spPr>
+      <dsp:style>
+        <a:lnRef idx="2">
+          <a:scrgbClr r="0" g="0" b="0"/>
+        </a:lnRef>
+        <a:fillRef idx="1">
+          <a:scrgbClr r="0" g="0" b="0"/>
+        </a:fillRef>
+        <a:effectRef idx="0">
+          <a:scrgbClr r="0" g="0" b="0"/>
+        </a:effectRef>
+        <a:fontRef idx="minor"/>
+      </dsp:style>
+    </dsp:sp>
+    <dsp:sp modelId="{2F3C0296-3E9A-AF4B-BB41-BFDB09F9883E}">
+      <dsp:nvSpPr>
+        <dsp:cNvPr id="0" name=""/>
+        <dsp:cNvSpPr/>
+      </dsp:nvSpPr>
+      <dsp:spPr>
+        <a:xfrm>
+          <a:off x="5838195" y="3414150"/>
+          <a:ext cx="157827" cy="136192"/>
+        </a:xfrm>
+        <a:prstGeom prst="hexagon">
+          <a:avLst>
+            <a:gd name="adj" fmla="val 25000"/>
+            <a:gd name="vf" fmla="val 115470"/>
+          </a:avLst>
+        </a:prstGeom>
+        <a:solidFill>
+          <a:schemeClr val="lt1">
+            <a:hueOff val="0"/>
+            <a:satOff val="0"/>
+            <a:lumOff val="0"/>
+            <a:alphaOff val="0"/>
+          </a:schemeClr>
+        </a:solidFill>
+        <a:ln w="12700" cap="flat" cmpd="sng" algn="ctr">
+          <a:solidFill>
+            <a:schemeClr val="dk2">
+              <a:hueOff val="0"/>
+              <a:satOff val="0"/>
+              <a:lumOff val="0"/>
+              <a:alphaOff val="0"/>
+            </a:schemeClr>
+          </a:solidFill>
+          <a:prstDash val="solid"/>
+        </a:ln>
+        <a:effectLst/>
+      </dsp:spPr>
+      <dsp:style>
+        <a:lnRef idx="2">
+          <a:scrgbClr r="0" g="0" b="0"/>
+        </a:lnRef>
+        <a:fillRef idx="1">
+          <a:scrgbClr r="0" g="0" b="0"/>
+        </a:fillRef>
+        <a:effectRef idx="0">
+          <a:scrgbClr r="0" g="0" b="0"/>
+        </a:effectRef>
+        <a:fontRef idx="minor"/>
+      </dsp:style>
+    </dsp:sp>
+    <dsp:sp modelId="{F90CF15B-D8A3-EB45-9EB6-33B241BEB86E}">
+      <dsp:nvSpPr>
+        <dsp:cNvPr id="0" name=""/>
+        <dsp:cNvSpPr/>
+      </dsp:nvSpPr>
+      <dsp:spPr>
+        <a:xfrm>
+          <a:off x="2327243" y="2896968"/>
+          <a:ext cx="1353015" cy="1161799"/>
+        </a:xfrm>
+        <a:prstGeom prst="hexagon">
+          <a:avLst>
+            <a:gd name="adj" fmla="val 25000"/>
+            <a:gd name="vf" fmla="val 115470"/>
+          </a:avLst>
+        </a:prstGeom>
+        <a:solidFill>
+          <a:schemeClr val="lt1">
+            <a:hueOff val="0"/>
+            <a:satOff val="0"/>
+            <a:lumOff val="0"/>
+            <a:alphaOff val="0"/>
+          </a:schemeClr>
+        </a:solidFill>
+        <a:ln w="12700" cap="flat" cmpd="sng" algn="ctr">
+          <a:solidFill>
+            <a:schemeClr val="dk2">
+              <a:shade val="80000"/>
+              <a:hueOff val="0"/>
+              <a:satOff val="0"/>
+              <a:lumOff val="0"/>
+              <a:alphaOff val="0"/>
+            </a:schemeClr>
+          </a:solidFill>
+          <a:prstDash val="solid"/>
+        </a:ln>
+        <a:effectLst/>
+      </dsp:spPr>
+      <dsp:style>
+        <a:lnRef idx="2">
+          <a:scrgbClr r="0" g="0" b="0"/>
+        </a:lnRef>
+        <a:fillRef idx="1">
+          <a:scrgbClr r="0" g="0" b="0"/>
+        </a:fillRef>
+        <a:effectRef idx="0">
+          <a:scrgbClr r="0" g="0" b="0"/>
+        </a:effectRef>
+        <a:fontRef idx="minor">
+          <a:schemeClr val="lt1"/>
+        </a:fontRef>
+      </dsp:style>
+      <dsp:txBody>
+        <a:bodyPr spcFirstLastPara="0" vert="horz" wrap="square" lIns="0" tIns="17780" rIns="0" bIns="17780" numCol="1" spcCol="1270" anchor="ctr" anchorCtr="0">
+          <a:noAutofit/>
+        </a:bodyPr>
+        <a:lstStyle/>
+        <a:p>
+          <a:pPr marL="0" lvl="0" indent="0" algn="ctr" defTabSz="622300">
+            <a:lnSpc>
+              <a:spcPct val="90000"/>
+            </a:lnSpc>
+            <a:spcBef>
+              <a:spcPct val="0"/>
+            </a:spcBef>
+            <a:spcAft>
+              <a:spcPct val="35000"/>
+            </a:spcAft>
+            <a:buNone/>
+          </a:pPr>
+          <a:r>
+            <a:rPr lang="en-GB" sz="1400" kern="1200" dirty="0">
+              <a:solidFill>
+                <a:schemeClr val="tx2"/>
+              </a:solidFill>
+            </a:rPr>
+            <a:t>GitHub</a:t>
+          </a:r>
+        </a:p>
+      </dsp:txBody>
+      <dsp:txXfrm>
+        <a:off x="2536811" y="3076918"/>
+        <a:ext cx="933879" cy="801899"/>
+      </dsp:txXfrm>
+    </dsp:sp>
+    <dsp:sp modelId="{97601731-5207-794A-985E-002E04F676B8}">
+      <dsp:nvSpPr>
+        <dsp:cNvPr id="0" name=""/>
+        <dsp:cNvSpPr/>
+      </dsp:nvSpPr>
+      <dsp:spPr>
+        <a:xfrm>
+          <a:off x="2365982" y="3411961"/>
+          <a:ext cx="157827" cy="136192"/>
+        </a:xfrm>
+        <a:prstGeom prst="hexagon">
+          <a:avLst>
+            <a:gd name="adj" fmla="val 25000"/>
+            <a:gd name="vf" fmla="val 115470"/>
+          </a:avLst>
+        </a:prstGeom>
+        <a:solidFill>
+          <a:schemeClr val="lt1">
+            <a:hueOff val="0"/>
+            <a:satOff val="0"/>
+            <a:lumOff val="0"/>
+            <a:alphaOff val="0"/>
+          </a:schemeClr>
+        </a:solidFill>
+        <a:ln w="12700" cap="flat" cmpd="sng" algn="ctr">
+          <a:solidFill>
+            <a:schemeClr val="dk2">
+              <a:hueOff val="0"/>
+              <a:satOff val="0"/>
+              <a:lumOff val="0"/>
+              <a:alphaOff val="0"/>
+            </a:schemeClr>
+          </a:solidFill>
+          <a:prstDash val="solid"/>
+        </a:ln>
+        <a:effectLst/>
+      </dsp:spPr>
+      <dsp:style>
+        <a:lnRef idx="2">
+          <a:scrgbClr r="0" g="0" b="0"/>
+        </a:lnRef>
+        <a:fillRef idx="1">
+          <a:scrgbClr r="0" g="0" b="0"/>
+        </a:fillRef>
+        <a:effectRef idx="0">
+          <a:scrgbClr r="0" g="0" b="0"/>
+        </a:effectRef>
+        <a:fontRef idx="minor"/>
+      </dsp:style>
+    </dsp:sp>
+    <dsp:sp modelId="{53155869-57EA-9544-9425-BCEB4A92C5A4}">
+      <dsp:nvSpPr>
+        <dsp:cNvPr id="0" name=""/>
+        <dsp:cNvSpPr/>
+      </dsp:nvSpPr>
+      <dsp:spPr>
+        <a:xfrm>
+          <a:off x="1163621" y="3542898"/>
+          <a:ext cx="1353015" cy="1161799"/>
+        </a:xfrm>
+        <a:prstGeom prst="hexagon">
+          <a:avLst>
+            <a:gd name="adj" fmla="val 25000"/>
+            <a:gd name="vf" fmla="val 115470"/>
+          </a:avLst>
+        </a:prstGeom>
+        <a:blipFill>
+          <a:blip xmlns:r="http://schemas.openxmlformats.org/officeDocument/2006/relationships" r:embed="rId7">
+            <a:extLst>
+              <a:ext uri="{28A0092B-C50C-407E-A947-70E740481C1C}">
+                <a14:useLocalDpi xmlns:a14="http://schemas.microsoft.com/office/drawing/2010/main" val="0"/>
+              </a:ext>
+            </a:extLst>
+          </a:blip>
+          <a:srcRect/>
+          <a:stretch>
+            <a:fillRect l="-2000" r="-2000"/>
+          </a:stretch>
+        </a:blipFill>
+        <a:ln w="12700" cap="flat" cmpd="sng" algn="ctr">
+          <a:solidFill>
+            <a:schemeClr val="dk2">
+              <a:hueOff val="0"/>
+              <a:satOff val="0"/>
+              <a:lumOff val="0"/>
+              <a:alphaOff val="0"/>
+            </a:schemeClr>
+          </a:solidFill>
+          <a:prstDash val="solid"/>
+        </a:ln>
+        <a:effectLst/>
+      </dsp:spPr>
+      <dsp:style>
+        <a:lnRef idx="2">
+          <a:scrgbClr r="0" g="0" b="0"/>
+        </a:lnRef>
+        <a:fillRef idx="1">
+          <a:scrgbClr r="0" g="0" b="0"/>
+        </a:fillRef>
+        <a:effectRef idx="0">
+          <a:scrgbClr r="0" g="0" b="0"/>
+        </a:effectRef>
+        <a:fontRef idx="minor"/>
+      </dsp:style>
+    </dsp:sp>
+    <dsp:sp modelId="{3AA83197-75E6-544E-9863-3E31118D17A9}">
+      <dsp:nvSpPr>
+        <dsp:cNvPr id="0" name=""/>
+        <dsp:cNvSpPr/>
+      </dsp:nvSpPr>
+      <dsp:spPr>
+        <a:xfrm>
+          <a:off x="2084044" y="3559101"/>
+          <a:ext cx="157827" cy="136192"/>
+        </a:xfrm>
+        <a:prstGeom prst="hexagon">
+          <a:avLst>
+            <a:gd name="adj" fmla="val 25000"/>
+            <a:gd name="vf" fmla="val 115470"/>
+          </a:avLst>
+        </a:prstGeom>
+        <a:solidFill>
+          <a:schemeClr val="lt1">
+            <a:hueOff val="0"/>
+            <a:satOff val="0"/>
+            <a:lumOff val="0"/>
+            <a:alphaOff val="0"/>
+          </a:schemeClr>
+        </a:solidFill>
+        <a:ln w="12700" cap="flat" cmpd="sng" algn="ctr">
+          <a:solidFill>
+            <a:schemeClr val="dk2">
+              <a:hueOff val="0"/>
+              <a:satOff val="0"/>
+              <a:lumOff val="0"/>
+              <a:alphaOff val="0"/>
+            </a:schemeClr>
+          </a:solidFill>
+          <a:prstDash val="solid"/>
+        </a:ln>
+        <a:effectLst/>
+      </dsp:spPr>
+      <dsp:style>
+        <a:lnRef idx="2">
+          <a:scrgbClr r="0" g="0" b="0"/>
+        </a:lnRef>
+        <a:fillRef idx="1">
+          <a:scrgbClr r="0" g="0" b="0"/>
+        </a:fillRef>
+        <a:effectRef idx="0">
+          <a:scrgbClr r="0" g="0" b="0"/>
+        </a:effectRef>
+        <a:fontRef idx="minor"/>
+      </dsp:style>
+    </dsp:sp>
+  </dsp:spTree>
+</dsp:drawing>
+</file>
+
+<file path=ppt/diagrams/layout1.xml><?xml version="1.0" encoding="utf-8"?>
+<dgm:layoutDef xmlns:dgm="http://schemas.openxmlformats.org/drawingml/2006/diagram" xmlns:a="http://schemas.openxmlformats.org/drawingml/2006/main" uniqueId="urn:microsoft.com/office/officeart/2008/layout/HexagonCluster">
+  <dgm:title val=""/>
+  <dgm:desc val=""/>
+  <dgm:catLst>
+    <dgm:cat type="picture" pri="21000"/>
+    <dgm:cat type="relationship" pri="3200"/>
+    <dgm:cat type="pictureconvert" pri="21000"/>
+  </dgm:catLst>
+  <dgm:sampData>
+    <dgm:dataModel>
+      <dgm:ptLst>
+        <dgm:pt modelId="0" type="doc"/>
+        <dgm:pt modelId="10">
+          <dgm:prSet phldr="1"/>
+        </dgm:pt>
+        <dgm:pt modelId="20">
+          <dgm:prSet phldr="1"/>
+        </dgm:pt>
+        <dgm:pt modelId="30">
+          <dgm:prSet phldr="1"/>
+        </dgm:pt>
+      </dgm:ptLst>
+      <dgm:cxnLst>
+        <dgm:cxn modelId="40" srcId="0" destId="10" srcOrd="0" destOrd="0"/>
+        <dgm:cxn modelId="50" srcId="0" destId="20" srcOrd="1" destOrd="0"/>
+        <dgm:cxn modelId="60" srcId="0" destId="30" srcOrd="2" destOrd="0"/>
+      </dgm:cxnLst>
+      <dgm:bg/>
+      <dgm:whole/>
+    </dgm:dataModel>
+  </dgm:sampData>
+  <dgm:styleData>
+    <dgm:dataModel>
+      <dgm:ptLst>
+        <dgm:pt modelId="0" type="doc"/>
+        <dgm:pt modelId="10">
+          <dgm:prSet phldr="1"/>
+        </dgm:pt>
+        <dgm:pt modelId="20">
+          <dgm:prSet phldr="1"/>
+        </dgm:pt>
+        <dgm:pt modelId="30">
+          <dgm:prSet phldr="1"/>
+        </dgm:pt>
+      </dgm:ptLst>
+      <dgm:cxnLst>
+        <dgm:cxn modelId="40" srcId="0" destId="10" srcOrd="0" destOrd="0"/>
+        <dgm:cxn modelId="50" srcId="0" destId="20" srcOrd="1" destOrd="0"/>
+        <dgm:cxn modelId="60" srcId="0" destId="30" srcOrd="2" destOrd="0"/>
+      </dgm:cxnLst>
+      <dgm:bg/>
+      <dgm:whole/>
+    </dgm:dataModel>
+  </dgm:styleData>
+  <dgm:clrData>
+    <dgm:dataModel>
+      <dgm:ptLst>
+        <dgm:pt modelId="0" type="doc"/>
+        <dgm:pt modelId="10">
+          <dgm:prSet phldr="1"/>
+        </dgm:pt>
+        <dgm:pt modelId="20">
+          <dgm:prSet phldr="1"/>
+        </dgm:pt>
+        <dgm:pt modelId="30">
+          <dgm:prSet phldr="1"/>
+        </dgm:pt>
+      </dgm:ptLst>
+      <dgm:cxnLst>
+        <dgm:cxn modelId="40" srcId="0" destId="10" srcOrd="0" destOrd="0"/>
+        <dgm:cxn modelId="50" srcId="0" destId="20" srcOrd="1" destOrd="0"/>
+        <dgm:cxn modelId="60" srcId="0" destId="30" srcOrd="2" destOrd="0"/>
+      </dgm:cxnLst>
+      <dgm:bg/>
+      <dgm:whole/>
+    </dgm:dataModel>
+  </dgm:clrData>
+  <dgm:layoutNode name="Name0">
+    <dgm:varLst>
+      <dgm:chMax val="21"/>
+      <dgm:chPref val="21"/>
+    </dgm:varLst>
+    <dgm:shape xmlns:r="http://schemas.openxmlformats.org/officeDocument/2006/relationships" r:blip="">
+      <dgm:adjLst/>
+    </dgm:shape>
+    <dgm:choose name="Name1">
+      <dgm:if name="Name2" axis="ch" ptType="node" func="cnt" op="equ" val="1">
+        <dgm:alg type="composite">
+          <dgm:param type="ar" val="1.3871"/>
+        </dgm:alg>
+        <dgm:constrLst>
+          <dgm:constr type="primFontSz" for="des" ptType="node" op="equ" val="65"/>
+          <dgm:constr type="l" for="ch" forName="text1" refType="w" fact="0.4525"/>
+          <dgm:constr type="t" for="ch" forName="text1" refType="h" fact="0.346"/>
+          <dgm:constr type="w" for="ch" forName="text1" refType="w" fact="0.5475"/>
+          <dgm:constr type="h" for="ch" forName="text1" refType="h" fact="0.654"/>
+          <dgm:constr type="l" for="ch" forName="textaccent1" refType="w" fact="0.4652"/>
+          <dgm:constr type="t" for="ch" forName="textaccent1" refType="h" fact="0.6348"/>
+          <dgm:constr type="w" for="ch" forName="textaccent1" refType="w" fact="0.0639"/>
+          <dgm:constr type="h" for="ch" forName="textaccent1" refType="h" fact="0.0765"/>
+          <dgm:constr type="l" for="ch" forName="image1" refType="w" fact="0"/>
+          <dgm:constr type="t" for="ch" forName="image1" refType="h" fact="0"/>
+          <dgm:constr type="w" for="ch" forName="image1" refType="w" fact="0.5468"/>
+          <dgm:constr type="h" for="ch" forName="image1" refType="h" fact="0.6538"/>
+          <dgm:constr type="l" for="ch" forName="imageaccent1" refType="w" fact="0.3702"/>
+          <dgm:constr type="t" for="ch" forName="imageaccent1" refType="h" fact="0.5633"/>
+          <dgm:constr type="w" for="ch" forName="imageaccent1" refType="w" fact="0.0639"/>
+          <dgm:constr type="h" for="ch" forName="imageaccent1" refType="h" fact="0.0765"/>
+        </dgm:constrLst>
+      </dgm:if>
+      <dgm:if name="Name3" axis="ch" ptType="node" func="cnt" op="equ" val="2">
+        <dgm:alg type="composite">
+          <dgm:param type="ar" val="2.6443"/>
+        </dgm:alg>
+        <dgm:constrLst>
+          <dgm:constr type="primFontSz" for="des" ptType="node" op="equ" val="65"/>
+          <dgm:constr type="l" for="ch" forName="text1" refType="w" fact="0.2383"/>
+          <dgm:constr type="t" for="ch" forName="text1" refType="h" fact="0.3501"/>
+          <dgm:constr type="w" for="ch" forName="text1" refType="w" fact="0.285"/>
+          <dgm:constr type="h" for="ch" forName="text1" refType="h" fact="0.6499"/>
+          <dgm:constr type="l" for="ch" forName="textaccent1" refType="w" fact="0.2472"/>
+          <dgm:constr type="t" for="ch" forName="textaccent1" refType="h" fact="0.6371"/>
+          <dgm:constr type="w" for="ch" forName="textaccent1" refType="w" fact="0.0333"/>
+          <dgm:constr type="h" for="ch" forName="textaccent1" refType="h" fact="0.076"/>
+          <dgm:constr type="l" for="ch" forName="image1" refType="w" fact="0"/>
+          <dgm:constr type="t" for="ch" forName="image1" refType="h" fact="0"/>
+          <dgm:constr type="w" for="ch" forName="image1" refType="w" fact="0.285"/>
+          <dgm:constr type="h" for="ch" forName="image1" refType="h" fact="0.6499"/>
+          <dgm:constr type="l" for="ch" forName="imageaccent1" refType="w" fact="0.1942"/>
+          <dgm:constr type="t" for="ch" forName="imageaccent1" refType="h" fact="0.5602"/>
+          <dgm:constr type="w" for="ch" forName="imageaccent1" refType="w" fact="0.0333"/>
+          <dgm:constr type="h" for="ch" forName="imageaccent1" refType="h" fact="0.076"/>
+          <dgm:constr type="l" for="ch" forName="text2" refType="w" fact="0.4767"/>
+          <dgm:constr type="t" for="ch" forName="text2" refType="h" fact="0"/>
+          <dgm:constr type="w" for="ch" forName="text2" refType="w" fact="0.285"/>
+          <dgm:constr type="h" for="ch" forName="text2" refType="h" fact="0.6499"/>
+          <dgm:constr type="l" for="ch" forName="textaccent2" refType="w" fact="0.6709"/>
+          <dgm:constr type="t" for="ch" forName="textaccent2" refType="h" fact="0.5602"/>
+          <dgm:constr type="w" for="ch" forName="textaccent2" refType="w" fact="0.0333"/>
+          <dgm:constr type="h" for="ch" forName="textaccent2" refType="h" fact="0.076"/>
+          <dgm:constr type="l" for="ch" forName="image2" refType="w" fact="0.715"/>
+          <dgm:constr type="t" for="ch" forName="image2" refType="h" fact="0.3501"/>
+          <dgm:constr type="w" for="ch" forName="image2" refType="w" fact="0.285"/>
+          <dgm:constr type="h" for="ch" forName="image2" refType="h" fact="0.6499"/>
+          <dgm:constr type="l" for="ch" forName="imageaccent2" refType="w" fact="0.7239"/>
+          <dgm:constr type="t" for="ch" forName="imageaccent2" refType="h" fact="0.6371"/>
+          <dgm:constr type="w" for="ch" forName="imageaccent2" refType="w" fact="0.0333"/>
+          <dgm:constr type="h" for="ch" forName="imageaccent2" refType="h" fact="0.076"/>
+        </dgm:constrLst>
+      </dgm:if>
+      <dgm:if name="Name4" axis="ch" ptType="node" func="cnt" op="equ" val="3">
+        <dgm:alg type="composite">
+          <dgm:param type="ar" val="1.5623"/>
+        </dgm:alg>
+        <dgm:constrLst>
+          <dgm:constr type="primFontSz" for="des" ptType="node" op="equ" val="65"/>
+          <dgm:constr type="l" for="ch" forName="text1" refType="w" fact="0.2402"/>
+          <dgm:constr type="t" for="ch" forName="text1" refType="h" fact="0.6215"/>
+          <dgm:constr type="w" for="ch" forName="text1" refType="w" fact="0.281"/>
+          <dgm:constr type="h" for="ch" forName="text1" refType="h" fact="0.3785"/>
+          <dgm:constr type="l" for="ch" forName="textaccent1" refType="w" fact="0.2475"/>
+          <dgm:constr type="t" for="ch" forName="textaccent1" refType="h" fact="0.7886"/>
+          <dgm:constr type="w" for="ch" forName="textaccent1" refType="w" fact="0.0329"/>
+          <dgm:constr type="h" for="ch" forName="textaccent1" refType="h" fact="0.0443"/>
+          <dgm:constr type="l" for="ch" forName="image1" refType="w" fact="0"/>
+          <dgm:constr type="t" for="ch" forName="image1" refType="h" fact="0.4182"/>
+          <dgm:constr type="w" for="ch" forName="image1" refType="w" fact="0.281"/>
+          <dgm:constr type="h" for="ch" forName="image1" refType="h" fact="0.3785"/>
+          <dgm:constr type="l" for="ch" forName="imageaccent1" refType="w" fact="0.1913"/>
+          <dgm:constr type="t" for="ch" forName="imageaccent1" refType="h" fact="0.7467"/>
+          <dgm:constr type="w" for="ch" forName="imageaccent1" refType="w" fact="0.0329"/>
+          <dgm:constr type="h" for="ch" forName="imageaccent1" refType="h" fact="0.0443"/>
+          <dgm:constr type="l" for="ch" forName="text2" refType="w" fact="0.4796"/>
+          <dgm:constr type="t" for="ch" forName="text2" refType="h" fact="0.4137"/>
+          <dgm:constr type="w" for="ch" forName="text2" refType="w" fact="0.281"/>
+          <dgm:constr type="h" for="ch" forName="text2" refType="h" fact="0.3785"/>
+          <dgm:constr type="l" for="ch" forName="textaccent2" refType="w" fact="0.6717"/>
+          <dgm:constr type="t" for="ch" forName="textaccent2" refType="h" fact="0.7418"/>
+          <dgm:constr type="w" for="ch" forName="textaccent2" refType="w" fact="0.0329"/>
+          <dgm:constr type="h" for="ch" forName="textaccent2" refType="h" fact="0.0443"/>
+          <dgm:constr type="l" for="ch" forName="image2" refType="w" fact="0.719"/>
+          <dgm:constr type="t" for="ch" forName="image2" refType="h" fact="0.6215"/>
+          <dgm:constr type="w" for="ch" forName="image2" refType="w" fact="0.281"/>
+          <dgm:constr type="h" for="ch" forName="image2" refType="h" fact="0.3785"/>
+          <dgm:constr type="l" for="ch" forName="imageaccent2" refType="w" fact="0.7263"/>
+          <dgm:constr type="t" for="ch" forName="imageaccent2" refType="h" fact="0.7886"/>
+          <dgm:constr type="w" for="ch" forName="imageaccent2" refType="w" fact="0.0329"/>
+          <dgm:constr type="h" for="ch" forName="imageaccent2" refType="h" fact="0.0443"/>
+          <dgm:constr type="l" for="ch" forName="text3" refType="w" fact="0.2402"/>
+          <dgm:constr type="t" for="ch" forName="text3" refType="h" fact="0.2068"/>
+          <dgm:constr type="w" for="ch" forName="text3" refType="w" fact="0.281"/>
+          <dgm:constr type="h" for="ch" forName="text3" refType="h" fact="0.3785"/>
+          <dgm:constr type="l" for="ch" forName="textaccent3" refType="w" fact="0.4307"/>
+          <dgm:constr type="t" for="ch" forName="textaccent3" refType="h" fact="0.215"/>
+          <dgm:constr type="w" for="ch" forName="textaccent3" refType="w" fact="0.0329"/>
+          <dgm:constr type="h" for="ch" forName="textaccent3" refType="h" fact="0.0443"/>
+          <dgm:constr type="l" for="ch" forName="image3" refType="w" fact="0.4796"/>
+          <dgm:constr type="t" for="ch" forName="image3" refType="h" fact="0"/>
+          <dgm:constr type="w" for="ch" forName="image3" refType="w" fact="0.281"/>
+          <dgm:constr type="h" for="ch" forName="image3" refType="h" fact="0.3785"/>
+          <dgm:constr type="l" for="ch" forName="imageaccent3" refType="w" fact="0.4879"/>
+          <dgm:constr type="t" for="ch" forName="imageaccent3" refType="h" fact="0.1662"/>
+          <dgm:constr type="w" for="ch" forName="imageaccent3" refType="w" fact="0.0329"/>
+          <dgm:constr type="h" for="ch" forName="imageaccent3" refType="h" fact="0.0443"/>
+        </dgm:constrLst>
+      </dgm:if>
+      <dgm:if name="Name5" axis="ch" ptType="node" func="cnt" op="equ" val="4">
+        <dgm:alg type="composite">
+          <dgm:param type="ar" val="1.943"/>
+        </dgm:alg>
+        <dgm:constrLst>
+          <dgm:constr type="primFontSz" for="des" ptType="node" op="equ" val="65"/>
+          <dgm:constr type="l" for="ch" forName="image2" refType="w" fact="0.5787"/>
+          <dgm:constr type="t" for="ch" forName="image2" refType="h" fact="0.6208"/>
+          <dgm:constr type="w" for="ch" forName="image2" refType="w" fact="0.227"/>
+          <dgm:constr type="h" for="ch" forName="image2" refType="h" fact="0.3786"/>
+          <dgm:constr type="l" for="ch" forName="text4" refType="w" fact="0.5787"/>
+          <dgm:constr type="t" for="ch" forName="text4" refType="h" fact="0.2081"/>
+          <dgm:constr type="w" for="ch" forName="text4" refType="w" fact="0.227"/>
+          <dgm:constr type="h" for="ch" forName="text4" refType="h" fact="0.3786"/>
+          <dgm:constr type="l" for="ch" forName="text2" refType="w" fact="0.3852"/>
+          <dgm:constr type="t" for="ch" forName="text2" refType="h" fact="0.4127"/>
+          <dgm:constr type="w" for="ch" forName="text2" refType="w" fact="0.227"/>
+          <dgm:constr type="h" for="ch" forName="text2" refType="h" fact="0.3786"/>
+          <dgm:constr type="l" for="ch" forName="image3" refType="w" fact="0.3852"/>
+          <dgm:constr type="t" for="ch" forName="image3" refType="h" fact="0"/>
+          <dgm:constr type="w" for="ch" forName="image3" refType="w" fact="0.227"/>
+          <dgm:constr type="h" for="ch" forName="image3" refType="h" fact="0.3786"/>
+          <dgm:constr type="l" for="ch" forName="text1" refType="w" fact="0.1927"/>
+          <dgm:constr type="t" for="ch" forName="text1" refType="h" fact="0.6214"/>
+          <dgm:constr type="w" for="ch" forName="text1" refType="w" fact="0.227"/>
+          <dgm:constr type="h" for="ch" forName="text1" refType="h" fact="0.3786"/>
+          <dgm:constr type="l" for="ch" forName="textaccent1" refType="w" fact="0.1998"/>
+          <dgm:constr type="t" for="ch" forName="textaccent1" refType="h" fact="0.7887"/>
+          <dgm:constr type="w" for="ch" forName="textaccent1" refType="w" fact="0.0265"/>
+          <dgm:constr type="h" for="ch" forName="textaccent1" refType="h" fact="0.0444"/>
+          <dgm:constr type="l" for="ch" forName="image1" refType="w" fact="0"/>
+          <dgm:constr type="t" for="ch" forName="image1" refType="h" fact="0.4156"/>
+          <dgm:constr type="w" for="ch" forName="image1" refType="w" fact="0.227"/>
+          <dgm:constr type="h" for="ch" forName="image1" refType="h" fact="0.3786"/>
+          <dgm:constr type="l" for="ch" forName="imageaccent1" refType="w" fact="0.1537"/>
+          <dgm:constr type="t" for="ch" forName="imageaccent1" refType="h" fact="0.7417"/>
+          <dgm:constr type="w" for="ch" forName="imageaccent1" refType="w" fact="0.0265"/>
+          <dgm:constr type="h" for="ch" forName="imageaccent1" refType="h" fact="0.0444"/>
+          <dgm:constr type="l" for="ch" forName="textaccent2" refType="w" fact="0.5407"/>
+          <dgm:constr type="t" for="ch" forName="textaccent2" refType="h" fact="0.7384"/>
+          <dgm:constr type="w" for="ch" forName="textaccent2" refType="w" fact="0.0265"/>
+          <dgm:constr type="h" for="ch" forName="textaccent2" refType="h" fact="0.0444"/>
+          <dgm:constr type="l" for="ch" forName="imageaccent2" refType="w" fact="0.5839"/>
+          <dgm:constr type="t" for="ch" forName="imageaccent2" refType="h" fact="0.7904"/>
+          <dgm:constr type="w" for="ch" forName="imageaccent2" refType="w" fact="0.0265"/>
+          <dgm:constr type="h" for="ch" forName="imageaccent2" refType="h" fact="0.0444"/>
+          <dgm:constr type="l" for="ch" forName="text3" refType="w" fact="0.1927"/>
+          <dgm:constr type="t" for="ch" forName="text3" refType="h" fact="0.2087"/>
+          <dgm:constr type="w" for="ch" forName="text3" refType="w" fact="0.227"/>
+          <dgm:constr type="h" for="ch" forName="text3" refType="h" fact="0.3786"/>
+          <dgm:constr type="l" for="ch" forName="textaccent3" refType="w" fact="0.3472"/>
+          <dgm:constr type="t" for="ch" forName="textaccent3" refType="h" fact="0.2165"/>
+          <dgm:constr type="w" for="ch" forName="textaccent3" refType="w" fact="0.0265"/>
+          <dgm:constr type="h" for="ch" forName="textaccent3" refType="h" fact="0.0444"/>
+          <dgm:constr type="l" for="ch" forName="imageaccent3" refType="w" fact="0.3904"/>
+          <dgm:constr type="t" for="ch" forName="imageaccent3" refType="h" fact="0.1678"/>
+          <dgm:constr type="w" for="ch" forName="imageaccent3" refType="w" fact="0.0265"/>
+          <dgm:constr type="h" for="ch" forName="imageaccent3" refType="h" fact="0.0444"/>
+          <dgm:constr type="l" for="ch" forName="textaccent4" refType="w" fact="0.7739"/>
+          <dgm:constr type="t" for="ch" forName="textaccent4" refType="h" fact="0.3752"/>
+          <dgm:constr type="w" for="ch" forName="textaccent4" refType="w" fact="0.0265"/>
+          <dgm:constr type="h" for="ch" forName="textaccent4" refType="h" fact="0.0444"/>
+          <dgm:constr type="l" for="ch" forName="image4" refType="w" fact="0.773"/>
+          <dgm:constr type="t" for="ch" forName="image4" refType="h" fact="0.4162"/>
+          <dgm:constr type="w" for="ch" forName="image4" refType="w" fact="0.227"/>
+          <dgm:constr type="h" for="ch" forName="image4" refType="h" fact="0.3786"/>
+          <dgm:constr type="l" for="ch" forName="imageaccent4" refType="w" fact="0.8188"/>
+          <dgm:constr type="t" for="ch" forName="imageaccent4" refType="h" fact="0.4229"/>
+          <dgm:constr type="w" for="ch" forName="imageaccent4" refType="w" fact="0.0265"/>
+          <dgm:constr type="h" for="ch" forName="imageaccent4" refType="h" fact="0.0444"/>
+        </dgm:constrLst>
+      </dgm:if>
+      <dgm:if name="Name6" axis="ch" ptType="node" func="cnt" op="equ" val="5">
+        <dgm:alg type="composite">
+          <dgm:param type="ar" val="2.3203"/>
+        </dgm:alg>
+        <dgm:constrLst>
+          <dgm:constr type="primFontSz" for="des" ptType="node" op="equ" val="65"/>
+          <dgm:constr type="l" for="ch" forName="image4" refType="w" fact="0.6491"/>
+          <dgm:constr type="t" for="ch" forName="image4" refType="h" fact="0.4193"/>
+          <dgm:constr type="w" for="ch" forName="image4" refType="w" fact="0.1886"/>
+          <dgm:constr type="h" for="ch" forName="image4" refType="h" fact="0.3757"/>
+          <dgm:constr type="l" for="ch" forName="text5" refType="w" fact="0.6491"/>
+          <dgm:constr type="t" for="ch" forName="text5" refType="h" fact="0.004"/>
+          <dgm:constr type="w" for="ch" forName="text5" refType="w" fact="0.1886"/>
+          <dgm:constr type="h" for="ch" forName="text5" refType="h" fact="0.3757"/>
+          <dgm:constr type="l" for="ch" forName="image5" refType="w" fact="0.8114"/>
+          <dgm:constr type="t" for="ch" forName="image5" refType="h" fact="0.2136"/>
+          <dgm:constr type="w" for="ch" forName="image5" refType="w" fact="0.1886"/>
+          <dgm:constr type="h" for="ch" forName="image5" refType="h" fact="0.3757"/>
+          <dgm:constr type="l" for="ch" forName="image2" refType="w" fact="0.4868"/>
+          <dgm:constr type="t" for="ch" forName="image2" refType="h" fact="0.6235"/>
+          <dgm:constr type="w" for="ch" forName="image2" refType="w" fact="0.1886"/>
+          <dgm:constr type="h" for="ch" forName="image2" refType="h" fact="0.3757"/>
+          <dgm:constr type="l" for="ch" forName="text4" refType="w" fact="0.4868"/>
+          <dgm:constr type="t" for="ch" forName="text4" refType="h" fact="0.2081"/>
+          <dgm:constr type="w" for="ch" forName="text4" refType="w" fact="0.1886"/>
+          <dgm:constr type="h" for="ch" forName="text4" refType="h" fact="0.3757"/>
+          <dgm:constr type="l" for="ch" forName="text2" refType="w" fact="0.3246"/>
+          <dgm:constr type="t" for="ch" forName="text2" refType="h" fact="0.4154"/>
+          <dgm:constr type="w" for="ch" forName="text2" refType="w" fact="0.1886"/>
+          <dgm:constr type="h" for="ch" forName="text2" refType="h" fact="0.3757"/>
+          <dgm:constr type="l" for="ch" forName="image3" refType="w" fact="0.3246"/>
+          <dgm:constr type="t" for="ch" forName="image3" refType="h" fact="0"/>
+          <dgm:constr type="w" for="ch" forName="image3" refType="w" fact="0.1886"/>
+          <dgm:constr type="h" for="ch" forName="image3" refType="h" fact="0.3757"/>
+          <dgm:constr type="l" for="ch" forName="text1" refType="w" fact="0.1623"/>
+          <dgm:constr type="t" for="ch" forName="text1" refType="h" fact="0.6243"/>
+          <dgm:constr type="w" for="ch" forName="text1" refType="w" fact="0.1886"/>
+          <dgm:constr type="h" for="ch" forName="text1" refType="h" fact="0.3757"/>
+          <dgm:constr type="l" for="ch" forName="text3" refType="w" fact="0.1623"/>
+          <dgm:constr type="t" for="ch" forName="text3" refType="h" fact="0.2089"/>
+          <dgm:constr type="w" for="ch" forName="text3" refType="w" fact="0.1886"/>
+          <dgm:constr type="h" for="ch" forName="text3" refType="h" fact="0.3757"/>
+          <dgm:constr type="l" for="ch" forName="textaccent1" refType="w" fact="0.1668"/>
+          <dgm:constr type="t" for="ch" forName="textaccent1" refType="h" fact="0.7923"/>
+          <dgm:constr type="w" for="ch" forName="textaccent1" refType="w" fact="0.022"/>
+          <dgm:constr type="h" for="ch" forName="textaccent1" refType="h" fact="0.044"/>
+          <dgm:constr type="l" for="ch" forName="image1" refType="w" fact="0"/>
+          <dgm:constr type="t" for="ch" forName="image1" refType="h" fact="0.4166"/>
+          <dgm:constr type="w" for="ch" forName="image1" refType="w" fact="0.1886"/>
+          <dgm:constr type="h" for="ch" forName="image1" refType="h" fact="0.3757"/>
+          <dgm:constr type="l" for="ch" forName="imageaccent1" refType="w" fact="0.1292"/>
+          <dgm:constr type="t" for="ch" forName="imageaccent1" refType="h" fact="0.7424"/>
+          <dgm:constr type="w" for="ch" forName="imageaccent1" refType="w" fact="0.022"/>
+          <dgm:constr type="h" for="ch" forName="imageaccent1" refType="h" fact="0.044"/>
+          <dgm:constr type="l" for="ch" forName="textaccent2" refType="w" fact="0.4544"/>
+          <dgm:constr type="t" for="ch" forName="textaccent2" refType="h" fact="0.7404"/>
+          <dgm:constr type="w" for="ch" forName="textaccent2" refType="w" fact="0.022"/>
+          <dgm:constr type="h" for="ch" forName="textaccent2" refType="h" fact="0.044"/>
+          <dgm:constr type="l" for="ch" forName="imageaccent2" refType="w" fact="0.4914"/>
+          <dgm:constr type="t" for="ch" forName="imageaccent2" refType="h" fact="0.7907"/>
+          <dgm:constr type="w" for="ch" forName="imageaccent2" refType="w" fact="0.022"/>
+          <dgm:constr type="h" for="ch" forName="imageaccent2" refType="h" fact="0.044"/>
+          <dgm:constr type="l" for="ch" forName="textaccent3" refType="w" fact="0.2915"/>
+          <dgm:constr type="t" for="ch" forName="textaccent3" refType="h" fact="0.216"/>
+          <dgm:constr type="w" for="ch" forName="textaccent3" refType="w" fact="0.022"/>
+          <dgm:constr type="h" for="ch" forName="textaccent3" refType="h" fact="0.044"/>
+          <dgm:constr type="l" for="ch" forName="imageaccent3" refType="w" fact="0.3299"/>
+          <dgm:constr type="t" for="ch" forName="imageaccent3" refType="h" fact="0.1665"/>
+          <dgm:constr type="w" for="ch" forName="imageaccent3" refType="w" fact="0.022"/>
+          <dgm:constr type="h" for="ch" forName="imageaccent3" refType="h" fact="0.044"/>
+          <dgm:constr type="l" for="ch" forName="textaccent4" refType="w" fact="0.65"/>
+          <dgm:constr type="t" for="ch" forName="textaccent4" refType="h" fact="0.3746"/>
+          <dgm:constr type="w" for="ch" forName="textaccent4" refType="w" fact="0.022"/>
+          <dgm:constr type="h" for="ch" forName="textaccent4" refType="h" fact="0.044"/>
+          <dgm:constr type="l" for="ch" forName="imageaccent4" refType="w" fact="0.6859"/>
+          <dgm:constr type="t" for="ch" forName="imageaccent4" refType="h" fact="0.4261"/>
+          <dgm:constr type="w" for="ch" forName="imageaccent4" refType="w" fact="0.022"/>
+          <dgm:constr type="h" for="ch" forName="imageaccent4" refType="h" fact="0.044"/>
+          <dgm:constr type="l" for="ch" forName="textaccent5" refType="w" fact="0.8123"/>
+          <dgm:constr type="t" for="ch" forName="textaccent5" refType="h" fact="0.1724"/>
+          <dgm:constr type="w" for="ch" forName="textaccent5" refType="w" fact="0.022"/>
+          <dgm:constr type="h" for="ch" forName="textaccent5" refType="h" fact="0.044"/>
+          <dgm:constr type="l" for="ch" forName="imageaccent5" refType="w" fact="0.849"/>
+          <dgm:constr type="t" for="ch" forName="imageaccent5" refType="h" fact="0.222"/>
+          <dgm:constr type="w" for="ch" forName="imageaccent5" refType="w" fact="0.022"/>
+          <dgm:constr type="h" for="ch" forName="imageaccent5" refType="h" fact="0.044"/>
+        </dgm:constrLst>
+      </dgm:if>
+      <dgm:if name="Name7" axis="ch" ptType="node" func="cnt" op="equ" val="6">
+        <dgm:alg type="composite">
+          <dgm:param type="ar" val="1.9179"/>
+        </dgm:alg>
+        <dgm:constrLst>
+          <dgm:constr type="primFontSz" for="des" ptType="node" op="equ" val="65"/>
+          <dgm:constr type="l" for="ch" forName="image4" refType="w" fact="0.6491"/>
+          <dgm:constr type="t" for="ch" forName="image4" refType="h" fact="0.3466"/>
+          <dgm:constr type="w" for="ch" forName="image4" refType="w" fact="0.1886"/>
+          <dgm:constr type="h" for="ch" forName="image4" refType="h" fact="0.3106"/>
+          <dgm:constr type="l" for="ch" forName="text5" refType="w" fact="0.6491"/>
+          <dgm:constr type="t" for="ch" forName="text5" refType="h" fact="0.0033"/>
+          <dgm:constr type="w" for="ch" forName="text5" refType="w" fact="0.1886"/>
+          <dgm:constr type="h" for="ch" forName="text5" refType="h" fact="0.3106"/>
+          <dgm:constr type="l" for="ch" forName="image5" refType="w" fact="0.8114"/>
+          <dgm:constr type="t" for="ch" forName="image5" refType="h" fact="0.1766"/>
+          <dgm:constr type="w" for="ch" forName="image5" refType="w" fact="0.1886"/>
+          <dgm:constr type="h" for="ch" forName="image5" refType="h" fact="0.3106"/>
+          <dgm:constr type="l" for="ch" forName="image2" refType="w" fact="0.4868"/>
+          <dgm:constr type="t" for="ch" forName="image2" refType="h" fact="0.5154"/>
+          <dgm:constr type="w" for="ch" forName="image2" refType="w" fact="0.1886"/>
+          <dgm:constr type="h" for="ch" forName="image2" refType="h" fact="0.3106"/>
+          <dgm:constr type="l" for="ch" forName="text4" refType="w" fact="0.4868"/>
+          <dgm:constr type="t" for="ch" forName="text4" refType="h" fact="0.172"/>
+          <dgm:constr type="w" for="ch" forName="text4" refType="w" fact="0.1886"/>
+          <dgm:constr type="h" for="ch" forName="text4" refType="h" fact="0.3106"/>
+          <dgm:constr type="l" for="ch" forName="text2" refType="w" fact="0.3246"/>
+          <dgm:constr type="t" for="ch" forName="text2" refType="h" fact="0.3434"/>
+          <dgm:constr type="w" for="ch" forName="text2" refType="w" fact="0.1886"/>
+          <dgm:constr type="h" for="ch" forName="text2" refType="h" fact="0.3106"/>
+          <dgm:constr type="l" for="ch" forName="image3" refType="w" fact="0.3246"/>
+          <dgm:constr type="t" for="ch" forName="image3" refType="h" fact="0"/>
+          <dgm:constr type="w" for="ch" forName="image3" refType="w" fact="0.1886"/>
+          <dgm:constr type="h" for="ch" forName="image3" refType="h" fact="0.3106"/>
+          <dgm:constr type="l" for="ch" forName="text1" refType="w" fact="0.1623"/>
+          <dgm:constr type="t" for="ch" forName="text1" refType="h" fact="0.516"/>
+          <dgm:constr type="w" for="ch" forName="text1" refType="w" fact="0.1886"/>
+          <dgm:constr type="h" for="ch" forName="text1" refType="h" fact="0.3106"/>
+          <dgm:constr type="l" for="ch" forName="text3" refType="w" fact="0.1623"/>
+          <dgm:constr type="t" for="ch" forName="text3" refType="h" fact="0.1727"/>
+          <dgm:constr type="w" for="ch" forName="text3" refType="w" fact="0.1886"/>
+          <dgm:constr type="h" for="ch" forName="text3" refType="h" fact="0.3106"/>
+          <dgm:constr type="l" for="ch" forName="textaccent1" refType="w" fact="0.1668"/>
+          <dgm:constr type="t" for="ch" forName="textaccent1" refType="h" fact="0.6549"/>
+          <dgm:constr type="w" for="ch" forName="textaccent1" refType="w" fact="0.022"/>
+          <dgm:constr type="h" for="ch" forName="textaccent1" refType="h" fact="0.0364"/>
+          <dgm:constr type="l" for="ch" forName="image1" refType="w" fact="0"/>
+          <dgm:constr type="t" for="ch" forName="image1" refType="h" fact="0.3443"/>
+          <dgm:constr type="w" for="ch" forName="image1" refType="w" fact="0.1886"/>
+          <dgm:constr type="h" for="ch" forName="image1" refType="h" fact="0.3106"/>
+          <dgm:constr type="l" for="ch" forName="imageaccent1" refType="w" fact="0.1292"/>
+          <dgm:constr type="t" for="ch" forName="imageaccent1" refType="h" fact="0.6137"/>
+          <dgm:constr type="w" for="ch" forName="imageaccent1" refType="w" fact="0.022"/>
+          <dgm:constr type="h" for="ch" forName="imageaccent1" refType="h" fact="0.0364"/>
+          <dgm:constr type="l" for="ch" forName="textaccent2" refType="w" fact="0.4544"/>
+          <dgm:constr type="t" for="ch" forName="textaccent2" refType="h" fact="0.612"/>
+          <dgm:constr type="w" for="ch" forName="textaccent2" refType="w" fact="0.022"/>
+          <dgm:constr type="h" for="ch" forName="textaccent2" refType="h" fact="0.0364"/>
+          <dgm:constr type="l" for="ch" forName="imageaccent2" refType="w" fact="0.4914"/>
+          <dgm:constr type="t" for="ch" forName="imageaccent2" refType="h" fact="0.6536"/>
+          <dgm:constr type="w" for="ch" forName="imageaccent2" refType="w" fact="0.022"/>
+          <dgm:constr type="h" for="ch" forName="imageaccent2" refType="h" fact="0.0364"/>
+          <dgm:constr type="l" for="ch" forName="textaccent3" refType="w" fact="0.2915"/>
+          <dgm:constr type="t" for="ch" forName="textaccent3" refType="h" fact="0.1786"/>
+          <dgm:constr type="w" for="ch" forName="textaccent3" refType="w" fact="0.022"/>
+          <dgm:constr type="h" for="ch" forName="textaccent3" refType="h" fact="0.0364"/>
+          <dgm:constr type="l" for="ch" forName="imageaccent3" refType="w" fact="0.3299"/>
+          <dgm:constr type="t" for="ch" forName="imageaccent3" refType="h" fact="0.1376"/>
+          <dgm:constr type="w" for="ch" forName="imageaccent3" refType="w" fact="0.022"/>
+          <dgm:constr type="h" for="ch" forName="imageaccent3" refType="h" fact="0.0364"/>
+          <dgm:constr type="l" for="ch" forName="textaccent4" refType="w" fact="0.65"/>
+          <dgm:constr type="t" for="ch" forName="textaccent4" refType="h" fact="0.3096"/>
+          <dgm:constr type="w" for="ch" forName="textaccent4" refType="w" fact="0.022"/>
+          <dgm:constr type="h" for="ch" forName="textaccent4" refType="h" fact="0.0364"/>
+          <dgm:constr type="l" for="ch" forName="imageaccent4" refType="w" fact="0.6859"/>
+          <dgm:constr type="t" for="ch" forName="imageaccent4" refType="h" fact="0.3522"/>
+          <dgm:constr type="w" for="ch" forName="imageaccent4" refType="w" fact="0.022"/>
+          <dgm:constr type="h" for="ch" forName="imageaccent4" refType="h" fact="0.0364"/>
+          <dgm:constr type="l" for="ch" forName="textaccent5" refType="w" fact="0.8123"/>
+          <dgm:constr type="t" for="ch" forName="textaccent5" refType="h" fact="0.1425"/>
+          <dgm:constr type="w" for="ch" forName="textaccent5" refType="w" fact="0.022"/>
+          <dgm:constr type="h" for="ch" forName="textaccent5" refType="h" fact="0.0364"/>
+          <dgm:constr type="l" for="ch" forName="imageaccent5" refType="w" fact="0.849"/>
+          <dgm:constr type="t" for="ch" forName="imageaccent5" refType="h" fact="0.1835"/>
+          <dgm:constr type="w" for="ch" forName="imageaccent5" refType="w" fact="0.022"/>
+          <dgm:constr type="h" for="ch" forName="imageaccent5" refType="h" fact="0.0364"/>
+          <dgm:constr type="l" for="ch" forName="image6" refType="w" fact="0.6491"/>
+          <dgm:constr type="t" for="ch" forName="image6" refType="h" fact="0.6894"/>
+          <dgm:constr type="w" for="ch" forName="image6" refType="w" fact="0.1886"/>
+          <dgm:constr type="h" for="ch" forName="image6" refType="h" fact="0.3106"/>
+          <dgm:constr type="l" for="ch" forName="text6" refType="w" fact="0.8114"/>
+          <dgm:constr type="t" for="ch" forName="text6" refType="h" fact="0.5194"/>
+          <dgm:constr type="w" for="ch" forName="text6" refType="w" fact="0.1886"/>
+          <dgm:constr type="h" for="ch" forName="text6" refType="h" fact="0.3106"/>
+          <dgm:constr type="l" for="ch" forName="imageaccent6" refType="w" fact="0.8138"/>
+          <dgm:constr type="t" for="ch" forName="imageaccent6" refType="h" fact="0.8257"/>
+          <dgm:constr type="w" for="ch" forName="imageaccent6" refType="w" fact="0.022"/>
+          <dgm:constr type="h" for="ch" forName="imageaccent6" refType="h" fact="0.0364"/>
+          <dgm:constr type="l" for="ch" forName="textaccent6" refType="w" fact="0.8488"/>
+          <dgm:constr type="t" for="ch" forName="textaccent6" refType="h" fact="0.7914"/>
+          <dgm:constr type="w" for="ch" forName="textaccent6" refType="w" fact="0.022"/>
+          <dgm:constr type="h" for="ch" forName="textaccent6" refType="h" fact="0.0364"/>
+        </dgm:constrLst>
+      </dgm:if>
+      <dgm:if name="Name8" axis="ch" ptType="node" func="cnt" op="equ" val="7">
+        <dgm:alg type="composite">
+          <dgm:param type="ar" val="1.6382"/>
+        </dgm:alg>
+        <dgm:constrLst>
+          <dgm:constr type="primFontSz" for="des" ptType="node" op="equ" val="65"/>
+          <dgm:constr type="l" for="ch" forName="image4" refType="w" fact="0.6491"/>
+          <dgm:constr type="t" for="ch" forName="image4" refType="h" fact="0.2961"/>
+          <dgm:constr type="w" for="ch" forName="image4" refType="w" fact="0.1886"/>
+          <dgm:constr type="h" for="ch" forName="image4" refType="h" fact="0.2653"/>
+          <dgm:constr type="l" for="ch" forName="text5" refType="w" fact="0.6491"/>
+          <dgm:constr type="t" for="ch" forName="text5" refType="h" fact="0.0028"/>
+          <dgm:constr type="w" for="ch" forName="text5" refType="w" fact="0.1886"/>
+          <dgm:constr type="h" for="ch" forName="text5" refType="h" fact="0.2653"/>
+          <dgm:constr type="l" for="ch" forName="image5" refType="w" fact="0.8114"/>
+          <dgm:constr type="t" for="ch" forName="image5" refType="h" fact="0.1508"/>
+          <dgm:constr type="w" for="ch" forName="image5" refType="w" fact="0.1886"/>
+          <dgm:constr type="h" for="ch" forName="image5" refType="h" fact="0.2653"/>
+          <dgm:constr type="l" for="ch" forName="image2" refType="w" fact="0.4868"/>
+          <dgm:constr type="t" for="ch" forName="image2" refType="h" fact="0.4402"/>
+          <dgm:constr type="w" for="ch" forName="image2" refType="w" fact="0.1886"/>
+          <dgm:constr type="h" for="ch" forName="image2" refType="h" fact="0.2653"/>
+          <dgm:constr type="l" for="ch" forName="text4" refType="w" fact="0.4868"/>
+          <dgm:constr type="t" for="ch" forName="text4" refType="h" fact="0.1469"/>
+          <dgm:constr type="w" for="ch" forName="text4" refType="w" fact="0.1886"/>
+          <dgm:constr type="h" for="ch" forName="text4" refType="h" fact="0.2653"/>
+          <dgm:constr type="l" for="ch" forName="text2" refType="w" fact="0.3246"/>
+          <dgm:constr type="t" for="ch" forName="text2" refType="h" fact="0.2933"/>
+          <dgm:constr type="w" for="ch" forName="text2" refType="w" fact="0.1886"/>
+          <dgm:constr type="h" for="ch" forName="text2" refType="h" fact="0.2653"/>
+          <dgm:constr type="l" for="ch" forName="image3" refType="w" fact="0.3246"/>
+          <dgm:constr type="t" for="ch" forName="image3" refType="h" fact="0"/>
+          <dgm:constr type="w" for="ch" forName="image3" refType="w" fact="0.1886"/>
+          <dgm:constr type="h" for="ch" forName="image3" refType="h" fact="0.2653"/>
+          <dgm:constr type="l" for="ch" forName="text1" refType="w" fact="0.1623"/>
+          <dgm:constr type="t" for="ch" forName="text1" refType="h" fact="0.4408"/>
+          <dgm:constr type="w" for="ch" forName="text1" refType="w" fact="0.1886"/>
+          <dgm:constr type="h" for="ch" forName="text1" refType="h" fact="0.2653"/>
+          <dgm:constr type="l" for="ch" forName="text3" refType="w" fact="0.1623"/>
+          <dgm:constr type="t" for="ch" forName="text3" refType="h" fact="0.1475"/>
+          <dgm:constr type="w" for="ch" forName="text3" refType="w" fact="0.1886"/>
+          <dgm:constr type="h" for="ch" forName="text3" refType="h" fact="0.2653"/>
+          <dgm:constr type="l" for="ch" forName="textaccent1" refType="w" fact="0.1668"/>
+          <dgm:constr type="t" for="ch" forName="textaccent1" refType="h" fact="0.5594"/>
+          <dgm:constr type="w" for="ch" forName="textaccent1" refType="w" fact="0.022"/>
+          <dgm:constr type="h" for="ch" forName="textaccent1" refType="h" fact="0.0311"/>
+          <dgm:constr type="l" for="ch" forName="image1" refType="w" fact="0"/>
+          <dgm:constr type="t" for="ch" forName="image1" refType="h" fact="0.2941"/>
+          <dgm:constr type="w" for="ch" forName="image1" refType="w" fact="0.1886"/>
+          <dgm:constr type="h" for="ch" forName="image1" refType="h" fact="0.2653"/>
+          <dgm:constr type="l" for="ch" forName="imageaccent1" refType="w" fact="0.1292"/>
+          <dgm:constr type="t" for="ch" forName="imageaccent1" refType="h" fact="0.5242"/>
+          <dgm:constr type="w" for="ch" forName="imageaccent1" refType="w" fact="0.022"/>
+          <dgm:constr type="h" for="ch" forName="imageaccent1" refType="h" fact="0.0311"/>
+          <dgm:constr type="l" for="ch" forName="textaccent2" refType="w" fact="0.4544"/>
+          <dgm:constr type="t" for="ch" forName="textaccent2" refType="h" fact="0.5228"/>
+          <dgm:constr type="w" for="ch" forName="textaccent2" refType="w" fact="0.022"/>
+          <dgm:constr type="h" for="ch" forName="textaccent2" refType="h" fact="0.0311"/>
+          <dgm:constr type="l" for="ch" forName="imageaccent2" refType="w" fact="0.4914"/>
+          <dgm:constr type="t" for="ch" forName="imageaccent2" refType="h" fact="0.5583"/>
+          <dgm:constr type="w" for="ch" forName="imageaccent2" refType="w" fact="0.022"/>
+          <dgm:constr type="h" for="ch" forName="imageaccent2" refType="h" fact="0.0311"/>
+          <dgm:constr type="l" for="ch" forName="textaccent3" refType="w" fact="0.2907"/>
+          <dgm:constr type="t" for="ch" forName="textaccent3" refType="h" fact="0.1511"/>
+          <dgm:constr type="w" for="ch" forName="textaccent3" refType="w" fact="0.022"/>
+          <dgm:constr type="h" for="ch" forName="textaccent3" refType="h" fact="0.0311"/>
+          <dgm:constr type="l" for="ch" forName="imageaccent3" refType="w" fact="0.3299"/>
+          <dgm:constr type="t" for="ch" forName="imageaccent3" refType="h" fact="0.1175"/>
+          <dgm:constr type="w" for="ch" forName="imageaccent3" refType="w" fact="0.022"/>
+          <dgm:constr type="h" for="ch" forName="imageaccent3" refType="h" fact="0.0311"/>
+          <dgm:constr type="l" for="ch" forName="textaccent4" refType="w" fact="0.65"/>
+          <dgm:constr type="t" for="ch" forName="textaccent4" refType="h" fact="0.2645"/>
+          <dgm:constr type="w" for="ch" forName="textaccent4" refType="w" fact="0.022"/>
+          <dgm:constr type="h" for="ch" forName="textaccent4" refType="h" fact="0.0311"/>
+          <dgm:constr type="l" for="ch" forName="imageaccent4" refType="w" fact="0.6859"/>
+          <dgm:constr type="t" for="ch" forName="imageaccent4" refType="h" fact="0.3008"/>
+          <dgm:constr type="w" for="ch" forName="imageaccent4" refType="w" fact="0.022"/>
+          <dgm:constr type="h" for="ch" forName="imageaccent4" refType="h" fact="0.0311"/>
+          <dgm:constr type="l" for="ch" forName="textaccent5" refType="w" fact="0.8123"/>
+          <dgm:constr type="t" for="ch" forName="textaccent5" refType="h" fact="0.1217"/>
+          <dgm:constr type="w" for="ch" forName="textaccent5" refType="w" fact="0.022"/>
+          <dgm:constr type="h" for="ch" forName="textaccent5" refType="h" fact="0.0311"/>
+          <dgm:constr type="l" for="ch" forName="imageaccent5" refType="w" fact="0.849"/>
+          <dgm:constr type="t" for="ch" forName="imageaccent5" refType="h" fact="0.1567"/>
+          <dgm:constr type="w" for="ch" forName="imageaccent5" refType="w" fact="0.022"/>
+          <dgm:constr type="h" for="ch" forName="imageaccent5" refType="h" fact="0.0311"/>
+          <dgm:constr type="l" for="ch" forName="image6" refType="w" fact="0.6491"/>
+          <dgm:constr type="t" for="ch" forName="image6" refType="h" fact="0.5889"/>
+          <dgm:constr type="w" for="ch" forName="image6" refType="w" fact="0.1886"/>
+          <dgm:constr type="h" for="ch" forName="image6" refType="h" fact="0.2653"/>
+          <dgm:constr type="l" for="ch" forName="text6" refType="w" fact="0.8114"/>
+          <dgm:constr type="t" for="ch" forName="text6" refType="h" fact="0.4436"/>
+          <dgm:constr type="w" for="ch" forName="text6" refType="w" fact="0.1886"/>
+          <dgm:constr type="h" for="ch" forName="text6" refType="h" fact="0.2653"/>
+          <dgm:constr type="l" for="ch" forName="imageaccent6" refType="w" fact="0.8138"/>
+          <dgm:constr type="t" for="ch" forName="imageaccent6" refType="h" fact="0.7053"/>
+          <dgm:constr type="w" for="ch" forName="imageaccent6" refType="w" fact="0.022"/>
+          <dgm:constr type="h" for="ch" forName="imageaccent6" refType="h" fact="0.0311"/>
+          <dgm:constr type="l" for="ch" forName="textaccent6" refType="w" fact="0.8488"/>
+          <dgm:constr type="t" for="ch" forName="textaccent6" refType="h" fact="0.676"/>
+          <dgm:constr type="w" for="ch" forName="textaccent6" refType="w" fact="0.022"/>
+          <dgm:constr type="h" for="ch" forName="textaccent6" refType="h" fact="0.0311"/>
+          <dgm:constr type="l" for="ch" forName="text7" refType="w" fact="0.3244"/>
+          <dgm:constr type="t" for="ch" forName="text7" refType="h" fact="0.5872"/>
+          <dgm:constr type="w" for="ch" forName="text7" refType="w" fact="0.1886"/>
+          <dgm:constr type="h" for="ch" forName="text7" refType="h" fact="0.2653"/>
+          <dgm:constr type="l" for="ch" forName="image7" refType="w" fact="0.1622"/>
+          <dgm:constr type="t" for="ch" forName="image7" refType="h" fact="0.7347"/>
+          <dgm:constr type="w" for="ch" forName="image7" refType="w" fact="0.1886"/>
+          <dgm:constr type="h" for="ch" forName="image7" refType="h" fact="0.2653"/>
+          <dgm:constr type="l" for="ch" forName="imageaccent7" refType="w" fact="0.2905"/>
+          <dgm:constr type="t" for="ch" forName="imageaccent7" refType="h" fact="0.7384"/>
+          <dgm:constr type="w" for="ch" forName="imageaccent7" refType="w" fact="0.022"/>
+          <dgm:constr type="h" for="ch" forName="imageaccent7" refType="h" fact="0.0311"/>
+          <dgm:constr type="l" for="ch" forName="textaccent7" refType="w" fact="0.3298"/>
+          <dgm:constr type="t" for="ch" forName="textaccent7" refType="h" fact="0.7048"/>
+          <dgm:constr type="w" for="ch" forName="textaccent7" refType="w" fact="0.022"/>
+          <dgm:constr type="h" for="ch" forName="textaccent7" refType="h" fact="0.0311"/>
+        </dgm:constrLst>
+      </dgm:if>
+      <dgm:if name="Name9" axis="ch" ptType="node" func="cnt" op="equ" val="8">
+        <dgm:alg type="composite">
+          <dgm:param type="ar" val="1.8974"/>
+        </dgm:alg>
+        <dgm:constrLst>
+          <dgm:constr type="primFontSz" for="des" ptType="node" op="equ" val="65"/>
+          <dgm:constr type="l" for="ch" forName="image4" refType="w" fact="0.5589"/>
+          <dgm:constr type="t" for="ch" forName="image4" refType="h" fact="0.2952"/>
+          <dgm:constr type="w" for="ch" forName="image4" refType="w" fact="0.1624"/>
+          <dgm:constr type="h" for="ch" forName="image4" refType="h" fact="0.2645"/>
+          <dgm:constr type="l" for="ch" forName="text5" refType="w" fact="0.5589"/>
+          <dgm:constr type="t" for="ch" forName="text5" refType="h" fact="0.0028"/>
+          <dgm:constr type="w" for="ch" forName="text5" refType="w" fact="0.1624"/>
+          <dgm:constr type="h" for="ch" forName="text5" refType="h" fact="0.2645"/>
+          <dgm:constr type="l" for="ch" forName="image5" refType="w" fact="0.6986"/>
+          <dgm:constr type="t" for="ch" forName="image5" refType="h" fact="0.1504"/>
+          <dgm:constr type="w" for="ch" forName="image5" refType="w" fact="0.1624"/>
+          <dgm:constr type="h" for="ch" forName="image5" refType="h" fact="0.2645"/>
+          <dgm:constr type="l" for="ch" forName="image2" refType="w" fact="0.4192"/>
+          <dgm:constr type="t" for="ch" forName="image2" refType="h" fact="0.439"/>
+          <dgm:constr type="w" for="ch" forName="image2" refType="w" fact="0.1624"/>
+          <dgm:constr type="h" for="ch" forName="image2" refType="h" fact="0.2645"/>
+          <dgm:constr type="l" for="ch" forName="text4" refType="w" fact="0.4192"/>
+          <dgm:constr type="t" for="ch" forName="text4" refType="h" fact="0.1465"/>
+          <dgm:constr type="w" for="ch" forName="text4" refType="w" fact="0.1624"/>
+          <dgm:constr type="h" for="ch" forName="text4" refType="h" fact="0.2645"/>
+          <dgm:constr type="l" for="ch" forName="text2" refType="w" fact="0.2794"/>
+          <dgm:constr type="t" for="ch" forName="text2" refType="h" fact="0.2925"/>
+          <dgm:constr type="w" for="ch" forName="text2" refType="w" fact="0.1624"/>
+          <dgm:constr type="h" for="ch" forName="text2" refType="h" fact="0.2645"/>
+          <dgm:constr type="l" for="ch" forName="image3" refType="w" fact="0.2794"/>
+          <dgm:constr type="t" for="ch" forName="image3" refType="h" fact="0"/>
+          <dgm:constr type="w" for="ch" forName="image3" refType="w" fact="0.1624"/>
+          <dgm:constr type="h" for="ch" forName="image3" refType="h" fact="0.2645"/>
+          <dgm:constr type="l" for="ch" forName="text1" refType="w" fact="0.1397"/>
+          <dgm:constr type="t" for="ch" forName="text1" refType="h" fact="0.4395"/>
+          <dgm:constr type="w" for="ch" forName="text1" refType="w" fact="0.1624"/>
+          <dgm:constr type="h" for="ch" forName="text1" refType="h" fact="0.2645"/>
+          <dgm:constr type="l" for="ch" forName="text3" refType="w" fact="0.1397"/>
+          <dgm:constr type="t" for="ch" forName="text3" refType="h" fact="0.1471"/>
+          <dgm:constr type="w" for="ch" forName="text3" refType="w" fact="0.1624"/>
+          <dgm:constr type="h" for="ch" forName="text3" refType="h" fact="0.2645"/>
+          <dgm:constr type="l" for="ch" forName="textaccent1" refType="w" fact="0.1436"/>
+          <dgm:constr type="t" for="ch" forName="textaccent1" refType="h" fact="0.5578"/>
+          <dgm:constr type="w" for="ch" forName="textaccent1" refType="w" fact="0.0189"/>
+          <dgm:constr type="h" for="ch" forName="textaccent1" refType="h" fact="0.031"/>
+          <dgm:constr type="l" for="ch" forName="image1" refType="w" fact="0"/>
+          <dgm:constr type="t" for="ch" forName="image1" refType="h" fact="0.2933"/>
+          <dgm:constr type="w" for="ch" forName="image1" refType="w" fact="0.1624"/>
+          <dgm:constr type="h" for="ch" forName="image1" refType="h" fact="0.2645"/>
+          <dgm:constr type="l" for="ch" forName="imageaccent1" refType="w" fact="0.1112"/>
+          <dgm:constr type="t" for="ch" forName="imageaccent1" refType="h" fact="0.5227"/>
+          <dgm:constr type="w" for="ch" forName="imageaccent1" refType="w" fact="0.0189"/>
+          <dgm:constr type="h" for="ch" forName="imageaccent1" refType="h" fact="0.031"/>
+          <dgm:constr type="l" for="ch" forName="textaccent2" refType="w" fact="0.3912"/>
+          <dgm:constr type="t" for="ch" forName="textaccent2" refType="h" fact="0.5213"/>
+          <dgm:constr type="w" for="ch" forName="textaccent2" refType="w" fact="0.0189"/>
+          <dgm:constr type="h" for="ch" forName="textaccent2" refType="h" fact="0.031"/>
+          <dgm:constr type="l" for="ch" forName="imageaccent2" refType="w" fact="0.4231"/>
+          <dgm:constr type="t" for="ch" forName="imageaccent2" refType="h" fact="0.5567"/>
+          <dgm:constr type="w" for="ch" forName="imageaccent2" refType="w" fact="0.0189"/>
+          <dgm:constr type="h" for="ch" forName="imageaccent2" refType="h" fact="0.031"/>
+          <dgm:constr type="l" for="ch" forName="textaccent3" refType="w" fact="0.2502"/>
+          <dgm:constr type="t" for="ch" forName="textaccent3" refType="h" fact="0.1507"/>
+          <dgm:constr type="w" for="ch" forName="textaccent3" refType="w" fact="0.0189"/>
+          <dgm:constr type="h" for="ch" forName="textaccent3" refType="h" fact="0.031"/>
+          <dgm:constr type="l" for="ch" forName="imageaccent3" refType="w" fact="0.2841"/>
+          <dgm:constr type="t" for="ch" forName="imageaccent3" refType="h" fact="0.1172"/>
+          <dgm:constr type="w" for="ch" forName="imageaccent3" refType="w" fact="0.0189"/>
+          <dgm:constr type="h" for="ch" forName="imageaccent3" refType="h" fact="0.031"/>
+          <dgm:constr type="l" for="ch" forName="textaccent4" refType="w" fact="0.5596"/>
+          <dgm:constr type="t" for="ch" forName="textaccent4" refType="h" fact="0.2637"/>
+          <dgm:constr type="w" for="ch" forName="textaccent4" refType="w" fact="0.0189"/>
+          <dgm:constr type="h" for="ch" forName="textaccent4" refType="h" fact="0.031"/>
+          <dgm:constr type="l" for="ch" forName="imageaccent4" refType="w" fact="0.5905"/>
+          <dgm:constr type="t" for="ch" forName="imageaccent4" refType="h" fact="0.3"/>
+          <dgm:constr type="w" for="ch" forName="imageaccent4" refType="w" fact="0.0189"/>
+          <dgm:constr type="h" for="ch" forName="imageaccent4" refType="h" fact="0.031"/>
+          <dgm:constr type="l" for="ch" forName="textaccent5" refType="w" fact="0.6993"/>
+          <dgm:constr type="t" for="ch" forName="textaccent5" refType="h" fact="0.1214"/>
+          <dgm:constr type="w" for="ch" forName="textaccent5" refType="w" fact="0.0189"/>
+          <dgm:constr type="h" for="ch" forName="textaccent5" refType="h" fact="0.031"/>
+          <dgm:constr type="l" for="ch" forName="imageaccent5" refType="w" fact="0.731"/>
+          <dgm:constr type="t" for="ch" forName="imageaccent5" refType="h" fact="0.1563"/>
+          <dgm:constr type="w" for="ch" forName="imageaccent5" refType="w" fact="0.0189"/>
+          <dgm:constr type="h" for="ch" forName="imageaccent5" refType="h" fact="0.031"/>
+          <dgm:constr type="l" for="ch" forName="image6" refType="w" fact="0.5589"/>
+          <dgm:constr type="t" for="ch" forName="image6" refType="h" fact="0.5872"/>
+          <dgm:constr type="w" for="ch" forName="image6" refType="w" fact="0.1624"/>
+          <dgm:constr type="h" for="ch" forName="image6" refType="h" fact="0.2645"/>
+          <dgm:constr type="l" for="ch" forName="text6" refType="w" fact="0.6986"/>
+          <dgm:constr type="t" for="ch" forName="text6" refType="h" fact="0.4424"/>
+          <dgm:constr type="w" for="ch" forName="text6" refType="w" fact="0.1624"/>
+          <dgm:constr type="h" for="ch" forName="text6" refType="h" fact="0.2645"/>
+          <dgm:constr type="l" for="ch" forName="imageaccent6" refType="w" fact="0.7007"/>
+          <dgm:constr type="t" for="ch" forName="imageaccent6" refType="h" fact="0.7033"/>
+          <dgm:constr type="w" for="ch" forName="imageaccent6" refType="w" fact="0.0189"/>
+          <dgm:constr type="h" for="ch" forName="imageaccent6" refType="h" fact="0.031"/>
+          <dgm:constr type="l" for="ch" forName="textaccent6" refType="w" fact="0.7308"/>
+          <dgm:constr type="t" for="ch" forName="textaccent6" refType="h" fact="0.6741"/>
+          <dgm:constr type="w" for="ch" forName="textaccent6" refType="w" fact="0.0189"/>
+          <dgm:constr type="h" for="ch" forName="textaccent6" refType="h" fact="0.031"/>
+          <dgm:constr type="l" for="ch" forName="text7" refType="w" fact="0.2793"/>
+          <dgm:constr type="t" for="ch" forName="text7" refType="h" fact="0.5856"/>
+          <dgm:constr type="w" for="ch" forName="text7" refType="w" fact="0.1624"/>
+          <dgm:constr type="h" for="ch" forName="text7" refType="h" fact="0.2645"/>
+          <dgm:constr type="l" for="ch" forName="image7" refType="w" fact="0.1396"/>
+          <dgm:constr type="t" for="ch" forName="image7" refType="h" fact="0.7326"/>
+          <dgm:constr type="w" for="ch" forName="image7" refType="w" fact="0.1624"/>
+          <dgm:constr type="h" for="ch" forName="image7" refType="h" fact="0.2645"/>
+          <dgm:constr type="l" for="ch" forName="imageaccent7" refType="w" fact="0.2501"/>
+          <dgm:constr type="t" for="ch" forName="imageaccent7" refType="h" fact="0.7363"/>
+          <dgm:constr type="w" for="ch" forName="imageaccent7" refType="w" fact="0.0189"/>
+          <dgm:constr type="h" for="ch" forName="imageaccent7" refType="h" fact="0.031"/>
+          <dgm:constr type="l" for="ch" forName="textaccent7" refType="w" fact="0.284"/>
+          <dgm:constr type="t" for="ch" forName="textaccent7" refType="h" fact="0.7028"/>
+          <dgm:constr type="w" for="ch" forName="textaccent7" refType="w" fact="0.0189"/>
+          <dgm:constr type="h" for="ch" forName="textaccent7" refType="h" fact="0.031"/>
+          <dgm:constr type="l" for="ch" forName="image8" refType="w" fact="0.6979"/>
+          <dgm:constr type="t" for="ch" forName="image8" refType="h" fact="0.7355"/>
+          <dgm:constr type="w" for="ch" forName="image8" refType="w" fact="0.1624"/>
+          <dgm:constr type="h" for="ch" forName="image8" refType="h" fact="0.2645"/>
+          <dgm:constr type="l" for="ch" forName="text8" refType="w" fact="0.8376"/>
+          <dgm:constr type="t" for="ch" forName="text8" refType="h" fact="0.5906"/>
+          <dgm:constr type="w" for="ch" forName="text8" refType="w" fact="0.1624"/>
+          <dgm:constr type="h" for="ch" forName="text8" refType="h" fact="0.2645"/>
+          <dgm:constr type="l" for="ch" forName="imageaccent8" refType="w" fact="0.8397"/>
+          <dgm:constr type="t" for="ch" forName="imageaccent8" refType="h" fact="0.8516"/>
+          <dgm:constr type="w" for="ch" forName="imageaccent8" refType="w" fact="0.0189"/>
+          <dgm:constr type="h" for="ch" forName="imageaccent8" refType="h" fact="0.031"/>
+          <dgm:constr type="l" for="ch" forName="textaccent8" refType="w" fact="0.8698"/>
+          <dgm:constr type="t" for="ch" forName="textaccent8" refType="h" fact="0.8223"/>
+          <dgm:constr type="w" for="ch" forName="textaccent8" refType="w" fact="0.0189"/>
+          <dgm:constr type="h" for="ch" forName="textaccent8" refType="h" fact="0.031"/>
+        </dgm:constrLst>
+      </dgm:if>
+      <dgm:if name="Name10" axis="ch" ptType="node" func="cnt" op="equ" val="9">
+        <dgm:alg type="composite">
+          <dgm:param type="ar" val="1.8986"/>
+        </dgm:alg>
+        <dgm:constrLst>
+          <dgm:constr type="primFontSz" for="des" ptType="node" op="equ" val="65"/>
+          <dgm:constr type="l" for="ch" forName="image4" refType="w" fact="0.5585"/>
+          <dgm:constr type="t" for="ch" forName="image4" refType="h" fact="0.2952"/>
+          <dgm:constr type="w" for="ch" forName="image4" refType="w" fact="0.1623"/>
+          <dgm:constr type="h" for="ch" forName="image4" refType="h" fact="0.2645"/>
+          <dgm:constr type="l" for="ch" forName="text5" refType="w" fact="0.5585"/>
+          <dgm:constr type="t" for="ch" forName="text5" refType="h" fact="0.0028"/>
+          <dgm:constr type="w" for="ch" forName="text5" refType="w" fact="0.1623"/>
+          <dgm:constr type="h" for="ch" forName="text5" refType="h" fact="0.2645"/>
+          <dgm:constr type="l" for="ch" forName="image5" refType="w" fact="0.6982"/>
+          <dgm:constr type="t" for="ch" forName="image5" refType="h" fact="0.1504"/>
+          <dgm:constr type="w" for="ch" forName="image5" refType="w" fact="0.1623"/>
+          <dgm:constr type="h" for="ch" forName="image5" refType="h" fact="0.2645"/>
+          <dgm:constr type="l" for="ch" forName="image2" refType="w" fact="0.4189"/>
+          <dgm:constr type="t" for="ch" forName="image2" refType="h" fact="0.439"/>
+          <dgm:constr type="w" for="ch" forName="image2" refType="w" fact="0.1623"/>
+          <dgm:constr type="h" for="ch" forName="image2" refType="h" fact="0.2645"/>
+          <dgm:constr type="l" for="ch" forName="text4" refType="w" fact="0.4189"/>
+          <dgm:constr type="t" for="ch" forName="text4" refType="h" fact="0.1465"/>
+          <dgm:constr type="w" for="ch" forName="text4" refType="w" fact="0.1623"/>
+          <dgm:constr type="h" for="ch" forName="text4" refType="h" fact="0.2645"/>
+          <dgm:constr type="l" for="ch" forName="text2" refType="w" fact="0.2793"/>
+          <dgm:constr type="t" for="ch" forName="text2" refType="h" fact="0.2925"/>
+          <dgm:constr type="w" for="ch" forName="text2" refType="w" fact="0.1623"/>
+          <dgm:constr type="h" for="ch" forName="text2" refType="h" fact="0.2645"/>
+          <dgm:constr type="l" for="ch" forName="image3" refType="w" fact="0.2793"/>
+          <dgm:constr type="t" for="ch" forName="image3" refType="h" fact="0"/>
+          <dgm:constr type="w" for="ch" forName="image3" refType="w" fact="0.1623"/>
+          <dgm:constr type="h" for="ch" forName="image3" refType="h" fact="0.2645"/>
+          <dgm:constr type="l" for="ch" forName="text1" refType="w" fact="0.1396"/>
+          <dgm:constr type="t" for="ch" forName="text1" refType="h" fact="0.4395"/>
+          <dgm:constr type="w" for="ch" forName="text1" refType="w" fact="0.1623"/>
+          <dgm:constr type="h" for="ch" forName="text1" refType="h" fact="0.2645"/>
+          <dgm:constr type="l" for="ch" forName="text3" refType="w" fact="0.1396"/>
+          <dgm:constr type="t" for="ch" forName="text3" refType="h" fact="0.1471"/>
+          <dgm:constr type="w" for="ch" forName="text3" refType="w" fact="0.1623"/>
+          <dgm:constr type="h" for="ch" forName="text3" refType="h" fact="0.2645"/>
+          <dgm:constr type="l" for="ch" forName="textaccent1" refType="w" fact="0.1435"/>
+          <dgm:constr type="t" for="ch" forName="textaccent1" refType="h" fact="0.5578"/>
+          <dgm:constr type="w" for="ch" forName="textaccent1" refType="w" fact="0.0189"/>
+          <dgm:constr type="h" for="ch" forName="textaccent1" refType="h" fact="0.031"/>
+          <dgm:constr type="l" for="ch" forName="image1" refType="w" fact="0"/>
+          <dgm:constr type="t" for="ch" forName="image1" refType="h" fact="0.2933"/>
+          <dgm:constr type="w" for="ch" forName="image1" refType="w" fact="0.1623"/>
+          <dgm:constr type="h" for="ch" forName="image1" refType="h" fact="0.2645"/>
+          <dgm:constr type="l" for="ch" forName="imageaccent1" refType="w" fact="0.1111"/>
+          <dgm:constr type="t" for="ch" forName="imageaccent1" refType="h" fact="0.5227"/>
+          <dgm:constr type="w" for="ch" forName="imageaccent1" refType="w" fact="0.0189"/>
+          <dgm:constr type="h" for="ch" forName="imageaccent1" refType="h" fact="0.031"/>
+          <dgm:constr type="l" for="ch" forName="textaccent2" refType="w" fact="0.391"/>
+          <dgm:constr type="t" for="ch" forName="textaccent2" refType="h" fact="0.5213"/>
+          <dgm:constr type="w" for="ch" forName="textaccent2" refType="w" fact="0.0189"/>
+          <dgm:constr type="h" for="ch" forName="textaccent2" refType="h" fact="0.031"/>
+          <dgm:constr type="l" for="ch" forName="imageaccent2" refType="w" fact="0.4228"/>
+          <dgm:constr type="t" for="ch" forName="imageaccent2" refType="h" fact="0.5567"/>
+          <dgm:constr type="w" for="ch" forName="imageaccent2" refType="w" fact="0.0189"/>
+          <dgm:constr type="h" for="ch" forName="imageaccent2" refType="h" fact="0.031"/>
+          <dgm:constr type="l" for="ch" forName="textaccent3" refType="w" fact="0.2501"/>
+          <dgm:constr type="t" for="ch" forName="textaccent3" refType="h" fact="0.1507"/>
+          <dgm:constr type="w" for="ch" forName="textaccent3" refType="w" fact="0.0189"/>
+          <dgm:constr type="h" for="ch" forName="textaccent3" refType="h" fact="0.031"/>
+          <dgm:constr type="l" for="ch" forName="imageaccent3" refType="w" fact="0.2839"/>
+          <dgm:constr type="t" for="ch" forName="imageaccent3" refType="h" fact="0.1172"/>
+          <dgm:constr type="w" for="ch" forName="imageaccent3" refType="w" fact="0.0189"/>
+          <dgm:constr type="h" for="ch" forName="imageaccent3" refType="h" fact="0.031"/>
+          <dgm:constr type="l" for="ch" forName="textaccent4" refType="w" fact="0.5593"/>
+          <dgm:constr type="t" for="ch" forName="textaccent4" refType="h" fact="0.2637"/>
+          <dgm:constr type="w" for="ch" forName="textaccent4" refType="w" fact="0.0189"/>
+          <dgm:constr type="h" for="ch" forName="textaccent4" refType="h" fact="0.031"/>
+          <dgm:constr type="l" for="ch" forName="imageaccent4" refType="w" fact="0.5901"/>
+          <dgm:constr type="t" for="ch" forName="imageaccent4" refType="h" fact="0.3"/>
+          <dgm:constr type="w" for="ch" forName="imageaccent4" refType="w" fact="0.0189"/>
+          <dgm:constr type="h" for="ch" forName="imageaccent4" refType="h" fact="0.031"/>
+          <dgm:constr type="l" for="ch" forName="textaccent5" refType="w" fact="0.6989"/>
+          <dgm:constr type="t" for="ch" forName="textaccent5" refType="h" fact="0.1214"/>
+          <dgm:constr type="w" for="ch" forName="textaccent5" refType="w" fact="0.0189"/>
+          <dgm:constr type="h" for="ch" forName="textaccent5" refType="h" fact="0.031"/>
+          <dgm:constr type="l" for="ch" forName="imageaccent5" refType="w" fact="0.7305"/>
+          <dgm:constr type="t" for="ch" forName="imageaccent5" refType="h" fact="0.1563"/>
+          <dgm:constr type="w" for="ch" forName="imageaccent5" refType="w" fact="0.0189"/>
+          <dgm:constr type="h" for="ch" forName="imageaccent5" refType="h" fact="0.031"/>
+          <dgm:constr type="l" for="ch" forName="image6" refType="w" fact="0.5585"/>
+          <dgm:constr type="t" for="ch" forName="image6" refType="h" fact="0.5872"/>
+          <dgm:constr type="w" for="ch" forName="image6" refType="w" fact="0.1623"/>
+          <dgm:constr type="h" for="ch" forName="image6" refType="h" fact="0.2645"/>
+          <dgm:constr type="l" for="ch" forName="text6" refType="w" fact="0.6982"/>
+          <dgm:constr type="t" for="ch" forName="text6" refType="h" fact="0.4424"/>
+          <dgm:constr type="w" for="ch" forName="text6" refType="w" fact="0.1623"/>
+          <dgm:constr type="h" for="ch" forName="text6" refType="h" fact="0.2645"/>
+          <dgm:constr type="l" for="ch" forName="imageaccent6" refType="w" fact="0.7002"/>
+          <dgm:constr type="t" for="ch" forName="imageaccent6" refType="h" fact="0.7033"/>
+          <dgm:constr type="w" for="ch" forName="imageaccent6" refType="w" fact="0.0189"/>
+          <dgm:constr type="h" for="ch" forName="imageaccent6" refType="h" fact="0.031"/>
+          <dgm:constr type="l" for="ch" forName="textaccent6" refType="w" fact="0.7303"/>
+          <dgm:constr type="t" for="ch" forName="textaccent6" refType="h" fact="0.6741"/>
+          <dgm:constr type="w" for="ch" forName="textaccent6" refType="w" fact="0.0189"/>
+          <dgm:constr type="h" for="ch" forName="textaccent6" refType="h" fact="0.031"/>
+          <dgm:constr type="l" for="ch" forName="text7" refType="w" fact="0.2792"/>
+          <dgm:constr type="t" for="ch" forName="text7" refType="h" fact="0.5856"/>
+          <dgm:constr type="w" for="ch" forName="text7" refType="w" fact="0.1623"/>
+          <dgm:constr type="h" for="ch" forName="text7" refType="h" fact="0.2645"/>
+          <dgm:constr type="l" for="ch" forName="image7" refType="w" fact="0.1395"/>
+          <dgm:constr type="t" for="ch" forName="image7" refType="h" fact="0.7326"/>
+          <dgm:constr type="w" for="ch" forName="image7" refType="w" fact="0.1623"/>
+          <dgm:constr type="h" for="ch" forName="image7" refType="h" fact="0.2645"/>
+          <dgm:constr type="l" for="ch" forName="imageaccent7" refType="w" fact="0.25"/>
+          <dgm:constr type="t" for="ch" forName="imageaccent7" refType="h" fact="0.7363"/>
+          <dgm:constr type="w" for="ch" forName="imageaccent7" refType="w" fact="0.0189"/>
+          <dgm:constr type="h" for="ch" forName="imageaccent7" refType="h" fact="0.031"/>
+          <dgm:constr type="l" for="ch" forName="textaccent7" refType="w" fact="0.2838"/>
+          <dgm:constr type="t" for="ch" forName="textaccent7" refType="h" fact="0.7028"/>
+          <dgm:constr type="w" for="ch" forName="textaccent7" refType="w" fact="0.0189"/>
+          <dgm:constr type="h" for="ch" forName="textaccent7" refType="h" fact="0.031"/>
+          <dgm:constr type="l" for="ch" forName="image8" refType="w" fact="0.6975"/>
+          <dgm:constr type="t" for="ch" forName="image8" refType="h" fact="0.7355"/>
+          <dgm:constr type="w" for="ch" forName="image8" refType="w" fact="0.1623"/>
+          <dgm:constr type="h" for="ch" forName="image8" refType="h" fact="0.2645"/>
+          <dgm:constr type="l" for="ch" forName="text8" refType="w" fact="0.8371"/>
+          <dgm:constr type="t" for="ch" forName="text8" refType="h" fact="0.5906"/>
+          <dgm:constr type="w" for="ch" forName="text8" refType="w" fact="0.1623"/>
+          <dgm:constr type="h" for="ch" forName="text8" refType="h" fact="0.2645"/>
+          <dgm:constr type="l" for="ch" forName="imageaccent8" refType="w" fact="0.8392"/>
+          <dgm:constr type="t" for="ch" forName="imageaccent8" refType="h" fact="0.8516"/>
+          <dgm:constr type="w" for="ch" forName="imageaccent8" refType="w" fact="0.0189"/>
+          <dgm:constr type="h" for="ch" forName="imageaccent8" refType="h" fact="0.031"/>
+          <dgm:constr type="l" for="ch" forName="textaccent8" refType="w" fact="0.8693"/>
+          <dgm:constr type="t" for="ch" forName="textaccent8" refType="h" fact="0.8223"/>
+          <dgm:constr type="w" for="ch" forName="textaccent8" refType="w" fact="0.0189"/>
+          <dgm:constr type="h" for="ch" forName="textaccent8" refType="h" fact="0.031"/>
+          <dgm:constr type="l" for="ch" forName="text9" refType="w" fact="0.8377"/>
+          <dgm:constr type="t" for="ch" forName="text9" refType="h" fact="0.0057"/>
+          <dgm:constr type="w" for="ch" forName="text9" refType="w" fact="0.1623"/>
+          <dgm:constr type="h" for="ch" forName="text9" refType="h" fact="0.2645"/>
+          <dgm:constr type="l" for="ch" forName="textaccent9" refType="w" fact="0.95"/>
+          <dgm:constr type="t" for="ch" forName="textaccent9" refType="h" fact="0.2383"/>
+          <dgm:constr type="w" for="ch" forName="textaccent9" refType="w" fact="0.0189"/>
+          <dgm:constr type="h" for="ch" forName="textaccent9" refType="h" fact="0.031"/>
+          <dgm:constr type="l" for="ch" forName="image9" refType="w" fact="0.8377"/>
+          <dgm:constr type="t" for="ch" forName="image9" refType="h" fact="0.2977"/>
+          <dgm:constr type="w" for="ch" forName="image9" refType="w" fact="0.1623"/>
+          <dgm:constr type="h" for="ch" forName="image9" refType="h" fact="0.2645"/>
+          <dgm:constr type="l" for="ch" forName="imageaccent9" refType="w" fact="0.95"/>
+          <dgm:constr type="t" for="ch" forName="imageaccent9" refType="h" fact="0.2993"/>
+          <dgm:constr type="w" for="ch" forName="imageaccent9" refType="w" fact="0.0189"/>
+          <dgm:constr type="h" for="ch" forName="imageaccent9" refType="h" fact="0.031"/>
+        </dgm:constrLst>
+      </dgm:if>
+      <dgm:if name="Name11" axis="ch" ptType="node" func="cnt" op="equ" val="10">
+        <dgm:alg type="composite">
+          <dgm:param type="ar" val="1.6608"/>
+        </dgm:alg>
+        <dgm:constrLst>
+          <dgm:constr type="primFontSz" for="des" ptType="node" op="equ" val="65"/>
+          <dgm:constr type="l" for="ch" forName="image4" refType="w" fact="0.5585"/>
+          <dgm:constr type="t" for="ch" forName="image4" refType="h" fact="0.2583"/>
+          <dgm:constr type="w" for="ch" forName="image4" refType="w" fact="0.1623"/>
+          <dgm:constr type="h" for="ch" forName="image4" refType="h" fact="0.2314"/>
+          <dgm:constr type="l" for="ch" forName="text5" refType="w" fact="0.5585"/>
+          <dgm:constr type="t" for="ch" forName="text5" refType="h" fact="0.0024"/>
+          <dgm:constr type="w" for="ch" forName="text5" refType="w" fact="0.1623"/>
+          <dgm:constr type="h" for="ch" forName="text5" refType="h" fact="0.2314"/>
+          <dgm:constr type="l" for="ch" forName="image5" refType="w" fact="0.6982"/>
+          <dgm:constr type="t" for="ch" forName="image5" refType="h" fact="0.1316"/>
+          <dgm:constr type="w" for="ch" forName="image5" refType="w" fact="0.1623"/>
+          <dgm:constr type="h" for="ch" forName="image5" refType="h" fact="0.2314"/>
+          <dgm:constr type="l" for="ch" forName="image2" refType="w" fact="0.4189"/>
+          <dgm:constr type="t" for="ch" forName="image2" refType="h" fact="0.384"/>
+          <dgm:constr type="w" for="ch" forName="image2" refType="w" fact="0.1623"/>
+          <dgm:constr type="h" for="ch" forName="image2" refType="h" fact="0.2314"/>
+          <dgm:constr type="l" for="ch" forName="text4" refType="w" fact="0.4189"/>
+          <dgm:constr type="t" for="ch" forName="text4" refType="h" fact="0.1282"/>
+          <dgm:constr type="w" for="ch" forName="text4" refType="w" fact="0.1623"/>
+          <dgm:constr type="h" for="ch" forName="text4" refType="h" fact="0.2314"/>
+          <dgm:constr type="l" for="ch" forName="text2" refType="w" fact="0.2793"/>
+          <dgm:constr type="t" for="ch" forName="text2" refType="h" fact="0.2558"/>
+          <dgm:constr type="w" for="ch" forName="text2" refType="w" fact="0.1623"/>
+          <dgm:constr type="h" for="ch" forName="text2" refType="h" fact="0.2314"/>
+          <dgm:constr type="l" for="ch" forName="image3" refType="w" fact="0.2793"/>
+          <dgm:constr type="t" for="ch" forName="image3" refType="h" fact="0"/>
+          <dgm:constr type="w" for="ch" forName="image3" refType="w" fact="0.1623"/>
+          <dgm:constr type="h" for="ch" forName="image3" refType="h" fact="0.2314"/>
+          <dgm:constr type="l" for="ch" forName="text1" refType="w" fact="0.1396"/>
+          <dgm:constr type="t" for="ch" forName="text1" refType="h" fact="0.3845"/>
+          <dgm:constr type="w" for="ch" forName="text1" refType="w" fact="0.1623"/>
+          <dgm:constr type="h" for="ch" forName="text1" refType="h" fact="0.2314"/>
+          <dgm:constr type="l" for="ch" forName="text3" refType="w" fact="0.1396"/>
+          <dgm:constr type="t" for="ch" forName="text3" refType="h" fact="0.1286"/>
+          <dgm:constr type="w" for="ch" forName="text3" refType="w" fact="0.1623"/>
+          <dgm:constr type="h" for="ch" forName="text3" refType="h" fact="0.2314"/>
+          <dgm:constr type="l" for="ch" forName="textaccent1" refType="w" fact="0.1435"/>
+          <dgm:constr type="t" for="ch" forName="textaccent1" refType="h" fact="0.488"/>
+          <dgm:constr type="w" for="ch" forName="textaccent1" refType="w" fact="0.0189"/>
+          <dgm:constr type="h" for="ch" forName="textaccent1" refType="h" fact="0.0271"/>
+          <dgm:constr type="l" for="ch" forName="image1" refType="w" fact="0"/>
+          <dgm:constr type="t" for="ch" forName="image1" refType="h" fact="0.2566"/>
+          <dgm:constr type="w" for="ch" forName="image1" refType="w" fact="0.1623"/>
+          <dgm:constr type="h" for="ch" forName="image1" refType="h" fact="0.2314"/>
+          <dgm:constr type="l" for="ch" forName="imageaccent1" refType="w" fact="0.1111"/>
+          <dgm:constr type="t" for="ch" forName="imageaccent1" refType="h" fact="0.4572"/>
+          <dgm:constr type="w" for="ch" forName="imageaccent1" refType="w" fact="0.0189"/>
+          <dgm:constr type="h" for="ch" forName="imageaccent1" refType="h" fact="0.0271"/>
+          <dgm:constr type="l" for="ch" forName="textaccent2" refType="w" fact="0.391"/>
+          <dgm:constr type="t" for="ch" forName="textaccent2" refType="h" fact="0.456"/>
+          <dgm:constr type="w" for="ch" forName="textaccent2" refType="w" fact="0.0189"/>
+          <dgm:constr type="h" for="ch" forName="textaccent2" refType="h" fact="0.0271"/>
+          <dgm:constr type="l" for="ch" forName="imageaccent2" refType="w" fact="0.4228"/>
+          <dgm:constr type="t" for="ch" forName="imageaccent2" refType="h" fact="0.487"/>
+          <dgm:constr type="w" for="ch" forName="imageaccent2" refType="w" fact="0.0189"/>
+          <dgm:constr type="h" for="ch" forName="imageaccent2" refType="h" fact="0.0271"/>
+          <dgm:constr type="l" for="ch" forName="textaccent3" refType="w" fact="0.2501"/>
+          <dgm:constr type="t" for="ch" forName="textaccent3" refType="h" fact="0.1318"/>
+          <dgm:constr type="w" for="ch" forName="textaccent3" refType="w" fact="0.0189"/>
+          <dgm:constr type="h" for="ch" forName="textaccent3" refType="h" fact="0.0271"/>
+          <dgm:constr type="l" for="ch" forName="imageaccent3" refType="w" fact="0.2839"/>
+          <dgm:constr type="t" for="ch" forName="imageaccent3" refType="h" fact="0.1025"/>
+          <dgm:constr type="w" for="ch" forName="imageaccent3" refType="w" fact="0.0189"/>
+          <dgm:constr type="h" for="ch" forName="imageaccent3" refType="h" fact="0.0271"/>
+          <dgm:constr type="l" for="ch" forName="textaccent4" refType="w" fact="0.5593"/>
+          <dgm:constr type="t" for="ch" forName="textaccent4" refType="h" fact="0.2307"/>
+          <dgm:constr type="w" for="ch" forName="textaccent4" refType="w" fact="0.0189"/>
+          <dgm:constr type="h" for="ch" forName="textaccent4" refType="h" fact="0.0271"/>
+          <dgm:constr type="l" for="ch" forName="imageaccent4" refType="w" fact="0.5901"/>
+          <dgm:constr type="t" for="ch" forName="imageaccent4" refType="h" fact="0.2624"/>
+          <dgm:constr type="w" for="ch" forName="imageaccent4" refType="w" fact="0.0189"/>
+          <dgm:constr type="h" for="ch" forName="imageaccent4" refType="h" fact="0.0271"/>
+          <dgm:constr type="l" for="ch" forName="textaccent5" refType="w" fact="0.6989"/>
+          <dgm:constr type="t" for="ch" forName="textaccent5" refType="h" fact="0.1062"/>
+          <dgm:constr type="w" for="ch" forName="textaccent5" refType="w" fact="0.0189"/>
+          <dgm:constr type="h" for="ch" forName="textaccent5" refType="h" fact="0.0271"/>
+          <dgm:constr type="l" for="ch" forName="imageaccent5" refType="w" fact="0.7305"/>
+          <dgm:constr type="t" for="ch" forName="imageaccent5" refType="h" fact="0.1367"/>
+          <dgm:constr type="w" for="ch" forName="imageaccent5" refType="w" fact="0.0189"/>
+          <dgm:constr type="h" for="ch" forName="imageaccent5" refType="h" fact="0.0271"/>
+          <dgm:constr type="l" for="ch" forName="image6" refType="w" fact="0.5585"/>
+          <dgm:constr type="t" for="ch" forName="image6" refType="h" fact="0.5137"/>
+          <dgm:constr type="w" for="ch" forName="image6" refType="w" fact="0.1623"/>
+          <dgm:constr type="h" for="ch" forName="image6" refType="h" fact="0.2314"/>
+          <dgm:constr type="l" for="ch" forName="text6" refType="w" fact="0.6982"/>
+          <dgm:constr type="t" for="ch" forName="text6" refType="h" fact="0.387"/>
+          <dgm:constr type="w" for="ch" forName="text6" refType="w" fact="0.1623"/>
+          <dgm:constr type="h" for="ch" forName="text6" refType="h" fact="0.2314"/>
+          <dgm:constr type="l" for="ch" forName="imageaccent6" refType="w" fact="0.7002"/>
+          <dgm:constr type="t" for="ch" forName="imageaccent6" refType="h" fact="0.6152"/>
+          <dgm:constr type="w" for="ch" forName="imageaccent6" refType="w" fact="0.0189"/>
+          <dgm:constr type="h" for="ch" forName="imageaccent6" refType="h" fact="0.0271"/>
+          <dgm:constr type="l" for="ch" forName="textaccent6" refType="w" fact="0.7303"/>
+          <dgm:constr type="t" for="ch" forName="textaccent6" refType="h" fact="0.5897"/>
+          <dgm:constr type="w" for="ch" forName="textaccent6" refType="w" fact="0.0189"/>
+          <dgm:constr type="h" for="ch" forName="textaccent6" refType="h" fact="0.0271"/>
+          <dgm:constr type="l" for="ch" forName="text7" refType="w" fact="0.2792"/>
+          <dgm:constr type="t" for="ch" forName="text7" refType="h" fact="0.5122"/>
+          <dgm:constr type="w" for="ch" forName="text7" refType="w" fact="0.1623"/>
+          <dgm:constr type="h" for="ch" forName="text7" refType="h" fact="0.2314"/>
+          <dgm:constr type="l" for="ch" forName="image7" refType="w" fact="0.1395"/>
+          <dgm:constr type="t" for="ch" forName="image7" refType="h" fact="0.6409"/>
+          <dgm:constr type="w" for="ch" forName="image7" refType="w" fact="0.1623"/>
+          <dgm:constr type="h" for="ch" forName="image7" refType="h" fact="0.2314"/>
+          <dgm:constr type="l" for="ch" forName="imageaccent7" refType="w" fact="0.25"/>
+          <dgm:constr type="t" for="ch" forName="imageaccent7" refType="h" fact="0.6441"/>
+          <dgm:constr type="w" for="ch" forName="imageaccent7" refType="w" fact="0.0189"/>
+          <dgm:constr type="h" for="ch" forName="imageaccent7" refType="h" fact="0.0271"/>
+          <dgm:constr type="l" for="ch" forName="textaccent7" refType="w" fact="0.2838"/>
+          <dgm:constr type="t" for="ch" forName="textaccent7" refType="h" fact="0.6148"/>
+          <dgm:constr type="w" for="ch" forName="textaccent7" refType="w" fact="0.0189"/>
+          <dgm:constr type="h" for="ch" forName="textaccent7" refType="h" fact="0.0271"/>
+          <dgm:constr type="l" for="ch" forName="image8" refType="w" fact="0.6975"/>
+          <dgm:constr type="t" for="ch" forName="image8" refType="h" fact="0.6433"/>
+          <dgm:constr type="w" for="ch" forName="image8" refType="w" fact="0.1623"/>
+          <dgm:constr type="h" for="ch" forName="image8" refType="h" fact="0.2314"/>
+          <dgm:constr type="l" for="ch" forName="text8" refType="w" fact="0.8371"/>
+          <dgm:constr type="t" for="ch" forName="text8" refType="h" fact="0.5167"/>
+          <dgm:constr type="w" for="ch" forName="text8" refType="w" fact="0.1623"/>
+          <dgm:constr type="h" for="ch" forName="text8" refType="h" fact="0.2314"/>
+          <dgm:constr type="l" for="ch" forName="imageaccent8" refType="w" fact="0.8392"/>
+          <dgm:constr type="t" for="ch" forName="imageaccent8" refType="h" fact="0.7449"/>
+          <dgm:constr type="w" for="ch" forName="imageaccent8" refType="w" fact="0.0189"/>
+          <dgm:constr type="h" for="ch" forName="imageaccent8" refType="h" fact="0.0271"/>
+          <dgm:constr type="l" for="ch" forName="textaccent8" refType="w" fact="0.8693"/>
+          <dgm:constr type="t" for="ch" forName="textaccent8" refType="h" fact="0.7194"/>
+          <dgm:constr type="w" for="ch" forName="textaccent8" refType="w" fact="0.0189"/>
+          <dgm:constr type="h" for="ch" forName="textaccent8" refType="h" fact="0.0271"/>
+          <dgm:constr type="l" for="ch" forName="text9" refType="w" fact="0.8377"/>
+          <dgm:constr type="t" for="ch" forName="text9" refType="h" fact="0.005"/>
+          <dgm:constr type="w" for="ch" forName="text9" refType="w" fact="0.1623"/>
+          <dgm:constr type="h" for="ch" forName="text9" refType="h" fact="0.2314"/>
+          <dgm:constr type="l" for="ch" forName="textaccent9" refType="w" fact="0.95"/>
+          <dgm:constr type="t" for="ch" forName="textaccent9" refType="h" fact="0.2084"/>
+          <dgm:constr type="w" for="ch" forName="textaccent9" refType="w" fact="0.0189"/>
+          <dgm:constr type="h" for="ch" forName="textaccent9" refType="h" fact="0.0271"/>
+          <dgm:constr type="l" for="ch" forName="image9" refType="w" fact="0.8377"/>
+          <dgm:constr type="t" for="ch" forName="image9" refType="h" fact="0.2604"/>
+          <dgm:constr type="w" for="ch" forName="image9" refType="w" fact="0.1623"/>
+          <dgm:constr type="h" for="ch" forName="image9" refType="h" fact="0.2314"/>
+          <dgm:constr type="l" for="ch" forName="imageaccent9" refType="w" fact="0.95"/>
+          <dgm:constr type="t" for="ch" forName="imageaccent9" refType="h" fact="0.2618"/>
+          <dgm:constr type="w" for="ch" forName="imageaccent9" refType="w" fact="0.0189"/>
+          <dgm:constr type="h" for="ch" forName="imageaccent9" refType="h" fact="0.0271"/>
+          <dgm:constr type="l" for="ch" forName="image10" refType="w" fact="0.2786"/>
+          <dgm:constr type="t" for="ch" forName="image10" refType="h" fact="0.7686"/>
+          <dgm:constr type="w" for="ch" forName="image10" refType="w" fact="0.1623"/>
+          <dgm:constr type="h" for="ch" forName="image10" refType="h" fact="0.2314"/>
+          <dgm:constr type="l" for="ch" forName="text10" refType="w" fact="0.4183"/>
+          <dgm:constr type="t" for="ch" forName="text10" refType="h" fact="0.6419"/>
+          <dgm:constr type="w" for="ch" forName="text10" refType="w" fact="0.1623"/>
+          <dgm:constr type="h" for="ch" forName="text10" refType="h" fact="0.2314"/>
+          <dgm:constr type="l" for="ch" forName="imageaccent10" refType="w" fact="0.4203"/>
+          <dgm:constr type="t" for="ch" forName="imageaccent10" refType="h" fact="0.8701"/>
+          <dgm:constr type="w" for="ch" forName="imageaccent10" refType="w" fact="0.0189"/>
+          <dgm:constr type="h" for="ch" forName="imageaccent10" refType="h" fact="0.0271"/>
+          <dgm:constr type="l" for="ch" forName="textaccent10" refType="w" fact="0.4504"/>
+          <dgm:constr type="t" for="ch" forName="textaccent10" refType="h" fact="0.8446"/>
+          <dgm:constr type="w" for="ch" forName="textaccent10" refType="w" fact="0.0189"/>
+          <dgm:constr type="h" for="ch" forName="textaccent10" refType="h" fact="0.0271"/>
+        </dgm:constrLst>
+      </dgm:if>
+      <dgm:if name="Name12" axis="ch" ptType="node" func="cnt" op="equ" val="11">
+        <dgm:alg type="composite">
+          <dgm:param type="ar" val="1.4704"/>
+        </dgm:alg>
+        <dgm:constrLst>
+          <dgm:constr type="primFontSz" for="des" ptType="node" op="equ" val="65"/>
+          <dgm:constr type="l" for="ch" forName="image4" refType="w" fact="0.5585"/>
+          <dgm:constr type="t" for="ch" forName="image4" refType="h" fact="0.2287"/>
+          <dgm:constr type="w" for="ch" forName="image4" refType="w" fact="0.1623"/>
+          <dgm:constr type="h" for="ch" forName="image4" refType="h" fact="0.2049"/>
+          <dgm:constr type="l" for="ch" forName="text5" refType="w" fact="0.5585"/>
+          <dgm:constr type="t" for="ch" forName="text5" refType="h" fact="0.0022"/>
+          <dgm:constr type="w" for="ch" forName="text5" refType="w" fact="0.1623"/>
+          <dgm:constr type="h" for="ch" forName="text5" refType="h" fact="0.2049"/>
+          <dgm:constr type="l" for="ch" forName="image5" refType="w" fact="0.6982"/>
+          <dgm:constr type="t" for="ch" forName="image5" refType="h" fact="0.1165"/>
+          <dgm:constr type="w" for="ch" forName="image5" refType="w" fact="0.1623"/>
+          <dgm:constr type="h" for="ch" forName="image5" refType="h" fact="0.2049"/>
+          <dgm:constr type="l" for="ch" forName="image2" refType="w" fact="0.4189"/>
+          <dgm:constr type="t" for="ch" forName="image2" refType="h" fact="0.34"/>
+          <dgm:constr type="w" for="ch" forName="image2" refType="w" fact="0.1623"/>
+          <dgm:constr type="h" for="ch" forName="image2" refType="h" fact="0.2049"/>
+          <dgm:constr type="l" for="ch" forName="text4" refType="w" fact="0.4189"/>
+          <dgm:constr type="t" for="ch" forName="text4" refType="h" fact="0.1135"/>
+          <dgm:constr type="w" for="ch" forName="text4" refType="w" fact="0.1623"/>
+          <dgm:constr type="h" for="ch" forName="text4" refType="h" fact="0.2049"/>
+          <dgm:constr type="l" for="ch" forName="text2" refType="w" fact="0.2793"/>
+          <dgm:constr type="t" for="ch" forName="text2" refType="h" fact="0.2265"/>
+          <dgm:constr type="w" for="ch" forName="text2" refType="w" fact="0.1623"/>
+          <dgm:constr type="h" for="ch" forName="text2" refType="h" fact="0.2049"/>
+          <dgm:constr type="l" for="ch" forName="image3" refType="w" fact="0.2793"/>
+          <dgm:constr type="t" for="ch" forName="image3" refType="h" fact="0"/>
+          <dgm:constr type="w" for="ch" forName="image3" refType="w" fact="0.1623"/>
+          <dgm:constr type="h" for="ch" forName="image3" refType="h" fact="0.2049"/>
+          <dgm:constr type="l" for="ch" forName="text1" refType="w" fact="0.1396"/>
+          <dgm:constr type="t" for="ch" forName="text1" refType="h" fact="0.3404"/>
+          <dgm:constr type="w" for="ch" forName="text1" refType="w" fact="0.1623"/>
+          <dgm:constr type="h" for="ch" forName="text1" refType="h" fact="0.2049"/>
+          <dgm:constr type="l" for="ch" forName="text3" refType="w" fact="0.1396"/>
+          <dgm:constr type="t" for="ch" forName="text3" refType="h" fact="0.1139"/>
+          <dgm:constr type="w" for="ch" forName="text3" refType="w" fact="0.1623"/>
+          <dgm:constr type="h" for="ch" forName="text3" refType="h" fact="0.2049"/>
+          <dgm:constr type="l" for="ch" forName="textaccent1" refType="w" fact="0.1435"/>
+          <dgm:constr type="t" for="ch" forName="textaccent1" refType="h" fact="0.432"/>
+          <dgm:constr type="w" for="ch" forName="textaccent1" refType="w" fact="0.0189"/>
+          <dgm:constr type="h" for="ch" forName="textaccent1" refType="h" fact="0.024"/>
+          <dgm:constr type="l" for="ch" forName="image1" refType="w" fact="0"/>
+          <dgm:constr type="t" for="ch" forName="image1" refType="h" fact="0.2272"/>
+          <dgm:constr type="w" for="ch" forName="image1" refType="w" fact="0.1623"/>
+          <dgm:constr type="h" for="ch" forName="image1" refType="h" fact="0.2049"/>
+          <dgm:constr type="l" for="ch" forName="imageaccent1" refType="w" fact="0.1111"/>
+          <dgm:constr type="t" for="ch" forName="imageaccent1" refType="h" fact="0.4048"/>
+          <dgm:constr type="w" for="ch" forName="imageaccent1" refType="w" fact="0.0189"/>
+          <dgm:constr type="h" for="ch" forName="imageaccent1" refType="h" fact="0.024"/>
+          <dgm:constr type="l" for="ch" forName="textaccent2" refType="w" fact="0.391"/>
+          <dgm:constr type="t" for="ch" forName="textaccent2" refType="h" fact="0.4038"/>
+          <dgm:constr type="w" for="ch" forName="textaccent2" refType="w" fact="0.0189"/>
+          <dgm:constr type="h" for="ch" forName="textaccent2" refType="h" fact="0.024"/>
+          <dgm:constr type="l" for="ch" forName="imageaccent2" refType="w" fact="0.4228"/>
+          <dgm:constr type="t" for="ch" forName="imageaccent2" refType="h" fact="0.4312"/>
+          <dgm:constr type="w" for="ch" forName="imageaccent2" refType="w" fact="0.0189"/>
+          <dgm:constr type="h" for="ch" forName="imageaccent2" refType="h" fact="0.024"/>
+          <dgm:constr type="l" for="ch" forName="textaccent3" refType="w" fact="0.2501"/>
+          <dgm:constr type="t" for="ch" forName="textaccent3" refType="h" fact="0.1167"/>
+          <dgm:constr type="w" for="ch" forName="textaccent3" refType="w" fact="0.0189"/>
+          <dgm:constr type="h" for="ch" forName="textaccent3" refType="h" fact="0.024"/>
+          <dgm:constr type="l" for="ch" forName="imageaccent3" refType="w" fact="0.2839"/>
+          <dgm:constr type="t" for="ch" forName="imageaccent3" refType="h" fact="0.0908"/>
+          <dgm:constr type="w" for="ch" forName="imageaccent3" refType="w" fact="0.0189"/>
+          <dgm:constr type="h" for="ch" forName="imageaccent3" refType="h" fact="0.024"/>
+          <dgm:constr type="l" for="ch" forName="textaccent4" refType="w" fact="0.5593"/>
+          <dgm:constr type="t" for="ch" forName="textaccent4" refType="h" fact="0.2042"/>
+          <dgm:constr type="w" for="ch" forName="textaccent4" refType="w" fact="0.0189"/>
+          <dgm:constr type="h" for="ch" forName="textaccent4" refType="h" fact="0.024"/>
+          <dgm:constr type="l" for="ch" forName="imageaccent4" refType="w" fact="0.5901"/>
+          <dgm:constr type="t" for="ch" forName="imageaccent4" refType="h" fact="0.2323"/>
+          <dgm:constr type="w" for="ch" forName="imageaccent4" refType="w" fact="0.0189"/>
+          <dgm:constr type="h" for="ch" forName="imageaccent4" refType="h" fact="0.024"/>
+          <dgm:constr type="l" for="ch" forName="textaccent5" refType="w" fact="0.6989"/>
+          <dgm:constr type="t" for="ch" forName="textaccent5" refType="h" fact="0.094"/>
+          <dgm:constr type="w" for="ch" forName="textaccent5" refType="w" fact="0.0189"/>
+          <dgm:constr type="h" for="ch" forName="textaccent5" refType="h" fact="0.024"/>
+          <dgm:constr type="l" for="ch" forName="imageaccent5" refType="w" fact="0.7305"/>
+          <dgm:constr type="t" for="ch" forName="imageaccent5" refType="h" fact="0.121"/>
+          <dgm:constr type="w" for="ch" forName="imageaccent5" refType="w" fact="0.0189"/>
+          <dgm:constr type="h" for="ch" forName="imageaccent5" refType="h" fact="0.024"/>
+          <dgm:constr type="l" for="ch" forName="image6" refType="w" fact="0.5585"/>
+          <dgm:constr type="t" for="ch" forName="image6" refType="h" fact="0.4548"/>
+          <dgm:constr type="w" for="ch" forName="image6" refType="w" fact="0.1623"/>
+          <dgm:constr type="h" for="ch" forName="image6" refType="h" fact="0.2049"/>
+          <dgm:constr type="l" for="ch" forName="text6" refType="w" fact="0.6982"/>
+          <dgm:constr type="t" for="ch" forName="text6" refType="h" fact="0.3426"/>
+          <dgm:constr type="w" for="ch" forName="text6" refType="w" fact="0.1623"/>
+          <dgm:constr type="h" for="ch" forName="text6" refType="h" fact="0.2049"/>
+          <dgm:constr type="l" for="ch" forName="imageaccent6" refType="w" fact="0.7002"/>
+          <dgm:constr type="t" for="ch" forName="imageaccent6" refType="h" fact="0.5447"/>
+          <dgm:constr type="w" for="ch" forName="imageaccent6" refType="w" fact="0.0189"/>
+          <dgm:constr type="h" for="ch" forName="imageaccent6" refType="h" fact="0.024"/>
+          <dgm:constr type="l" for="ch" forName="textaccent6" refType="w" fact="0.7303"/>
+          <dgm:constr type="t" for="ch" forName="textaccent6" refType="h" fact="0.5221"/>
+          <dgm:constr type="w" for="ch" forName="textaccent6" refType="w" fact="0.0189"/>
+          <dgm:constr type="h" for="ch" forName="textaccent6" refType="h" fact="0.024"/>
+          <dgm:constr type="l" for="ch" forName="text7" refType="w" fact="0.2792"/>
+          <dgm:constr type="t" for="ch" forName="text7" refType="h" fact="0.4535"/>
+          <dgm:constr type="w" for="ch" forName="text7" refType="w" fact="0.1623"/>
+          <dgm:constr type="h" for="ch" forName="text7" refType="h" fact="0.2049"/>
+          <dgm:constr type="l" for="ch" forName="image7" refType="w" fact="0.1395"/>
+          <dgm:constr type="t" for="ch" forName="image7" refType="h" fact="0.5674"/>
+          <dgm:constr type="w" for="ch" forName="image7" refType="w" fact="0.1623"/>
+          <dgm:constr type="h" for="ch" forName="image7" refType="h" fact="0.2049"/>
+          <dgm:constr type="l" for="ch" forName="imageaccent7" refType="w" fact="0.25"/>
+          <dgm:constr type="t" for="ch" forName="imageaccent7" refType="h" fact="0.5703"/>
+          <dgm:constr type="w" for="ch" forName="imageaccent7" refType="w" fact="0.0189"/>
+          <dgm:constr type="h" for="ch" forName="imageaccent7" refType="h" fact="0.024"/>
+          <dgm:constr type="l" for="ch" forName="textaccent7" refType="w" fact="0.2838"/>
+          <dgm:constr type="t" for="ch" forName="textaccent7" refType="h" fact="0.5443"/>
+          <dgm:constr type="w" for="ch" forName="textaccent7" refType="w" fact="0.0189"/>
+          <dgm:constr type="h" for="ch" forName="textaccent7" refType="h" fact="0.024"/>
+          <dgm:constr type="l" for="ch" forName="image8" refType="w" fact="0.6975"/>
+          <dgm:constr type="t" for="ch" forName="image8" refType="h" fact="0.5696"/>
+          <dgm:constr type="w" for="ch" forName="image8" refType="w" fact="0.1623"/>
+          <dgm:constr type="h" for="ch" forName="image8" refType="h" fact="0.2049"/>
+          <dgm:constr type="l" for="ch" forName="text8" refType="w" fact="0.8371"/>
+          <dgm:constr type="t" for="ch" forName="text8" refType="h" fact="0.4574"/>
+          <dgm:constr type="w" for="ch" forName="text8" refType="w" fact="0.1623"/>
+          <dgm:constr type="h" for="ch" forName="text8" refType="h" fact="0.2049"/>
+          <dgm:constr type="l" for="ch" forName="imageaccent8" refType="w" fact="0.8392"/>
+          <dgm:constr type="t" for="ch" forName="imageaccent8" refType="h" fact="0.6595"/>
+          <dgm:constr type="w" for="ch" forName="imageaccent8" refType="w" fact="0.0189"/>
+          <dgm:constr type="h" for="ch" forName="imageaccent8" refType="h" fact="0.024"/>
+          <dgm:constr type="l" for="ch" forName="textaccent8" refType="w" fact="0.8693"/>
+          <dgm:constr type="t" for="ch" forName="textaccent8" refType="h" fact="0.6369"/>
+          <dgm:constr type="w" for="ch" forName="textaccent8" refType="w" fact="0.0189"/>
+          <dgm:constr type="h" for="ch" forName="textaccent8" refType="h" fact="0.024"/>
+          <dgm:constr type="l" for="ch" forName="text9" refType="w" fact="0.8377"/>
+          <dgm:constr type="t" for="ch" forName="text9" refType="h" fact="0.0044"/>
+          <dgm:constr type="w" for="ch" forName="text9" refType="w" fact="0.1623"/>
+          <dgm:constr type="h" for="ch" forName="text9" refType="h" fact="0.2049"/>
+          <dgm:constr type="l" for="ch" forName="textaccent9" refType="w" fact="0.95"/>
+          <dgm:constr type="t" for="ch" forName="textaccent9" refType="h" fact="0.1846"/>
+          <dgm:constr type="w" for="ch" forName="textaccent9" refType="w" fact="0.0189"/>
+          <dgm:constr type="h" for="ch" forName="textaccent9" refType="h" fact="0.024"/>
+          <dgm:constr type="l" for="ch" forName="image9" refType="w" fact="0.8377"/>
+          <dgm:constr type="t" for="ch" forName="image9" refType="h" fact="0.2306"/>
+          <dgm:constr type="w" for="ch" forName="image9" refType="w" fact="0.1623"/>
+          <dgm:constr type="h" for="ch" forName="image9" refType="h" fact="0.2049"/>
+          <dgm:constr type="l" for="ch" forName="imageaccent9" refType="w" fact="0.95"/>
+          <dgm:constr type="t" for="ch" forName="imageaccent9" refType="h" fact="0.2318"/>
+          <dgm:constr type="w" for="ch" forName="imageaccent9" refType="w" fact="0.0189"/>
+          <dgm:constr type="h" for="ch" forName="imageaccent9" refType="h" fact="0.024"/>
+          <dgm:constr type="l" for="ch" forName="image10" refType="w" fact="0.2786"/>
+          <dgm:constr type="t" for="ch" forName="image10" refType="h" fact="0.6805"/>
+          <dgm:constr type="w" for="ch" forName="image10" refType="w" fact="0.1623"/>
+          <dgm:constr type="h" for="ch" forName="image10" refType="h" fact="0.2049"/>
+          <dgm:constr type="l" for="ch" forName="text10" refType="w" fact="0.4183"/>
+          <dgm:constr type="t" for="ch" forName="text10" refType="h" fact="0.5683"/>
+          <dgm:constr type="w" for="ch" forName="text10" refType="w" fact="0.1623"/>
+          <dgm:constr type="h" for="ch" forName="text10" refType="h" fact="0.2049"/>
+          <dgm:constr type="l" for="ch" forName="imageaccent10" refType="w" fact="0.4203"/>
+          <dgm:constr type="t" for="ch" forName="imageaccent10" refType="h" fact="0.7704"/>
+          <dgm:constr type="w" for="ch" forName="imageaccent10" refType="w" fact="0.0189"/>
+          <dgm:constr type="h" for="ch" forName="imageaccent10" refType="h" fact="0.024"/>
+          <dgm:constr type="l" for="ch" forName="textaccent10" refType="w" fact="0.4504"/>
+          <dgm:constr type="t" for="ch" forName="textaccent10" refType="h" fact="0.7478"/>
+          <dgm:constr type="w" for="ch" forName="textaccent10" refType="w" fact="0.0189"/>
+          <dgm:constr type="h" for="ch" forName="textaccent10" refType="h" fact="0.024"/>
+          <dgm:constr type="l" for="ch" forName="text11" refType="w" fact="0.6971"/>
+          <dgm:constr type="t" for="ch" forName="text11" refType="h" fact="0.7951"/>
+          <dgm:constr type="w" for="ch" forName="text11" refType="w" fact="0.1623"/>
+          <dgm:constr type="h" for="ch" forName="text11" refType="h" fact="0.2049"/>
+          <dgm:constr type="l" for="ch" forName="image11" refType="w" fact="0.5575"/>
+          <dgm:constr type="t" for="ch" forName="image11" refType="h" fact="0.6816"/>
+          <dgm:constr type="w" for="ch" forName="image11" refType="w" fact="0.1623"/>
+          <dgm:constr type="h" for="ch" forName="image11" refType="h" fact="0.2049"/>
+          <dgm:constr type="l" for="ch" forName="imageaccent11" refType="w" fact="0.6692"/>
+          <dgm:constr type="t" for="ch" forName="imageaccent11" refType="h" fact="0.8589"/>
+          <dgm:constr type="w" for="ch" forName="imageaccent11" refType="w" fact="0.0189"/>
+          <dgm:constr type="h" for="ch" forName="imageaccent11" refType="h" fact="0.024"/>
+          <dgm:constr type="l" for="ch" forName="textaccent11" refType="w" fact="0.701"/>
+          <dgm:constr type="t" for="ch" forName="textaccent11" refType="h" fact="0.8863"/>
+          <dgm:constr type="w" for="ch" forName="textaccent11" refType="w" fact="0.0189"/>
+          <dgm:constr type="h" for="ch" forName="textaccent11" refType="h" fact="0.024"/>
+        </dgm:constrLst>
+      </dgm:if>
+      <dgm:else name="Name13">
+        <dgm:alg type="composite">
+          <dgm:param type="ar" val="1.675"/>
+        </dgm:alg>
+        <dgm:constrLst>
+          <dgm:constr type="primFontSz" for="des" ptType="node" op="equ" val="65"/>
+          <dgm:constr type="l" for="ch" forName="image4" refType="w" fact="0.4903"/>
+          <dgm:constr type="t" for="ch" forName="image4" refType="h" fact="0.2287"/>
+          <dgm:constr type="w" for="ch" forName="image4" refType="w" fact="0.1425"/>
+          <dgm:constr type="h" for="ch" forName="image4" refType="h" fact="0.2049"/>
+          <dgm:constr type="l" for="ch" forName="text5" refType="w" fact="0.4903"/>
+          <dgm:constr type="t" for="ch" forName="text5" refType="h" fact="0.0022"/>
+          <dgm:constr type="w" for="ch" forName="text5" refType="w" fact="0.1425"/>
+          <dgm:constr type="h" for="ch" forName="text5" refType="h" fact="0.2049"/>
+          <dgm:constr type="l" for="ch" forName="image5" refType="w" fact="0.6129"/>
+          <dgm:constr type="t" for="ch" forName="image5" refType="h" fact="0.1165"/>
+          <dgm:constr type="w" for="ch" forName="image5" refType="w" fact="0.1425"/>
+          <dgm:constr type="h" for="ch" forName="image5" refType="h" fact="0.2049"/>
+          <dgm:constr type="l" for="ch" forName="image2" refType="w" fact="0.3677"/>
+          <dgm:constr type="t" for="ch" forName="image2" refType="h" fact="0.34"/>
+          <dgm:constr type="w" for="ch" forName="image2" refType="w" fact="0.1425"/>
+          <dgm:constr type="h" for="ch" forName="image2" refType="h" fact="0.2049"/>
+          <dgm:constr type="l" for="ch" forName="text4" refType="w" fact="0.3677"/>
+          <dgm:constr type="t" for="ch" forName="text4" refType="h" fact="0.1135"/>
+          <dgm:constr type="w" for="ch" forName="text4" refType="w" fact="0.1425"/>
+          <dgm:constr type="h" for="ch" forName="text4" refType="h" fact="0.2049"/>
+          <dgm:constr type="l" for="ch" forName="text2" refType="w" fact="0.2452"/>
+          <dgm:constr type="t" for="ch" forName="text2" refType="h" fact="0.2265"/>
+          <dgm:constr type="w" for="ch" forName="text2" refType="w" fact="0.1425"/>
+          <dgm:constr type="h" for="ch" forName="text2" refType="h" fact="0.2049"/>
+          <dgm:constr type="l" for="ch" forName="image3" refType="w" fact="0.2452"/>
+          <dgm:constr type="t" for="ch" forName="image3" refType="h" fact="0"/>
+          <dgm:constr type="w" for="ch" forName="image3" refType="w" fact="0.1425"/>
+          <dgm:constr type="h" for="ch" forName="image3" refType="h" fact="0.2049"/>
+          <dgm:constr type="l" for="ch" forName="text1" refType="w" fact="0.1226"/>
+          <dgm:constr type="t" for="ch" forName="text1" refType="h" fact="0.3404"/>
+          <dgm:constr type="w" for="ch" forName="text1" refType="w" fact="0.1425"/>
+          <dgm:constr type="h" for="ch" forName="text1" refType="h" fact="0.2049"/>
+          <dgm:constr type="l" for="ch" forName="text3" refType="w" fact="0.1226"/>
+          <dgm:constr type="t" for="ch" forName="text3" refType="h" fact="0.1139"/>
+          <dgm:constr type="w" for="ch" forName="text3" refType="w" fact="0.1425"/>
+          <dgm:constr type="h" for="ch" forName="text3" refType="h" fact="0.2049"/>
+          <dgm:constr type="l" for="ch" forName="textaccent1" refType="w" fact="0.126"/>
+          <dgm:constr type="t" for="ch" forName="textaccent1" refType="h" fact="0.432"/>
+          <dgm:constr type="w" for="ch" forName="textaccent1" refType="w" fact="0.0166"/>
+          <dgm:constr type="h" for="ch" forName="textaccent1" refType="h" fact="0.024"/>
+          <dgm:constr type="l" for="ch" forName="image1" refType="w" fact="0"/>
+          <dgm:constr type="t" for="ch" forName="image1" refType="h" fact="0.2272"/>
+          <dgm:constr type="w" for="ch" forName="image1" refType="w" fact="0.1425"/>
+          <dgm:constr type="h" for="ch" forName="image1" refType="h" fact="0.2049"/>
+          <dgm:constr type="l" for="ch" forName="imageaccent1" refType="w" fact="0.0976"/>
+          <dgm:constr type="t" for="ch" forName="imageaccent1" refType="h" fact="0.4048"/>
+          <dgm:constr type="w" for="ch" forName="imageaccent1" refType="w" fact="0.0166"/>
+          <dgm:constr type="h" for="ch" forName="imageaccent1" refType="h" fact="0.024"/>
+          <dgm:constr type="l" for="ch" forName="textaccent2" refType="w" fact="0.3432"/>
+          <dgm:constr type="t" for="ch" forName="textaccent2" refType="h" fact="0.4038"/>
+          <dgm:constr type="w" for="ch" forName="textaccent2" refType="w" fact="0.0166"/>
+          <dgm:constr type="h" for="ch" forName="textaccent2" refType="h" fact="0.024"/>
+          <dgm:constr type="l" for="ch" forName="imageaccent2" refType="w" fact="0.3712"/>
+          <dgm:constr type="t" for="ch" forName="imageaccent2" refType="h" fact="0.4312"/>
+          <dgm:constr type="w" for="ch" forName="imageaccent2" refType="w" fact="0.0166"/>
+          <dgm:constr type="h" for="ch" forName="imageaccent2" refType="h" fact="0.024"/>
+          <dgm:constr type="l" for="ch" forName="textaccent3" refType="w" fact="0.2196"/>
+          <dgm:constr type="t" for="ch" forName="textaccent3" refType="h" fact="0.1167"/>
+          <dgm:constr type="w" for="ch" forName="textaccent3" refType="w" fact="0.0166"/>
+          <dgm:constr type="h" for="ch" forName="textaccent3" refType="h" fact="0.024"/>
+          <dgm:constr type="l" for="ch" forName="imageaccent3" refType="w" fact="0.2492"/>
+          <dgm:constr type="t" for="ch" forName="imageaccent3" refType="h" fact="0.0908"/>
+          <dgm:constr type="w" for="ch" forName="imageaccent3" refType="w" fact="0.0166"/>
+          <dgm:constr type="h" for="ch" forName="imageaccent3" refType="h" fact="0.024"/>
+          <dgm:constr type="l" for="ch" forName="textaccent4" refType="w" fact="0.491"/>
+          <dgm:constr type="t" for="ch" forName="textaccent4" refType="h" fact="0.2042"/>
+          <dgm:constr type="w" for="ch" forName="textaccent4" refType="w" fact="0.0166"/>
+          <dgm:constr type="h" for="ch" forName="textaccent4" refType="h" fact="0.024"/>
+          <dgm:constr type="l" for="ch" forName="imageaccent4" refType="w" fact="0.5181"/>
+          <dgm:constr type="t" for="ch" forName="imageaccent4" refType="h" fact="0.2323"/>
+          <dgm:constr type="w" for="ch" forName="imageaccent4" refType="w" fact="0.0166"/>
+          <dgm:constr type="h" for="ch" forName="imageaccent4" refType="h" fact="0.024"/>
+          <dgm:constr type="l" for="ch" forName="textaccent5" refType="w" fact="0.6136"/>
+          <dgm:constr type="t" for="ch" forName="textaccent5" refType="h" fact="0.094"/>
+          <dgm:constr type="w" for="ch" forName="textaccent5" refType="w" fact="0.0166"/>
+          <dgm:constr type="h" for="ch" forName="textaccent5" refType="h" fact="0.024"/>
+          <dgm:constr type="l" for="ch" forName="imageaccent5" refType="w" fact="0.6413"/>
+          <dgm:constr type="t" for="ch" forName="imageaccent5" refType="h" fact="0.121"/>
+          <dgm:constr type="w" for="ch" forName="imageaccent5" refType="w" fact="0.0166"/>
+          <dgm:constr type="h" for="ch" forName="imageaccent5" refType="h" fact="0.024"/>
+          <dgm:constr type="l" for="ch" forName="image6" refType="w" fact="0.4903"/>
+          <dgm:constr type="t" for="ch" forName="image6" refType="h" fact="0.4548"/>
+          <dgm:constr type="w" for="ch" forName="image6" refType="w" fact="0.1425"/>
+          <dgm:constr type="h" for="ch" forName="image6" refType="h" fact="0.2049"/>
+          <dgm:constr type="l" for="ch" forName="text6" refType="w" fact="0.6129"/>
+          <dgm:constr type="t" for="ch" forName="text6" refType="h" fact="0.3426"/>
+          <dgm:constr type="w" for="ch" forName="text6" refType="w" fact="0.1425"/>
+          <dgm:constr type="h" for="ch" forName="text6" refType="h" fact="0.2049"/>
+          <dgm:constr type="l" for="ch" forName="imageaccent6" refType="w" fact="0.6147"/>
+          <dgm:constr type="t" for="ch" forName="imageaccent6" refType="h" fact="0.5447"/>
+          <dgm:constr type="w" for="ch" forName="imageaccent6" refType="w" fact="0.0166"/>
+          <dgm:constr type="h" for="ch" forName="imageaccent6" refType="h" fact="0.024"/>
+          <dgm:constr type="l" for="ch" forName="textaccent6" refType="w" fact="0.6411"/>
+          <dgm:constr type="t" for="ch" forName="textaccent6" refType="h" fact="0.5221"/>
+          <dgm:constr type="w" for="ch" forName="textaccent6" refType="w" fact="0.0166"/>
+          <dgm:constr type="h" for="ch" forName="textaccent6" refType="h" fact="0.024"/>
+          <dgm:constr type="l" for="ch" forName="text7" refType="w" fact="0.2451"/>
+          <dgm:constr type="t" for="ch" forName="text7" refType="h" fact="0.4535"/>
+          <dgm:constr type="w" for="ch" forName="text7" refType="w" fact="0.1425"/>
+          <dgm:constr type="h" for="ch" forName="text7" refType="h" fact="0.2049"/>
+          <dgm:constr type="l" for="ch" forName="image7" refType="w" fact="0.1225"/>
+          <dgm:constr type="t" for="ch" forName="image7" refType="h" fact="0.5674"/>
+          <dgm:constr type="w" for="ch" forName="image7" refType="w" fact="0.1425"/>
+          <dgm:constr type="h" for="ch" forName="image7" refType="h" fact="0.2049"/>
+          <dgm:constr type="l" for="ch" forName="imageaccent7" refType="w" fact="0.2195"/>
+          <dgm:constr type="t" for="ch" forName="imageaccent7" refType="h" fact="0.5703"/>
+          <dgm:constr type="w" for="ch" forName="imageaccent7" refType="w" fact="0.0166"/>
+          <dgm:constr type="h" for="ch" forName="imageaccent7" refType="h" fact="0.024"/>
+          <dgm:constr type="l" for="ch" forName="textaccent7" refType="w" fact="0.2491"/>
+          <dgm:constr type="t" for="ch" forName="textaccent7" refType="h" fact="0.5443"/>
+          <dgm:constr type="w" for="ch" forName="textaccent7" refType="w" fact="0.0166"/>
+          <dgm:constr type="h" for="ch" forName="textaccent7" refType="h" fact="0.024"/>
+          <dgm:constr type="l" for="ch" forName="image8" refType="w" fact="0.6123"/>
+          <dgm:constr type="t" for="ch" forName="image8" refType="h" fact="0.5696"/>
+          <dgm:constr type="w" for="ch" forName="image8" refType="w" fact="0.1425"/>
+          <dgm:constr type="h" for="ch" forName="image8" refType="h" fact="0.2049"/>
+          <dgm:constr type="l" for="ch" forName="text8" refType="w" fact="0.7349"/>
+          <dgm:constr type="t" for="ch" forName="text8" refType="h" fact="0.4574"/>
+          <dgm:constr type="w" for="ch" forName="text8" refType="w" fact="0.1425"/>
+          <dgm:constr type="h" for="ch" forName="text8" refType="h" fact="0.2049"/>
+          <dgm:constr type="l" for="ch" forName="imageaccent8" refType="w" fact="0.7367"/>
+          <dgm:constr type="t" for="ch" forName="imageaccent8" refType="h" fact="0.6595"/>
+          <dgm:constr type="w" for="ch" forName="imageaccent8" refType="w" fact="0.0166"/>
+          <dgm:constr type="h" for="ch" forName="imageaccent8" refType="h" fact="0.024"/>
+          <dgm:constr type="l" for="ch" forName="textaccent8" refType="w" fact="0.7631"/>
+          <dgm:constr type="t" for="ch" forName="textaccent8" refType="h" fact="0.6369"/>
+          <dgm:constr type="w" for="ch" forName="textaccent8" refType="w" fact="0.0166"/>
+          <dgm:constr type="h" for="ch" forName="textaccent8" refType="h" fact="0.024"/>
+          <dgm:constr type="l" for="ch" forName="text9" refType="w" fact="0.7354"/>
+          <dgm:constr type="t" for="ch" forName="text9" refType="h" fact="0.0044"/>
+          <dgm:constr type="w" for="ch" forName="text9" refType="w" fact="0.1425"/>
+          <dgm:constr type="h" for="ch" forName="text9" refType="h" fact="0.2049"/>
+          <dgm:constr type="l" for="ch" forName="textaccent9" refType="w" fact="0.8339"/>
+          <dgm:constr type="t" for="ch" forName="textaccent9" refType="h" fact="0.1846"/>
+          <dgm:constr type="w" for="ch" forName="textaccent9" refType="w" fact="0.0166"/>
+          <dgm:constr type="h" for="ch" forName="textaccent9" refType="h" fact="0.024"/>
+          <dgm:constr type="l" for="ch" forName="image9" refType="w" fact="0.7354"/>
+          <dgm:constr type="t" for="ch" forName="image9" refType="h" fact="0.2306"/>
+          <dgm:constr type="w" for="ch" forName="image9" refType="w" fact="0.1425"/>
+          <dgm:constr type="h" for="ch" forName="image9" refType="h" fact="0.2049"/>
+          <dgm:constr type="l" for="ch" forName="imageaccent9" refType="w" fact="0.8339"/>
+          <dgm:constr type="t" for="ch" forName="imageaccent9" refType="h" fact="0.2318"/>
+          <dgm:constr type="w" for="ch" forName="imageaccent9" refType="w" fact="0.0166"/>
+          <dgm:constr type="h" for="ch" forName="imageaccent9" refType="h" fact="0.024"/>
+          <dgm:constr type="l" for="ch" forName="image10" refType="w" fact="0.2446"/>
+          <dgm:constr type="t" for="ch" forName="image10" refType="h" fact="0.6805"/>
+          <dgm:constr type="w" for="ch" forName="image10" refType="w" fact="0.1425"/>
+          <dgm:constr type="h" for="ch" forName="image10" refType="h" fact="0.2049"/>
+          <dgm:constr type="l" for="ch" forName="text10" refType="w" fact="0.3672"/>
+          <dgm:constr type="t" for="ch" forName="text10" refType="h" fact="0.5683"/>
+          <dgm:constr type="w" for="ch" forName="text10" refType="w" fact="0.1425"/>
+          <dgm:constr type="h" for="ch" forName="text10" refType="h" fact="0.2049"/>
+          <dgm:constr type="l" for="ch" forName="imageaccent10" refType="w" fact="0.369"/>
+          <dgm:constr type="t" for="ch" forName="imageaccent10" refType="h" fact="0.7704"/>
+          <dgm:constr type="w" for="ch" forName="imageaccent10" refType="w" fact="0.0166"/>
+          <dgm:constr type="h" for="ch" forName="imageaccent10" refType="h" fact="0.024"/>
+          <dgm:constr type="l" for="ch" forName="textaccent10" refType="w" fact="0.3954"/>
+          <dgm:constr type="t" for="ch" forName="textaccent10" refType="h" fact="0.7478"/>
+          <dgm:constr type="w" for="ch" forName="textaccent10" refType="w" fact="0.0166"/>
+          <dgm:constr type="h" for="ch" forName="textaccent10" refType="h" fact="0.024"/>
+          <dgm:constr type="l" for="ch" forName="text11" refType="w" fact="0.612"/>
+          <dgm:constr type="t" for="ch" forName="text11" refType="h" fact="0.7951"/>
+          <dgm:constr type="w" for="ch" forName="text11" refType="w" fact="0.1425"/>
+          <dgm:constr type="h" for="ch" forName="text11" refType="h" fact="0.2049"/>
+          <dgm:constr type="l" for="ch" forName="image11" refType="w" fact="0.4894"/>
+          <dgm:constr type="t" for="ch" forName="image11" refType="h" fact="0.6816"/>
+          <dgm:constr type="w" for="ch" forName="image11" refType="w" fact="0.1425"/>
+          <dgm:constr type="h" for="ch" forName="image11" refType="h" fact="0.2049"/>
+          <dgm:constr type="l" for="ch" forName="imageaccent11" refType="w" fact="0.5874"/>
+          <dgm:constr type="t" for="ch" forName="imageaccent11" refType="h" fact="0.8589"/>
+          <dgm:constr type="w" for="ch" forName="imageaccent11" refType="w" fact="0.0166"/>
+          <dgm:constr type="h" for="ch" forName="imageaccent11" refType="h" fact="0.024"/>
+          <dgm:constr type="l" for="ch" forName="textaccent11" refType="w" fact="0.6154"/>
+          <dgm:constr type="t" for="ch" forName="textaccent11" refType="h" fact="0.8863"/>
+          <dgm:constr type="w" for="ch" forName="textaccent11" refType="w" fact="0.0166"/>
+          <dgm:constr type="h" for="ch" forName="textaccent11" refType="h" fact="0.024"/>
+          <dgm:constr type="l" for="ch" forName="text12" refType="w" fact="0.735"/>
+          <dgm:constr type="t" for="ch" forName="text12" refType="h" fact="0.684"/>
+          <dgm:constr type="w" for="ch" forName="text12" refType="w" fact="0.1425"/>
+          <dgm:constr type="h" for="ch" forName="text12" refType="h" fact="0.2049"/>
+          <dgm:constr type="l" for="ch" forName="image12" refType="w" fact="0.8575"/>
+          <dgm:constr type="t" for="ch" forName="image12" refType="h" fact="0.5718"/>
+          <dgm:constr type="w" for="ch" forName="image12" refType="w" fact="0.1425"/>
+          <dgm:constr type="h" for="ch" forName="image12" refType="h" fact="0.2049"/>
+          <dgm:constr type="l" for="ch" forName="textaccent12" refType="w" fact="0.8594"/>
+          <dgm:constr type="t" for="ch" forName="textaccent12" refType="h" fact="0.7739"/>
+          <dgm:constr type="w" for="ch" forName="textaccent12" refType="w" fact="0.0166"/>
+          <dgm:constr type="h" for="ch" forName="textaccent12" refType="h" fact="0.024"/>
+          <dgm:constr type="l" for="ch" forName="imageaccent12" refType="w" fact="0.8858"/>
+          <dgm:constr type="t" for="ch" forName="imageaccent12" refType="h" fact="0.7513"/>
+          <dgm:constr type="w" for="ch" forName="imageaccent12" refType="w" fact="0.0166"/>
+          <dgm:constr type="h" for="ch" forName="imageaccent12" refType="h" fact="0.024"/>
+        </dgm:constrLst>
+      </dgm:else>
+    </dgm:choose>
+    <dgm:forEach name="wrapper" axis="self" ptType="parTrans">
+      <dgm:forEach name="wrapper2" axis="self" ptType="sibTrans" st="2">
+        <dgm:forEach name="textRepeat" axis="self">
+          <dgm:layoutNode name="textRepeatNode" styleLbl="alignNode1">
+            <dgm:varLst>
+              <dgm:chMax val="0"/>
+              <dgm:chPref val="0"/>
+              <dgm:bulletEnabled val="1"/>
+            </dgm:varLst>
+            <dgm:alg type="tx"/>
+            <dgm:shape xmlns:r="http://schemas.openxmlformats.org/officeDocument/2006/relationships" type="hexagon" r:blip="">
+              <dgm:adjLst>
+                <dgm:adj idx="1" val="0.25"/>
+                <dgm:adj idx="2" val="1.1547"/>
+              </dgm:adjLst>
+            </dgm:shape>
+            <dgm:presOf axis="desOrSelf" ptType="node"/>
+            <dgm:constrLst>
+              <dgm:constr type="lMarg" refType="primFontSz" fact="0"/>
+              <dgm:constr type="rMarg" refType="primFontSz" fact="0"/>
+              <dgm:constr type="tMarg" refType="primFontSz" fact="0.1"/>
+              <dgm:constr type="bMarg" refType="primFontSz" fact="0.1"/>
+            </dgm:constrLst>
+            <dgm:ruleLst>
+              <dgm:rule type="primFontSz" val="5" fact="NaN" max="NaN"/>
+            </dgm:ruleLst>
+          </dgm:layoutNode>
+        </dgm:forEach>
+        <dgm:forEach name="accentRepeat" axis="self">
+          <dgm:layoutNode name="accentRepeatNode" styleLbl="solidAlignAcc1">
+            <dgm:alg type="sp"/>
+            <dgm:shape xmlns:r="http://schemas.openxmlformats.org/officeDocument/2006/relationships" type="hexagon" r:blip="">
+              <dgm:adjLst>
+                <dgm:adj idx="1" val="0.25"/>
+                <dgm:adj idx="2" val="1.1547"/>
+              </dgm:adjLst>
+            </dgm:shape>
+            <dgm:presOf/>
+          </dgm:layoutNode>
+        </dgm:forEach>
+        <dgm:forEach name="imageRepeat" axis="self">
+          <dgm:layoutNode name="imageRepeatNode" styleLbl="alignAcc1">
+            <dgm:alg type="sp"/>
+            <dgm:shape xmlns:r="http://schemas.openxmlformats.org/officeDocument/2006/relationships" type="hexagon" r:blip="" blipPhldr="1">
+              <dgm:adjLst>
+                <dgm:adj idx="1" val="0.25"/>
+                <dgm:adj idx="2" val="1.1547"/>
+              </dgm:adjLst>
+            </dgm:shape>
+            <dgm:presOf axis="self"/>
+          </dgm:layoutNode>
+        </dgm:forEach>
+      </dgm:forEach>
+    </dgm:forEach>
+    <dgm:forEach name="Name14" axis="ch" ptType="node" cnt="1">
+      <dgm:layoutNode name="text1">
+        <dgm:alg type="sp"/>
+        <dgm:shape xmlns:r="http://schemas.openxmlformats.org/officeDocument/2006/relationships" r:blip="">
+          <dgm:adjLst/>
+        </dgm:shape>
+        <dgm:presOf/>
+        <dgm:constrLst/>
+        <dgm:forEach name="Name15" ref="textRepeat"/>
+      </dgm:layoutNode>
+      <dgm:layoutNode name="textaccent1">
+        <dgm:alg type="sp"/>
+        <dgm:shape xmlns:r="http://schemas.openxmlformats.org/officeDocument/2006/relationships" r:blip="">
+          <dgm:adjLst/>
+        </dgm:shape>
+        <dgm:presOf/>
+        <dgm:constrLst/>
+        <dgm:forEach name="Name16" ref="accentRepeat"/>
+      </dgm:layoutNode>
+    </dgm:forEach>
+    <dgm:forEach name="Name17" axis="ch" ptType="sibTrans" hideLastTrans="0" cnt="1">
+      <dgm:layoutNode name="image1">
+        <dgm:alg type="sp"/>
+        <dgm:shape xmlns:r="http://schemas.openxmlformats.org/officeDocument/2006/relationships" r:blip="">
+          <dgm:adjLst/>
+        </dgm:shape>
+        <dgm:presOf/>
+        <dgm:constrLst/>
+        <dgm:forEach name="Name18" ref="imageRepeat"/>
+      </dgm:layoutNode>
+      <dgm:layoutNode name="imageaccent1">
+        <dgm:alg type="sp"/>
+        <dgm:shape xmlns:r="http://schemas.openxmlformats.org/officeDocument/2006/relationships" r:blip="">
+          <dgm:adjLst/>
+        </dgm:shape>
+        <dgm:presOf/>
+        <dgm:constrLst/>
+        <dgm:forEach name="Name19" ref="accentRepeat"/>
+      </dgm:layoutNode>
+    </dgm:forEach>
+    <dgm:forEach name="Name20" axis="ch" ptType="node" st="2" cnt="1">
+      <dgm:layoutNode name="text2">
+        <dgm:alg type="sp"/>
+        <dgm:shape xmlns:r="http://schemas.openxmlformats.org/officeDocument/2006/relationships" r:blip="">
+          <dgm:adjLst/>
+        </dgm:shape>
+        <dgm:presOf/>
+        <dgm:constrLst/>
+        <dgm:forEach name="Name21" ref="textRepeat"/>
+      </dgm:layoutNode>
+      <dgm:layoutNode name="textaccent2">
+        <dgm:alg type="sp"/>
+        <dgm:shape xmlns:r="http://schemas.openxmlformats.org/officeDocument/2006/relationships" r:blip="">
+          <dgm:adjLst/>
+        </dgm:shape>
+        <dgm:presOf/>
+        <dgm:constrLst/>
+        <dgm:forEach name="Name22" ref="accentRepeat"/>
+      </dgm:layoutNode>
+    </dgm:forEach>
+    <dgm:forEach name="Name23" axis="ch" ptType="sibTrans" hideLastTrans="0" st="2" cnt="1">
+      <dgm:layoutNode name="image2">
+        <dgm:alg type="sp"/>
+        <dgm:shape xmlns:r="http://schemas.openxmlformats.org/officeDocument/2006/relationships" r:blip="">
+          <dgm:adjLst/>
+        </dgm:shape>
+        <dgm:presOf/>
+        <dgm:constrLst/>
+        <dgm:forEach name="Name24" ref="imageRepeat"/>
+      </dgm:layoutNode>
+      <dgm:layoutNode name="imageaccent2">
+        <dgm:alg type="sp"/>
+        <dgm:shape xmlns:r="http://schemas.openxmlformats.org/officeDocument/2006/relationships" r:blip="">
+          <dgm:adjLst/>
+        </dgm:shape>
+        <dgm:presOf/>
+        <dgm:constrLst/>
+        <dgm:forEach name="Name25" ref="accentRepeat"/>
+      </dgm:layoutNode>
+    </dgm:forEach>
+    <dgm:forEach name="Name26" axis="ch" ptType="node" st="3" cnt="1">
+      <dgm:layoutNode name="text3">
+        <dgm:alg type="sp"/>
+        <dgm:shape xmlns:r="http://schemas.openxmlformats.org/officeDocument/2006/relationships" r:blip="">
+          <dgm:adjLst/>
+        </dgm:shape>
+        <dgm:presOf/>
+        <dgm:constrLst/>
+        <dgm:forEach name="Name27" ref="textRepeat"/>
+      </dgm:layoutNode>
+      <dgm:layoutNode name="textaccent3">
+        <dgm:alg type="sp"/>
+        <dgm:shape xmlns:r="http://schemas.openxmlformats.org/officeDocument/2006/relationships" r:blip="">
+          <dgm:adjLst/>
+        </dgm:shape>
+        <dgm:presOf/>
+        <dgm:constrLst/>
+        <dgm:forEach name="Name28" ref="accentRepeat"/>
+      </dgm:layoutNode>
+    </dgm:forEach>
+    <dgm:forEach name="Name29" axis="ch" ptType="sibTrans" hideLastTrans="0" st="3" cnt="1">
+      <dgm:layoutNode name="image3">
+        <dgm:alg type="sp"/>
+        <dgm:shape xmlns:r="http://schemas.openxmlformats.org/officeDocument/2006/relationships" r:blip="">
+          <dgm:adjLst/>
+        </dgm:shape>
+        <dgm:presOf/>
+        <dgm:constrLst/>
+        <dgm:forEach name="Name30" ref="imageRepeat"/>
+      </dgm:layoutNode>
+      <dgm:layoutNode name="imageaccent3">
+        <dgm:alg type="sp"/>
+        <dgm:shape xmlns:r="http://schemas.openxmlformats.org/officeDocument/2006/relationships" r:blip="">
+          <dgm:adjLst/>
+        </dgm:shape>
+        <dgm:presOf/>
+        <dgm:constrLst/>
+        <dgm:forEach name="Name31" ref="accentRepeat"/>
+      </dgm:layoutNode>
+    </dgm:forEach>
+    <dgm:forEach name="Name32" axis="ch" ptType="node" st="4" cnt="1">
+      <dgm:layoutNode name="text4">
+        <dgm:alg type="sp"/>
+        <dgm:shape xmlns:r="http://schemas.openxmlformats.org/officeDocument/2006/relationships" r:blip="">
+          <dgm:adjLst/>
+        </dgm:shape>
+        <dgm:presOf/>
+        <dgm:constrLst/>
+        <dgm:forEach name="Name33" ref="textRepeat"/>
+      </dgm:layoutNode>
+      <dgm:layoutNode name="textaccent4">
+        <dgm:alg type="sp"/>
+        <dgm:shape xmlns:r="http://schemas.openxmlformats.org/officeDocument/2006/relationships" r:blip="">
+          <dgm:adjLst/>
+        </dgm:shape>
+        <dgm:presOf/>
+        <dgm:constrLst/>
+        <dgm:forEach name="Name34" ref="accentRepeat"/>
+      </dgm:layoutNode>
+    </dgm:forEach>
+    <dgm:forEach name="Name35" axis="ch" ptType="sibTrans" hideLastTrans="0" st="4" cnt="1">
+      <dgm:layoutNode name="image4">
+        <dgm:alg type="sp"/>
+        <dgm:shape xmlns:r="http://schemas.openxmlformats.org/officeDocument/2006/relationships" r:blip="">
+          <dgm:adjLst/>
+        </dgm:shape>
+        <dgm:presOf/>
+        <dgm:constrLst/>
+        <dgm:forEach name="Name36" ref="imageRepeat"/>
+      </dgm:layoutNode>
+      <dgm:layoutNode name="imageaccent4">
+        <dgm:alg type="sp"/>
+        <dgm:shape xmlns:r="http://schemas.openxmlformats.org/officeDocument/2006/relationships" r:blip="">
+          <dgm:adjLst/>
+        </dgm:shape>
+        <dgm:presOf/>
+        <dgm:constrLst/>
+        <dgm:forEach name="Name37" ref="accentRepeat"/>
+      </dgm:layoutNode>
+    </dgm:forEach>
+    <dgm:forEach name="Name38" axis="ch" ptType="node" st="5" cnt="1">
+      <dgm:layoutNode name="text5">
+        <dgm:alg type="sp"/>
+        <dgm:shape xmlns:r="http://schemas.openxmlformats.org/officeDocument/2006/relationships" r:blip="">
+          <dgm:adjLst/>
+        </dgm:shape>
+        <dgm:presOf/>
+        <dgm:constrLst/>
+        <dgm:forEach name="Name39" ref="textRepeat"/>
+      </dgm:layoutNode>
+      <dgm:layoutNode name="textaccent5">
+        <dgm:alg type="sp"/>
+        <dgm:shape xmlns:r="http://schemas.openxmlformats.org/officeDocument/2006/relationships" r:blip="">
+          <dgm:adjLst/>
+        </dgm:shape>
+        <dgm:presOf/>
+        <dgm:constrLst/>
+        <dgm:forEach name="Name40" ref="accentRepeat"/>
+      </dgm:layoutNode>
+    </dgm:forEach>
+    <dgm:forEach name="Name41" axis="ch" ptType="sibTrans" hideLastTrans="0" st="5" cnt="1">
+      <dgm:layoutNode name="image5">
+        <dgm:alg type="sp"/>
+        <dgm:shape xmlns:r="http://schemas.openxmlformats.org/officeDocument/2006/relationships" r:blip="">
+          <dgm:adjLst/>
+        </dgm:shape>
+        <dgm:presOf/>
+        <dgm:constrLst/>
+        <dgm:forEach name="Name42" ref="imageRepeat"/>
+      </dgm:layoutNode>
+      <dgm:layoutNode name="imageaccent5">
+        <dgm:alg type="sp"/>
+        <dgm:shape xmlns:r="http://schemas.openxmlformats.org/officeDocument/2006/relationships" r:blip="">
+          <dgm:adjLst/>
+        </dgm:shape>
+        <dgm:presOf/>
+        <dgm:constrLst/>
+        <dgm:forEach name="Name43" ref="accentRepeat"/>
+      </dgm:layoutNode>
+    </dgm:forEach>
+    <dgm:forEach name="Name44" axis="ch" ptType="node" st="6" cnt="1">
+      <dgm:layoutNode name="text6">
+        <dgm:alg type="sp"/>
+        <dgm:shape xmlns:r="http://schemas.openxmlformats.org/officeDocument/2006/relationships" r:blip="">
+          <dgm:adjLst/>
+        </dgm:shape>
+        <dgm:presOf/>
+        <dgm:constrLst/>
+        <dgm:forEach name="Name45" ref="textRepeat"/>
+      </dgm:layoutNode>
+      <dgm:layoutNode name="textaccent6">
+        <dgm:alg type="sp"/>
+        <dgm:shape xmlns:r="http://schemas.openxmlformats.org/officeDocument/2006/relationships" r:blip="">
+          <dgm:adjLst/>
+        </dgm:shape>
+        <dgm:presOf/>
+        <dgm:constrLst/>
+        <dgm:forEach name="Name46" ref="accentRepeat"/>
+      </dgm:layoutNode>
+    </dgm:forEach>
+    <dgm:forEach name="Name47" axis="ch" ptType="sibTrans" hideLastTrans="0" st="6" cnt="1">
+      <dgm:layoutNode name="image6">
+        <dgm:alg type="sp"/>
+        <dgm:shape xmlns:r="http://schemas.openxmlformats.org/officeDocument/2006/relationships" r:blip="">
+          <dgm:adjLst/>
+        </dgm:shape>
+        <dgm:presOf/>
+        <dgm:constrLst/>
+        <dgm:forEach name="Name48" ref="imageRepeat"/>
+      </dgm:layoutNode>
+      <dgm:layoutNode name="imageaccent6">
+        <dgm:alg type="sp"/>
+        <dgm:shape xmlns:r="http://schemas.openxmlformats.org/officeDocument/2006/relationships" r:blip="">
+          <dgm:adjLst/>
+        </dgm:shape>
+        <dgm:presOf/>
+        <dgm:constrLst/>
+        <dgm:forEach name="Name49" ref="accentRepeat"/>
+      </dgm:layoutNode>
+    </dgm:forEach>
+    <dgm:forEach name="Name50" axis="ch" ptType="node" st="7" cnt="1">
+      <dgm:layoutNode name="text7">
+        <dgm:alg type="sp"/>
+        <dgm:shape xmlns:r="http://schemas.openxmlformats.org/officeDocument/2006/relationships" r:blip="">
+          <dgm:adjLst/>
+        </dgm:shape>
+        <dgm:presOf/>
+        <dgm:constrLst/>
+        <dgm:forEach name="Name51" ref="textRepeat"/>
+      </dgm:layoutNode>
+      <dgm:layoutNode name="textaccent7">
+        <dgm:alg type="sp"/>
+        <dgm:shape xmlns:r="http://schemas.openxmlformats.org/officeDocument/2006/relationships" r:blip="">
+          <dgm:adjLst/>
+        </dgm:shape>
+        <dgm:presOf/>
+        <dgm:constrLst/>
+        <dgm:forEach name="Name52" ref="accentRepeat"/>
+      </dgm:layoutNode>
+    </dgm:forEach>
+    <dgm:forEach name="Name53" axis="ch" ptType="sibTrans" hideLastTrans="0" st="7" cnt="1">
+      <dgm:layoutNode name="image7">
+        <dgm:alg type="sp"/>
+        <dgm:shape xmlns:r="http://schemas.openxmlformats.org/officeDocument/2006/relationships" r:blip="">
+          <dgm:adjLst/>
+        </dgm:shape>
+        <dgm:presOf/>
+        <dgm:constrLst/>
+        <dgm:forEach name="Name54" ref="imageRepeat"/>
+      </dgm:layoutNode>
+      <dgm:layoutNode name="imageaccent7">
+        <dgm:alg type="sp"/>
+        <dgm:shape xmlns:r="http://schemas.openxmlformats.org/officeDocument/2006/relationships" r:blip="">
+          <dgm:adjLst/>
+        </dgm:shape>
+        <dgm:presOf/>
+        <dgm:constrLst/>
+        <dgm:forEach name="Name55" ref="accentRepeat"/>
+      </dgm:layoutNode>
+    </dgm:forEach>
+    <dgm:forEach name="Name56" axis="ch" ptType="node" st="8" cnt="1">
+      <dgm:layoutNode name="text8">
+        <dgm:alg type="sp"/>
+        <dgm:shape xmlns:r="http://schemas.openxmlformats.org/officeDocument/2006/relationships" r:blip="">
+          <dgm:adjLst/>
+        </dgm:shape>
+        <dgm:presOf/>
+        <dgm:constrLst/>
+        <dgm:forEach name="Name57" ref="textRepeat"/>
+      </dgm:layoutNode>
+      <dgm:layoutNode name="textaccent8">
+        <dgm:alg type="sp"/>
+        <dgm:shape xmlns:r="http://schemas.openxmlformats.org/officeDocument/2006/relationships" r:blip="">
+          <dgm:adjLst/>
+        </dgm:shape>
+        <dgm:presOf/>
+        <dgm:constrLst/>
+        <dgm:forEach name="Name58" ref="accentRepeat"/>
+      </dgm:layoutNode>
+    </dgm:forEach>
+    <dgm:forEach name="Name59" axis="ch" ptType="sibTrans" hideLastTrans="0" st="8" cnt="1">
+      <dgm:layoutNode name="image8">
+        <dgm:alg type="sp"/>
+        <dgm:shape xmlns:r="http://schemas.openxmlformats.org/officeDocument/2006/relationships" r:blip="">
+          <dgm:adjLst/>
+        </dgm:shape>
+        <dgm:presOf/>
+        <dgm:constrLst/>
+        <dgm:forEach name="Name60" ref="imageRepeat"/>
+      </dgm:layoutNode>
+      <dgm:layoutNode name="imageaccent8">
+        <dgm:alg type="sp"/>
+        <dgm:shape xmlns:r="http://schemas.openxmlformats.org/officeDocument/2006/relationships" r:blip="">
+          <dgm:adjLst/>
+        </dgm:shape>
+        <dgm:presOf/>
+        <dgm:constrLst/>
+        <dgm:forEach name="Name61" ref="accentRepeat"/>
+      </dgm:layoutNode>
+    </dgm:forEach>
+    <dgm:forEach name="Name62" axis="ch" ptType="node" st="9" cnt="1">
+      <dgm:layoutNode name="text9">
+        <dgm:alg type="sp"/>
+        <dgm:shape xmlns:r="http://schemas.openxmlformats.org/officeDocument/2006/relationships" r:blip="">
+          <dgm:adjLst/>
+        </dgm:shape>
+        <dgm:presOf/>
+        <dgm:constrLst/>
+        <dgm:forEach name="Name63" ref="textRepeat"/>
+      </dgm:layoutNode>
+      <dgm:layoutNode name="textaccent9">
+        <dgm:alg type="sp"/>
+        <dgm:shape xmlns:r="http://schemas.openxmlformats.org/officeDocument/2006/relationships" r:blip="">
+          <dgm:adjLst/>
+        </dgm:shape>
+        <dgm:presOf/>
+        <dgm:constrLst/>
+        <dgm:forEach name="Name64" ref="accentRepeat"/>
+      </dgm:layoutNode>
+    </dgm:forEach>
+    <dgm:forEach name="Name65" axis="ch" ptType="sibTrans" hideLastTrans="0" st="9" cnt="1">
+      <dgm:layoutNode name="image9">
+        <dgm:alg type="sp"/>
+        <dgm:shape xmlns:r="http://schemas.openxmlformats.org/officeDocument/2006/relationships" r:blip="">
+          <dgm:adjLst/>
+        </dgm:shape>
+        <dgm:presOf/>
+        <dgm:constrLst/>
+        <dgm:forEach name="Name66" ref="imageRepeat"/>
+      </dgm:layoutNode>
+      <dgm:layoutNode name="imageaccent9">
+        <dgm:alg type="sp"/>
+        <dgm:shape xmlns:r="http://schemas.openxmlformats.org/officeDocument/2006/relationships" r:blip="">
+          <dgm:adjLst/>
+        </dgm:shape>
+        <dgm:presOf/>
+        <dgm:constrLst/>
+        <dgm:forEach name="Name67" ref="accentRepeat"/>
+      </dgm:layoutNode>
+    </dgm:forEach>
+    <dgm:forEach name="Name68" axis="ch" ptType="node" st="10" cnt="1">
+      <dgm:layoutNode name="text10">
+        <dgm:alg type="sp"/>
+        <dgm:shape xmlns:r="http://schemas.openxmlformats.org/officeDocument/2006/relationships" r:blip="">
+          <dgm:adjLst/>
+        </dgm:shape>
+        <dgm:presOf/>
+        <dgm:constrLst/>
+        <dgm:forEach name="Name69" ref="textRepeat"/>
+      </dgm:layoutNode>
+      <dgm:layoutNode name="textaccent10">
+        <dgm:alg type="sp"/>
+        <dgm:shape xmlns:r="http://schemas.openxmlformats.org/officeDocument/2006/relationships" r:blip="">
+          <dgm:adjLst/>
+        </dgm:shape>
+        <dgm:presOf/>
+        <dgm:constrLst/>
+        <dgm:forEach name="Name70" ref="accentRepeat"/>
+      </dgm:layoutNode>
+    </dgm:forEach>
+    <dgm:forEach name="Name71" axis="ch" ptType="sibTrans" hideLastTrans="0" st="10" cnt="1">
+      <dgm:layoutNode name="image10">
+        <dgm:alg type="sp"/>
+        <dgm:shape xmlns:r="http://schemas.openxmlformats.org/officeDocument/2006/relationships" r:blip="">
+          <dgm:adjLst/>
+        </dgm:shape>
+        <dgm:presOf/>
+        <dgm:constrLst/>
+        <dgm:forEach name="Name72" ref="imageRepeat"/>
+      </dgm:layoutNode>
+      <dgm:layoutNode name="imageaccent10">
+        <dgm:alg type="sp"/>
+        <dgm:shape xmlns:r="http://schemas.openxmlformats.org/officeDocument/2006/relationships" r:blip="">
+          <dgm:adjLst/>
+        </dgm:shape>
+        <dgm:presOf/>
+        <dgm:constrLst/>
+        <dgm:forEach name="Name73" ref="accentRepeat"/>
+      </dgm:layoutNode>
+    </dgm:forEach>
+    <dgm:forEach name="Name74" axis="ch" ptType="node" st="11" cnt="1">
+      <dgm:layoutNode name="text11">
+        <dgm:alg type="sp"/>
+        <dgm:shape xmlns:r="http://schemas.openxmlformats.org/officeDocument/2006/relationships" r:blip="">
+          <dgm:adjLst/>
+        </dgm:shape>
+        <dgm:presOf/>
+        <dgm:constrLst/>
+        <dgm:forEach name="Name75" ref="textRepeat"/>
+      </dgm:layoutNode>
+      <dgm:layoutNode name="textaccent11">
+        <dgm:alg type="sp"/>
+        <dgm:shape xmlns:r="http://schemas.openxmlformats.org/officeDocument/2006/relationships" r:blip="">
+          <dgm:adjLst/>
+        </dgm:shape>
+        <dgm:presOf/>
+        <dgm:constrLst/>
+        <dgm:forEach name="Name76" ref="accentRepeat"/>
+      </dgm:layoutNode>
+    </dgm:forEach>
+    <dgm:forEach name="Name77" axis="ch" ptType="sibTrans" hideLastTrans="0" st="11" cnt="1">
+      <dgm:layoutNode name="image11">
+        <dgm:alg type="sp"/>
+        <dgm:shape xmlns:r="http://schemas.openxmlformats.org/officeDocument/2006/relationships" r:blip="">
+          <dgm:adjLst/>
+        </dgm:shape>
+        <dgm:presOf/>
+        <dgm:constrLst/>
+        <dgm:forEach name="Name78" ref="imageRepeat"/>
+      </dgm:layoutNode>
+      <dgm:layoutNode name="imageaccent11">
+        <dgm:alg type="sp"/>
+        <dgm:shape xmlns:r="http://schemas.openxmlformats.org/officeDocument/2006/relationships" r:blip="">
+          <dgm:adjLst/>
+        </dgm:shape>
+        <dgm:presOf/>
+        <dgm:constrLst/>
+        <dgm:forEach name="Name79" ref="accentRepeat"/>
+      </dgm:layoutNode>
+    </dgm:forEach>
+    <dgm:forEach name="Name80" axis="ch" ptType="node" st="12" cnt="1">
+      <dgm:layoutNode name="text12">
+        <dgm:alg type="sp"/>
+        <dgm:shape xmlns:r="http://schemas.openxmlformats.org/officeDocument/2006/relationships" r:blip="">
+          <dgm:adjLst/>
+        </dgm:shape>
+        <dgm:presOf/>
+        <dgm:constrLst/>
+        <dgm:forEach name="Name81" ref="textRepeat"/>
+      </dgm:layoutNode>
+      <dgm:layoutNode name="textaccent12">
+        <dgm:alg type="sp"/>
+        <dgm:shape xmlns:r="http://schemas.openxmlformats.org/officeDocument/2006/relationships" r:blip="">
+          <dgm:adjLst/>
+        </dgm:shape>
+        <dgm:presOf/>
+        <dgm:constrLst/>
+        <dgm:forEach name="Name82" ref="accentRepeat"/>
+      </dgm:layoutNode>
+    </dgm:forEach>
+    <dgm:forEach name="Name83" axis="ch" ptType="sibTrans" hideLastTrans="0" st="12" cnt="1">
+      <dgm:layoutNode name="image12">
+        <dgm:alg type="sp"/>
+        <dgm:shape xmlns:r="http://schemas.openxmlformats.org/officeDocument/2006/relationships" r:blip="">
+          <dgm:adjLst/>
+        </dgm:shape>
+        <dgm:presOf/>
+        <dgm:constrLst/>
+        <dgm:forEach name="Name84" ref="imageRepeat"/>
+      </dgm:layoutNode>
+      <dgm:layoutNode name="imageaccent12">
+        <dgm:alg type="sp"/>
+        <dgm:shape xmlns:r="http://schemas.openxmlformats.org/officeDocument/2006/relationships" r:blip="">
+          <dgm:adjLst/>
+        </dgm:shape>
+        <dgm:presOf/>
+        <dgm:constrLst/>
+        <dgm:forEach name="Name85" ref="accentRepeat"/>
+      </dgm:layoutNode>
+    </dgm:forEach>
+  </dgm:layoutNode>
+</dgm:layoutDef>
+</file>
+
+<file path=ppt/diagrams/quickStyle1.xml><?xml version="1.0" encoding="utf-8"?>
+<dgm:styleDef xmlns:dgm="http://schemas.openxmlformats.org/drawingml/2006/diagram" xmlns:a="http://schemas.openxmlformats.org/drawingml/2006/main" uniqueId="urn:microsoft.com/office/officeart/2005/8/quickstyle/simple1">
+  <dgm:title val=""/>
+  <dgm:desc val=""/>
+  <dgm:catLst>
+    <dgm:cat type="simple" pri="10100"/>
+  </dgm:catLst>
+  <dgm:scene3d>
+    <a:camera prst="orthographicFront"/>
+    <a:lightRig rig="threePt" dir="t"/>
+  </dgm:scene3d>
+  <dgm:styleLbl name="node0">
+    <dgm:scene3d>
+      <a:camera prst="orthographicFront"/>
+      <a:lightRig rig="threePt" dir="t"/>
+    </dgm:scene3d>
+    <dgm:sp3d/>
+    <dgm:txPr/>
+    <dgm:style>
+      <a:lnRef idx="2">
+        <a:scrgbClr r="0" g="0" b="0"/>
+      </a:lnRef>
+      <a:fillRef idx="1">
+        <a:scrgbClr r="0" g="0" b="0"/>
+      </a:fillRef>
+      <a:effectRef idx="0">
+        <a:scrgbClr r="0" g="0" b="0"/>
+      </a:effectRef>
+      <a:fontRef idx="minor">
+        <a:schemeClr val="lt1"/>
+      </a:fontRef>
+    </dgm:style>
+  </dgm:styleLbl>
+  <dgm:styleLbl name="lnNode1">
+    <dgm:scene3d>
+      <a:camera prst="orthographicFront"/>
+      <a:lightRig rig="threePt" dir="t"/>
+    </dgm:scene3d>
+    <dgm:sp3d/>
+    <dgm:txPr/>
+    <dgm:style>
+      <a:lnRef idx="2">
+        <a:scrgbClr r="0" g="0" b="0"/>
+      </a:lnRef>
+      <a:fillRef idx="1">
+        <a:scrgbClr r="0" g="0" b="0"/>
+      </a:fillRef>
+      <a:effectRef idx="0">
+        <a:scrgbClr r="0" g="0" b="0"/>
+      </a:effectRef>
+      <a:fontRef idx="minor">
+        <a:schemeClr val="lt1"/>
+      </a:fontRef>
+    </dgm:style>
+  </dgm:styleLbl>
+  <dgm:styleLbl name="vennNode1">
+    <dgm:scene3d>
+      <a:camera prst="orthographicFront"/>
+      <a:lightRig rig="threePt" dir="t"/>
+    </dgm:scene3d>
+    <dgm:sp3d/>
+    <dgm:txPr/>
+    <dgm:style>
+      <a:lnRef idx="2">
+        <a:scrgbClr r="0" g="0" b="0"/>
+      </a:lnRef>
+      <a:fillRef idx="1">
+        <a:scrgbClr r="0" g="0" b="0"/>
+      </a:fillRef>
+      <a:effectRef idx="0">
+        <a:scrgbClr r="0" g="0" b="0"/>
+      </a:effectRef>
+      <a:fontRef idx="minor">
+        <a:schemeClr val="tx1"/>
+      </a:fontRef>
+    </dgm:style>
+  </dgm:styleLbl>
+  <dgm:styleLbl name="alignNode1">
+    <dgm:scene3d>
+      <a:camera prst="orthographicFront"/>
+      <a:lightRig rig="threePt" dir="t"/>
+    </dgm:scene3d>
+    <dgm:sp3d/>
+    <dgm:txPr/>
+    <dgm:style>
+      <a:lnRef idx="2">
+        <a:scrgbClr r="0" g="0" b="0"/>
+      </a:lnRef>
+      <a:fillRef idx="1">
+        <a:scrgbClr r="0" g="0" b="0"/>
+      </a:fillRef>
+      <a:effectRef idx="0">
+        <a:scrgbClr r="0" g="0" b="0"/>
+      </a:effectRef>
+      <a:fontRef idx="minor">
+        <a:schemeClr val="lt1"/>
+      </a:fontRef>
+    </dgm:style>
+  </dgm:styleLbl>
+  <dgm:styleLbl name="node1">
+    <dgm:scene3d>
+      <a:camera prst="orthographicFront"/>
+      <a:lightRig rig="threePt" dir="t"/>
+    </dgm:scene3d>
+    <dgm:sp3d/>
+    <dgm:txPr/>
+    <dgm:style>
+      <a:lnRef idx="2">
+        <a:scrgbClr r="0" g="0" b="0"/>
+      </a:lnRef>
+      <a:fillRef idx="1">
+        <a:scrgbClr r="0" g="0" b="0"/>
+      </a:fillRef>
+      <a:effectRef idx="0">
+        <a:scrgbClr r="0" g="0" b="0"/>
+      </a:effectRef>
+      <a:fontRef idx="minor">
+        <a:schemeClr val="lt1"/>
+      </a:fontRef>
+    </dgm:style>
+  </dgm:styleLbl>
+  <dgm:styleLbl name="node2">
+    <dgm:scene3d>
+      <a:camera prst="orthographicFront"/>
+      <a:lightRig rig="threePt" dir="t"/>
+    </dgm:scene3d>
+    <dgm:sp3d/>
+    <dgm:txPr/>
+    <dgm:style>
+      <a:lnRef idx="2">
+        <a:scrgbClr r="0" g="0" b="0"/>
+      </a:lnRef>
+      <a:fillRef idx="1">
+        <a:scrgbClr r="0" g="0" b="0"/>
+      </a:fillRef>
+      <a:effectRef idx="0">
+        <a:scrgbClr r="0" g="0" b="0"/>
+      </a:effectRef>
+      <a:fontRef idx="minor">
+        <a:schemeClr val="lt1"/>
+      </a:fontRef>
+    </dgm:style>
+  </dgm:styleLbl>
+  <dgm:styleLbl name="node3">
+    <dgm:scene3d>
+      <a:camera prst="orthographicFront"/>
+      <a:lightRig rig="threePt" dir="t"/>
+    </dgm:scene3d>
+    <dgm:sp3d/>
+    <dgm:txPr/>
+    <dgm:style>
+      <a:lnRef idx="2">
+        <a:scrgbClr r="0" g="0" b="0"/>
+      </a:lnRef>
+      <a:fillRef idx="1">
+        <a:scrgbClr r="0" g="0" b="0"/>
+      </a:fillRef>
+      <a:effectRef idx="0">
+        <a:scrgbClr r="0" g="0" b="0"/>
+      </a:effectRef>
+      <a:fontRef idx="minor">
+        <a:schemeClr val="lt1"/>
+      </a:fontRef>
+    </dgm:style>
+  </dgm:styleLbl>
+  <dgm:styleLbl name="node4">
+    <dgm:scene3d>
+      <a:camera prst="orthographicFront"/>
+      <a:lightRig rig="threePt" dir="t"/>
+    </dgm:scene3d>
+    <dgm:sp3d/>
+    <dgm:txPr/>
+    <dgm:style>
+      <a:lnRef idx="2">
+        <a:scrgbClr r="0" g="0" b="0"/>
+      </a:lnRef>
+      <a:fillRef idx="1">
+        <a:scrgbClr r="0" g="0" b="0"/>
+      </a:fillRef>
+      <a:effectRef idx="0">
+        <a:scrgbClr r="0" g="0" b="0"/>
+      </a:effectRef>
+      <a:fontRef idx="minor">
+        <a:schemeClr val="lt1"/>
+      </a:fontRef>
+    </dgm:style>
+  </dgm:styleLbl>
+  <dgm:styleLbl name="fgImgPlace1">
+    <dgm:scene3d>
+      <a:camera prst="orthographicFront"/>
+      <a:lightRig rig="threePt" dir="t"/>
+    </dgm:scene3d>
+    <dgm:sp3d/>
+    <dgm:txPr/>
+    <dgm:style>
+      <a:lnRef idx="2">
+        <a:scrgbClr r="0" g="0" b="0"/>
+      </a:lnRef>
+      <a:fillRef idx="1">
+        <a:scrgbClr r="0" g="0" b="0"/>
+      </a:fillRef>
+      <a:effectRef idx="0">
+        <a:scrgbClr r="0" g="0" b="0"/>
+      </a:effectRef>
+      <a:fontRef idx="minor"/>
+    </dgm:style>
+  </dgm:styleLbl>
+  <dgm:styleLbl name="alignImgPlace1">
+    <dgm:scene3d>
+      <a:camera prst="orthographicFront"/>
+      <a:lightRig rig="threePt" dir="t"/>
+    </dgm:scene3d>
+    <dgm:sp3d/>
+    <dgm:txPr/>
+    <dgm:style>
+      <a:lnRef idx="2">
+        <a:scrgbClr r="0" g="0" b="0"/>
+      </a:lnRef>
+      <a:fillRef idx="1">
+        <a:scrgbClr r="0" g="0" b="0"/>
+      </a:fillRef>
+      <a:effectRef idx="0">
+        <a:scrgbClr r="0" g="0" b="0"/>
+      </a:effectRef>
+      <a:fontRef idx="minor"/>
+    </dgm:style>
+  </dgm:styleLbl>
+  <dgm:styleLbl name="bgImgPlace1">
+    <dgm:scene3d>
+      <a:camera prst="orthographicFront"/>
+      <a:lightRig rig="threePt" dir="t"/>
+    </dgm:scene3d>
+    <dgm:sp3d/>
+    <dgm:txPr/>
+    <dgm:style>
+      <a:lnRef idx="2">
+        <a:scrgbClr r="0" g="0" b="0"/>
+      </a:lnRef>
+      <a:fillRef idx="1">
+        <a:scrgbClr r="0" g="0" b="0"/>
+      </a:fillRef>
+      <a:effectRef idx="0">
+        <a:scrgbClr r="0" g="0" b="0"/>
+      </a:effectRef>
+      <a:fontRef idx="minor"/>
+    </dgm:style>
+  </dgm:styleLbl>
+  <dgm:styleLbl name="sibTrans2D1">
+    <dgm:scene3d>
+      <a:camera prst="orthographicFront"/>
+      <a:lightRig rig="threePt" dir="t"/>
+    </dgm:scene3d>
+    <dgm:sp3d/>
+    <dgm:txPr/>
+    <dgm:style>
+      <a:lnRef idx="0">
+        <a:scrgbClr r="0" g="0" b="0"/>
+      </a:lnRef>
+      <a:fillRef idx="1">
+        <a:scrgbClr r="0" g="0" b="0"/>
+      </a:fillRef>
+      <a:effectRef idx="0">
+        <a:scrgbClr r="0" g="0" b="0"/>
+      </a:effectRef>
+      <a:fontRef idx="minor">
+        <a:schemeClr val="lt1"/>
+      </a:fontRef>
+    </dgm:style>
+  </dgm:styleLbl>
+  <dgm:styleLbl name="fgSibTrans2D1">
+    <dgm:scene3d>
+      <a:camera prst="orthographicFront"/>
+      <a:lightRig rig="threePt" dir="t"/>
+    </dgm:scene3d>
+    <dgm:sp3d/>
+    <dgm:txPr/>
+    <dgm:style>
+      <a:lnRef idx="0">
+        <a:scrgbClr r="0" g="0" b="0"/>
+      </a:lnRef>
+      <a:fillRef idx="1">
+        <a:scrgbClr r="0" g="0" b="0"/>
+      </a:fillRef>
+      <a:effectRef idx="0">
+        <a:scrgbClr r="0" g="0" b="0"/>
+      </a:effectRef>
+      <a:fontRef idx="minor">
+        <a:schemeClr val="lt1"/>
+      </a:fontRef>
+    </dgm:style>
+  </dgm:styleLbl>
+  <dgm:styleLbl name="bgSibTrans2D1">
+    <dgm:scene3d>
+      <a:camera prst="orthographicFront"/>
+      <a:lightRig rig="threePt" dir="t"/>
+    </dgm:scene3d>
+    <dgm:sp3d/>
+    <dgm:txPr/>
+    <dgm:style>
+      <a:lnRef idx="0">
+        <a:scrgbClr r="0" g="0" b="0"/>
+      </a:lnRef>
+      <a:fillRef idx="1">
+        <a:scrgbClr r="0" g="0" b="0"/>
+      </a:fillRef>
+      <a:effectRef idx="0">
+        <a:scrgbClr r="0" g="0" b="0"/>
+      </a:effectRef>
+      <a:fontRef idx="minor">
+        <a:schemeClr val="lt1"/>
+      </a:fontRef>
+    </dgm:style>
+  </dgm:styleLbl>
+  <dgm:styleLbl name="sibTrans1D1">
+    <dgm:scene3d>
+      <a:camera prst="orthographicFront"/>
+      <a:lightRig rig="threePt" dir="t"/>
+    </dgm:scene3d>
+    <dgm:sp3d/>
+    <dgm:txPr/>
+    <dgm:style>
+      <a:lnRef idx="1">
+        <a:scrgbClr r="0" g="0" b="0"/>
+      </a:lnRef>
+      <a:fillRef idx="0">
+        <a:scrgbClr r="0" g="0" b="0"/>
+      </a:fillRef>
+      <a:effectRef idx="0">
+        <a:scrgbClr r="0" g="0" b="0"/>
+      </a:effectRef>
+      <a:fontRef idx="minor"/>
+    </dgm:style>
+  </dgm:styleLbl>
+  <dgm:styleLbl name="callout">
+    <dgm:scene3d>
+      <a:camera prst="orthographicFront"/>
+      <a:lightRig rig="threePt" dir="t"/>
+    </dgm:scene3d>
+    <dgm:sp3d/>
+    <dgm:txPr/>
+    <dgm:style>
+      <a:lnRef idx="2">
+        <a:scrgbClr r="0" g="0" b="0"/>
+      </a:lnRef>
+      <a:fillRef idx="1">
+        <a:scrgbClr r="0" g="0" b="0"/>
+      </a:fillRef>
+      <a:effectRef idx="0">
+        <a:scrgbClr r="0" g="0" b="0"/>
+      </a:effectRef>
+      <a:fontRef idx="minor"/>
+    </dgm:style>
+  </dgm:styleLbl>
+  <dgm:styleLbl name="asst0">
+    <dgm:scene3d>
+      <a:camera prst="orthographicFront"/>
+      <a:lightRig rig="threePt" dir="t"/>
+    </dgm:scene3d>
+    <dgm:sp3d/>
+    <dgm:txPr/>
+    <dgm:style>
+      <a:lnRef idx="2">
+        <a:scrgbClr r="0" g="0" b="0"/>
+      </a:lnRef>
+      <a:fillRef idx="1">
+        <a:scrgbClr r="0" g="0" b="0"/>
+      </a:fillRef>
+      <a:effectRef idx="0">
+        <a:scrgbClr r="0" g="0" b="0"/>
+      </a:effectRef>
+      <a:fontRef idx="minor">
+        <a:schemeClr val="lt1"/>
+      </a:fontRef>
+    </dgm:style>
+  </dgm:styleLbl>
+  <dgm:styleLbl name="asst1">
+    <dgm:scene3d>
+      <a:camera prst="orthographicFront"/>
+      <a:lightRig rig="threePt" dir="t"/>
+    </dgm:scene3d>
+    <dgm:sp3d/>
+    <dgm:txPr/>
+    <dgm:style>
+      <a:lnRef idx="2">
+        <a:scrgbClr r="0" g="0" b="0"/>
+      </a:lnRef>
+      <a:fillRef idx="1">
+        <a:scrgbClr r="0" g="0" b="0"/>
+      </a:fillRef>
+      <a:effectRef idx="0">
+        <a:scrgbClr r="0" g="0" b="0"/>
+      </a:effectRef>
+      <a:fontRef idx="minor">
+        <a:schemeClr val="lt1"/>
+      </a:fontRef>
+    </dgm:style>
+  </dgm:styleLbl>
+  <dgm:styleLbl name="asst2">
+    <dgm:scene3d>
+      <a:camera prst="orthographicFront"/>
+      <a:lightRig rig="threePt" dir="t"/>
+    </dgm:scene3d>
+    <dgm:sp3d/>
+    <dgm:txPr/>
+    <dgm:style>
+      <a:lnRef idx="2">
+        <a:scrgbClr r="0" g="0" b="0"/>
+      </a:lnRef>
+      <a:fillRef idx="1">
+        <a:scrgbClr r="0" g="0" b="0"/>
+      </a:fillRef>
+      <a:effectRef idx="0">
+        <a:scrgbClr r="0" g="0" b="0"/>
+      </a:effectRef>
+      <a:fontRef idx="minor">
+        <a:schemeClr val="lt1"/>
+      </a:fontRef>
+    </dgm:style>
+  </dgm:styleLbl>
+  <dgm:styleLbl name="asst3">
+    <dgm:scene3d>
+      <a:camera prst="orthographicFront"/>
+      <a:lightRig rig="threePt" dir="t"/>
+    </dgm:scene3d>
+    <dgm:sp3d/>
+    <dgm:txPr/>
+    <dgm:style>
+      <a:lnRef idx="2">
+        <a:scrgbClr r="0" g="0" b="0"/>
+      </a:lnRef>
+      <a:fillRef idx="1">
+        <a:scrgbClr r="0" g="0" b="0"/>
+      </a:fillRef>
+      <a:effectRef idx="0">
+        <a:scrgbClr r="0" g="0" b="0"/>
+      </a:effectRef>
+      <a:fontRef idx="minor">
+        <a:schemeClr val="lt1"/>
+      </a:fontRef>
+    </dgm:style>
+  </dgm:styleLbl>
+  <dgm:styleLbl name="asst4">
+    <dgm:scene3d>
+      <a:camera prst="orthographicFront"/>
+      <a:lightRig rig="threePt" dir="t"/>
+    </dgm:scene3d>
+    <dgm:sp3d/>
+    <dgm:txPr/>
+    <dgm:style>
+      <a:lnRef idx="2">
+        <a:scrgbClr r="0" g="0" b="0"/>
+      </a:lnRef>
+      <a:fillRef idx="1">
+        <a:scrgbClr r="0" g="0" b="0"/>
+      </a:fillRef>
+      <a:effectRef idx="0">
+        <a:scrgbClr r="0" g="0" b="0"/>
+      </a:effectRef>
+      <a:fontRef idx="minor">
+        <a:schemeClr val="lt1"/>
+      </a:fontRef>
+    </dgm:style>
+  </dgm:styleLbl>
+  <dgm:styleLbl name="parChTrans2D1">
+    <dgm:scene3d>
+      <a:camera prst="orthographicFront"/>
+      <a:lightRig rig="threePt" dir="t"/>
+    </dgm:scene3d>
+    <dgm:sp3d/>
+    <dgm:txPr/>
+    <dgm:style>
+      <a:lnRef idx="2">
+        <a:scrgbClr r="0" g="0" b="0"/>
+      </a:lnRef>
+      <a:fillRef idx="1">
+        <a:scrgbClr r="0" g="0" b="0"/>
+      </a:fillRef>
+      <a:effectRef idx="0">
+        <a:scrgbClr r="0" g="0" b="0"/>
+      </a:effectRef>
+      <a:fontRef idx="minor">
+        <a:schemeClr val="lt1"/>
+      </a:fontRef>
+    </dgm:style>
+  </dgm:styleLbl>
+  <dgm:styleLbl name="parChTrans2D2">
+    <dgm:scene3d>
+      <a:camera prst="orthographicFront"/>
+      <a:lightRig rig="threePt" dir="t"/>
+    </dgm:scene3d>
+    <dgm:sp3d/>
+    <dgm:txPr/>
+    <dgm:style>
+      <a:lnRef idx="2">
+        <a:scrgbClr r="0" g="0" b="0"/>
+      </a:lnRef>
+      <a:fillRef idx="1">
+        <a:scrgbClr r="0" g="0" b="0"/>
+      </a:fillRef>
+      <a:effectRef idx="0">
+        <a:scrgbClr r="0" g="0" b="0"/>
+      </a:effectRef>
+      <a:fontRef idx="minor">
+        <a:schemeClr val="lt1"/>
+      </a:fontRef>
+    </dgm:style>
+  </dgm:styleLbl>
+  <dgm:styleLbl name="parChTrans2D3">
+    <dgm:scene3d>
+      <a:camera prst="orthographicFront"/>
+      <a:lightRig rig="threePt" dir="t"/>
+    </dgm:scene3d>
+    <dgm:sp3d/>
+    <dgm:txPr/>
+    <dgm:style>
+      <a:lnRef idx="2">
+        <a:scrgbClr r="0" g="0" b="0"/>
+      </a:lnRef>
+      <a:fillRef idx="1">
+        <a:scrgbClr r="0" g="0" b="0"/>
+      </a:fillRef>
+      <a:effectRef idx="0">
+        <a:scrgbClr r="0" g="0" b="0"/>
+      </a:effectRef>
+      <a:fontRef idx="minor">
+        <a:schemeClr val="lt1"/>
+      </a:fontRef>
+    </dgm:style>
+  </dgm:styleLbl>
+  <dgm:styleLbl name="parChTrans2D4">
+    <dgm:scene3d>
+      <a:camera prst="orthographicFront"/>
+      <a:lightRig rig="threePt" dir="t"/>
+    </dgm:scene3d>
+    <dgm:sp3d/>
+    <dgm:txPr/>
+    <dgm:style>
+      <a:lnRef idx="2">
+        <a:scrgbClr r="0" g="0" b="0"/>
+      </a:lnRef>
+      <a:fillRef idx="1">
+        <a:scrgbClr r="0" g="0" b="0"/>
+      </a:fillRef>
+      <a:effectRef idx="0">
+        <a:scrgbClr r="0" g="0" b="0"/>
+      </a:effectRef>
+      <a:fontRef idx="minor">
+        <a:schemeClr val="lt1"/>
+      </a:fontRef>
+    </dgm:style>
+  </dgm:styleLbl>
+  <dgm:styleLbl name="parChTrans1D1">
+    <dgm:scene3d>
+      <a:camera prst="orthographicFront"/>
+      <a:lightRig rig="threePt" dir="t"/>
+    </dgm:scene3d>
+    <dgm:sp3d/>
+    <dgm:txPr/>
+    <dgm:style>
+      <a:lnRef idx="2">
+        <a:scrgbClr r="0" g="0" b="0"/>
+      </a:lnRef>
+      <a:fillRef idx="0">
+        <a:scrgbClr r="0" g="0" b="0"/>
+      </a:fillRef>
+      <a:effectRef idx="0">
+        <a:scrgbClr r="0" g="0" b="0"/>
+      </a:effectRef>
+      <a:fontRef idx="minor"/>
+    </dgm:style>
+  </dgm:styleLbl>
+  <dgm:styleLbl name="parChTrans1D2">
+    <dgm:scene3d>
+      <a:camera prst="orthographicFront"/>
+      <a:lightRig rig="threePt" dir="t"/>
+    </dgm:scene3d>
+    <dgm:sp3d/>
+    <dgm:txPr/>
+    <dgm:style>
+      <a:lnRef idx="2">
+        <a:scrgbClr r="0" g="0" b="0"/>
+      </a:lnRef>
+      <a:fillRef idx="0">
+        <a:scrgbClr r="0" g="0" b="0"/>
+      </a:fillRef>
+      <a:effectRef idx="0">
+        <a:scrgbClr r="0" g="0" b="0"/>
+      </a:effectRef>
+      <a:fontRef idx="minor"/>
+    </dgm:style>
+  </dgm:styleLbl>
+  <dgm:styleLbl name="parChTrans1D3">
+    <dgm:scene3d>
+      <a:camera prst="orthographicFront"/>
+      <a:lightRig rig="threePt" dir="t"/>
+    </dgm:scene3d>
+    <dgm:sp3d/>
+    <dgm:txPr/>
+    <dgm:style>
+      <a:lnRef idx="2">
+        <a:scrgbClr r="0" g="0" b="0"/>
+      </a:lnRef>
+      <a:fillRef idx="0">
+        <a:scrgbClr r="0" g="0" b="0"/>
+      </a:fillRef>
+      <a:effectRef idx="0">
+        <a:scrgbClr r="0" g="0" b="0"/>
+      </a:effectRef>
+      <a:fontRef idx="minor"/>
+    </dgm:style>
+  </dgm:styleLbl>
+  <dgm:styleLbl name="parChTrans1D4">
+    <dgm:scene3d>
+      <a:camera prst="orthographicFront"/>
+      <a:lightRig rig="threePt" dir="t"/>
+    </dgm:scene3d>
+    <dgm:sp3d/>
+    <dgm:txPr/>
+    <dgm:style>
+      <a:lnRef idx="2">
+        <a:scrgbClr r="0" g="0" b="0"/>
+      </a:lnRef>
+      <a:fillRef idx="0">
+        <a:scrgbClr r="0" g="0" b="0"/>
+      </a:fillRef>
+      <a:effectRef idx="0">
+        <a:scrgbClr r="0" g="0" b="0"/>
+      </a:effectRef>
+      <a:fontRef idx="minor"/>
+    </dgm:style>
+  </dgm:styleLbl>
+  <dgm:styleLbl name="fgAcc1">
+    <dgm:scene3d>
+      <a:camera prst="orthographicFront"/>
+      <a:lightRig rig="threePt" dir="t"/>
+    </dgm:scene3d>
+    <dgm:sp3d/>
+    <dgm:txPr/>
+    <dgm:style>
+      <a:lnRef idx="2">
+        <a:scrgbClr r="0" g="0" b="0"/>
+      </a:lnRef>
+      <a:fillRef idx="1">
+        <a:scrgbClr r="0" g="0" b="0"/>
+      </a:fillRef>
+      <a:effectRef idx="0">
+        <a:scrgbClr r="0" g="0" b="0"/>
+      </a:effectRef>
+      <a:fontRef idx="minor"/>
+    </dgm:style>
+  </dgm:styleLbl>
+  <dgm:styleLbl name="conFgAcc1">
+    <dgm:scene3d>
+      <a:camera prst="orthographicFront"/>
+      <a:lightRig rig="threePt" dir="t"/>
+    </dgm:scene3d>
+    <dgm:sp3d/>
+    <dgm:txPr/>
+    <dgm:style>
+      <a:lnRef idx="2">
+        <a:scrgbClr r="0" g="0" b="0"/>
+      </a:lnRef>
+      <a:fillRef idx="1">
+        <a:scrgbClr r="0" g="0" b="0"/>
+      </a:fillRef>
+      <a:effectRef idx="0">
+        <a:scrgbClr r="0" g="0" b="0"/>
+      </a:effectRef>
+      <a:fontRef idx="minor"/>
+    </dgm:style>
+  </dgm:styleLbl>
+  <dgm:styleLbl name="alignAcc1">
+    <dgm:scene3d>
+      <a:camera prst="orthographicFront"/>
+      <a:lightRig rig="threePt" dir="t"/>
+    </dgm:scene3d>
+    <dgm:sp3d/>
+    <dgm:txPr/>
+    <dgm:style>
+      <a:lnRef idx="2">
+        <a:scrgbClr r="0" g="0" b="0"/>
+      </a:lnRef>
+      <a:fillRef idx="1">
+        <a:scrgbClr r="0" g="0" b="0"/>
+      </a:fillRef>
+      <a:effectRef idx="0">
+        <a:scrgbClr r="0" g="0" b="0"/>
+      </a:effectRef>
+      <a:fontRef idx="minor"/>
+    </dgm:style>
+  </dgm:styleLbl>
+  <dgm:styleLbl name="trAlignAcc1">
+    <dgm:scene3d>
+      <a:camera prst="orthographicFront"/>
+      <a:lightRig rig="threePt" dir="t"/>
+    </dgm:scene3d>
+    <dgm:sp3d/>
+    <dgm:txPr/>
+    <dgm:style>
+      <a:lnRef idx="1">
+        <a:scrgbClr r="0" g="0" b="0"/>
+      </a:lnRef>
+      <a:fillRef idx="1">
+        <a:scrgbClr r="0" g="0" b="0"/>
+      </a:fillRef>
+      <a:effectRef idx="0">
+        <a:scrgbClr r="0" g="0" b="0"/>
+      </a:effectRef>
+      <a:fontRef idx="minor"/>
+    </dgm:style>
+  </dgm:styleLbl>
+  <dgm:styleLbl name="bgAcc1">
+    <dgm:scene3d>
+      <a:camera prst="orthographicFront"/>
+      <a:lightRig rig="threePt" dir="t"/>
+    </dgm:scene3d>
+    <dgm:sp3d/>
+    <dgm:txPr/>
+    <dgm:style>
+      <a:lnRef idx="2">
+        <a:scrgbClr r="0" g="0" b="0"/>
+      </a:lnRef>
+      <a:fillRef idx="1">
+        <a:scrgbClr r="0" g="0" b="0"/>
+      </a:fillRef>
+      <a:effectRef idx="0">
+        <a:scrgbClr r="0" g="0" b="0"/>
+      </a:effectRef>
+      <a:fontRef idx="minor"/>
+    </dgm:style>
+  </dgm:styleLbl>
+  <dgm:styleLbl name="solidFgAcc1">
+    <dgm:scene3d>
+      <a:camera prst="orthographicFront"/>
+      <a:lightRig rig="threePt" dir="t"/>
+    </dgm:scene3d>
+    <dgm:sp3d/>
+    <dgm:txPr/>
+    <dgm:style>
+      <a:lnRef idx="2">
+        <a:scrgbClr r="0" g="0" b="0"/>
+      </a:lnRef>
+      <a:fillRef idx="1">
+        <a:scrgbClr r="0" g="0" b="0"/>
+      </a:fillRef>
+      <a:effectRef idx="0">
+        <a:scrgbClr r="0" g="0" b="0"/>
+      </a:effectRef>
+      <a:fontRef idx="minor"/>
+    </dgm:style>
+  </dgm:styleLbl>
+  <dgm:styleLbl name="solidAlignAcc1">
+    <dgm:scene3d>
+      <a:camera prst="orthographicFront"/>
+      <a:lightRig rig="threePt" dir="t"/>
+    </dgm:scene3d>
+    <dgm:sp3d/>
+    <dgm:txPr/>
+    <dgm:style>
+      <a:lnRef idx="2">
+        <a:scrgbClr r="0" g="0" b="0"/>
+      </a:lnRef>
+      <a:fillRef idx="1">
+        <a:scrgbClr r="0" g="0" b="0"/>
+      </a:fillRef>
+      <a:effectRef idx="0">
+        <a:scrgbClr r="0" g="0" b="0"/>
+      </a:effectRef>
+      <a:fontRef idx="minor"/>
+    </dgm:style>
+  </dgm:styleLbl>
+  <dgm:styleLbl name="solidBgAcc1">
+    <dgm:scene3d>
+      <a:camera prst="orthographicFront"/>
+      <a:lightRig rig="threePt" dir="t"/>
+    </dgm:scene3d>
+    <dgm:sp3d/>
+    <dgm:txPr/>
+    <dgm:style>
+      <a:lnRef idx="2">
+        <a:scrgbClr r="0" g="0" b="0"/>
+      </a:lnRef>
+      <a:fillRef idx="1">
+        <a:scrgbClr r="0" g="0" b="0"/>
+      </a:fillRef>
+      <a:effectRef idx="0">
+        <a:scrgbClr r="0" g="0" b="0"/>
+      </a:effectRef>
+      <a:fontRef idx="minor"/>
+    </dgm:style>
+  </dgm:styleLbl>
+  <dgm:styleLbl name="fgAccFollowNode1">
+    <dgm:scene3d>
+      <a:camera prst="orthographicFront"/>
+      <a:lightRig rig="threePt" dir="t"/>
+    </dgm:scene3d>
+    <dgm:sp3d/>
+    <dgm:txPr/>
+    <dgm:style>
+      <a:lnRef idx="2">
+        <a:scrgbClr r="0" g="0" b="0"/>
+      </a:lnRef>
+      <a:fillRef idx="1">
+        <a:scrgbClr r="0" g="0" b="0"/>
+      </a:fillRef>
+      <a:effectRef idx="0">
+        <a:scrgbClr r="0" g="0" b="0"/>
+      </a:effectRef>
+      <a:fontRef idx="minor"/>
+    </dgm:style>
+  </dgm:styleLbl>
+  <dgm:styleLbl name="alignAccFollowNode1">
+    <dgm:scene3d>
+      <a:camera prst="orthographicFront"/>
+      <a:lightRig rig="threePt" dir="t"/>
+    </dgm:scene3d>
+    <dgm:sp3d/>
+    <dgm:txPr/>
+    <dgm:style>
+      <a:lnRef idx="2">
+        <a:scrgbClr r="0" g="0" b="0"/>
+      </a:lnRef>
+      <a:fillRef idx="1">
+        <a:scrgbClr r="0" g="0" b="0"/>
+      </a:fillRef>
+      <a:effectRef idx="0">
+        <a:scrgbClr r="0" g="0" b="0"/>
+      </a:effectRef>
+      <a:fontRef idx="minor"/>
+    </dgm:style>
+  </dgm:styleLbl>
+  <dgm:styleLbl name="bgAccFollowNode1">
+    <dgm:scene3d>
+      <a:camera prst="orthographicFront"/>
+      <a:lightRig rig="threePt" dir="t"/>
+    </dgm:scene3d>
+    <dgm:sp3d/>
+    <dgm:txPr/>
+    <dgm:style>
+      <a:lnRef idx="2">
+        <a:scrgbClr r="0" g="0" b="0"/>
+      </a:lnRef>
+      <a:fillRef idx="1">
+        <a:scrgbClr r="0" g="0" b="0"/>
+      </a:fillRef>
+      <a:effectRef idx="0">
+        <a:scrgbClr r="0" g="0" b="0"/>
+      </a:effectRef>
+      <a:fontRef idx="minor"/>
+    </dgm:style>
+  </dgm:styleLbl>
+  <dgm:styleLbl name="fgAcc0">
+    <dgm:scene3d>
+      <a:camera prst="orthographicFront"/>
+      <a:lightRig rig="threePt" dir="t"/>
+    </dgm:scene3d>
+    <dgm:sp3d/>
+    <dgm:txPr/>
+    <dgm:style>
+      <a:lnRef idx="2">
+        <a:scrgbClr r="0" g="0" b="0"/>
+      </a:lnRef>
+      <a:fillRef idx="1">
+        <a:scrgbClr r="0" g="0" b="0"/>
+      </a:fillRef>
+      <a:effectRef idx="0">
+        <a:scrgbClr r="0" g="0" b="0"/>
+      </a:effectRef>
+      <a:fontRef idx="minor"/>
+    </dgm:style>
+  </dgm:styleLbl>
+  <dgm:styleLbl name="fgAcc2">
+    <dgm:scene3d>
+      <a:camera prst="orthographicFront"/>
+      <a:lightRig rig="threePt" dir="t"/>
+    </dgm:scene3d>
+    <dgm:sp3d/>
+    <dgm:txPr/>
+    <dgm:style>
+      <a:lnRef idx="2">
+        <a:scrgbClr r="0" g="0" b="0"/>
+      </a:lnRef>
+      <a:fillRef idx="1">
+        <a:scrgbClr r="0" g="0" b="0"/>
+      </a:fillRef>
+      <a:effectRef idx="0">
+        <a:scrgbClr r="0" g="0" b="0"/>
+      </a:effectRef>
+      <a:fontRef idx="minor"/>
+    </dgm:style>
+  </dgm:styleLbl>
+  <dgm:styleLbl name="fgAcc3">
+    <dgm:scene3d>
+      <a:camera prst="orthographicFront"/>
+      <a:lightRig rig="threePt" dir="t"/>
+    </dgm:scene3d>
+    <dgm:sp3d/>
+    <dgm:txPr/>
+    <dgm:style>
+      <a:lnRef idx="2">
+        <a:scrgbClr r="0" g="0" b="0"/>
+      </a:lnRef>
+      <a:fillRef idx="1">
+        <a:scrgbClr r="0" g="0" b="0"/>
+      </a:fillRef>
+      <a:effectRef idx="0">
+        <a:scrgbClr r="0" g="0" b="0"/>
+      </a:effectRef>
+      <a:fontRef idx="minor"/>
+    </dgm:style>
+  </dgm:styleLbl>
+  <dgm:styleLbl name="fgAcc4">
+    <dgm:scene3d>
+      <a:camera prst="orthographicFront"/>
+      <a:lightRig rig="threePt" dir="t"/>
+    </dgm:scene3d>
+    <dgm:sp3d/>
+    <dgm:txPr/>
+    <dgm:style>
+      <a:lnRef idx="2">
+        <a:scrgbClr r="0" g="0" b="0"/>
+      </a:lnRef>
+      <a:fillRef idx="1">
+        <a:scrgbClr r="0" g="0" b="0"/>
+      </a:fillRef>
+      <a:effectRef idx="0">
+        <a:scrgbClr r="0" g="0" b="0"/>
+      </a:effectRef>
+      <a:fontRef idx="minor"/>
+    </dgm:style>
+  </dgm:styleLbl>
+  <dgm:styleLbl name="bgShp">
+    <dgm:scene3d>
+      <a:camera prst="orthographicFront"/>
+      <a:lightRig rig="threePt" dir="t"/>
+    </dgm:scene3d>
+    <dgm:sp3d/>
+    <dgm:txPr/>
+    <dgm:style>
+      <a:lnRef idx="0">
+        <a:scrgbClr r="0" g="0" b="0"/>
+      </a:lnRef>
+      <a:fillRef idx="1">
+        <a:scrgbClr r="0" g="0" b="0"/>
+      </a:fillRef>
+      <a:effectRef idx="0">
+        <a:scrgbClr r="0" g="0" b="0"/>
+      </a:effectRef>
+      <a:fontRef idx="minor"/>
+    </dgm:style>
+  </dgm:styleLbl>
+  <dgm:styleLbl name="dkBgShp">
+    <dgm:scene3d>
+      <a:camera prst="orthographicFront"/>
+      <a:lightRig rig="threePt" dir="t"/>
+    </dgm:scene3d>
+    <dgm:sp3d/>
+    <dgm:txPr/>
+    <dgm:style>
+      <a:lnRef idx="0">
+        <a:scrgbClr r="0" g="0" b="0"/>
+      </a:lnRef>
+      <a:fillRef idx="1">
+        <a:scrgbClr r="0" g="0" b="0"/>
+      </a:fillRef>
+      <a:effectRef idx="0">
+        <a:scrgbClr r="0" g="0" b="0"/>
+      </a:effectRef>
+      <a:fontRef idx="minor"/>
+    </dgm:style>
+  </dgm:styleLbl>
+  <dgm:styleLbl name="trBgShp">
+    <dgm:scene3d>
+      <a:camera prst="orthographicFront"/>
+      <a:lightRig rig="threePt" dir="t"/>
+    </dgm:scene3d>
+    <dgm:sp3d/>
+    <dgm:txPr/>
+    <dgm:style>
+      <a:lnRef idx="0">
+        <a:scrgbClr r="0" g="0" b="0"/>
+      </a:lnRef>
+      <a:fillRef idx="1">
+        <a:scrgbClr r="0" g="0" b="0"/>
+      </a:fillRef>
+      <a:effectRef idx="0">
+        <a:scrgbClr r="0" g="0" b="0"/>
+      </a:effectRef>
+      <a:fontRef idx="minor"/>
+    </dgm:style>
+  </dgm:styleLbl>
+  <dgm:styleLbl name="fgShp">
+    <dgm:scene3d>
+      <a:camera prst="orthographicFront"/>
+      <a:lightRig rig="threePt" dir="t"/>
+    </dgm:scene3d>
+    <dgm:sp3d/>
+    <dgm:txPr/>
+    <dgm:style>
+      <a:lnRef idx="2">
+        <a:scrgbClr r="0" g="0" b="0"/>
+      </a:lnRef>
+      <a:fillRef idx="1">
+        <a:scrgbClr r="0" g="0" b="0"/>
+      </a:fillRef>
+      <a:effectRef idx="0">
+        <a:scrgbClr r="0" g="0" b="0"/>
+      </a:effectRef>
+      <a:fontRef idx="minor"/>
+    </dgm:style>
+  </dgm:styleLbl>
+  <dgm:styleLbl name="revTx">
+    <dgm:scene3d>
+      <a:camera prst="orthographicFront"/>
+      <a:lightRig rig="threePt" dir="t"/>
+    </dgm:scene3d>
+    <dgm:sp3d/>
+    <dgm:txPr/>
+    <dgm:style>
+      <a:lnRef idx="0">
+        <a:scrgbClr r="0" g="0" b="0"/>
+      </a:lnRef>
+      <a:fillRef idx="0">
+        <a:scrgbClr r="0" g="0" b="0"/>
+      </a:fillRef>
+      <a:effectRef idx="0">
+        <a:scrgbClr r="0" g="0" b="0"/>
+      </a:effectRef>
+      <a:fontRef idx="minor"/>
+    </dgm:style>
+  </dgm:styleLbl>
+</dgm:styleDef>
 </file>
 
 <file path=ppt/notesMasters/notesMaster1.xml><?xml version="1.0" encoding="utf-8"?>
@@ -1068,7 +7340,7 @@
     </p:spTree>
     <p:extLst>
       <p:ext uri="{BB962C8B-B14F-4D97-AF65-F5344CB8AC3E}">
-        <p14:creationId xmlns:p14="http://schemas.microsoft.com/office/powerpoint/2010/main" val="1379244047"/>
+        <p14:creationId xmlns:p14="http://schemas.microsoft.com/office/powerpoint/2010/main" val="1871089189"/>
       </p:ext>
     </p:extLst>
   </p:cSld>
@@ -1152,7 +7424,7 @@
     </p:spTree>
     <p:extLst>
       <p:ext uri="{BB962C8B-B14F-4D97-AF65-F5344CB8AC3E}">
-        <p14:creationId xmlns:p14="http://schemas.microsoft.com/office/powerpoint/2010/main" val="977111475"/>
+        <p14:creationId xmlns:p14="http://schemas.microsoft.com/office/powerpoint/2010/main" val="1379244047"/>
       </p:ext>
     </p:extLst>
   </p:cSld>
@@ -6827,6 +13099,814 @@
 <file path=ppt/slides/slide10.xml><?xml version="1.0" encoding="utf-8"?>
 <p:sld xmlns:a="http://schemas.openxmlformats.org/drawingml/2006/main" xmlns:r="http://schemas.openxmlformats.org/officeDocument/2006/relationships" xmlns:p="http://schemas.openxmlformats.org/presentationml/2006/main">
   <p:cSld>
+    <p:bg>
+      <p:bgPr>
+        <a:solidFill>
+          <a:schemeClr val="bg1"/>
+        </a:solidFill>
+        <a:effectLst/>
+      </p:bgPr>
+    </p:bg>
+    <p:spTree>
+      <p:nvGrpSpPr>
+        <p:cNvPr id="1" name=""/>
+        <p:cNvGrpSpPr/>
+        <p:nvPr/>
+      </p:nvGrpSpPr>
+      <p:grpSpPr>
+        <a:xfrm>
+          <a:off x="0" y="0"/>
+          <a:ext cx="0" cy="0"/>
+          <a:chOff x="0" y="0"/>
+          <a:chExt cx="0" cy="0"/>
+        </a:xfrm>
+      </p:grpSpPr>
+      <p:pic>
+        <p:nvPicPr>
+          <p:cNvPr id="11" name="Picture 10">
+            <a:extLst>
+              <a:ext uri="{FF2B5EF4-FFF2-40B4-BE49-F238E27FC236}">
+                <a16:creationId xmlns:a16="http://schemas.microsoft.com/office/drawing/2014/main" id="{2E39533B-7DA3-4398-A7D8-AD6F1C3E3B7D}"/>
+              </a:ext>
+              <a:ext uri="{C183D7F6-B498-43B3-948B-1728B52AA6E4}">
+                <adec:decorative xmlns:adec="http://schemas.microsoft.com/office/drawing/2017/decorative" val="1"/>
+              </a:ext>
+            </a:extLst>
+          </p:cNvPr>
+          <p:cNvPicPr>
+            <a:picLocks noGrp="1" noRot="1" noChangeAspect="1" noMove="1" noResize="1" noEditPoints="1" noAdjustHandles="1" noChangeArrowheads="1" noChangeShapeType="1" noCrop="1"/>
+          </p:cNvPicPr>
+          <p:nvPr>
+            <p:extLst>
+              <p:ext uri="{386F3935-93C4-4BCD-93E2-E3B085C9AB24}">
+                <p16:designElem xmlns:p16="http://schemas.microsoft.com/office/powerpoint/2015/main" val="1"/>
+              </p:ext>
+            </p:extLst>
+          </p:nvPr>
+        </p:nvPicPr>
+        <p:blipFill>
+          <a:blip r:embed="rId2">
+            <a:extLst>
+              <a:ext uri="{28A0092B-C50C-407E-A947-70E740481C1C}">
+                <a14:useLocalDpi xmlns:a14="http://schemas.microsoft.com/office/drawing/2010/main" val="0"/>
+              </a:ext>
+            </a:extLst>
+          </a:blip>
+          <a:stretch>
+            <a:fillRect/>
+          </a:stretch>
+        </p:blipFill>
+        <p:spPr>
+          <a:xfrm>
+            <a:off x="0" y="0"/>
+            <a:ext cx="12192000" cy="1441450"/>
+          </a:xfrm>
+          <a:prstGeom prst="rect">
+            <a:avLst/>
+          </a:prstGeom>
+        </p:spPr>
+      </p:pic>
+      <p:pic>
+        <p:nvPicPr>
+          <p:cNvPr id="13" name="Picture 12">
+            <a:extLst>
+              <a:ext uri="{FF2B5EF4-FFF2-40B4-BE49-F238E27FC236}">
+                <a16:creationId xmlns:a16="http://schemas.microsoft.com/office/drawing/2014/main" id="{4C713273-DAA9-468D-906E-773D549FE7FB}"/>
+              </a:ext>
+              <a:ext uri="{C183D7F6-B498-43B3-948B-1728B52AA6E4}">
+                <adec:decorative xmlns:adec="http://schemas.microsoft.com/office/drawing/2017/decorative" val="1"/>
+              </a:ext>
+            </a:extLst>
+          </p:cNvPr>
+          <p:cNvPicPr>
+            <a:picLocks noGrp="1" noRot="1" noChangeAspect="1" noMove="1" noResize="1" noEditPoints="1" noAdjustHandles="1" noChangeArrowheads="1" noChangeShapeType="1" noCrop="1"/>
+          </p:cNvPicPr>
+          <p:nvPr>
+            <p:extLst>
+              <p:ext uri="{386F3935-93C4-4BCD-93E2-E3B085C9AB24}">
+                <p16:designElem xmlns:p16="http://schemas.microsoft.com/office/powerpoint/2015/main" val="1"/>
+              </p:ext>
+            </p:extLst>
+          </p:nvPr>
+        </p:nvPicPr>
+        <p:blipFill>
+          <a:blip r:embed="rId3">
+            <a:extLst>
+              <a:ext uri="{28A0092B-C50C-407E-A947-70E740481C1C}">
+                <a14:useLocalDpi xmlns:a14="http://schemas.microsoft.com/office/drawing/2010/main" val="0"/>
+              </a:ext>
+            </a:extLst>
+          </a:blip>
+          <a:stretch>
+            <a:fillRect/>
+          </a:stretch>
+        </p:blipFill>
+        <p:spPr>
+          <a:xfrm>
+            <a:off x="0" y="4375150"/>
+            <a:ext cx="12192000" cy="2482850"/>
+          </a:xfrm>
+          <a:prstGeom prst="rect">
+            <a:avLst/>
+          </a:prstGeom>
+        </p:spPr>
+      </p:pic>
+      <p:sp useBgFill="1">
+        <p:nvSpPr>
+          <p:cNvPr id="15" name="Rectangle 14">
+            <a:extLst>
+              <a:ext uri="{FF2B5EF4-FFF2-40B4-BE49-F238E27FC236}">
+                <a16:creationId xmlns:a16="http://schemas.microsoft.com/office/drawing/2014/main" id="{D9D18D11-BC8C-4730-8952-3905420AEC64}"/>
+              </a:ext>
+              <a:ext uri="{C183D7F6-B498-43B3-948B-1728B52AA6E4}">
+                <adec:decorative xmlns:adec="http://schemas.microsoft.com/office/drawing/2017/decorative" val="1"/>
+              </a:ext>
+            </a:extLst>
+          </p:cNvPr>
+          <p:cNvSpPr>
+            <a:spLocks noGrp="1" noRot="1" noChangeAspect="1" noMove="1" noResize="1" noEditPoints="1" noAdjustHandles="1" noChangeArrowheads="1" noChangeShapeType="1" noTextEdit="1"/>
+          </p:cNvSpPr>
+          <p:nvPr>
+            <p:extLst>
+              <p:ext uri="{386F3935-93C4-4BCD-93E2-E3B085C9AB24}">
+                <p16:designElem xmlns:p16="http://schemas.microsoft.com/office/powerpoint/2015/main" val="1"/>
+              </p:ext>
+            </p:extLst>
+          </p:nvPr>
+        </p:nvSpPr>
+        <p:spPr>
+          <a:xfrm>
+            <a:off x="1" y="0"/>
+            <a:ext cx="12191999" cy="6858000"/>
+          </a:xfrm>
+          <a:prstGeom prst="rect">
+            <a:avLst/>
+          </a:prstGeom>
+          <a:ln>
+            <a:noFill/>
+          </a:ln>
+        </p:spPr>
+        <p:style>
+          <a:lnRef idx="2">
+            <a:schemeClr val="accent1">
+              <a:shade val="50000"/>
+            </a:schemeClr>
+          </a:lnRef>
+          <a:fillRef idx="1">
+            <a:schemeClr val="accent1"/>
+          </a:fillRef>
+          <a:effectRef idx="0">
+            <a:schemeClr val="accent1"/>
+          </a:effectRef>
+          <a:fontRef idx="minor">
+            <a:schemeClr val="lt1"/>
+          </a:fontRef>
+        </p:style>
+        <p:txBody>
+          <a:bodyPr rtlCol="0" anchor="ctr"/>
+          <a:lstStyle/>
+          <a:p>
+            <a:pPr algn="ctr"/>
+            <a:endParaRPr lang="en-US"/>
+          </a:p>
+        </p:txBody>
+      </p:sp>
+      <p:sp>
+        <p:nvSpPr>
+          <p:cNvPr id="5" name="Title 1">
+            <a:extLst>
+              <a:ext uri="{FF2B5EF4-FFF2-40B4-BE49-F238E27FC236}">
+                <a16:creationId xmlns:a16="http://schemas.microsoft.com/office/drawing/2014/main" id="{31C314B7-ECBF-CC46-A7D3-F5EE0B66B0FC}"/>
+              </a:ext>
+            </a:extLst>
+          </p:cNvPr>
+          <p:cNvSpPr txBox="1">
+            <a:spLocks/>
+          </p:cNvSpPr>
+          <p:nvPr/>
+        </p:nvSpPr>
+        <p:spPr>
+          <a:xfrm>
+            <a:off x="7639854" y="265385"/>
+            <a:ext cx="3031524" cy="1752461"/>
+          </a:xfrm>
+          <a:prstGeom prst="rect">
+            <a:avLst/>
+          </a:prstGeom>
+          <a:noFill/>
+          <a:ln w="19050">
+            <a:noFill/>
+            <a:prstDash val="dash"/>
+          </a:ln>
+        </p:spPr>
+        <p:txBody>
+          <a:bodyPr vert="horz" lIns="91440" tIns="45720" rIns="91440" bIns="45720" rtlCol="0" anchor="b">
+            <a:normAutofit/>
+          </a:bodyPr>
+          <a:lstStyle>
+            <a:lvl1pPr algn="r" defTabSz="914400" rtl="0" eaLnBrk="1" latinLnBrk="0" hangingPunct="1">
+              <a:lnSpc>
+                <a:spcPct val="90000"/>
+              </a:lnSpc>
+              <a:spcBef>
+                <a:spcPct val="0"/>
+              </a:spcBef>
+              <a:buNone/>
+              <a:defRPr sz="4000" kern="1200" cap="all" baseline="0">
+                <a:solidFill>
+                  <a:schemeClr val="tx1"/>
+                </a:solidFill>
+                <a:latin typeface="+mj-lt"/>
+                <a:ea typeface="+mj-ea"/>
+                <a:cs typeface="+mj-cs"/>
+              </a:defRPr>
+            </a:lvl1pPr>
+          </a:lstStyle>
+          <a:p>
+            <a:pPr algn="l">
+              <a:spcAft>
+                <a:spcPts val="600"/>
+              </a:spcAft>
+            </a:pPr>
+            <a:r>
+              <a:rPr lang="en-US" sz="4800" b="1" kern="1200" cap="all" baseline="0" dirty="0">
+                <a:solidFill>
+                  <a:schemeClr val="tx1"/>
+                </a:solidFill>
+                <a:latin typeface="+mj-lt"/>
+                <a:ea typeface="+mj-ea"/>
+                <a:cs typeface="+mj-cs"/>
+              </a:rPr>
+              <a:t>SHINY APP</a:t>
+            </a:r>
+          </a:p>
+        </p:txBody>
+      </p:sp>
+      <p:sp>
+        <p:nvSpPr>
+          <p:cNvPr id="6" name="Content Placeholder 12">
+            <a:extLst>
+              <a:ext uri="{FF2B5EF4-FFF2-40B4-BE49-F238E27FC236}">
+                <a16:creationId xmlns:a16="http://schemas.microsoft.com/office/drawing/2014/main" id="{A50E6EFC-5109-5345-A3CF-C9F72CD6FFE0}"/>
+              </a:ext>
+            </a:extLst>
+          </p:cNvPr>
+          <p:cNvSpPr txBox="1">
+            <a:spLocks/>
+          </p:cNvSpPr>
+          <p:nvPr/>
+        </p:nvSpPr>
+        <p:spPr>
+          <a:xfrm>
+            <a:off x="7969503" y="2032380"/>
+            <a:ext cx="3787650" cy="2058765"/>
+          </a:xfrm>
+          <a:prstGeom prst="rect">
+            <a:avLst/>
+          </a:prstGeom>
+          <a:noFill/>
+          <a:ln w="19050">
+            <a:noFill/>
+            <a:prstDash val="dash"/>
+          </a:ln>
+        </p:spPr>
+        <p:txBody>
+          <a:bodyPr vert="horz" lIns="91440" tIns="45720" rIns="91440" bIns="45720" rtlCol="0">
+            <a:normAutofit/>
+          </a:bodyPr>
+          <a:lstStyle>
+            <a:lvl1pPr marL="228600" indent="-228600" algn="l" defTabSz="914400" rtl="0" eaLnBrk="1" latinLnBrk="0" hangingPunct="1">
+              <a:lnSpc>
+                <a:spcPct val="90000"/>
+              </a:lnSpc>
+              <a:spcBef>
+                <a:spcPts val="1000"/>
+              </a:spcBef>
+              <a:buFont typeface="Arial" panose="020B0604020202020204" pitchFamily="34" charset="0"/>
+              <a:buChar char="•"/>
+              <a:defRPr sz="2200" kern="1200">
+                <a:solidFill>
+                  <a:schemeClr val="tx1"/>
+                </a:solidFill>
+                <a:latin typeface="+mn-lt"/>
+                <a:ea typeface="+mn-ea"/>
+                <a:cs typeface="+mn-cs"/>
+              </a:defRPr>
+            </a:lvl1pPr>
+            <a:lvl2pPr marL="685800" indent="-228600" algn="l" defTabSz="914400" rtl="0" eaLnBrk="1" latinLnBrk="0" hangingPunct="1">
+              <a:lnSpc>
+                <a:spcPct val="90000"/>
+              </a:lnSpc>
+              <a:spcBef>
+                <a:spcPts val="500"/>
+              </a:spcBef>
+              <a:buFont typeface="Arial" panose="020B0604020202020204" pitchFamily="34" charset="0"/>
+              <a:buChar char="•"/>
+              <a:defRPr sz="2000" kern="1200">
+                <a:solidFill>
+                  <a:schemeClr val="tx1"/>
+                </a:solidFill>
+                <a:latin typeface="+mn-lt"/>
+                <a:ea typeface="+mn-ea"/>
+                <a:cs typeface="+mn-cs"/>
+              </a:defRPr>
+            </a:lvl2pPr>
+            <a:lvl3pPr marL="1143000" indent="-228600" algn="l" defTabSz="914400" rtl="0" eaLnBrk="1" latinLnBrk="0" hangingPunct="1">
+              <a:lnSpc>
+                <a:spcPct val="90000"/>
+              </a:lnSpc>
+              <a:spcBef>
+                <a:spcPts val="500"/>
+              </a:spcBef>
+              <a:buFont typeface="Arial" panose="020B0604020202020204" pitchFamily="34" charset="0"/>
+              <a:buChar char="•"/>
+              <a:defRPr sz="1800" kern="1200">
+                <a:solidFill>
+                  <a:schemeClr val="tx1"/>
+                </a:solidFill>
+                <a:latin typeface="+mn-lt"/>
+                <a:ea typeface="+mn-ea"/>
+                <a:cs typeface="+mn-cs"/>
+              </a:defRPr>
+            </a:lvl3pPr>
+            <a:lvl4pPr marL="1600200" indent="-228600" algn="l" defTabSz="914400" rtl="0" eaLnBrk="1" latinLnBrk="0" hangingPunct="1">
+              <a:lnSpc>
+                <a:spcPct val="90000"/>
+              </a:lnSpc>
+              <a:spcBef>
+                <a:spcPts val="500"/>
+              </a:spcBef>
+              <a:buFont typeface="Arial" panose="020B0604020202020204" pitchFamily="34" charset="0"/>
+              <a:buChar char="•"/>
+              <a:defRPr sz="1600" kern="1200">
+                <a:solidFill>
+                  <a:schemeClr val="tx1"/>
+                </a:solidFill>
+                <a:latin typeface="+mn-lt"/>
+                <a:ea typeface="+mn-ea"/>
+                <a:cs typeface="+mn-cs"/>
+              </a:defRPr>
+            </a:lvl4pPr>
+            <a:lvl5pPr marL="2057400" indent="-228600" algn="l" defTabSz="914400" rtl="0" eaLnBrk="1" latinLnBrk="0" hangingPunct="1">
+              <a:lnSpc>
+                <a:spcPct val="90000"/>
+              </a:lnSpc>
+              <a:spcBef>
+                <a:spcPts val="500"/>
+              </a:spcBef>
+              <a:buFont typeface="Arial" panose="020B0604020202020204" pitchFamily="34" charset="0"/>
+              <a:buChar char="•"/>
+              <a:defRPr sz="1600" kern="1200">
+                <a:solidFill>
+                  <a:schemeClr val="tx1"/>
+                </a:solidFill>
+                <a:latin typeface="+mn-lt"/>
+                <a:ea typeface="+mn-ea"/>
+                <a:cs typeface="+mn-cs"/>
+              </a:defRPr>
+            </a:lvl5pPr>
+            <a:lvl6pPr marL="2514600" indent="-228600" algn="l" defTabSz="914400" rtl="0" eaLnBrk="1" latinLnBrk="0" hangingPunct="1">
+              <a:lnSpc>
+                <a:spcPct val="90000"/>
+              </a:lnSpc>
+              <a:spcBef>
+                <a:spcPts val="500"/>
+              </a:spcBef>
+              <a:buFont typeface="Arial" panose="020B0604020202020204" pitchFamily="34" charset="0"/>
+              <a:buChar char="•"/>
+              <a:defRPr sz="1600" kern="1200">
+                <a:solidFill>
+                  <a:schemeClr val="tx1"/>
+                </a:solidFill>
+                <a:latin typeface="+mn-lt"/>
+                <a:ea typeface="+mn-ea"/>
+                <a:cs typeface="+mn-cs"/>
+              </a:defRPr>
+            </a:lvl6pPr>
+            <a:lvl7pPr marL="2971800" indent="-228600" algn="l" defTabSz="914400" rtl="0" eaLnBrk="1" latinLnBrk="0" hangingPunct="1">
+              <a:lnSpc>
+                <a:spcPct val="90000"/>
+              </a:lnSpc>
+              <a:spcBef>
+                <a:spcPts val="500"/>
+              </a:spcBef>
+              <a:buFont typeface="Arial" panose="020B0604020202020204" pitchFamily="34" charset="0"/>
+              <a:buChar char="•"/>
+              <a:defRPr sz="1600" kern="1200">
+                <a:solidFill>
+                  <a:schemeClr val="tx1"/>
+                </a:solidFill>
+                <a:latin typeface="+mn-lt"/>
+                <a:ea typeface="+mn-ea"/>
+                <a:cs typeface="+mn-cs"/>
+              </a:defRPr>
+            </a:lvl7pPr>
+            <a:lvl8pPr marL="3429000" indent="-228600" algn="l" defTabSz="914400" rtl="0" eaLnBrk="1" latinLnBrk="0" hangingPunct="1">
+              <a:lnSpc>
+                <a:spcPct val="90000"/>
+              </a:lnSpc>
+              <a:spcBef>
+                <a:spcPts val="500"/>
+              </a:spcBef>
+              <a:buFont typeface="Arial" panose="020B0604020202020204" pitchFamily="34" charset="0"/>
+              <a:buChar char="•"/>
+              <a:defRPr sz="1600" kern="1200">
+                <a:solidFill>
+                  <a:schemeClr val="tx1"/>
+                </a:solidFill>
+                <a:latin typeface="+mn-lt"/>
+                <a:ea typeface="+mn-ea"/>
+                <a:cs typeface="+mn-cs"/>
+              </a:defRPr>
+            </a:lvl8pPr>
+            <a:lvl9pPr marL="3886200" indent="-228600" algn="l" defTabSz="914400" rtl="0" eaLnBrk="1" latinLnBrk="0" hangingPunct="1">
+              <a:lnSpc>
+                <a:spcPct val="90000"/>
+              </a:lnSpc>
+              <a:spcBef>
+                <a:spcPts val="500"/>
+              </a:spcBef>
+              <a:buFont typeface="Arial" panose="020B0604020202020204" pitchFamily="34" charset="0"/>
+              <a:buChar char="•"/>
+              <a:defRPr sz="1600" kern="1200">
+                <a:solidFill>
+                  <a:schemeClr val="tx1"/>
+                </a:solidFill>
+                <a:latin typeface="+mn-lt"/>
+                <a:ea typeface="+mn-ea"/>
+                <a:cs typeface="+mn-cs"/>
+              </a:defRPr>
+            </a:lvl9pPr>
+          </a:lstStyle>
+          <a:p>
+            <a:pPr marL="0" indent="0">
+              <a:buNone/>
+            </a:pPr>
+            <a:r>
+              <a:rPr lang="en-US" sz="2800" dirty="0"/>
+              <a:t>…from Jamboard wireframes to a Shiny App</a:t>
+            </a:r>
+          </a:p>
+        </p:txBody>
+      </p:sp>
+      <p:sp>
+        <p:nvSpPr>
+          <p:cNvPr id="17" name="Rounded Rectangle 12">
+            <a:extLst>
+              <a:ext uri="{FF2B5EF4-FFF2-40B4-BE49-F238E27FC236}">
+                <a16:creationId xmlns:a16="http://schemas.microsoft.com/office/drawing/2014/main" id="{C5C6DB27-1B97-45B6-91A7-5BAF0F007FC8}"/>
+              </a:ext>
+              <a:ext uri="{C183D7F6-B498-43B3-948B-1728B52AA6E4}">
+                <adec:decorative xmlns:adec="http://schemas.microsoft.com/office/drawing/2017/decorative" val="1"/>
+              </a:ext>
+            </a:extLst>
+          </p:cNvPr>
+          <p:cNvSpPr>
+            <a:spLocks noGrp="1" noRot="1" noChangeAspect="1" noMove="1" noResize="1" noEditPoints="1" noAdjustHandles="1" noChangeArrowheads="1" noChangeShapeType="1" noTextEdit="1"/>
+          </p:cNvSpPr>
+          <p:nvPr>
+            <p:extLst>
+              <p:ext uri="{386F3935-93C4-4BCD-93E2-E3B085C9AB24}">
+                <p16:designElem xmlns:p16="http://schemas.microsoft.com/office/powerpoint/2015/main" val="1"/>
+              </p:ext>
+            </p:extLst>
+          </p:nvPr>
+        </p:nvSpPr>
+        <p:spPr>
+          <a:xfrm>
+            <a:off x="613574" y="640077"/>
+            <a:ext cx="3049365" cy="2350667"/>
+          </a:xfrm>
+          <a:prstGeom prst="roundRect">
+            <a:avLst>
+              <a:gd name="adj" fmla="val 3468"/>
+            </a:avLst>
+          </a:prstGeom>
+          <a:solidFill>
+            <a:srgbClr val="FFFFFF"/>
+          </a:solidFill>
+          <a:ln>
+            <a:noFill/>
+          </a:ln>
+          <a:effectLst>
+            <a:innerShdw blurRad="114300">
+              <a:prstClr val="black"/>
+            </a:innerShdw>
+          </a:effectLst>
+        </p:spPr>
+        <p:style>
+          <a:lnRef idx="2">
+            <a:schemeClr val="accent1">
+              <a:shade val="50000"/>
+            </a:schemeClr>
+          </a:lnRef>
+          <a:fillRef idx="1">
+            <a:schemeClr val="accent1"/>
+          </a:fillRef>
+          <a:effectRef idx="0">
+            <a:schemeClr val="accent1"/>
+          </a:effectRef>
+          <a:fontRef idx="minor">
+            <a:schemeClr val="lt1"/>
+          </a:fontRef>
+        </p:style>
+        <p:txBody>
+          <a:bodyPr rtlCol="0" anchor="ctr"/>
+          <a:lstStyle/>
+          <a:p>
+            <a:pPr algn="ctr"/>
+            <a:endParaRPr lang="en-US"/>
+          </a:p>
+        </p:txBody>
+      </p:sp>
+      <p:pic>
+        <p:nvPicPr>
+          <p:cNvPr id="3" name="Picture 2" descr="Diagram&#10;&#10;Description automatically generated">
+            <a:extLst>
+              <a:ext uri="{FF2B5EF4-FFF2-40B4-BE49-F238E27FC236}">
+                <a16:creationId xmlns:a16="http://schemas.microsoft.com/office/drawing/2014/main" id="{682D95A4-8289-1E4B-B92A-748D3CA19206}"/>
+              </a:ext>
+            </a:extLst>
+          </p:cNvPr>
+          <p:cNvPicPr>
+            <a:picLocks noChangeAspect="1"/>
+          </p:cNvPicPr>
+          <p:nvPr/>
+        </p:nvPicPr>
+        <p:blipFill rotWithShape="1">
+          <a:blip r:embed="rId4"/>
+          <a:srcRect t="10794" r="3" b="9066"/>
+          <a:stretch/>
+        </p:blipFill>
+        <p:spPr>
+          <a:xfrm>
+            <a:off x="839808" y="1141616"/>
+            <a:ext cx="2596896" cy="1347587"/>
+          </a:xfrm>
+          <a:prstGeom prst="rect">
+            <a:avLst/>
+          </a:prstGeom>
+        </p:spPr>
+      </p:pic>
+      <p:sp>
+        <p:nvSpPr>
+          <p:cNvPr id="19" name="Rounded Rectangle 20">
+            <a:extLst>
+              <a:ext uri="{FF2B5EF4-FFF2-40B4-BE49-F238E27FC236}">
+                <a16:creationId xmlns:a16="http://schemas.microsoft.com/office/drawing/2014/main" id="{3E1A01D4-02AB-4D54-9E6E-EED4EA00FD50}"/>
+              </a:ext>
+              <a:ext uri="{C183D7F6-B498-43B3-948B-1728B52AA6E4}">
+                <adec:decorative xmlns:adec="http://schemas.microsoft.com/office/drawing/2017/decorative" val="1"/>
+              </a:ext>
+            </a:extLst>
+          </p:cNvPr>
+          <p:cNvSpPr>
+            <a:spLocks noGrp="1" noRot="1" noChangeAspect="1" noMove="1" noResize="1" noEditPoints="1" noAdjustHandles="1" noChangeArrowheads="1" noChangeShapeType="1" noTextEdit="1"/>
+          </p:cNvSpPr>
+          <p:nvPr>
+            <p:extLst>
+              <p:ext uri="{386F3935-93C4-4BCD-93E2-E3B085C9AB24}">
+                <p16:designElem xmlns:p16="http://schemas.microsoft.com/office/powerpoint/2015/main" val="1"/>
+              </p:ext>
+            </p:extLst>
+          </p:nvPr>
+        </p:nvSpPr>
+        <p:spPr>
+          <a:xfrm>
+            <a:off x="3849764" y="640077"/>
+            <a:ext cx="3049365" cy="2350667"/>
+          </a:xfrm>
+          <a:prstGeom prst="roundRect">
+            <a:avLst>
+              <a:gd name="adj" fmla="val 3468"/>
+            </a:avLst>
+          </a:prstGeom>
+          <a:solidFill>
+            <a:srgbClr val="FFFFFF"/>
+          </a:solidFill>
+          <a:ln>
+            <a:noFill/>
+          </a:ln>
+          <a:effectLst>
+            <a:innerShdw blurRad="114300">
+              <a:prstClr val="black"/>
+            </a:innerShdw>
+          </a:effectLst>
+        </p:spPr>
+        <p:style>
+          <a:lnRef idx="2">
+            <a:schemeClr val="accent1">
+              <a:shade val="50000"/>
+            </a:schemeClr>
+          </a:lnRef>
+          <a:fillRef idx="1">
+            <a:schemeClr val="accent1"/>
+          </a:fillRef>
+          <a:effectRef idx="0">
+            <a:schemeClr val="accent1"/>
+          </a:effectRef>
+          <a:fontRef idx="minor">
+            <a:schemeClr val="lt1"/>
+          </a:fontRef>
+        </p:style>
+        <p:txBody>
+          <a:bodyPr rtlCol="0" anchor="ctr"/>
+          <a:lstStyle/>
+          <a:p>
+            <a:pPr algn="ctr"/>
+            <a:endParaRPr lang="en-US"/>
+          </a:p>
+        </p:txBody>
+      </p:sp>
+      <p:pic>
+        <p:nvPicPr>
+          <p:cNvPr id="4" name="Picture 3" descr="A picture containing diagram&#10;&#10;Description automatically generated">
+            <a:extLst>
+              <a:ext uri="{FF2B5EF4-FFF2-40B4-BE49-F238E27FC236}">
+                <a16:creationId xmlns:a16="http://schemas.microsoft.com/office/drawing/2014/main" id="{7C42D4B2-AD1C-694A-AC30-AE7D233120FE}"/>
+              </a:ext>
+            </a:extLst>
+          </p:cNvPr>
+          <p:cNvPicPr>
+            <a:picLocks noChangeAspect="1"/>
+          </p:cNvPicPr>
+          <p:nvPr/>
+        </p:nvPicPr>
+        <p:blipFill>
+          <a:blip r:embed="rId5"/>
+          <a:stretch>
+            <a:fillRect/>
+          </a:stretch>
+        </p:blipFill>
+        <p:spPr>
+          <a:xfrm>
+            <a:off x="4075998" y="977911"/>
+            <a:ext cx="2596896" cy="1674997"/>
+          </a:xfrm>
+          <a:prstGeom prst="rect">
+            <a:avLst/>
+          </a:prstGeom>
+        </p:spPr>
+      </p:pic>
+      <p:sp>
+        <p:nvSpPr>
+          <p:cNvPr id="21" name="Rounded Rectangle 14">
+            <a:extLst>
+              <a:ext uri="{FF2B5EF4-FFF2-40B4-BE49-F238E27FC236}">
+                <a16:creationId xmlns:a16="http://schemas.microsoft.com/office/drawing/2014/main" id="{84E91342-8643-45FC-91E8-9881A711D09F}"/>
+              </a:ext>
+              <a:ext uri="{C183D7F6-B498-43B3-948B-1728B52AA6E4}">
+                <adec:decorative xmlns:adec="http://schemas.microsoft.com/office/drawing/2017/decorative" val="1"/>
+              </a:ext>
+            </a:extLst>
+          </p:cNvPr>
+          <p:cNvSpPr>
+            <a:spLocks noGrp="1" noRot="1" noChangeAspect="1" noMove="1" noResize="1" noEditPoints="1" noAdjustHandles="1" noChangeArrowheads="1" noChangeShapeType="1" noTextEdit="1"/>
+          </p:cNvSpPr>
+          <p:nvPr>
+            <p:extLst>
+              <p:ext uri="{386F3935-93C4-4BCD-93E2-E3B085C9AB24}">
+                <p16:designElem xmlns:p16="http://schemas.microsoft.com/office/powerpoint/2015/main" val="1"/>
+              </p:ext>
+            </p:extLst>
+          </p:nvPr>
+        </p:nvSpPr>
+        <p:spPr>
+          <a:xfrm>
+            <a:off x="613574" y="3162299"/>
+            <a:ext cx="6285555" cy="3054096"/>
+          </a:xfrm>
+          <a:prstGeom prst="roundRect">
+            <a:avLst>
+              <a:gd name="adj" fmla="val 2226"/>
+            </a:avLst>
+          </a:prstGeom>
+          <a:solidFill>
+            <a:srgbClr val="FFFFFF"/>
+          </a:solidFill>
+          <a:ln>
+            <a:noFill/>
+          </a:ln>
+          <a:effectLst>
+            <a:innerShdw blurRad="114300">
+              <a:prstClr val="black"/>
+            </a:innerShdw>
+          </a:effectLst>
+        </p:spPr>
+        <p:style>
+          <a:lnRef idx="2">
+            <a:schemeClr val="accent1">
+              <a:shade val="50000"/>
+            </a:schemeClr>
+          </a:lnRef>
+          <a:fillRef idx="1">
+            <a:schemeClr val="accent1"/>
+          </a:fillRef>
+          <a:effectRef idx="0">
+            <a:schemeClr val="accent1"/>
+          </a:effectRef>
+          <a:fontRef idx="minor">
+            <a:schemeClr val="lt1"/>
+          </a:fontRef>
+        </p:style>
+        <p:txBody>
+          <a:bodyPr rtlCol="0" anchor="ctr"/>
+          <a:lstStyle/>
+          <a:p>
+            <a:pPr algn="ctr"/>
+            <a:endParaRPr lang="en-US"/>
+          </a:p>
+        </p:txBody>
+      </p:sp>
+      <p:pic>
+        <p:nvPicPr>
+          <p:cNvPr id="2" name="Picture 1" descr="Graphical user interface&#10;&#10;Description automatically generated">
+            <a:extLst>
+              <a:ext uri="{FF2B5EF4-FFF2-40B4-BE49-F238E27FC236}">
+                <a16:creationId xmlns:a16="http://schemas.microsoft.com/office/drawing/2014/main" id="{FEB21696-BBF6-C342-87BE-B3FB18354B11}"/>
+              </a:ext>
+            </a:extLst>
+          </p:cNvPr>
+          <p:cNvPicPr>
+            <a:picLocks noChangeAspect="1"/>
+          </p:cNvPicPr>
+          <p:nvPr/>
+        </p:nvPicPr>
+        <p:blipFill rotWithShape="1">
+          <a:blip r:embed="rId6"/>
+          <a:srcRect r="3" b="16305"/>
+          <a:stretch/>
+        </p:blipFill>
+        <p:spPr>
+          <a:xfrm>
+            <a:off x="1254160" y="3390899"/>
+            <a:ext cx="5004382" cy="2596896"/>
+          </a:xfrm>
+          <a:prstGeom prst="rect">
+            <a:avLst/>
+          </a:prstGeom>
+        </p:spPr>
+      </p:pic>
+      <p:pic>
+        <p:nvPicPr>
+          <p:cNvPr id="23" name="Picture 22">
+            <a:extLst>
+              <a:ext uri="{FF2B5EF4-FFF2-40B4-BE49-F238E27FC236}">
+                <a16:creationId xmlns:a16="http://schemas.microsoft.com/office/drawing/2014/main" id="{14A2B21D-B2BD-4E6D-8D2B-4F7466796D10}"/>
+              </a:ext>
+              <a:ext uri="{C183D7F6-B498-43B3-948B-1728B52AA6E4}">
+                <adec:decorative xmlns:adec="http://schemas.microsoft.com/office/drawing/2017/decorative" val="1"/>
+              </a:ext>
+            </a:extLst>
+          </p:cNvPr>
+          <p:cNvPicPr>
+            <a:picLocks noGrp="1" noRot="1" noChangeAspect="1" noMove="1" noResize="1" noEditPoints="1" noAdjustHandles="1" noChangeArrowheads="1" noChangeShapeType="1" noCrop="1"/>
+          </p:cNvPicPr>
+          <p:nvPr>
+            <p:extLst>
+              <p:ext uri="{386F3935-93C4-4BCD-93E2-E3B085C9AB24}">
+                <p16:designElem xmlns:p16="http://schemas.microsoft.com/office/powerpoint/2015/main" val="1"/>
+              </p:ext>
+            </p:extLst>
+          </p:nvPr>
+        </p:nvPicPr>
+        <p:blipFill rotWithShape="1">
+          <a:blip r:embed="rId3">
+            <a:extLst>
+              <a:ext uri="{28A0092B-C50C-407E-A947-70E740481C1C}">
+                <a14:useLocalDpi xmlns:a14="http://schemas.microsoft.com/office/drawing/2010/main" val="0"/>
+              </a:ext>
+            </a:extLst>
+          </a:blip>
+          <a:srcRect l="61800"/>
+          <a:stretch/>
+        </p:blipFill>
+        <p:spPr>
+          <a:xfrm>
+            <a:off x="7534656" y="4375150"/>
+            <a:ext cx="4657344" cy="2482850"/>
+          </a:xfrm>
+          <a:prstGeom prst="rect">
+            <a:avLst/>
+          </a:prstGeom>
+        </p:spPr>
+      </p:pic>
+    </p:spTree>
+    <p:extLst>
+      <p:ext uri="{BB962C8B-B14F-4D97-AF65-F5344CB8AC3E}">
+        <p14:creationId xmlns:p14="http://schemas.microsoft.com/office/powerpoint/2010/main" val="4130213000"/>
+      </p:ext>
+    </p:extLst>
+  </p:cSld>
+  <p:clrMapOvr>
+    <a:masterClrMapping/>
+  </p:clrMapOvr>
+</p:sld>
+</file>
+
+<file path=ppt/slides/slide11.xml><?xml version="1.0" encoding="utf-8"?>
+<p:sld xmlns:a="http://schemas.openxmlformats.org/drawingml/2006/main" xmlns:r="http://schemas.openxmlformats.org/officeDocument/2006/relationships" xmlns:p="http://schemas.openxmlformats.org/presentationml/2006/main">
+  <p:cSld>
     <p:spTree>
       <p:nvGrpSpPr>
         <p:cNvPr id="1" name=""/>
@@ -7037,6 +14117,16 @@
             <a:r>
               <a:rPr lang="en-GB" sz="3600" dirty="0"/>
               <a:t>The project</a:t>
+            </a:r>
+          </a:p>
+          <a:p>
+            <a:pPr marL="457200" indent="-457200" algn="l">
+              <a:buFont typeface="Arial" panose="020B0604020202020204" pitchFamily="34" charset="0"/>
+              <a:buChar char="•"/>
+            </a:pPr>
+            <a:r>
+              <a:rPr lang="en-GB" sz="3600" dirty="0"/>
+              <a:t>The tools</a:t>
             </a:r>
           </a:p>
           <a:p>
@@ -7402,6 +14492,55 @@
                                           <p:spTgt spid="3">
                                             <p:txEl>
                                               <p:pRg st="6" end="6"/>
+                                            </p:txEl>
+                                          </p:spTgt>
+                                        </p:tgtEl>
+                                        <p:attrNameLst>
+                                          <p:attrName>style.visibility</p:attrName>
+                                        </p:attrNameLst>
+                                      </p:cBhvr>
+                                      <p:to>
+                                        <p:strVal val="visible"/>
+                                      </p:to>
+                                    </p:set>
+                                  </p:childTnLst>
+                                </p:cTn>
+                              </p:par>
+                            </p:childTnLst>
+                          </p:cTn>
+                        </p:par>
+                      </p:childTnLst>
+                    </p:cTn>
+                  </p:par>
+                  <p:par>
+                    <p:cTn id="31" fill="hold">
+                      <p:stCondLst>
+                        <p:cond delay="indefinite"/>
+                      </p:stCondLst>
+                      <p:childTnLst>
+                        <p:par>
+                          <p:cTn id="32" fill="hold">
+                            <p:stCondLst>
+                              <p:cond delay="0"/>
+                            </p:stCondLst>
+                            <p:childTnLst>
+                              <p:par>
+                                <p:cTn id="33" presetID="1" presetClass="entr" presetSubtype="0" fill="hold" grpId="0" nodeType="clickEffect">
+                                  <p:stCondLst>
+                                    <p:cond delay="0"/>
+                                  </p:stCondLst>
+                                  <p:childTnLst>
+                                    <p:set>
+                                      <p:cBhvr>
+                                        <p:cTn id="34" dur="1" fill="hold">
+                                          <p:stCondLst>
+                                            <p:cond delay="0"/>
+                                          </p:stCondLst>
+                                        </p:cTn>
+                                        <p:tgtEl>
+                                          <p:spTgt spid="3">
+                                            <p:txEl>
+                                              <p:pRg st="7" end="7"/>
                                             </p:txEl>
                                           </p:spTgt>
                                         </p:tgtEl>
@@ -8899,7 +16038,7 @@
                   <a:schemeClr val="bg2"/>
                 </a:solidFill>
               </a:rPr>
-              <a:t>Data</a:t>
+              <a:t>The Tools</a:t>
             </a:r>
             <a:br>
               <a:rPr lang="en-US" dirty="0"/>
@@ -8908,10 +16047,38 @@
           </a:p>
         </p:txBody>
       </p:sp>
+      <p:graphicFrame>
+        <p:nvGraphicFramePr>
+          <p:cNvPr id="3" name="Diagram 2">
+            <a:extLst>
+              <a:ext uri="{FF2B5EF4-FFF2-40B4-BE49-F238E27FC236}">
+                <a16:creationId xmlns:a16="http://schemas.microsoft.com/office/drawing/2014/main" id="{B11AE7BF-C677-BB49-BFA1-C4F9E753105C}"/>
+              </a:ext>
+            </a:extLst>
+          </p:cNvPr>
+          <p:cNvGraphicFramePr/>
+          <p:nvPr>
+            <p:extLst>
+              <p:ext uri="{D42A27DB-BD31-4B8C-83A1-F6EECF244321}">
+                <p14:modId xmlns:p14="http://schemas.microsoft.com/office/powerpoint/2010/main" val="966659312"/>
+              </p:ext>
+            </p:extLst>
+          </p:nvPr>
+        </p:nvGraphicFramePr>
+        <p:xfrm>
+          <a:off x="2032000" y="719666"/>
+          <a:ext cx="7173993" cy="5030205"/>
+        </p:xfrm>
+        <a:graphic>
+          <a:graphicData uri="http://schemas.openxmlformats.org/drawingml/2006/diagram">
+            <dgm:relIds xmlns:dgm="http://schemas.openxmlformats.org/drawingml/2006/diagram" xmlns:r="http://schemas.openxmlformats.org/officeDocument/2006/relationships" r:dm="rId3" r:lo="rId4" r:qs="rId5" r:cs="rId6"/>
+          </a:graphicData>
+        </a:graphic>
+      </p:graphicFrame>
     </p:spTree>
     <p:extLst>
       <p:ext uri="{BB962C8B-B14F-4D97-AF65-F5344CB8AC3E}">
-        <p14:creationId xmlns:p14="http://schemas.microsoft.com/office/powerpoint/2010/main" val="2346789748"/>
+        <p14:creationId xmlns:p14="http://schemas.microsoft.com/office/powerpoint/2010/main" val="1527738895"/>
       </p:ext>
     </p:extLst>
   </p:cSld>
@@ -8943,7 +16110,7 @@
           <p:cNvPr id="2" name="Title 1">
             <a:extLst>
               <a:ext uri="{FF2B5EF4-FFF2-40B4-BE49-F238E27FC236}">
-                <a16:creationId xmlns:a16="http://schemas.microsoft.com/office/drawing/2014/main" id="{9DEE8B08-9E23-C846-822D-68384D745E96}"/>
+                <a16:creationId xmlns:a16="http://schemas.microsoft.com/office/drawing/2014/main" id="{D00292F1-08A9-8D43-846D-E6D20F02FC25}"/>
               </a:ext>
             </a:extLst>
           </p:cNvPr>
@@ -8956,43 +16123,28 @@
         </p:nvSpPr>
         <p:spPr>
           <a:xfrm>
-            <a:off x="685800" y="469906"/>
+            <a:off x="927315" y="609390"/>
             <a:ext cx="8610600" cy="1293028"/>
           </a:xfrm>
         </p:spPr>
         <p:txBody>
-          <a:bodyPr/>
+          <a:bodyPr>
+            <a:normAutofit/>
+          </a:bodyPr>
           <a:lstStyle/>
           <a:p>
             <a:pPr algn="l"/>
             <a:r>
-              <a:rPr lang="en-US" b="1" dirty="0"/>
-              <a:t>SHINY APP</a:t>
+              <a:rPr lang="en-US" b="1" dirty="0">
+                <a:solidFill>
+                  <a:schemeClr val="bg2"/>
+                </a:solidFill>
+              </a:rPr>
+              <a:t>The Data</a:t>
             </a:r>
-          </a:p>
-        </p:txBody>
-      </p:sp>
-      <p:sp>
-        <p:nvSpPr>
-          <p:cNvPr id="3" name="Content Placeholder 2">
-            <a:extLst>
-              <a:ext uri="{FF2B5EF4-FFF2-40B4-BE49-F238E27FC236}">
-                <a16:creationId xmlns:a16="http://schemas.microsoft.com/office/drawing/2014/main" id="{4966E9DE-2CEF-A441-BCB9-46D8652A28DC}"/>
-              </a:ext>
-            </a:extLst>
-          </p:cNvPr>
-          <p:cNvSpPr>
-            <a:spLocks noGrp="1"/>
-          </p:cNvSpPr>
-          <p:nvPr>
-            <p:ph idx="1"/>
-          </p:nvPr>
-        </p:nvSpPr>
-        <p:spPr/>
-        <p:txBody>
-          <a:bodyPr/>
-          <a:lstStyle/>
-          <a:p>
+            <a:br>
+              <a:rPr lang="en-US" dirty="0"/>
+            </a:br>
             <a:endParaRPr lang="en-US" dirty="0"/>
           </a:p>
         </p:txBody>
@@ -9000,7 +16152,7 @@
     </p:spTree>
     <p:extLst>
       <p:ext uri="{BB962C8B-B14F-4D97-AF65-F5344CB8AC3E}">
-        <p14:creationId xmlns:p14="http://schemas.microsoft.com/office/powerpoint/2010/main" val="1138301893"/>
+        <p14:creationId xmlns:p14="http://schemas.microsoft.com/office/powerpoint/2010/main" val="2346789748"/>
       </p:ext>
     </p:extLst>
   </p:cSld>

--- a/Presentation/PHS Rshiny Team Klas.pptx
+++ b/Presentation/PHS Rshiny Team Klas.pptx
@@ -117,6 +117,11 @@
       </a:defRPr>
     </a:lvl9pPr>
   </p:defaultTextStyle>
+  <p:extLst>
+    <p:ext uri="{EFAFB233-063F-42B5-8137-9DF3F51BA10A}">
+      <p15:sldGuideLst xmlns:p15="http://schemas.microsoft.com/office/powerpoint/2012/main"/>
+    </p:ext>
+  </p:extLst>
 </p:presentation>
 </file>
 
@@ -16149,6 +16154,233 @@
           </a:p>
         </p:txBody>
       </p:sp>
+      <p:sp>
+        <p:nvSpPr>
+          <p:cNvPr id="7" name="Text Placeholder 2">
+            <a:extLst>
+              <a:ext uri="{FF2B5EF4-FFF2-40B4-BE49-F238E27FC236}">
+                <a16:creationId xmlns:a16="http://schemas.microsoft.com/office/drawing/2014/main" id="{5BAEB0D8-6DE2-2745-828B-8BAE710FBED9}"/>
+              </a:ext>
+            </a:extLst>
+          </p:cNvPr>
+          <p:cNvSpPr txBox="1">
+            <a:spLocks/>
+          </p:cNvSpPr>
+          <p:nvPr/>
+        </p:nvSpPr>
+        <p:spPr>
+          <a:xfrm>
+            <a:off x="1036880" y="1767478"/>
+            <a:ext cx="10490200" cy="4369850"/>
+          </a:xfrm>
+          <a:prstGeom prst="rect">
+            <a:avLst/>
+          </a:prstGeom>
+        </p:spPr>
+        <p:txBody>
+          <a:bodyPr>
+            <a:noAutofit/>
+          </a:bodyPr>
+          <a:lstStyle>
+            <a:lvl1pPr marL="228600" indent="-228600" algn="l" defTabSz="914400" rtl="0" eaLnBrk="1" latinLnBrk="0" hangingPunct="1">
+              <a:lnSpc>
+                <a:spcPct val="90000"/>
+              </a:lnSpc>
+              <a:spcBef>
+                <a:spcPts val="1000"/>
+              </a:spcBef>
+              <a:buFont typeface="Arial" panose="020B0604020202020204" pitchFamily="34" charset="0"/>
+              <a:buChar char="•"/>
+              <a:defRPr sz="2200" kern="1200">
+                <a:solidFill>
+                  <a:schemeClr val="tx1"/>
+                </a:solidFill>
+                <a:latin typeface="+mn-lt"/>
+                <a:ea typeface="+mn-ea"/>
+                <a:cs typeface="+mn-cs"/>
+              </a:defRPr>
+            </a:lvl1pPr>
+            <a:lvl2pPr marL="685800" indent="-228600" algn="l" defTabSz="914400" rtl="0" eaLnBrk="1" latinLnBrk="0" hangingPunct="1">
+              <a:lnSpc>
+                <a:spcPct val="90000"/>
+              </a:lnSpc>
+              <a:spcBef>
+                <a:spcPts val="500"/>
+              </a:spcBef>
+              <a:buFont typeface="Arial" panose="020B0604020202020204" pitchFamily="34" charset="0"/>
+              <a:buChar char="•"/>
+              <a:defRPr sz="2000" kern="1200">
+                <a:solidFill>
+                  <a:schemeClr val="tx1"/>
+                </a:solidFill>
+                <a:latin typeface="+mn-lt"/>
+                <a:ea typeface="+mn-ea"/>
+                <a:cs typeface="+mn-cs"/>
+              </a:defRPr>
+            </a:lvl2pPr>
+            <a:lvl3pPr marL="1143000" indent="-228600" algn="l" defTabSz="914400" rtl="0" eaLnBrk="1" latinLnBrk="0" hangingPunct="1">
+              <a:lnSpc>
+                <a:spcPct val="90000"/>
+              </a:lnSpc>
+              <a:spcBef>
+                <a:spcPts val="500"/>
+              </a:spcBef>
+              <a:buFont typeface="Arial" panose="020B0604020202020204" pitchFamily="34" charset="0"/>
+              <a:buChar char="•"/>
+              <a:defRPr sz="1800" kern="1200">
+                <a:solidFill>
+                  <a:schemeClr val="tx1"/>
+                </a:solidFill>
+                <a:latin typeface="+mn-lt"/>
+                <a:ea typeface="+mn-ea"/>
+                <a:cs typeface="+mn-cs"/>
+              </a:defRPr>
+            </a:lvl3pPr>
+            <a:lvl4pPr marL="1600200" indent="-228600" algn="l" defTabSz="914400" rtl="0" eaLnBrk="1" latinLnBrk="0" hangingPunct="1">
+              <a:lnSpc>
+                <a:spcPct val="90000"/>
+              </a:lnSpc>
+              <a:spcBef>
+                <a:spcPts val="500"/>
+              </a:spcBef>
+              <a:buFont typeface="Arial" panose="020B0604020202020204" pitchFamily="34" charset="0"/>
+              <a:buChar char="•"/>
+              <a:defRPr sz="1600" kern="1200">
+                <a:solidFill>
+                  <a:schemeClr val="tx1"/>
+                </a:solidFill>
+                <a:latin typeface="+mn-lt"/>
+                <a:ea typeface="+mn-ea"/>
+                <a:cs typeface="+mn-cs"/>
+              </a:defRPr>
+            </a:lvl4pPr>
+            <a:lvl5pPr marL="2057400" indent="-228600" algn="l" defTabSz="914400" rtl="0" eaLnBrk="1" latinLnBrk="0" hangingPunct="1">
+              <a:lnSpc>
+                <a:spcPct val="90000"/>
+              </a:lnSpc>
+              <a:spcBef>
+                <a:spcPts val="500"/>
+              </a:spcBef>
+              <a:buFont typeface="Arial" panose="020B0604020202020204" pitchFamily="34" charset="0"/>
+              <a:buChar char="•"/>
+              <a:defRPr sz="1600" kern="1200">
+                <a:solidFill>
+                  <a:schemeClr val="tx1"/>
+                </a:solidFill>
+                <a:latin typeface="+mn-lt"/>
+                <a:ea typeface="+mn-ea"/>
+                <a:cs typeface="+mn-cs"/>
+              </a:defRPr>
+            </a:lvl5pPr>
+            <a:lvl6pPr marL="2514600" indent="-228600" algn="l" defTabSz="914400" rtl="0" eaLnBrk="1" latinLnBrk="0" hangingPunct="1">
+              <a:lnSpc>
+                <a:spcPct val="90000"/>
+              </a:lnSpc>
+              <a:spcBef>
+                <a:spcPts val="500"/>
+              </a:spcBef>
+              <a:buFont typeface="Arial" panose="020B0604020202020204" pitchFamily="34" charset="0"/>
+              <a:buChar char="•"/>
+              <a:defRPr sz="1600" kern="1200">
+                <a:solidFill>
+                  <a:schemeClr val="tx1"/>
+                </a:solidFill>
+                <a:latin typeface="+mn-lt"/>
+                <a:ea typeface="+mn-ea"/>
+                <a:cs typeface="+mn-cs"/>
+              </a:defRPr>
+            </a:lvl6pPr>
+            <a:lvl7pPr marL="2971800" indent="-228600" algn="l" defTabSz="914400" rtl="0" eaLnBrk="1" latinLnBrk="0" hangingPunct="1">
+              <a:lnSpc>
+                <a:spcPct val="90000"/>
+              </a:lnSpc>
+              <a:spcBef>
+                <a:spcPts val="500"/>
+              </a:spcBef>
+              <a:buFont typeface="Arial" panose="020B0604020202020204" pitchFamily="34" charset="0"/>
+              <a:buChar char="•"/>
+              <a:defRPr sz="1600" kern="1200">
+                <a:solidFill>
+                  <a:schemeClr val="tx1"/>
+                </a:solidFill>
+                <a:latin typeface="+mn-lt"/>
+                <a:ea typeface="+mn-ea"/>
+                <a:cs typeface="+mn-cs"/>
+              </a:defRPr>
+            </a:lvl7pPr>
+            <a:lvl8pPr marL="3429000" indent="-228600" algn="l" defTabSz="914400" rtl="0" eaLnBrk="1" latinLnBrk="0" hangingPunct="1">
+              <a:lnSpc>
+                <a:spcPct val="90000"/>
+              </a:lnSpc>
+              <a:spcBef>
+                <a:spcPts val="500"/>
+              </a:spcBef>
+              <a:buFont typeface="Arial" panose="020B0604020202020204" pitchFamily="34" charset="0"/>
+              <a:buChar char="•"/>
+              <a:defRPr sz="1600" kern="1200">
+                <a:solidFill>
+                  <a:schemeClr val="tx1"/>
+                </a:solidFill>
+                <a:latin typeface="+mn-lt"/>
+                <a:ea typeface="+mn-ea"/>
+                <a:cs typeface="+mn-cs"/>
+              </a:defRPr>
+            </a:lvl8pPr>
+            <a:lvl9pPr marL="3886200" indent="-228600" algn="l" defTabSz="914400" rtl="0" eaLnBrk="1" latinLnBrk="0" hangingPunct="1">
+              <a:lnSpc>
+                <a:spcPct val="90000"/>
+              </a:lnSpc>
+              <a:spcBef>
+                <a:spcPts val="500"/>
+              </a:spcBef>
+              <a:buFont typeface="Arial" panose="020B0604020202020204" pitchFamily="34" charset="0"/>
+              <a:buChar char="•"/>
+              <a:defRPr sz="1600" kern="1200">
+                <a:solidFill>
+                  <a:schemeClr val="tx1"/>
+                </a:solidFill>
+                <a:latin typeface="+mn-lt"/>
+                <a:ea typeface="+mn-ea"/>
+                <a:cs typeface="+mn-cs"/>
+              </a:defRPr>
+            </a:lvl9pPr>
+          </a:lstStyle>
+          <a:p>
+            <a:pPr marL="0" indent="0">
+              <a:buNone/>
+            </a:pPr>
+            <a:r>
+              <a:rPr lang="en-GB" sz="3200" dirty="0"/>
+              <a:t>The Aim: Efficiency and Consistency</a:t>
+            </a:r>
+            <a:br>
+              <a:rPr lang="en-GB" sz="3200" dirty="0"/>
+            </a:br>
+            <a:endParaRPr lang="en-GB" sz="3200" dirty="0"/>
+          </a:p>
+          <a:p>
+            <a:pPr marL="457200" indent="-457200"/>
+            <a:r>
+              <a:rPr lang="en-GB" sz="3200" dirty="0"/>
+              <a:t>Extract</a:t>
+            </a:r>
+          </a:p>
+          <a:p>
+            <a:pPr marL="457200" indent="-457200"/>
+            <a:r>
+              <a:rPr lang="en-GB" sz="3200" dirty="0"/>
+              <a:t>Cleaning</a:t>
+            </a:r>
+          </a:p>
+          <a:p>
+            <a:pPr marL="457200" indent="-457200"/>
+            <a:r>
+              <a:rPr lang="en-GB" sz="3200" dirty="0"/>
+              <a:t>Wrangling</a:t>
+            </a:r>
+          </a:p>
+        </p:txBody>
+      </p:sp>
     </p:spTree>
     <p:extLst>
       <p:ext uri="{BB962C8B-B14F-4D97-AF65-F5344CB8AC3E}">
@@ -16159,6 +16391,183 @@
   <p:clrMapOvr>
     <a:masterClrMapping/>
   </p:clrMapOvr>
+  <p:timing>
+    <p:tnLst>
+      <p:par>
+        <p:cTn id="1" dur="indefinite" restart="never" nodeType="tmRoot">
+          <p:childTnLst>
+            <p:seq concurrent="1" nextAc="seek">
+              <p:cTn id="2" dur="indefinite" nodeType="mainSeq">
+                <p:childTnLst>
+                  <p:par>
+                    <p:cTn id="3" fill="hold">
+                      <p:stCondLst>
+                        <p:cond delay="indefinite"/>
+                      </p:stCondLst>
+                      <p:childTnLst>
+                        <p:par>
+                          <p:cTn id="4" fill="hold">
+                            <p:stCondLst>
+                              <p:cond delay="0"/>
+                            </p:stCondLst>
+                            <p:childTnLst>
+                              <p:par>
+                                <p:cTn id="5" presetID="1" presetClass="entr" presetSubtype="0" fill="hold" nodeType="clickEffect">
+                                  <p:stCondLst>
+                                    <p:cond delay="0"/>
+                                  </p:stCondLst>
+                                  <p:childTnLst>
+                                    <p:set>
+                                      <p:cBhvr>
+                                        <p:cTn id="6" dur="1" fill="hold">
+                                          <p:stCondLst>
+                                            <p:cond delay="0"/>
+                                          </p:stCondLst>
+                                        </p:cTn>
+                                        <p:tgtEl>
+                                          <p:spTgt spid="7">
+                                            <p:txEl>
+                                              <p:pRg st="1" end="1"/>
+                                            </p:txEl>
+                                          </p:spTgt>
+                                        </p:tgtEl>
+                                        <p:attrNameLst>
+                                          <p:attrName>style.visibility</p:attrName>
+                                        </p:attrNameLst>
+                                      </p:cBhvr>
+                                      <p:to>
+                                        <p:strVal val="visible"/>
+                                      </p:to>
+                                    </p:set>
+                                  </p:childTnLst>
+                                </p:cTn>
+                              </p:par>
+                            </p:childTnLst>
+                          </p:cTn>
+                        </p:par>
+                      </p:childTnLst>
+                    </p:cTn>
+                  </p:par>
+                  <p:par>
+                    <p:cTn id="7" fill="hold">
+                      <p:stCondLst>
+                        <p:cond delay="indefinite"/>
+                      </p:stCondLst>
+                      <p:childTnLst>
+                        <p:par>
+                          <p:cTn id="8" fill="hold">
+                            <p:stCondLst>
+                              <p:cond delay="0"/>
+                            </p:stCondLst>
+                            <p:childTnLst>
+                              <p:par>
+                                <p:cTn id="9" presetID="1" presetClass="entr" presetSubtype="0" fill="hold" nodeType="clickEffect">
+                                  <p:stCondLst>
+                                    <p:cond delay="0"/>
+                                  </p:stCondLst>
+                                  <p:childTnLst>
+                                    <p:set>
+                                      <p:cBhvr>
+                                        <p:cTn id="10" dur="1" fill="hold">
+                                          <p:stCondLst>
+                                            <p:cond delay="0"/>
+                                          </p:stCondLst>
+                                        </p:cTn>
+                                        <p:tgtEl>
+                                          <p:spTgt spid="7">
+                                            <p:txEl>
+                                              <p:pRg st="2" end="2"/>
+                                            </p:txEl>
+                                          </p:spTgt>
+                                        </p:tgtEl>
+                                        <p:attrNameLst>
+                                          <p:attrName>style.visibility</p:attrName>
+                                        </p:attrNameLst>
+                                      </p:cBhvr>
+                                      <p:to>
+                                        <p:strVal val="visible"/>
+                                      </p:to>
+                                    </p:set>
+                                  </p:childTnLst>
+                                </p:cTn>
+                              </p:par>
+                            </p:childTnLst>
+                          </p:cTn>
+                        </p:par>
+                      </p:childTnLst>
+                    </p:cTn>
+                  </p:par>
+                  <p:par>
+                    <p:cTn id="11" fill="hold">
+                      <p:stCondLst>
+                        <p:cond delay="indefinite"/>
+                      </p:stCondLst>
+                      <p:childTnLst>
+                        <p:par>
+                          <p:cTn id="12" fill="hold">
+                            <p:stCondLst>
+                              <p:cond delay="0"/>
+                            </p:stCondLst>
+                            <p:childTnLst>
+                              <p:par>
+                                <p:cTn id="13" presetID="1" presetClass="entr" presetSubtype="0" fill="hold" nodeType="clickEffect">
+                                  <p:stCondLst>
+                                    <p:cond delay="0"/>
+                                  </p:stCondLst>
+                                  <p:childTnLst>
+                                    <p:set>
+                                      <p:cBhvr>
+                                        <p:cTn id="14" dur="1" fill="hold">
+                                          <p:stCondLst>
+                                            <p:cond delay="0"/>
+                                          </p:stCondLst>
+                                        </p:cTn>
+                                        <p:tgtEl>
+                                          <p:spTgt spid="7">
+                                            <p:txEl>
+                                              <p:pRg st="3" end="3"/>
+                                            </p:txEl>
+                                          </p:spTgt>
+                                        </p:tgtEl>
+                                        <p:attrNameLst>
+                                          <p:attrName>style.visibility</p:attrName>
+                                        </p:attrNameLst>
+                                      </p:cBhvr>
+                                      <p:to>
+                                        <p:strVal val="visible"/>
+                                      </p:to>
+                                    </p:set>
+                                  </p:childTnLst>
+                                </p:cTn>
+                              </p:par>
+                            </p:childTnLst>
+                          </p:cTn>
+                        </p:par>
+                      </p:childTnLst>
+                    </p:cTn>
+                  </p:par>
+                </p:childTnLst>
+              </p:cTn>
+              <p:prevCondLst>
+                <p:cond evt="onPrev" delay="0">
+                  <p:tgtEl>
+                    <p:sldTgt/>
+                  </p:tgtEl>
+                </p:cond>
+              </p:prevCondLst>
+              <p:nextCondLst>
+                <p:cond evt="onNext" delay="0">
+                  <p:tgtEl>
+                    <p:sldTgt/>
+                  </p:tgtEl>
+                </p:cond>
+              </p:nextCondLst>
+            </p:seq>
+          </p:childTnLst>
+        </p:cTn>
+      </p:par>
+    </p:tnLst>
+  </p:timing>
 </p:sld>
 </file>
 

--- a/Presentation/PHS Rshiny Team Klas.pptx
+++ b/Presentation/PHS Rshiny Team Klas.pptx
@@ -13278,77 +13278,6 @@
       </p:sp>
       <p:sp>
         <p:nvSpPr>
-          <p:cNvPr id="5" name="Title 1">
-            <a:extLst>
-              <a:ext uri="{FF2B5EF4-FFF2-40B4-BE49-F238E27FC236}">
-                <a16:creationId xmlns:a16="http://schemas.microsoft.com/office/drawing/2014/main" id="{31C314B7-ECBF-CC46-A7D3-F5EE0B66B0FC}"/>
-              </a:ext>
-            </a:extLst>
-          </p:cNvPr>
-          <p:cNvSpPr txBox="1">
-            <a:spLocks/>
-          </p:cNvSpPr>
-          <p:nvPr/>
-        </p:nvSpPr>
-        <p:spPr>
-          <a:xfrm>
-            <a:off x="7639854" y="265385"/>
-            <a:ext cx="3031524" cy="1752461"/>
-          </a:xfrm>
-          <a:prstGeom prst="rect">
-            <a:avLst/>
-          </a:prstGeom>
-          <a:noFill/>
-          <a:ln w="19050">
-            <a:noFill/>
-            <a:prstDash val="dash"/>
-          </a:ln>
-        </p:spPr>
-        <p:txBody>
-          <a:bodyPr vert="horz" lIns="91440" tIns="45720" rIns="91440" bIns="45720" rtlCol="0" anchor="b">
-            <a:normAutofit/>
-          </a:bodyPr>
-          <a:lstStyle>
-            <a:lvl1pPr algn="r" defTabSz="914400" rtl="0" eaLnBrk="1" latinLnBrk="0" hangingPunct="1">
-              <a:lnSpc>
-                <a:spcPct val="90000"/>
-              </a:lnSpc>
-              <a:spcBef>
-                <a:spcPct val="0"/>
-              </a:spcBef>
-              <a:buNone/>
-              <a:defRPr sz="4000" kern="1200" cap="all" baseline="0">
-                <a:solidFill>
-                  <a:schemeClr val="tx1"/>
-                </a:solidFill>
-                <a:latin typeface="+mj-lt"/>
-                <a:ea typeface="+mj-ea"/>
-                <a:cs typeface="+mj-cs"/>
-              </a:defRPr>
-            </a:lvl1pPr>
-          </a:lstStyle>
-          <a:p>
-            <a:pPr algn="l">
-              <a:spcAft>
-                <a:spcPts val="600"/>
-              </a:spcAft>
-            </a:pPr>
-            <a:r>
-              <a:rPr lang="en-US" sz="4800" b="1" kern="1200" cap="all" baseline="0" dirty="0">
-                <a:solidFill>
-                  <a:schemeClr val="tx1"/>
-                </a:solidFill>
-                <a:latin typeface="+mj-lt"/>
-                <a:ea typeface="+mj-ea"/>
-                <a:cs typeface="+mj-cs"/>
-              </a:rPr>
-              <a:t>SHINY APP</a:t>
-            </a:r>
-          </a:p>
-        </p:txBody>
-      </p:sp>
-      <p:sp>
-        <p:nvSpPr>
           <p:cNvPr id="6" name="Content Placeholder 12">
             <a:extLst>
               <a:ext uri="{FF2B5EF4-FFF2-40B4-BE49-F238E27FC236}">
@@ -13363,7 +13292,7 @@
         </p:nvSpPr>
         <p:spPr>
           <a:xfrm>
-            <a:off x="7969503" y="2032380"/>
+            <a:off x="8102025" y="2853642"/>
             <a:ext cx="3787650" cy="2058765"/>
           </a:xfrm>
           <a:prstGeom prst="rect">
@@ -13896,6 +13825,217 @@
           </a:prstGeom>
         </p:spPr>
       </p:pic>
+      <p:sp>
+        <p:nvSpPr>
+          <p:cNvPr id="14" name="Content Placeholder 12">
+            <a:extLst>
+              <a:ext uri="{FF2B5EF4-FFF2-40B4-BE49-F238E27FC236}">
+                <a16:creationId xmlns:a16="http://schemas.microsoft.com/office/drawing/2014/main" id="{3C1E4713-81CD-6F48-BDC6-48AC37D06B70}"/>
+              </a:ext>
+            </a:extLst>
+          </p:cNvPr>
+          <p:cNvSpPr txBox="1">
+            <a:spLocks/>
+          </p:cNvSpPr>
+          <p:nvPr/>
+        </p:nvSpPr>
+        <p:spPr>
+          <a:xfrm>
+            <a:off x="7534656" y="589183"/>
+            <a:ext cx="3787650" cy="2058765"/>
+          </a:xfrm>
+          <a:prstGeom prst="rect">
+            <a:avLst/>
+          </a:prstGeom>
+          <a:noFill/>
+          <a:ln w="19050">
+            <a:noFill/>
+            <a:prstDash val="dash"/>
+          </a:ln>
+        </p:spPr>
+        <p:txBody>
+          <a:bodyPr vert="horz" lIns="91440" tIns="45720" rIns="91440" bIns="45720" rtlCol="0">
+            <a:normAutofit/>
+          </a:bodyPr>
+          <a:lstStyle>
+            <a:lvl1pPr marL="228600" indent="-228600" algn="l" defTabSz="914400" rtl="0" eaLnBrk="1" latinLnBrk="0" hangingPunct="1">
+              <a:lnSpc>
+                <a:spcPct val="90000"/>
+              </a:lnSpc>
+              <a:spcBef>
+                <a:spcPts val="1000"/>
+              </a:spcBef>
+              <a:buFont typeface="Arial" panose="020B0604020202020204" pitchFamily="34" charset="0"/>
+              <a:buChar char="•"/>
+              <a:defRPr sz="2200" kern="1200">
+                <a:solidFill>
+                  <a:schemeClr val="tx1"/>
+                </a:solidFill>
+                <a:latin typeface="+mn-lt"/>
+                <a:ea typeface="+mn-ea"/>
+                <a:cs typeface="+mn-cs"/>
+              </a:defRPr>
+            </a:lvl1pPr>
+            <a:lvl2pPr marL="685800" indent="-228600" algn="l" defTabSz="914400" rtl="0" eaLnBrk="1" latinLnBrk="0" hangingPunct="1">
+              <a:lnSpc>
+                <a:spcPct val="90000"/>
+              </a:lnSpc>
+              <a:spcBef>
+                <a:spcPts val="500"/>
+              </a:spcBef>
+              <a:buFont typeface="Arial" panose="020B0604020202020204" pitchFamily="34" charset="0"/>
+              <a:buChar char="•"/>
+              <a:defRPr sz="2000" kern="1200">
+                <a:solidFill>
+                  <a:schemeClr val="tx1"/>
+                </a:solidFill>
+                <a:latin typeface="+mn-lt"/>
+                <a:ea typeface="+mn-ea"/>
+                <a:cs typeface="+mn-cs"/>
+              </a:defRPr>
+            </a:lvl2pPr>
+            <a:lvl3pPr marL="1143000" indent="-228600" algn="l" defTabSz="914400" rtl="0" eaLnBrk="1" latinLnBrk="0" hangingPunct="1">
+              <a:lnSpc>
+                <a:spcPct val="90000"/>
+              </a:lnSpc>
+              <a:spcBef>
+                <a:spcPts val="500"/>
+              </a:spcBef>
+              <a:buFont typeface="Arial" panose="020B0604020202020204" pitchFamily="34" charset="0"/>
+              <a:buChar char="•"/>
+              <a:defRPr sz="1800" kern="1200">
+                <a:solidFill>
+                  <a:schemeClr val="tx1"/>
+                </a:solidFill>
+                <a:latin typeface="+mn-lt"/>
+                <a:ea typeface="+mn-ea"/>
+                <a:cs typeface="+mn-cs"/>
+              </a:defRPr>
+            </a:lvl3pPr>
+            <a:lvl4pPr marL="1600200" indent="-228600" algn="l" defTabSz="914400" rtl="0" eaLnBrk="1" latinLnBrk="0" hangingPunct="1">
+              <a:lnSpc>
+                <a:spcPct val="90000"/>
+              </a:lnSpc>
+              <a:spcBef>
+                <a:spcPts val="500"/>
+              </a:spcBef>
+              <a:buFont typeface="Arial" panose="020B0604020202020204" pitchFamily="34" charset="0"/>
+              <a:buChar char="•"/>
+              <a:defRPr sz="1600" kern="1200">
+                <a:solidFill>
+                  <a:schemeClr val="tx1"/>
+                </a:solidFill>
+                <a:latin typeface="+mn-lt"/>
+                <a:ea typeface="+mn-ea"/>
+                <a:cs typeface="+mn-cs"/>
+              </a:defRPr>
+            </a:lvl4pPr>
+            <a:lvl5pPr marL="2057400" indent="-228600" algn="l" defTabSz="914400" rtl="0" eaLnBrk="1" latinLnBrk="0" hangingPunct="1">
+              <a:lnSpc>
+                <a:spcPct val="90000"/>
+              </a:lnSpc>
+              <a:spcBef>
+                <a:spcPts val="500"/>
+              </a:spcBef>
+              <a:buFont typeface="Arial" panose="020B0604020202020204" pitchFamily="34" charset="0"/>
+              <a:buChar char="•"/>
+              <a:defRPr sz="1600" kern="1200">
+                <a:solidFill>
+                  <a:schemeClr val="tx1"/>
+                </a:solidFill>
+                <a:latin typeface="+mn-lt"/>
+                <a:ea typeface="+mn-ea"/>
+                <a:cs typeface="+mn-cs"/>
+              </a:defRPr>
+            </a:lvl5pPr>
+            <a:lvl6pPr marL="2514600" indent="-228600" algn="l" defTabSz="914400" rtl="0" eaLnBrk="1" latinLnBrk="0" hangingPunct="1">
+              <a:lnSpc>
+                <a:spcPct val="90000"/>
+              </a:lnSpc>
+              <a:spcBef>
+                <a:spcPts val="500"/>
+              </a:spcBef>
+              <a:buFont typeface="Arial" panose="020B0604020202020204" pitchFamily="34" charset="0"/>
+              <a:buChar char="•"/>
+              <a:defRPr sz="1600" kern="1200">
+                <a:solidFill>
+                  <a:schemeClr val="tx1"/>
+                </a:solidFill>
+                <a:latin typeface="+mn-lt"/>
+                <a:ea typeface="+mn-ea"/>
+                <a:cs typeface="+mn-cs"/>
+              </a:defRPr>
+            </a:lvl6pPr>
+            <a:lvl7pPr marL="2971800" indent="-228600" algn="l" defTabSz="914400" rtl="0" eaLnBrk="1" latinLnBrk="0" hangingPunct="1">
+              <a:lnSpc>
+                <a:spcPct val="90000"/>
+              </a:lnSpc>
+              <a:spcBef>
+                <a:spcPts val="500"/>
+              </a:spcBef>
+              <a:buFont typeface="Arial" panose="020B0604020202020204" pitchFamily="34" charset="0"/>
+              <a:buChar char="•"/>
+              <a:defRPr sz="1600" kern="1200">
+                <a:solidFill>
+                  <a:schemeClr val="tx1"/>
+                </a:solidFill>
+                <a:latin typeface="+mn-lt"/>
+                <a:ea typeface="+mn-ea"/>
+                <a:cs typeface="+mn-cs"/>
+              </a:defRPr>
+            </a:lvl7pPr>
+            <a:lvl8pPr marL="3429000" indent="-228600" algn="l" defTabSz="914400" rtl="0" eaLnBrk="1" latinLnBrk="0" hangingPunct="1">
+              <a:lnSpc>
+                <a:spcPct val="90000"/>
+              </a:lnSpc>
+              <a:spcBef>
+                <a:spcPts val="500"/>
+              </a:spcBef>
+              <a:buFont typeface="Arial" panose="020B0604020202020204" pitchFamily="34" charset="0"/>
+              <a:buChar char="•"/>
+              <a:defRPr sz="1600" kern="1200">
+                <a:solidFill>
+                  <a:schemeClr val="tx1"/>
+                </a:solidFill>
+                <a:latin typeface="+mn-lt"/>
+                <a:ea typeface="+mn-ea"/>
+                <a:cs typeface="+mn-cs"/>
+              </a:defRPr>
+            </a:lvl8pPr>
+            <a:lvl9pPr marL="3886200" indent="-228600" algn="l" defTabSz="914400" rtl="0" eaLnBrk="1" latinLnBrk="0" hangingPunct="1">
+              <a:lnSpc>
+                <a:spcPct val="90000"/>
+              </a:lnSpc>
+              <a:spcBef>
+                <a:spcPts val="500"/>
+              </a:spcBef>
+              <a:buFont typeface="Arial" panose="020B0604020202020204" pitchFamily="34" charset="0"/>
+              <a:buChar char="•"/>
+              <a:defRPr sz="1600" kern="1200">
+                <a:solidFill>
+                  <a:schemeClr val="tx1"/>
+                </a:solidFill>
+                <a:latin typeface="+mn-lt"/>
+                <a:ea typeface="+mn-ea"/>
+                <a:cs typeface="+mn-cs"/>
+              </a:defRPr>
+            </a:lvl9pPr>
+          </a:lstStyle>
+          <a:p>
+            <a:pPr marL="0" indent="0">
+              <a:spcAft>
+                <a:spcPts val="600"/>
+              </a:spcAft>
+              <a:buNone/>
+            </a:pPr>
+            <a:r>
+              <a:rPr lang="en-US" sz="2800" b="1" dirty="0"/>
+              <a:t>Winter Affectations Post-2020 on Scottish Health Service Application</a:t>
+            </a:r>
+            <a:endParaRPr lang="en-US" sz="2800" b="1" cap="all" dirty="0"/>
+          </a:p>
+        </p:txBody>
+      </p:sp>
     </p:spTree>
     <p:extLst>
       <p:ext uri="{BB962C8B-B14F-4D97-AF65-F5344CB8AC3E}">
@@ -13974,6 +14114,208 @@
                 <a:schemeClr val="bg2"/>
               </a:solidFill>
             </a:endParaRPr>
+          </a:p>
+        </p:txBody>
+      </p:sp>
+      <p:sp>
+        <p:nvSpPr>
+          <p:cNvPr id="3" name="Text Placeholder 2">
+            <a:extLst>
+              <a:ext uri="{FF2B5EF4-FFF2-40B4-BE49-F238E27FC236}">
+                <a16:creationId xmlns:a16="http://schemas.microsoft.com/office/drawing/2014/main" id="{4DBBC3C5-EEA4-AF4F-AC77-C7F9E47789F5}"/>
+              </a:ext>
+            </a:extLst>
+          </p:cNvPr>
+          <p:cNvSpPr txBox="1">
+            <a:spLocks/>
+          </p:cNvSpPr>
+          <p:nvPr/>
+        </p:nvSpPr>
+        <p:spPr>
+          <a:xfrm>
+            <a:off x="3566440" y="3158956"/>
+            <a:ext cx="5059120" cy="1863618"/>
+          </a:xfrm>
+          <a:prstGeom prst="rect">
+            <a:avLst/>
+          </a:prstGeom>
+        </p:spPr>
+        <p:txBody>
+          <a:bodyPr>
+            <a:noAutofit/>
+          </a:bodyPr>
+          <a:lstStyle>
+            <a:lvl1pPr marL="228600" indent="-228600" algn="l" defTabSz="914400" rtl="0" eaLnBrk="1" latinLnBrk="0" hangingPunct="1">
+              <a:lnSpc>
+                <a:spcPct val="90000"/>
+              </a:lnSpc>
+              <a:spcBef>
+                <a:spcPts val="1000"/>
+              </a:spcBef>
+              <a:buFont typeface="Arial" panose="020B0604020202020204" pitchFamily="34" charset="0"/>
+              <a:buChar char="•"/>
+              <a:defRPr sz="2200" kern="1200">
+                <a:solidFill>
+                  <a:schemeClr val="tx1"/>
+                </a:solidFill>
+                <a:latin typeface="+mn-lt"/>
+                <a:ea typeface="+mn-ea"/>
+                <a:cs typeface="+mn-cs"/>
+              </a:defRPr>
+            </a:lvl1pPr>
+            <a:lvl2pPr marL="685800" indent="-228600" algn="l" defTabSz="914400" rtl="0" eaLnBrk="1" latinLnBrk="0" hangingPunct="1">
+              <a:lnSpc>
+                <a:spcPct val="90000"/>
+              </a:lnSpc>
+              <a:spcBef>
+                <a:spcPts val="500"/>
+              </a:spcBef>
+              <a:buFont typeface="Arial" panose="020B0604020202020204" pitchFamily="34" charset="0"/>
+              <a:buChar char="•"/>
+              <a:defRPr sz="2000" kern="1200">
+                <a:solidFill>
+                  <a:schemeClr val="tx1"/>
+                </a:solidFill>
+                <a:latin typeface="+mn-lt"/>
+                <a:ea typeface="+mn-ea"/>
+                <a:cs typeface="+mn-cs"/>
+              </a:defRPr>
+            </a:lvl2pPr>
+            <a:lvl3pPr marL="1143000" indent="-228600" algn="l" defTabSz="914400" rtl="0" eaLnBrk="1" latinLnBrk="0" hangingPunct="1">
+              <a:lnSpc>
+                <a:spcPct val="90000"/>
+              </a:lnSpc>
+              <a:spcBef>
+                <a:spcPts val="500"/>
+              </a:spcBef>
+              <a:buFont typeface="Arial" panose="020B0604020202020204" pitchFamily="34" charset="0"/>
+              <a:buChar char="•"/>
+              <a:defRPr sz="1800" kern="1200">
+                <a:solidFill>
+                  <a:schemeClr val="tx1"/>
+                </a:solidFill>
+                <a:latin typeface="+mn-lt"/>
+                <a:ea typeface="+mn-ea"/>
+                <a:cs typeface="+mn-cs"/>
+              </a:defRPr>
+            </a:lvl3pPr>
+            <a:lvl4pPr marL="1600200" indent="-228600" algn="l" defTabSz="914400" rtl="0" eaLnBrk="1" latinLnBrk="0" hangingPunct="1">
+              <a:lnSpc>
+                <a:spcPct val="90000"/>
+              </a:lnSpc>
+              <a:spcBef>
+                <a:spcPts val="500"/>
+              </a:spcBef>
+              <a:buFont typeface="Arial" panose="020B0604020202020204" pitchFamily="34" charset="0"/>
+              <a:buChar char="•"/>
+              <a:defRPr sz="1600" kern="1200">
+                <a:solidFill>
+                  <a:schemeClr val="tx1"/>
+                </a:solidFill>
+                <a:latin typeface="+mn-lt"/>
+                <a:ea typeface="+mn-ea"/>
+                <a:cs typeface="+mn-cs"/>
+              </a:defRPr>
+            </a:lvl4pPr>
+            <a:lvl5pPr marL="2057400" indent="-228600" algn="l" defTabSz="914400" rtl="0" eaLnBrk="1" latinLnBrk="0" hangingPunct="1">
+              <a:lnSpc>
+                <a:spcPct val="90000"/>
+              </a:lnSpc>
+              <a:spcBef>
+                <a:spcPts val="500"/>
+              </a:spcBef>
+              <a:buFont typeface="Arial" panose="020B0604020202020204" pitchFamily="34" charset="0"/>
+              <a:buChar char="•"/>
+              <a:defRPr sz="1600" kern="1200">
+                <a:solidFill>
+                  <a:schemeClr val="tx1"/>
+                </a:solidFill>
+                <a:latin typeface="+mn-lt"/>
+                <a:ea typeface="+mn-ea"/>
+                <a:cs typeface="+mn-cs"/>
+              </a:defRPr>
+            </a:lvl5pPr>
+            <a:lvl6pPr marL="2514600" indent="-228600" algn="l" defTabSz="914400" rtl="0" eaLnBrk="1" latinLnBrk="0" hangingPunct="1">
+              <a:lnSpc>
+                <a:spcPct val="90000"/>
+              </a:lnSpc>
+              <a:spcBef>
+                <a:spcPts val="500"/>
+              </a:spcBef>
+              <a:buFont typeface="Arial" panose="020B0604020202020204" pitchFamily="34" charset="0"/>
+              <a:buChar char="•"/>
+              <a:defRPr sz="1600" kern="1200">
+                <a:solidFill>
+                  <a:schemeClr val="tx1"/>
+                </a:solidFill>
+                <a:latin typeface="+mn-lt"/>
+                <a:ea typeface="+mn-ea"/>
+                <a:cs typeface="+mn-cs"/>
+              </a:defRPr>
+            </a:lvl6pPr>
+            <a:lvl7pPr marL="2971800" indent="-228600" algn="l" defTabSz="914400" rtl="0" eaLnBrk="1" latinLnBrk="0" hangingPunct="1">
+              <a:lnSpc>
+                <a:spcPct val="90000"/>
+              </a:lnSpc>
+              <a:spcBef>
+                <a:spcPts val="500"/>
+              </a:spcBef>
+              <a:buFont typeface="Arial" panose="020B0604020202020204" pitchFamily="34" charset="0"/>
+              <a:buChar char="•"/>
+              <a:defRPr sz="1600" kern="1200">
+                <a:solidFill>
+                  <a:schemeClr val="tx1"/>
+                </a:solidFill>
+                <a:latin typeface="+mn-lt"/>
+                <a:ea typeface="+mn-ea"/>
+                <a:cs typeface="+mn-cs"/>
+              </a:defRPr>
+            </a:lvl7pPr>
+            <a:lvl8pPr marL="3429000" indent="-228600" algn="l" defTabSz="914400" rtl="0" eaLnBrk="1" latinLnBrk="0" hangingPunct="1">
+              <a:lnSpc>
+                <a:spcPct val="90000"/>
+              </a:lnSpc>
+              <a:spcBef>
+                <a:spcPts val="500"/>
+              </a:spcBef>
+              <a:buFont typeface="Arial" panose="020B0604020202020204" pitchFamily="34" charset="0"/>
+              <a:buChar char="•"/>
+              <a:defRPr sz="1600" kern="1200">
+                <a:solidFill>
+                  <a:schemeClr val="tx1"/>
+                </a:solidFill>
+                <a:latin typeface="+mn-lt"/>
+                <a:ea typeface="+mn-ea"/>
+                <a:cs typeface="+mn-cs"/>
+              </a:defRPr>
+            </a:lvl8pPr>
+            <a:lvl9pPr marL="3886200" indent="-228600" algn="l" defTabSz="914400" rtl="0" eaLnBrk="1" latinLnBrk="0" hangingPunct="1">
+              <a:lnSpc>
+                <a:spcPct val="90000"/>
+              </a:lnSpc>
+              <a:spcBef>
+                <a:spcPts val="500"/>
+              </a:spcBef>
+              <a:buFont typeface="Arial" panose="020B0604020202020204" pitchFamily="34" charset="0"/>
+              <a:buChar char="•"/>
+              <a:defRPr sz="1600" kern="1200">
+                <a:solidFill>
+                  <a:schemeClr val="tx1"/>
+                </a:solidFill>
+                <a:latin typeface="+mn-lt"/>
+                <a:ea typeface="+mn-ea"/>
+                <a:cs typeface="+mn-cs"/>
+              </a:defRPr>
+            </a:lvl9pPr>
+          </a:lstStyle>
+          <a:p>
+            <a:pPr marL="0" indent="0">
+              <a:buNone/>
+            </a:pPr>
+            <a:r>
+              <a:rPr lang="en-GB" sz="4400" dirty="0"/>
+              <a:t>Any questions?</a:t>
+            </a:r>
           </a:p>
         </p:txBody>
       </p:sp>

--- a/Presentation/PHS Rshiny Team Klas.pptx
+++ b/Presentation/PHS Rshiny Team Klas.pptx
@@ -5,7 +5,7 @@
     <p:sldMasterId id="2147483648" r:id="rId1"/>
   </p:sldMasterIdLst>
   <p:notesMasterIdLst>
-    <p:notesMasterId r:id="rId13"/>
+    <p:notesMasterId r:id="rId14"/>
   </p:notesMasterIdLst>
   <p:sldIdLst>
     <p:sldId id="256" r:id="rId2"/>
@@ -18,7 +18,8 @@
     <p:sldId id="267" r:id="rId9"/>
     <p:sldId id="265" r:id="rId10"/>
     <p:sldId id="268" r:id="rId11"/>
-    <p:sldId id="266" r:id="rId12"/>
+    <p:sldId id="269" r:id="rId12"/>
+    <p:sldId id="266" r:id="rId13"/>
   </p:sldIdLst>
   <p:sldSz cx="12192000" cy="6858000"/>
   <p:notesSz cx="6858000" cy="9144000"/>
@@ -6478,7 +6479,7 @@
           <a:p>
             <a:fld id="{24D6E255-0C17-194D-89AA-82B24F597BBC}" type="datetimeFigureOut">
               <a:rPr lang="en-US" smtClean="0"/>
-              <a:t>2/3/22</a:t>
+              <a:t>2/3/2022</a:t>
             </a:fld>
             <a:endParaRPr lang="en-US"/>
           </a:p>
@@ -7609,7 +7610,7 @@
           <a:p>
             <a:fld id="{48A87A34-81AB-432B-8DAE-1953F412C126}" type="datetimeFigureOut">
               <a:rPr lang="en-US" dirty="0"/>
-              <a:t>2/3/22</a:t>
+              <a:t>2/3/2022</a:t>
             </a:fld>
             <a:endParaRPr lang="en-US" dirty="0"/>
           </a:p>
@@ -7871,7 +7872,7 @@
           <a:p>
             <a:fld id="{48A87A34-81AB-432B-8DAE-1953F412C126}" type="datetimeFigureOut">
               <a:rPr lang="en-US" dirty="0"/>
-              <a:t>2/3/22</a:t>
+              <a:t>2/3/2022</a:t>
             </a:fld>
             <a:endParaRPr lang="en-US" dirty="0"/>
           </a:p>
@@ -8098,7 +8099,7 @@
             <a:fld id="{48A87A34-81AB-432B-8DAE-1953F412C126}" type="datetimeFigureOut">
               <a:rPr lang="en-US" dirty="0"/>
               <a:pPr/>
-              <a:t>2/3/22</a:t>
+              <a:t>2/3/2022</a:t>
             </a:fld>
             <a:endParaRPr lang="en-US" dirty="0"/>
           </a:p>
@@ -8404,7 +8405,7 @@
             <a:fld id="{48A87A34-81AB-432B-8DAE-1953F412C126}" type="datetimeFigureOut">
               <a:rPr lang="en-US" dirty="0"/>
               <a:pPr/>
-              <a:t>2/3/22</a:t>
+              <a:t>2/3/2022</a:t>
             </a:fld>
             <a:endParaRPr lang="en-US" dirty="0"/>
           </a:p>
@@ -8873,7 +8874,7 @@
             <a:fld id="{48A87A34-81AB-432B-8DAE-1953F412C126}" type="datetimeFigureOut">
               <a:rPr lang="en-US" dirty="0"/>
               <a:pPr/>
-              <a:t>2/3/22</a:t>
+              <a:t>2/3/2022</a:t>
             </a:fld>
             <a:endParaRPr lang="en-US" dirty="0"/>
           </a:p>
@@ -9415,7 +9416,7 @@
           <a:p>
             <a:fld id="{48A87A34-81AB-432B-8DAE-1953F412C126}" type="datetimeFigureOut">
               <a:rPr lang="en-US" dirty="0"/>
-              <a:t>2/3/22</a:t>
+              <a:t>2/3/2022</a:t>
             </a:fld>
             <a:endParaRPr lang="en-US" dirty="0"/>
           </a:p>
@@ -10184,7 +10185,7 @@
           <a:p>
             <a:fld id="{48A87A34-81AB-432B-8DAE-1953F412C126}" type="datetimeFigureOut">
               <a:rPr lang="en-US" dirty="0"/>
-              <a:t>2/3/22</a:t>
+              <a:t>2/3/2022</a:t>
             </a:fld>
             <a:endParaRPr lang="en-US" dirty="0"/>
           </a:p>
@@ -10354,7 +10355,7 @@
           <a:p>
             <a:fld id="{48A87A34-81AB-432B-8DAE-1953F412C126}" type="datetimeFigureOut">
               <a:rPr lang="en-US" dirty="0"/>
-              <a:t>2/3/22</a:t>
+              <a:t>2/3/2022</a:t>
             </a:fld>
             <a:endParaRPr lang="en-US" dirty="0"/>
           </a:p>
@@ -10573,7 +10574,7 @@
             <a:fld id="{48A87A34-81AB-432B-8DAE-1953F412C126}" type="datetimeFigureOut">
               <a:rPr lang="en-US" dirty="0"/>
               <a:pPr/>
-              <a:t>2/3/22</a:t>
+              <a:t>2/3/2022</a:t>
             </a:fld>
             <a:endParaRPr lang="en-US" dirty="0"/>
           </a:p>
@@ -10756,7 +10757,7 @@
           <a:p>
             <a:fld id="{48A87A34-81AB-432B-8DAE-1953F412C126}" type="datetimeFigureOut">
               <a:rPr lang="en-US" dirty="0"/>
-              <a:t>2/3/22</a:t>
+              <a:t>2/3/2022</a:t>
             </a:fld>
             <a:endParaRPr lang="en-US" dirty="0"/>
           </a:p>
@@ -11041,7 +11042,7 @@
             <a:fld id="{48A87A34-81AB-432B-8DAE-1953F412C126}" type="datetimeFigureOut">
               <a:rPr lang="en-US" dirty="0"/>
               <a:pPr/>
-              <a:t>2/3/22</a:t>
+              <a:t>2/3/2022</a:t>
             </a:fld>
             <a:endParaRPr lang="en-US" dirty="0"/>
           </a:p>
@@ -11278,7 +11279,7 @@
           <a:p>
             <a:fld id="{48A87A34-81AB-432B-8DAE-1953F412C126}" type="datetimeFigureOut">
               <a:rPr lang="en-US" dirty="0"/>
-              <a:t>2/3/22</a:t>
+              <a:t>2/3/2022</a:t>
             </a:fld>
             <a:endParaRPr lang="en-US" dirty="0"/>
           </a:p>
@@ -11652,7 +11653,7 @@
           <a:p>
             <a:fld id="{48A87A34-81AB-432B-8DAE-1953F412C126}" type="datetimeFigureOut">
               <a:rPr lang="en-US" dirty="0"/>
-              <a:t>2/3/22</a:t>
+              <a:t>2/3/2022</a:t>
             </a:fld>
             <a:endParaRPr lang="en-US" dirty="0"/>
           </a:p>
@@ -11765,7 +11766,7 @@
           <a:p>
             <a:fld id="{48A87A34-81AB-432B-8DAE-1953F412C126}" type="datetimeFigureOut">
               <a:rPr lang="en-US" dirty="0"/>
-              <a:t>2/3/22</a:t>
+              <a:t>2/3/2022</a:t>
             </a:fld>
             <a:endParaRPr lang="en-US" dirty="0"/>
           </a:p>
@@ -11855,7 +11856,7 @@
           <a:p>
             <a:fld id="{48A87A34-81AB-432B-8DAE-1953F412C126}" type="datetimeFigureOut">
               <a:rPr lang="en-US" dirty="0"/>
-              <a:t>2/3/22</a:t>
+              <a:t>2/3/2022</a:t>
             </a:fld>
             <a:endParaRPr lang="en-US" dirty="0"/>
           </a:p>
@@ -12099,7 +12100,7 @@
           <a:p>
             <a:fld id="{48A87A34-81AB-432B-8DAE-1953F412C126}" type="datetimeFigureOut">
               <a:rPr lang="en-US" dirty="0"/>
-              <a:t>2/3/22</a:t>
+              <a:t>2/3/2022</a:t>
             </a:fld>
             <a:endParaRPr lang="en-US" dirty="0"/>
           </a:p>
@@ -12351,7 +12352,7 @@
           <a:p>
             <a:fld id="{48A87A34-81AB-432B-8DAE-1953F412C126}" type="datetimeFigureOut">
               <a:rPr lang="en-US" dirty="0"/>
-              <a:t>2/3/22</a:t>
+              <a:t>2/3/2022</a:t>
             </a:fld>
             <a:endParaRPr lang="en-US" dirty="0"/>
           </a:p>
@@ -12590,7 +12591,7 @@
             <a:fld id="{48A87A34-81AB-432B-8DAE-1953F412C126}" type="datetimeFigureOut">
               <a:rPr lang="en-US" dirty="0"/>
               <a:pPr/>
-              <a:t>2/3/22</a:t>
+              <a:t>2/3/2022</a:t>
             </a:fld>
             <a:endParaRPr lang="en-US" dirty="0"/>
           </a:p>
@@ -14050,6 +14051,1790 @@
 </file>
 
 <file path=ppt/slides/slide11.xml><?xml version="1.0" encoding="utf-8"?>
+<p:sld xmlns:a="http://schemas.openxmlformats.org/drawingml/2006/main" xmlns:r="http://schemas.openxmlformats.org/officeDocument/2006/relationships" xmlns:p="http://schemas.openxmlformats.org/presentationml/2006/main">
+  <p:cSld>
+    <p:spTree>
+      <p:nvGrpSpPr>
+        <p:cNvPr id="1" name=""/>
+        <p:cNvGrpSpPr/>
+        <p:nvPr/>
+      </p:nvGrpSpPr>
+      <p:grpSpPr>
+        <a:xfrm>
+          <a:off x="0" y="0"/>
+          <a:ext cx="0" cy="0"/>
+          <a:chOff x="0" y="0"/>
+          <a:chExt cx="0" cy="0"/>
+        </a:xfrm>
+      </p:grpSpPr>
+      <p:sp>
+        <p:nvSpPr>
+          <p:cNvPr id="2" name="Title 1">
+            <a:extLst>
+              <a:ext uri="{FF2B5EF4-FFF2-40B4-BE49-F238E27FC236}">
+                <a16:creationId xmlns:a16="http://schemas.microsoft.com/office/drawing/2014/main" id="{1E032129-E5B2-453A-A9EE-89C87660BA71}"/>
+              </a:ext>
+            </a:extLst>
+          </p:cNvPr>
+          <p:cNvSpPr txBox="1">
+            <a:spLocks/>
+          </p:cNvSpPr>
+          <p:nvPr/>
+        </p:nvSpPr>
+        <p:spPr>
+          <a:xfrm>
+            <a:off x="927315" y="609390"/>
+            <a:ext cx="8610600" cy="1293028"/>
+          </a:xfrm>
+          <a:prstGeom prst="rect">
+            <a:avLst/>
+          </a:prstGeom>
+        </p:spPr>
+        <p:txBody>
+          <a:bodyPr>
+            <a:normAutofit/>
+          </a:bodyPr>
+          <a:lstStyle>
+            <a:lvl1pPr algn="r" defTabSz="914400" rtl="0" eaLnBrk="1" latinLnBrk="0" hangingPunct="1">
+              <a:lnSpc>
+                <a:spcPct val="90000"/>
+              </a:lnSpc>
+              <a:spcBef>
+                <a:spcPct val="0"/>
+              </a:spcBef>
+              <a:buNone/>
+              <a:defRPr sz="4000" kern="1200" cap="all" baseline="0">
+                <a:solidFill>
+                  <a:schemeClr val="tx1"/>
+                </a:solidFill>
+                <a:latin typeface="+mj-lt"/>
+                <a:ea typeface="+mj-ea"/>
+                <a:cs typeface="+mj-cs"/>
+              </a:defRPr>
+            </a:lvl1pPr>
+          </a:lstStyle>
+          <a:p>
+            <a:pPr algn="l"/>
+            <a:r>
+              <a:rPr lang="en-US" b="1" dirty="0">
+                <a:solidFill>
+                  <a:schemeClr val="bg2"/>
+                </a:solidFill>
+              </a:rPr>
+              <a:t>results</a:t>
+            </a:r>
+            <a:endParaRPr lang="en-US" dirty="0"/>
+          </a:p>
+        </p:txBody>
+      </p:sp>
+      <mc:AlternateContent xmlns:mc="http://schemas.openxmlformats.org/markup-compatibility/2006">
+        <mc:Choice xmlns:a14="http://schemas.microsoft.com/office/drawing/2010/main" Requires="a14">
+          <p:graphicFrame>
+            <p:nvGraphicFramePr>
+              <p:cNvPr id="4" name="Table 4">
+                <a:extLst>
+                  <a:ext uri="{FF2B5EF4-FFF2-40B4-BE49-F238E27FC236}">
+                    <a16:creationId xmlns:a16="http://schemas.microsoft.com/office/drawing/2014/main" id="{296AA3D8-87CF-4B3A-9AF6-5324AA89F96A}"/>
+                  </a:ext>
+                </a:extLst>
+              </p:cNvPr>
+              <p:cNvGraphicFramePr>
+                <a:graphicFrameLocks/>
+              </p:cNvGraphicFramePr>
+              <p:nvPr>
+                <p:extLst>
+                  <p:ext uri="{D42A27DB-BD31-4B8C-83A1-F6EECF244321}">
+                    <p14:modId xmlns:p14="http://schemas.microsoft.com/office/powerpoint/2010/main" val="2241294273"/>
+                  </p:ext>
+                </p:extLst>
+              </p:nvPr>
+            </p:nvGraphicFramePr>
+            <p:xfrm>
+              <a:off x="1148751" y="2079711"/>
+              <a:ext cx="9894498" cy="4015643"/>
+            </p:xfrm>
+            <a:graphic>
+              <a:graphicData uri="http://schemas.openxmlformats.org/drawingml/2006/table">
+                <a:tbl>
+                  <a:tblPr firstRow="1" bandRow="1">
+                    <a:tableStyleId>{5C22544A-7EE6-4342-B048-85BDC9FD1C3A}</a:tableStyleId>
+                  </a:tblPr>
+                  <a:tblGrid>
+                    <a:gridCol w="1753409">
+                      <a:extLst>
+                        <a:ext uri="{9D8B030D-6E8A-4147-A177-3AD203B41FA5}">
+                          <a16:colId xmlns:a16="http://schemas.microsoft.com/office/drawing/2014/main" val="2480767501"/>
+                        </a:ext>
+                      </a:extLst>
+                    </a:gridCol>
+                    <a:gridCol w="4042104">
+                      <a:extLst>
+                        <a:ext uri="{9D8B030D-6E8A-4147-A177-3AD203B41FA5}">
+                          <a16:colId xmlns:a16="http://schemas.microsoft.com/office/drawing/2014/main" val="2220793226"/>
+                        </a:ext>
+                      </a:extLst>
+                    </a:gridCol>
+                    <a:gridCol w="4098985">
+                      <a:extLst>
+                        <a:ext uri="{9D8B030D-6E8A-4147-A177-3AD203B41FA5}">
+                          <a16:colId xmlns:a16="http://schemas.microsoft.com/office/drawing/2014/main" val="3967160999"/>
+                        </a:ext>
+                      </a:extLst>
+                    </a:gridCol>
+                  </a:tblGrid>
+                  <a:tr h="674527">
+                    <a:tc>
+                      <a:txBody>
+                        <a:bodyPr/>
+                        <a:lstStyle/>
+                        <a:p>
+                          <a:r>
+                            <a:rPr lang="en-GB" dirty="0"/>
+                            <a:t>Index</a:t>
+                          </a:r>
+                        </a:p>
+                      </a:txBody>
+                      <a:tcPr>
+                        <a:solidFill>
+                          <a:srgbClr val="222323"/>
+                        </a:solidFill>
+                      </a:tcPr>
+                    </a:tc>
+                    <a:tc>
+                      <a:txBody>
+                        <a:bodyPr/>
+                        <a:lstStyle/>
+                        <a:p>
+                          <a:r>
+                            <a:rPr lang="en-GB" dirty="0"/>
+                            <a:t>Covid Impact on hospital Activity</a:t>
+                          </a:r>
+                        </a:p>
+                      </a:txBody>
+                      <a:tcPr>
+                        <a:solidFill>
+                          <a:srgbClr val="222323"/>
+                        </a:solidFill>
+                      </a:tcPr>
+                    </a:tc>
+                    <a:tc>
+                      <a:txBody>
+                        <a:bodyPr/>
+                        <a:lstStyle/>
+                        <a:p>
+                          <a:r>
+                            <a:rPr lang="en-GB" dirty="0"/>
+                            <a:t>Winter Impact on Hospital Activity</a:t>
+                          </a:r>
+                        </a:p>
+                      </a:txBody>
+                      <a:tcPr>
+                        <a:solidFill>
+                          <a:srgbClr val="222323"/>
+                        </a:solidFill>
+                      </a:tcPr>
+                    </a:tc>
+                    <a:extLst>
+                      <a:ext uri="{0D108BD9-81ED-4DB2-BD59-A6C34878D82A}">
+                        <a16:rowId xmlns:a16="http://schemas.microsoft.com/office/drawing/2014/main" val="3295140544"/>
+                      </a:ext>
+                    </a:extLst>
+                  </a:tr>
+                  <a:tr h="1349225">
+                    <a:tc>
+                      <a:txBody>
+                        <a:bodyPr/>
+                        <a:lstStyle/>
+                        <a:p>
+                          <a:pPr marL="0" marR="0" lvl="0" indent="0" algn="l" defTabSz="914400" rtl="0" eaLnBrk="1" fontAlgn="auto" latinLnBrk="0" hangingPunct="1">
+                            <a:lnSpc>
+                              <a:spcPct val="100000"/>
+                            </a:lnSpc>
+                            <a:spcBef>
+                              <a:spcPts val="0"/>
+                            </a:spcBef>
+                            <a:spcAft>
+                              <a:spcPts val="0"/>
+                            </a:spcAft>
+                            <a:buClrTx/>
+                            <a:buSzTx/>
+                            <a:buFontTx/>
+                            <a:buNone/>
+                            <a:tabLst/>
+                            <a:defRPr/>
+                          </a:pPr>
+                          <a:r>
+                            <a:rPr lang="en-GB" sz="1800" b="1" i="0" kern="1200" dirty="0">
+                              <a:solidFill>
+                                <a:schemeClr val="dk1"/>
+                              </a:solidFill>
+                              <a:effectLst/>
+                              <a:latin typeface="+mn-lt"/>
+                              <a:ea typeface="+mn-ea"/>
+                              <a:cs typeface="+mn-cs"/>
+                            </a:rPr>
+                            <a:t>Setup:</a:t>
+                          </a:r>
+                        </a:p>
+                      </a:txBody>
+                      <a:tcPr/>
+                    </a:tc>
+                    <a:tc>
+                      <a:txBody>
+                        <a:bodyPr/>
+                        <a:lstStyle/>
+                        <a:p>
+                          <a:r>
+                            <a:rPr lang="el-GR" sz="1800" b="1" i="0" kern="1200" dirty="0">
+                              <a:solidFill>
+                                <a:schemeClr val="dk1"/>
+                              </a:solidFill>
+                              <a:effectLst/>
+                              <a:latin typeface="+mn-lt"/>
+                              <a:ea typeface="+mn-ea"/>
+                              <a:cs typeface="+mn-cs"/>
+                            </a:rPr>
+                            <a:t>α</a:t>
+                          </a:r>
+                          <a:r>
+                            <a:rPr lang="en-GB" sz="1800" b="1" i="0" kern="1200" dirty="0">
+                              <a:solidFill>
+                                <a:schemeClr val="dk1"/>
+                              </a:solidFill>
+                              <a:effectLst/>
+                              <a:latin typeface="+mn-lt"/>
+                              <a:ea typeface="+mn-ea"/>
+                              <a:cs typeface="+mn-cs"/>
+                            </a:rPr>
+                            <a:t> = 0.05</a:t>
+                          </a:r>
+                          <a:endParaRPr lang="en-GB" sz="1800" b="1" i="1" kern="1200" dirty="0">
+                            <a:solidFill>
+                              <a:schemeClr val="dk1"/>
+                            </a:solidFill>
+                            <a:effectLst/>
+                            <a:latin typeface="Cambria Math" panose="02040503050406030204" pitchFamily="18" charset="0"/>
+                            <a:ea typeface="+mn-ea"/>
+                            <a:cs typeface="+mn-cs"/>
+                          </a:endParaRPr>
+                        </a:p>
+                        <a:p>
+                          <a14:m>
+                            <m:oMath xmlns:m="http://schemas.openxmlformats.org/officeDocument/2006/math">
+                              <m:sSub>
+                                <m:sSubPr>
+                                  <m:ctrlPr>
+                                    <a:rPr lang="en-GB" sz="1800" b="1" i="1" kern="1200" smtClean="0">
+                                      <a:solidFill>
+                                        <a:schemeClr val="dk1"/>
+                                      </a:solidFill>
+                                      <a:effectLst/>
+                                      <a:latin typeface="Cambria Math" panose="02040503050406030204" pitchFamily="18" charset="0"/>
+                                      <a:ea typeface="+mn-ea"/>
+                                      <a:cs typeface="+mn-cs"/>
+                                    </a:rPr>
+                                  </m:ctrlPr>
+                                </m:sSubPr>
+                                <m:e>
+                                  <m:r>
+                                    <a:rPr lang="en-GB" sz="1800" b="1" i="1" kern="1200" smtClean="0">
+                                      <a:solidFill>
+                                        <a:schemeClr val="dk1"/>
+                                      </a:solidFill>
+                                      <a:effectLst/>
+                                      <a:latin typeface="Cambria Math" panose="02040503050406030204" pitchFamily="18" charset="0"/>
+                                      <a:ea typeface="+mn-ea"/>
+                                      <a:cs typeface="+mn-cs"/>
+                                    </a:rPr>
+                                    <m:t>𝑯</m:t>
+                                  </m:r>
+                                </m:e>
+                                <m:sub>
+                                  <m:r>
+                                    <a:rPr lang="en-GB" sz="1800" b="1" i="1" kern="1200" smtClean="0">
+                                      <a:solidFill>
+                                        <a:schemeClr val="dk1"/>
+                                      </a:solidFill>
+                                      <a:effectLst/>
+                                      <a:latin typeface="Cambria Math" panose="02040503050406030204" pitchFamily="18" charset="0"/>
+                                      <a:ea typeface="+mn-ea"/>
+                                      <a:cs typeface="+mn-cs"/>
+                                    </a:rPr>
+                                    <m:t>𝟎</m:t>
+                                  </m:r>
+                                </m:sub>
+                              </m:sSub>
+                              <m:r>
+                                <a:rPr lang="en-GB" sz="1800" b="1" i="1" kern="1200" smtClean="0">
+                                  <a:solidFill>
+                                    <a:schemeClr val="dk1"/>
+                                  </a:solidFill>
+                                  <a:effectLst/>
+                                  <a:latin typeface="Cambria Math" panose="02040503050406030204" pitchFamily="18" charset="0"/>
+                                  <a:ea typeface="+mn-ea"/>
+                                  <a:cs typeface="+mn-cs"/>
+                                </a:rPr>
+                                <m:t>=</m:t>
+                              </m:r>
+                              <m:sSub>
+                                <m:sSubPr>
+                                  <m:ctrlPr>
+                                    <a:rPr lang="en-GB" sz="1800" b="1" i="1" kern="1200" smtClean="0">
+                                      <a:solidFill>
+                                        <a:schemeClr val="dk1"/>
+                                      </a:solidFill>
+                                      <a:effectLst/>
+                                      <a:latin typeface="Cambria Math" panose="02040503050406030204" pitchFamily="18" charset="0"/>
+                                      <a:ea typeface="+mn-ea"/>
+                                      <a:cs typeface="+mn-cs"/>
+                                    </a:rPr>
+                                  </m:ctrlPr>
+                                </m:sSubPr>
+                                <m:e>
+                                  <m:r>
+                                    <a:rPr lang="en-GB" sz="1800" b="1" i="1" kern="1200" smtClean="0">
+                                      <a:solidFill>
+                                        <a:schemeClr val="dk1"/>
+                                      </a:solidFill>
+                                      <a:effectLst/>
+                                      <a:latin typeface="Cambria Math" panose="02040503050406030204" pitchFamily="18" charset="0"/>
+                                      <a:ea typeface="Cambria Math" panose="02040503050406030204" pitchFamily="18" charset="0"/>
+                                      <a:cs typeface="+mn-cs"/>
+                                    </a:rPr>
+                                    <m:t>𝝁</m:t>
+                                  </m:r>
+                                </m:e>
+                                <m:sub>
+                                  <m:r>
+                                    <a:rPr lang="en-GB" sz="1800" b="1" i="1" kern="1200" smtClean="0">
+                                      <a:solidFill>
+                                        <a:schemeClr val="dk1"/>
+                                      </a:solidFill>
+                                      <a:effectLst/>
+                                      <a:latin typeface="Cambria Math" panose="02040503050406030204" pitchFamily="18" charset="0"/>
+                                      <a:ea typeface="+mn-ea"/>
+                                      <a:cs typeface="+mn-cs"/>
+                                    </a:rPr>
+                                    <m:t>𝒄𝒐𝒗</m:t>
+                                  </m:r>
+                                </m:sub>
+                              </m:sSub>
+                            </m:oMath>
+                          </a14:m>
+                          <a:r>
+                            <a:rPr lang="en-GB" sz="1800" b="1" i="0" kern="1200" dirty="0">
+                              <a:solidFill>
+                                <a:schemeClr val="dk1"/>
+                              </a:solidFill>
+                              <a:effectLst/>
+                              <a:latin typeface="+mn-lt"/>
+                              <a:ea typeface="+mn-ea"/>
+                              <a:cs typeface="+mn-cs"/>
+                            </a:rPr>
+                            <a:t>-</a:t>
+                          </a:r>
+                          <a14:m>
+                            <m:oMath xmlns:m="http://schemas.openxmlformats.org/officeDocument/2006/math">
+                              <m:r>
+                                <a:rPr lang="en-GB" sz="1800" b="1" i="0" kern="1200" smtClean="0">
+                                  <a:solidFill>
+                                    <a:schemeClr val="dk1"/>
+                                  </a:solidFill>
+                                  <a:effectLst/>
+                                  <a:latin typeface="Cambria Math" panose="02040503050406030204" pitchFamily="18" charset="0"/>
+                                  <a:ea typeface="+mn-ea"/>
+                                  <a:cs typeface="+mn-cs"/>
+                                </a:rPr>
+                                <m:t> </m:t>
+                              </m:r>
+                              <m:sSub>
+                                <m:sSubPr>
+                                  <m:ctrlPr>
+                                    <a:rPr lang="en-GB" sz="1800" b="1" i="1" kern="1200" smtClean="0">
+                                      <a:solidFill>
+                                        <a:schemeClr val="dk1"/>
+                                      </a:solidFill>
+                                      <a:effectLst/>
+                                      <a:latin typeface="Cambria Math" panose="02040503050406030204" pitchFamily="18" charset="0"/>
+                                      <a:ea typeface="+mn-ea"/>
+                                      <a:cs typeface="+mn-cs"/>
+                                    </a:rPr>
+                                  </m:ctrlPr>
+                                </m:sSubPr>
+                                <m:e>
+                                  <m:r>
+                                    <a:rPr lang="en-GB" sz="1800" b="1" i="1" kern="1200" smtClean="0">
+                                      <a:solidFill>
+                                        <a:schemeClr val="dk1"/>
+                                      </a:solidFill>
+                                      <a:effectLst/>
+                                      <a:latin typeface="Cambria Math" panose="02040503050406030204" pitchFamily="18" charset="0"/>
+                                      <a:ea typeface="Cambria Math" panose="02040503050406030204" pitchFamily="18" charset="0"/>
+                                      <a:cs typeface="+mn-cs"/>
+                                    </a:rPr>
+                                    <m:t>𝝁</m:t>
+                                  </m:r>
+                                </m:e>
+                                <m:sub>
+                                  <m:r>
+                                    <a:rPr lang="en-GB" sz="1800" b="1" i="1" kern="1200" smtClean="0">
+                                      <a:solidFill>
+                                        <a:schemeClr val="dk1"/>
+                                      </a:solidFill>
+                                      <a:effectLst/>
+                                      <a:latin typeface="Cambria Math" panose="02040503050406030204" pitchFamily="18" charset="0"/>
+                                      <a:ea typeface="+mn-ea"/>
+                                      <a:cs typeface="+mn-cs"/>
+                                    </a:rPr>
+                                    <m:t>𝒑𝒓𝒆𝒄𝒐𝒗</m:t>
+                                  </m:r>
+                                </m:sub>
+                              </m:sSub>
+                            </m:oMath>
+                          </a14:m>
+                          <a:r>
+                            <a:rPr lang="en-GB" sz="1800" b="1" i="0" kern="1200" dirty="0">
+                              <a:solidFill>
+                                <a:schemeClr val="dk1"/>
+                              </a:solidFill>
+                              <a:effectLst/>
+                              <a:latin typeface="+mn-lt"/>
+                              <a:ea typeface="+mn-ea"/>
+                              <a:cs typeface="+mn-cs"/>
+                            </a:rPr>
+                            <a:t> = 0</a:t>
+                          </a:r>
+                        </a:p>
+                        <a:p>
+                          <a:pPr marL="0" marR="0" lvl="0" indent="0" algn="l" defTabSz="914400" rtl="0" eaLnBrk="1" fontAlgn="auto" latinLnBrk="0" hangingPunct="1">
+                            <a:lnSpc>
+                              <a:spcPct val="100000"/>
+                            </a:lnSpc>
+                            <a:spcBef>
+                              <a:spcPts val="0"/>
+                            </a:spcBef>
+                            <a:spcAft>
+                              <a:spcPts val="0"/>
+                            </a:spcAft>
+                            <a:buClrTx/>
+                            <a:buSzTx/>
+                            <a:buFontTx/>
+                            <a:buNone/>
+                            <a:tabLst/>
+                            <a:defRPr/>
+                          </a:pPr>
+                          <a14:m>
+                            <m:oMath xmlns:m="http://schemas.openxmlformats.org/officeDocument/2006/math">
+                              <m:sSub>
+                                <m:sSubPr>
+                                  <m:ctrlPr>
+                                    <a:rPr lang="en-GB" sz="1800" b="1" i="1" kern="1200" smtClean="0">
+                                      <a:solidFill>
+                                        <a:schemeClr val="dk1"/>
+                                      </a:solidFill>
+                                      <a:effectLst/>
+                                      <a:latin typeface="Cambria Math" panose="02040503050406030204" pitchFamily="18" charset="0"/>
+                                      <a:ea typeface="+mn-ea"/>
+                                      <a:cs typeface="+mn-cs"/>
+                                    </a:rPr>
+                                  </m:ctrlPr>
+                                </m:sSubPr>
+                                <m:e>
+                                  <m:r>
+                                    <a:rPr lang="en-GB" sz="1800" b="1" i="1" kern="1200" smtClean="0">
+                                      <a:solidFill>
+                                        <a:schemeClr val="dk1"/>
+                                      </a:solidFill>
+                                      <a:effectLst/>
+                                      <a:latin typeface="Cambria Math" panose="02040503050406030204" pitchFamily="18" charset="0"/>
+                                      <a:ea typeface="+mn-ea"/>
+                                      <a:cs typeface="+mn-cs"/>
+                                    </a:rPr>
+                                    <m:t>𝑯</m:t>
+                                  </m:r>
+                                </m:e>
+                                <m:sub>
+                                  <m:r>
+                                    <a:rPr lang="en-GB" sz="1800" b="1" i="1" kern="1200" smtClean="0">
+                                      <a:solidFill>
+                                        <a:schemeClr val="dk1"/>
+                                      </a:solidFill>
+                                      <a:effectLst/>
+                                      <a:latin typeface="Cambria Math" panose="02040503050406030204" pitchFamily="18" charset="0"/>
+                                      <a:ea typeface="Cambria Math" panose="02040503050406030204" pitchFamily="18" charset="0"/>
+                                      <a:cs typeface="+mn-cs"/>
+                                    </a:rPr>
+                                    <m:t>𝜶</m:t>
+                                  </m:r>
+                                </m:sub>
+                              </m:sSub>
+                              <m:r>
+                                <a:rPr lang="en-GB" sz="1800" b="1" i="1" kern="1200" smtClean="0">
+                                  <a:solidFill>
+                                    <a:schemeClr val="dk1"/>
+                                  </a:solidFill>
+                                  <a:effectLst/>
+                                  <a:latin typeface="Cambria Math" panose="02040503050406030204" pitchFamily="18" charset="0"/>
+                                  <a:ea typeface="+mn-ea"/>
+                                  <a:cs typeface="+mn-cs"/>
+                                </a:rPr>
+                                <m:t>=</m:t>
+                              </m:r>
+                              <m:sSub>
+                                <m:sSubPr>
+                                  <m:ctrlPr>
+                                    <a:rPr lang="en-GB" sz="1800" b="1" i="1" kern="1200" smtClean="0">
+                                      <a:solidFill>
+                                        <a:schemeClr val="dk1"/>
+                                      </a:solidFill>
+                                      <a:effectLst/>
+                                      <a:latin typeface="Cambria Math" panose="02040503050406030204" pitchFamily="18" charset="0"/>
+                                      <a:ea typeface="+mn-ea"/>
+                                      <a:cs typeface="+mn-cs"/>
+                                    </a:rPr>
+                                  </m:ctrlPr>
+                                </m:sSubPr>
+                                <m:e>
+                                  <m:r>
+                                    <a:rPr lang="en-GB" sz="1800" b="1" i="1" kern="1200" smtClean="0">
+                                      <a:solidFill>
+                                        <a:schemeClr val="dk1"/>
+                                      </a:solidFill>
+                                      <a:effectLst/>
+                                      <a:latin typeface="Cambria Math" panose="02040503050406030204" pitchFamily="18" charset="0"/>
+                                      <a:ea typeface="Cambria Math" panose="02040503050406030204" pitchFamily="18" charset="0"/>
+                                      <a:cs typeface="+mn-cs"/>
+                                    </a:rPr>
+                                    <m:t>𝝁</m:t>
+                                  </m:r>
+                                </m:e>
+                                <m:sub>
+                                  <m:r>
+                                    <a:rPr lang="en-GB" sz="1800" b="1" i="1" kern="1200" smtClean="0">
+                                      <a:solidFill>
+                                        <a:schemeClr val="dk1"/>
+                                      </a:solidFill>
+                                      <a:effectLst/>
+                                      <a:latin typeface="Cambria Math" panose="02040503050406030204" pitchFamily="18" charset="0"/>
+                                      <a:ea typeface="+mn-ea"/>
+                                      <a:cs typeface="+mn-cs"/>
+                                    </a:rPr>
+                                    <m:t>𝒄𝒐𝒗</m:t>
+                                  </m:r>
+                                </m:sub>
+                              </m:sSub>
+                            </m:oMath>
+                          </a14:m>
+                          <a:r>
+                            <a:rPr lang="en-GB" sz="1800" b="1" i="0" kern="1200" dirty="0">
+                              <a:solidFill>
+                                <a:schemeClr val="dk1"/>
+                              </a:solidFill>
+                              <a:effectLst/>
+                              <a:latin typeface="+mn-lt"/>
+                              <a:ea typeface="+mn-ea"/>
+                              <a:cs typeface="+mn-cs"/>
+                            </a:rPr>
+                            <a:t>-</a:t>
+                          </a:r>
+                          <a14:m>
+                            <m:oMath xmlns:m="http://schemas.openxmlformats.org/officeDocument/2006/math">
+                              <m:r>
+                                <a:rPr lang="en-GB" sz="1800" b="1" i="0" kern="1200" smtClean="0">
+                                  <a:solidFill>
+                                    <a:schemeClr val="dk1"/>
+                                  </a:solidFill>
+                                  <a:effectLst/>
+                                  <a:latin typeface="Cambria Math" panose="02040503050406030204" pitchFamily="18" charset="0"/>
+                                  <a:ea typeface="+mn-ea"/>
+                                  <a:cs typeface="+mn-cs"/>
+                                </a:rPr>
+                                <m:t> </m:t>
+                              </m:r>
+                              <m:sSub>
+                                <m:sSubPr>
+                                  <m:ctrlPr>
+                                    <a:rPr lang="en-GB" sz="1800" b="1" i="1" kern="1200" smtClean="0">
+                                      <a:solidFill>
+                                        <a:schemeClr val="dk1"/>
+                                      </a:solidFill>
+                                      <a:effectLst/>
+                                      <a:latin typeface="Cambria Math" panose="02040503050406030204" pitchFamily="18" charset="0"/>
+                                      <a:ea typeface="+mn-ea"/>
+                                      <a:cs typeface="+mn-cs"/>
+                                    </a:rPr>
+                                  </m:ctrlPr>
+                                </m:sSubPr>
+                                <m:e>
+                                  <m:r>
+                                    <a:rPr lang="en-GB" sz="1800" b="1" i="1" kern="1200" smtClean="0">
+                                      <a:solidFill>
+                                        <a:schemeClr val="dk1"/>
+                                      </a:solidFill>
+                                      <a:effectLst/>
+                                      <a:latin typeface="Cambria Math" panose="02040503050406030204" pitchFamily="18" charset="0"/>
+                                      <a:ea typeface="Cambria Math" panose="02040503050406030204" pitchFamily="18" charset="0"/>
+                                      <a:cs typeface="+mn-cs"/>
+                                    </a:rPr>
+                                    <m:t>𝝁</m:t>
+                                  </m:r>
+                                </m:e>
+                                <m:sub>
+                                  <m:r>
+                                    <a:rPr lang="en-GB" sz="1800" b="1" i="1" kern="1200" smtClean="0">
+                                      <a:solidFill>
+                                        <a:schemeClr val="dk1"/>
+                                      </a:solidFill>
+                                      <a:effectLst/>
+                                      <a:latin typeface="Cambria Math" panose="02040503050406030204" pitchFamily="18" charset="0"/>
+                                      <a:ea typeface="Cambria Math" panose="02040503050406030204" pitchFamily="18" charset="0"/>
+                                      <a:cs typeface="+mn-cs"/>
+                                    </a:rPr>
+                                    <m:t>𝒑</m:t>
+                                  </m:r>
+                                  <m:r>
+                                    <a:rPr lang="en-GB" sz="1800" b="1" i="1" kern="1200" smtClean="0">
+                                      <a:solidFill>
+                                        <a:schemeClr val="dk1"/>
+                                      </a:solidFill>
+                                      <a:effectLst/>
+                                      <a:latin typeface="Cambria Math" panose="02040503050406030204" pitchFamily="18" charset="0"/>
+                                      <a:ea typeface="+mn-ea"/>
+                                      <a:cs typeface="+mn-cs"/>
+                                    </a:rPr>
+                                    <m:t>𝒓𝒆𝒄𝒐𝒗</m:t>
+                                  </m:r>
+                                </m:sub>
+                              </m:sSub>
+                            </m:oMath>
+                          </a14:m>
+                          <a:r>
+                            <a:rPr lang="en-GB" sz="1800" b="1" i="0" kern="1200" dirty="0">
+                              <a:solidFill>
+                                <a:schemeClr val="dk1"/>
+                              </a:solidFill>
+                              <a:effectLst/>
+                              <a:latin typeface="+mn-lt"/>
+                              <a:ea typeface="+mn-ea"/>
+                              <a:cs typeface="+mn-cs"/>
+                            </a:rPr>
+                            <a:t> &gt; 0</a:t>
+                          </a:r>
+                        </a:p>
+                        <a:p>
+                          <a:pPr marL="0" marR="0" lvl="0" indent="0" algn="l" defTabSz="914400" rtl="0" eaLnBrk="1" fontAlgn="auto" latinLnBrk="0" hangingPunct="1">
+                            <a:lnSpc>
+                              <a:spcPct val="100000"/>
+                            </a:lnSpc>
+                            <a:spcBef>
+                              <a:spcPts val="0"/>
+                            </a:spcBef>
+                            <a:spcAft>
+                              <a:spcPts val="0"/>
+                            </a:spcAft>
+                            <a:buClrTx/>
+                            <a:buSzTx/>
+                            <a:buFontTx/>
+                            <a:buNone/>
+                            <a:tabLst/>
+                            <a:defRPr/>
+                          </a:pPr>
+                          <a:endParaRPr lang="en-GB" sz="1800" b="1" i="0" kern="1200" dirty="0">
+                            <a:solidFill>
+                              <a:schemeClr val="dk1"/>
+                            </a:solidFill>
+                            <a:effectLst/>
+                            <a:latin typeface="+mn-lt"/>
+                            <a:ea typeface="+mn-ea"/>
+                            <a:cs typeface="+mn-cs"/>
+                          </a:endParaRPr>
+                        </a:p>
+                        <a:p>
+                          <a:pPr marL="0" marR="0" lvl="0" indent="0" algn="l" defTabSz="914400" rtl="0" eaLnBrk="1" fontAlgn="auto" latinLnBrk="0" hangingPunct="1">
+                            <a:lnSpc>
+                              <a:spcPct val="100000"/>
+                            </a:lnSpc>
+                            <a:spcBef>
+                              <a:spcPts val="0"/>
+                            </a:spcBef>
+                            <a:spcAft>
+                              <a:spcPts val="0"/>
+                            </a:spcAft>
+                            <a:buClrTx/>
+                            <a:buSzTx/>
+                            <a:buFontTx/>
+                            <a:buNone/>
+                            <a:tabLst/>
+                            <a:defRPr/>
+                          </a:pPr>
+                          <a:r>
+                            <a:rPr lang="en-GB" sz="1800" b="1" i="0" kern="1200" dirty="0">
+                              <a:solidFill>
+                                <a:schemeClr val="dk1"/>
+                              </a:solidFill>
+                              <a:effectLst/>
+                              <a:latin typeface="+mn-lt"/>
+                              <a:ea typeface="+mn-ea"/>
+                              <a:cs typeface="+mn-cs"/>
+                            </a:rPr>
+                            <a:t>Test Type: 2 sample dependent</a:t>
+                          </a:r>
+                        </a:p>
+                      </a:txBody>
+                      <a:tcPr/>
+                    </a:tc>
+                    <a:tc>
+                      <a:txBody>
+                        <a:bodyPr/>
+                        <a:lstStyle/>
+                        <a:p>
+                          <a:r>
+                            <a:rPr lang="el-GR" sz="1800" b="1" i="0" kern="1200" dirty="0">
+                              <a:solidFill>
+                                <a:schemeClr val="dk1"/>
+                              </a:solidFill>
+                              <a:effectLst/>
+                              <a:latin typeface="+mn-lt"/>
+                              <a:ea typeface="+mn-ea"/>
+                              <a:cs typeface="+mn-cs"/>
+                            </a:rPr>
+                            <a:t>α</a:t>
+                          </a:r>
+                          <a:r>
+                            <a:rPr lang="en-GB" sz="1800" b="1" i="0" kern="1200" dirty="0">
+                              <a:solidFill>
+                                <a:schemeClr val="dk1"/>
+                              </a:solidFill>
+                              <a:effectLst/>
+                              <a:latin typeface="+mn-lt"/>
+                              <a:ea typeface="+mn-ea"/>
+                              <a:cs typeface="+mn-cs"/>
+                            </a:rPr>
+                            <a:t> = 0.05</a:t>
+                          </a:r>
+                          <a:endParaRPr lang="en-GB" sz="1800" b="1" i="1" kern="1200" dirty="0">
+                            <a:solidFill>
+                              <a:schemeClr val="dk1"/>
+                            </a:solidFill>
+                            <a:effectLst/>
+                            <a:latin typeface="Cambria Math" panose="02040503050406030204" pitchFamily="18" charset="0"/>
+                            <a:ea typeface="+mn-ea"/>
+                            <a:cs typeface="+mn-cs"/>
+                          </a:endParaRPr>
+                        </a:p>
+                        <a:p>
+                          <a14:m>
+                            <m:oMath xmlns:m="http://schemas.openxmlformats.org/officeDocument/2006/math">
+                              <m:sSub>
+                                <m:sSubPr>
+                                  <m:ctrlPr>
+                                    <a:rPr lang="en-GB" sz="1800" b="1" i="1" kern="1200" smtClean="0">
+                                      <a:solidFill>
+                                        <a:schemeClr val="dk1"/>
+                                      </a:solidFill>
+                                      <a:effectLst/>
+                                      <a:latin typeface="Cambria Math" panose="02040503050406030204" pitchFamily="18" charset="0"/>
+                                      <a:ea typeface="+mn-ea"/>
+                                      <a:cs typeface="+mn-cs"/>
+                                    </a:rPr>
+                                  </m:ctrlPr>
+                                </m:sSubPr>
+                                <m:e>
+                                  <m:r>
+                                    <a:rPr lang="en-GB" sz="1800" b="1" i="1" kern="1200" smtClean="0">
+                                      <a:solidFill>
+                                        <a:schemeClr val="dk1"/>
+                                      </a:solidFill>
+                                      <a:effectLst/>
+                                      <a:latin typeface="Cambria Math" panose="02040503050406030204" pitchFamily="18" charset="0"/>
+                                      <a:ea typeface="+mn-ea"/>
+                                      <a:cs typeface="+mn-cs"/>
+                                    </a:rPr>
+                                    <m:t>𝑯</m:t>
+                                  </m:r>
+                                </m:e>
+                                <m:sub>
+                                  <m:r>
+                                    <a:rPr lang="en-GB" sz="1800" b="1" i="1" kern="1200" smtClean="0">
+                                      <a:solidFill>
+                                        <a:schemeClr val="dk1"/>
+                                      </a:solidFill>
+                                      <a:effectLst/>
+                                      <a:latin typeface="Cambria Math" panose="02040503050406030204" pitchFamily="18" charset="0"/>
+                                      <a:ea typeface="+mn-ea"/>
+                                      <a:cs typeface="+mn-cs"/>
+                                    </a:rPr>
+                                    <m:t>𝟎</m:t>
+                                  </m:r>
+                                </m:sub>
+                              </m:sSub>
+                              <m:r>
+                                <a:rPr lang="en-GB" sz="1800" b="1" i="1" kern="1200" smtClean="0">
+                                  <a:solidFill>
+                                    <a:schemeClr val="dk1"/>
+                                  </a:solidFill>
+                                  <a:effectLst/>
+                                  <a:latin typeface="Cambria Math" panose="02040503050406030204" pitchFamily="18" charset="0"/>
+                                  <a:ea typeface="+mn-ea"/>
+                                  <a:cs typeface="+mn-cs"/>
+                                </a:rPr>
+                                <m:t>=</m:t>
+                              </m:r>
+                              <m:sSub>
+                                <m:sSubPr>
+                                  <m:ctrlPr>
+                                    <a:rPr lang="en-GB" sz="1800" b="1" i="1" kern="1200" smtClean="0">
+                                      <a:solidFill>
+                                        <a:schemeClr val="dk1"/>
+                                      </a:solidFill>
+                                      <a:effectLst/>
+                                      <a:latin typeface="Cambria Math" panose="02040503050406030204" pitchFamily="18" charset="0"/>
+                                      <a:ea typeface="+mn-ea"/>
+                                      <a:cs typeface="+mn-cs"/>
+                                    </a:rPr>
+                                  </m:ctrlPr>
+                                </m:sSubPr>
+                                <m:e>
+                                  <m:r>
+                                    <a:rPr lang="en-GB" sz="1800" b="1" i="1" kern="1200" smtClean="0">
+                                      <a:solidFill>
+                                        <a:schemeClr val="dk1"/>
+                                      </a:solidFill>
+                                      <a:effectLst/>
+                                      <a:latin typeface="Cambria Math" panose="02040503050406030204" pitchFamily="18" charset="0"/>
+                                      <a:ea typeface="Cambria Math" panose="02040503050406030204" pitchFamily="18" charset="0"/>
+                                      <a:cs typeface="+mn-cs"/>
+                                    </a:rPr>
+                                    <m:t>𝝁</m:t>
+                                  </m:r>
+                                </m:e>
+                                <m:sub>
+                                  <m:r>
+                                    <a:rPr lang="en-GB" sz="1800" b="1" i="1" kern="1200" smtClean="0">
+                                      <a:solidFill>
+                                        <a:schemeClr val="dk1"/>
+                                      </a:solidFill>
+                                      <a:effectLst/>
+                                      <a:latin typeface="Cambria Math" panose="02040503050406030204" pitchFamily="18" charset="0"/>
+                                      <a:ea typeface="Cambria Math" panose="02040503050406030204" pitchFamily="18" charset="0"/>
+                                      <a:cs typeface="+mn-cs"/>
+                                    </a:rPr>
+                                    <m:t>𝒘𝒊𝒏𝒕𝒆𝒓</m:t>
+                                  </m:r>
+                                </m:sub>
+                              </m:sSub>
+                            </m:oMath>
+                          </a14:m>
+                          <a:r>
+                            <a:rPr lang="en-GB" sz="1800" b="1" i="0" kern="1200" dirty="0">
+                              <a:solidFill>
+                                <a:schemeClr val="dk1"/>
+                              </a:solidFill>
+                              <a:effectLst/>
+                              <a:latin typeface="+mn-lt"/>
+                              <a:ea typeface="+mn-ea"/>
+                              <a:cs typeface="+mn-cs"/>
+                            </a:rPr>
+                            <a:t>-</a:t>
+                          </a:r>
+                          <a14:m>
+                            <m:oMath xmlns:m="http://schemas.openxmlformats.org/officeDocument/2006/math">
+                              <m:r>
+                                <a:rPr lang="en-GB" sz="1800" b="1" i="0" kern="1200" smtClean="0">
+                                  <a:solidFill>
+                                    <a:schemeClr val="dk1"/>
+                                  </a:solidFill>
+                                  <a:effectLst/>
+                                  <a:latin typeface="Cambria Math" panose="02040503050406030204" pitchFamily="18" charset="0"/>
+                                  <a:ea typeface="+mn-ea"/>
+                                  <a:cs typeface="+mn-cs"/>
+                                </a:rPr>
+                                <m:t> </m:t>
+                              </m:r>
+                              <m:sSub>
+                                <m:sSubPr>
+                                  <m:ctrlPr>
+                                    <a:rPr lang="en-GB" sz="1800" b="1" i="1" kern="1200" smtClean="0">
+                                      <a:solidFill>
+                                        <a:schemeClr val="dk1"/>
+                                      </a:solidFill>
+                                      <a:effectLst/>
+                                      <a:latin typeface="Cambria Math" panose="02040503050406030204" pitchFamily="18" charset="0"/>
+                                      <a:ea typeface="+mn-ea"/>
+                                      <a:cs typeface="+mn-cs"/>
+                                    </a:rPr>
+                                  </m:ctrlPr>
+                                </m:sSubPr>
+                                <m:e>
+                                  <m:r>
+                                    <a:rPr lang="en-GB" sz="1800" b="1" i="1" kern="1200" smtClean="0">
+                                      <a:solidFill>
+                                        <a:schemeClr val="dk1"/>
+                                      </a:solidFill>
+                                      <a:effectLst/>
+                                      <a:latin typeface="Cambria Math" panose="02040503050406030204" pitchFamily="18" charset="0"/>
+                                      <a:ea typeface="Cambria Math" panose="02040503050406030204" pitchFamily="18" charset="0"/>
+                                      <a:cs typeface="+mn-cs"/>
+                                    </a:rPr>
+                                    <m:t>𝝁</m:t>
+                                  </m:r>
+                                </m:e>
+                                <m:sub>
+                                  <m:r>
+                                    <a:rPr lang="en-GB" sz="1800" b="1" i="1" kern="1200" smtClean="0">
+                                      <a:solidFill>
+                                        <a:schemeClr val="dk1"/>
+                                      </a:solidFill>
+                                      <a:effectLst/>
+                                      <a:latin typeface="Cambria Math" panose="02040503050406030204" pitchFamily="18" charset="0"/>
+                                      <a:ea typeface="Cambria Math" panose="02040503050406030204" pitchFamily="18" charset="0"/>
+                                      <a:cs typeface="+mn-cs"/>
+                                    </a:rPr>
+                                    <m:t>𝒔𝒆𝒂𝒔𝒐𝒏</m:t>
+                                  </m:r>
+                                </m:sub>
+                              </m:sSub>
+                            </m:oMath>
+                          </a14:m>
+                          <a:r>
+                            <a:rPr lang="en-GB" sz="1800" b="1" i="0" kern="1200" dirty="0">
+                              <a:solidFill>
+                                <a:schemeClr val="dk1"/>
+                              </a:solidFill>
+                              <a:effectLst/>
+                              <a:latin typeface="+mn-lt"/>
+                              <a:ea typeface="+mn-ea"/>
+                              <a:cs typeface="+mn-cs"/>
+                            </a:rPr>
+                            <a:t> = 0</a:t>
+                          </a:r>
+                        </a:p>
+                        <a:p>
+                          <a:pPr marL="0" marR="0" lvl="0" indent="0" algn="l" defTabSz="914400" rtl="0" eaLnBrk="1" fontAlgn="auto" latinLnBrk="0" hangingPunct="1">
+                            <a:lnSpc>
+                              <a:spcPct val="100000"/>
+                            </a:lnSpc>
+                            <a:spcBef>
+                              <a:spcPts val="0"/>
+                            </a:spcBef>
+                            <a:spcAft>
+                              <a:spcPts val="0"/>
+                            </a:spcAft>
+                            <a:buClrTx/>
+                            <a:buSzTx/>
+                            <a:buFontTx/>
+                            <a:buNone/>
+                            <a:tabLst/>
+                            <a:defRPr/>
+                          </a:pPr>
+                          <a14:m>
+                            <m:oMath xmlns:m="http://schemas.openxmlformats.org/officeDocument/2006/math">
+                              <m:sSub>
+                                <m:sSubPr>
+                                  <m:ctrlPr>
+                                    <a:rPr lang="en-GB" sz="1800" b="1" i="1" kern="1200" smtClean="0">
+                                      <a:solidFill>
+                                        <a:schemeClr val="dk1"/>
+                                      </a:solidFill>
+                                      <a:effectLst/>
+                                      <a:latin typeface="Cambria Math" panose="02040503050406030204" pitchFamily="18" charset="0"/>
+                                      <a:ea typeface="+mn-ea"/>
+                                      <a:cs typeface="+mn-cs"/>
+                                    </a:rPr>
+                                  </m:ctrlPr>
+                                </m:sSubPr>
+                                <m:e>
+                                  <m:r>
+                                    <a:rPr lang="en-GB" sz="1800" b="1" i="1" kern="1200" smtClean="0">
+                                      <a:solidFill>
+                                        <a:schemeClr val="dk1"/>
+                                      </a:solidFill>
+                                      <a:effectLst/>
+                                      <a:latin typeface="Cambria Math" panose="02040503050406030204" pitchFamily="18" charset="0"/>
+                                      <a:ea typeface="+mn-ea"/>
+                                      <a:cs typeface="+mn-cs"/>
+                                    </a:rPr>
+                                    <m:t>𝑯</m:t>
+                                  </m:r>
+                                </m:e>
+                                <m:sub>
+                                  <m:r>
+                                    <a:rPr lang="en-GB" sz="1800" b="1" i="1" kern="1200" smtClean="0">
+                                      <a:solidFill>
+                                        <a:schemeClr val="dk1"/>
+                                      </a:solidFill>
+                                      <a:effectLst/>
+                                      <a:latin typeface="Cambria Math" panose="02040503050406030204" pitchFamily="18" charset="0"/>
+                                      <a:ea typeface="Cambria Math" panose="02040503050406030204" pitchFamily="18" charset="0"/>
+                                      <a:cs typeface="+mn-cs"/>
+                                    </a:rPr>
+                                    <m:t>𝜶</m:t>
+                                  </m:r>
+                                </m:sub>
+                              </m:sSub>
+                              <m:r>
+                                <a:rPr lang="en-GB" sz="1800" b="1" i="1" kern="1200" smtClean="0">
+                                  <a:solidFill>
+                                    <a:schemeClr val="dk1"/>
+                                  </a:solidFill>
+                                  <a:effectLst/>
+                                  <a:latin typeface="Cambria Math" panose="02040503050406030204" pitchFamily="18" charset="0"/>
+                                  <a:ea typeface="+mn-ea"/>
+                                  <a:cs typeface="+mn-cs"/>
+                                </a:rPr>
+                                <m:t>=</m:t>
+                              </m:r>
+                              <m:sSub>
+                                <m:sSubPr>
+                                  <m:ctrlPr>
+                                    <a:rPr lang="en-GB" sz="1800" b="1" i="1" kern="1200" smtClean="0">
+                                      <a:solidFill>
+                                        <a:schemeClr val="dk1"/>
+                                      </a:solidFill>
+                                      <a:effectLst/>
+                                      <a:latin typeface="Cambria Math" panose="02040503050406030204" pitchFamily="18" charset="0"/>
+                                      <a:ea typeface="+mn-ea"/>
+                                      <a:cs typeface="+mn-cs"/>
+                                    </a:rPr>
+                                  </m:ctrlPr>
+                                </m:sSubPr>
+                                <m:e>
+                                  <m:r>
+                                    <a:rPr lang="en-GB" sz="1800" b="1" i="1" kern="1200" smtClean="0">
+                                      <a:solidFill>
+                                        <a:schemeClr val="dk1"/>
+                                      </a:solidFill>
+                                      <a:effectLst/>
+                                      <a:latin typeface="Cambria Math" panose="02040503050406030204" pitchFamily="18" charset="0"/>
+                                      <a:ea typeface="Cambria Math" panose="02040503050406030204" pitchFamily="18" charset="0"/>
+                                      <a:cs typeface="+mn-cs"/>
+                                    </a:rPr>
+                                    <m:t>𝝁</m:t>
+                                  </m:r>
+                                </m:e>
+                                <m:sub>
+                                  <m:r>
+                                    <a:rPr lang="en-GB" sz="1800" b="1" i="1" kern="1200" smtClean="0">
+                                      <a:solidFill>
+                                        <a:schemeClr val="dk1"/>
+                                      </a:solidFill>
+                                      <a:effectLst/>
+                                      <a:latin typeface="Cambria Math" panose="02040503050406030204" pitchFamily="18" charset="0"/>
+                                      <a:ea typeface="Cambria Math" panose="02040503050406030204" pitchFamily="18" charset="0"/>
+                                      <a:cs typeface="+mn-cs"/>
+                                    </a:rPr>
+                                    <m:t>𝒘𝒊𝒏𝒕𝒆𝒓</m:t>
+                                  </m:r>
+                                </m:sub>
+                              </m:sSub>
+                            </m:oMath>
+                          </a14:m>
+                          <a:r>
+                            <a:rPr lang="en-GB" sz="1800" b="1" i="0" kern="1200" dirty="0">
+                              <a:solidFill>
+                                <a:schemeClr val="dk1"/>
+                              </a:solidFill>
+                              <a:effectLst/>
+                              <a:latin typeface="+mn-lt"/>
+                              <a:ea typeface="+mn-ea"/>
+                              <a:cs typeface="+mn-cs"/>
+                            </a:rPr>
+                            <a:t>-</a:t>
+                          </a:r>
+                          <a14:m>
+                            <m:oMath xmlns:m="http://schemas.openxmlformats.org/officeDocument/2006/math">
+                              <m:r>
+                                <a:rPr lang="en-GB" sz="1800" b="1" i="0" kern="1200" smtClean="0">
+                                  <a:solidFill>
+                                    <a:schemeClr val="dk1"/>
+                                  </a:solidFill>
+                                  <a:effectLst/>
+                                  <a:latin typeface="Cambria Math" panose="02040503050406030204" pitchFamily="18" charset="0"/>
+                                  <a:ea typeface="+mn-ea"/>
+                                  <a:cs typeface="+mn-cs"/>
+                                </a:rPr>
+                                <m:t> </m:t>
+                              </m:r>
+                              <m:sSub>
+                                <m:sSubPr>
+                                  <m:ctrlPr>
+                                    <a:rPr lang="en-GB" sz="1800" b="1" i="1" kern="1200" smtClean="0">
+                                      <a:solidFill>
+                                        <a:schemeClr val="dk1"/>
+                                      </a:solidFill>
+                                      <a:effectLst/>
+                                      <a:latin typeface="Cambria Math" panose="02040503050406030204" pitchFamily="18" charset="0"/>
+                                      <a:ea typeface="+mn-ea"/>
+                                      <a:cs typeface="+mn-cs"/>
+                                    </a:rPr>
+                                  </m:ctrlPr>
+                                </m:sSubPr>
+                                <m:e>
+                                  <m:r>
+                                    <a:rPr lang="en-GB" sz="1800" b="1" i="1" kern="1200" smtClean="0">
+                                      <a:solidFill>
+                                        <a:schemeClr val="dk1"/>
+                                      </a:solidFill>
+                                      <a:effectLst/>
+                                      <a:latin typeface="Cambria Math" panose="02040503050406030204" pitchFamily="18" charset="0"/>
+                                      <a:ea typeface="Cambria Math" panose="02040503050406030204" pitchFamily="18" charset="0"/>
+                                      <a:cs typeface="+mn-cs"/>
+                                    </a:rPr>
+                                    <m:t>𝝁</m:t>
+                                  </m:r>
+                                </m:e>
+                                <m:sub>
+                                  <m:r>
+                                    <a:rPr lang="en-GB" sz="1800" b="1" i="1" kern="1200" smtClean="0">
+                                      <a:solidFill>
+                                        <a:schemeClr val="dk1"/>
+                                      </a:solidFill>
+                                      <a:effectLst/>
+                                      <a:latin typeface="Cambria Math" panose="02040503050406030204" pitchFamily="18" charset="0"/>
+                                      <a:ea typeface="Cambria Math" panose="02040503050406030204" pitchFamily="18" charset="0"/>
+                                      <a:cs typeface="+mn-cs"/>
+                                    </a:rPr>
+                                    <m:t>𝒔𝒆𝒂𝒔𝒐𝒏</m:t>
+                                  </m:r>
+                                </m:sub>
+                              </m:sSub>
+                            </m:oMath>
+                          </a14:m>
+                          <a:r>
+                            <a:rPr lang="en-GB" sz="1800" b="1" i="0" kern="1200" dirty="0">
+                              <a:solidFill>
+                                <a:schemeClr val="dk1"/>
+                              </a:solidFill>
+                              <a:effectLst/>
+                              <a:latin typeface="+mn-lt"/>
+                              <a:ea typeface="+mn-ea"/>
+                              <a:cs typeface="+mn-cs"/>
+                            </a:rPr>
+                            <a:t> &gt; 0</a:t>
+                          </a:r>
+                        </a:p>
+                        <a:p>
+                          <a:pPr marL="0" marR="0" lvl="0" indent="0" algn="l" defTabSz="914400" rtl="0" eaLnBrk="1" fontAlgn="auto" latinLnBrk="0" hangingPunct="1">
+                            <a:lnSpc>
+                              <a:spcPct val="100000"/>
+                            </a:lnSpc>
+                            <a:spcBef>
+                              <a:spcPts val="0"/>
+                            </a:spcBef>
+                            <a:spcAft>
+                              <a:spcPts val="0"/>
+                            </a:spcAft>
+                            <a:buClrTx/>
+                            <a:buSzTx/>
+                            <a:buFontTx/>
+                            <a:buNone/>
+                            <a:tabLst/>
+                            <a:defRPr/>
+                          </a:pPr>
+                          <a:endParaRPr lang="en-GB" sz="1800" b="1" i="0" kern="1200" dirty="0">
+                            <a:solidFill>
+                              <a:schemeClr val="dk1"/>
+                            </a:solidFill>
+                            <a:effectLst/>
+                            <a:latin typeface="+mn-lt"/>
+                            <a:ea typeface="+mn-ea"/>
+                            <a:cs typeface="+mn-cs"/>
+                          </a:endParaRPr>
+                        </a:p>
+                        <a:p>
+                          <a:pPr marL="0" marR="0" lvl="0" indent="0" algn="l" defTabSz="914400" rtl="0" eaLnBrk="1" fontAlgn="auto" latinLnBrk="0" hangingPunct="1">
+                            <a:lnSpc>
+                              <a:spcPct val="100000"/>
+                            </a:lnSpc>
+                            <a:spcBef>
+                              <a:spcPts val="0"/>
+                            </a:spcBef>
+                            <a:spcAft>
+                              <a:spcPts val="0"/>
+                            </a:spcAft>
+                            <a:buClrTx/>
+                            <a:buSzTx/>
+                            <a:buFontTx/>
+                            <a:buNone/>
+                            <a:tabLst/>
+                            <a:defRPr/>
+                          </a:pPr>
+                          <a:r>
+                            <a:rPr lang="en-GB" sz="1800" b="1" i="0" kern="1200" dirty="0">
+                              <a:solidFill>
+                                <a:schemeClr val="dk1"/>
+                              </a:solidFill>
+                              <a:effectLst/>
+                              <a:latin typeface="+mn-lt"/>
+                              <a:ea typeface="+mn-ea"/>
+                              <a:cs typeface="+mn-cs"/>
+                            </a:rPr>
+                            <a:t>Test Type: 2 sample independent</a:t>
+                          </a:r>
+                        </a:p>
+                      </a:txBody>
+                      <a:tcPr/>
+                    </a:tc>
+                    <a:extLst>
+                      <a:ext uri="{0D108BD9-81ED-4DB2-BD59-A6C34878D82A}">
+                        <a16:rowId xmlns:a16="http://schemas.microsoft.com/office/drawing/2014/main" val="982311256"/>
+                      </a:ext>
+                    </a:extLst>
+                  </a:tr>
+                  <a:tr h="843265">
+                    <a:tc>
+                      <a:txBody>
+                        <a:bodyPr/>
+                        <a:lstStyle/>
+                        <a:p>
+                          <a:r>
+                            <a:rPr lang="en-GB" b="1" dirty="0"/>
+                            <a:t>P-values</a:t>
+                          </a:r>
+                        </a:p>
+                      </a:txBody>
+                      <a:tcPr/>
+                    </a:tc>
+                    <a:tc>
+                      <a:txBody>
+                        <a:bodyPr/>
+                        <a:lstStyle/>
+                        <a:p>
+                          <a:r>
+                            <a:rPr lang="en-GB" b="1" dirty="0"/>
+                            <a:t>~1.00</a:t>
+                          </a:r>
+                        </a:p>
+                      </a:txBody>
+                      <a:tcPr/>
+                    </a:tc>
+                    <a:tc>
+                      <a:txBody>
+                        <a:bodyPr/>
+                        <a:lstStyle/>
+                        <a:p>
+                          <a:r>
+                            <a:rPr lang="en-GB" b="1" dirty="0"/>
+                            <a:t>Spring:     0.1682</a:t>
+                          </a:r>
+                        </a:p>
+                        <a:p>
+                          <a:r>
+                            <a:rPr lang="en-GB" b="1" dirty="0"/>
+                            <a:t>Summer:  0.5284</a:t>
+                          </a:r>
+                        </a:p>
+                        <a:p>
+                          <a:r>
+                            <a:rPr lang="en-GB" b="1" dirty="0"/>
+                            <a:t>Autumn:  0.7728</a:t>
+                          </a:r>
+                        </a:p>
+                      </a:txBody>
+                      <a:tcPr/>
+                    </a:tc>
+                    <a:extLst>
+                      <a:ext uri="{0D108BD9-81ED-4DB2-BD59-A6C34878D82A}">
+                        <a16:rowId xmlns:a16="http://schemas.microsoft.com/office/drawing/2014/main" val="2705622462"/>
+                      </a:ext>
+                    </a:extLst>
+                  </a:tr>
+                  <a:tr h="843265">
+                    <a:tc>
+                      <a:txBody>
+                        <a:bodyPr/>
+                        <a:lstStyle/>
+                        <a:p>
+                          <a:r>
+                            <a:rPr lang="en-GB" b="1" dirty="0"/>
+                            <a:t>Summary</a:t>
+                          </a:r>
+                        </a:p>
+                      </a:txBody>
+                      <a:tcPr/>
+                    </a:tc>
+                    <a:tc>
+                      <a:txBody>
+                        <a:bodyPr/>
+                        <a:lstStyle/>
+                        <a:p>
+                          <a:r>
+                            <a:rPr lang="en-GB" b="1" dirty="0"/>
+                            <a:t>Rejected </a:t>
+                          </a:r>
+                          <a14:m>
+                            <m:oMath xmlns:m="http://schemas.openxmlformats.org/officeDocument/2006/math">
+                              <m:sSub>
+                                <m:sSubPr>
+                                  <m:ctrlPr>
+                                    <a:rPr lang="en-GB" sz="1800" b="1" i="1" kern="1200" smtClean="0">
+                                      <a:solidFill>
+                                        <a:schemeClr val="dk1"/>
+                                      </a:solidFill>
+                                      <a:effectLst/>
+                                      <a:latin typeface="Cambria Math" panose="02040503050406030204" pitchFamily="18" charset="0"/>
+                                      <a:ea typeface="+mn-ea"/>
+                                      <a:cs typeface="+mn-cs"/>
+                                    </a:rPr>
+                                  </m:ctrlPr>
+                                </m:sSubPr>
+                                <m:e>
+                                  <m:r>
+                                    <a:rPr lang="en-GB" sz="1800" b="1" i="1" kern="1200" smtClean="0">
+                                      <a:solidFill>
+                                        <a:schemeClr val="dk1"/>
+                                      </a:solidFill>
+                                      <a:effectLst/>
+                                      <a:latin typeface="Cambria Math" panose="02040503050406030204" pitchFamily="18" charset="0"/>
+                                      <a:ea typeface="+mn-ea"/>
+                                      <a:cs typeface="+mn-cs"/>
+                                    </a:rPr>
+                                    <m:t>𝑯</m:t>
+                                  </m:r>
+                                </m:e>
+                                <m:sub>
+                                  <m:r>
+                                    <a:rPr lang="en-GB" sz="1800" b="1" i="1" kern="1200" smtClean="0">
+                                      <a:solidFill>
+                                        <a:schemeClr val="dk1"/>
+                                      </a:solidFill>
+                                      <a:effectLst/>
+                                      <a:latin typeface="Cambria Math" panose="02040503050406030204" pitchFamily="18" charset="0"/>
+                                      <a:ea typeface="+mn-ea"/>
+                                      <a:cs typeface="+mn-cs"/>
+                                    </a:rPr>
+                                    <m:t>𝟎</m:t>
+                                  </m:r>
+                                </m:sub>
+                              </m:sSub>
+                            </m:oMath>
+                          </a14:m>
+                          <a:r>
+                            <a:rPr lang="en-GB" sz="1800" b="1" kern="1200" dirty="0">
+                              <a:solidFill>
+                                <a:schemeClr val="dk1"/>
+                              </a:solidFill>
+                              <a:effectLst/>
+                              <a:ea typeface="+mn-ea"/>
+                              <a:cs typeface="+mn-cs"/>
+                            </a:rPr>
+                            <a:t> </a:t>
+                          </a:r>
+                        </a:p>
+                        <a:p>
+                          <a:endParaRPr lang="en-GB" sz="1800" b="1" kern="1200" dirty="0">
+                            <a:solidFill>
+                              <a:schemeClr val="dk1"/>
+                            </a:solidFill>
+                            <a:effectLst/>
+                            <a:ea typeface="+mn-ea"/>
+                            <a:cs typeface="+mn-cs"/>
+                          </a:endParaRPr>
+                        </a:p>
+                        <a:p>
+                          <a:endParaRPr lang="en-GB" b="1" dirty="0"/>
+                        </a:p>
+                      </a:txBody>
+                      <a:tcPr/>
+                    </a:tc>
+                    <a:tc>
+                      <a:txBody>
+                        <a:bodyPr/>
+                        <a:lstStyle/>
+                        <a:p>
+                          <a:r>
+                            <a:rPr lang="en-GB" b="1" dirty="0"/>
+                            <a:t>Failed to reject </a:t>
+                          </a:r>
+                          <a14:m>
+                            <m:oMath xmlns:m="http://schemas.openxmlformats.org/officeDocument/2006/math">
+                              <m:sSub>
+                                <m:sSubPr>
+                                  <m:ctrlPr>
+                                    <a:rPr lang="en-GB" sz="1800" b="1" i="1" kern="1200" smtClean="0">
+                                      <a:solidFill>
+                                        <a:schemeClr val="dk1"/>
+                                      </a:solidFill>
+                                      <a:effectLst/>
+                                      <a:latin typeface="Cambria Math" panose="02040503050406030204" pitchFamily="18" charset="0"/>
+                                      <a:ea typeface="+mn-ea"/>
+                                      <a:cs typeface="+mn-cs"/>
+                                    </a:rPr>
+                                  </m:ctrlPr>
+                                </m:sSubPr>
+                                <m:e>
+                                  <m:r>
+                                    <a:rPr lang="en-GB" sz="1800" b="1" i="1" kern="1200" smtClean="0">
+                                      <a:solidFill>
+                                        <a:schemeClr val="dk1"/>
+                                      </a:solidFill>
+                                      <a:effectLst/>
+                                      <a:latin typeface="Cambria Math" panose="02040503050406030204" pitchFamily="18" charset="0"/>
+                                      <a:ea typeface="+mn-ea"/>
+                                      <a:cs typeface="+mn-cs"/>
+                                    </a:rPr>
+                                    <m:t>𝑯</m:t>
+                                  </m:r>
+                                </m:e>
+                                <m:sub>
+                                  <m:r>
+                                    <a:rPr lang="en-GB" sz="1800" b="1" i="1" kern="1200" smtClean="0">
+                                      <a:solidFill>
+                                        <a:schemeClr val="dk1"/>
+                                      </a:solidFill>
+                                      <a:effectLst/>
+                                      <a:latin typeface="Cambria Math" panose="02040503050406030204" pitchFamily="18" charset="0"/>
+                                      <a:ea typeface="+mn-ea"/>
+                                      <a:cs typeface="+mn-cs"/>
+                                    </a:rPr>
+                                    <m:t>𝟎</m:t>
+                                  </m:r>
+                                </m:sub>
+                              </m:sSub>
+                            </m:oMath>
+                          </a14:m>
+                          <a:endParaRPr lang="en-GB" b="1" dirty="0"/>
+                        </a:p>
+                        <a:p>
+                          <a:endParaRPr lang="en-GB" b="1" dirty="0"/>
+                        </a:p>
+                      </a:txBody>
+                      <a:tcPr/>
+                    </a:tc>
+                    <a:extLst>
+                      <a:ext uri="{0D108BD9-81ED-4DB2-BD59-A6C34878D82A}">
+                        <a16:rowId xmlns:a16="http://schemas.microsoft.com/office/drawing/2014/main" val="4056555852"/>
+                      </a:ext>
+                    </a:extLst>
+                  </a:tr>
+                </a:tbl>
+              </a:graphicData>
+            </a:graphic>
+          </p:graphicFrame>
+        </mc:Choice>
+        <mc:Fallback>
+          <p:graphicFrame>
+            <p:nvGraphicFramePr>
+              <p:cNvPr id="4" name="Table 4">
+                <a:extLst>
+                  <a:ext uri="{FF2B5EF4-FFF2-40B4-BE49-F238E27FC236}">
+                    <a16:creationId xmlns:a16="http://schemas.microsoft.com/office/drawing/2014/main" id="{296AA3D8-87CF-4B3A-9AF6-5324AA89F96A}"/>
+                  </a:ext>
+                </a:extLst>
+              </p:cNvPr>
+              <p:cNvGraphicFramePr>
+                <a:graphicFrameLocks/>
+              </p:cNvGraphicFramePr>
+              <p:nvPr>
+                <p:extLst>
+                  <p:ext uri="{D42A27DB-BD31-4B8C-83A1-F6EECF244321}">
+                    <p14:modId xmlns:p14="http://schemas.microsoft.com/office/powerpoint/2010/main" val="2241294273"/>
+                  </p:ext>
+                </p:extLst>
+              </p:nvPr>
+            </p:nvGraphicFramePr>
+            <p:xfrm>
+              <a:off x="1148751" y="2079711"/>
+              <a:ext cx="9894498" cy="4015643"/>
+            </p:xfrm>
+            <a:graphic>
+              <a:graphicData uri="http://schemas.openxmlformats.org/drawingml/2006/table">
+                <a:tbl>
+                  <a:tblPr firstRow="1" bandRow="1">
+                    <a:tableStyleId>{5C22544A-7EE6-4342-B048-85BDC9FD1C3A}</a:tableStyleId>
+                  </a:tblPr>
+                  <a:tblGrid>
+                    <a:gridCol w="1753409">
+                      <a:extLst>
+                        <a:ext uri="{9D8B030D-6E8A-4147-A177-3AD203B41FA5}">
+                          <a16:colId xmlns:a16="http://schemas.microsoft.com/office/drawing/2014/main" val="2480767501"/>
+                        </a:ext>
+                      </a:extLst>
+                    </a:gridCol>
+                    <a:gridCol w="4042104">
+                      <a:extLst>
+                        <a:ext uri="{9D8B030D-6E8A-4147-A177-3AD203B41FA5}">
+                          <a16:colId xmlns:a16="http://schemas.microsoft.com/office/drawing/2014/main" val="2220793226"/>
+                        </a:ext>
+                      </a:extLst>
+                    </a:gridCol>
+                    <a:gridCol w="4098985">
+                      <a:extLst>
+                        <a:ext uri="{9D8B030D-6E8A-4147-A177-3AD203B41FA5}">
+                          <a16:colId xmlns:a16="http://schemas.microsoft.com/office/drawing/2014/main" val="3967160999"/>
+                        </a:ext>
+                      </a:extLst>
+                    </a:gridCol>
+                  </a:tblGrid>
+                  <a:tr h="674527">
+                    <a:tc>
+                      <a:txBody>
+                        <a:bodyPr/>
+                        <a:lstStyle/>
+                        <a:p>
+                          <a:r>
+                            <a:rPr lang="en-GB" dirty="0"/>
+                            <a:t>Index</a:t>
+                          </a:r>
+                        </a:p>
+                      </a:txBody>
+                      <a:tcPr>
+                        <a:solidFill>
+                          <a:srgbClr val="222323"/>
+                        </a:solidFill>
+                      </a:tcPr>
+                    </a:tc>
+                    <a:tc>
+                      <a:txBody>
+                        <a:bodyPr/>
+                        <a:lstStyle/>
+                        <a:p>
+                          <a:r>
+                            <a:rPr lang="en-GB" dirty="0"/>
+                            <a:t>Covid Impact on hospital Activity</a:t>
+                          </a:r>
+                        </a:p>
+                      </a:txBody>
+                      <a:tcPr>
+                        <a:solidFill>
+                          <a:srgbClr val="222323"/>
+                        </a:solidFill>
+                      </a:tcPr>
+                    </a:tc>
+                    <a:tc>
+                      <a:txBody>
+                        <a:bodyPr/>
+                        <a:lstStyle/>
+                        <a:p>
+                          <a:r>
+                            <a:rPr lang="en-GB" dirty="0"/>
+                            <a:t>Winter Impact on Hospital Activity</a:t>
+                          </a:r>
+                        </a:p>
+                      </a:txBody>
+                      <a:tcPr>
+                        <a:solidFill>
+                          <a:srgbClr val="222323"/>
+                        </a:solidFill>
+                      </a:tcPr>
+                    </a:tc>
+                    <a:extLst>
+                      <a:ext uri="{0D108BD9-81ED-4DB2-BD59-A6C34878D82A}">
+                        <a16:rowId xmlns:a16="http://schemas.microsoft.com/office/drawing/2014/main" val="3295140544"/>
+                      </a:ext>
+                    </a:extLst>
+                  </a:tr>
+                  <a:tr h="1512316">
+                    <a:tc>
+                      <a:txBody>
+                        <a:bodyPr/>
+                        <a:lstStyle/>
+                        <a:p>
+                          <a:pPr marL="0" marR="0" lvl="0" indent="0" algn="l" defTabSz="914400" rtl="0" eaLnBrk="1" fontAlgn="auto" latinLnBrk="0" hangingPunct="1">
+                            <a:lnSpc>
+                              <a:spcPct val="100000"/>
+                            </a:lnSpc>
+                            <a:spcBef>
+                              <a:spcPts val="0"/>
+                            </a:spcBef>
+                            <a:spcAft>
+                              <a:spcPts val="0"/>
+                            </a:spcAft>
+                            <a:buClrTx/>
+                            <a:buSzTx/>
+                            <a:buFontTx/>
+                            <a:buNone/>
+                            <a:tabLst/>
+                            <a:defRPr/>
+                          </a:pPr>
+                          <a:r>
+                            <a:rPr lang="en-GB" sz="1800" b="1" i="0" kern="1200" dirty="0">
+                              <a:solidFill>
+                                <a:schemeClr val="dk1"/>
+                              </a:solidFill>
+                              <a:effectLst/>
+                              <a:latin typeface="+mn-lt"/>
+                              <a:ea typeface="+mn-ea"/>
+                              <a:cs typeface="+mn-cs"/>
+                            </a:rPr>
+                            <a:t>Setup:</a:t>
+                          </a:r>
+                        </a:p>
+                      </a:txBody>
+                      <a:tcPr/>
+                    </a:tc>
+                    <a:tc>
+                      <a:txBody>
+                        <a:bodyPr/>
+                        <a:lstStyle/>
+                        <a:p>
+                          <a:endParaRPr lang="en-US"/>
+                        </a:p>
+                      </a:txBody>
+                      <a:tcPr>
+                        <a:blipFill>
+                          <a:blip r:embed="rId2"/>
+                          <a:stretch>
+                            <a:fillRect l="-43590" t="-46774" r="-102112" b="-121774"/>
+                          </a:stretch>
+                        </a:blipFill>
+                      </a:tcPr>
+                    </a:tc>
+                    <a:tc>
+                      <a:txBody>
+                        <a:bodyPr/>
+                        <a:lstStyle/>
+                        <a:p>
+                          <a:endParaRPr lang="en-US"/>
+                        </a:p>
+                      </a:txBody>
+                      <a:tcPr>
+                        <a:blipFill>
+                          <a:blip r:embed="rId2"/>
+                          <a:stretch>
+                            <a:fillRect l="-141456" t="-46774" r="-594" b="-121774"/>
+                          </a:stretch>
+                        </a:blipFill>
+                      </a:tcPr>
+                    </a:tc>
+                    <a:extLst>
+                      <a:ext uri="{0D108BD9-81ED-4DB2-BD59-A6C34878D82A}">
+                        <a16:rowId xmlns:a16="http://schemas.microsoft.com/office/drawing/2014/main" val="982311256"/>
+                      </a:ext>
+                    </a:extLst>
+                  </a:tr>
+                  <a:tr h="914400">
+                    <a:tc>
+                      <a:txBody>
+                        <a:bodyPr/>
+                        <a:lstStyle/>
+                        <a:p>
+                          <a:r>
+                            <a:rPr lang="en-GB" b="1" dirty="0"/>
+                            <a:t>P-values</a:t>
+                          </a:r>
+                        </a:p>
+                      </a:txBody>
+                      <a:tcPr/>
+                    </a:tc>
+                    <a:tc>
+                      <a:txBody>
+                        <a:bodyPr/>
+                        <a:lstStyle/>
+                        <a:p>
+                          <a:r>
+                            <a:rPr lang="en-GB" b="1" dirty="0"/>
+                            <a:t>~1.00</a:t>
+                          </a:r>
+                        </a:p>
+                      </a:txBody>
+                      <a:tcPr/>
+                    </a:tc>
+                    <a:tc>
+                      <a:txBody>
+                        <a:bodyPr/>
+                        <a:lstStyle/>
+                        <a:p>
+                          <a:r>
+                            <a:rPr lang="en-GB" b="1" dirty="0"/>
+                            <a:t>Spring:     0.1682</a:t>
+                          </a:r>
+                        </a:p>
+                        <a:p>
+                          <a:r>
+                            <a:rPr lang="en-GB" b="1" dirty="0"/>
+                            <a:t>Summer:  0.5284</a:t>
+                          </a:r>
+                        </a:p>
+                        <a:p>
+                          <a:r>
+                            <a:rPr lang="en-GB" b="1" dirty="0"/>
+                            <a:t>Autumn:  0.7728</a:t>
+                          </a:r>
+                        </a:p>
+                      </a:txBody>
+                      <a:tcPr/>
+                    </a:tc>
+                    <a:extLst>
+                      <a:ext uri="{0D108BD9-81ED-4DB2-BD59-A6C34878D82A}">
+                        <a16:rowId xmlns:a16="http://schemas.microsoft.com/office/drawing/2014/main" val="2705622462"/>
+                      </a:ext>
+                    </a:extLst>
+                  </a:tr>
+                  <a:tr h="914400">
+                    <a:tc>
+                      <a:txBody>
+                        <a:bodyPr/>
+                        <a:lstStyle/>
+                        <a:p>
+                          <a:r>
+                            <a:rPr lang="en-GB" b="1" dirty="0"/>
+                            <a:t>Summary</a:t>
+                          </a:r>
+                        </a:p>
+                      </a:txBody>
+                      <a:tcPr/>
+                    </a:tc>
+                    <a:tc>
+                      <a:txBody>
+                        <a:bodyPr/>
+                        <a:lstStyle/>
+                        <a:p>
+                          <a:endParaRPr lang="en-US"/>
+                        </a:p>
+                      </a:txBody>
+                      <a:tcPr>
+                        <a:blipFill>
+                          <a:blip r:embed="rId2"/>
+                          <a:stretch>
+                            <a:fillRect l="-43590" t="-342667" r="-102112" b="-1333"/>
+                          </a:stretch>
+                        </a:blipFill>
+                      </a:tcPr>
+                    </a:tc>
+                    <a:tc>
+                      <a:txBody>
+                        <a:bodyPr/>
+                        <a:lstStyle/>
+                        <a:p>
+                          <a:endParaRPr lang="en-US"/>
+                        </a:p>
+                      </a:txBody>
+                      <a:tcPr>
+                        <a:blipFill>
+                          <a:blip r:embed="rId2"/>
+                          <a:stretch>
+                            <a:fillRect l="-141456" t="-342667" r="-594" b="-1333"/>
+                          </a:stretch>
+                        </a:blipFill>
+                      </a:tcPr>
+                    </a:tc>
+                    <a:extLst>
+                      <a:ext uri="{0D108BD9-81ED-4DB2-BD59-A6C34878D82A}">
+                        <a16:rowId xmlns:a16="http://schemas.microsoft.com/office/drawing/2014/main" val="4056555852"/>
+                      </a:ext>
+                    </a:extLst>
+                  </a:tr>
+                </a:tbl>
+              </a:graphicData>
+            </a:graphic>
+          </p:graphicFrame>
+        </mc:Fallback>
+      </mc:AlternateContent>
+    </p:spTree>
+    <p:extLst>
+      <p:ext uri="{BB962C8B-B14F-4D97-AF65-F5344CB8AC3E}">
+        <p14:creationId xmlns:p14="http://schemas.microsoft.com/office/powerpoint/2010/main" val="2260300152"/>
+      </p:ext>
+    </p:extLst>
+  </p:cSld>
+  <p:clrMapOvr>
+    <a:masterClrMapping/>
+  </p:clrMapOvr>
+</p:sld>
+</file>
+
+<file path=ppt/slides/slide12.xml><?xml version="1.0" encoding="utf-8"?>
 <p:sld xmlns:a="http://schemas.openxmlformats.org/drawingml/2006/main" xmlns:r="http://schemas.openxmlformats.org/officeDocument/2006/relationships" xmlns:p="http://schemas.openxmlformats.org/presentationml/2006/main">
   <p:cSld>
     <p:spTree>

--- a/Presentation/PHS Rshiny Team Klas.pptx
+++ b/Presentation/PHS Rshiny Team Klas.pptx
@@ -7440,6 +7440,90 @@
 </p:notes>
 </file>
 
+<file path=ppt/notesSlides/notesSlide8.xml><?xml version="1.0" encoding="utf-8"?>
+<p:notes xmlns:a="http://schemas.openxmlformats.org/drawingml/2006/main" xmlns:r="http://schemas.openxmlformats.org/officeDocument/2006/relationships" xmlns:p="http://schemas.openxmlformats.org/presentationml/2006/main">
+  <p:cSld>
+    <p:spTree>
+      <p:nvGrpSpPr>
+        <p:cNvPr id="1" name=""/>
+        <p:cNvGrpSpPr/>
+        <p:nvPr/>
+      </p:nvGrpSpPr>
+      <p:grpSpPr>
+        <a:xfrm>
+          <a:off x="0" y="0"/>
+          <a:ext cx="0" cy="0"/>
+          <a:chOff x="0" y="0"/>
+          <a:chExt cx="0" cy="0"/>
+        </a:xfrm>
+      </p:grpSpPr>
+      <p:sp>
+        <p:nvSpPr>
+          <p:cNvPr id="2" name="Slide Image Placeholder 1"/>
+          <p:cNvSpPr>
+            <a:spLocks noGrp="1" noRot="1" noChangeAspect="1"/>
+          </p:cNvSpPr>
+          <p:nvPr>
+            <p:ph type="sldImg"/>
+          </p:nvPr>
+        </p:nvSpPr>
+        <p:spPr/>
+      </p:sp>
+      <p:sp>
+        <p:nvSpPr>
+          <p:cNvPr id="3" name="Notes Placeholder 2"/>
+          <p:cNvSpPr>
+            <a:spLocks noGrp="1"/>
+          </p:cNvSpPr>
+          <p:nvPr>
+            <p:ph type="body" idx="1"/>
+          </p:nvPr>
+        </p:nvSpPr>
+        <p:spPr/>
+        <p:txBody>
+          <a:bodyPr/>
+          <a:lstStyle/>
+          <a:p>
+            <a:endParaRPr lang="en-GB" dirty="0"/>
+          </a:p>
+        </p:txBody>
+      </p:sp>
+      <p:sp>
+        <p:nvSpPr>
+          <p:cNvPr id="4" name="Slide Number Placeholder 3"/>
+          <p:cNvSpPr>
+            <a:spLocks noGrp="1"/>
+          </p:cNvSpPr>
+          <p:nvPr>
+            <p:ph type="sldNum" sz="quarter" idx="5"/>
+          </p:nvPr>
+        </p:nvSpPr>
+        <p:spPr/>
+        <p:txBody>
+          <a:bodyPr/>
+          <a:lstStyle/>
+          <a:p>
+            <a:fld id="{7AA399A9-3A42-E441-96E8-5E8E9FEDAD92}" type="slidenum">
+              <a:rPr lang="en-US" smtClean="0"/>
+              <a:t>11</a:t>
+            </a:fld>
+            <a:endParaRPr lang="en-US"/>
+          </a:p>
+        </p:txBody>
+      </p:sp>
+    </p:spTree>
+    <p:extLst>
+      <p:ext uri="{BB962C8B-B14F-4D97-AF65-F5344CB8AC3E}">
+        <p14:creationId xmlns:p14="http://schemas.microsoft.com/office/powerpoint/2010/main" val="497340568"/>
+      </p:ext>
+    </p:extLst>
+  </p:cSld>
+  <p:clrMapOvr>
+    <a:masterClrMapping/>
+  </p:clrMapOvr>
+</p:notes>
+</file>
+
 <file path=ppt/slideLayouts/slideLayout1.xml><?xml version="1.0" encoding="utf-8"?>
 <p:sldLayout xmlns:a="http://schemas.openxmlformats.org/drawingml/2006/main" xmlns:r="http://schemas.openxmlformats.org/officeDocument/2006/relationships" xmlns:p="http://schemas.openxmlformats.org/presentationml/2006/main" type="title" preserve="1">
   <p:cSld name="Title Slide">
@@ -14144,7 +14228,7 @@
               <p:nvPr>
                 <p:extLst>
                   <p:ext uri="{D42A27DB-BD31-4B8C-83A1-F6EECF244321}">
-                    <p14:modId xmlns:p14="http://schemas.microsoft.com/office/powerpoint/2010/main" val="2241294273"/>
+                    <p14:modId xmlns:p14="http://schemas.microsoft.com/office/powerpoint/2010/main" val="132383291"/>
                   </p:ext>
                 </p:extLst>
               </p:nvPr>
@@ -14157,7 +14241,7 @@
               <a:graphicData uri="http://schemas.openxmlformats.org/drawingml/2006/table">
                 <a:tbl>
                   <a:tblPr firstRow="1" bandRow="1">
-                    <a:tableStyleId>{5C22544A-7EE6-4342-B048-85BDC9FD1C3A}</a:tableStyleId>
+                    <a:tableStyleId>{00A15C55-8517-42AA-B614-E9B94910E393}</a:tableStyleId>
                   </a:tblPr>
                   <a:tblGrid>
                     <a:gridCol w="1753409">
@@ -14264,17 +14348,23 @@
                             <a:defRPr/>
                           </a:pPr>
                           <a:r>
-                            <a:rPr lang="en-GB" sz="1800" b="1" i="0" kern="1200" dirty="0">
+                            <a:rPr lang="en-GB" sz="1800" b="1" kern="1200" dirty="0">
                               <a:solidFill>
                                 <a:schemeClr val="dk1"/>
                               </a:solidFill>
                               <a:effectLst/>
-                              <a:latin typeface="+mn-lt"/>
-                              <a:ea typeface="+mn-ea"/>
-                              <a:cs typeface="+mn-cs"/>
                             </a:rPr>
                             <a:t>Setup:</a:t>
                           </a:r>
+                          <a:endParaRPr lang="en-GB" sz="1800" b="1" i="0" kern="1200" dirty="0">
+                            <a:solidFill>
+                              <a:schemeClr val="dk1"/>
+                            </a:solidFill>
+                            <a:effectLst/>
+                            <a:latin typeface="+mn-lt"/>
+                            <a:ea typeface="+mn-ea"/>
+                            <a:cs typeface="+mn-cs"/>
+                          </a:endParaRPr>
                         </a:p>
                       </a:txBody>
                       <a:tcPr/>
@@ -14285,38 +14375,23 @@
                         <a:lstStyle/>
                         <a:p>
                           <a:r>
-                            <a:rPr lang="el-GR" sz="1800" b="1" i="0" kern="1200" dirty="0">
+                            <a:rPr lang="el-GR" sz="1800" b="1" kern="1200" dirty="0">
                               <a:solidFill>
                                 <a:schemeClr val="dk1"/>
                               </a:solidFill>
                               <a:effectLst/>
-                              <a:latin typeface="+mn-lt"/>
-                              <a:ea typeface="+mn-ea"/>
-                              <a:cs typeface="+mn-cs"/>
                             </a:rPr>
                             <a:t>α</a:t>
                           </a:r>
                           <a:r>
-                            <a:rPr lang="en-GB" sz="1800" b="1" i="0" kern="1200" dirty="0">
+                            <a:rPr lang="en-GB" sz="1800" b="1" kern="1200" dirty="0">
                               <a:solidFill>
                                 <a:schemeClr val="dk1"/>
                               </a:solidFill>
                               <a:effectLst/>
-                              <a:latin typeface="+mn-lt"/>
-                              <a:ea typeface="+mn-ea"/>
-                              <a:cs typeface="+mn-cs"/>
                             </a:rPr>
                             <a:t> = 0.05</a:t>
                           </a:r>
-                          <a:endParaRPr lang="en-GB" sz="1800" b="1" i="1" kern="1200" dirty="0">
-                            <a:solidFill>
-                              <a:schemeClr val="dk1"/>
-                            </a:solidFill>
-                            <a:effectLst/>
-                            <a:latin typeface="Cambria Math" panose="02040503050406030204" pitchFamily="18" charset="0"/>
-                            <a:ea typeface="+mn-ea"/>
-                            <a:cs typeface="+mn-cs"/>
-                          </a:endParaRPr>
                         </a:p>
                         <a:p>
                           <a14:m>
@@ -14324,96 +14399,75 @@
                               <m:sSub>
                                 <m:sSubPr>
                                   <m:ctrlPr>
-                                    <a:rPr lang="en-GB" sz="1800" b="1" i="1" kern="1200" smtClean="0">
+                                    <a:rPr lang="en-GB" sz="1800" b="1" kern="1200" smtClean="0">
                                       <a:solidFill>
                                         <a:schemeClr val="dk1"/>
                                       </a:solidFill>
                                       <a:effectLst/>
-                                      <a:latin typeface="Cambria Math" panose="02040503050406030204" pitchFamily="18" charset="0"/>
-                                      <a:ea typeface="+mn-ea"/>
-                                      <a:cs typeface="+mn-cs"/>
                                     </a:rPr>
                                   </m:ctrlPr>
                                 </m:sSubPr>
                                 <m:e>
                                   <m:r>
-                                    <a:rPr lang="en-GB" sz="1800" b="1" i="1" kern="1200" smtClean="0">
+                                    <a:rPr lang="en-GB" sz="1800" b="1" kern="1200" smtClean="0">
                                       <a:solidFill>
                                         <a:schemeClr val="dk1"/>
                                       </a:solidFill>
                                       <a:effectLst/>
-                                      <a:latin typeface="Cambria Math" panose="02040503050406030204" pitchFamily="18" charset="0"/>
-                                      <a:ea typeface="+mn-ea"/>
-                                      <a:cs typeface="+mn-cs"/>
                                     </a:rPr>
                                     <m:t>𝑯</m:t>
                                   </m:r>
                                 </m:e>
                                 <m:sub>
                                   <m:r>
-                                    <a:rPr lang="en-GB" sz="1800" b="1" i="1" kern="1200" smtClean="0">
+                                    <a:rPr lang="en-GB" sz="1800" b="1" kern="1200" smtClean="0">
                                       <a:solidFill>
                                         <a:schemeClr val="dk1"/>
                                       </a:solidFill>
                                       <a:effectLst/>
-                                      <a:latin typeface="Cambria Math" panose="02040503050406030204" pitchFamily="18" charset="0"/>
-                                      <a:ea typeface="+mn-ea"/>
-                                      <a:cs typeface="+mn-cs"/>
                                     </a:rPr>
                                     <m:t>𝟎</m:t>
                                   </m:r>
                                 </m:sub>
                               </m:sSub>
                               <m:r>
-                                <a:rPr lang="en-GB" sz="1800" b="1" i="1" kern="1200" smtClean="0">
+                                <a:rPr lang="en-GB" sz="1800" b="1" kern="1200" smtClean="0">
                                   <a:solidFill>
                                     <a:schemeClr val="dk1"/>
                                   </a:solidFill>
                                   <a:effectLst/>
-                                  <a:latin typeface="Cambria Math" panose="02040503050406030204" pitchFamily="18" charset="0"/>
-                                  <a:ea typeface="+mn-ea"/>
-                                  <a:cs typeface="+mn-cs"/>
                                 </a:rPr>
                                 <m:t>=</m:t>
                               </m:r>
                               <m:sSub>
                                 <m:sSubPr>
                                   <m:ctrlPr>
-                                    <a:rPr lang="en-GB" sz="1800" b="1" i="1" kern="1200" smtClean="0">
+                                    <a:rPr lang="en-GB" sz="1800" b="1" kern="1200" smtClean="0">
                                       <a:solidFill>
                                         <a:schemeClr val="dk1"/>
                                       </a:solidFill>
                                       <a:effectLst/>
-                                      <a:latin typeface="Cambria Math" panose="02040503050406030204" pitchFamily="18" charset="0"/>
-                                      <a:ea typeface="+mn-ea"/>
-                                      <a:cs typeface="+mn-cs"/>
                                     </a:rPr>
                                   </m:ctrlPr>
                                 </m:sSubPr>
                                 <m:e>
                                   <m:r>
-                                    <a:rPr lang="en-GB" sz="1800" b="1" i="1" kern="1200" smtClean="0">
+                                    <a:rPr lang="en-GB" sz="1800" b="1" kern="1200" smtClean="0">
                                       <a:solidFill>
                                         <a:schemeClr val="dk1"/>
                                       </a:solidFill>
                                       <a:effectLst/>
-                                      <a:latin typeface="Cambria Math" panose="02040503050406030204" pitchFamily="18" charset="0"/>
-                                      <a:ea typeface="Cambria Math" panose="02040503050406030204" pitchFamily="18" charset="0"/>
-                                      <a:cs typeface="+mn-cs"/>
                                     </a:rPr>
                                     <m:t>𝝁</m:t>
                                   </m:r>
                                 </m:e>
                                 <m:sub>
                                   <m:r>
-                                    <a:rPr lang="en-GB" sz="1800" b="1" i="1" kern="1200" smtClean="0">
+                                    <a:rPr lang="en-GB" sz="1800" b="1" kern="1200" smtClean="0">
                                       <a:solidFill>
                                         <a:schemeClr val="dk1"/>
                                       </a:solidFill>
                                       <a:effectLst/>
-                                      <a:latin typeface="Cambria Math" panose="02040503050406030204" pitchFamily="18" charset="0"/>
-                                      <a:ea typeface="+mn-ea"/>
-                                      <a:cs typeface="+mn-cs"/>
                                     </a:rPr>
                                     <m:t>𝒄𝒐𝒗</m:t>
                                   </m:r>
@@ -14422,69 +14476,54 @@
                             </m:oMath>
                           </a14:m>
                           <a:r>
-                            <a:rPr lang="en-GB" sz="1800" b="1" i="0" kern="1200" dirty="0">
+                            <a:rPr lang="en-GB" sz="1800" b="1" kern="1200" dirty="0">
                               <a:solidFill>
                                 <a:schemeClr val="dk1"/>
                               </a:solidFill>
                               <a:effectLst/>
-                              <a:latin typeface="+mn-lt"/>
-                              <a:ea typeface="+mn-ea"/>
-                              <a:cs typeface="+mn-cs"/>
                             </a:rPr>
                             <a:t>-</a:t>
                           </a:r>
                           <a14:m>
                             <m:oMath xmlns:m="http://schemas.openxmlformats.org/officeDocument/2006/math">
                               <m:r>
-                                <a:rPr lang="en-GB" sz="1800" b="1" i="0" kern="1200" smtClean="0">
+                                <a:rPr lang="en-GB" sz="1800" b="1" kern="1200" smtClean="0">
                                   <a:solidFill>
                                     <a:schemeClr val="dk1"/>
                                   </a:solidFill>
                                   <a:effectLst/>
-                                  <a:latin typeface="Cambria Math" panose="02040503050406030204" pitchFamily="18" charset="0"/>
-                                  <a:ea typeface="+mn-ea"/>
-                                  <a:cs typeface="+mn-cs"/>
                                 </a:rPr>
                                 <m:t> </m:t>
                               </m:r>
                               <m:sSub>
                                 <m:sSubPr>
                                   <m:ctrlPr>
-                                    <a:rPr lang="en-GB" sz="1800" b="1" i="1" kern="1200" smtClean="0">
+                                    <a:rPr lang="en-GB" sz="1800" b="1" kern="1200" smtClean="0">
                                       <a:solidFill>
                                         <a:schemeClr val="dk1"/>
                                       </a:solidFill>
                                       <a:effectLst/>
-                                      <a:latin typeface="Cambria Math" panose="02040503050406030204" pitchFamily="18" charset="0"/>
-                                      <a:ea typeface="+mn-ea"/>
-                                      <a:cs typeface="+mn-cs"/>
                                     </a:rPr>
                                   </m:ctrlPr>
                                 </m:sSubPr>
                                 <m:e>
                                   <m:r>
-                                    <a:rPr lang="en-GB" sz="1800" b="1" i="1" kern="1200" smtClean="0">
+                                    <a:rPr lang="en-GB" sz="1800" b="1" kern="1200" smtClean="0">
                                       <a:solidFill>
                                         <a:schemeClr val="dk1"/>
                                       </a:solidFill>
                                       <a:effectLst/>
-                                      <a:latin typeface="Cambria Math" panose="02040503050406030204" pitchFamily="18" charset="0"/>
-                                      <a:ea typeface="Cambria Math" panose="02040503050406030204" pitchFamily="18" charset="0"/>
-                                      <a:cs typeface="+mn-cs"/>
                                     </a:rPr>
                                     <m:t>𝝁</m:t>
                                   </m:r>
                                 </m:e>
                                 <m:sub>
                                   <m:r>
-                                    <a:rPr lang="en-GB" sz="1800" b="1" i="1" kern="1200" smtClean="0">
+                                    <a:rPr lang="en-GB" sz="1800" b="1" kern="1200" smtClean="0">
                                       <a:solidFill>
                                         <a:schemeClr val="dk1"/>
                                       </a:solidFill>
                                       <a:effectLst/>
-                                      <a:latin typeface="Cambria Math" panose="02040503050406030204" pitchFamily="18" charset="0"/>
-                                      <a:ea typeface="+mn-ea"/>
-                                      <a:cs typeface="+mn-cs"/>
                                     </a:rPr>
                                     <m:t>𝒑𝒓𝒆𝒄𝒐𝒗</m:t>
                                   </m:r>
@@ -14493,14 +14532,11 @@
                             </m:oMath>
                           </a14:m>
                           <a:r>
-                            <a:rPr lang="en-GB" sz="1800" b="1" i="0" kern="1200" dirty="0">
+                            <a:rPr lang="en-GB" sz="1800" b="1" kern="1200" dirty="0">
                               <a:solidFill>
                                 <a:schemeClr val="dk1"/>
                               </a:solidFill>
                               <a:effectLst/>
-                              <a:latin typeface="+mn-lt"/>
-                              <a:ea typeface="+mn-ea"/>
-                              <a:cs typeface="+mn-cs"/>
                             </a:rPr>
                             <a:t> = 0</a:t>
                           </a:r>
@@ -14528,96 +14564,75 @@
                               <m:sSub>
                                 <m:sSubPr>
                                   <m:ctrlPr>
-                                    <a:rPr lang="en-GB" sz="1800" b="1" i="1" kern="1200" smtClean="0">
+                                    <a:rPr lang="en-GB" sz="1800" b="1" kern="1200" smtClean="0">
                                       <a:solidFill>
                                         <a:schemeClr val="dk1"/>
                                       </a:solidFill>
                                       <a:effectLst/>
-                                      <a:latin typeface="Cambria Math" panose="02040503050406030204" pitchFamily="18" charset="0"/>
-                                      <a:ea typeface="+mn-ea"/>
-                                      <a:cs typeface="+mn-cs"/>
                                     </a:rPr>
                                   </m:ctrlPr>
                                 </m:sSubPr>
                                 <m:e>
                                   <m:r>
-                                    <a:rPr lang="en-GB" sz="1800" b="1" i="1" kern="1200" smtClean="0">
+                                    <a:rPr lang="en-GB" sz="1800" b="1" kern="1200" smtClean="0">
                                       <a:solidFill>
                                         <a:schemeClr val="dk1"/>
                                       </a:solidFill>
                                       <a:effectLst/>
-                                      <a:latin typeface="Cambria Math" panose="02040503050406030204" pitchFamily="18" charset="0"/>
-                                      <a:ea typeface="+mn-ea"/>
-                                      <a:cs typeface="+mn-cs"/>
                                     </a:rPr>
                                     <m:t>𝑯</m:t>
                                   </m:r>
                                 </m:e>
                                 <m:sub>
                                   <m:r>
-                                    <a:rPr lang="en-GB" sz="1800" b="1" i="1" kern="1200" smtClean="0">
+                                    <a:rPr lang="en-GB" sz="1800" b="1" kern="1200" smtClean="0">
                                       <a:solidFill>
                                         <a:schemeClr val="dk1"/>
                                       </a:solidFill>
                                       <a:effectLst/>
-                                      <a:latin typeface="Cambria Math" panose="02040503050406030204" pitchFamily="18" charset="0"/>
-                                      <a:ea typeface="Cambria Math" panose="02040503050406030204" pitchFamily="18" charset="0"/>
-                                      <a:cs typeface="+mn-cs"/>
                                     </a:rPr>
                                     <m:t>𝜶</m:t>
                                   </m:r>
                                 </m:sub>
                               </m:sSub>
                               <m:r>
-                                <a:rPr lang="en-GB" sz="1800" b="1" i="1" kern="1200" smtClean="0">
+                                <a:rPr lang="en-GB" sz="1800" b="1" kern="1200" smtClean="0">
                                   <a:solidFill>
                                     <a:schemeClr val="dk1"/>
                                   </a:solidFill>
                                   <a:effectLst/>
-                                  <a:latin typeface="Cambria Math" panose="02040503050406030204" pitchFamily="18" charset="0"/>
-                                  <a:ea typeface="+mn-ea"/>
-                                  <a:cs typeface="+mn-cs"/>
                                 </a:rPr>
                                 <m:t>=</m:t>
                               </m:r>
                               <m:sSub>
                                 <m:sSubPr>
                                   <m:ctrlPr>
-                                    <a:rPr lang="en-GB" sz="1800" b="1" i="1" kern="1200" smtClean="0">
+                                    <a:rPr lang="en-GB" sz="1800" b="1" kern="1200" smtClean="0">
                                       <a:solidFill>
                                         <a:schemeClr val="dk1"/>
                                       </a:solidFill>
                                       <a:effectLst/>
-                                      <a:latin typeface="Cambria Math" panose="02040503050406030204" pitchFamily="18" charset="0"/>
-                                      <a:ea typeface="+mn-ea"/>
-                                      <a:cs typeface="+mn-cs"/>
                                     </a:rPr>
                                   </m:ctrlPr>
                                 </m:sSubPr>
                                 <m:e>
                                   <m:r>
-                                    <a:rPr lang="en-GB" sz="1800" b="1" i="1" kern="1200" smtClean="0">
+                                    <a:rPr lang="en-GB" sz="1800" b="1" kern="1200" smtClean="0">
                                       <a:solidFill>
                                         <a:schemeClr val="dk1"/>
                                       </a:solidFill>
                                       <a:effectLst/>
-                                      <a:latin typeface="Cambria Math" panose="02040503050406030204" pitchFamily="18" charset="0"/>
-                                      <a:ea typeface="Cambria Math" panose="02040503050406030204" pitchFamily="18" charset="0"/>
-                                      <a:cs typeface="+mn-cs"/>
                                     </a:rPr>
                                     <m:t>𝝁</m:t>
                                   </m:r>
                                 </m:e>
                                 <m:sub>
                                   <m:r>
-                                    <a:rPr lang="en-GB" sz="1800" b="1" i="1" kern="1200" smtClean="0">
+                                    <a:rPr lang="en-GB" sz="1800" b="1" kern="1200" smtClean="0">
                                       <a:solidFill>
                                         <a:schemeClr val="dk1"/>
                                       </a:solidFill>
                                       <a:effectLst/>
-                                      <a:latin typeface="Cambria Math" panose="02040503050406030204" pitchFamily="18" charset="0"/>
-                                      <a:ea typeface="+mn-ea"/>
-                                      <a:cs typeface="+mn-cs"/>
                                     </a:rPr>
                                     <m:t>𝒄𝒐𝒗</m:t>
                                   </m:r>
@@ -14626,97 +14641,67 @@
                             </m:oMath>
                           </a14:m>
                           <a:r>
-                            <a:rPr lang="en-GB" sz="1800" b="1" i="0" kern="1200" dirty="0">
+                            <a:rPr lang="en-GB" sz="1800" b="1" kern="1200" dirty="0">
                               <a:solidFill>
                                 <a:schemeClr val="dk1"/>
                               </a:solidFill>
                               <a:effectLst/>
-                              <a:latin typeface="+mn-lt"/>
-                              <a:ea typeface="+mn-ea"/>
-                              <a:cs typeface="+mn-cs"/>
                             </a:rPr>
                             <a:t>-</a:t>
                           </a:r>
                           <a14:m>
                             <m:oMath xmlns:m="http://schemas.openxmlformats.org/officeDocument/2006/math">
                               <m:r>
-                                <a:rPr lang="en-GB" sz="1800" b="1" i="0" kern="1200" smtClean="0">
+                                <a:rPr lang="en-GB" sz="1800" b="1" kern="1200" smtClean="0">
                                   <a:solidFill>
                                     <a:schemeClr val="dk1"/>
                                   </a:solidFill>
                                   <a:effectLst/>
-                                  <a:latin typeface="Cambria Math" panose="02040503050406030204" pitchFamily="18" charset="0"/>
-                                  <a:ea typeface="+mn-ea"/>
-                                  <a:cs typeface="+mn-cs"/>
                                 </a:rPr>
                                 <m:t> </m:t>
                               </m:r>
                               <m:sSub>
                                 <m:sSubPr>
                                   <m:ctrlPr>
-                                    <a:rPr lang="en-GB" sz="1800" b="1" i="1" kern="1200" smtClean="0">
+                                    <a:rPr lang="en-GB" sz="1800" b="1" kern="1200" smtClean="0">
                                       <a:solidFill>
                                         <a:schemeClr val="dk1"/>
                                       </a:solidFill>
                                       <a:effectLst/>
-                                      <a:latin typeface="Cambria Math" panose="02040503050406030204" pitchFamily="18" charset="0"/>
-                                      <a:ea typeface="+mn-ea"/>
-                                      <a:cs typeface="+mn-cs"/>
                                     </a:rPr>
                                   </m:ctrlPr>
                                 </m:sSubPr>
                                 <m:e>
                                   <m:r>
-                                    <a:rPr lang="en-GB" sz="1800" b="1" i="1" kern="1200" smtClean="0">
+                                    <a:rPr lang="en-GB" sz="1800" b="1" kern="1200" smtClean="0">
                                       <a:solidFill>
                                         <a:schemeClr val="dk1"/>
                                       </a:solidFill>
                                       <a:effectLst/>
-                                      <a:latin typeface="Cambria Math" panose="02040503050406030204" pitchFamily="18" charset="0"/>
-                                      <a:ea typeface="Cambria Math" panose="02040503050406030204" pitchFamily="18" charset="0"/>
-                                      <a:cs typeface="+mn-cs"/>
                                     </a:rPr>
                                     <m:t>𝝁</m:t>
                                   </m:r>
                                 </m:e>
                                 <m:sub>
                                   <m:r>
-                                    <a:rPr lang="en-GB" sz="1800" b="1" i="1" kern="1200" smtClean="0">
+                                    <a:rPr lang="en-GB" sz="1800" b="1" kern="1200" smtClean="0">
                                       <a:solidFill>
                                         <a:schemeClr val="dk1"/>
                                       </a:solidFill>
                                       <a:effectLst/>
-                                      <a:latin typeface="Cambria Math" panose="02040503050406030204" pitchFamily="18" charset="0"/>
-                                      <a:ea typeface="Cambria Math" panose="02040503050406030204" pitchFamily="18" charset="0"/>
-                                      <a:cs typeface="+mn-cs"/>
                                     </a:rPr>
-                                    <m:t>𝒑</m:t>
-                                  </m:r>
-                                  <m:r>
-                                    <a:rPr lang="en-GB" sz="1800" b="1" i="1" kern="1200" smtClean="0">
-                                      <a:solidFill>
-                                        <a:schemeClr val="dk1"/>
-                                      </a:solidFill>
-                                      <a:effectLst/>
-                                      <a:latin typeface="Cambria Math" panose="02040503050406030204" pitchFamily="18" charset="0"/>
-                                      <a:ea typeface="+mn-ea"/>
-                                      <a:cs typeface="+mn-cs"/>
-                                    </a:rPr>
-                                    <m:t>𝒓𝒆𝒄𝒐𝒗</m:t>
+                                    <m:t>𝒑𝒓𝒆𝒄𝒐𝒗</m:t>
                                   </m:r>
                                 </m:sub>
                               </m:sSub>
                             </m:oMath>
                           </a14:m>
                           <a:r>
-                            <a:rPr lang="en-GB" sz="1800" b="1" i="0" kern="1200" dirty="0">
+                            <a:rPr lang="en-GB" sz="1800" b="1" kern="1200" dirty="0">
                               <a:solidFill>
                                 <a:schemeClr val="dk1"/>
                               </a:solidFill>
                               <a:effectLst/>
-                              <a:latin typeface="+mn-lt"/>
-                              <a:ea typeface="+mn-ea"/>
-                              <a:cs typeface="+mn-cs"/>
                             </a:rPr>
                             <a:t> &gt; 0</a:t>
                           </a:r>
@@ -14739,14 +14724,11 @@
                             <a:tabLst/>
                             <a:defRPr/>
                           </a:pPr>
-                          <a:endParaRPr lang="en-GB" sz="1800" b="1" i="0" kern="1200" dirty="0">
+                          <a:endParaRPr lang="en-GB" sz="1800" b="1" kern="1200" dirty="0">
                             <a:solidFill>
                               <a:schemeClr val="dk1"/>
                             </a:solidFill>
                             <a:effectLst/>
-                            <a:latin typeface="+mn-lt"/>
-                            <a:ea typeface="+mn-ea"/>
-                            <a:cs typeface="+mn-cs"/>
                           </a:endParaRPr>
                         </a:p>
                         <a:p>
@@ -14768,17 +14750,23 @@
                             <a:defRPr/>
                           </a:pPr>
                           <a:r>
-                            <a:rPr lang="en-GB" sz="1800" b="1" i="0" kern="1200" dirty="0">
+                            <a:rPr lang="en-GB" sz="1800" b="1" kern="1200" dirty="0">
                               <a:solidFill>
                                 <a:schemeClr val="dk1"/>
                               </a:solidFill>
                               <a:effectLst/>
-                              <a:latin typeface="+mn-lt"/>
-                              <a:ea typeface="+mn-ea"/>
-                              <a:cs typeface="+mn-cs"/>
                             </a:rPr>
                             <a:t>Test Type: 2 sample dependent</a:t>
                           </a:r>
+                          <a:endParaRPr lang="en-GB" sz="1800" b="1" i="0" kern="1200" dirty="0">
+                            <a:solidFill>
+                              <a:schemeClr val="dk1"/>
+                            </a:solidFill>
+                            <a:effectLst/>
+                            <a:latin typeface="+mn-lt"/>
+                            <a:ea typeface="+mn-ea"/>
+                            <a:cs typeface="+mn-cs"/>
+                          </a:endParaRPr>
                         </a:p>
                       </a:txBody>
                       <a:tcPr/>
@@ -14789,38 +14777,23 @@
                         <a:lstStyle/>
                         <a:p>
                           <a:r>
-                            <a:rPr lang="el-GR" sz="1800" b="1" i="0" kern="1200" dirty="0">
+                            <a:rPr lang="el-GR" sz="1800" b="1" kern="1200" dirty="0">
                               <a:solidFill>
                                 <a:schemeClr val="dk1"/>
                               </a:solidFill>
                               <a:effectLst/>
-                              <a:latin typeface="+mn-lt"/>
-                              <a:ea typeface="+mn-ea"/>
-                              <a:cs typeface="+mn-cs"/>
                             </a:rPr>
                             <a:t>α</a:t>
                           </a:r>
                           <a:r>
-                            <a:rPr lang="en-GB" sz="1800" b="1" i="0" kern="1200" dirty="0">
+                            <a:rPr lang="en-GB" sz="1800" b="1" kern="1200" dirty="0">
                               <a:solidFill>
                                 <a:schemeClr val="dk1"/>
                               </a:solidFill>
                               <a:effectLst/>
-                              <a:latin typeface="+mn-lt"/>
-                              <a:ea typeface="+mn-ea"/>
-                              <a:cs typeface="+mn-cs"/>
                             </a:rPr>
                             <a:t> = 0.05</a:t>
                           </a:r>
-                          <a:endParaRPr lang="en-GB" sz="1800" b="1" i="1" kern="1200" dirty="0">
-                            <a:solidFill>
-                              <a:schemeClr val="dk1"/>
-                            </a:solidFill>
-                            <a:effectLst/>
-                            <a:latin typeface="Cambria Math" panose="02040503050406030204" pitchFamily="18" charset="0"/>
-                            <a:ea typeface="+mn-ea"/>
-                            <a:cs typeface="+mn-cs"/>
-                          </a:endParaRPr>
                         </a:p>
                         <a:p>
                           <a14:m>
@@ -14828,96 +14801,75 @@
                               <m:sSub>
                                 <m:sSubPr>
                                   <m:ctrlPr>
-                                    <a:rPr lang="en-GB" sz="1800" b="1" i="1" kern="1200" smtClean="0">
+                                    <a:rPr lang="en-GB" sz="1800" b="1" kern="1200" smtClean="0">
                                       <a:solidFill>
                                         <a:schemeClr val="dk1"/>
                                       </a:solidFill>
                                       <a:effectLst/>
-                                      <a:latin typeface="Cambria Math" panose="02040503050406030204" pitchFamily="18" charset="0"/>
-                                      <a:ea typeface="+mn-ea"/>
-                                      <a:cs typeface="+mn-cs"/>
                                     </a:rPr>
                                   </m:ctrlPr>
                                 </m:sSubPr>
                                 <m:e>
                                   <m:r>
-                                    <a:rPr lang="en-GB" sz="1800" b="1" i="1" kern="1200" smtClean="0">
+                                    <a:rPr lang="en-GB" sz="1800" b="1" kern="1200" smtClean="0">
                                       <a:solidFill>
                                         <a:schemeClr val="dk1"/>
                                       </a:solidFill>
                                       <a:effectLst/>
-                                      <a:latin typeface="Cambria Math" panose="02040503050406030204" pitchFamily="18" charset="0"/>
-                                      <a:ea typeface="+mn-ea"/>
-                                      <a:cs typeface="+mn-cs"/>
                                     </a:rPr>
                                     <m:t>𝑯</m:t>
                                   </m:r>
                                 </m:e>
                                 <m:sub>
                                   <m:r>
-                                    <a:rPr lang="en-GB" sz="1800" b="1" i="1" kern="1200" smtClean="0">
+                                    <a:rPr lang="en-GB" sz="1800" b="1" kern="1200" smtClean="0">
                                       <a:solidFill>
                                         <a:schemeClr val="dk1"/>
                                       </a:solidFill>
                                       <a:effectLst/>
-                                      <a:latin typeface="Cambria Math" panose="02040503050406030204" pitchFamily="18" charset="0"/>
-                                      <a:ea typeface="+mn-ea"/>
-                                      <a:cs typeface="+mn-cs"/>
                                     </a:rPr>
                                     <m:t>𝟎</m:t>
                                   </m:r>
                                 </m:sub>
                               </m:sSub>
                               <m:r>
-                                <a:rPr lang="en-GB" sz="1800" b="1" i="1" kern="1200" smtClean="0">
+                                <a:rPr lang="en-GB" sz="1800" b="1" kern="1200" smtClean="0">
                                   <a:solidFill>
                                     <a:schemeClr val="dk1"/>
                                   </a:solidFill>
                                   <a:effectLst/>
-                                  <a:latin typeface="Cambria Math" panose="02040503050406030204" pitchFamily="18" charset="0"/>
-                                  <a:ea typeface="+mn-ea"/>
-                                  <a:cs typeface="+mn-cs"/>
                                 </a:rPr>
                                 <m:t>=</m:t>
                               </m:r>
                               <m:sSub>
                                 <m:sSubPr>
                                   <m:ctrlPr>
-                                    <a:rPr lang="en-GB" sz="1800" b="1" i="1" kern="1200" smtClean="0">
+                                    <a:rPr lang="en-GB" sz="1800" b="1" kern="1200" smtClean="0">
                                       <a:solidFill>
                                         <a:schemeClr val="dk1"/>
                                       </a:solidFill>
                                       <a:effectLst/>
-                                      <a:latin typeface="Cambria Math" panose="02040503050406030204" pitchFamily="18" charset="0"/>
-                                      <a:ea typeface="+mn-ea"/>
-                                      <a:cs typeface="+mn-cs"/>
                                     </a:rPr>
                                   </m:ctrlPr>
                                 </m:sSubPr>
                                 <m:e>
                                   <m:r>
-                                    <a:rPr lang="en-GB" sz="1800" b="1" i="1" kern="1200" smtClean="0">
+                                    <a:rPr lang="en-GB" sz="1800" b="1" kern="1200" smtClean="0">
                                       <a:solidFill>
                                         <a:schemeClr val="dk1"/>
                                       </a:solidFill>
                                       <a:effectLst/>
-                                      <a:latin typeface="Cambria Math" panose="02040503050406030204" pitchFamily="18" charset="0"/>
-                                      <a:ea typeface="Cambria Math" panose="02040503050406030204" pitchFamily="18" charset="0"/>
-                                      <a:cs typeface="+mn-cs"/>
                                     </a:rPr>
                                     <m:t>𝝁</m:t>
                                   </m:r>
                                 </m:e>
                                 <m:sub>
                                   <m:r>
-                                    <a:rPr lang="en-GB" sz="1800" b="1" i="1" kern="1200" smtClean="0">
+                                    <a:rPr lang="en-GB" sz="1800" b="1" kern="1200" smtClean="0">
                                       <a:solidFill>
                                         <a:schemeClr val="dk1"/>
                                       </a:solidFill>
                                       <a:effectLst/>
-                                      <a:latin typeface="Cambria Math" panose="02040503050406030204" pitchFamily="18" charset="0"/>
-                                      <a:ea typeface="Cambria Math" panose="02040503050406030204" pitchFamily="18" charset="0"/>
-                                      <a:cs typeface="+mn-cs"/>
                                     </a:rPr>
                                     <m:t>𝒘𝒊𝒏𝒕𝒆𝒓</m:t>
                                   </m:r>
@@ -14926,69 +14878,54 @@
                             </m:oMath>
                           </a14:m>
                           <a:r>
-                            <a:rPr lang="en-GB" sz="1800" b="1" i="0" kern="1200" dirty="0">
+                            <a:rPr lang="en-GB" sz="1800" b="1" kern="1200" dirty="0">
                               <a:solidFill>
                                 <a:schemeClr val="dk1"/>
                               </a:solidFill>
                               <a:effectLst/>
-                              <a:latin typeface="+mn-lt"/>
-                              <a:ea typeface="+mn-ea"/>
-                              <a:cs typeface="+mn-cs"/>
                             </a:rPr>
                             <a:t>-</a:t>
                           </a:r>
                           <a14:m>
                             <m:oMath xmlns:m="http://schemas.openxmlformats.org/officeDocument/2006/math">
                               <m:r>
-                                <a:rPr lang="en-GB" sz="1800" b="1" i="0" kern="1200" smtClean="0">
+                                <a:rPr lang="en-GB" sz="1800" b="1" kern="1200" smtClean="0">
                                   <a:solidFill>
                                     <a:schemeClr val="dk1"/>
                                   </a:solidFill>
                                   <a:effectLst/>
-                                  <a:latin typeface="Cambria Math" panose="02040503050406030204" pitchFamily="18" charset="0"/>
-                                  <a:ea typeface="+mn-ea"/>
-                                  <a:cs typeface="+mn-cs"/>
                                 </a:rPr>
                                 <m:t> </m:t>
                               </m:r>
                               <m:sSub>
                                 <m:sSubPr>
                                   <m:ctrlPr>
-                                    <a:rPr lang="en-GB" sz="1800" b="1" i="1" kern="1200" smtClean="0">
+                                    <a:rPr lang="en-GB" sz="1800" b="1" kern="1200" smtClean="0">
                                       <a:solidFill>
                                         <a:schemeClr val="dk1"/>
                                       </a:solidFill>
                                       <a:effectLst/>
-                                      <a:latin typeface="Cambria Math" panose="02040503050406030204" pitchFamily="18" charset="0"/>
-                                      <a:ea typeface="+mn-ea"/>
-                                      <a:cs typeface="+mn-cs"/>
                                     </a:rPr>
                                   </m:ctrlPr>
                                 </m:sSubPr>
                                 <m:e>
                                   <m:r>
-                                    <a:rPr lang="en-GB" sz="1800" b="1" i="1" kern="1200" smtClean="0">
+                                    <a:rPr lang="en-GB" sz="1800" b="1" kern="1200" smtClean="0">
                                       <a:solidFill>
                                         <a:schemeClr val="dk1"/>
                                       </a:solidFill>
                                       <a:effectLst/>
-                                      <a:latin typeface="Cambria Math" panose="02040503050406030204" pitchFamily="18" charset="0"/>
-                                      <a:ea typeface="Cambria Math" panose="02040503050406030204" pitchFamily="18" charset="0"/>
-                                      <a:cs typeface="+mn-cs"/>
                                     </a:rPr>
                                     <m:t>𝝁</m:t>
                                   </m:r>
                                 </m:e>
                                 <m:sub>
                                   <m:r>
-                                    <a:rPr lang="en-GB" sz="1800" b="1" i="1" kern="1200" smtClean="0">
+                                    <a:rPr lang="en-GB" sz="1800" b="1" kern="1200" smtClean="0">
                                       <a:solidFill>
                                         <a:schemeClr val="dk1"/>
                                       </a:solidFill>
                                       <a:effectLst/>
-                                      <a:latin typeface="Cambria Math" panose="02040503050406030204" pitchFamily="18" charset="0"/>
-                                      <a:ea typeface="Cambria Math" panose="02040503050406030204" pitchFamily="18" charset="0"/>
-                                      <a:cs typeface="+mn-cs"/>
                                     </a:rPr>
                                     <m:t>𝒔𝒆𝒂𝒔𝒐𝒏</m:t>
                                   </m:r>
@@ -14997,14 +14934,11 @@
                             </m:oMath>
                           </a14:m>
                           <a:r>
-                            <a:rPr lang="en-GB" sz="1800" b="1" i="0" kern="1200" dirty="0">
+                            <a:rPr lang="en-GB" sz="1800" b="1" kern="1200" dirty="0">
                               <a:solidFill>
                                 <a:schemeClr val="dk1"/>
                               </a:solidFill>
                               <a:effectLst/>
-                              <a:latin typeface="+mn-lt"/>
-                              <a:ea typeface="+mn-ea"/>
-                              <a:cs typeface="+mn-cs"/>
                             </a:rPr>
                             <a:t> = 0</a:t>
                           </a:r>
@@ -15032,96 +14966,75 @@
                               <m:sSub>
                                 <m:sSubPr>
                                   <m:ctrlPr>
-                                    <a:rPr lang="en-GB" sz="1800" b="1" i="1" kern="1200" smtClean="0">
+                                    <a:rPr lang="en-GB" sz="1800" b="1" kern="1200" smtClean="0">
                                       <a:solidFill>
                                         <a:schemeClr val="dk1"/>
                                       </a:solidFill>
                                       <a:effectLst/>
-                                      <a:latin typeface="Cambria Math" panose="02040503050406030204" pitchFamily="18" charset="0"/>
-                                      <a:ea typeface="+mn-ea"/>
-                                      <a:cs typeface="+mn-cs"/>
                                     </a:rPr>
                                   </m:ctrlPr>
                                 </m:sSubPr>
                                 <m:e>
                                   <m:r>
-                                    <a:rPr lang="en-GB" sz="1800" b="1" i="1" kern="1200" smtClean="0">
+                                    <a:rPr lang="en-GB" sz="1800" b="1" kern="1200" smtClean="0">
                                       <a:solidFill>
                                         <a:schemeClr val="dk1"/>
                                       </a:solidFill>
                                       <a:effectLst/>
-                                      <a:latin typeface="Cambria Math" panose="02040503050406030204" pitchFamily="18" charset="0"/>
-                                      <a:ea typeface="+mn-ea"/>
-                                      <a:cs typeface="+mn-cs"/>
                                     </a:rPr>
                                     <m:t>𝑯</m:t>
                                   </m:r>
                                 </m:e>
                                 <m:sub>
                                   <m:r>
-                                    <a:rPr lang="en-GB" sz="1800" b="1" i="1" kern="1200" smtClean="0">
+                                    <a:rPr lang="en-GB" sz="1800" b="1" kern="1200" smtClean="0">
                                       <a:solidFill>
                                         <a:schemeClr val="dk1"/>
                                       </a:solidFill>
                                       <a:effectLst/>
-                                      <a:latin typeface="Cambria Math" panose="02040503050406030204" pitchFamily="18" charset="0"/>
-                                      <a:ea typeface="Cambria Math" panose="02040503050406030204" pitchFamily="18" charset="0"/>
-                                      <a:cs typeface="+mn-cs"/>
                                     </a:rPr>
                                     <m:t>𝜶</m:t>
                                   </m:r>
                                 </m:sub>
                               </m:sSub>
                               <m:r>
-                                <a:rPr lang="en-GB" sz="1800" b="1" i="1" kern="1200" smtClean="0">
+                                <a:rPr lang="en-GB" sz="1800" b="1" kern="1200" smtClean="0">
                                   <a:solidFill>
                                     <a:schemeClr val="dk1"/>
                                   </a:solidFill>
                                   <a:effectLst/>
-                                  <a:latin typeface="Cambria Math" panose="02040503050406030204" pitchFamily="18" charset="0"/>
-                                  <a:ea typeface="+mn-ea"/>
-                                  <a:cs typeface="+mn-cs"/>
                                 </a:rPr>
                                 <m:t>=</m:t>
                               </m:r>
                               <m:sSub>
                                 <m:sSubPr>
                                   <m:ctrlPr>
-                                    <a:rPr lang="en-GB" sz="1800" b="1" i="1" kern="1200" smtClean="0">
+                                    <a:rPr lang="en-GB" sz="1800" b="1" kern="1200" smtClean="0">
                                       <a:solidFill>
                                         <a:schemeClr val="dk1"/>
                                       </a:solidFill>
                                       <a:effectLst/>
-                                      <a:latin typeface="Cambria Math" panose="02040503050406030204" pitchFamily="18" charset="0"/>
-                                      <a:ea typeface="+mn-ea"/>
-                                      <a:cs typeface="+mn-cs"/>
                                     </a:rPr>
                                   </m:ctrlPr>
                                 </m:sSubPr>
                                 <m:e>
                                   <m:r>
-                                    <a:rPr lang="en-GB" sz="1800" b="1" i="1" kern="1200" smtClean="0">
+                                    <a:rPr lang="en-GB" sz="1800" b="1" kern="1200" smtClean="0">
                                       <a:solidFill>
                                         <a:schemeClr val="dk1"/>
                                       </a:solidFill>
                                       <a:effectLst/>
-                                      <a:latin typeface="Cambria Math" panose="02040503050406030204" pitchFamily="18" charset="0"/>
-                                      <a:ea typeface="Cambria Math" panose="02040503050406030204" pitchFamily="18" charset="0"/>
-                                      <a:cs typeface="+mn-cs"/>
                                     </a:rPr>
                                     <m:t>𝝁</m:t>
                                   </m:r>
                                 </m:e>
                                 <m:sub>
                                   <m:r>
-                                    <a:rPr lang="en-GB" sz="1800" b="1" i="1" kern="1200" smtClean="0">
+                                    <a:rPr lang="en-GB" sz="1800" b="1" kern="1200" smtClean="0">
                                       <a:solidFill>
                                         <a:schemeClr val="dk1"/>
                                       </a:solidFill>
                                       <a:effectLst/>
-                                      <a:latin typeface="Cambria Math" panose="02040503050406030204" pitchFamily="18" charset="0"/>
-                                      <a:ea typeface="Cambria Math" panose="02040503050406030204" pitchFamily="18" charset="0"/>
-                                      <a:cs typeface="+mn-cs"/>
                                     </a:rPr>
                                     <m:t>𝒘𝒊𝒏𝒕𝒆𝒓</m:t>
                                   </m:r>
@@ -15130,69 +15043,54 @@
                             </m:oMath>
                           </a14:m>
                           <a:r>
-                            <a:rPr lang="en-GB" sz="1800" b="1" i="0" kern="1200" dirty="0">
+                            <a:rPr lang="en-GB" sz="1800" b="1" kern="1200" dirty="0">
                               <a:solidFill>
                                 <a:schemeClr val="dk1"/>
                               </a:solidFill>
                               <a:effectLst/>
-                              <a:latin typeface="+mn-lt"/>
-                              <a:ea typeface="+mn-ea"/>
-                              <a:cs typeface="+mn-cs"/>
                             </a:rPr>
                             <a:t>-</a:t>
                           </a:r>
                           <a14:m>
                             <m:oMath xmlns:m="http://schemas.openxmlformats.org/officeDocument/2006/math">
                               <m:r>
-                                <a:rPr lang="en-GB" sz="1800" b="1" i="0" kern="1200" smtClean="0">
+                                <a:rPr lang="en-GB" sz="1800" b="1" kern="1200" smtClean="0">
                                   <a:solidFill>
                                     <a:schemeClr val="dk1"/>
                                   </a:solidFill>
                                   <a:effectLst/>
-                                  <a:latin typeface="Cambria Math" panose="02040503050406030204" pitchFamily="18" charset="0"/>
-                                  <a:ea typeface="+mn-ea"/>
-                                  <a:cs typeface="+mn-cs"/>
                                 </a:rPr>
                                 <m:t> </m:t>
                               </m:r>
                               <m:sSub>
                                 <m:sSubPr>
                                   <m:ctrlPr>
-                                    <a:rPr lang="en-GB" sz="1800" b="1" i="1" kern="1200" smtClean="0">
+                                    <a:rPr lang="en-GB" sz="1800" b="1" kern="1200" smtClean="0">
                                       <a:solidFill>
                                         <a:schemeClr val="dk1"/>
                                       </a:solidFill>
                                       <a:effectLst/>
-                                      <a:latin typeface="Cambria Math" panose="02040503050406030204" pitchFamily="18" charset="0"/>
-                                      <a:ea typeface="+mn-ea"/>
-                                      <a:cs typeface="+mn-cs"/>
                                     </a:rPr>
                                   </m:ctrlPr>
                                 </m:sSubPr>
                                 <m:e>
                                   <m:r>
-                                    <a:rPr lang="en-GB" sz="1800" b="1" i="1" kern="1200" smtClean="0">
+                                    <a:rPr lang="en-GB" sz="1800" b="1" kern="1200" smtClean="0">
                                       <a:solidFill>
                                         <a:schemeClr val="dk1"/>
                                       </a:solidFill>
                                       <a:effectLst/>
-                                      <a:latin typeface="Cambria Math" panose="02040503050406030204" pitchFamily="18" charset="0"/>
-                                      <a:ea typeface="Cambria Math" panose="02040503050406030204" pitchFamily="18" charset="0"/>
-                                      <a:cs typeface="+mn-cs"/>
                                     </a:rPr>
                                     <m:t>𝝁</m:t>
                                   </m:r>
                                 </m:e>
                                 <m:sub>
                                   <m:r>
-                                    <a:rPr lang="en-GB" sz="1800" b="1" i="1" kern="1200" smtClean="0">
+                                    <a:rPr lang="en-GB" sz="1800" b="1" kern="1200" smtClean="0">
                                       <a:solidFill>
                                         <a:schemeClr val="dk1"/>
                                       </a:solidFill>
                                       <a:effectLst/>
-                                      <a:latin typeface="Cambria Math" panose="02040503050406030204" pitchFamily="18" charset="0"/>
-                                      <a:ea typeface="Cambria Math" panose="02040503050406030204" pitchFamily="18" charset="0"/>
-                                      <a:cs typeface="+mn-cs"/>
                                     </a:rPr>
                                     <m:t>𝒔𝒆𝒂𝒔𝒐𝒏</m:t>
                                   </m:r>
@@ -15201,14 +15099,11 @@
                             </m:oMath>
                           </a14:m>
                           <a:r>
-                            <a:rPr lang="en-GB" sz="1800" b="1" i="0" kern="1200" dirty="0">
+                            <a:rPr lang="en-GB" sz="1800" b="1" kern="1200" dirty="0">
                               <a:solidFill>
                                 <a:schemeClr val="dk1"/>
                               </a:solidFill>
                               <a:effectLst/>
-                              <a:latin typeface="+mn-lt"/>
-                              <a:ea typeface="+mn-ea"/>
-                              <a:cs typeface="+mn-cs"/>
                             </a:rPr>
                             <a:t> &gt; 0</a:t>
                           </a:r>
@@ -15231,14 +15126,11 @@
                             <a:tabLst/>
                             <a:defRPr/>
                           </a:pPr>
-                          <a:endParaRPr lang="en-GB" sz="1800" b="1" i="0" kern="1200" dirty="0">
+                          <a:endParaRPr lang="en-GB" sz="1800" b="1" kern="1200" dirty="0">
                             <a:solidFill>
                               <a:schemeClr val="dk1"/>
                             </a:solidFill>
                             <a:effectLst/>
-                            <a:latin typeface="+mn-lt"/>
-                            <a:ea typeface="+mn-ea"/>
-                            <a:cs typeface="+mn-cs"/>
                           </a:endParaRPr>
                         </a:p>
                         <a:p>
@@ -15260,17 +15152,23 @@
                             <a:defRPr/>
                           </a:pPr>
                           <a:r>
-                            <a:rPr lang="en-GB" sz="1800" b="1" i="0" kern="1200" dirty="0">
+                            <a:rPr lang="en-GB" sz="1800" b="1" kern="1200" dirty="0">
                               <a:solidFill>
                                 <a:schemeClr val="dk1"/>
                               </a:solidFill>
                               <a:effectLst/>
-                              <a:latin typeface="+mn-lt"/>
-                              <a:ea typeface="+mn-ea"/>
-                              <a:cs typeface="+mn-cs"/>
                             </a:rPr>
                             <a:t>Test Type: 2 sample independent</a:t>
                           </a:r>
+                          <a:endParaRPr lang="en-GB" sz="1800" b="1" i="0" kern="1200" dirty="0">
+                            <a:solidFill>
+                              <a:schemeClr val="dk1"/>
+                            </a:solidFill>
+                            <a:effectLst/>
+                            <a:latin typeface="+mn-lt"/>
+                            <a:ea typeface="+mn-ea"/>
+                            <a:cs typeface="+mn-cs"/>
+                          </a:endParaRPr>
                         </a:p>
                       </a:txBody>
                       <a:tcPr/>
@@ -15367,41 +15265,32 @@
                               <m:sSub>
                                 <m:sSubPr>
                                   <m:ctrlPr>
-                                    <a:rPr lang="en-GB" sz="1800" b="1" i="1" kern="1200" smtClean="0">
+                                    <a:rPr lang="en-GB" sz="1800" b="1" kern="1200" smtClean="0">
                                       <a:solidFill>
                                         <a:schemeClr val="dk1"/>
                                       </a:solidFill>
                                       <a:effectLst/>
-                                      <a:latin typeface="Cambria Math" panose="02040503050406030204" pitchFamily="18" charset="0"/>
-                                      <a:ea typeface="+mn-ea"/>
-                                      <a:cs typeface="+mn-cs"/>
                                     </a:rPr>
                                   </m:ctrlPr>
                                 </m:sSubPr>
                                 <m:e>
                                   <m:r>
-                                    <a:rPr lang="en-GB" sz="1800" b="1" i="1" kern="1200" smtClean="0">
+                                    <a:rPr lang="en-GB" sz="1800" b="1" kern="1200" smtClean="0">
                                       <a:solidFill>
                                         <a:schemeClr val="dk1"/>
                                       </a:solidFill>
                                       <a:effectLst/>
-                                      <a:latin typeface="Cambria Math" panose="02040503050406030204" pitchFamily="18" charset="0"/>
-                                      <a:ea typeface="+mn-ea"/>
-                                      <a:cs typeface="+mn-cs"/>
                                     </a:rPr>
                                     <m:t>𝑯</m:t>
                                   </m:r>
                                 </m:e>
                                 <m:sub>
                                   <m:r>
-                                    <a:rPr lang="en-GB" sz="1800" b="1" i="1" kern="1200" smtClean="0">
+                                    <a:rPr lang="en-GB" sz="1800" b="1" kern="1200" smtClean="0">
                                       <a:solidFill>
                                         <a:schemeClr val="dk1"/>
                                       </a:solidFill>
                                       <a:effectLst/>
-                                      <a:latin typeface="Cambria Math" panose="02040503050406030204" pitchFamily="18" charset="0"/>
-                                      <a:ea typeface="+mn-ea"/>
-                                      <a:cs typeface="+mn-cs"/>
                                     </a:rPr>
                                     <m:t>𝟎</m:t>
                                   </m:r>
@@ -15415,8 +15304,6 @@
                                 <a:schemeClr val="dk1"/>
                               </a:solidFill>
                               <a:effectLst/>
-                              <a:ea typeface="+mn-ea"/>
-                              <a:cs typeface="+mn-cs"/>
                             </a:rPr>
                             <a:t> </a:t>
                           </a:r>
@@ -15427,8 +15314,6 @@
                               <a:schemeClr val="dk1"/>
                             </a:solidFill>
                             <a:effectLst/>
-                            <a:ea typeface="+mn-ea"/>
-                            <a:cs typeface="+mn-cs"/>
                           </a:endParaRPr>
                         </a:p>
                         <a:p>
@@ -15451,41 +15336,32 @@
                               <m:sSub>
                                 <m:sSubPr>
                                   <m:ctrlPr>
-                                    <a:rPr lang="en-GB" sz="1800" b="1" i="1" kern="1200" smtClean="0">
+                                    <a:rPr lang="en-GB" sz="1800" b="1" kern="1200" smtClean="0">
                                       <a:solidFill>
                                         <a:schemeClr val="dk1"/>
                                       </a:solidFill>
                                       <a:effectLst/>
-                                      <a:latin typeface="Cambria Math" panose="02040503050406030204" pitchFamily="18" charset="0"/>
-                                      <a:ea typeface="+mn-ea"/>
-                                      <a:cs typeface="+mn-cs"/>
                                     </a:rPr>
                                   </m:ctrlPr>
                                 </m:sSubPr>
                                 <m:e>
                                   <m:r>
-                                    <a:rPr lang="en-GB" sz="1800" b="1" i="1" kern="1200" smtClean="0">
+                                    <a:rPr lang="en-GB" sz="1800" b="1" kern="1200" smtClean="0">
                                       <a:solidFill>
                                         <a:schemeClr val="dk1"/>
                                       </a:solidFill>
                                       <a:effectLst/>
-                                      <a:latin typeface="Cambria Math" panose="02040503050406030204" pitchFamily="18" charset="0"/>
-                                      <a:ea typeface="+mn-ea"/>
-                                      <a:cs typeface="+mn-cs"/>
                                     </a:rPr>
                                     <m:t>𝑯</m:t>
                                   </m:r>
                                 </m:e>
                                 <m:sub>
                                   <m:r>
-                                    <a:rPr lang="en-GB" sz="1800" b="1" i="1" kern="1200" smtClean="0">
+                                    <a:rPr lang="en-GB" sz="1800" b="1" kern="1200" smtClean="0">
                                       <a:solidFill>
                                         <a:schemeClr val="dk1"/>
                                       </a:solidFill>
                                       <a:effectLst/>
-                                      <a:latin typeface="Cambria Math" panose="02040503050406030204" pitchFamily="18" charset="0"/>
-                                      <a:ea typeface="+mn-ea"/>
-                                      <a:cs typeface="+mn-cs"/>
                                     </a:rPr>
                                     <m:t>𝟎</m:t>
                                   </m:r>
@@ -15528,7 +15404,7 @@
               <p:nvPr>
                 <p:extLst>
                   <p:ext uri="{D42A27DB-BD31-4B8C-83A1-F6EECF244321}">
-                    <p14:modId xmlns:p14="http://schemas.microsoft.com/office/powerpoint/2010/main" val="2241294273"/>
+                    <p14:modId xmlns:p14="http://schemas.microsoft.com/office/powerpoint/2010/main" val="132383291"/>
                   </p:ext>
                 </p:extLst>
               </p:nvPr>
@@ -15541,7 +15417,7 @@
               <a:graphicData uri="http://schemas.openxmlformats.org/drawingml/2006/table">
                 <a:tbl>
                   <a:tblPr firstRow="1" bandRow="1">
-                    <a:tableStyleId>{5C22544A-7EE6-4342-B048-85BDC9FD1C3A}</a:tableStyleId>
+                    <a:tableStyleId>{00A15C55-8517-42AA-B614-E9B94910E393}</a:tableStyleId>
                   </a:tblPr>
                   <a:tblGrid>
                     <a:gridCol w="1753409">
@@ -15648,17 +15524,23 @@
                             <a:defRPr/>
                           </a:pPr>
                           <a:r>
-                            <a:rPr lang="en-GB" sz="1800" b="1" i="0" kern="1200" dirty="0">
+                            <a:rPr lang="en-GB" sz="1800" b="1" kern="1200" dirty="0">
                               <a:solidFill>
                                 <a:schemeClr val="dk1"/>
                               </a:solidFill>
                               <a:effectLst/>
-                              <a:latin typeface="+mn-lt"/>
-                              <a:ea typeface="+mn-ea"/>
-                              <a:cs typeface="+mn-cs"/>
                             </a:rPr>
                             <a:t>Setup:</a:t>
                           </a:r>
+                          <a:endParaRPr lang="en-GB" sz="1800" b="1" i="0" kern="1200" dirty="0">
+                            <a:solidFill>
+                              <a:schemeClr val="dk1"/>
+                            </a:solidFill>
+                            <a:effectLst/>
+                            <a:latin typeface="+mn-lt"/>
+                            <a:ea typeface="+mn-ea"/>
+                            <a:cs typeface="+mn-cs"/>
+                          </a:endParaRPr>
                         </a:p>
                       </a:txBody>
                       <a:tcPr/>
@@ -15673,7 +15555,7 @@
                       </a:txBody>
                       <a:tcPr>
                         <a:blipFill>
-                          <a:blip r:embed="rId2"/>
+                          <a:blip r:embed="rId3"/>
                           <a:stretch>
                             <a:fillRect l="-43590" t="-46774" r="-102112" b="-121774"/>
                           </a:stretch>
@@ -15690,7 +15572,7 @@
                       </a:txBody>
                       <a:tcPr>
                         <a:blipFill>
-                          <a:blip r:embed="rId2"/>
+                          <a:blip r:embed="rId3"/>
                           <a:stretch>
                             <a:fillRect l="-141456" t="-46774" r="-594" b="-121774"/>
                           </a:stretch>
@@ -15785,7 +15667,7 @@
                       </a:txBody>
                       <a:tcPr>
                         <a:blipFill>
-                          <a:blip r:embed="rId2"/>
+                          <a:blip r:embed="rId3"/>
                           <a:stretch>
                             <a:fillRect l="-43590" t="-342667" r="-102112" b="-1333"/>
                           </a:stretch>
@@ -15802,7 +15684,7 @@
                       </a:txBody>
                       <a:tcPr>
                         <a:blipFill>
-                          <a:blip r:embed="rId2"/>
+                          <a:blip r:embed="rId3"/>
                           <a:stretch>
                             <a:fillRect l="-141456" t="-342667" r="-594" b="-1333"/>
                           </a:stretch>

--- a/Presentation/PHS Rshiny Team Klas.pptx
+++ b/Presentation/PHS Rshiny Team Klas.pptx
@@ -14121,6 +14121,69 @@
           </a:p>
         </p:txBody>
       </p:sp>
+      <p:sp>
+        <p:nvSpPr>
+          <p:cNvPr id="16" name="Title 1">
+            <a:extLst>
+              <a:ext uri="{FF2B5EF4-FFF2-40B4-BE49-F238E27FC236}">
+                <a16:creationId xmlns:a16="http://schemas.microsoft.com/office/drawing/2014/main" id="{28DAB9DF-EF8B-484A-9B1F-68036316C2B8}"/>
+              </a:ext>
+            </a:extLst>
+          </p:cNvPr>
+          <p:cNvSpPr txBox="1">
+            <a:spLocks/>
+          </p:cNvSpPr>
+          <p:nvPr/>
+        </p:nvSpPr>
+        <p:spPr>
+          <a:xfrm>
+            <a:off x="487928" y="105157"/>
+            <a:ext cx="8610600" cy="1293028"/>
+          </a:xfrm>
+          <a:prstGeom prst="rect">
+            <a:avLst/>
+          </a:prstGeom>
+        </p:spPr>
+        <p:txBody>
+          <a:bodyPr>
+            <a:normAutofit/>
+          </a:bodyPr>
+          <a:lstStyle>
+            <a:lvl1pPr algn="r" defTabSz="914400" rtl="0" eaLnBrk="1" latinLnBrk="0" hangingPunct="1">
+              <a:lnSpc>
+                <a:spcPct val="90000"/>
+              </a:lnSpc>
+              <a:spcBef>
+                <a:spcPct val="0"/>
+              </a:spcBef>
+              <a:buNone/>
+              <a:defRPr sz="4000" kern="1200" cap="all" baseline="0">
+                <a:solidFill>
+                  <a:schemeClr val="tx1"/>
+                </a:solidFill>
+                <a:latin typeface="+mj-lt"/>
+                <a:ea typeface="+mj-ea"/>
+                <a:cs typeface="+mj-cs"/>
+              </a:defRPr>
+            </a:lvl1pPr>
+          </a:lstStyle>
+          <a:p>
+            <a:pPr algn="l"/>
+            <a:r>
+              <a:rPr lang="en-US" b="1" dirty="0">
+                <a:solidFill>
+                  <a:schemeClr val="bg2"/>
+                </a:solidFill>
+              </a:rPr>
+              <a:t>The dashboard</a:t>
+            </a:r>
+            <a:br>
+              <a:rPr lang="en-US" dirty="0"/>
+            </a:br>
+            <a:endParaRPr lang="en-US" dirty="0"/>
+          </a:p>
+        </p:txBody>
+      </p:sp>
     </p:spTree>
     <p:extLst>
       <p:ext uri="{BB962C8B-B14F-4D97-AF65-F5344CB8AC3E}">
@@ -14228,7 +14291,7 @@
               <p:nvPr>
                 <p:extLst>
                   <p:ext uri="{D42A27DB-BD31-4B8C-83A1-F6EECF244321}">
-                    <p14:modId xmlns:p14="http://schemas.microsoft.com/office/powerpoint/2010/main" val="132383291"/>
+                    <p14:modId xmlns:p14="http://schemas.microsoft.com/office/powerpoint/2010/main" val="2705779665"/>
                   </p:ext>
                 </p:extLst>
               </p:nvPr>
@@ -14399,11 +14462,12 @@
                               <m:sSub>
                                 <m:sSubPr>
                                   <m:ctrlPr>
-                                    <a:rPr lang="en-GB" sz="1800" b="1" kern="1200" smtClean="0">
+                                    <a:rPr lang="en-GB" sz="1800" b="1" i="1" kern="1200" smtClean="0">
                                       <a:solidFill>
                                         <a:schemeClr val="dk1"/>
                                       </a:solidFill>
                                       <a:effectLst/>
+                                      <a:latin typeface="Cambria Math" panose="02040503050406030204" pitchFamily="18" charset="0"/>
                                     </a:rPr>
                                   </m:ctrlPr>
                                 </m:sSubPr>
@@ -14414,6 +14478,7 @@
                                         <a:schemeClr val="dk1"/>
                                       </a:solidFill>
                                       <a:effectLst/>
+                                      <a:latin typeface="Cambria Math" panose="02040503050406030204" pitchFamily="18" charset="0"/>
                                     </a:rPr>
                                     <m:t>𝑯</m:t>
                                   </m:r>
@@ -14425,6 +14490,7 @@
                                         <a:schemeClr val="dk1"/>
                                       </a:solidFill>
                                       <a:effectLst/>
+                                      <a:latin typeface="Cambria Math" panose="02040503050406030204" pitchFamily="18" charset="0"/>
                                     </a:rPr>
                                     <m:t>𝟎</m:t>
                                   </m:r>
@@ -14436,17 +14502,19 @@
                                     <a:schemeClr val="dk1"/>
                                   </a:solidFill>
                                   <a:effectLst/>
+                                  <a:latin typeface="Cambria Math" panose="02040503050406030204" pitchFamily="18" charset="0"/>
                                 </a:rPr>
                                 <m:t>=</m:t>
                               </m:r>
                               <m:sSub>
                                 <m:sSubPr>
                                   <m:ctrlPr>
-                                    <a:rPr lang="en-GB" sz="1800" b="1" kern="1200" smtClean="0">
+                                    <a:rPr lang="en-GB" sz="1800" b="1" i="1" kern="1200" smtClean="0">
                                       <a:solidFill>
                                         <a:schemeClr val="dk1"/>
                                       </a:solidFill>
                                       <a:effectLst/>
+                                      <a:latin typeface="Cambria Math" panose="02040503050406030204" pitchFamily="18" charset="0"/>
                                     </a:rPr>
                                   </m:ctrlPr>
                                 </m:sSubPr>
@@ -14457,6 +14525,7 @@
                                         <a:schemeClr val="dk1"/>
                                       </a:solidFill>
                                       <a:effectLst/>
+                                      <a:latin typeface="Cambria Math" panose="02040503050406030204" pitchFamily="18" charset="0"/>
                                     </a:rPr>
                                     <m:t>𝝁</m:t>
                                   </m:r>
@@ -14468,6 +14537,7 @@
                                         <a:schemeClr val="dk1"/>
                                       </a:solidFill>
                                       <a:effectLst/>
+                                      <a:latin typeface="Cambria Math" panose="02040503050406030204" pitchFamily="18" charset="0"/>
                                     </a:rPr>
                                     <m:t>𝒄𝒐𝒗</m:t>
                                   </m:r>
@@ -14492,17 +14562,19 @@
                                     <a:schemeClr val="dk1"/>
                                   </a:solidFill>
                                   <a:effectLst/>
+                                  <a:latin typeface="Cambria Math" panose="02040503050406030204" pitchFamily="18" charset="0"/>
                                 </a:rPr>
                                 <m:t> </m:t>
                               </m:r>
                               <m:sSub>
                                 <m:sSubPr>
                                   <m:ctrlPr>
-                                    <a:rPr lang="en-GB" sz="1800" b="1" kern="1200" smtClean="0">
+                                    <a:rPr lang="en-GB" sz="1800" b="1" i="1" kern="1200" smtClean="0">
                                       <a:solidFill>
                                         <a:schemeClr val="dk1"/>
                                       </a:solidFill>
                                       <a:effectLst/>
+                                      <a:latin typeface="Cambria Math" panose="02040503050406030204" pitchFamily="18" charset="0"/>
                                     </a:rPr>
                                   </m:ctrlPr>
                                 </m:sSubPr>
@@ -14513,6 +14585,7 @@
                                         <a:schemeClr val="dk1"/>
                                       </a:solidFill>
                                       <a:effectLst/>
+                                      <a:latin typeface="Cambria Math" panose="02040503050406030204" pitchFamily="18" charset="0"/>
                                     </a:rPr>
                                     <m:t>𝝁</m:t>
                                   </m:r>
@@ -14524,6 +14597,7 @@
                                         <a:schemeClr val="dk1"/>
                                       </a:solidFill>
                                       <a:effectLst/>
+                                      <a:latin typeface="Cambria Math" panose="02040503050406030204" pitchFamily="18" charset="0"/>
                                     </a:rPr>
                                     <m:t>𝒑𝒓𝒆𝒄𝒐𝒗</m:t>
                                   </m:r>
@@ -14564,11 +14638,12 @@
                               <m:sSub>
                                 <m:sSubPr>
                                   <m:ctrlPr>
-                                    <a:rPr lang="en-GB" sz="1800" b="1" kern="1200" smtClean="0">
+                                    <a:rPr lang="en-GB" sz="1800" b="1" i="1" kern="1200" smtClean="0">
                                       <a:solidFill>
                                         <a:schemeClr val="dk1"/>
                                       </a:solidFill>
                                       <a:effectLst/>
+                                      <a:latin typeface="Cambria Math" panose="02040503050406030204" pitchFamily="18" charset="0"/>
                                     </a:rPr>
                                   </m:ctrlPr>
                                 </m:sSubPr>
@@ -14579,6 +14654,7 @@
                                         <a:schemeClr val="dk1"/>
                                       </a:solidFill>
                                       <a:effectLst/>
+                                      <a:latin typeface="Cambria Math" panose="02040503050406030204" pitchFamily="18" charset="0"/>
                                     </a:rPr>
                                     <m:t>𝑯</m:t>
                                   </m:r>
@@ -14590,6 +14666,7 @@
                                         <a:schemeClr val="dk1"/>
                                       </a:solidFill>
                                       <a:effectLst/>
+                                      <a:latin typeface="Cambria Math" panose="02040503050406030204" pitchFamily="18" charset="0"/>
                                     </a:rPr>
                                     <m:t>𝜶</m:t>
                                   </m:r>
@@ -14601,17 +14678,19 @@
                                     <a:schemeClr val="dk1"/>
                                   </a:solidFill>
                                   <a:effectLst/>
+                                  <a:latin typeface="Cambria Math" panose="02040503050406030204" pitchFamily="18" charset="0"/>
                                 </a:rPr>
                                 <m:t>=</m:t>
                               </m:r>
                               <m:sSub>
                                 <m:sSubPr>
                                   <m:ctrlPr>
-                                    <a:rPr lang="en-GB" sz="1800" b="1" kern="1200" smtClean="0">
+                                    <a:rPr lang="en-GB" sz="1800" b="1" i="1" kern="1200" smtClean="0">
                                       <a:solidFill>
                                         <a:schemeClr val="dk1"/>
                                       </a:solidFill>
                                       <a:effectLst/>
+                                      <a:latin typeface="Cambria Math" panose="02040503050406030204" pitchFamily="18" charset="0"/>
                                     </a:rPr>
                                   </m:ctrlPr>
                                 </m:sSubPr>
@@ -14622,6 +14701,7 @@
                                         <a:schemeClr val="dk1"/>
                                       </a:solidFill>
                                       <a:effectLst/>
+                                      <a:latin typeface="Cambria Math" panose="02040503050406030204" pitchFamily="18" charset="0"/>
                                     </a:rPr>
                                     <m:t>𝝁</m:t>
                                   </m:r>
@@ -14633,6 +14713,7 @@
                                         <a:schemeClr val="dk1"/>
                                       </a:solidFill>
                                       <a:effectLst/>
+                                      <a:latin typeface="Cambria Math" panose="02040503050406030204" pitchFamily="18" charset="0"/>
                                     </a:rPr>
                                     <m:t>𝒄𝒐𝒗</m:t>
                                   </m:r>
@@ -14657,17 +14738,19 @@
                                     <a:schemeClr val="dk1"/>
                                   </a:solidFill>
                                   <a:effectLst/>
+                                  <a:latin typeface="Cambria Math" panose="02040503050406030204" pitchFamily="18" charset="0"/>
                                 </a:rPr>
                                 <m:t> </m:t>
                               </m:r>
                               <m:sSub>
                                 <m:sSubPr>
                                   <m:ctrlPr>
-                                    <a:rPr lang="en-GB" sz="1800" b="1" kern="1200" smtClean="0">
+                                    <a:rPr lang="en-GB" sz="1800" b="1" i="1" kern="1200" smtClean="0">
                                       <a:solidFill>
                                         <a:schemeClr val="dk1"/>
                                       </a:solidFill>
                                       <a:effectLst/>
+                                      <a:latin typeface="Cambria Math" panose="02040503050406030204" pitchFamily="18" charset="0"/>
                                     </a:rPr>
                                   </m:ctrlPr>
                                 </m:sSubPr>
@@ -14678,6 +14761,7 @@
                                         <a:schemeClr val="dk1"/>
                                       </a:solidFill>
                                       <a:effectLst/>
+                                      <a:latin typeface="Cambria Math" panose="02040503050406030204" pitchFamily="18" charset="0"/>
                                     </a:rPr>
                                     <m:t>𝝁</m:t>
                                   </m:r>
@@ -14689,6 +14773,7 @@
                                         <a:schemeClr val="dk1"/>
                                       </a:solidFill>
                                       <a:effectLst/>
+                                      <a:latin typeface="Cambria Math" panose="02040503050406030204" pitchFamily="18" charset="0"/>
                                     </a:rPr>
                                     <m:t>𝒑𝒓𝒆𝒄𝒐𝒗</m:t>
                                   </m:r>
@@ -14801,11 +14886,12 @@
                               <m:sSub>
                                 <m:sSubPr>
                                   <m:ctrlPr>
-                                    <a:rPr lang="en-GB" sz="1800" b="1" kern="1200" smtClean="0">
+                                    <a:rPr lang="en-GB" sz="1800" b="1" i="1" kern="1200" smtClean="0">
                                       <a:solidFill>
                                         <a:schemeClr val="dk1"/>
                                       </a:solidFill>
                                       <a:effectLst/>
+                                      <a:latin typeface="Cambria Math" panose="02040503050406030204" pitchFamily="18" charset="0"/>
                                     </a:rPr>
                                   </m:ctrlPr>
                                 </m:sSubPr>
@@ -14816,6 +14902,7 @@
                                         <a:schemeClr val="dk1"/>
                                       </a:solidFill>
                                       <a:effectLst/>
+                                      <a:latin typeface="Cambria Math" panose="02040503050406030204" pitchFamily="18" charset="0"/>
                                     </a:rPr>
                                     <m:t>𝑯</m:t>
                                   </m:r>
@@ -14827,6 +14914,7 @@
                                         <a:schemeClr val="dk1"/>
                                       </a:solidFill>
                                       <a:effectLst/>
+                                      <a:latin typeface="Cambria Math" panose="02040503050406030204" pitchFamily="18" charset="0"/>
                                     </a:rPr>
                                     <m:t>𝟎</m:t>
                                   </m:r>
@@ -14838,17 +14926,19 @@
                                     <a:schemeClr val="dk1"/>
                                   </a:solidFill>
                                   <a:effectLst/>
+                                  <a:latin typeface="Cambria Math" panose="02040503050406030204" pitchFamily="18" charset="0"/>
                                 </a:rPr>
                                 <m:t>=</m:t>
                               </m:r>
                               <m:sSub>
                                 <m:sSubPr>
                                   <m:ctrlPr>
-                                    <a:rPr lang="en-GB" sz="1800" b="1" kern="1200" smtClean="0">
+                                    <a:rPr lang="en-GB" sz="1800" b="1" i="1" kern="1200" smtClean="0">
                                       <a:solidFill>
                                         <a:schemeClr val="dk1"/>
                                       </a:solidFill>
                                       <a:effectLst/>
+                                      <a:latin typeface="Cambria Math" panose="02040503050406030204" pitchFamily="18" charset="0"/>
                                     </a:rPr>
                                   </m:ctrlPr>
                                 </m:sSubPr>
@@ -14859,6 +14949,7 @@
                                         <a:schemeClr val="dk1"/>
                                       </a:solidFill>
                                       <a:effectLst/>
+                                      <a:latin typeface="Cambria Math" panose="02040503050406030204" pitchFamily="18" charset="0"/>
                                     </a:rPr>
                                     <m:t>𝝁</m:t>
                                   </m:r>
@@ -14870,6 +14961,7 @@
                                         <a:schemeClr val="dk1"/>
                                       </a:solidFill>
                                       <a:effectLst/>
+                                      <a:latin typeface="Cambria Math" panose="02040503050406030204" pitchFamily="18" charset="0"/>
                                     </a:rPr>
                                     <m:t>𝒘𝒊𝒏𝒕𝒆𝒓</m:t>
                                   </m:r>
@@ -14894,17 +14986,19 @@
                                     <a:schemeClr val="dk1"/>
                                   </a:solidFill>
                                   <a:effectLst/>
+                                  <a:latin typeface="Cambria Math" panose="02040503050406030204" pitchFamily="18" charset="0"/>
                                 </a:rPr>
                                 <m:t> </m:t>
                               </m:r>
                               <m:sSub>
                                 <m:sSubPr>
                                   <m:ctrlPr>
-                                    <a:rPr lang="en-GB" sz="1800" b="1" kern="1200" smtClean="0">
+                                    <a:rPr lang="en-GB" sz="1800" b="1" i="1" kern="1200" smtClean="0">
                                       <a:solidFill>
                                         <a:schemeClr val="dk1"/>
                                       </a:solidFill>
                                       <a:effectLst/>
+                                      <a:latin typeface="Cambria Math" panose="02040503050406030204" pitchFamily="18" charset="0"/>
                                     </a:rPr>
                                   </m:ctrlPr>
                                 </m:sSubPr>
@@ -14915,6 +15009,7 @@
                                         <a:schemeClr val="dk1"/>
                                       </a:solidFill>
                                       <a:effectLst/>
+                                      <a:latin typeface="Cambria Math" panose="02040503050406030204" pitchFamily="18" charset="0"/>
                                     </a:rPr>
                                     <m:t>𝝁</m:t>
                                   </m:r>
@@ -14926,6 +15021,7 @@
                                         <a:schemeClr val="dk1"/>
                                       </a:solidFill>
                                       <a:effectLst/>
+                                      <a:latin typeface="Cambria Math" panose="02040503050406030204" pitchFamily="18" charset="0"/>
                                     </a:rPr>
                                     <m:t>𝒔𝒆𝒂𝒔𝒐𝒏</m:t>
                                   </m:r>
@@ -14966,11 +15062,12 @@
                               <m:sSub>
                                 <m:sSubPr>
                                   <m:ctrlPr>
-                                    <a:rPr lang="en-GB" sz="1800" b="1" kern="1200" smtClean="0">
+                                    <a:rPr lang="en-GB" sz="1800" b="1" i="1" kern="1200" smtClean="0">
                                       <a:solidFill>
                                         <a:schemeClr val="dk1"/>
                                       </a:solidFill>
                                       <a:effectLst/>
+                                      <a:latin typeface="Cambria Math" panose="02040503050406030204" pitchFamily="18" charset="0"/>
                                     </a:rPr>
                                   </m:ctrlPr>
                                 </m:sSubPr>
@@ -14981,6 +15078,7 @@
                                         <a:schemeClr val="dk1"/>
                                       </a:solidFill>
                                       <a:effectLst/>
+                                      <a:latin typeface="Cambria Math" panose="02040503050406030204" pitchFamily="18" charset="0"/>
                                     </a:rPr>
                                     <m:t>𝑯</m:t>
                                   </m:r>
@@ -14992,6 +15090,7 @@
                                         <a:schemeClr val="dk1"/>
                                       </a:solidFill>
                                       <a:effectLst/>
+                                      <a:latin typeface="Cambria Math" panose="02040503050406030204" pitchFamily="18" charset="0"/>
                                     </a:rPr>
                                     <m:t>𝜶</m:t>
                                   </m:r>
@@ -15003,17 +15102,19 @@
                                     <a:schemeClr val="dk1"/>
                                   </a:solidFill>
                                   <a:effectLst/>
+                                  <a:latin typeface="Cambria Math" panose="02040503050406030204" pitchFamily="18" charset="0"/>
                                 </a:rPr>
                                 <m:t>=</m:t>
                               </m:r>
                               <m:sSub>
                                 <m:sSubPr>
                                   <m:ctrlPr>
-                                    <a:rPr lang="en-GB" sz="1800" b="1" kern="1200" smtClean="0">
+                                    <a:rPr lang="en-GB" sz="1800" b="1" i="1" kern="1200" smtClean="0">
                                       <a:solidFill>
                                         <a:schemeClr val="dk1"/>
                                       </a:solidFill>
                                       <a:effectLst/>
+                                      <a:latin typeface="Cambria Math" panose="02040503050406030204" pitchFamily="18" charset="0"/>
                                     </a:rPr>
                                   </m:ctrlPr>
                                 </m:sSubPr>
@@ -15024,6 +15125,7 @@
                                         <a:schemeClr val="dk1"/>
                                       </a:solidFill>
                                       <a:effectLst/>
+                                      <a:latin typeface="Cambria Math" panose="02040503050406030204" pitchFamily="18" charset="0"/>
                                     </a:rPr>
                                     <m:t>𝝁</m:t>
                                   </m:r>
@@ -15035,6 +15137,7 @@
                                         <a:schemeClr val="dk1"/>
                                       </a:solidFill>
                                       <a:effectLst/>
+                                      <a:latin typeface="Cambria Math" panose="02040503050406030204" pitchFamily="18" charset="0"/>
                                     </a:rPr>
                                     <m:t>𝒘𝒊𝒏𝒕𝒆𝒓</m:t>
                                   </m:r>
@@ -15059,17 +15162,19 @@
                                     <a:schemeClr val="dk1"/>
                                   </a:solidFill>
                                   <a:effectLst/>
+                                  <a:latin typeface="Cambria Math" panose="02040503050406030204" pitchFamily="18" charset="0"/>
                                 </a:rPr>
                                 <m:t> </m:t>
                               </m:r>
                               <m:sSub>
                                 <m:sSubPr>
                                   <m:ctrlPr>
-                                    <a:rPr lang="en-GB" sz="1800" b="1" kern="1200" smtClean="0">
+                                    <a:rPr lang="en-GB" sz="1800" b="1" i="1" kern="1200" smtClean="0">
                                       <a:solidFill>
                                         <a:schemeClr val="dk1"/>
                                       </a:solidFill>
                                       <a:effectLst/>
+                                      <a:latin typeface="Cambria Math" panose="02040503050406030204" pitchFamily="18" charset="0"/>
                                     </a:rPr>
                                   </m:ctrlPr>
                                 </m:sSubPr>
@@ -15080,6 +15185,7 @@
                                         <a:schemeClr val="dk1"/>
                                       </a:solidFill>
                                       <a:effectLst/>
+                                      <a:latin typeface="Cambria Math" panose="02040503050406030204" pitchFamily="18" charset="0"/>
                                     </a:rPr>
                                     <m:t>𝝁</m:t>
                                   </m:r>
@@ -15091,6 +15197,7 @@
                                         <a:schemeClr val="dk1"/>
                                       </a:solidFill>
                                       <a:effectLst/>
+                                      <a:latin typeface="Cambria Math" panose="02040503050406030204" pitchFamily="18" charset="0"/>
                                     </a:rPr>
                                     <m:t>𝒔𝒆𝒂𝒔𝒐𝒏</m:t>
                                   </m:r>
@@ -15213,19 +15320,19 @@
                         <a:p>
                           <a:r>
                             <a:rPr lang="en-GB" b="1" dirty="0"/>
-                            <a:t>Spring:     0.1682</a:t>
+                            <a:t>Spring:     0.491</a:t>
                           </a:r>
                         </a:p>
                         <a:p>
                           <a:r>
                             <a:rPr lang="en-GB" b="1" dirty="0"/>
-                            <a:t>Summer:  0.5284</a:t>
+                            <a:t>Summer:  0.6908</a:t>
                           </a:r>
                         </a:p>
                         <a:p>
                           <a:r>
                             <a:rPr lang="en-GB" b="1" dirty="0"/>
-                            <a:t>Autumn:  0.7728</a:t>
+                            <a:t>Autumn:  0.6952</a:t>
                           </a:r>
                         </a:p>
                       </a:txBody>
@@ -15265,11 +15372,12 @@
                               <m:sSub>
                                 <m:sSubPr>
                                   <m:ctrlPr>
-                                    <a:rPr lang="en-GB" sz="1800" b="1" kern="1200" smtClean="0">
+                                    <a:rPr lang="en-GB" sz="1800" b="1" i="1" kern="1200" smtClean="0">
                                       <a:solidFill>
                                         <a:schemeClr val="dk1"/>
                                       </a:solidFill>
                                       <a:effectLst/>
+                                      <a:latin typeface="Cambria Math" panose="02040503050406030204" pitchFamily="18" charset="0"/>
                                     </a:rPr>
                                   </m:ctrlPr>
                                 </m:sSubPr>
@@ -15280,6 +15388,7 @@
                                         <a:schemeClr val="dk1"/>
                                       </a:solidFill>
                                       <a:effectLst/>
+                                      <a:latin typeface="Cambria Math" panose="02040503050406030204" pitchFamily="18" charset="0"/>
                                     </a:rPr>
                                     <m:t>𝑯</m:t>
                                   </m:r>
@@ -15291,6 +15400,7 @@
                                         <a:schemeClr val="dk1"/>
                                       </a:solidFill>
                                       <a:effectLst/>
+                                      <a:latin typeface="Cambria Math" panose="02040503050406030204" pitchFamily="18" charset="0"/>
                                     </a:rPr>
                                     <m:t>𝟎</m:t>
                                   </m:r>
@@ -15336,11 +15446,12 @@
                               <m:sSub>
                                 <m:sSubPr>
                                   <m:ctrlPr>
-                                    <a:rPr lang="en-GB" sz="1800" b="1" kern="1200" smtClean="0">
+                                    <a:rPr lang="en-GB" sz="1800" b="1" i="1" kern="1200" smtClean="0">
                                       <a:solidFill>
                                         <a:schemeClr val="dk1"/>
                                       </a:solidFill>
                                       <a:effectLst/>
+                                      <a:latin typeface="Cambria Math" panose="02040503050406030204" pitchFamily="18" charset="0"/>
                                     </a:rPr>
                                   </m:ctrlPr>
                                 </m:sSubPr>
@@ -15351,6 +15462,7 @@
                                         <a:schemeClr val="dk1"/>
                                       </a:solidFill>
                                       <a:effectLst/>
+                                      <a:latin typeface="Cambria Math" panose="02040503050406030204" pitchFamily="18" charset="0"/>
                                     </a:rPr>
                                     <m:t>𝑯</m:t>
                                   </m:r>
@@ -15362,6 +15474,7 @@
                                         <a:schemeClr val="dk1"/>
                                       </a:solidFill>
                                       <a:effectLst/>
+                                      <a:latin typeface="Cambria Math" panose="02040503050406030204" pitchFamily="18" charset="0"/>
                                     </a:rPr>
                                     <m:t>𝟎</m:t>
                                   </m:r>
@@ -15404,7 +15517,7 @@
               <p:nvPr>
                 <p:extLst>
                   <p:ext uri="{D42A27DB-BD31-4B8C-83A1-F6EECF244321}">
-                    <p14:modId xmlns:p14="http://schemas.microsoft.com/office/powerpoint/2010/main" val="132383291"/>
+                    <p14:modId xmlns:p14="http://schemas.microsoft.com/office/powerpoint/2010/main" val="2705779665"/>
                   </p:ext>
                 </p:extLst>
               </p:nvPr>
@@ -15619,19 +15732,19 @@
                         <a:p>
                           <a:r>
                             <a:rPr lang="en-GB" b="1" dirty="0"/>
-                            <a:t>Spring:     0.1682</a:t>
+                            <a:t>Spring:     0.491</a:t>
                           </a:r>
                         </a:p>
                         <a:p>
                           <a:r>
                             <a:rPr lang="en-GB" b="1" dirty="0"/>
-                            <a:t>Summer:  0.5284</a:t>
+                            <a:t>Summer:  0.6908</a:t>
                           </a:r>
                         </a:p>
                         <a:p>
                           <a:r>
                             <a:rPr lang="en-GB" b="1" dirty="0"/>
-                            <a:t>Autumn:  0.7728</a:t>
+                            <a:t>Autumn:  0.6952</a:t>
                           </a:r>
                         </a:p>
                       </a:txBody>

--- a/Presentation/PHS Rshiny Team Klas.pptx
+++ b/Presentation/PHS Rshiny Team Klas.pptx
@@ -5,7 +5,7 @@
     <p:sldMasterId id="2147483648" r:id="rId1"/>
   </p:sldMasterIdLst>
   <p:notesMasterIdLst>
-    <p:notesMasterId r:id="rId14"/>
+    <p:notesMasterId r:id="rId15"/>
   </p:notesMasterIdLst>
   <p:sldIdLst>
     <p:sldId id="256" r:id="rId2"/>
@@ -15,11 +15,12 @@
     <p:sldId id="259" r:id="rId6"/>
     <p:sldId id="260" r:id="rId7"/>
     <p:sldId id="261" r:id="rId8"/>
-    <p:sldId id="267" r:id="rId9"/>
-    <p:sldId id="265" r:id="rId10"/>
-    <p:sldId id="268" r:id="rId11"/>
-    <p:sldId id="269" r:id="rId12"/>
-    <p:sldId id="266" r:id="rId13"/>
+    <p:sldId id="270" r:id="rId9"/>
+    <p:sldId id="267" r:id="rId10"/>
+    <p:sldId id="265" r:id="rId11"/>
+    <p:sldId id="268" r:id="rId12"/>
+    <p:sldId id="269" r:id="rId13"/>
+    <p:sldId id="266" r:id="rId14"/>
   </p:sldIdLst>
   <p:sldSz cx="12192000" cy="6858000"/>
   <p:notesSz cx="6858000" cy="9144000"/>
@@ -15680,7 +15681,7 @@
     </p:spTree>
     <p:extLst>
       <p:ext uri="{BB962C8B-B14F-4D97-AF65-F5344CB8AC3E}">
-        <p14:creationId xmlns:p14="http://schemas.microsoft.com/office/powerpoint/2010/main" val="1871089189"/>
+        <p14:creationId xmlns:p14="http://schemas.microsoft.com/office/powerpoint/2010/main" val="975875781"/>
       </p:ext>
     </p:extLst>
   </p:cSld>
@@ -15764,6 +15765,90 @@
     </p:spTree>
     <p:extLst>
       <p:ext uri="{BB962C8B-B14F-4D97-AF65-F5344CB8AC3E}">
+        <p14:creationId xmlns:p14="http://schemas.microsoft.com/office/powerpoint/2010/main" val="1871089189"/>
+      </p:ext>
+    </p:extLst>
+  </p:cSld>
+  <p:clrMapOvr>
+    <a:masterClrMapping/>
+  </p:clrMapOvr>
+</p:notes>
+</file>
+
+<file path=ppt/notesSlides/notesSlide8.xml><?xml version="1.0" encoding="utf-8"?>
+<p:notes xmlns:a="http://schemas.openxmlformats.org/drawingml/2006/main" xmlns:r="http://schemas.openxmlformats.org/officeDocument/2006/relationships" xmlns:p="http://schemas.openxmlformats.org/presentationml/2006/main">
+  <p:cSld>
+    <p:spTree>
+      <p:nvGrpSpPr>
+        <p:cNvPr id="1" name=""/>
+        <p:cNvGrpSpPr/>
+        <p:nvPr/>
+      </p:nvGrpSpPr>
+      <p:grpSpPr>
+        <a:xfrm>
+          <a:off x="0" y="0"/>
+          <a:ext cx="0" cy="0"/>
+          <a:chOff x="0" y="0"/>
+          <a:chExt cx="0" cy="0"/>
+        </a:xfrm>
+      </p:grpSpPr>
+      <p:sp>
+        <p:nvSpPr>
+          <p:cNvPr id="2" name="Slide Image Placeholder 1"/>
+          <p:cNvSpPr>
+            <a:spLocks noGrp="1" noRot="1" noChangeAspect="1"/>
+          </p:cNvSpPr>
+          <p:nvPr>
+            <p:ph type="sldImg"/>
+          </p:nvPr>
+        </p:nvSpPr>
+        <p:spPr/>
+      </p:sp>
+      <p:sp>
+        <p:nvSpPr>
+          <p:cNvPr id="3" name="Notes Placeholder 2"/>
+          <p:cNvSpPr>
+            <a:spLocks noGrp="1"/>
+          </p:cNvSpPr>
+          <p:nvPr>
+            <p:ph type="body" idx="1"/>
+          </p:nvPr>
+        </p:nvSpPr>
+        <p:spPr/>
+        <p:txBody>
+          <a:bodyPr/>
+          <a:lstStyle/>
+          <a:p>
+            <a:endParaRPr lang="en-US" dirty="0"/>
+          </a:p>
+        </p:txBody>
+      </p:sp>
+      <p:sp>
+        <p:nvSpPr>
+          <p:cNvPr id="4" name="Slide Number Placeholder 3"/>
+          <p:cNvSpPr>
+            <a:spLocks noGrp="1"/>
+          </p:cNvSpPr>
+          <p:nvPr>
+            <p:ph type="sldNum" sz="quarter" idx="5"/>
+          </p:nvPr>
+        </p:nvSpPr>
+        <p:spPr/>
+        <p:txBody>
+          <a:bodyPr/>
+          <a:lstStyle/>
+          <a:p>
+            <a:fld id="{7AA399A9-3A42-E441-96E8-5E8E9FEDAD92}" type="slidenum">
+              <a:rPr lang="en-US" smtClean="0"/>
+              <a:t>10</a:t>
+            </a:fld>
+            <a:endParaRPr lang="en-US"/>
+          </a:p>
+        </p:txBody>
+      </p:sp>
+    </p:spTree>
+    <p:extLst>
+      <p:ext uri="{BB962C8B-B14F-4D97-AF65-F5344CB8AC3E}">
         <p14:creationId xmlns:p14="http://schemas.microsoft.com/office/powerpoint/2010/main" val="1379244047"/>
       </p:ext>
     </p:extLst>
@@ -15774,7 +15859,7 @@
 </p:notes>
 </file>
 
-<file path=ppt/notesSlides/notesSlide8.xml><?xml version="1.0" encoding="utf-8"?>
+<file path=ppt/notesSlides/notesSlide9.xml><?xml version="1.0" encoding="utf-8"?>
 <p:notes xmlns:a="http://schemas.openxmlformats.org/drawingml/2006/main" xmlns:r="http://schemas.openxmlformats.org/officeDocument/2006/relationships" xmlns:p="http://schemas.openxmlformats.org/presentationml/2006/main">
   <p:cSld>
     <p:spTree>
@@ -15839,7 +15924,7 @@
           <a:p>
             <a:fld id="{7AA399A9-3A42-E441-96E8-5E8E9FEDAD92}" type="slidenum">
               <a:rPr lang="en-US" smtClean="0"/>
-              <a:t>11</a:t>
+              <a:t>12</a:t>
             </a:fld>
             <a:endParaRPr lang="en-US"/>
           </a:p>
@@ -21523,6 +21608,492 @@
 <file path=ppt/slides/slide10.xml><?xml version="1.0" encoding="utf-8"?>
 <p:sld xmlns:a="http://schemas.openxmlformats.org/drawingml/2006/main" xmlns:r="http://schemas.openxmlformats.org/officeDocument/2006/relationships" xmlns:p="http://schemas.openxmlformats.org/presentationml/2006/main">
   <p:cSld>
+    <p:spTree>
+      <p:nvGrpSpPr>
+        <p:cNvPr id="1" name=""/>
+        <p:cNvGrpSpPr/>
+        <p:nvPr/>
+      </p:nvGrpSpPr>
+      <p:grpSpPr>
+        <a:xfrm>
+          <a:off x="0" y="0"/>
+          <a:ext cx="0" cy="0"/>
+          <a:chOff x="0" y="0"/>
+          <a:chExt cx="0" cy="0"/>
+        </a:xfrm>
+      </p:grpSpPr>
+      <p:sp>
+        <p:nvSpPr>
+          <p:cNvPr id="2" name="Title 1">
+            <a:extLst>
+              <a:ext uri="{FF2B5EF4-FFF2-40B4-BE49-F238E27FC236}">
+                <a16:creationId xmlns:a16="http://schemas.microsoft.com/office/drawing/2014/main" id="{D00292F1-08A9-8D43-846D-E6D20F02FC25}"/>
+              </a:ext>
+            </a:extLst>
+          </p:cNvPr>
+          <p:cNvSpPr>
+            <a:spLocks noGrp="1"/>
+          </p:cNvSpPr>
+          <p:nvPr>
+            <p:ph type="title"/>
+          </p:nvPr>
+        </p:nvSpPr>
+        <p:spPr>
+          <a:xfrm>
+            <a:off x="927315" y="609390"/>
+            <a:ext cx="8610600" cy="1293028"/>
+          </a:xfrm>
+        </p:spPr>
+        <p:txBody>
+          <a:bodyPr>
+            <a:normAutofit/>
+          </a:bodyPr>
+          <a:lstStyle/>
+          <a:p>
+            <a:pPr algn="l"/>
+            <a:r>
+              <a:rPr lang="en-US" b="1" dirty="0">
+                <a:solidFill>
+                  <a:schemeClr val="bg2"/>
+                </a:solidFill>
+              </a:rPr>
+              <a:t>The Data</a:t>
+            </a:r>
+            <a:br>
+              <a:rPr lang="en-US" dirty="0">
+                <a:solidFill>
+                  <a:schemeClr val="bg2"/>
+                </a:solidFill>
+              </a:rPr>
+            </a:br>
+            <a:endParaRPr lang="en-US" dirty="0">
+              <a:solidFill>
+                <a:schemeClr val="bg2"/>
+              </a:solidFill>
+            </a:endParaRPr>
+          </a:p>
+        </p:txBody>
+      </p:sp>
+      <p:sp>
+        <p:nvSpPr>
+          <p:cNvPr id="7" name="Text Placeholder 2">
+            <a:extLst>
+              <a:ext uri="{FF2B5EF4-FFF2-40B4-BE49-F238E27FC236}">
+                <a16:creationId xmlns:a16="http://schemas.microsoft.com/office/drawing/2014/main" id="{5BAEB0D8-6DE2-2745-828B-8BAE710FBED9}"/>
+              </a:ext>
+            </a:extLst>
+          </p:cNvPr>
+          <p:cNvSpPr txBox="1">
+            <a:spLocks/>
+          </p:cNvSpPr>
+          <p:nvPr/>
+        </p:nvSpPr>
+        <p:spPr>
+          <a:xfrm>
+            <a:off x="1036880" y="1767478"/>
+            <a:ext cx="10490200" cy="4369850"/>
+          </a:xfrm>
+          <a:prstGeom prst="rect">
+            <a:avLst/>
+          </a:prstGeom>
+        </p:spPr>
+        <p:txBody>
+          <a:bodyPr>
+            <a:noAutofit/>
+          </a:bodyPr>
+          <a:lstStyle>
+            <a:lvl1pPr marL="228600" indent="-228600" algn="l" defTabSz="914400" rtl="0" eaLnBrk="1" latinLnBrk="0" hangingPunct="1">
+              <a:lnSpc>
+                <a:spcPct val="90000"/>
+              </a:lnSpc>
+              <a:spcBef>
+                <a:spcPts val="1000"/>
+              </a:spcBef>
+              <a:buFont typeface="Arial" panose="020B0604020202020204" pitchFamily="34" charset="0"/>
+              <a:buChar char="•"/>
+              <a:defRPr sz="2200" kern="1200">
+                <a:solidFill>
+                  <a:schemeClr val="tx1"/>
+                </a:solidFill>
+                <a:latin typeface="+mn-lt"/>
+                <a:ea typeface="+mn-ea"/>
+                <a:cs typeface="+mn-cs"/>
+              </a:defRPr>
+            </a:lvl1pPr>
+            <a:lvl2pPr marL="685800" indent="-228600" algn="l" defTabSz="914400" rtl="0" eaLnBrk="1" latinLnBrk="0" hangingPunct="1">
+              <a:lnSpc>
+                <a:spcPct val="90000"/>
+              </a:lnSpc>
+              <a:spcBef>
+                <a:spcPts val="500"/>
+              </a:spcBef>
+              <a:buFont typeface="Arial" panose="020B0604020202020204" pitchFamily="34" charset="0"/>
+              <a:buChar char="•"/>
+              <a:defRPr sz="2000" kern="1200">
+                <a:solidFill>
+                  <a:schemeClr val="tx1"/>
+                </a:solidFill>
+                <a:latin typeface="+mn-lt"/>
+                <a:ea typeface="+mn-ea"/>
+                <a:cs typeface="+mn-cs"/>
+              </a:defRPr>
+            </a:lvl2pPr>
+            <a:lvl3pPr marL="1143000" indent="-228600" algn="l" defTabSz="914400" rtl="0" eaLnBrk="1" latinLnBrk="0" hangingPunct="1">
+              <a:lnSpc>
+                <a:spcPct val="90000"/>
+              </a:lnSpc>
+              <a:spcBef>
+                <a:spcPts val="500"/>
+              </a:spcBef>
+              <a:buFont typeface="Arial" panose="020B0604020202020204" pitchFamily="34" charset="0"/>
+              <a:buChar char="•"/>
+              <a:defRPr sz="1800" kern="1200">
+                <a:solidFill>
+                  <a:schemeClr val="tx1"/>
+                </a:solidFill>
+                <a:latin typeface="+mn-lt"/>
+                <a:ea typeface="+mn-ea"/>
+                <a:cs typeface="+mn-cs"/>
+              </a:defRPr>
+            </a:lvl3pPr>
+            <a:lvl4pPr marL="1600200" indent="-228600" algn="l" defTabSz="914400" rtl="0" eaLnBrk="1" latinLnBrk="0" hangingPunct="1">
+              <a:lnSpc>
+                <a:spcPct val="90000"/>
+              </a:lnSpc>
+              <a:spcBef>
+                <a:spcPts val="500"/>
+              </a:spcBef>
+              <a:buFont typeface="Arial" panose="020B0604020202020204" pitchFamily="34" charset="0"/>
+              <a:buChar char="•"/>
+              <a:defRPr sz="1600" kern="1200">
+                <a:solidFill>
+                  <a:schemeClr val="tx1"/>
+                </a:solidFill>
+                <a:latin typeface="+mn-lt"/>
+                <a:ea typeface="+mn-ea"/>
+                <a:cs typeface="+mn-cs"/>
+              </a:defRPr>
+            </a:lvl4pPr>
+            <a:lvl5pPr marL="2057400" indent="-228600" algn="l" defTabSz="914400" rtl="0" eaLnBrk="1" latinLnBrk="0" hangingPunct="1">
+              <a:lnSpc>
+                <a:spcPct val="90000"/>
+              </a:lnSpc>
+              <a:spcBef>
+                <a:spcPts val="500"/>
+              </a:spcBef>
+              <a:buFont typeface="Arial" panose="020B0604020202020204" pitchFamily="34" charset="0"/>
+              <a:buChar char="•"/>
+              <a:defRPr sz="1600" kern="1200">
+                <a:solidFill>
+                  <a:schemeClr val="tx1"/>
+                </a:solidFill>
+                <a:latin typeface="+mn-lt"/>
+                <a:ea typeface="+mn-ea"/>
+                <a:cs typeface="+mn-cs"/>
+              </a:defRPr>
+            </a:lvl5pPr>
+            <a:lvl6pPr marL="2514600" indent="-228600" algn="l" defTabSz="914400" rtl="0" eaLnBrk="1" latinLnBrk="0" hangingPunct="1">
+              <a:lnSpc>
+                <a:spcPct val="90000"/>
+              </a:lnSpc>
+              <a:spcBef>
+                <a:spcPts val="500"/>
+              </a:spcBef>
+              <a:buFont typeface="Arial" panose="020B0604020202020204" pitchFamily="34" charset="0"/>
+              <a:buChar char="•"/>
+              <a:defRPr sz="1600" kern="1200">
+                <a:solidFill>
+                  <a:schemeClr val="tx1"/>
+                </a:solidFill>
+                <a:latin typeface="+mn-lt"/>
+                <a:ea typeface="+mn-ea"/>
+                <a:cs typeface="+mn-cs"/>
+              </a:defRPr>
+            </a:lvl6pPr>
+            <a:lvl7pPr marL="2971800" indent="-228600" algn="l" defTabSz="914400" rtl="0" eaLnBrk="1" latinLnBrk="0" hangingPunct="1">
+              <a:lnSpc>
+                <a:spcPct val="90000"/>
+              </a:lnSpc>
+              <a:spcBef>
+                <a:spcPts val="500"/>
+              </a:spcBef>
+              <a:buFont typeface="Arial" panose="020B0604020202020204" pitchFamily="34" charset="0"/>
+              <a:buChar char="•"/>
+              <a:defRPr sz="1600" kern="1200">
+                <a:solidFill>
+                  <a:schemeClr val="tx1"/>
+                </a:solidFill>
+                <a:latin typeface="+mn-lt"/>
+                <a:ea typeface="+mn-ea"/>
+                <a:cs typeface="+mn-cs"/>
+              </a:defRPr>
+            </a:lvl7pPr>
+            <a:lvl8pPr marL="3429000" indent="-228600" algn="l" defTabSz="914400" rtl="0" eaLnBrk="1" latinLnBrk="0" hangingPunct="1">
+              <a:lnSpc>
+                <a:spcPct val="90000"/>
+              </a:lnSpc>
+              <a:spcBef>
+                <a:spcPts val="500"/>
+              </a:spcBef>
+              <a:buFont typeface="Arial" panose="020B0604020202020204" pitchFamily="34" charset="0"/>
+              <a:buChar char="•"/>
+              <a:defRPr sz="1600" kern="1200">
+                <a:solidFill>
+                  <a:schemeClr val="tx1"/>
+                </a:solidFill>
+                <a:latin typeface="+mn-lt"/>
+                <a:ea typeface="+mn-ea"/>
+                <a:cs typeface="+mn-cs"/>
+              </a:defRPr>
+            </a:lvl8pPr>
+            <a:lvl9pPr marL="3886200" indent="-228600" algn="l" defTabSz="914400" rtl="0" eaLnBrk="1" latinLnBrk="0" hangingPunct="1">
+              <a:lnSpc>
+                <a:spcPct val="90000"/>
+              </a:lnSpc>
+              <a:spcBef>
+                <a:spcPts val="500"/>
+              </a:spcBef>
+              <a:buFont typeface="Arial" panose="020B0604020202020204" pitchFamily="34" charset="0"/>
+              <a:buChar char="•"/>
+              <a:defRPr sz="1600" kern="1200">
+                <a:solidFill>
+                  <a:schemeClr val="tx1"/>
+                </a:solidFill>
+                <a:latin typeface="+mn-lt"/>
+                <a:ea typeface="+mn-ea"/>
+                <a:cs typeface="+mn-cs"/>
+              </a:defRPr>
+            </a:lvl9pPr>
+          </a:lstStyle>
+          <a:p>
+            <a:pPr marL="0" indent="0">
+              <a:buNone/>
+            </a:pPr>
+            <a:r>
+              <a:rPr lang="en-GB" sz="3200" dirty="0"/>
+              <a:t>The Aim: Efficiency and Consistency</a:t>
+            </a:r>
+            <a:br>
+              <a:rPr lang="en-GB" sz="3200" dirty="0"/>
+            </a:br>
+            <a:endParaRPr lang="en-GB" sz="3200" dirty="0"/>
+          </a:p>
+          <a:p>
+            <a:pPr marL="457200" indent="-457200"/>
+            <a:r>
+              <a:rPr lang="en-GB" sz="3200" dirty="0"/>
+              <a:t>Extract</a:t>
+            </a:r>
+          </a:p>
+          <a:p>
+            <a:pPr marL="457200" indent="-457200"/>
+            <a:r>
+              <a:rPr lang="en-GB" sz="3200" dirty="0"/>
+              <a:t>Cleaning</a:t>
+            </a:r>
+          </a:p>
+          <a:p>
+            <a:pPr marL="457200" indent="-457200"/>
+            <a:r>
+              <a:rPr lang="en-GB" sz="3200" dirty="0"/>
+              <a:t>Wrangling</a:t>
+            </a:r>
+          </a:p>
+        </p:txBody>
+      </p:sp>
+    </p:spTree>
+    <p:extLst>
+      <p:ext uri="{BB962C8B-B14F-4D97-AF65-F5344CB8AC3E}">
+        <p14:creationId xmlns:p14="http://schemas.microsoft.com/office/powerpoint/2010/main" val="2346789748"/>
+      </p:ext>
+    </p:extLst>
+  </p:cSld>
+  <p:clrMapOvr>
+    <a:masterClrMapping/>
+  </p:clrMapOvr>
+  <p:timing>
+    <p:tnLst>
+      <p:par>
+        <p:cTn id="1" dur="indefinite" restart="never" nodeType="tmRoot">
+          <p:childTnLst>
+            <p:seq concurrent="1" nextAc="seek">
+              <p:cTn id="2" dur="indefinite" nodeType="mainSeq">
+                <p:childTnLst>
+                  <p:par>
+                    <p:cTn id="3" fill="hold">
+                      <p:stCondLst>
+                        <p:cond delay="indefinite"/>
+                      </p:stCondLst>
+                      <p:childTnLst>
+                        <p:par>
+                          <p:cTn id="4" fill="hold">
+                            <p:stCondLst>
+                              <p:cond delay="0"/>
+                            </p:stCondLst>
+                            <p:childTnLst>
+                              <p:par>
+                                <p:cTn id="5" presetID="1" presetClass="entr" presetSubtype="0" fill="hold" nodeType="clickEffect">
+                                  <p:stCondLst>
+                                    <p:cond delay="0"/>
+                                  </p:stCondLst>
+                                  <p:childTnLst>
+                                    <p:set>
+                                      <p:cBhvr>
+                                        <p:cTn id="6" dur="1" fill="hold">
+                                          <p:stCondLst>
+                                            <p:cond delay="0"/>
+                                          </p:stCondLst>
+                                        </p:cTn>
+                                        <p:tgtEl>
+                                          <p:spTgt spid="7">
+                                            <p:txEl>
+                                              <p:pRg st="1" end="1"/>
+                                            </p:txEl>
+                                          </p:spTgt>
+                                        </p:tgtEl>
+                                        <p:attrNameLst>
+                                          <p:attrName>style.visibility</p:attrName>
+                                        </p:attrNameLst>
+                                      </p:cBhvr>
+                                      <p:to>
+                                        <p:strVal val="visible"/>
+                                      </p:to>
+                                    </p:set>
+                                  </p:childTnLst>
+                                </p:cTn>
+                              </p:par>
+                            </p:childTnLst>
+                          </p:cTn>
+                        </p:par>
+                      </p:childTnLst>
+                    </p:cTn>
+                  </p:par>
+                  <p:par>
+                    <p:cTn id="7" fill="hold">
+                      <p:stCondLst>
+                        <p:cond delay="indefinite"/>
+                      </p:stCondLst>
+                      <p:childTnLst>
+                        <p:par>
+                          <p:cTn id="8" fill="hold">
+                            <p:stCondLst>
+                              <p:cond delay="0"/>
+                            </p:stCondLst>
+                            <p:childTnLst>
+                              <p:par>
+                                <p:cTn id="9" presetID="1" presetClass="entr" presetSubtype="0" fill="hold" nodeType="clickEffect">
+                                  <p:stCondLst>
+                                    <p:cond delay="0"/>
+                                  </p:stCondLst>
+                                  <p:childTnLst>
+                                    <p:set>
+                                      <p:cBhvr>
+                                        <p:cTn id="10" dur="1" fill="hold">
+                                          <p:stCondLst>
+                                            <p:cond delay="0"/>
+                                          </p:stCondLst>
+                                        </p:cTn>
+                                        <p:tgtEl>
+                                          <p:spTgt spid="7">
+                                            <p:txEl>
+                                              <p:pRg st="2" end="2"/>
+                                            </p:txEl>
+                                          </p:spTgt>
+                                        </p:tgtEl>
+                                        <p:attrNameLst>
+                                          <p:attrName>style.visibility</p:attrName>
+                                        </p:attrNameLst>
+                                      </p:cBhvr>
+                                      <p:to>
+                                        <p:strVal val="visible"/>
+                                      </p:to>
+                                    </p:set>
+                                  </p:childTnLst>
+                                </p:cTn>
+                              </p:par>
+                            </p:childTnLst>
+                          </p:cTn>
+                        </p:par>
+                      </p:childTnLst>
+                    </p:cTn>
+                  </p:par>
+                  <p:par>
+                    <p:cTn id="11" fill="hold">
+                      <p:stCondLst>
+                        <p:cond delay="indefinite"/>
+                      </p:stCondLst>
+                      <p:childTnLst>
+                        <p:par>
+                          <p:cTn id="12" fill="hold">
+                            <p:stCondLst>
+                              <p:cond delay="0"/>
+                            </p:stCondLst>
+                            <p:childTnLst>
+                              <p:par>
+                                <p:cTn id="13" presetID="1" presetClass="entr" presetSubtype="0" fill="hold" nodeType="clickEffect">
+                                  <p:stCondLst>
+                                    <p:cond delay="0"/>
+                                  </p:stCondLst>
+                                  <p:childTnLst>
+                                    <p:set>
+                                      <p:cBhvr>
+                                        <p:cTn id="14" dur="1" fill="hold">
+                                          <p:stCondLst>
+                                            <p:cond delay="0"/>
+                                          </p:stCondLst>
+                                        </p:cTn>
+                                        <p:tgtEl>
+                                          <p:spTgt spid="7">
+                                            <p:txEl>
+                                              <p:pRg st="3" end="3"/>
+                                            </p:txEl>
+                                          </p:spTgt>
+                                        </p:tgtEl>
+                                        <p:attrNameLst>
+                                          <p:attrName>style.visibility</p:attrName>
+                                        </p:attrNameLst>
+                                      </p:cBhvr>
+                                      <p:to>
+                                        <p:strVal val="visible"/>
+                                      </p:to>
+                                    </p:set>
+                                  </p:childTnLst>
+                                </p:cTn>
+                              </p:par>
+                            </p:childTnLst>
+                          </p:cTn>
+                        </p:par>
+                      </p:childTnLst>
+                    </p:cTn>
+                  </p:par>
+                </p:childTnLst>
+              </p:cTn>
+              <p:prevCondLst>
+                <p:cond evt="onPrev" delay="0">
+                  <p:tgtEl>
+                    <p:sldTgt/>
+                  </p:tgtEl>
+                </p:cond>
+              </p:prevCondLst>
+              <p:nextCondLst>
+                <p:cond evt="onNext" delay="0">
+                  <p:tgtEl>
+                    <p:sldTgt/>
+                  </p:tgtEl>
+                </p:cond>
+              </p:nextCondLst>
+            </p:seq>
+          </p:childTnLst>
+        </p:cTn>
+      </p:par>
+    </p:tnLst>
+  </p:timing>
+</p:sld>
+</file>
+
+<file path=ppt/slides/slide11.xml><?xml version="1.0" encoding="utf-8"?>
+<p:sld xmlns:a="http://schemas.openxmlformats.org/drawingml/2006/main" xmlns:r="http://schemas.openxmlformats.org/officeDocument/2006/relationships" xmlns:p="http://schemas.openxmlformats.org/presentationml/2006/main">
+  <p:cSld>
     <p:bg>
       <p:bgPr>
         <a:solidFill>
@@ -22617,7 +23188,7 @@
 </p:sld>
 </file>
 
-<file path=ppt/slides/slide11.xml><?xml version="1.0" encoding="utf-8"?>
+<file path=ppt/slides/slide12.xml><?xml version="1.0" encoding="utf-8"?>
 <p:sld xmlns:a="http://schemas.openxmlformats.org/drawingml/2006/main" xmlns:r="http://schemas.openxmlformats.org/officeDocument/2006/relationships" xmlns:p="http://schemas.openxmlformats.org/presentationml/2006/main">
   <p:cSld>
     <p:spTree>
@@ -24249,7 +24820,7 @@
 </p:sld>
 </file>
 
-<file path=ppt/slides/slide12.xml><?xml version="1.0" encoding="utf-8"?>
+<file path=ppt/slides/slide13.xml><?xml version="1.0" encoding="utf-8"?>
 <p:sld xmlns:a="http://schemas.openxmlformats.org/drawingml/2006/main" xmlns:r="http://schemas.openxmlformats.org/officeDocument/2006/relationships" xmlns:p="http://schemas.openxmlformats.org/presentationml/2006/main">
   <p:cSld>
     <p:spTree>
@@ -24622,7 +25193,7 @@
               <a:buChar char="•"/>
             </a:pPr>
             <a:r>
-              <a:rPr lang="en-GB" sz="3600" dirty="0"/>
+              <a:rPr lang="en-GB" sz="3200" dirty="0"/>
               <a:t>The team</a:t>
             </a:r>
           </a:p>
@@ -24632,7 +25203,7 @@
               <a:buChar char="•"/>
             </a:pPr>
             <a:r>
-              <a:rPr lang="en-GB" sz="3600" dirty="0"/>
+              <a:rPr lang="en-GB" sz="3200" dirty="0"/>
               <a:t>The problem</a:t>
             </a:r>
           </a:p>
@@ -24642,7 +25213,7 @@
               <a:buChar char="•"/>
             </a:pPr>
             <a:r>
-              <a:rPr lang="en-GB" sz="3600" dirty="0"/>
+              <a:rPr lang="en-GB" sz="3200" dirty="0"/>
               <a:t>The brief</a:t>
             </a:r>
           </a:p>
@@ -24652,7 +25223,7 @@
               <a:buChar char="•"/>
             </a:pPr>
             <a:r>
-              <a:rPr lang="en-GB" sz="3600" dirty="0"/>
+              <a:rPr lang="en-GB" sz="3200" dirty="0"/>
               <a:t>The questions</a:t>
             </a:r>
           </a:p>
@@ -24662,7 +25233,7 @@
               <a:buChar char="•"/>
             </a:pPr>
             <a:r>
-              <a:rPr lang="en-GB" sz="3600" dirty="0"/>
+              <a:rPr lang="en-GB" sz="3200" dirty="0"/>
               <a:t>The project</a:t>
             </a:r>
           </a:p>
@@ -24672,7 +25243,17 @@
               <a:buChar char="•"/>
             </a:pPr>
             <a:r>
-              <a:rPr lang="en-GB" sz="3600" dirty="0"/>
+              <a:rPr lang="en-GB" sz="3200" dirty="0"/>
+              <a:t>The KPIs</a:t>
+            </a:r>
+          </a:p>
+          <a:p>
+            <a:pPr marL="457200" indent="-457200" algn="l">
+              <a:buFont typeface="Arial" panose="020B0604020202020204" pitchFamily="34" charset="0"/>
+              <a:buChar char="•"/>
+            </a:pPr>
+            <a:r>
+              <a:rPr lang="en-GB" sz="3200" dirty="0"/>
               <a:t>The tools</a:t>
             </a:r>
           </a:p>
@@ -24682,7 +25263,7 @@
               <a:buChar char="•"/>
             </a:pPr>
             <a:r>
-              <a:rPr lang="en-GB" sz="3600" dirty="0"/>
+              <a:rPr lang="en-GB" sz="3200" dirty="0"/>
               <a:t>The shiny app</a:t>
             </a:r>
           </a:p>
@@ -24692,7 +25273,7 @@
               <a:buChar char="•"/>
             </a:pPr>
             <a:r>
-              <a:rPr lang="en-GB" sz="3600" dirty="0"/>
+              <a:rPr lang="en-GB" sz="3200" dirty="0"/>
               <a:t>The end</a:t>
             </a:r>
           </a:p>
@@ -24729,7 +25310,7 @@
                             </p:stCondLst>
                             <p:childTnLst>
                               <p:par>
-                                <p:cTn id="5" presetID="1" presetClass="entr" presetSubtype="0" fill="hold" grpId="0" nodeType="clickEffect">
+                                <p:cTn id="5" presetID="10" presetClass="entr" presetSubtype="0" fill="hold" grpId="0" nodeType="clickEffect">
                                   <p:stCondLst>
                                     <p:cond delay="0"/>
                                   </p:stCondLst>
@@ -24756,36 +25337,30 @@
                                         <p:strVal val="visible"/>
                                       </p:to>
                                     </p:set>
+                                    <p:animEffect transition="in" filter="fade">
+                                      <p:cBhvr>
+                                        <p:cTn id="7" dur="500"/>
+                                        <p:tgtEl>
+                                          <p:spTgt spid="3">
+                                            <p:txEl>
+                                              <p:pRg st="0" end="0"/>
+                                            </p:txEl>
+                                          </p:spTgt>
+                                        </p:tgtEl>
+                                      </p:cBhvr>
+                                    </p:animEffect>
                                   </p:childTnLst>
                                 </p:cTn>
                               </p:par>
-                            </p:childTnLst>
-                          </p:cTn>
-                        </p:par>
-                      </p:childTnLst>
-                    </p:cTn>
-                  </p:par>
-                  <p:par>
-                    <p:cTn id="7" fill="hold">
-                      <p:stCondLst>
-                        <p:cond delay="indefinite"/>
-                      </p:stCondLst>
-                      <p:childTnLst>
-                        <p:par>
-                          <p:cTn id="8" fill="hold">
-                            <p:stCondLst>
-                              <p:cond delay="0"/>
-                            </p:stCondLst>
-                            <p:childTnLst>
                               <p:par>
-                                <p:cTn id="9" presetID="1" presetClass="entr" presetSubtype="0" fill="hold" grpId="0" nodeType="clickEffect">
+                                <p:cTn id="8" presetID="10" presetClass="entr" presetSubtype="0" fill="hold" grpId="0" nodeType="withEffect">
                                   <p:stCondLst>
                                     <p:cond delay="0"/>
                                   </p:stCondLst>
                                   <p:childTnLst>
                                     <p:set>
                                       <p:cBhvr>
-                                        <p:cTn id="10" dur="1" fill="hold">
+                                        <p:cTn id="9" dur="1" fill="hold">
                                           <p:stCondLst>
                                             <p:cond delay="0"/>
                                           </p:stCondLst>
@@ -24805,36 +25380,30 @@
                                         <p:strVal val="visible"/>
                                       </p:to>
                                     </p:set>
+                                    <p:animEffect transition="in" filter="fade">
+                                      <p:cBhvr>
+                                        <p:cTn id="10" dur="500"/>
+                                        <p:tgtEl>
+                                          <p:spTgt spid="3">
+                                            <p:txEl>
+                                              <p:pRg st="1" end="1"/>
+                                            </p:txEl>
+                                          </p:spTgt>
+                                        </p:tgtEl>
+                                      </p:cBhvr>
+                                    </p:animEffect>
                                   </p:childTnLst>
                                 </p:cTn>
                               </p:par>
-                            </p:childTnLst>
-                          </p:cTn>
-                        </p:par>
-                      </p:childTnLst>
-                    </p:cTn>
-                  </p:par>
-                  <p:par>
-                    <p:cTn id="11" fill="hold">
-                      <p:stCondLst>
-                        <p:cond delay="indefinite"/>
-                      </p:stCondLst>
-                      <p:childTnLst>
-                        <p:par>
-                          <p:cTn id="12" fill="hold">
-                            <p:stCondLst>
-                              <p:cond delay="0"/>
-                            </p:stCondLst>
-                            <p:childTnLst>
                               <p:par>
-                                <p:cTn id="13" presetID="1" presetClass="entr" presetSubtype="0" fill="hold" grpId="0" nodeType="clickEffect">
+                                <p:cTn id="11" presetID="10" presetClass="entr" presetSubtype="0" fill="hold" grpId="0" nodeType="withEffect">
                                   <p:stCondLst>
                                     <p:cond delay="0"/>
                                   </p:stCondLst>
                                   <p:childTnLst>
                                     <p:set>
                                       <p:cBhvr>
-                                        <p:cTn id="14" dur="1" fill="hold">
+                                        <p:cTn id="12" dur="1" fill="hold">
                                           <p:stCondLst>
                                             <p:cond delay="0"/>
                                           </p:stCondLst>
@@ -24854,36 +25423,30 @@
                                         <p:strVal val="visible"/>
                                       </p:to>
                                     </p:set>
+                                    <p:animEffect transition="in" filter="fade">
+                                      <p:cBhvr>
+                                        <p:cTn id="13" dur="500"/>
+                                        <p:tgtEl>
+                                          <p:spTgt spid="3">
+                                            <p:txEl>
+                                              <p:pRg st="2" end="2"/>
+                                            </p:txEl>
+                                          </p:spTgt>
+                                        </p:tgtEl>
+                                      </p:cBhvr>
+                                    </p:animEffect>
                                   </p:childTnLst>
                                 </p:cTn>
                               </p:par>
-                            </p:childTnLst>
-                          </p:cTn>
-                        </p:par>
-                      </p:childTnLst>
-                    </p:cTn>
-                  </p:par>
-                  <p:par>
-                    <p:cTn id="15" fill="hold">
-                      <p:stCondLst>
-                        <p:cond delay="indefinite"/>
-                      </p:stCondLst>
-                      <p:childTnLst>
-                        <p:par>
-                          <p:cTn id="16" fill="hold">
-                            <p:stCondLst>
-                              <p:cond delay="0"/>
-                            </p:stCondLst>
-                            <p:childTnLst>
                               <p:par>
-                                <p:cTn id="17" presetID="1" presetClass="entr" presetSubtype="0" fill="hold" grpId="0" nodeType="clickEffect">
+                                <p:cTn id="14" presetID="10" presetClass="entr" presetSubtype="0" fill="hold" grpId="0" nodeType="withEffect">
                                   <p:stCondLst>
                                     <p:cond delay="0"/>
                                   </p:stCondLst>
                                   <p:childTnLst>
                                     <p:set>
                                       <p:cBhvr>
-                                        <p:cTn id="18" dur="1" fill="hold">
+                                        <p:cTn id="15" dur="1" fill="hold">
                                           <p:stCondLst>
                                             <p:cond delay="0"/>
                                           </p:stCondLst>
@@ -24903,36 +25466,30 @@
                                         <p:strVal val="visible"/>
                                       </p:to>
                                     </p:set>
+                                    <p:animEffect transition="in" filter="fade">
+                                      <p:cBhvr>
+                                        <p:cTn id="16" dur="500"/>
+                                        <p:tgtEl>
+                                          <p:spTgt spid="3">
+                                            <p:txEl>
+                                              <p:pRg st="3" end="3"/>
+                                            </p:txEl>
+                                          </p:spTgt>
+                                        </p:tgtEl>
+                                      </p:cBhvr>
+                                    </p:animEffect>
                                   </p:childTnLst>
                                 </p:cTn>
                               </p:par>
-                            </p:childTnLst>
-                          </p:cTn>
-                        </p:par>
-                      </p:childTnLst>
-                    </p:cTn>
-                  </p:par>
-                  <p:par>
-                    <p:cTn id="19" fill="hold">
-                      <p:stCondLst>
-                        <p:cond delay="indefinite"/>
-                      </p:stCondLst>
-                      <p:childTnLst>
-                        <p:par>
-                          <p:cTn id="20" fill="hold">
-                            <p:stCondLst>
-                              <p:cond delay="0"/>
-                            </p:stCondLst>
-                            <p:childTnLst>
                               <p:par>
-                                <p:cTn id="21" presetID="1" presetClass="entr" presetSubtype="0" fill="hold" grpId="0" nodeType="clickEffect">
+                                <p:cTn id="17" presetID="10" presetClass="entr" presetSubtype="0" fill="hold" grpId="0" nodeType="withEffect">
                                   <p:stCondLst>
                                     <p:cond delay="0"/>
                                   </p:stCondLst>
                                   <p:childTnLst>
                                     <p:set>
                                       <p:cBhvr>
-                                        <p:cTn id="22" dur="1" fill="hold">
+                                        <p:cTn id="18" dur="1" fill="hold">
                                           <p:stCondLst>
                                             <p:cond delay="0"/>
                                           </p:stCondLst>
@@ -24952,36 +25509,30 @@
                                         <p:strVal val="visible"/>
                                       </p:to>
                                     </p:set>
+                                    <p:animEffect transition="in" filter="fade">
+                                      <p:cBhvr>
+                                        <p:cTn id="19" dur="500"/>
+                                        <p:tgtEl>
+                                          <p:spTgt spid="3">
+                                            <p:txEl>
+                                              <p:pRg st="4" end="4"/>
+                                            </p:txEl>
+                                          </p:spTgt>
+                                        </p:tgtEl>
+                                      </p:cBhvr>
+                                    </p:animEffect>
                                   </p:childTnLst>
                                 </p:cTn>
                               </p:par>
-                            </p:childTnLst>
-                          </p:cTn>
-                        </p:par>
-                      </p:childTnLst>
-                    </p:cTn>
-                  </p:par>
-                  <p:par>
-                    <p:cTn id="23" fill="hold">
-                      <p:stCondLst>
-                        <p:cond delay="indefinite"/>
-                      </p:stCondLst>
-                      <p:childTnLst>
-                        <p:par>
-                          <p:cTn id="24" fill="hold">
-                            <p:stCondLst>
-                              <p:cond delay="0"/>
-                            </p:stCondLst>
-                            <p:childTnLst>
                               <p:par>
-                                <p:cTn id="25" presetID="1" presetClass="entr" presetSubtype="0" fill="hold" grpId="0" nodeType="clickEffect">
+                                <p:cTn id="20" presetID="10" presetClass="entr" presetSubtype="0" fill="hold" grpId="0" nodeType="withEffect">
                                   <p:stCondLst>
                                     <p:cond delay="0"/>
                                   </p:stCondLst>
                                   <p:childTnLst>
                                     <p:set>
                                       <p:cBhvr>
-                                        <p:cTn id="26" dur="1" fill="hold">
+                                        <p:cTn id="21" dur="1" fill="hold">
                                           <p:stCondLst>
                                             <p:cond delay="0"/>
                                           </p:stCondLst>
@@ -25001,36 +25552,30 @@
                                         <p:strVal val="visible"/>
                                       </p:to>
                                     </p:set>
+                                    <p:animEffect transition="in" filter="fade">
+                                      <p:cBhvr>
+                                        <p:cTn id="22" dur="500"/>
+                                        <p:tgtEl>
+                                          <p:spTgt spid="3">
+                                            <p:txEl>
+                                              <p:pRg st="5" end="5"/>
+                                            </p:txEl>
+                                          </p:spTgt>
+                                        </p:tgtEl>
+                                      </p:cBhvr>
+                                    </p:animEffect>
                                   </p:childTnLst>
                                 </p:cTn>
                               </p:par>
-                            </p:childTnLst>
-                          </p:cTn>
-                        </p:par>
-                      </p:childTnLst>
-                    </p:cTn>
-                  </p:par>
-                  <p:par>
-                    <p:cTn id="27" fill="hold">
-                      <p:stCondLst>
-                        <p:cond delay="indefinite"/>
-                      </p:stCondLst>
-                      <p:childTnLst>
-                        <p:par>
-                          <p:cTn id="28" fill="hold">
-                            <p:stCondLst>
-                              <p:cond delay="0"/>
-                            </p:stCondLst>
-                            <p:childTnLst>
                               <p:par>
-                                <p:cTn id="29" presetID="1" presetClass="entr" presetSubtype="0" fill="hold" grpId="0" nodeType="clickEffect">
+                                <p:cTn id="23" presetID="10" presetClass="entr" presetSubtype="0" fill="hold" grpId="0" nodeType="withEffect">
                                   <p:stCondLst>
                                     <p:cond delay="0"/>
                                   </p:stCondLst>
                                   <p:childTnLst>
                                     <p:set>
                                       <p:cBhvr>
-                                        <p:cTn id="30" dur="1" fill="hold">
+                                        <p:cTn id="24" dur="1" fill="hold">
                                           <p:stCondLst>
                                             <p:cond delay="0"/>
                                           </p:stCondLst>
@@ -25050,36 +25595,30 @@
                                         <p:strVal val="visible"/>
                                       </p:to>
                                     </p:set>
+                                    <p:animEffect transition="in" filter="fade">
+                                      <p:cBhvr>
+                                        <p:cTn id="25" dur="500"/>
+                                        <p:tgtEl>
+                                          <p:spTgt spid="3">
+                                            <p:txEl>
+                                              <p:pRg st="6" end="6"/>
+                                            </p:txEl>
+                                          </p:spTgt>
+                                        </p:tgtEl>
+                                      </p:cBhvr>
+                                    </p:animEffect>
                                   </p:childTnLst>
                                 </p:cTn>
                               </p:par>
-                            </p:childTnLst>
-                          </p:cTn>
-                        </p:par>
-                      </p:childTnLst>
-                    </p:cTn>
-                  </p:par>
-                  <p:par>
-                    <p:cTn id="31" fill="hold">
-                      <p:stCondLst>
-                        <p:cond delay="indefinite"/>
-                      </p:stCondLst>
-                      <p:childTnLst>
-                        <p:par>
-                          <p:cTn id="32" fill="hold">
-                            <p:stCondLst>
-                              <p:cond delay="0"/>
-                            </p:stCondLst>
-                            <p:childTnLst>
                               <p:par>
-                                <p:cTn id="33" presetID="1" presetClass="entr" presetSubtype="0" fill="hold" grpId="0" nodeType="clickEffect">
+                                <p:cTn id="26" presetID="10" presetClass="entr" presetSubtype="0" fill="hold" grpId="0" nodeType="withEffect">
                                   <p:stCondLst>
                                     <p:cond delay="0"/>
                                   </p:stCondLst>
                                   <p:childTnLst>
                                     <p:set>
                                       <p:cBhvr>
-                                        <p:cTn id="34" dur="1" fill="hold">
+                                        <p:cTn id="27" dur="1" fill="hold">
                                           <p:stCondLst>
                                             <p:cond delay="0"/>
                                           </p:stCondLst>
@@ -25099,6 +25638,61 @@
                                         <p:strVal val="visible"/>
                                       </p:to>
                                     </p:set>
+                                    <p:animEffect transition="in" filter="fade">
+                                      <p:cBhvr>
+                                        <p:cTn id="28" dur="500"/>
+                                        <p:tgtEl>
+                                          <p:spTgt spid="3">
+                                            <p:txEl>
+                                              <p:pRg st="7" end="7"/>
+                                            </p:txEl>
+                                          </p:spTgt>
+                                        </p:tgtEl>
+                                      </p:cBhvr>
+                                    </p:animEffect>
+                                  </p:childTnLst>
+                                </p:cTn>
+                              </p:par>
+                              <p:par>
+                                <p:cTn id="29" presetID="10" presetClass="entr" presetSubtype="0" fill="hold" grpId="0" nodeType="withEffect">
+                                  <p:stCondLst>
+                                    <p:cond delay="0"/>
+                                  </p:stCondLst>
+                                  <p:childTnLst>
+                                    <p:set>
+                                      <p:cBhvr>
+                                        <p:cTn id="30" dur="1" fill="hold">
+                                          <p:stCondLst>
+                                            <p:cond delay="0"/>
+                                          </p:stCondLst>
+                                        </p:cTn>
+                                        <p:tgtEl>
+                                          <p:spTgt spid="3">
+                                            <p:txEl>
+                                              <p:pRg st="8" end="8"/>
+                                            </p:txEl>
+                                          </p:spTgt>
+                                        </p:tgtEl>
+                                        <p:attrNameLst>
+                                          <p:attrName>style.visibility</p:attrName>
+                                        </p:attrNameLst>
+                                      </p:cBhvr>
+                                      <p:to>
+                                        <p:strVal val="visible"/>
+                                      </p:to>
+                                    </p:set>
+                                    <p:animEffect transition="in" filter="fade">
+                                      <p:cBhvr>
+                                        <p:cTn id="31" dur="500"/>
+                                        <p:tgtEl>
+                                          <p:spTgt spid="3">
+                                            <p:txEl>
+                                              <p:pRg st="8" end="8"/>
+                                            </p:txEl>
+                                          </p:spTgt>
+                                        </p:tgtEl>
+                                      </p:cBhvr>
+                                    </p:animEffect>
                                   </p:childTnLst>
                                 </p:cTn>
                               </p:par>
@@ -25130,7 +25724,7 @@
       </p:par>
     </p:tnLst>
     <p:bldLst>
-      <p:bldP spid="3" grpId="0" build="p"/>
+      <p:bldP spid="3" grpId="0" uiExpand="1" build="p"/>
     </p:bldLst>
   </p:timing>
 </p:sld>
@@ -25613,30 +26207,21 @@
                             </p:childTnLst>
                           </p:cTn>
                         </p:par>
-                      </p:childTnLst>
-                    </p:cTn>
-                  </p:par>
-                  <p:par>
-                    <p:cTn id="20" fill="hold">
-                      <p:stCondLst>
-                        <p:cond delay="indefinite"/>
-                      </p:stCondLst>
-                      <p:childTnLst>
                         <p:par>
-                          <p:cTn id="21" fill="hold">
+                          <p:cTn id="20" fill="hold">
                             <p:stCondLst>
-                              <p:cond delay="0"/>
+                              <p:cond delay="2000"/>
                             </p:stCondLst>
                             <p:childTnLst>
                               <p:par>
-                                <p:cTn id="22" presetID="42" presetClass="entr" presetSubtype="0" fill="hold" grpId="0" nodeType="clickEffect">
+                                <p:cTn id="21" presetID="42" presetClass="entr" presetSubtype="0" fill="hold" grpId="0" nodeType="afterEffect">
                                   <p:stCondLst>
-                                    <p:cond delay="0"/>
+                                    <p:cond delay="500"/>
                                   </p:stCondLst>
                                   <p:childTnLst>
                                     <p:set>
                                       <p:cBhvr>
-                                        <p:cTn id="23" dur="1" fill="hold">
+                                        <p:cTn id="22" dur="1" fill="hold">
                                           <p:stCondLst>
                                             <p:cond delay="0"/>
                                           </p:stCondLst>
@@ -25654,7 +26239,7 @@
                                     </p:set>
                                     <p:animEffect transition="in" filter="fade">
                                       <p:cBhvr>
-                                        <p:cTn id="24" dur="1000"/>
+                                        <p:cTn id="23" dur="1000"/>
                                         <p:tgtEl>
                                           <p:spTgt spid="6"/>
                                         </p:tgtEl>
@@ -25662,7 +26247,7 @@
                                     </p:animEffect>
                                     <p:anim calcmode="lin" valueType="num">
                                       <p:cBhvr>
-                                        <p:cTn id="25" dur="1000" fill="hold"/>
+                                        <p:cTn id="24" dur="1000" fill="hold"/>
                                         <p:tgtEl>
                                           <p:spTgt spid="6"/>
                                         </p:tgtEl>
@@ -25685,7 +26270,7 @@
                                     </p:anim>
                                     <p:anim calcmode="lin" valueType="num">
                                       <p:cBhvr>
-                                        <p:cTn id="26" dur="1000" fill="hold"/>
+                                        <p:cTn id="25" dur="1000" fill="hold"/>
                                         <p:tgtEl>
                                           <p:spTgt spid="6"/>
                                         </p:tgtEl>
@@ -26105,7 +26690,7 @@
                             </p:stCondLst>
                             <p:childTnLst>
                               <p:par>
-                                <p:cTn id="5" presetID="1" presetClass="entr" presetSubtype="0" fill="hold" grpId="0" nodeType="clickEffect">
+                                <p:cTn id="5" presetID="10" presetClass="entr" presetSubtype="0" fill="hold" grpId="0" nodeType="clickEffect">
                                   <p:stCondLst>
                                     <p:cond delay="0"/>
                                   </p:stCondLst>
@@ -26132,6 +26717,18 @@
                                         <p:strVal val="visible"/>
                                       </p:to>
                                     </p:set>
+                                    <p:animEffect transition="in" filter="fade">
+                                      <p:cBhvr>
+                                        <p:cTn id="7" dur="500"/>
+                                        <p:tgtEl>
+                                          <p:spTgt spid="3">
+                                            <p:txEl>
+                                              <p:pRg st="0" end="0"/>
+                                            </p:txEl>
+                                          </p:spTgt>
+                                        </p:tgtEl>
+                                      </p:cBhvr>
+                                    </p:animEffect>
                                   </p:childTnLst>
                                 </p:cTn>
                               </p:par>
@@ -26326,7 +26923,7 @@
                             </p:stCondLst>
                             <p:childTnLst>
                               <p:par>
-                                <p:cTn id="5" presetID="1" presetClass="entr" presetSubtype="0" fill="hold" grpId="0" nodeType="clickEffect">
+                                <p:cTn id="5" presetID="10" presetClass="entr" presetSubtype="0" fill="hold" grpId="0" nodeType="clickEffect">
                                   <p:stCondLst>
                                     <p:cond delay="0"/>
                                   </p:stCondLst>
@@ -26353,6 +26950,18 @@
                                         <p:strVal val="visible"/>
                                       </p:to>
                                     </p:set>
+                                    <p:animEffect transition="in" filter="fade">
+                                      <p:cBhvr>
+                                        <p:cTn id="7" dur="500"/>
+                                        <p:tgtEl>
+                                          <p:spTgt spid="3">
+                                            <p:txEl>
+                                              <p:pRg st="0" end="0"/>
+                                            </p:txEl>
+                                          </p:spTgt>
+                                        </p:tgtEl>
+                                      </p:cBhvr>
+                                    </p:animEffect>
                                   </p:childTnLst>
                                 </p:cTn>
                               </p:par>
@@ -26363,26 +26972,26 @@
                     </p:cTn>
                   </p:par>
                   <p:par>
-                    <p:cTn id="7" fill="hold">
+                    <p:cTn id="8" fill="hold">
                       <p:stCondLst>
                         <p:cond delay="indefinite"/>
                       </p:stCondLst>
                       <p:childTnLst>
                         <p:par>
-                          <p:cTn id="8" fill="hold">
+                          <p:cTn id="9" fill="hold">
                             <p:stCondLst>
                               <p:cond delay="0"/>
                             </p:stCondLst>
                             <p:childTnLst>
                               <p:par>
-                                <p:cTn id="9" presetID="1" presetClass="entr" presetSubtype="0" fill="hold" grpId="0" nodeType="clickEffect">
+                                <p:cTn id="10" presetID="10" presetClass="entr" presetSubtype="0" fill="hold" grpId="0" nodeType="clickEffect">
                                   <p:stCondLst>
                                     <p:cond delay="0"/>
                                   </p:stCondLst>
                                   <p:childTnLst>
                                     <p:set>
                                       <p:cBhvr>
-                                        <p:cTn id="10" dur="1" fill="hold">
+                                        <p:cTn id="11" dur="1" fill="hold">
                                           <p:stCondLst>
                                             <p:cond delay="0"/>
                                           </p:stCondLst>
@@ -26402,6 +27011,18 @@
                                         <p:strVal val="visible"/>
                                       </p:to>
                                     </p:set>
+                                    <p:animEffect transition="in" filter="fade">
+                                      <p:cBhvr>
+                                        <p:cTn id="12" dur="500"/>
+                                        <p:tgtEl>
+                                          <p:spTgt spid="3">
+                                            <p:txEl>
+                                              <p:pRg st="1" end="1"/>
+                                            </p:txEl>
+                                          </p:spTgt>
+                                        </p:tgtEl>
+                                      </p:cBhvr>
+                                    </p:animEffect>
                                   </p:childTnLst>
                                 </p:cTn>
                               </p:par>
@@ -26412,26 +27033,26 @@
                     </p:cTn>
                   </p:par>
                   <p:par>
-                    <p:cTn id="11" fill="hold">
+                    <p:cTn id="13" fill="hold">
                       <p:stCondLst>
                         <p:cond delay="indefinite"/>
                       </p:stCondLst>
                       <p:childTnLst>
                         <p:par>
-                          <p:cTn id="12" fill="hold">
+                          <p:cTn id="14" fill="hold">
                             <p:stCondLst>
                               <p:cond delay="0"/>
                             </p:stCondLst>
                             <p:childTnLst>
                               <p:par>
-                                <p:cTn id="13" presetID="1" presetClass="entr" presetSubtype="0" fill="hold" grpId="0" nodeType="clickEffect">
+                                <p:cTn id="15" presetID="10" presetClass="entr" presetSubtype="0" fill="hold" grpId="0" nodeType="clickEffect">
                                   <p:stCondLst>
                                     <p:cond delay="0"/>
                                   </p:stCondLst>
                                   <p:childTnLst>
                                     <p:set>
                                       <p:cBhvr>
-                                        <p:cTn id="14" dur="1" fill="hold">
+                                        <p:cTn id="16" dur="1" fill="hold">
                                           <p:stCondLst>
                                             <p:cond delay="0"/>
                                           </p:stCondLst>
@@ -26451,6 +27072,18 @@
                                         <p:strVal val="visible"/>
                                       </p:to>
                                     </p:set>
+                                    <p:animEffect transition="in" filter="fade">
+                                      <p:cBhvr>
+                                        <p:cTn id="17" dur="500"/>
+                                        <p:tgtEl>
+                                          <p:spTgt spid="3">
+                                            <p:txEl>
+                                              <p:pRg st="2" end="2"/>
+                                            </p:txEl>
+                                          </p:spTgt>
+                                        </p:tgtEl>
+                                      </p:cBhvr>
+                                    </p:animEffect>
                                   </p:childTnLst>
                                 </p:cTn>
                               </p:par>
@@ -27556,6 +28189,1708 @@
 </file>
 
 <file path=ppt/slides/slide8.xml><?xml version="1.0" encoding="utf-8"?>
+<p:sld xmlns:a="http://schemas.openxmlformats.org/drawingml/2006/main" xmlns:r="http://schemas.openxmlformats.org/officeDocument/2006/relationships" xmlns:p="http://schemas.openxmlformats.org/presentationml/2006/main">
+  <p:cSld>
+    <p:spTree>
+      <p:nvGrpSpPr>
+        <p:cNvPr id="1" name=""/>
+        <p:cNvGrpSpPr/>
+        <p:nvPr/>
+      </p:nvGrpSpPr>
+      <p:grpSpPr>
+        <a:xfrm>
+          <a:off x="0" y="0"/>
+          <a:ext cx="0" cy="0"/>
+          <a:chOff x="0" y="0"/>
+          <a:chExt cx="0" cy="0"/>
+        </a:xfrm>
+      </p:grpSpPr>
+      <p:sp>
+        <p:nvSpPr>
+          <p:cNvPr id="7" name="Text Placeholder 2">
+            <a:extLst>
+              <a:ext uri="{FF2B5EF4-FFF2-40B4-BE49-F238E27FC236}">
+                <a16:creationId xmlns:a16="http://schemas.microsoft.com/office/drawing/2014/main" id="{5BAEB0D8-6DE2-2745-828B-8BAE710FBED9}"/>
+              </a:ext>
+            </a:extLst>
+          </p:cNvPr>
+          <p:cNvSpPr txBox="1">
+            <a:spLocks/>
+          </p:cNvSpPr>
+          <p:nvPr/>
+        </p:nvSpPr>
+        <p:spPr>
+          <a:xfrm>
+            <a:off x="371483" y="2768964"/>
+            <a:ext cx="6421203" cy="4369850"/>
+          </a:xfrm>
+          <a:prstGeom prst="rect">
+            <a:avLst/>
+          </a:prstGeom>
+        </p:spPr>
+        <p:txBody>
+          <a:bodyPr>
+            <a:noAutofit/>
+          </a:bodyPr>
+          <a:lstStyle>
+            <a:lvl1pPr marL="228600" indent="-228600" algn="l" defTabSz="914400" rtl="0" eaLnBrk="1" latinLnBrk="0" hangingPunct="1">
+              <a:lnSpc>
+                <a:spcPct val="90000"/>
+              </a:lnSpc>
+              <a:spcBef>
+                <a:spcPts val="1000"/>
+              </a:spcBef>
+              <a:buFont typeface="Arial" panose="020B0604020202020204" pitchFamily="34" charset="0"/>
+              <a:buChar char="•"/>
+              <a:defRPr sz="2200" kern="1200">
+                <a:solidFill>
+                  <a:schemeClr val="tx1"/>
+                </a:solidFill>
+                <a:latin typeface="+mn-lt"/>
+                <a:ea typeface="+mn-ea"/>
+                <a:cs typeface="+mn-cs"/>
+              </a:defRPr>
+            </a:lvl1pPr>
+            <a:lvl2pPr marL="685800" indent="-228600" algn="l" defTabSz="914400" rtl="0" eaLnBrk="1" latinLnBrk="0" hangingPunct="1">
+              <a:lnSpc>
+                <a:spcPct val="90000"/>
+              </a:lnSpc>
+              <a:spcBef>
+                <a:spcPts val="500"/>
+              </a:spcBef>
+              <a:buFont typeface="Arial" panose="020B0604020202020204" pitchFamily="34" charset="0"/>
+              <a:buChar char="•"/>
+              <a:defRPr sz="2000" kern="1200">
+                <a:solidFill>
+                  <a:schemeClr val="tx1"/>
+                </a:solidFill>
+                <a:latin typeface="+mn-lt"/>
+                <a:ea typeface="+mn-ea"/>
+                <a:cs typeface="+mn-cs"/>
+              </a:defRPr>
+            </a:lvl2pPr>
+            <a:lvl3pPr marL="1143000" indent="-228600" algn="l" defTabSz="914400" rtl="0" eaLnBrk="1" latinLnBrk="0" hangingPunct="1">
+              <a:lnSpc>
+                <a:spcPct val="90000"/>
+              </a:lnSpc>
+              <a:spcBef>
+                <a:spcPts val="500"/>
+              </a:spcBef>
+              <a:buFont typeface="Arial" panose="020B0604020202020204" pitchFamily="34" charset="0"/>
+              <a:buChar char="•"/>
+              <a:defRPr sz="1800" kern="1200">
+                <a:solidFill>
+                  <a:schemeClr val="tx1"/>
+                </a:solidFill>
+                <a:latin typeface="+mn-lt"/>
+                <a:ea typeface="+mn-ea"/>
+                <a:cs typeface="+mn-cs"/>
+              </a:defRPr>
+            </a:lvl3pPr>
+            <a:lvl4pPr marL="1600200" indent="-228600" algn="l" defTabSz="914400" rtl="0" eaLnBrk="1" latinLnBrk="0" hangingPunct="1">
+              <a:lnSpc>
+                <a:spcPct val="90000"/>
+              </a:lnSpc>
+              <a:spcBef>
+                <a:spcPts val="500"/>
+              </a:spcBef>
+              <a:buFont typeface="Arial" panose="020B0604020202020204" pitchFamily="34" charset="0"/>
+              <a:buChar char="•"/>
+              <a:defRPr sz="1600" kern="1200">
+                <a:solidFill>
+                  <a:schemeClr val="tx1"/>
+                </a:solidFill>
+                <a:latin typeface="+mn-lt"/>
+                <a:ea typeface="+mn-ea"/>
+                <a:cs typeface="+mn-cs"/>
+              </a:defRPr>
+            </a:lvl4pPr>
+            <a:lvl5pPr marL="2057400" indent="-228600" algn="l" defTabSz="914400" rtl="0" eaLnBrk="1" latinLnBrk="0" hangingPunct="1">
+              <a:lnSpc>
+                <a:spcPct val="90000"/>
+              </a:lnSpc>
+              <a:spcBef>
+                <a:spcPts val="500"/>
+              </a:spcBef>
+              <a:buFont typeface="Arial" panose="020B0604020202020204" pitchFamily="34" charset="0"/>
+              <a:buChar char="•"/>
+              <a:defRPr sz="1600" kern="1200">
+                <a:solidFill>
+                  <a:schemeClr val="tx1"/>
+                </a:solidFill>
+                <a:latin typeface="+mn-lt"/>
+                <a:ea typeface="+mn-ea"/>
+                <a:cs typeface="+mn-cs"/>
+              </a:defRPr>
+            </a:lvl5pPr>
+            <a:lvl6pPr marL="2514600" indent="-228600" algn="l" defTabSz="914400" rtl="0" eaLnBrk="1" latinLnBrk="0" hangingPunct="1">
+              <a:lnSpc>
+                <a:spcPct val="90000"/>
+              </a:lnSpc>
+              <a:spcBef>
+                <a:spcPts val="500"/>
+              </a:spcBef>
+              <a:buFont typeface="Arial" panose="020B0604020202020204" pitchFamily="34" charset="0"/>
+              <a:buChar char="•"/>
+              <a:defRPr sz="1600" kern="1200">
+                <a:solidFill>
+                  <a:schemeClr val="tx1"/>
+                </a:solidFill>
+                <a:latin typeface="+mn-lt"/>
+                <a:ea typeface="+mn-ea"/>
+                <a:cs typeface="+mn-cs"/>
+              </a:defRPr>
+            </a:lvl6pPr>
+            <a:lvl7pPr marL="2971800" indent="-228600" algn="l" defTabSz="914400" rtl="0" eaLnBrk="1" latinLnBrk="0" hangingPunct="1">
+              <a:lnSpc>
+                <a:spcPct val="90000"/>
+              </a:lnSpc>
+              <a:spcBef>
+                <a:spcPts val="500"/>
+              </a:spcBef>
+              <a:buFont typeface="Arial" panose="020B0604020202020204" pitchFamily="34" charset="0"/>
+              <a:buChar char="•"/>
+              <a:defRPr sz="1600" kern="1200">
+                <a:solidFill>
+                  <a:schemeClr val="tx1"/>
+                </a:solidFill>
+                <a:latin typeface="+mn-lt"/>
+                <a:ea typeface="+mn-ea"/>
+                <a:cs typeface="+mn-cs"/>
+              </a:defRPr>
+            </a:lvl7pPr>
+            <a:lvl8pPr marL="3429000" indent="-228600" algn="l" defTabSz="914400" rtl="0" eaLnBrk="1" latinLnBrk="0" hangingPunct="1">
+              <a:lnSpc>
+                <a:spcPct val="90000"/>
+              </a:lnSpc>
+              <a:spcBef>
+                <a:spcPts val="500"/>
+              </a:spcBef>
+              <a:buFont typeface="Arial" panose="020B0604020202020204" pitchFamily="34" charset="0"/>
+              <a:buChar char="•"/>
+              <a:defRPr sz="1600" kern="1200">
+                <a:solidFill>
+                  <a:schemeClr val="tx1"/>
+                </a:solidFill>
+                <a:latin typeface="+mn-lt"/>
+                <a:ea typeface="+mn-ea"/>
+                <a:cs typeface="+mn-cs"/>
+              </a:defRPr>
+            </a:lvl8pPr>
+            <a:lvl9pPr marL="3886200" indent="-228600" algn="l" defTabSz="914400" rtl="0" eaLnBrk="1" latinLnBrk="0" hangingPunct="1">
+              <a:lnSpc>
+                <a:spcPct val="90000"/>
+              </a:lnSpc>
+              <a:spcBef>
+                <a:spcPts val="500"/>
+              </a:spcBef>
+              <a:buFont typeface="Arial" panose="020B0604020202020204" pitchFamily="34" charset="0"/>
+              <a:buChar char="•"/>
+              <a:defRPr sz="1600" kern="1200">
+                <a:solidFill>
+                  <a:schemeClr val="tx1"/>
+                </a:solidFill>
+                <a:latin typeface="+mn-lt"/>
+                <a:ea typeface="+mn-ea"/>
+                <a:cs typeface="+mn-cs"/>
+              </a:defRPr>
+            </a:lvl9pPr>
+          </a:lstStyle>
+          <a:p>
+            <a:pPr marL="457200" indent="-457200"/>
+            <a:r>
+              <a:rPr lang="en-GB" sz="2800" b="1" dirty="0">
+                <a:solidFill>
+                  <a:schemeClr val="bg2"/>
+                </a:solidFill>
+              </a:rPr>
+              <a:t>2 Branch commits </a:t>
+            </a:r>
+            <a:r>
+              <a:rPr lang="en-GB" sz="2800" dirty="0"/>
+              <a:t>per day  </a:t>
+            </a:r>
+          </a:p>
+          <a:p>
+            <a:pPr marL="457200" indent="-457200"/>
+            <a:r>
+              <a:rPr lang="en-GB" sz="2800" b="1" dirty="0">
+                <a:solidFill>
+                  <a:schemeClr val="bg2"/>
+                </a:solidFill>
+              </a:rPr>
+              <a:t>1 Branch merges </a:t>
+            </a:r>
+            <a:r>
+              <a:rPr lang="en-GB" sz="2800" dirty="0"/>
+              <a:t>per day  </a:t>
+            </a:r>
+          </a:p>
+          <a:p>
+            <a:pPr marL="457200" indent="-457200"/>
+            <a:r>
+              <a:rPr lang="en-GB" sz="2800" b="1" dirty="0">
+                <a:solidFill>
+                  <a:schemeClr val="bg2"/>
+                </a:solidFill>
+              </a:rPr>
+              <a:t>10,000 additions </a:t>
+            </a:r>
+            <a:r>
+              <a:rPr lang="en-GB" sz="2800" dirty="0"/>
+              <a:t>of code per day  </a:t>
+            </a:r>
+          </a:p>
+          <a:p>
+            <a:pPr marL="457200" indent="-457200"/>
+            <a:r>
+              <a:rPr lang="en-GB" sz="2800" b="1" dirty="0">
+                <a:solidFill>
+                  <a:schemeClr val="bg2"/>
+                </a:solidFill>
+              </a:rPr>
+              <a:t>2</a:t>
+            </a:r>
+            <a:r>
+              <a:rPr lang="en-GB" sz="2800" dirty="0"/>
+              <a:t> Stand-Up </a:t>
+            </a:r>
+            <a:r>
+              <a:rPr lang="en-GB" sz="2800" b="1" dirty="0">
+                <a:solidFill>
+                  <a:schemeClr val="bg2"/>
+                </a:solidFill>
+              </a:rPr>
+              <a:t>meetings</a:t>
+            </a:r>
+            <a:r>
+              <a:rPr lang="en-GB" sz="2800" dirty="0"/>
+              <a:t> per day  </a:t>
+            </a:r>
+          </a:p>
+          <a:p>
+            <a:pPr marL="457200" indent="-457200"/>
+            <a:r>
+              <a:rPr lang="en-GB" sz="2800" b="1" dirty="0">
+                <a:solidFill>
+                  <a:schemeClr val="bg2"/>
+                </a:solidFill>
+              </a:rPr>
+              <a:t>5 minutes </a:t>
+            </a:r>
+            <a:r>
+              <a:rPr lang="en-GB" sz="2800" dirty="0"/>
+              <a:t>per person in meeting </a:t>
+            </a:r>
+          </a:p>
+        </p:txBody>
+      </p:sp>
+      <p:sp>
+        <p:nvSpPr>
+          <p:cNvPr id="5" name="TextBox 4">
+            <a:extLst>
+              <a:ext uri="{FF2B5EF4-FFF2-40B4-BE49-F238E27FC236}">
+                <a16:creationId xmlns:a16="http://schemas.microsoft.com/office/drawing/2014/main" id="{56C64D3F-F503-40D1-9E85-5A0ADBA6134A}"/>
+              </a:ext>
+            </a:extLst>
+          </p:cNvPr>
+          <p:cNvSpPr txBox="1"/>
+          <p:nvPr/>
+        </p:nvSpPr>
+        <p:spPr>
+          <a:xfrm>
+            <a:off x="500743" y="609390"/>
+            <a:ext cx="8686800" cy="707886"/>
+          </a:xfrm>
+          <a:prstGeom prst="rect">
+            <a:avLst/>
+          </a:prstGeom>
+          <a:noFill/>
+        </p:spPr>
+        <p:txBody>
+          <a:bodyPr wrap="square">
+            <a:spAutoFit/>
+          </a:bodyPr>
+          <a:lstStyle/>
+          <a:p>
+            <a:r>
+              <a:rPr lang="en-US" sz="4000" b="1" dirty="0">
+                <a:solidFill>
+                  <a:schemeClr val="bg2"/>
+                </a:solidFill>
+              </a:rPr>
+              <a:t>KEY PERFORMANCE INDICATORS</a:t>
+            </a:r>
+            <a:endParaRPr lang="en-GB" sz="4000" dirty="0"/>
+          </a:p>
+        </p:txBody>
+      </p:sp>
+      <p:pic>
+        <p:nvPicPr>
+          <p:cNvPr id="6" name="Picture 5" descr="A screenshot of a computer&#10;&#10;Description automatically generated with medium confidence">
+            <a:extLst>
+              <a:ext uri="{FF2B5EF4-FFF2-40B4-BE49-F238E27FC236}">
+                <a16:creationId xmlns:a16="http://schemas.microsoft.com/office/drawing/2014/main" id="{B132B1B4-4F7F-4EC0-AAE9-F225A828328F}"/>
+              </a:ext>
+            </a:extLst>
+          </p:cNvPr>
+          <p:cNvPicPr>
+            <a:picLocks noChangeAspect="1"/>
+          </p:cNvPicPr>
+          <p:nvPr/>
+        </p:nvPicPr>
+        <p:blipFill>
+          <a:blip r:embed="rId3"/>
+          <a:stretch>
+            <a:fillRect/>
+          </a:stretch>
+        </p:blipFill>
+        <p:spPr>
+          <a:xfrm>
+            <a:off x="4200443" y="1542361"/>
+            <a:ext cx="7354327" cy="4587353"/>
+          </a:xfrm>
+          <a:prstGeom prst="rect">
+            <a:avLst/>
+          </a:prstGeom>
+        </p:spPr>
+      </p:pic>
+      <p:sp>
+        <p:nvSpPr>
+          <p:cNvPr id="8" name="Text Placeholder 2">
+            <a:extLst>
+              <a:ext uri="{FF2B5EF4-FFF2-40B4-BE49-F238E27FC236}">
+                <a16:creationId xmlns:a16="http://schemas.microsoft.com/office/drawing/2014/main" id="{2982F862-63C8-441E-AC95-F14DD61C2D06}"/>
+              </a:ext>
+            </a:extLst>
+          </p:cNvPr>
+          <p:cNvSpPr txBox="1">
+            <a:spLocks/>
+          </p:cNvSpPr>
+          <p:nvPr/>
+        </p:nvSpPr>
+        <p:spPr>
+          <a:xfrm>
+            <a:off x="371483" y="2776947"/>
+            <a:ext cx="6421203" cy="4369850"/>
+          </a:xfrm>
+          <a:prstGeom prst="rect">
+            <a:avLst/>
+          </a:prstGeom>
+        </p:spPr>
+        <p:txBody>
+          <a:bodyPr>
+            <a:noAutofit/>
+          </a:bodyPr>
+          <a:lstStyle>
+            <a:lvl1pPr marL="228600" indent="-228600" algn="l" defTabSz="914400" rtl="0" eaLnBrk="1" latinLnBrk="0" hangingPunct="1">
+              <a:lnSpc>
+                <a:spcPct val="90000"/>
+              </a:lnSpc>
+              <a:spcBef>
+                <a:spcPts val="1000"/>
+              </a:spcBef>
+              <a:buFont typeface="Arial" panose="020B0604020202020204" pitchFamily="34" charset="0"/>
+              <a:buChar char="•"/>
+              <a:defRPr sz="2200" kern="1200">
+                <a:solidFill>
+                  <a:schemeClr val="tx1"/>
+                </a:solidFill>
+                <a:latin typeface="+mn-lt"/>
+                <a:ea typeface="+mn-ea"/>
+                <a:cs typeface="+mn-cs"/>
+              </a:defRPr>
+            </a:lvl1pPr>
+            <a:lvl2pPr marL="685800" indent="-228600" algn="l" defTabSz="914400" rtl="0" eaLnBrk="1" latinLnBrk="0" hangingPunct="1">
+              <a:lnSpc>
+                <a:spcPct val="90000"/>
+              </a:lnSpc>
+              <a:spcBef>
+                <a:spcPts val="500"/>
+              </a:spcBef>
+              <a:buFont typeface="Arial" panose="020B0604020202020204" pitchFamily="34" charset="0"/>
+              <a:buChar char="•"/>
+              <a:defRPr sz="2000" kern="1200">
+                <a:solidFill>
+                  <a:schemeClr val="tx1"/>
+                </a:solidFill>
+                <a:latin typeface="+mn-lt"/>
+                <a:ea typeface="+mn-ea"/>
+                <a:cs typeface="+mn-cs"/>
+              </a:defRPr>
+            </a:lvl2pPr>
+            <a:lvl3pPr marL="1143000" indent="-228600" algn="l" defTabSz="914400" rtl="0" eaLnBrk="1" latinLnBrk="0" hangingPunct="1">
+              <a:lnSpc>
+                <a:spcPct val="90000"/>
+              </a:lnSpc>
+              <a:spcBef>
+                <a:spcPts val="500"/>
+              </a:spcBef>
+              <a:buFont typeface="Arial" panose="020B0604020202020204" pitchFamily="34" charset="0"/>
+              <a:buChar char="•"/>
+              <a:defRPr sz="1800" kern="1200">
+                <a:solidFill>
+                  <a:schemeClr val="tx1"/>
+                </a:solidFill>
+                <a:latin typeface="+mn-lt"/>
+                <a:ea typeface="+mn-ea"/>
+                <a:cs typeface="+mn-cs"/>
+              </a:defRPr>
+            </a:lvl3pPr>
+            <a:lvl4pPr marL="1600200" indent="-228600" algn="l" defTabSz="914400" rtl="0" eaLnBrk="1" latinLnBrk="0" hangingPunct="1">
+              <a:lnSpc>
+                <a:spcPct val="90000"/>
+              </a:lnSpc>
+              <a:spcBef>
+                <a:spcPts val="500"/>
+              </a:spcBef>
+              <a:buFont typeface="Arial" panose="020B0604020202020204" pitchFamily="34" charset="0"/>
+              <a:buChar char="•"/>
+              <a:defRPr sz="1600" kern="1200">
+                <a:solidFill>
+                  <a:schemeClr val="tx1"/>
+                </a:solidFill>
+                <a:latin typeface="+mn-lt"/>
+                <a:ea typeface="+mn-ea"/>
+                <a:cs typeface="+mn-cs"/>
+              </a:defRPr>
+            </a:lvl4pPr>
+            <a:lvl5pPr marL="2057400" indent="-228600" algn="l" defTabSz="914400" rtl="0" eaLnBrk="1" latinLnBrk="0" hangingPunct="1">
+              <a:lnSpc>
+                <a:spcPct val="90000"/>
+              </a:lnSpc>
+              <a:spcBef>
+                <a:spcPts val="500"/>
+              </a:spcBef>
+              <a:buFont typeface="Arial" panose="020B0604020202020204" pitchFamily="34" charset="0"/>
+              <a:buChar char="•"/>
+              <a:defRPr sz="1600" kern="1200">
+                <a:solidFill>
+                  <a:schemeClr val="tx1"/>
+                </a:solidFill>
+                <a:latin typeface="+mn-lt"/>
+                <a:ea typeface="+mn-ea"/>
+                <a:cs typeface="+mn-cs"/>
+              </a:defRPr>
+            </a:lvl5pPr>
+            <a:lvl6pPr marL="2514600" indent="-228600" algn="l" defTabSz="914400" rtl="0" eaLnBrk="1" latinLnBrk="0" hangingPunct="1">
+              <a:lnSpc>
+                <a:spcPct val="90000"/>
+              </a:lnSpc>
+              <a:spcBef>
+                <a:spcPts val="500"/>
+              </a:spcBef>
+              <a:buFont typeface="Arial" panose="020B0604020202020204" pitchFamily="34" charset="0"/>
+              <a:buChar char="•"/>
+              <a:defRPr sz="1600" kern="1200">
+                <a:solidFill>
+                  <a:schemeClr val="tx1"/>
+                </a:solidFill>
+                <a:latin typeface="+mn-lt"/>
+                <a:ea typeface="+mn-ea"/>
+                <a:cs typeface="+mn-cs"/>
+              </a:defRPr>
+            </a:lvl6pPr>
+            <a:lvl7pPr marL="2971800" indent="-228600" algn="l" defTabSz="914400" rtl="0" eaLnBrk="1" latinLnBrk="0" hangingPunct="1">
+              <a:lnSpc>
+                <a:spcPct val="90000"/>
+              </a:lnSpc>
+              <a:spcBef>
+                <a:spcPts val="500"/>
+              </a:spcBef>
+              <a:buFont typeface="Arial" panose="020B0604020202020204" pitchFamily="34" charset="0"/>
+              <a:buChar char="•"/>
+              <a:defRPr sz="1600" kern="1200">
+                <a:solidFill>
+                  <a:schemeClr val="tx1"/>
+                </a:solidFill>
+                <a:latin typeface="+mn-lt"/>
+                <a:ea typeface="+mn-ea"/>
+                <a:cs typeface="+mn-cs"/>
+              </a:defRPr>
+            </a:lvl7pPr>
+            <a:lvl8pPr marL="3429000" indent="-228600" algn="l" defTabSz="914400" rtl="0" eaLnBrk="1" latinLnBrk="0" hangingPunct="1">
+              <a:lnSpc>
+                <a:spcPct val="90000"/>
+              </a:lnSpc>
+              <a:spcBef>
+                <a:spcPts val="500"/>
+              </a:spcBef>
+              <a:buFont typeface="Arial" panose="020B0604020202020204" pitchFamily="34" charset="0"/>
+              <a:buChar char="•"/>
+              <a:defRPr sz="1600" kern="1200">
+                <a:solidFill>
+                  <a:schemeClr val="tx1"/>
+                </a:solidFill>
+                <a:latin typeface="+mn-lt"/>
+                <a:ea typeface="+mn-ea"/>
+                <a:cs typeface="+mn-cs"/>
+              </a:defRPr>
+            </a:lvl8pPr>
+            <a:lvl9pPr marL="3886200" indent="-228600" algn="l" defTabSz="914400" rtl="0" eaLnBrk="1" latinLnBrk="0" hangingPunct="1">
+              <a:lnSpc>
+                <a:spcPct val="90000"/>
+              </a:lnSpc>
+              <a:spcBef>
+                <a:spcPts val="500"/>
+              </a:spcBef>
+              <a:buFont typeface="Arial" panose="020B0604020202020204" pitchFamily="34" charset="0"/>
+              <a:buChar char="•"/>
+              <a:defRPr sz="1600" kern="1200">
+                <a:solidFill>
+                  <a:schemeClr val="tx1"/>
+                </a:solidFill>
+                <a:latin typeface="+mn-lt"/>
+                <a:ea typeface="+mn-ea"/>
+                <a:cs typeface="+mn-cs"/>
+              </a:defRPr>
+            </a:lvl9pPr>
+          </a:lstStyle>
+          <a:p>
+            <a:pPr marL="457200" indent="-457200"/>
+            <a:r>
+              <a:rPr lang="en-GB" sz="2800" b="1" dirty="0">
+                <a:solidFill>
+                  <a:schemeClr val="bg2"/>
+                </a:solidFill>
+              </a:rPr>
+              <a:t>2 Branch commits</a:t>
+            </a:r>
+            <a:endParaRPr lang="en-GB" sz="2800" dirty="0"/>
+          </a:p>
+          <a:p>
+            <a:pPr marL="457200" indent="-457200"/>
+            <a:r>
+              <a:rPr lang="en-GB" sz="2800" b="1" dirty="0">
+                <a:solidFill>
+                  <a:schemeClr val="bg2"/>
+                </a:solidFill>
+              </a:rPr>
+              <a:t>1 Branch merges </a:t>
+            </a:r>
+            <a:r>
+              <a:rPr lang="en-GB" sz="2800" dirty="0"/>
+              <a:t>  </a:t>
+            </a:r>
+          </a:p>
+          <a:p>
+            <a:pPr marL="457200" indent="-457200"/>
+            <a:r>
+              <a:rPr lang="en-GB" sz="2800" b="1" dirty="0">
+                <a:solidFill>
+                  <a:schemeClr val="bg2"/>
+                </a:solidFill>
+              </a:rPr>
+              <a:t>10,000 additions</a:t>
+            </a:r>
+            <a:r>
+              <a:rPr lang="en-GB" sz="2800" dirty="0"/>
+              <a:t>  </a:t>
+            </a:r>
+          </a:p>
+          <a:p>
+            <a:pPr marL="457200" indent="-457200"/>
+            <a:r>
+              <a:rPr lang="en-GB" sz="2800" b="1" dirty="0">
+                <a:solidFill>
+                  <a:schemeClr val="bg2"/>
+                </a:solidFill>
+              </a:rPr>
+              <a:t>2</a:t>
+            </a:r>
+            <a:r>
+              <a:rPr lang="en-GB" sz="2800" dirty="0"/>
+              <a:t> </a:t>
+            </a:r>
+            <a:r>
+              <a:rPr lang="en-GB" sz="2800" b="1" dirty="0">
+                <a:solidFill>
+                  <a:schemeClr val="bg2"/>
+                </a:solidFill>
+              </a:rPr>
+              <a:t>meetings</a:t>
+            </a:r>
+            <a:r>
+              <a:rPr lang="en-GB" sz="2800" dirty="0"/>
+              <a:t>  </a:t>
+            </a:r>
+          </a:p>
+          <a:p>
+            <a:pPr marL="457200" indent="-457200"/>
+            <a:r>
+              <a:rPr lang="en-GB" sz="2800" b="1" dirty="0">
+                <a:solidFill>
+                  <a:schemeClr val="bg2"/>
+                </a:solidFill>
+              </a:rPr>
+              <a:t>5 minutes </a:t>
+            </a:r>
+            <a:r>
+              <a:rPr lang="en-GB" sz="2800" dirty="0"/>
+              <a:t> </a:t>
+            </a:r>
+          </a:p>
+        </p:txBody>
+      </p:sp>
+      <p:sp>
+        <p:nvSpPr>
+          <p:cNvPr id="9" name="Text Placeholder 2">
+            <a:extLst>
+              <a:ext uri="{FF2B5EF4-FFF2-40B4-BE49-F238E27FC236}">
+                <a16:creationId xmlns:a16="http://schemas.microsoft.com/office/drawing/2014/main" id="{00AA483D-7551-43B6-B015-6616D9DB4F9A}"/>
+              </a:ext>
+            </a:extLst>
+          </p:cNvPr>
+          <p:cNvSpPr txBox="1">
+            <a:spLocks/>
+          </p:cNvSpPr>
+          <p:nvPr/>
+        </p:nvSpPr>
+        <p:spPr>
+          <a:xfrm>
+            <a:off x="500743" y="1325259"/>
+            <a:ext cx="3958220" cy="4369850"/>
+          </a:xfrm>
+          <a:prstGeom prst="rect">
+            <a:avLst/>
+          </a:prstGeom>
+        </p:spPr>
+        <p:txBody>
+          <a:bodyPr>
+            <a:noAutofit/>
+          </a:bodyPr>
+          <a:lstStyle>
+            <a:lvl1pPr marL="228600" indent="-228600" algn="l" defTabSz="914400" rtl="0" eaLnBrk="1" latinLnBrk="0" hangingPunct="1">
+              <a:lnSpc>
+                <a:spcPct val="90000"/>
+              </a:lnSpc>
+              <a:spcBef>
+                <a:spcPts val="1000"/>
+              </a:spcBef>
+              <a:buFont typeface="Arial" panose="020B0604020202020204" pitchFamily="34" charset="0"/>
+              <a:buChar char="•"/>
+              <a:defRPr sz="2200" kern="1200">
+                <a:solidFill>
+                  <a:schemeClr val="tx1"/>
+                </a:solidFill>
+                <a:latin typeface="+mn-lt"/>
+                <a:ea typeface="+mn-ea"/>
+                <a:cs typeface="+mn-cs"/>
+              </a:defRPr>
+            </a:lvl1pPr>
+            <a:lvl2pPr marL="685800" indent="-228600" algn="l" defTabSz="914400" rtl="0" eaLnBrk="1" latinLnBrk="0" hangingPunct="1">
+              <a:lnSpc>
+                <a:spcPct val="90000"/>
+              </a:lnSpc>
+              <a:spcBef>
+                <a:spcPts val="500"/>
+              </a:spcBef>
+              <a:buFont typeface="Arial" panose="020B0604020202020204" pitchFamily="34" charset="0"/>
+              <a:buChar char="•"/>
+              <a:defRPr sz="2000" kern="1200">
+                <a:solidFill>
+                  <a:schemeClr val="tx1"/>
+                </a:solidFill>
+                <a:latin typeface="+mn-lt"/>
+                <a:ea typeface="+mn-ea"/>
+                <a:cs typeface="+mn-cs"/>
+              </a:defRPr>
+            </a:lvl2pPr>
+            <a:lvl3pPr marL="1143000" indent="-228600" algn="l" defTabSz="914400" rtl="0" eaLnBrk="1" latinLnBrk="0" hangingPunct="1">
+              <a:lnSpc>
+                <a:spcPct val="90000"/>
+              </a:lnSpc>
+              <a:spcBef>
+                <a:spcPts val="500"/>
+              </a:spcBef>
+              <a:buFont typeface="Arial" panose="020B0604020202020204" pitchFamily="34" charset="0"/>
+              <a:buChar char="•"/>
+              <a:defRPr sz="1800" kern="1200">
+                <a:solidFill>
+                  <a:schemeClr val="tx1"/>
+                </a:solidFill>
+                <a:latin typeface="+mn-lt"/>
+                <a:ea typeface="+mn-ea"/>
+                <a:cs typeface="+mn-cs"/>
+              </a:defRPr>
+            </a:lvl3pPr>
+            <a:lvl4pPr marL="1600200" indent="-228600" algn="l" defTabSz="914400" rtl="0" eaLnBrk="1" latinLnBrk="0" hangingPunct="1">
+              <a:lnSpc>
+                <a:spcPct val="90000"/>
+              </a:lnSpc>
+              <a:spcBef>
+                <a:spcPts val="500"/>
+              </a:spcBef>
+              <a:buFont typeface="Arial" panose="020B0604020202020204" pitchFamily="34" charset="0"/>
+              <a:buChar char="•"/>
+              <a:defRPr sz="1600" kern="1200">
+                <a:solidFill>
+                  <a:schemeClr val="tx1"/>
+                </a:solidFill>
+                <a:latin typeface="+mn-lt"/>
+                <a:ea typeface="+mn-ea"/>
+                <a:cs typeface="+mn-cs"/>
+              </a:defRPr>
+            </a:lvl4pPr>
+            <a:lvl5pPr marL="2057400" indent="-228600" algn="l" defTabSz="914400" rtl="0" eaLnBrk="1" latinLnBrk="0" hangingPunct="1">
+              <a:lnSpc>
+                <a:spcPct val="90000"/>
+              </a:lnSpc>
+              <a:spcBef>
+                <a:spcPts val="500"/>
+              </a:spcBef>
+              <a:buFont typeface="Arial" panose="020B0604020202020204" pitchFamily="34" charset="0"/>
+              <a:buChar char="•"/>
+              <a:defRPr sz="1600" kern="1200">
+                <a:solidFill>
+                  <a:schemeClr val="tx1"/>
+                </a:solidFill>
+                <a:latin typeface="+mn-lt"/>
+                <a:ea typeface="+mn-ea"/>
+                <a:cs typeface="+mn-cs"/>
+              </a:defRPr>
+            </a:lvl5pPr>
+            <a:lvl6pPr marL="2514600" indent="-228600" algn="l" defTabSz="914400" rtl="0" eaLnBrk="1" latinLnBrk="0" hangingPunct="1">
+              <a:lnSpc>
+                <a:spcPct val="90000"/>
+              </a:lnSpc>
+              <a:spcBef>
+                <a:spcPts val="500"/>
+              </a:spcBef>
+              <a:buFont typeface="Arial" panose="020B0604020202020204" pitchFamily="34" charset="0"/>
+              <a:buChar char="•"/>
+              <a:defRPr sz="1600" kern="1200">
+                <a:solidFill>
+                  <a:schemeClr val="tx1"/>
+                </a:solidFill>
+                <a:latin typeface="+mn-lt"/>
+                <a:ea typeface="+mn-ea"/>
+                <a:cs typeface="+mn-cs"/>
+              </a:defRPr>
+            </a:lvl6pPr>
+            <a:lvl7pPr marL="2971800" indent="-228600" algn="l" defTabSz="914400" rtl="0" eaLnBrk="1" latinLnBrk="0" hangingPunct="1">
+              <a:lnSpc>
+                <a:spcPct val="90000"/>
+              </a:lnSpc>
+              <a:spcBef>
+                <a:spcPts val="500"/>
+              </a:spcBef>
+              <a:buFont typeface="Arial" panose="020B0604020202020204" pitchFamily="34" charset="0"/>
+              <a:buChar char="•"/>
+              <a:defRPr sz="1600" kern="1200">
+                <a:solidFill>
+                  <a:schemeClr val="tx1"/>
+                </a:solidFill>
+                <a:latin typeface="+mn-lt"/>
+                <a:ea typeface="+mn-ea"/>
+                <a:cs typeface="+mn-cs"/>
+              </a:defRPr>
+            </a:lvl7pPr>
+            <a:lvl8pPr marL="3429000" indent="-228600" algn="l" defTabSz="914400" rtl="0" eaLnBrk="1" latinLnBrk="0" hangingPunct="1">
+              <a:lnSpc>
+                <a:spcPct val="90000"/>
+              </a:lnSpc>
+              <a:spcBef>
+                <a:spcPts val="500"/>
+              </a:spcBef>
+              <a:buFont typeface="Arial" panose="020B0604020202020204" pitchFamily="34" charset="0"/>
+              <a:buChar char="•"/>
+              <a:defRPr sz="1600" kern="1200">
+                <a:solidFill>
+                  <a:schemeClr val="tx1"/>
+                </a:solidFill>
+                <a:latin typeface="+mn-lt"/>
+                <a:ea typeface="+mn-ea"/>
+                <a:cs typeface="+mn-cs"/>
+              </a:defRPr>
+            </a:lvl8pPr>
+            <a:lvl9pPr marL="3886200" indent="-228600" algn="l" defTabSz="914400" rtl="0" eaLnBrk="1" latinLnBrk="0" hangingPunct="1">
+              <a:lnSpc>
+                <a:spcPct val="90000"/>
+              </a:lnSpc>
+              <a:spcBef>
+                <a:spcPts val="500"/>
+              </a:spcBef>
+              <a:buFont typeface="Arial" panose="020B0604020202020204" pitchFamily="34" charset="0"/>
+              <a:buChar char="•"/>
+              <a:defRPr sz="1600" kern="1200">
+                <a:solidFill>
+                  <a:schemeClr val="tx1"/>
+                </a:solidFill>
+                <a:latin typeface="+mn-lt"/>
+                <a:ea typeface="+mn-ea"/>
+                <a:cs typeface="+mn-cs"/>
+              </a:defRPr>
+            </a:lvl9pPr>
+          </a:lstStyle>
+          <a:p>
+            <a:pPr marL="0" indent="0">
+              <a:buNone/>
+            </a:pPr>
+            <a:r>
+              <a:rPr lang="en-GB" sz="2800" dirty="0"/>
+              <a:t>Measurement used to track activities towards a goal.</a:t>
+            </a:r>
+            <a:br>
+              <a:rPr lang="en-GB" sz="3200" dirty="0"/>
+            </a:br>
+            <a:endParaRPr lang="en-GB" sz="3200" dirty="0"/>
+          </a:p>
+        </p:txBody>
+      </p:sp>
+    </p:spTree>
+    <p:extLst>
+      <p:ext uri="{BB962C8B-B14F-4D97-AF65-F5344CB8AC3E}">
+        <p14:creationId xmlns:p14="http://schemas.microsoft.com/office/powerpoint/2010/main" val="1442887781"/>
+      </p:ext>
+    </p:extLst>
+  </p:cSld>
+  <p:clrMapOvr>
+    <a:masterClrMapping/>
+  </p:clrMapOvr>
+  <p:timing>
+    <p:tnLst>
+      <p:par>
+        <p:cTn id="1" dur="indefinite" restart="never" nodeType="tmRoot">
+          <p:childTnLst>
+            <p:seq concurrent="1" nextAc="seek">
+              <p:cTn id="2" dur="indefinite" nodeType="mainSeq">
+                <p:childTnLst>
+                  <p:par>
+                    <p:cTn id="3" fill="hold">
+                      <p:stCondLst>
+                        <p:cond delay="indefinite"/>
+                      </p:stCondLst>
+                      <p:childTnLst>
+                        <p:par>
+                          <p:cTn id="4" fill="hold">
+                            <p:stCondLst>
+                              <p:cond delay="0"/>
+                            </p:stCondLst>
+                            <p:childTnLst>
+                              <p:par>
+                                <p:cTn id="5" presetID="10" presetClass="entr" presetSubtype="0" fill="hold" nodeType="clickEffect">
+                                  <p:stCondLst>
+                                    <p:cond delay="0"/>
+                                  </p:stCondLst>
+                                  <p:childTnLst>
+                                    <p:set>
+                                      <p:cBhvr>
+                                        <p:cTn id="6" dur="1" fill="hold">
+                                          <p:stCondLst>
+                                            <p:cond delay="0"/>
+                                          </p:stCondLst>
+                                        </p:cTn>
+                                        <p:tgtEl>
+                                          <p:spTgt spid="7">
+                                            <p:txEl>
+                                              <p:pRg st="0" end="0"/>
+                                            </p:txEl>
+                                          </p:spTgt>
+                                        </p:tgtEl>
+                                        <p:attrNameLst>
+                                          <p:attrName>style.visibility</p:attrName>
+                                        </p:attrNameLst>
+                                      </p:cBhvr>
+                                      <p:to>
+                                        <p:strVal val="visible"/>
+                                      </p:to>
+                                    </p:set>
+                                    <p:animEffect transition="in" filter="fade">
+                                      <p:cBhvr>
+                                        <p:cTn id="7" dur="500"/>
+                                        <p:tgtEl>
+                                          <p:spTgt spid="7">
+                                            <p:txEl>
+                                              <p:pRg st="0" end="0"/>
+                                            </p:txEl>
+                                          </p:spTgt>
+                                        </p:tgtEl>
+                                      </p:cBhvr>
+                                    </p:animEffect>
+                                  </p:childTnLst>
+                                </p:cTn>
+                              </p:par>
+                            </p:childTnLst>
+                          </p:cTn>
+                        </p:par>
+                      </p:childTnLst>
+                    </p:cTn>
+                  </p:par>
+                  <p:par>
+                    <p:cTn id="8" fill="hold">
+                      <p:stCondLst>
+                        <p:cond delay="indefinite"/>
+                      </p:stCondLst>
+                      <p:childTnLst>
+                        <p:par>
+                          <p:cTn id="9" fill="hold">
+                            <p:stCondLst>
+                              <p:cond delay="0"/>
+                            </p:stCondLst>
+                            <p:childTnLst>
+                              <p:par>
+                                <p:cTn id="10" presetID="10" presetClass="entr" presetSubtype="0" fill="hold" nodeType="clickEffect">
+                                  <p:stCondLst>
+                                    <p:cond delay="0"/>
+                                  </p:stCondLst>
+                                  <p:childTnLst>
+                                    <p:set>
+                                      <p:cBhvr>
+                                        <p:cTn id="11" dur="1" fill="hold">
+                                          <p:stCondLst>
+                                            <p:cond delay="0"/>
+                                          </p:stCondLst>
+                                        </p:cTn>
+                                        <p:tgtEl>
+                                          <p:spTgt spid="7">
+                                            <p:txEl>
+                                              <p:pRg st="1" end="1"/>
+                                            </p:txEl>
+                                          </p:spTgt>
+                                        </p:tgtEl>
+                                        <p:attrNameLst>
+                                          <p:attrName>style.visibility</p:attrName>
+                                        </p:attrNameLst>
+                                      </p:cBhvr>
+                                      <p:to>
+                                        <p:strVal val="visible"/>
+                                      </p:to>
+                                    </p:set>
+                                    <p:animEffect transition="in" filter="fade">
+                                      <p:cBhvr>
+                                        <p:cTn id="12" dur="500"/>
+                                        <p:tgtEl>
+                                          <p:spTgt spid="7">
+                                            <p:txEl>
+                                              <p:pRg st="1" end="1"/>
+                                            </p:txEl>
+                                          </p:spTgt>
+                                        </p:tgtEl>
+                                      </p:cBhvr>
+                                    </p:animEffect>
+                                  </p:childTnLst>
+                                </p:cTn>
+                              </p:par>
+                            </p:childTnLst>
+                          </p:cTn>
+                        </p:par>
+                      </p:childTnLst>
+                    </p:cTn>
+                  </p:par>
+                  <p:par>
+                    <p:cTn id="13" fill="hold">
+                      <p:stCondLst>
+                        <p:cond delay="indefinite"/>
+                      </p:stCondLst>
+                      <p:childTnLst>
+                        <p:par>
+                          <p:cTn id="14" fill="hold">
+                            <p:stCondLst>
+                              <p:cond delay="0"/>
+                            </p:stCondLst>
+                            <p:childTnLst>
+                              <p:par>
+                                <p:cTn id="15" presetID="10" presetClass="entr" presetSubtype="0" fill="hold" nodeType="clickEffect">
+                                  <p:stCondLst>
+                                    <p:cond delay="0"/>
+                                  </p:stCondLst>
+                                  <p:childTnLst>
+                                    <p:set>
+                                      <p:cBhvr>
+                                        <p:cTn id="16" dur="1" fill="hold">
+                                          <p:stCondLst>
+                                            <p:cond delay="0"/>
+                                          </p:stCondLst>
+                                        </p:cTn>
+                                        <p:tgtEl>
+                                          <p:spTgt spid="7">
+                                            <p:txEl>
+                                              <p:pRg st="2" end="2"/>
+                                            </p:txEl>
+                                          </p:spTgt>
+                                        </p:tgtEl>
+                                        <p:attrNameLst>
+                                          <p:attrName>style.visibility</p:attrName>
+                                        </p:attrNameLst>
+                                      </p:cBhvr>
+                                      <p:to>
+                                        <p:strVal val="visible"/>
+                                      </p:to>
+                                    </p:set>
+                                    <p:animEffect transition="in" filter="fade">
+                                      <p:cBhvr>
+                                        <p:cTn id="17" dur="500"/>
+                                        <p:tgtEl>
+                                          <p:spTgt spid="7">
+                                            <p:txEl>
+                                              <p:pRg st="2" end="2"/>
+                                            </p:txEl>
+                                          </p:spTgt>
+                                        </p:tgtEl>
+                                      </p:cBhvr>
+                                    </p:animEffect>
+                                  </p:childTnLst>
+                                </p:cTn>
+                              </p:par>
+                            </p:childTnLst>
+                          </p:cTn>
+                        </p:par>
+                      </p:childTnLst>
+                    </p:cTn>
+                  </p:par>
+                  <p:par>
+                    <p:cTn id="18" fill="hold">
+                      <p:stCondLst>
+                        <p:cond delay="indefinite"/>
+                      </p:stCondLst>
+                      <p:childTnLst>
+                        <p:par>
+                          <p:cTn id="19" fill="hold">
+                            <p:stCondLst>
+                              <p:cond delay="0"/>
+                            </p:stCondLst>
+                            <p:childTnLst>
+                              <p:par>
+                                <p:cTn id="20" presetID="10" presetClass="entr" presetSubtype="0" fill="hold" nodeType="clickEffect">
+                                  <p:stCondLst>
+                                    <p:cond delay="0"/>
+                                  </p:stCondLst>
+                                  <p:childTnLst>
+                                    <p:set>
+                                      <p:cBhvr>
+                                        <p:cTn id="21" dur="1" fill="hold">
+                                          <p:stCondLst>
+                                            <p:cond delay="0"/>
+                                          </p:stCondLst>
+                                        </p:cTn>
+                                        <p:tgtEl>
+                                          <p:spTgt spid="7">
+                                            <p:txEl>
+                                              <p:pRg st="3" end="3"/>
+                                            </p:txEl>
+                                          </p:spTgt>
+                                        </p:tgtEl>
+                                        <p:attrNameLst>
+                                          <p:attrName>style.visibility</p:attrName>
+                                        </p:attrNameLst>
+                                      </p:cBhvr>
+                                      <p:to>
+                                        <p:strVal val="visible"/>
+                                      </p:to>
+                                    </p:set>
+                                    <p:animEffect transition="in" filter="fade">
+                                      <p:cBhvr>
+                                        <p:cTn id="22" dur="500"/>
+                                        <p:tgtEl>
+                                          <p:spTgt spid="7">
+                                            <p:txEl>
+                                              <p:pRg st="3" end="3"/>
+                                            </p:txEl>
+                                          </p:spTgt>
+                                        </p:tgtEl>
+                                      </p:cBhvr>
+                                    </p:animEffect>
+                                  </p:childTnLst>
+                                </p:cTn>
+                              </p:par>
+                            </p:childTnLst>
+                          </p:cTn>
+                        </p:par>
+                      </p:childTnLst>
+                    </p:cTn>
+                  </p:par>
+                  <p:par>
+                    <p:cTn id="23" fill="hold">
+                      <p:stCondLst>
+                        <p:cond delay="indefinite"/>
+                      </p:stCondLst>
+                      <p:childTnLst>
+                        <p:par>
+                          <p:cTn id="24" fill="hold">
+                            <p:stCondLst>
+                              <p:cond delay="0"/>
+                            </p:stCondLst>
+                            <p:childTnLst>
+                              <p:par>
+                                <p:cTn id="25" presetID="10" presetClass="entr" presetSubtype="0" fill="hold" nodeType="clickEffect">
+                                  <p:stCondLst>
+                                    <p:cond delay="0"/>
+                                  </p:stCondLst>
+                                  <p:childTnLst>
+                                    <p:set>
+                                      <p:cBhvr>
+                                        <p:cTn id="26" dur="1" fill="hold">
+                                          <p:stCondLst>
+                                            <p:cond delay="0"/>
+                                          </p:stCondLst>
+                                        </p:cTn>
+                                        <p:tgtEl>
+                                          <p:spTgt spid="7">
+                                            <p:txEl>
+                                              <p:pRg st="4" end="4"/>
+                                            </p:txEl>
+                                          </p:spTgt>
+                                        </p:tgtEl>
+                                        <p:attrNameLst>
+                                          <p:attrName>style.visibility</p:attrName>
+                                        </p:attrNameLst>
+                                      </p:cBhvr>
+                                      <p:to>
+                                        <p:strVal val="visible"/>
+                                      </p:to>
+                                    </p:set>
+                                    <p:animEffect transition="in" filter="fade">
+                                      <p:cBhvr>
+                                        <p:cTn id="27" dur="500"/>
+                                        <p:tgtEl>
+                                          <p:spTgt spid="7">
+                                            <p:txEl>
+                                              <p:pRg st="4" end="4"/>
+                                            </p:txEl>
+                                          </p:spTgt>
+                                        </p:tgtEl>
+                                      </p:cBhvr>
+                                    </p:animEffect>
+                                  </p:childTnLst>
+                                </p:cTn>
+                              </p:par>
+                            </p:childTnLst>
+                          </p:cTn>
+                        </p:par>
+                      </p:childTnLst>
+                    </p:cTn>
+                  </p:par>
+                  <p:par>
+                    <p:cTn id="28" fill="hold">
+                      <p:stCondLst>
+                        <p:cond delay="indefinite"/>
+                      </p:stCondLst>
+                      <p:childTnLst>
+                        <p:par>
+                          <p:cTn id="29" fill="hold">
+                            <p:stCondLst>
+                              <p:cond delay="0"/>
+                            </p:stCondLst>
+                            <p:childTnLst>
+                              <p:par>
+                                <p:cTn id="30" presetID="22" presetClass="exit" presetSubtype="2" fill="hold" grpId="0" nodeType="clickEffect">
+                                  <p:stCondLst>
+                                    <p:cond delay="0"/>
+                                  </p:stCondLst>
+                                  <p:childTnLst>
+                                    <p:animEffect transition="out" filter="wipe(right)">
+                                      <p:cBhvr>
+                                        <p:cTn id="31" dur="500"/>
+                                        <p:tgtEl>
+                                          <p:spTgt spid="7">
+                                            <p:txEl>
+                                              <p:pRg st="0" end="0"/>
+                                            </p:txEl>
+                                          </p:spTgt>
+                                        </p:tgtEl>
+                                      </p:cBhvr>
+                                    </p:animEffect>
+                                    <p:set>
+                                      <p:cBhvr>
+                                        <p:cTn id="32" dur="1" fill="hold">
+                                          <p:stCondLst>
+                                            <p:cond delay="499"/>
+                                          </p:stCondLst>
+                                        </p:cTn>
+                                        <p:tgtEl>
+                                          <p:spTgt spid="7">
+                                            <p:txEl>
+                                              <p:pRg st="0" end="0"/>
+                                            </p:txEl>
+                                          </p:spTgt>
+                                        </p:tgtEl>
+                                        <p:attrNameLst>
+                                          <p:attrName>style.visibility</p:attrName>
+                                        </p:attrNameLst>
+                                      </p:cBhvr>
+                                      <p:to>
+                                        <p:strVal val="hidden"/>
+                                      </p:to>
+                                    </p:set>
+                                  </p:childTnLst>
+                                </p:cTn>
+                              </p:par>
+                              <p:par>
+                                <p:cTn id="33" presetID="22" presetClass="exit" presetSubtype="2" fill="hold" grpId="0" nodeType="withEffect">
+                                  <p:stCondLst>
+                                    <p:cond delay="0"/>
+                                  </p:stCondLst>
+                                  <p:childTnLst>
+                                    <p:animEffect transition="out" filter="wipe(right)">
+                                      <p:cBhvr>
+                                        <p:cTn id="34" dur="500"/>
+                                        <p:tgtEl>
+                                          <p:spTgt spid="7">
+                                            <p:txEl>
+                                              <p:pRg st="1" end="1"/>
+                                            </p:txEl>
+                                          </p:spTgt>
+                                        </p:tgtEl>
+                                      </p:cBhvr>
+                                    </p:animEffect>
+                                    <p:set>
+                                      <p:cBhvr>
+                                        <p:cTn id="35" dur="1" fill="hold">
+                                          <p:stCondLst>
+                                            <p:cond delay="499"/>
+                                          </p:stCondLst>
+                                        </p:cTn>
+                                        <p:tgtEl>
+                                          <p:spTgt spid="7">
+                                            <p:txEl>
+                                              <p:pRg st="1" end="1"/>
+                                            </p:txEl>
+                                          </p:spTgt>
+                                        </p:tgtEl>
+                                        <p:attrNameLst>
+                                          <p:attrName>style.visibility</p:attrName>
+                                        </p:attrNameLst>
+                                      </p:cBhvr>
+                                      <p:to>
+                                        <p:strVal val="hidden"/>
+                                      </p:to>
+                                    </p:set>
+                                  </p:childTnLst>
+                                </p:cTn>
+                              </p:par>
+                              <p:par>
+                                <p:cTn id="36" presetID="22" presetClass="exit" presetSubtype="2" fill="hold" grpId="0" nodeType="withEffect">
+                                  <p:stCondLst>
+                                    <p:cond delay="0"/>
+                                  </p:stCondLst>
+                                  <p:childTnLst>
+                                    <p:animEffect transition="out" filter="wipe(right)">
+                                      <p:cBhvr>
+                                        <p:cTn id="37" dur="500"/>
+                                        <p:tgtEl>
+                                          <p:spTgt spid="7">
+                                            <p:txEl>
+                                              <p:pRg st="2" end="2"/>
+                                            </p:txEl>
+                                          </p:spTgt>
+                                        </p:tgtEl>
+                                      </p:cBhvr>
+                                    </p:animEffect>
+                                    <p:set>
+                                      <p:cBhvr>
+                                        <p:cTn id="38" dur="1" fill="hold">
+                                          <p:stCondLst>
+                                            <p:cond delay="499"/>
+                                          </p:stCondLst>
+                                        </p:cTn>
+                                        <p:tgtEl>
+                                          <p:spTgt spid="7">
+                                            <p:txEl>
+                                              <p:pRg st="2" end="2"/>
+                                            </p:txEl>
+                                          </p:spTgt>
+                                        </p:tgtEl>
+                                        <p:attrNameLst>
+                                          <p:attrName>style.visibility</p:attrName>
+                                        </p:attrNameLst>
+                                      </p:cBhvr>
+                                      <p:to>
+                                        <p:strVal val="hidden"/>
+                                      </p:to>
+                                    </p:set>
+                                  </p:childTnLst>
+                                </p:cTn>
+                              </p:par>
+                              <p:par>
+                                <p:cTn id="39" presetID="22" presetClass="exit" presetSubtype="2" fill="hold" grpId="0" nodeType="withEffect">
+                                  <p:stCondLst>
+                                    <p:cond delay="0"/>
+                                  </p:stCondLst>
+                                  <p:childTnLst>
+                                    <p:animEffect transition="out" filter="wipe(right)">
+                                      <p:cBhvr>
+                                        <p:cTn id="40" dur="500"/>
+                                        <p:tgtEl>
+                                          <p:spTgt spid="7">
+                                            <p:txEl>
+                                              <p:pRg st="3" end="3"/>
+                                            </p:txEl>
+                                          </p:spTgt>
+                                        </p:tgtEl>
+                                      </p:cBhvr>
+                                    </p:animEffect>
+                                    <p:set>
+                                      <p:cBhvr>
+                                        <p:cTn id="41" dur="1" fill="hold">
+                                          <p:stCondLst>
+                                            <p:cond delay="499"/>
+                                          </p:stCondLst>
+                                        </p:cTn>
+                                        <p:tgtEl>
+                                          <p:spTgt spid="7">
+                                            <p:txEl>
+                                              <p:pRg st="3" end="3"/>
+                                            </p:txEl>
+                                          </p:spTgt>
+                                        </p:tgtEl>
+                                        <p:attrNameLst>
+                                          <p:attrName>style.visibility</p:attrName>
+                                        </p:attrNameLst>
+                                      </p:cBhvr>
+                                      <p:to>
+                                        <p:strVal val="hidden"/>
+                                      </p:to>
+                                    </p:set>
+                                  </p:childTnLst>
+                                </p:cTn>
+                              </p:par>
+                              <p:par>
+                                <p:cTn id="42" presetID="22" presetClass="exit" presetSubtype="2" fill="hold" grpId="0" nodeType="withEffect">
+                                  <p:stCondLst>
+                                    <p:cond delay="0"/>
+                                  </p:stCondLst>
+                                  <p:childTnLst>
+                                    <p:animEffect transition="out" filter="wipe(right)">
+                                      <p:cBhvr>
+                                        <p:cTn id="43" dur="500"/>
+                                        <p:tgtEl>
+                                          <p:spTgt spid="7">
+                                            <p:txEl>
+                                              <p:pRg st="4" end="4"/>
+                                            </p:txEl>
+                                          </p:spTgt>
+                                        </p:tgtEl>
+                                      </p:cBhvr>
+                                    </p:animEffect>
+                                    <p:set>
+                                      <p:cBhvr>
+                                        <p:cTn id="44" dur="1" fill="hold">
+                                          <p:stCondLst>
+                                            <p:cond delay="499"/>
+                                          </p:stCondLst>
+                                        </p:cTn>
+                                        <p:tgtEl>
+                                          <p:spTgt spid="7">
+                                            <p:txEl>
+                                              <p:pRg st="4" end="4"/>
+                                            </p:txEl>
+                                          </p:spTgt>
+                                        </p:tgtEl>
+                                        <p:attrNameLst>
+                                          <p:attrName>style.visibility</p:attrName>
+                                        </p:attrNameLst>
+                                      </p:cBhvr>
+                                      <p:to>
+                                        <p:strVal val="hidden"/>
+                                      </p:to>
+                                    </p:set>
+                                  </p:childTnLst>
+                                </p:cTn>
+                              </p:par>
+                              <p:par>
+                                <p:cTn id="45" presetID="10" presetClass="entr" presetSubtype="0" fill="hold" nodeType="withEffect">
+                                  <p:stCondLst>
+                                    <p:cond delay="250"/>
+                                  </p:stCondLst>
+                                  <p:childTnLst>
+                                    <p:set>
+                                      <p:cBhvr>
+                                        <p:cTn id="46" dur="1" fill="hold">
+                                          <p:stCondLst>
+                                            <p:cond delay="0"/>
+                                          </p:stCondLst>
+                                        </p:cTn>
+                                        <p:tgtEl>
+                                          <p:spTgt spid="8">
+                                            <p:txEl>
+                                              <p:pRg st="0" end="0"/>
+                                            </p:txEl>
+                                          </p:spTgt>
+                                        </p:tgtEl>
+                                        <p:attrNameLst>
+                                          <p:attrName>style.visibility</p:attrName>
+                                        </p:attrNameLst>
+                                      </p:cBhvr>
+                                      <p:to>
+                                        <p:strVal val="visible"/>
+                                      </p:to>
+                                    </p:set>
+                                    <p:animEffect transition="in" filter="fade">
+                                      <p:cBhvr>
+                                        <p:cTn id="47" dur="500"/>
+                                        <p:tgtEl>
+                                          <p:spTgt spid="8">
+                                            <p:txEl>
+                                              <p:pRg st="0" end="0"/>
+                                            </p:txEl>
+                                          </p:spTgt>
+                                        </p:tgtEl>
+                                      </p:cBhvr>
+                                    </p:animEffect>
+                                  </p:childTnLst>
+                                </p:cTn>
+                              </p:par>
+                              <p:par>
+                                <p:cTn id="48" presetID="10" presetClass="entr" presetSubtype="0" fill="hold" nodeType="withEffect">
+                                  <p:stCondLst>
+                                    <p:cond delay="250"/>
+                                  </p:stCondLst>
+                                  <p:childTnLst>
+                                    <p:set>
+                                      <p:cBhvr>
+                                        <p:cTn id="49" dur="1" fill="hold">
+                                          <p:stCondLst>
+                                            <p:cond delay="0"/>
+                                          </p:stCondLst>
+                                        </p:cTn>
+                                        <p:tgtEl>
+                                          <p:spTgt spid="8">
+                                            <p:txEl>
+                                              <p:pRg st="1" end="1"/>
+                                            </p:txEl>
+                                          </p:spTgt>
+                                        </p:tgtEl>
+                                        <p:attrNameLst>
+                                          <p:attrName>style.visibility</p:attrName>
+                                        </p:attrNameLst>
+                                      </p:cBhvr>
+                                      <p:to>
+                                        <p:strVal val="visible"/>
+                                      </p:to>
+                                    </p:set>
+                                    <p:animEffect transition="in" filter="fade">
+                                      <p:cBhvr>
+                                        <p:cTn id="50" dur="500"/>
+                                        <p:tgtEl>
+                                          <p:spTgt spid="8">
+                                            <p:txEl>
+                                              <p:pRg st="1" end="1"/>
+                                            </p:txEl>
+                                          </p:spTgt>
+                                        </p:tgtEl>
+                                      </p:cBhvr>
+                                    </p:animEffect>
+                                  </p:childTnLst>
+                                </p:cTn>
+                              </p:par>
+                              <p:par>
+                                <p:cTn id="51" presetID="10" presetClass="entr" presetSubtype="0" fill="hold" nodeType="withEffect">
+                                  <p:stCondLst>
+                                    <p:cond delay="250"/>
+                                  </p:stCondLst>
+                                  <p:childTnLst>
+                                    <p:set>
+                                      <p:cBhvr>
+                                        <p:cTn id="52" dur="1" fill="hold">
+                                          <p:stCondLst>
+                                            <p:cond delay="0"/>
+                                          </p:stCondLst>
+                                        </p:cTn>
+                                        <p:tgtEl>
+                                          <p:spTgt spid="8">
+                                            <p:txEl>
+                                              <p:pRg st="2" end="2"/>
+                                            </p:txEl>
+                                          </p:spTgt>
+                                        </p:tgtEl>
+                                        <p:attrNameLst>
+                                          <p:attrName>style.visibility</p:attrName>
+                                        </p:attrNameLst>
+                                      </p:cBhvr>
+                                      <p:to>
+                                        <p:strVal val="visible"/>
+                                      </p:to>
+                                    </p:set>
+                                    <p:animEffect transition="in" filter="fade">
+                                      <p:cBhvr>
+                                        <p:cTn id="53" dur="500"/>
+                                        <p:tgtEl>
+                                          <p:spTgt spid="8">
+                                            <p:txEl>
+                                              <p:pRg st="2" end="2"/>
+                                            </p:txEl>
+                                          </p:spTgt>
+                                        </p:tgtEl>
+                                      </p:cBhvr>
+                                    </p:animEffect>
+                                  </p:childTnLst>
+                                </p:cTn>
+                              </p:par>
+                              <p:par>
+                                <p:cTn id="54" presetID="10" presetClass="entr" presetSubtype="0" fill="hold" nodeType="withEffect">
+                                  <p:stCondLst>
+                                    <p:cond delay="250"/>
+                                  </p:stCondLst>
+                                  <p:childTnLst>
+                                    <p:set>
+                                      <p:cBhvr>
+                                        <p:cTn id="55" dur="1" fill="hold">
+                                          <p:stCondLst>
+                                            <p:cond delay="0"/>
+                                          </p:stCondLst>
+                                        </p:cTn>
+                                        <p:tgtEl>
+                                          <p:spTgt spid="8">
+                                            <p:txEl>
+                                              <p:pRg st="3" end="3"/>
+                                            </p:txEl>
+                                          </p:spTgt>
+                                        </p:tgtEl>
+                                        <p:attrNameLst>
+                                          <p:attrName>style.visibility</p:attrName>
+                                        </p:attrNameLst>
+                                      </p:cBhvr>
+                                      <p:to>
+                                        <p:strVal val="visible"/>
+                                      </p:to>
+                                    </p:set>
+                                    <p:animEffect transition="in" filter="fade">
+                                      <p:cBhvr>
+                                        <p:cTn id="56" dur="500"/>
+                                        <p:tgtEl>
+                                          <p:spTgt spid="8">
+                                            <p:txEl>
+                                              <p:pRg st="3" end="3"/>
+                                            </p:txEl>
+                                          </p:spTgt>
+                                        </p:tgtEl>
+                                      </p:cBhvr>
+                                    </p:animEffect>
+                                  </p:childTnLst>
+                                </p:cTn>
+                              </p:par>
+                              <p:par>
+                                <p:cTn id="57" presetID="10" presetClass="entr" presetSubtype="0" fill="hold" nodeType="withEffect">
+                                  <p:stCondLst>
+                                    <p:cond delay="250"/>
+                                  </p:stCondLst>
+                                  <p:childTnLst>
+                                    <p:set>
+                                      <p:cBhvr>
+                                        <p:cTn id="58" dur="1" fill="hold">
+                                          <p:stCondLst>
+                                            <p:cond delay="0"/>
+                                          </p:stCondLst>
+                                        </p:cTn>
+                                        <p:tgtEl>
+                                          <p:spTgt spid="8">
+                                            <p:txEl>
+                                              <p:pRg st="4" end="4"/>
+                                            </p:txEl>
+                                          </p:spTgt>
+                                        </p:tgtEl>
+                                        <p:attrNameLst>
+                                          <p:attrName>style.visibility</p:attrName>
+                                        </p:attrNameLst>
+                                      </p:cBhvr>
+                                      <p:to>
+                                        <p:strVal val="visible"/>
+                                      </p:to>
+                                    </p:set>
+                                    <p:animEffect transition="in" filter="fade">
+                                      <p:cBhvr>
+                                        <p:cTn id="59" dur="500"/>
+                                        <p:tgtEl>
+                                          <p:spTgt spid="8">
+                                            <p:txEl>
+                                              <p:pRg st="4" end="4"/>
+                                            </p:txEl>
+                                          </p:spTgt>
+                                        </p:tgtEl>
+                                      </p:cBhvr>
+                                    </p:animEffect>
+                                  </p:childTnLst>
+                                </p:cTn>
+                              </p:par>
+                            </p:childTnLst>
+                          </p:cTn>
+                        </p:par>
+                      </p:childTnLst>
+                    </p:cTn>
+                  </p:par>
+                  <p:par>
+                    <p:cTn id="60" fill="hold">
+                      <p:stCondLst>
+                        <p:cond delay="indefinite"/>
+                      </p:stCondLst>
+                      <p:childTnLst>
+                        <p:par>
+                          <p:cTn id="61" fill="hold">
+                            <p:stCondLst>
+                              <p:cond delay="0"/>
+                            </p:stCondLst>
+                            <p:childTnLst>
+                              <p:par>
+                                <p:cTn id="62" presetID="10" presetClass="entr" presetSubtype="0" fill="hold" nodeType="clickEffect">
+                                  <p:stCondLst>
+                                    <p:cond delay="0"/>
+                                  </p:stCondLst>
+                                  <p:childTnLst>
+                                    <p:set>
+                                      <p:cBhvr>
+                                        <p:cTn id="63" dur="1" fill="hold">
+                                          <p:stCondLst>
+                                            <p:cond delay="0"/>
+                                          </p:stCondLst>
+                                        </p:cTn>
+                                        <p:tgtEl>
+                                          <p:spTgt spid="6"/>
+                                        </p:tgtEl>
+                                        <p:attrNameLst>
+                                          <p:attrName>style.visibility</p:attrName>
+                                        </p:attrNameLst>
+                                      </p:cBhvr>
+                                      <p:to>
+                                        <p:strVal val="visible"/>
+                                      </p:to>
+                                    </p:set>
+                                    <p:animEffect transition="in" filter="fade">
+                                      <p:cBhvr>
+                                        <p:cTn id="64" dur="500"/>
+                                        <p:tgtEl>
+                                          <p:spTgt spid="6"/>
+                                        </p:tgtEl>
+                                      </p:cBhvr>
+                                    </p:animEffect>
+                                  </p:childTnLst>
+                                </p:cTn>
+                              </p:par>
+                            </p:childTnLst>
+                          </p:cTn>
+                        </p:par>
+                      </p:childTnLst>
+                    </p:cTn>
+                  </p:par>
+                </p:childTnLst>
+              </p:cTn>
+              <p:prevCondLst>
+                <p:cond evt="onPrev" delay="0">
+                  <p:tgtEl>
+                    <p:sldTgt/>
+                  </p:tgtEl>
+                </p:cond>
+              </p:prevCondLst>
+              <p:nextCondLst>
+                <p:cond evt="onNext" delay="0">
+                  <p:tgtEl>
+                    <p:sldTgt/>
+                  </p:tgtEl>
+                </p:cond>
+              </p:nextCondLst>
+            </p:seq>
+          </p:childTnLst>
+        </p:cTn>
+      </p:par>
+    </p:tnLst>
+    <p:bldLst>
+      <p:bldP spid="7" grpId="0" uiExpand="1" build="allAtOnce"/>
+    </p:bldLst>
+  </p:timing>
+</p:sld>
+</file>
+
+<file path=ppt/slides/slide9.xml><?xml version="1.0" encoding="utf-8"?>
 <p:sld xmlns:a="http://schemas.openxmlformats.org/drawingml/2006/main" xmlns:r="http://schemas.openxmlformats.org/officeDocument/2006/relationships" xmlns:p="http://schemas.openxmlformats.org/presentationml/2006/main">
   <p:cSld>
     <p:spTree>
@@ -31250,484 +33585,6 @@
 </p:sld>
 </file>
 
-<file path=ppt/slides/slide9.xml><?xml version="1.0" encoding="utf-8"?>
-<p:sld xmlns:a="http://schemas.openxmlformats.org/drawingml/2006/main" xmlns:r="http://schemas.openxmlformats.org/officeDocument/2006/relationships" xmlns:p="http://schemas.openxmlformats.org/presentationml/2006/main">
-  <p:cSld>
-    <p:spTree>
-      <p:nvGrpSpPr>
-        <p:cNvPr id="1" name=""/>
-        <p:cNvGrpSpPr/>
-        <p:nvPr/>
-      </p:nvGrpSpPr>
-      <p:grpSpPr>
-        <a:xfrm>
-          <a:off x="0" y="0"/>
-          <a:ext cx="0" cy="0"/>
-          <a:chOff x="0" y="0"/>
-          <a:chExt cx="0" cy="0"/>
-        </a:xfrm>
-      </p:grpSpPr>
-      <p:sp>
-        <p:nvSpPr>
-          <p:cNvPr id="2" name="Title 1">
-            <a:extLst>
-              <a:ext uri="{FF2B5EF4-FFF2-40B4-BE49-F238E27FC236}">
-                <a16:creationId xmlns:a16="http://schemas.microsoft.com/office/drawing/2014/main" id="{D00292F1-08A9-8D43-846D-E6D20F02FC25}"/>
-              </a:ext>
-            </a:extLst>
-          </p:cNvPr>
-          <p:cNvSpPr>
-            <a:spLocks noGrp="1"/>
-          </p:cNvSpPr>
-          <p:nvPr>
-            <p:ph type="title"/>
-          </p:nvPr>
-        </p:nvSpPr>
-        <p:spPr>
-          <a:xfrm>
-            <a:off x="927315" y="609390"/>
-            <a:ext cx="8610600" cy="1293028"/>
-          </a:xfrm>
-        </p:spPr>
-        <p:txBody>
-          <a:bodyPr>
-            <a:normAutofit/>
-          </a:bodyPr>
-          <a:lstStyle/>
-          <a:p>
-            <a:pPr algn="l"/>
-            <a:r>
-              <a:rPr lang="en-US" b="1" dirty="0">
-                <a:solidFill>
-                  <a:schemeClr val="bg2"/>
-                </a:solidFill>
-              </a:rPr>
-              <a:t>The Data</a:t>
-            </a:r>
-            <a:br>
-              <a:rPr lang="en-US" dirty="0"/>
-            </a:br>
-            <a:endParaRPr lang="en-US" dirty="0"/>
-          </a:p>
-        </p:txBody>
-      </p:sp>
-      <p:sp>
-        <p:nvSpPr>
-          <p:cNvPr id="7" name="Text Placeholder 2">
-            <a:extLst>
-              <a:ext uri="{FF2B5EF4-FFF2-40B4-BE49-F238E27FC236}">
-                <a16:creationId xmlns:a16="http://schemas.microsoft.com/office/drawing/2014/main" id="{5BAEB0D8-6DE2-2745-828B-8BAE710FBED9}"/>
-              </a:ext>
-            </a:extLst>
-          </p:cNvPr>
-          <p:cNvSpPr txBox="1">
-            <a:spLocks/>
-          </p:cNvSpPr>
-          <p:nvPr/>
-        </p:nvSpPr>
-        <p:spPr>
-          <a:xfrm>
-            <a:off x="1036880" y="1767478"/>
-            <a:ext cx="10490200" cy="4369850"/>
-          </a:xfrm>
-          <a:prstGeom prst="rect">
-            <a:avLst/>
-          </a:prstGeom>
-        </p:spPr>
-        <p:txBody>
-          <a:bodyPr>
-            <a:noAutofit/>
-          </a:bodyPr>
-          <a:lstStyle>
-            <a:lvl1pPr marL="228600" indent="-228600" algn="l" defTabSz="914400" rtl="0" eaLnBrk="1" latinLnBrk="0" hangingPunct="1">
-              <a:lnSpc>
-                <a:spcPct val="90000"/>
-              </a:lnSpc>
-              <a:spcBef>
-                <a:spcPts val="1000"/>
-              </a:spcBef>
-              <a:buFont typeface="Arial" panose="020B0604020202020204" pitchFamily="34" charset="0"/>
-              <a:buChar char="•"/>
-              <a:defRPr sz="2200" kern="1200">
-                <a:solidFill>
-                  <a:schemeClr val="tx1"/>
-                </a:solidFill>
-                <a:latin typeface="+mn-lt"/>
-                <a:ea typeface="+mn-ea"/>
-                <a:cs typeface="+mn-cs"/>
-              </a:defRPr>
-            </a:lvl1pPr>
-            <a:lvl2pPr marL="685800" indent="-228600" algn="l" defTabSz="914400" rtl="0" eaLnBrk="1" latinLnBrk="0" hangingPunct="1">
-              <a:lnSpc>
-                <a:spcPct val="90000"/>
-              </a:lnSpc>
-              <a:spcBef>
-                <a:spcPts val="500"/>
-              </a:spcBef>
-              <a:buFont typeface="Arial" panose="020B0604020202020204" pitchFamily="34" charset="0"/>
-              <a:buChar char="•"/>
-              <a:defRPr sz="2000" kern="1200">
-                <a:solidFill>
-                  <a:schemeClr val="tx1"/>
-                </a:solidFill>
-                <a:latin typeface="+mn-lt"/>
-                <a:ea typeface="+mn-ea"/>
-                <a:cs typeface="+mn-cs"/>
-              </a:defRPr>
-            </a:lvl2pPr>
-            <a:lvl3pPr marL="1143000" indent="-228600" algn="l" defTabSz="914400" rtl="0" eaLnBrk="1" latinLnBrk="0" hangingPunct="1">
-              <a:lnSpc>
-                <a:spcPct val="90000"/>
-              </a:lnSpc>
-              <a:spcBef>
-                <a:spcPts val="500"/>
-              </a:spcBef>
-              <a:buFont typeface="Arial" panose="020B0604020202020204" pitchFamily="34" charset="0"/>
-              <a:buChar char="•"/>
-              <a:defRPr sz="1800" kern="1200">
-                <a:solidFill>
-                  <a:schemeClr val="tx1"/>
-                </a:solidFill>
-                <a:latin typeface="+mn-lt"/>
-                <a:ea typeface="+mn-ea"/>
-                <a:cs typeface="+mn-cs"/>
-              </a:defRPr>
-            </a:lvl3pPr>
-            <a:lvl4pPr marL="1600200" indent="-228600" algn="l" defTabSz="914400" rtl="0" eaLnBrk="1" latinLnBrk="0" hangingPunct="1">
-              <a:lnSpc>
-                <a:spcPct val="90000"/>
-              </a:lnSpc>
-              <a:spcBef>
-                <a:spcPts val="500"/>
-              </a:spcBef>
-              <a:buFont typeface="Arial" panose="020B0604020202020204" pitchFamily="34" charset="0"/>
-              <a:buChar char="•"/>
-              <a:defRPr sz="1600" kern="1200">
-                <a:solidFill>
-                  <a:schemeClr val="tx1"/>
-                </a:solidFill>
-                <a:latin typeface="+mn-lt"/>
-                <a:ea typeface="+mn-ea"/>
-                <a:cs typeface="+mn-cs"/>
-              </a:defRPr>
-            </a:lvl4pPr>
-            <a:lvl5pPr marL="2057400" indent="-228600" algn="l" defTabSz="914400" rtl="0" eaLnBrk="1" latinLnBrk="0" hangingPunct="1">
-              <a:lnSpc>
-                <a:spcPct val="90000"/>
-              </a:lnSpc>
-              <a:spcBef>
-                <a:spcPts val="500"/>
-              </a:spcBef>
-              <a:buFont typeface="Arial" panose="020B0604020202020204" pitchFamily="34" charset="0"/>
-              <a:buChar char="•"/>
-              <a:defRPr sz="1600" kern="1200">
-                <a:solidFill>
-                  <a:schemeClr val="tx1"/>
-                </a:solidFill>
-                <a:latin typeface="+mn-lt"/>
-                <a:ea typeface="+mn-ea"/>
-                <a:cs typeface="+mn-cs"/>
-              </a:defRPr>
-            </a:lvl5pPr>
-            <a:lvl6pPr marL="2514600" indent="-228600" algn="l" defTabSz="914400" rtl="0" eaLnBrk="1" latinLnBrk="0" hangingPunct="1">
-              <a:lnSpc>
-                <a:spcPct val="90000"/>
-              </a:lnSpc>
-              <a:spcBef>
-                <a:spcPts val="500"/>
-              </a:spcBef>
-              <a:buFont typeface="Arial" panose="020B0604020202020204" pitchFamily="34" charset="0"/>
-              <a:buChar char="•"/>
-              <a:defRPr sz="1600" kern="1200">
-                <a:solidFill>
-                  <a:schemeClr val="tx1"/>
-                </a:solidFill>
-                <a:latin typeface="+mn-lt"/>
-                <a:ea typeface="+mn-ea"/>
-                <a:cs typeface="+mn-cs"/>
-              </a:defRPr>
-            </a:lvl6pPr>
-            <a:lvl7pPr marL="2971800" indent="-228600" algn="l" defTabSz="914400" rtl="0" eaLnBrk="1" latinLnBrk="0" hangingPunct="1">
-              <a:lnSpc>
-                <a:spcPct val="90000"/>
-              </a:lnSpc>
-              <a:spcBef>
-                <a:spcPts val="500"/>
-              </a:spcBef>
-              <a:buFont typeface="Arial" panose="020B0604020202020204" pitchFamily="34" charset="0"/>
-              <a:buChar char="•"/>
-              <a:defRPr sz="1600" kern="1200">
-                <a:solidFill>
-                  <a:schemeClr val="tx1"/>
-                </a:solidFill>
-                <a:latin typeface="+mn-lt"/>
-                <a:ea typeface="+mn-ea"/>
-                <a:cs typeface="+mn-cs"/>
-              </a:defRPr>
-            </a:lvl7pPr>
-            <a:lvl8pPr marL="3429000" indent="-228600" algn="l" defTabSz="914400" rtl="0" eaLnBrk="1" latinLnBrk="0" hangingPunct="1">
-              <a:lnSpc>
-                <a:spcPct val="90000"/>
-              </a:lnSpc>
-              <a:spcBef>
-                <a:spcPts val="500"/>
-              </a:spcBef>
-              <a:buFont typeface="Arial" panose="020B0604020202020204" pitchFamily="34" charset="0"/>
-              <a:buChar char="•"/>
-              <a:defRPr sz="1600" kern="1200">
-                <a:solidFill>
-                  <a:schemeClr val="tx1"/>
-                </a:solidFill>
-                <a:latin typeface="+mn-lt"/>
-                <a:ea typeface="+mn-ea"/>
-                <a:cs typeface="+mn-cs"/>
-              </a:defRPr>
-            </a:lvl8pPr>
-            <a:lvl9pPr marL="3886200" indent="-228600" algn="l" defTabSz="914400" rtl="0" eaLnBrk="1" latinLnBrk="0" hangingPunct="1">
-              <a:lnSpc>
-                <a:spcPct val="90000"/>
-              </a:lnSpc>
-              <a:spcBef>
-                <a:spcPts val="500"/>
-              </a:spcBef>
-              <a:buFont typeface="Arial" panose="020B0604020202020204" pitchFamily="34" charset="0"/>
-              <a:buChar char="•"/>
-              <a:defRPr sz="1600" kern="1200">
-                <a:solidFill>
-                  <a:schemeClr val="tx1"/>
-                </a:solidFill>
-                <a:latin typeface="+mn-lt"/>
-                <a:ea typeface="+mn-ea"/>
-                <a:cs typeface="+mn-cs"/>
-              </a:defRPr>
-            </a:lvl9pPr>
-          </a:lstStyle>
-          <a:p>
-            <a:pPr marL="0" indent="0">
-              <a:buNone/>
-            </a:pPr>
-            <a:r>
-              <a:rPr lang="en-GB" sz="3200" dirty="0"/>
-              <a:t>The Aim: Efficiency and Consistency</a:t>
-            </a:r>
-            <a:br>
-              <a:rPr lang="en-GB" sz="3200" dirty="0"/>
-            </a:br>
-            <a:endParaRPr lang="en-GB" sz="3200" dirty="0"/>
-          </a:p>
-          <a:p>
-            <a:pPr marL="457200" indent="-457200"/>
-            <a:r>
-              <a:rPr lang="en-GB" sz="3200" dirty="0"/>
-              <a:t>Extract</a:t>
-            </a:r>
-          </a:p>
-          <a:p>
-            <a:pPr marL="457200" indent="-457200"/>
-            <a:r>
-              <a:rPr lang="en-GB" sz="3200" dirty="0"/>
-              <a:t>Cleaning</a:t>
-            </a:r>
-          </a:p>
-          <a:p>
-            <a:pPr marL="457200" indent="-457200"/>
-            <a:r>
-              <a:rPr lang="en-GB" sz="3200" dirty="0"/>
-              <a:t>Wrangling</a:t>
-            </a:r>
-          </a:p>
-        </p:txBody>
-      </p:sp>
-    </p:spTree>
-    <p:extLst>
-      <p:ext uri="{BB962C8B-B14F-4D97-AF65-F5344CB8AC3E}">
-        <p14:creationId xmlns:p14="http://schemas.microsoft.com/office/powerpoint/2010/main" val="2346789748"/>
-      </p:ext>
-    </p:extLst>
-  </p:cSld>
-  <p:clrMapOvr>
-    <a:masterClrMapping/>
-  </p:clrMapOvr>
-  <p:timing>
-    <p:tnLst>
-      <p:par>
-        <p:cTn id="1" dur="indefinite" restart="never" nodeType="tmRoot">
-          <p:childTnLst>
-            <p:seq concurrent="1" nextAc="seek">
-              <p:cTn id="2" dur="indefinite" nodeType="mainSeq">
-                <p:childTnLst>
-                  <p:par>
-                    <p:cTn id="3" fill="hold">
-                      <p:stCondLst>
-                        <p:cond delay="indefinite"/>
-                      </p:stCondLst>
-                      <p:childTnLst>
-                        <p:par>
-                          <p:cTn id="4" fill="hold">
-                            <p:stCondLst>
-                              <p:cond delay="0"/>
-                            </p:stCondLst>
-                            <p:childTnLst>
-                              <p:par>
-                                <p:cTn id="5" presetID="1" presetClass="entr" presetSubtype="0" fill="hold" nodeType="clickEffect">
-                                  <p:stCondLst>
-                                    <p:cond delay="0"/>
-                                  </p:stCondLst>
-                                  <p:childTnLst>
-                                    <p:set>
-                                      <p:cBhvr>
-                                        <p:cTn id="6" dur="1" fill="hold">
-                                          <p:stCondLst>
-                                            <p:cond delay="0"/>
-                                          </p:stCondLst>
-                                        </p:cTn>
-                                        <p:tgtEl>
-                                          <p:spTgt spid="7">
-                                            <p:txEl>
-                                              <p:pRg st="1" end="1"/>
-                                            </p:txEl>
-                                          </p:spTgt>
-                                        </p:tgtEl>
-                                        <p:attrNameLst>
-                                          <p:attrName>style.visibility</p:attrName>
-                                        </p:attrNameLst>
-                                      </p:cBhvr>
-                                      <p:to>
-                                        <p:strVal val="visible"/>
-                                      </p:to>
-                                    </p:set>
-                                  </p:childTnLst>
-                                </p:cTn>
-                              </p:par>
-                            </p:childTnLst>
-                          </p:cTn>
-                        </p:par>
-                      </p:childTnLst>
-                    </p:cTn>
-                  </p:par>
-                  <p:par>
-                    <p:cTn id="7" fill="hold">
-                      <p:stCondLst>
-                        <p:cond delay="indefinite"/>
-                      </p:stCondLst>
-                      <p:childTnLst>
-                        <p:par>
-                          <p:cTn id="8" fill="hold">
-                            <p:stCondLst>
-                              <p:cond delay="0"/>
-                            </p:stCondLst>
-                            <p:childTnLst>
-                              <p:par>
-                                <p:cTn id="9" presetID="1" presetClass="entr" presetSubtype="0" fill="hold" nodeType="clickEffect">
-                                  <p:stCondLst>
-                                    <p:cond delay="0"/>
-                                  </p:stCondLst>
-                                  <p:childTnLst>
-                                    <p:set>
-                                      <p:cBhvr>
-                                        <p:cTn id="10" dur="1" fill="hold">
-                                          <p:stCondLst>
-                                            <p:cond delay="0"/>
-                                          </p:stCondLst>
-                                        </p:cTn>
-                                        <p:tgtEl>
-                                          <p:spTgt spid="7">
-                                            <p:txEl>
-                                              <p:pRg st="2" end="2"/>
-                                            </p:txEl>
-                                          </p:spTgt>
-                                        </p:tgtEl>
-                                        <p:attrNameLst>
-                                          <p:attrName>style.visibility</p:attrName>
-                                        </p:attrNameLst>
-                                      </p:cBhvr>
-                                      <p:to>
-                                        <p:strVal val="visible"/>
-                                      </p:to>
-                                    </p:set>
-                                  </p:childTnLst>
-                                </p:cTn>
-                              </p:par>
-                            </p:childTnLst>
-                          </p:cTn>
-                        </p:par>
-                      </p:childTnLst>
-                    </p:cTn>
-                  </p:par>
-                  <p:par>
-                    <p:cTn id="11" fill="hold">
-                      <p:stCondLst>
-                        <p:cond delay="indefinite"/>
-                      </p:stCondLst>
-                      <p:childTnLst>
-                        <p:par>
-                          <p:cTn id="12" fill="hold">
-                            <p:stCondLst>
-                              <p:cond delay="0"/>
-                            </p:stCondLst>
-                            <p:childTnLst>
-                              <p:par>
-                                <p:cTn id="13" presetID="1" presetClass="entr" presetSubtype="0" fill="hold" nodeType="clickEffect">
-                                  <p:stCondLst>
-                                    <p:cond delay="0"/>
-                                  </p:stCondLst>
-                                  <p:childTnLst>
-                                    <p:set>
-                                      <p:cBhvr>
-                                        <p:cTn id="14" dur="1" fill="hold">
-                                          <p:stCondLst>
-                                            <p:cond delay="0"/>
-                                          </p:stCondLst>
-                                        </p:cTn>
-                                        <p:tgtEl>
-                                          <p:spTgt spid="7">
-                                            <p:txEl>
-                                              <p:pRg st="3" end="3"/>
-                                            </p:txEl>
-                                          </p:spTgt>
-                                        </p:tgtEl>
-                                        <p:attrNameLst>
-                                          <p:attrName>style.visibility</p:attrName>
-                                        </p:attrNameLst>
-                                      </p:cBhvr>
-                                      <p:to>
-                                        <p:strVal val="visible"/>
-                                      </p:to>
-                                    </p:set>
-                                  </p:childTnLst>
-                                </p:cTn>
-                              </p:par>
-                            </p:childTnLst>
-                          </p:cTn>
-                        </p:par>
-                      </p:childTnLst>
-                    </p:cTn>
-                  </p:par>
-                </p:childTnLst>
-              </p:cTn>
-              <p:prevCondLst>
-                <p:cond evt="onPrev" delay="0">
-                  <p:tgtEl>
-                    <p:sldTgt/>
-                  </p:tgtEl>
-                </p:cond>
-              </p:prevCondLst>
-              <p:nextCondLst>
-                <p:cond evt="onNext" delay="0">
-                  <p:tgtEl>
-                    <p:sldTgt/>
-                  </p:tgtEl>
-                </p:cond>
-              </p:nextCondLst>
-            </p:seq>
-          </p:childTnLst>
-        </p:cTn>
-      </p:par>
-    </p:tnLst>
-  </p:timing>
-</p:sld>
-</file>
-
 <file path=ppt/theme/theme1.xml><?xml version="1.0" encoding="utf-8"?>
 <a:theme xmlns:a="http://schemas.openxmlformats.org/drawingml/2006/main" name="Vapor Trail">
   <a:themeElements>

--- a/Presentation/PHS Rshiny Team Klas.pptx
+++ b/Presentation/PHS Rshiny Team Klas.pptx
@@ -3334,16 +3334,16 @@
     <dgm:cxn modelId="{ECEF413C-BE35-448A-9522-3D3D54254468}" srcId="{030E962A-76E0-4847-8A54-286286B2D799}" destId="{41F2200C-AD05-4650-986E-7E43342D946C}" srcOrd="1" destOrd="0" parTransId="{0101E088-C100-46C9-A9D7-36165FEA6668}" sibTransId="{2CEDC478-9BE7-4B48-B1A4-70AD584BEA4E}"/>
     <dgm:cxn modelId="{9E79CC3D-FDBE-458C-A7DB-1576198AB168}" type="presOf" srcId="{E97E7760-BCB4-40FF-B33C-D766017CDE38}" destId="{5A8282FB-4B7A-4AD8-A844-38613DC56DAF}" srcOrd="0" destOrd="0" presId="urn:microsoft.com/office/officeart/2005/8/layout/hierarchy1"/>
     <dgm:cxn modelId="{8E266C3F-3063-48E6-893E-6A6C864B3CC7}" srcId="{F6B05313-17A0-4AB3-803C-A37E1D9DC8AD}" destId="{4CCDA106-4E68-4EEF-8DE8-3A2DE2AAC6CE}" srcOrd="2" destOrd="0" parTransId="{9CCAE473-E565-4A18-B094-369C79A99231}" sibTransId="{F22EFFA0-32DE-4ADA-B326-D434CA255A91}"/>
-    <dgm:cxn modelId="{7633D45B-75A3-4B64-8F40-E6C7FC14E61D}" type="presOf" srcId="{84A0A49A-101C-44BD-9096-4D9D27A2047A}" destId="{1F34B950-2CF1-4594-89A8-FCAED28DD31C}" srcOrd="0" destOrd="0" presId="urn:microsoft.com/office/officeart/2005/8/layout/hierarchy1"/>
     <dgm:cxn modelId="{5528CE41-1354-4437-A89E-D683AC68A33C}" type="presOf" srcId="{69FF811B-57FA-4B21-A1A9-32B7D115A71B}" destId="{4B16B58A-66D6-4766-8019-FA2AA49FDFD3}" srcOrd="0" destOrd="0" presId="urn:microsoft.com/office/officeart/2005/8/layout/hierarchy1"/>
-    <dgm:cxn modelId="{3CBC3E68-1435-42AB-88D8-C191D426F0D3}" type="presOf" srcId="{8730EAF7-A00C-4CA3-A519-4DBA56E22B8E}" destId="{62C161A4-A805-4497-A185-4C4AD0DC346F}" srcOrd="0" destOrd="0" presId="urn:microsoft.com/office/officeart/2005/8/layout/hierarchy1"/>
     <dgm:cxn modelId="{7E482A49-6674-437D-A1FA-5CA44FFD2788}" type="presOf" srcId="{41F2200C-AD05-4650-986E-7E43342D946C}" destId="{EC5E0582-053B-45ED-B161-5A628C337283}" srcOrd="0" destOrd="0" presId="urn:microsoft.com/office/officeart/2005/8/layout/hierarchy1"/>
-    <dgm:cxn modelId="{254B6669-2444-4565-BD38-BB16ED663472}" srcId="{0C2E63C9-1FB3-4925-B93D-B84C946B3E8F}" destId="{030E962A-76E0-4847-8A54-286286B2D799}" srcOrd="0" destOrd="0" parTransId="{CD8A1693-0D62-4D97-A208-2C406E3AA36B}" sibTransId="{6A95ECEF-1073-455D-9F6F-7BC18CDB5C83}"/>
     <dgm:cxn modelId="{235AD149-EEA6-465B-A30F-89F4D3713D36}" type="presOf" srcId="{BD1EFC9C-4660-4D6E-85B9-EB6308F65CDF}" destId="{164B723B-5840-4CD2-8B85-56E67C9FE295}" srcOrd="0" destOrd="0" presId="urn:microsoft.com/office/officeart/2005/8/layout/hierarchy1"/>
     <dgm:cxn modelId="{E1006150-D6AC-4CEA-964E-27FDC7B1C855}" srcId="{F6B05313-17A0-4AB3-803C-A37E1D9DC8AD}" destId="{DD5903CF-0A8B-402A-8737-7900DB01DD7E}" srcOrd="1" destOrd="0" parTransId="{E2EC919D-7B74-4327-AAC1-9B325B6B91C4}" sibTransId="{D470B398-434F-43EF-BFFD-9EFEF688682C}"/>
     <dgm:cxn modelId="{A5E76151-5CB4-43E5-9BEC-0A7193AC10EF}" srcId="{773DBC6C-79E7-48EC-A149-1F472EADBE9F}" destId="{B74BC26F-2650-4007-9719-EC94FC8F701B}" srcOrd="1" destOrd="0" parTransId="{9A97EE1F-BECC-48DE-B68B-6A4971AF81D6}" sibTransId="{5BD0C45C-48D9-4EA9-AC1E-AB38575A30F6}"/>
     <dgm:cxn modelId="{A402D753-C11A-4D2E-B913-FA4A725119B6}" type="presOf" srcId="{3527A812-159B-463E-9E09-C3E3F9AD4221}" destId="{3391D4D1-639F-4452-BC33-9BBEBA2669D7}" srcOrd="0" destOrd="0" presId="urn:microsoft.com/office/officeart/2005/8/layout/hierarchy1"/>
     <dgm:cxn modelId="{C927B755-F666-4B42-8B2F-D435C73E80CB}" srcId="{A019119E-7225-4093-9BCD-F263E6F9C913}" destId="{CA7B42AC-869E-4EE4-A627-EDA39ECB1A6A}" srcOrd="1" destOrd="0" parTransId="{2C456AA3-996F-4C6F-AFA9-08BCFEF25906}" sibTransId="{D59C8CAF-547B-41AE-A81E-C82E14386257}"/>
+    <dgm:cxn modelId="{7633D45B-75A3-4B64-8F40-E6C7FC14E61D}" type="presOf" srcId="{84A0A49A-101C-44BD-9096-4D9D27A2047A}" destId="{1F34B950-2CF1-4594-89A8-FCAED28DD31C}" srcOrd="0" destOrd="0" presId="urn:microsoft.com/office/officeart/2005/8/layout/hierarchy1"/>
+    <dgm:cxn modelId="{3CBC3E68-1435-42AB-88D8-C191D426F0D3}" type="presOf" srcId="{8730EAF7-A00C-4CA3-A519-4DBA56E22B8E}" destId="{62C161A4-A805-4497-A185-4C4AD0DC346F}" srcOrd="0" destOrd="0" presId="urn:microsoft.com/office/officeart/2005/8/layout/hierarchy1"/>
+    <dgm:cxn modelId="{254B6669-2444-4565-BD38-BB16ED663472}" srcId="{0C2E63C9-1FB3-4925-B93D-B84C946B3E8F}" destId="{030E962A-76E0-4847-8A54-286286B2D799}" srcOrd="0" destOrd="0" parTransId="{CD8A1693-0D62-4D97-A208-2C406E3AA36B}" sibTransId="{6A95ECEF-1073-455D-9F6F-7BC18CDB5C83}"/>
     <dgm:cxn modelId="{E5D3FD7A-D62D-457D-9971-005A647C8249}" type="presOf" srcId="{0101E088-C100-46C9-A9D7-36165FEA6668}" destId="{E8B36A7A-F65E-4950-AE4B-5045CC7AED9D}" srcOrd="0" destOrd="0" presId="urn:microsoft.com/office/officeart/2005/8/layout/hierarchy1"/>
     <dgm:cxn modelId="{84F15A7D-9A6A-45A6-A58A-E0C3C623AF9F}" srcId="{A019119E-7225-4093-9BCD-F263E6F9C913}" destId="{F6B05313-17A0-4AB3-803C-A37E1D9DC8AD}" srcOrd="0" destOrd="0" parTransId="{16EB5736-6EDA-480D-8DFD-C381D051CD78}" sibTransId="{A7B08410-0015-4A68-B252-25306CBFE4C1}"/>
     <dgm:cxn modelId="{6B4CC97D-FC54-4FD9-AA5C-4F733B5369C6}" type="presOf" srcId="{030E962A-76E0-4847-8A54-286286B2D799}" destId="{BA0AFE05-999A-4818-84ED-ED98DF3EB5A6}" srcOrd="0" destOrd="0" presId="urn:microsoft.com/office/officeart/2005/8/layout/hierarchy1"/>
@@ -14814,7 +14814,7 @@
           <a:p>
             <a:fld id="{24D6E255-0C17-194D-89AA-82B24F597BBC}" type="datetimeFigureOut">
               <a:rPr lang="en-US" smtClean="0"/>
-              <a:t>2/4/2022</a:t>
+              <a:t>2/4/22</a:t>
             </a:fld>
             <a:endParaRPr lang="en-US"/>
           </a:p>
@@ -16113,7 +16113,7 @@
           <a:p>
             <a:fld id="{48A87A34-81AB-432B-8DAE-1953F412C126}" type="datetimeFigureOut">
               <a:rPr lang="en-US" dirty="0"/>
-              <a:t>2/4/2022</a:t>
+              <a:t>2/4/22</a:t>
             </a:fld>
             <a:endParaRPr lang="en-US" dirty="0"/>
           </a:p>
@@ -16375,7 +16375,7 @@
           <a:p>
             <a:fld id="{48A87A34-81AB-432B-8DAE-1953F412C126}" type="datetimeFigureOut">
               <a:rPr lang="en-US" dirty="0"/>
-              <a:t>2/4/2022</a:t>
+              <a:t>2/4/22</a:t>
             </a:fld>
             <a:endParaRPr lang="en-US" dirty="0"/>
           </a:p>
@@ -16602,7 +16602,7 @@
             <a:fld id="{48A87A34-81AB-432B-8DAE-1953F412C126}" type="datetimeFigureOut">
               <a:rPr lang="en-US" dirty="0"/>
               <a:pPr/>
-              <a:t>2/4/2022</a:t>
+              <a:t>2/4/22</a:t>
             </a:fld>
             <a:endParaRPr lang="en-US" dirty="0"/>
           </a:p>
@@ -16908,7 +16908,7 @@
             <a:fld id="{48A87A34-81AB-432B-8DAE-1953F412C126}" type="datetimeFigureOut">
               <a:rPr lang="en-US" dirty="0"/>
               <a:pPr/>
-              <a:t>2/4/2022</a:t>
+              <a:t>2/4/22</a:t>
             </a:fld>
             <a:endParaRPr lang="en-US" dirty="0"/>
           </a:p>
@@ -17377,7 +17377,7 @@
             <a:fld id="{48A87A34-81AB-432B-8DAE-1953F412C126}" type="datetimeFigureOut">
               <a:rPr lang="en-US" dirty="0"/>
               <a:pPr/>
-              <a:t>2/4/2022</a:t>
+              <a:t>2/4/22</a:t>
             </a:fld>
             <a:endParaRPr lang="en-US" dirty="0"/>
           </a:p>
@@ -17919,7 +17919,7 @@
           <a:p>
             <a:fld id="{48A87A34-81AB-432B-8DAE-1953F412C126}" type="datetimeFigureOut">
               <a:rPr lang="en-US" dirty="0"/>
-              <a:t>2/4/2022</a:t>
+              <a:t>2/4/22</a:t>
             </a:fld>
             <a:endParaRPr lang="en-US" dirty="0"/>
           </a:p>
@@ -18688,7 +18688,7 @@
           <a:p>
             <a:fld id="{48A87A34-81AB-432B-8DAE-1953F412C126}" type="datetimeFigureOut">
               <a:rPr lang="en-US" dirty="0"/>
-              <a:t>2/4/2022</a:t>
+              <a:t>2/4/22</a:t>
             </a:fld>
             <a:endParaRPr lang="en-US" dirty="0"/>
           </a:p>
@@ -18858,7 +18858,7 @@
           <a:p>
             <a:fld id="{48A87A34-81AB-432B-8DAE-1953F412C126}" type="datetimeFigureOut">
               <a:rPr lang="en-US" dirty="0"/>
-              <a:t>2/4/2022</a:t>
+              <a:t>2/4/22</a:t>
             </a:fld>
             <a:endParaRPr lang="en-US" dirty="0"/>
           </a:p>
@@ -19077,7 +19077,7 @@
             <a:fld id="{48A87A34-81AB-432B-8DAE-1953F412C126}" type="datetimeFigureOut">
               <a:rPr lang="en-US" dirty="0"/>
               <a:pPr/>
-              <a:t>2/4/2022</a:t>
+              <a:t>2/4/22</a:t>
             </a:fld>
             <a:endParaRPr lang="en-US" dirty="0"/>
           </a:p>
@@ -19260,7 +19260,7 @@
           <a:p>
             <a:fld id="{48A87A34-81AB-432B-8DAE-1953F412C126}" type="datetimeFigureOut">
               <a:rPr lang="en-US" dirty="0"/>
-              <a:t>2/4/2022</a:t>
+              <a:t>2/4/22</a:t>
             </a:fld>
             <a:endParaRPr lang="en-US" dirty="0"/>
           </a:p>
@@ -19545,7 +19545,7 @@
             <a:fld id="{48A87A34-81AB-432B-8DAE-1953F412C126}" type="datetimeFigureOut">
               <a:rPr lang="en-US" dirty="0"/>
               <a:pPr/>
-              <a:t>2/4/2022</a:t>
+              <a:t>2/4/22</a:t>
             </a:fld>
             <a:endParaRPr lang="en-US" dirty="0"/>
           </a:p>
@@ -19782,7 +19782,7 @@
           <a:p>
             <a:fld id="{48A87A34-81AB-432B-8DAE-1953F412C126}" type="datetimeFigureOut">
               <a:rPr lang="en-US" dirty="0"/>
-              <a:t>2/4/2022</a:t>
+              <a:t>2/4/22</a:t>
             </a:fld>
             <a:endParaRPr lang="en-US" dirty="0"/>
           </a:p>
@@ -20156,7 +20156,7 @@
           <a:p>
             <a:fld id="{48A87A34-81AB-432B-8DAE-1953F412C126}" type="datetimeFigureOut">
               <a:rPr lang="en-US" dirty="0"/>
-              <a:t>2/4/2022</a:t>
+              <a:t>2/4/22</a:t>
             </a:fld>
             <a:endParaRPr lang="en-US" dirty="0"/>
           </a:p>
@@ -20269,7 +20269,7 @@
           <a:p>
             <a:fld id="{48A87A34-81AB-432B-8DAE-1953F412C126}" type="datetimeFigureOut">
               <a:rPr lang="en-US" dirty="0"/>
-              <a:t>2/4/2022</a:t>
+              <a:t>2/4/22</a:t>
             </a:fld>
             <a:endParaRPr lang="en-US" dirty="0"/>
           </a:p>
@@ -20359,7 +20359,7 @@
           <a:p>
             <a:fld id="{48A87A34-81AB-432B-8DAE-1953F412C126}" type="datetimeFigureOut">
               <a:rPr lang="en-US" dirty="0"/>
-              <a:t>2/4/2022</a:t>
+              <a:t>2/4/22</a:t>
             </a:fld>
             <a:endParaRPr lang="en-US" dirty="0"/>
           </a:p>
@@ -20603,7 +20603,7 @@
           <a:p>
             <a:fld id="{48A87A34-81AB-432B-8DAE-1953F412C126}" type="datetimeFigureOut">
               <a:rPr lang="en-US" dirty="0"/>
-              <a:t>2/4/2022</a:t>
+              <a:t>2/4/22</a:t>
             </a:fld>
             <a:endParaRPr lang="en-US" dirty="0"/>
           </a:p>
@@ -20855,7 +20855,7 @@
           <a:p>
             <a:fld id="{48A87A34-81AB-432B-8DAE-1953F412C126}" type="datetimeFigureOut">
               <a:rPr lang="en-US" dirty="0"/>
-              <a:t>2/4/2022</a:t>
+              <a:t>2/4/22</a:t>
             </a:fld>
             <a:endParaRPr lang="en-US" dirty="0"/>
           </a:p>
@@ -21094,7 +21094,7 @@
             <a:fld id="{48A87A34-81AB-432B-8DAE-1953F412C126}" type="datetimeFigureOut">
               <a:rPr lang="en-US" dirty="0"/>
               <a:pPr/>
-              <a:t>2/4/2022</a:t>
+              <a:t>2/4/22</a:t>
             </a:fld>
             <a:endParaRPr lang="en-US" dirty="0"/>
           </a:p>
@@ -25310,7 +25310,7 @@
                             </p:stCondLst>
                             <p:childTnLst>
                               <p:par>
-                                <p:cTn id="5" presetID="10" presetClass="entr" presetSubtype="0" fill="hold" grpId="0" nodeType="clickEffect">
+                                <p:cTn id="5" presetID="1" presetClass="entr" presetSubtype="0" fill="hold" nodeType="clickEffect">
                                   <p:stCondLst>
                                     <p:cond delay="0"/>
                                   </p:stCondLst>
@@ -25337,30 +25337,36 @@
                                         <p:strVal val="visible"/>
                                       </p:to>
                                     </p:set>
-                                    <p:animEffect transition="in" filter="fade">
-                                      <p:cBhvr>
-                                        <p:cTn id="7" dur="500"/>
-                                        <p:tgtEl>
-                                          <p:spTgt spid="3">
-                                            <p:txEl>
-                                              <p:pRg st="0" end="0"/>
-                                            </p:txEl>
-                                          </p:spTgt>
-                                        </p:tgtEl>
-                                      </p:cBhvr>
-                                    </p:animEffect>
                                   </p:childTnLst>
                                 </p:cTn>
                               </p:par>
+                            </p:childTnLst>
+                          </p:cTn>
+                        </p:par>
+                      </p:childTnLst>
+                    </p:cTn>
+                  </p:par>
+                  <p:par>
+                    <p:cTn id="7" fill="hold">
+                      <p:stCondLst>
+                        <p:cond delay="indefinite"/>
+                      </p:stCondLst>
+                      <p:childTnLst>
+                        <p:par>
+                          <p:cTn id="8" fill="hold">
+                            <p:stCondLst>
+                              <p:cond delay="0"/>
+                            </p:stCondLst>
+                            <p:childTnLst>
                               <p:par>
-                                <p:cTn id="8" presetID="10" presetClass="entr" presetSubtype="0" fill="hold" grpId="0" nodeType="withEffect">
+                                <p:cTn id="9" presetID="1" presetClass="entr" presetSubtype="0" fill="hold" nodeType="clickEffect">
                                   <p:stCondLst>
                                     <p:cond delay="0"/>
                                   </p:stCondLst>
                                   <p:childTnLst>
                                     <p:set>
                                       <p:cBhvr>
-                                        <p:cTn id="9" dur="1" fill="hold">
+                                        <p:cTn id="10" dur="1" fill="hold">
                                           <p:stCondLst>
                                             <p:cond delay="0"/>
                                           </p:stCondLst>
@@ -25380,30 +25386,36 @@
                                         <p:strVal val="visible"/>
                                       </p:to>
                                     </p:set>
-                                    <p:animEffect transition="in" filter="fade">
-                                      <p:cBhvr>
-                                        <p:cTn id="10" dur="500"/>
-                                        <p:tgtEl>
-                                          <p:spTgt spid="3">
-                                            <p:txEl>
-                                              <p:pRg st="1" end="1"/>
-                                            </p:txEl>
-                                          </p:spTgt>
-                                        </p:tgtEl>
-                                      </p:cBhvr>
-                                    </p:animEffect>
                                   </p:childTnLst>
                                 </p:cTn>
                               </p:par>
+                            </p:childTnLst>
+                          </p:cTn>
+                        </p:par>
+                      </p:childTnLst>
+                    </p:cTn>
+                  </p:par>
+                  <p:par>
+                    <p:cTn id="11" fill="hold">
+                      <p:stCondLst>
+                        <p:cond delay="indefinite"/>
+                      </p:stCondLst>
+                      <p:childTnLst>
+                        <p:par>
+                          <p:cTn id="12" fill="hold">
+                            <p:stCondLst>
+                              <p:cond delay="0"/>
+                            </p:stCondLst>
+                            <p:childTnLst>
                               <p:par>
-                                <p:cTn id="11" presetID="10" presetClass="entr" presetSubtype="0" fill="hold" grpId="0" nodeType="withEffect">
+                                <p:cTn id="13" presetID="1" presetClass="entr" presetSubtype="0" fill="hold" nodeType="clickEffect">
                                   <p:stCondLst>
                                     <p:cond delay="0"/>
                                   </p:stCondLst>
                                   <p:childTnLst>
                                     <p:set>
                                       <p:cBhvr>
-                                        <p:cTn id="12" dur="1" fill="hold">
+                                        <p:cTn id="14" dur="1" fill="hold">
                                           <p:stCondLst>
                                             <p:cond delay="0"/>
                                           </p:stCondLst>
@@ -25423,30 +25435,36 @@
                                         <p:strVal val="visible"/>
                                       </p:to>
                                     </p:set>
-                                    <p:animEffect transition="in" filter="fade">
-                                      <p:cBhvr>
-                                        <p:cTn id="13" dur="500"/>
-                                        <p:tgtEl>
-                                          <p:spTgt spid="3">
-                                            <p:txEl>
-                                              <p:pRg st="2" end="2"/>
-                                            </p:txEl>
-                                          </p:spTgt>
-                                        </p:tgtEl>
-                                      </p:cBhvr>
-                                    </p:animEffect>
                                   </p:childTnLst>
                                 </p:cTn>
                               </p:par>
+                            </p:childTnLst>
+                          </p:cTn>
+                        </p:par>
+                      </p:childTnLst>
+                    </p:cTn>
+                  </p:par>
+                  <p:par>
+                    <p:cTn id="15" fill="hold">
+                      <p:stCondLst>
+                        <p:cond delay="indefinite"/>
+                      </p:stCondLst>
+                      <p:childTnLst>
+                        <p:par>
+                          <p:cTn id="16" fill="hold">
+                            <p:stCondLst>
+                              <p:cond delay="0"/>
+                            </p:stCondLst>
+                            <p:childTnLst>
                               <p:par>
-                                <p:cTn id="14" presetID="10" presetClass="entr" presetSubtype="0" fill="hold" grpId="0" nodeType="withEffect">
+                                <p:cTn id="17" presetID="1" presetClass="entr" presetSubtype="0" fill="hold" nodeType="clickEffect">
                                   <p:stCondLst>
                                     <p:cond delay="0"/>
                                   </p:stCondLst>
                                   <p:childTnLst>
                                     <p:set>
                                       <p:cBhvr>
-                                        <p:cTn id="15" dur="1" fill="hold">
+                                        <p:cTn id="18" dur="1" fill="hold">
                                           <p:stCondLst>
                                             <p:cond delay="0"/>
                                           </p:stCondLst>
@@ -25466,30 +25484,36 @@
                                         <p:strVal val="visible"/>
                                       </p:to>
                                     </p:set>
-                                    <p:animEffect transition="in" filter="fade">
-                                      <p:cBhvr>
-                                        <p:cTn id="16" dur="500"/>
-                                        <p:tgtEl>
-                                          <p:spTgt spid="3">
-                                            <p:txEl>
-                                              <p:pRg st="3" end="3"/>
-                                            </p:txEl>
-                                          </p:spTgt>
-                                        </p:tgtEl>
-                                      </p:cBhvr>
-                                    </p:animEffect>
                                   </p:childTnLst>
                                 </p:cTn>
                               </p:par>
+                            </p:childTnLst>
+                          </p:cTn>
+                        </p:par>
+                      </p:childTnLst>
+                    </p:cTn>
+                  </p:par>
+                  <p:par>
+                    <p:cTn id="19" fill="hold">
+                      <p:stCondLst>
+                        <p:cond delay="indefinite"/>
+                      </p:stCondLst>
+                      <p:childTnLst>
+                        <p:par>
+                          <p:cTn id="20" fill="hold">
+                            <p:stCondLst>
+                              <p:cond delay="0"/>
+                            </p:stCondLst>
+                            <p:childTnLst>
                               <p:par>
-                                <p:cTn id="17" presetID="10" presetClass="entr" presetSubtype="0" fill="hold" grpId="0" nodeType="withEffect">
+                                <p:cTn id="21" presetID="1" presetClass="entr" presetSubtype="0" fill="hold" nodeType="clickEffect">
                                   <p:stCondLst>
                                     <p:cond delay="0"/>
                                   </p:stCondLst>
                                   <p:childTnLst>
                                     <p:set>
                                       <p:cBhvr>
-                                        <p:cTn id="18" dur="1" fill="hold">
+                                        <p:cTn id="22" dur="1" fill="hold">
                                           <p:stCondLst>
                                             <p:cond delay="0"/>
                                           </p:stCondLst>
@@ -25509,30 +25533,36 @@
                                         <p:strVal val="visible"/>
                                       </p:to>
                                     </p:set>
-                                    <p:animEffect transition="in" filter="fade">
-                                      <p:cBhvr>
-                                        <p:cTn id="19" dur="500"/>
-                                        <p:tgtEl>
-                                          <p:spTgt spid="3">
-                                            <p:txEl>
-                                              <p:pRg st="4" end="4"/>
-                                            </p:txEl>
-                                          </p:spTgt>
-                                        </p:tgtEl>
-                                      </p:cBhvr>
-                                    </p:animEffect>
                                   </p:childTnLst>
                                 </p:cTn>
                               </p:par>
+                            </p:childTnLst>
+                          </p:cTn>
+                        </p:par>
+                      </p:childTnLst>
+                    </p:cTn>
+                  </p:par>
+                  <p:par>
+                    <p:cTn id="23" fill="hold">
+                      <p:stCondLst>
+                        <p:cond delay="indefinite"/>
+                      </p:stCondLst>
+                      <p:childTnLst>
+                        <p:par>
+                          <p:cTn id="24" fill="hold">
+                            <p:stCondLst>
+                              <p:cond delay="0"/>
+                            </p:stCondLst>
+                            <p:childTnLst>
                               <p:par>
-                                <p:cTn id="20" presetID="10" presetClass="entr" presetSubtype="0" fill="hold" grpId="0" nodeType="withEffect">
+                                <p:cTn id="25" presetID="1" presetClass="entr" presetSubtype="0" fill="hold" nodeType="clickEffect">
                                   <p:stCondLst>
                                     <p:cond delay="0"/>
                                   </p:stCondLst>
                                   <p:childTnLst>
                                     <p:set>
                                       <p:cBhvr>
-                                        <p:cTn id="21" dur="1" fill="hold">
+                                        <p:cTn id="26" dur="1" fill="hold">
                                           <p:stCondLst>
                                             <p:cond delay="0"/>
                                           </p:stCondLst>
@@ -25552,30 +25582,36 @@
                                         <p:strVal val="visible"/>
                                       </p:to>
                                     </p:set>
-                                    <p:animEffect transition="in" filter="fade">
-                                      <p:cBhvr>
-                                        <p:cTn id="22" dur="500"/>
-                                        <p:tgtEl>
-                                          <p:spTgt spid="3">
-                                            <p:txEl>
-                                              <p:pRg st="5" end="5"/>
-                                            </p:txEl>
-                                          </p:spTgt>
-                                        </p:tgtEl>
-                                      </p:cBhvr>
-                                    </p:animEffect>
                                   </p:childTnLst>
                                 </p:cTn>
                               </p:par>
+                            </p:childTnLst>
+                          </p:cTn>
+                        </p:par>
+                      </p:childTnLst>
+                    </p:cTn>
+                  </p:par>
+                  <p:par>
+                    <p:cTn id="27" fill="hold">
+                      <p:stCondLst>
+                        <p:cond delay="indefinite"/>
+                      </p:stCondLst>
+                      <p:childTnLst>
+                        <p:par>
+                          <p:cTn id="28" fill="hold">
+                            <p:stCondLst>
+                              <p:cond delay="0"/>
+                            </p:stCondLst>
+                            <p:childTnLst>
                               <p:par>
-                                <p:cTn id="23" presetID="10" presetClass="entr" presetSubtype="0" fill="hold" grpId="0" nodeType="withEffect">
+                                <p:cTn id="29" presetID="1" presetClass="entr" presetSubtype="0" fill="hold" nodeType="clickEffect">
                                   <p:stCondLst>
                                     <p:cond delay="0"/>
                                   </p:stCondLst>
                                   <p:childTnLst>
                                     <p:set>
                                       <p:cBhvr>
-                                        <p:cTn id="24" dur="1" fill="hold">
+                                        <p:cTn id="30" dur="1" fill="hold">
                                           <p:stCondLst>
                                             <p:cond delay="0"/>
                                           </p:stCondLst>
@@ -25595,30 +25631,36 @@
                                         <p:strVal val="visible"/>
                                       </p:to>
                                     </p:set>
-                                    <p:animEffect transition="in" filter="fade">
-                                      <p:cBhvr>
-                                        <p:cTn id="25" dur="500"/>
-                                        <p:tgtEl>
-                                          <p:spTgt spid="3">
-                                            <p:txEl>
-                                              <p:pRg st="6" end="6"/>
-                                            </p:txEl>
-                                          </p:spTgt>
-                                        </p:tgtEl>
-                                      </p:cBhvr>
-                                    </p:animEffect>
                                   </p:childTnLst>
                                 </p:cTn>
                               </p:par>
+                            </p:childTnLst>
+                          </p:cTn>
+                        </p:par>
+                      </p:childTnLst>
+                    </p:cTn>
+                  </p:par>
+                  <p:par>
+                    <p:cTn id="31" fill="hold">
+                      <p:stCondLst>
+                        <p:cond delay="indefinite"/>
+                      </p:stCondLst>
+                      <p:childTnLst>
+                        <p:par>
+                          <p:cTn id="32" fill="hold">
+                            <p:stCondLst>
+                              <p:cond delay="0"/>
+                            </p:stCondLst>
+                            <p:childTnLst>
                               <p:par>
-                                <p:cTn id="26" presetID="10" presetClass="entr" presetSubtype="0" fill="hold" grpId="0" nodeType="withEffect">
+                                <p:cTn id="33" presetID="1" presetClass="entr" presetSubtype="0" fill="hold" nodeType="clickEffect">
                                   <p:stCondLst>
                                     <p:cond delay="0"/>
                                   </p:stCondLst>
                                   <p:childTnLst>
                                     <p:set>
                                       <p:cBhvr>
-                                        <p:cTn id="27" dur="1" fill="hold">
+                                        <p:cTn id="34" dur="1" fill="hold">
                                           <p:stCondLst>
                                             <p:cond delay="0"/>
                                           </p:stCondLst>
@@ -25638,30 +25680,36 @@
                                         <p:strVal val="visible"/>
                                       </p:to>
                                     </p:set>
-                                    <p:animEffect transition="in" filter="fade">
-                                      <p:cBhvr>
-                                        <p:cTn id="28" dur="500"/>
-                                        <p:tgtEl>
-                                          <p:spTgt spid="3">
-                                            <p:txEl>
-                                              <p:pRg st="7" end="7"/>
-                                            </p:txEl>
-                                          </p:spTgt>
-                                        </p:tgtEl>
-                                      </p:cBhvr>
-                                    </p:animEffect>
                                   </p:childTnLst>
                                 </p:cTn>
                               </p:par>
+                            </p:childTnLst>
+                          </p:cTn>
+                        </p:par>
+                      </p:childTnLst>
+                    </p:cTn>
+                  </p:par>
+                  <p:par>
+                    <p:cTn id="35" fill="hold">
+                      <p:stCondLst>
+                        <p:cond delay="indefinite"/>
+                      </p:stCondLst>
+                      <p:childTnLst>
+                        <p:par>
+                          <p:cTn id="36" fill="hold">
+                            <p:stCondLst>
+                              <p:cond delay="0"/>
+                            </p:stCondLst>
+                            <p:childTnLst>
                               <p:par>
-                                <p:cTn id="29" presetID="10" presetClass="entr" presetSubtype="0" fill="hold" grpId="0" nodeType="withEffect">
+                                <p:cTn id="37" presetID="1" presetClass="entr" presetSubtype="0" fill="hold" nodeType="clickEffect">
                                   <p:stCondLst>
                                     <p:cond delay="0"/>
                                   </p:stCondLst>
                                   <p:childTnLst>
                                     <p:set>
                                       <p:cBhvr>
-                                        <p:cTn id="30" dur="1" fill="hold">
+                                        <p:cTn id="38" dur="1" fill="hold">
                                           <p:stCondLst>
                                             <p:cond delay="0"/>
                                           </p:stCondLst>
@@ -25681,18 +25729,6 @@
                                         <p:strVal val="visible"/>
                                       </p:to>
                                     </p:set>
-                                    <p:animEffect transition="in" filter="fade">
-                                      <p:cBhvr>
-                                        <p:cTn id="31" dur="500"/>
-                                        <p:tgtEl>
-                                          <p:spTgt spid="3">
-                                            <p:txEl>
-                                              <p:pRg st="8" end="8"/>
-                                            </p:txEl>
-                                          </p:spTgt>
-                                        </p:tgtEl>
-                                      </p:cBhvr>
-                                    </p:animEffect>
                                   </p:childTnLst>
                                 </p:cTn>
                               </p:par>
@@ -25723,9 +25759,6 @@
         </p:cTn>
       </p:par>
     </p:tnLst>
-    <p:bldLst>
-      <p:bldP spid="3" grpId="0" uiExpand="1" build="p"/>
-    </p:bldLst>
   </p:timing>
 </p:sld>
 </file>

--- a/Presentation/PHS Rshiny Team Klas.pptx
+++ b/Presentation/PHS Rshiny Team Klas.pptx
@@ -26902,7 +26902,7 @@
             </a:pPr>
             <a:r>
               <a:rPr lang="en-GB" sz="3200" dirty="0"/>
-              <a:t>How does winter affect hospital activity? A&amp;E/Department activity/ by time</a:t>
+              <a:t>How does winter affect hospital activity? </a:t>
             </a:r>
             <a:br>
               <a:rPr lang="en-GB" sz="3200" dirty="0"/>

--- a/Presentation/PHS Rshiny Team Klas.pptx
+++ b/Presentation/PHS Rshiny Team Klas.pptx
@@ -23265,8 +23265,8 @@
           </a:p>
         </p:txBody>
       </p:sp>
-      <mc:AlternateContent xmlns:mc="http://schemas.openxmlformats.org/markup-compatibility/2006" xmlns:a14="http://schemas.microsoft.com/office/drawing/2010/main">
-        <mc:Choice Requires="a14">
+      <mc:AlternateContent xmlns:mc="http://schemas.openxmlformats.org/markup-compatibility/2006">
+        <mc:Choice xmlns:a14="http://schemas.microsoft.com/office/drawing/2010/main" Requires="a14">
           <p:graphicFrame>
             <p:nvGraphicFramePr>
               <p:cNvPr id="4" name="Table 4">
@@ -23282,14 +23282,14 @@
               <p:nvPr>
                 <p:extLst>
                   <p:ext uri="{D42A27DB-BD31-4B8C-83A1-F6EECF244321}">
-                    <p14:modId xmlns:p14="http://schemas.microsoft.com/office/powerpoint/2010/main" val="2705779665"/>
+                    <p14:modId xmlns:p14="http://schemas.microsoft.com/office/powerpoint/2010/main" val="1935570033"/>
                   </p:ext>
                 </p:extLst>
               </p:nvPr>
             </p:nvGraphicFramePr>
             <p:xfrm>
               <a:off x="1148751" y="2079711"/>
-              <a:ext cx="9894498" cy="4015643"/>
+              <a:ext cx="9894498" cy="4363636"/>
             </p:xfrm>
             <a:graphic>
               <a:graphicData uri="http://schemas.openxmlformats.org/drawingml/2006/table">
@@ -23832,7 +23832,7 @@
                               </a:solidFill>
                               <a:effectLst/>
                             </a:rPr>
-                            <a:t>Test Type: 2 sample dependent</a:t>
+                            <a:t>Test Type: One-tailed two sample dependent</a:t>
                           </a:r>
                           <a:endParaRPr lang="en-GB" sz="1800" b="1" i="0" kern="1200" dirty="0">
                             <a:solidFill>
@@ -24256,7 +24256,7 @@
                               </a:solidFill>
                               <a:effectLst/>
                             </a:rPr>
-                            <a:t>Test Type: 2 sample independent</a:t>
+                            <a:t>Test Type: One-tailed two sample independent</a:t>
                           </a:r>
                           <a:endParaRPr lang="en-GB" sz="1800" b="1" i="0" kern="1200" dirty="0">
                             <a:solidFill>
@@ -24277,7 +24277,7 @@
                       </a:ext>
                     </a:extLst>
                   </a:tr>
-                  <a:tr h="843265">
+                  <a:tr h="988073">
                     <a:tc>
                       <a:txBody>
                         <a:bodyPr/>
@@ -24356,7 +24356,7 @@
                         <a:p>
                           <a:r>
                             <a:rPr lang="en-GB" b="1" dirty="0"/>
-                            <a:t>Rejected </a:t>
+                            <a:t>Failed to reject </a:t>
                           </a:r>
                           <a14:m>
                             <m:oMath xmlns:m="http://schemas.openxmlformats.org/officeDocument/2006/math">
@@ -24399,15 +24399,7 @@
                               </m:sSub>
                             </m:oMath>
                           </a14:m>
-                          <a:r>
-                            <a:rPr lang="en-GB" sz="1800" b="1" kern="1200" dirty="0">
-                              <a:solidFill>
-                                <a:schemeClr val="dk1"/>
-                              </a:solidFill>
-                              <a:effectLst/>
-                            </a:rPr>
-                            <a:t> </a:t>
-                          </a:r>
+                          <a:endParaRPr lang="en-GB" b="1" dirty="0"/>
                         </a:p>
                         <a:p>
                           <a:endParaRPr lang="en-GB" sz="1800" b="1" kern="1200" dirty="0">
@@ -24492,7 +24484,7 @@
             </a:graphic>
           </p:graphicFrame>
         </mc:Choice>
-        <mc:Fallback xmlns="">
+        <mc:Fallback>
           <p:graphicFrame>
             <p:nvGraphicFramePr>
               <p:cNvPr id="4" name="Table 4">
@@ -24508,14 +24500,14 @@
               <p:nvPr>
                 <p:extLst>
                   <p:ext uri="{D42A27DB-BD31-4B8C-83A1-F6EECF244321}">
-                    <p14:modId xmlns:p14="http://schemas.microsoft.com/office/powerpoint/2010/main" val="2705779665"/>
+                    <p14:modId xmlns:p14="http://schemas.microsoft.com/office/powerpoint/2010/main" val="1935570033"/>
                   </p:ext>
                 </p:extLst>
               </p:nvPr>
             </p:nvGraphicFramePr>
             <p:xfrm>
               <a:off x="1148751" y="2079711"/>
-              <a:ext cx="9894498" cy="4015643"/>
+              <a:ext cx="9894498" cy="4363636"/>
             </p:xfrm>
             <a:graphic>
               <a:graphicData uri="http://schemas.openxmlformats.org/drawingml/2006/table">
@@ -24604,7 +24596,7 @@
                       </a:ext>
                     </a:extLst>
                   </a:tr>
-                  <a:tr h="1512316">
+                  <a:tr h="1786636">
                     <a:tc>
                       <a:txBody>
                         <a:bodyPr/>
@@ -24661,7 +24653,7 @@
                         <a:blipFill>
                           <a:blip r:embed="rId3"/>
                           <a:stretch>
-                            <a:fillRect l="-43590" t="-46774" r="-102112" b="-121774"/>
+                            <a:fillRect l="-43574" t="-38732" r="-101881" b="-106338"/>
                           </a:stretch>
                         </a:blipFill>
                       </a:tcPr>
@@ -24678,7 +24670,7 @@
                         <a:blipFill>
                           <a:blip r:embed="rId3"/>
                           <a:stretch>
-                            <a:fillRect l="-141456" t="-46774" r="-594" b="-121774"/>
+                            <a:fillRect l="-141796" t="-38732" r="-619" b="-106338"/>
                           </a:stretch>
                         </a:blipFill>
                       </a:tcPr>
@@ -24689,7 +24681,7 @@
                       </a:ext>
                     </a:extLst>
                   </a:tr>
-                  <a:tr h="914400">
+                  <a:tr h="988073">
                     <a:tc>
                       <a:txBody>
                         <a:bodyPr/>
@@ -24773,7 +24765,7 @@
                         <a:blipFill>
                           <a:blip r:embed="rId3"/>
                           <a:stretch>
-                            <a:fillRect l="-43590" t="-342667" r="-102112" b="-1333"/>
+                            <a:fillRect l="-43574" t="-381944" r="-101881" b="-1389"/>
                           </a:stretch>
                         </a:blipFill>
                       </a:tcPr>
@@ -24790,7 +24782,7 @@
                         <a:blipFill>
                           <a:blip r:embed="rId3"/>
                           <a:stretch>
-                            <a:fillRect l="-141456" t="-342667" r="-594" b="-1333"/>
+                            <a:fillRect l="-141796" t="-381944" r="-619" b="-1389"/>
                           </a:stretch>
                         </a:blipFill>
                       </a:tcPr>

--- a/Presentation/PHS Rshiny Team Klas.pptx
+++ b/Presentation/PHS Rshiny Team Klas.pptx
@@ -14121,69 +14121,6 @@
           </a:p>
         </p:txBody>
       </p:sp>
-      <p:sp>
-        <p:nvSpPr>
-          <p:cNvPr id="16" name="Title 1">
-            <a:extLst>
-              <a:ext uri="{FF2B5EF4-FFF2-40B4-BE49-F238E27FC236}">
-                <a16:creationId xmlns:a16="http://schemas.microsoft.com/office/drawing/2014/main" id="{28DAB9DF-EF8B-484A-9B1F-68036316C2B8}"/>
-              </a:ext>
-            </a:extLst>
-          </p:cNvPr>
-          <p:cNvSpPr txBox="1">
-            <a:spLocks/>
-          </p:cNvSpPr>
-          <p:nvPr/>
-        </p:nvSpPr>
-        <p:spPr>
-          <a:xfrm>
-            <a:off x="487928" y="105157"/>
-            <a:ext cx="8610600" cy="1293028"/>
-          </a:xfrm>
-          <a:prstGeom prst="rect">
-            <a:avLst/>
-          </a:prstGeom>
-        </p:spPr>
-        <p:txBody>
-          <a:bodyPr>
-            <a:normAutofit/>
-          </a:bodyPr>
-          <a:lstStyle>
-            <a:lvl1pPr algn="r" defTabSz="914400" rtl="0" eaLnBrk="1" latinLnBrk="0" hangingPunct="1">
-              <a:lnSpc>
-                <a:spcPct val="90000"/>
-              </a:lnSpc>
-              <a:spcBef>
-                <a:spcPct val="0"/>
-              </a:spcBef>
-              <a:buNone/>
-              <a:defRPr sz="4000" kern="1200" cap="all" baseline="0">
-                <a:solidFill>
-                  <a:schemeClr val="tx1"/>
-                </a:solidFill>
-                <a:latin typeface="+mj-lt"/>
-                <a:ea typeface="+mj-ea"/>
-                <a:cs typeface="+mj-cs"/>
-              </a:defRPr>
-            </a:lvl1pPr>
-          </a:lstStyle>
-          <a:p>
-            <a:pPr algn="l"/>
-            <a:r>
-              <a:rPr lang="en-US" b="1" dirty="0">
-                <a:solidFill>
-                  <a:schemeClr val="bg2"/>
-                </a:solidFill>
-              </a:rPr>
-              <a:t>The dashboard</a:t>
-            </a:r>
-            <a:br>
-              <a:rPr lang="en-US" dirty="0"/>
-            </a:br>
-            <a:endParaRPr lang="en-US" dirty="0"/>
-          </a:p>
-        </p:txBody>
-      </p:sp>
     </p:spTree>
     <p:extLst>
       <p:ext uri="{BB962C8B-B14F-4D97-AF65-F5344CB8AC3E}">
@@ -14291,7 +14228,7 @@
               <p:nvPr>
                 <p:extLst>
                   <p:ext uri="{D42A27DB-BD31-4B8C-83A1-F6EECF244321}">
-                    <p14:modId xmlns:p14="http://schemas.microsoft.com/office/powerpoint/2010/main" val="2705779665"/>
+                    <p14:modId xmlns:p14="http://schemas.microsoft.com/office/powerpoint/2010/main" val="132383291"/>
                   </p:ext>
                 </p:extLst>
               </p:nvPr>
@@ -14462,12 +14399,11 @@
                               <m:sSub>
                                 <m:sSubPr>
                                   <m:ctrlPr>
-                                    <a:rPr lang="en-GB" sz="1800" b="1" i="1" kern="1200" smtClean="0">
+                                    <a:rPr lang="en-GB" sz="1800" b="1" kern="1200" smtClean="0">
                                       <a:solidFill>
                                         <a:schemeClr val="dk1"/>
                                       </a:solidFill>
                                       <a:effectLst/>
-                                      <a:latin typeface="Cambria Math" panose="02040503050406030204" pitchFamily="18" charset="0"/>
                                     </a:rPr>
                                   </m:ctrlPr>
                                 </m:sSubPr>
@@ -14478,7 +14414,6 @@
                                         <a:schemeClr val="dk1"/>
                                       </a:solidFill>
                                       <a:effectLst/>
-                                      <a:latin typeface="Cambria Math" panose="02040503050406030204" pitchFamily="18" charset="0"/>
                                     </a:rPr>
                                     <m:t>𝑯</m:t>
                                   </m:r>
@@ -14490,7 +14425,6 @@
                                         <a:schemeClr val="dk1"/>
                                       </a:solidFill>
                                       <a:effectLst/>
-                                      <a:latin typeface="Cambria Math" panose="02040503050406030204" pitchFamily="18" charset="0"/>
                                     </a:rPr>
                                     <m:t>𝟎</m:t>
                                   </m:r>
@@ -14502,19 +14436,17 @@
                                     <a:schemeClr val="dk1"/>
                                   </a:solidFill>
                                   <a:effectLst/>
-                                  <a:latin typeface="Cambria Math" panose="02040503050406030204" pitchFamily="18" charset="0"/>
                                 </a:rPr>
                                 <m:t>=</m:t>
                               </m:r>
                               <m:sSub>
                                 <m:sSubPr>
                                   <m:ctrlPr>
-                                    <a:rPr lang="en-GB" sz="1800" b="1" i="1" kern="1200" smtClean="0">
+                                    <a:rPr lang="en-GB" sz="1800" b="1" kern="1200" smtClean="0">
                                       <a:solidFill>
                                         <a:schemeClr val="dk1"/>
                                       </a:solidFill>
                                       <a:effectLst/>
-                                      <a:latin typeface="Cambria Math" panose="02040503050406030204" pitchFamily="18" charset="0"/>
                                     </a:rPr>
                                   </m:ctrlPr>
                                 </m:sSubPr>
@@ -14525,7 +14457,6 @@
                                         <a:schemeClr val="dk1"/>
                                       </a:solidFill>
                                       <a:effectLst/>
-                                      <a:latin typeface="Cambria Math" panose="02040503050406030204" pitchFamily="18" charset="0"/>
                                     </a:rPr>
                                     <m:t>𝝁</m:t>
                                   </m:r>
@@ -14537,7 +14468,6 @@
                                         <a:schemeClr val="dk1"/>
                                       </a:solidFill>
                                       <a:effectLst/>
-                                      <a:latin typeface="Cambria Math" panose="02040503050406030204" pitchFamily="18" charset="0"/>
                                     </a:rPr>
                                     <m:t>𝒄𝒐𝒗</m:t>
                                   </m:r>
@@ -14562,19 +14492,17 @@
                                     <a:schemeClr val="dk1"/>
                                   </a:solidFill>
                                   <a:effectLst/>
-                                  <a:latin typeface="Cambria Math" panose="02040503050406030204" pitchFamily="18" charset="0"/>
                                 </a:rPr>
                                 <m:t> </m:t>
                               </m:r>
                               <m:sSub>
                                 <m:sSubPr>
                                   <m:ctrlPr>
-                                    <a:rPr lang="en-GB" sz="1800" b="1" i="1" kern="1200" smtClean="0">
+                                    <a:rPr lang="en-GB" sz="1800" b="1" kern="1200" smtClean="0">
                                       <a:solidFill>
                                         <a:schemeClr val="dk1"/>
                                       </a:solidFill>
                                       <a:effectLst/>
-                                      <a:latin typeface="Cambria Math" panose="02040503050406030204" pitchFamily="18" charset="0"/>
                                     </a:rPr>
                                   </m:ctrlPr>
                                 </m:sSubPr>
@@ -14585,7 +14513,6 @@
                                         <a:schemeClr val="dk1"/>
                                       </a:solidFill>
                                       <a:effectLst/>
-                                      <a:latin typeface="Cambria Math" panose="02040503050406030204" pitchFamily="18" charset="0"/>
                                     </a:rPr>
                                     <m:t>𝝁</m:t>
                                   </m:r>
@@ -14597,7 +14524,6 @@
                                         <a:schemeClr val="dk1"/>
                                       </a:solidFill>
                                       <a:effectLst/>
-                                      <a:latin typeface="Cambria Math" panose="02040503050406030204" pitchFamily="18" charset="0"/>
                                     </a:rPr>
                                     <m:t>𝒑𝒓𝒆𝒄𝒐𝒗</m:t>
                                   </m:r>
@@ -14638,12 +14564,11 @@
                               <m:sSub>
                                 <m:sSubPr>
                                   <m:ctrlPr>
-                                    <a:rPr lang="en-GB" sz="1800" b="1" i="1" kern="1200" smtClean="0">
+                                    <a:rPr lang="en-GB" sz="1800" b="1" kern="1200" smtClean="0">
                                       <a:solidFill>
                                         <a:schemeClr val="dk1"/>
                                       </a:solidFill>
                                       <a:effectLst/>
-                                      <a:latin typeface="Cambria Math" panose="02040503050406030204" pitchFamily="18" charset="0"/>
                                     </a:rPr>
                                   </m:ctrlPr>
                                 </m:sSubPr>
@@ -14654,7 +14579,6 @@
                                         <a:schemeClr val="dk1"/>
                                       </a:solidFill>
                                       <a:effectLst/>
-                                      <a:latin typeface="Cambria Math" panose="02040503050406030204" pitchFamily="18" charset="0"/>
                                     </a:rPr>
                                     <m:t>𝑯</m:t>
                                   </m:r>
@@ -14666,7 +14590,6 @@
                                         <a:schemeClr val="dk1"/>
                                       </a:solidFill>
                                       <a:effectLst/>
-                                      <a:latin typeface="Cambria Math" panose="02040503050406030204" pitchFamily="18" charset="0"/>
                                     </a:rPr>
                                     <m:t>𝜶</m:t>
                                   </m:r>
@@ -14678,19 +14601,17 @@
                                     <a:schemeClr val="dk1"/>
                                   </a:solidFill>
                                   <a:effectLst/>
-                                  <a:latin typeface="Cambria Math" panose="02040503050406030204" pitchFamily="18" charset="0"/>
                                 </a:rPr>
                                 <m:t>=</m:t>
                               </m:r>
                               <m:sSub>
                                 <m:sSubPr>
                                   <m:ctrlPr>
-                                    <a:rPr lang="en-GB" sz="1800" b="1" i="1" kern="1200" smtClean="0">
+                                    <a:rPr lang="en-GB" sz="1800" b="1" kern="1200" smtClean="0">
                                       <a:solidFill>
                                         <a:schemeClr val="dk1"/>
                                       </a:solidFill>
                                       <a:effectLst/>
-                                      <a:latin typeface="Cambria Math" panose="02040503050406030204" pitchFamily="18" charset="0"/>
                                     </a:rPr>
                                   </m:ctrlPr>
                                 </m:sSubPr>
@@ -14701,7 +14622,6 @@
                                         <a:schemeClr val="dk1"/>
                                       </a:solidFill>
                                       <a:effectLst/>
-                                      <a:latin typeface="Cambria Math" panose="02040503050406030204" pitchFamily="18" charset="0"/>
                                     </a:rPr>
                                     <m:t>𝝁</m:t>
                                   </m:r>
@@ -14713,7 +14633,6 @@
                                         <a:schemeClr val="dk1"/>
                                       </a:solidFill>
                                       <a:effectLst/>
-                                      <a:latin typeface="Cambria Math" panose="02040503050406030204" pitchFamily="18" charset="0"/>
                                     </a:rPr>
                                     <m:t>𝒄𝒐𝒗</m:t>
                                   </m:r>
@@ -14738,19 +14657,17 @@
                                     <a:schemeClr val="dk1"/>
                                   </a:solidFill>
                                   <a:effectLst/>
-                                  <a:latin typeface="Cambria Math" panose="02040503050406030204" pitchFamily="18" charset="0"/>
                                 </a:rPr>
                                 <m:t> </m:t>
                               </m:r>
                               <m:sSub>
                                 <m:sSubPr>
                                   <m:ctrlPr>
-                                    <a:rPr lang="en-GB" sz="1800" b="1" i="1" kern="1200" smtClean="0">
+                                    <a:rPr lang="en-GB" sz="1800" b="1" kern="1200" smtClean="0">
                                       <a:solidFill>
                                         <a:schemeClr val="dk1"/>
                                       </a:solidFill>
                                       <a:effectLst/>
-                                      <a:latin typeface="Cambria Math" panose="02040503050406030204" pitchFamily="18" charset="0"/>
                                     </a:rPr>
                                   </m:ctrlPr>
                                 </m:sSubPr>
@@ -14761,7 +14678,6 @@
                                         <a:schemeClr val="dk1"/>
                                       </a:solidFill>
                                       <a:effectLst/>
-                                      <a:latin typeface="Cambria Math" panose="02040503050406030204" pitchFamily="18" charset="0"/>
                                     </a:rPr>
                                     <m:t>𝝁</m:t>
                                   </m:r>
@@ -14773,7 +14689,6 @@
                                         <a:schemeClr val="dk1"/>
                                       </a:solidFill>
                                       <a:effectLst/>
-                                      <a:latin typeface="Cambria Math" panose="02040503050406030204" pitchFamily="18" charset="0"/>
                                     </a:rPr>
                                     <m:t>𝒑𝒓𝒆𝒄𝒐𝒗</m:t>
                                   </m:r>
@@ -14886,12 +14801,11 @@
                               <m:sSub>
                                 <m:sSubPr>
                                   <m:ctrlPr>
-                                    <a:rPr lang="en-GB" sz="1800" b="1" i="1" kern="1200" smtClean="0">
+                                    <a:rPr lang="en-GB" sz="1800" b="1" kern="1200" smtClean="0">
                                       <a:solidFill>
                                         <a:schemeClr val="dk1"/>
                                       </a:solidFill>
                                       <a:effectLst/>
-                                      <a:latin typeface="Cambria Math" panose="02040503050406030204" pitchFamily="18" charset="0"/>
                                     </a:rPr>
                                   </m:ctrlPr>
                                 </m:sSubPr>
@@ -14902,7 +14816,6 @@
                                         <a:schemeClr val="dk1"/>
                                       </a:solidFill>
                                       <a:effectLst/>
-                                      <a:latin typeface="Cambria Math" panose="02040503050406030204" pitchFamily="18" charset="0"/>
                                     </a:rPr>
                                     <m:t>𝑯</m:t>
                                   </m:r>
@@ -14914,7 +14827,6 @@
                                         <a:schemeClr val="dk1"/>
                                       </a:solidFill>
                                       <a:effectLst/>
-                                      <a:latin typeface="Cambria Math" panose="02040503050406030204" pitchFamily="18" charset="0"/>
                                     </a:rPr>
                                     <m:t>𝟎</m:t>
                                   </m:r>
@@ -14926,19 +14838,17 @@
                                     <a:schemeClr val="dk1"/>
                                   </a:solidFill>
                                   <a:effectLst/>
-                                  <a:latin typeface="Cambria Math" panose="02040503050406030204" pitchFamily="18" charset="0"/>
                                 </a:rPr>
                                 <m:t>=</m:t>
                               </m:r>
                               <m:sSub>
                                 <m:sSubPr>
                                   <m:ctrlPr>
-                                    <a:rPr lang="en-GB" sz="1800" b="1" i="1" kern="1200" smtClean="0">
+                                    <a:rPr lang="en-GB" sz="1800" b="1" kern="1200" smtClean="0">
                                       <a:solidFill>
                                         <a:schemeClr val="dk1"/>
                                       </a:solidFill>
                                       <a:effectLst/>
-                                      <a:latin typeface="Cambria Math" panose="02040503050406030204" pitchFamily="18" charset="0"/>
                                     </a:rPr>
                                   </m:ctrlPr>
                                 </m:sSubPr>
@@ -14949,7 +14859,6 @@
                                         <a:schemeClr val="dk1"/>
                                       </a:solidFill>
                                       <a:effectLst/>
-                                      <a:latin typeface="Cambria Math" panose="02040503050406030204" pitchFamily="18" charset="0"/>
                                     </a:rPr>
                                     <m:t>𝝁</m:t>
                                   </m:r>
@@ -14961,7 +14870,6 @@
                                         <a:schemeClr val="dk1"/>
                                       </a:solidFill>
                                       <a:effectLst/>
-                                      <a:latin typeface="Cambria Math" panose="02040503050406030204" pitchFamily="18" charset="0"/>
                                     </a:rPr>
                                     <m:t>𝒘𝒊𝒏𝒕𝒆𝒓</m:t>
                                   </m:r>
@@ -14986,19 +14894,17 @@
                                     <a:schemeClr val="dk1"/>
                                   </a:solidFill>
                                   <a:effectLst/>
-                                  <a:latin typeface="Cambria Math" panose="02040503050406030204" pitchFamily="18" charset="0"/>
                                 </a:rPr>
                                 <m:t> </m:t>
                               </m:r>
                               <m:sSub>
                                 <m:sSubPr>
                                   <m:ctrlPr>
-                                    <a:rPr lang="en-GB" sz="1800" b="1" i="1" kern="1200" smtClean="0">
+                                    <a:rPr lang="en-GB" sz="1800" b="1" kern="1200" smtClean="0">
                                       <a:solidFill>
                                         <a:schemeClr val="dk1"/>
                                       </a:solidFill>
                                       <a:effectLst/>
-                                      <a:latin typeface="Cambria Math" panose="02040503050406030204" pitchFamily="18" charset="0"/>
                                     </a:rPr>
                                   </m:ctrlPr>
                                 </m:sSubPr>
@@ -15009,7 +14915,6 @@
                                         <a:schemeClr val="dk1"/>
                                       </a:solidFill>
                                       <a:effectLst/>
-                                      <a:latin typeface="Cambria Math" panose="02040503050406030204" pitchFamily="18" charset="0"/>
                                     </a:rPr>
                                     <m:t>𝝁</m:t>
                                   </m:r>
@@ -15021,7 +14926,6 @@
                                         <a:schemeClr val="dk1"/>
                                       </a:solidFill>
                                       <a:effectLst/>
-                                      <a:latin typeface="Cambria Math" panose="02040503050406030204" pitchFamily="18" charset="0"/>
                                     </a:rPr>
                                     <m:t>𝒔𝒆𝒂𝒔𝒐𝒏</m:t>
                                   </m:r>
@@ -15062,12 +14966,11 @@
                               <m:sSub>
                                 <m:sSubPr>
                                   <m:ctrlPr>
-                                    <a:rPr lang="en-GB" sz="1800" b="1" i="1" kern="1200" smtClean="0">
+                                    <a:rPr lang="en-GB" sz="1800" b="1" kern="1200" smtClean="0">
                                       <a:solidFill>
                                         <a:schemeClr val="dk1"/>
                                       </a:solidFill>
                                       <a:effectLst/>
-                                      <a:latin typeface="Cambria Math" panose="02040503050406030204" pitchFamily="18" charset="0"/>
                                     </a:rPr>
                                   </m:ctrlPr>
                                 </m:sSubPr>
@@ -15078,7 +14981,6 @@
                                         <a:schemeClr val="dk1"/>
                                       </a:solidFill>
                                       <a:effectLst/>
-                                      <a:latin typeface="Cambria Math" panose="02040503050406030204" pitchFamily="18" charset="0"/>
                                     </a:rPr>
                                     <m:t>𝑯</m:t>
                                   </m:r>
@@ -15090,7 +14992,6 @@
                                         <a:schemeClr val="dk1"/>
                                       </a:solidFill>
                                       <a:effectLst/>
-                                      <a:latin typeface="Cambria Math" panose="02040503050406030204" pitchFamily="18" charset="0"/>
                                     </a:rPr>
                                     <m:t>𝜶</m:t>
                                   </m:r>
@@ -15102,19 +15003,17 @@
                                     <a:schemeClr val="dk1"/>
                                   </a:solidFill>
                                   <a:effectLst/>
-                                  <a:latin typeface="Cambria Math" panose="02040503050406030204" pitchFamily="18" charset="0"/>
                                 </a:rPr>
                                 <m:t>=</m:t>
                               </m:r>
                               <m:sSub>
                                 <m:sSubPr>
                                   <m:ctrlPr>
-                                    <a:rPr lang="en-GB" sz="1800" b="1" i="1" kern="1200" smtClean="0">
+                                    <a:rPr lang="en-GB" sz="1800" b="1" kern="1200" smtClean="0">
                                       <a:solidFill>
                                         <a:schemeClr val="dk1"/>
                                       </a:solidFill>
                                       <a:effectLst/>
-                                      <a:latin typeface="Cambria Math" panose="02040503050406030204" pitchFamily="18" charset="0"/>
                                     </a:rPr>
                                   </m:ctrlPr>
                                 </m:sSubPr>
@@ -15125,7 +15024,6 @@
                                         <a:schemeClr val="dk1"/>
                                       </a:solidFill>
                                       <a:effectLst/>
-                                      <a:latin typeface="Cambria Math" panose="02040503050406030204" pitchFamily="18" charset="0"/>
                                     </a:rPr>
                                     <m:t>𝝁</m:t>
                                   </m:r>
@@ -15137,7 +15035,6 @@
                                         <a:schemeClr val="dk1"/>
                                       </a:solidFill>
                                       <a:effectLst/>
-                                      <a:latin typeface="Cambria Math" panose="02040503050406030204" pitchFamily="18" charset="0"/>
                                     </a:rPr>
                                     <m:t>𝒘𝒊𝒏𝒕𝒆𝒓</m:t>
                                   </m:r>
@@ -15162,19 +15059,17 @@
                                     <a:schemeClr val="dk1"/>
                                   </a:solidFill>
                                   <a:effectLst/>
-                                  <a:latin typeface="Cambria Math" panose="02040503050406030204" pitchFamily="18" charset="0"/>
                                 </a:rPr>
                                 <m:t> </m:t>
                               </m:r>
                               <m:sSub>
                                 <m:sSubPr>
                                   <m:ctrlPr>
-                                    <a:rPr lang="en-GB" sz="1800" b="1" i="1" kern="1200" smtClean="0">
+                                    <a:rPr lang="en-GB" sz="1800" b="1" kern="1200" smtClean="0">
                                       <a:solidFill>
                                         <a:schemeClr val="dk1"/>
                                       </a:solidFill>
                                       <a:effectLst/>
-                                      <a:latin typeface="Cambria Math" panose="02040503050406030204" pitchFamily="18" charset="0"/>
                                     </a:rPr>
                                   </m:ctrlPr>
                                 </m:sSubPr>
@@ -15185,7 +15080,6 @@
                                         <a:schemeClr val="dk1"/>
                                       </a:solidFill>
                                       <a:effectLst/>
-                                      <a:latin typeface="Cambria Math" panose="02040503050406030204" pitchFamily="18" charset="0"/>
                                     </a:rPr>
                                     <m:t>𝝁</m:t>
                                   </m:r>
@@ -15197,7 +15091,6 @@
                                         <a:schemeClr val="dk1"/>
                                       </a:solidFill>
                                       <a:effectLst/>
-                                      <a:latin typeface="Cambria Math" panose="02040503050406030204" pitchFamily="18" charset="0"/>
                                     </a:rPr>
                                     <m:t>𝒔𝒆𝒂𝒔𝒐𝒏</m:t>
                                   </m:r>
@@ -15320,19 +15213,19 @@
                         <a:p>
                           <a:r>
                             <a:rPr lang="en-GB" b="1" dirty="0"/>
-                            <a:t>Spring:     0.491</a:t>
+                            <a:t>Spring:     0.1682</a:t>
                           </a:r>
                         </a:p>
                         <a:p>
                           <a:r>
                             <a:rPr lang="en-GB" b="1" dirty="0"/>
-                            <a:t>Summer:  0.6908</a:t>
+                            <a:t>Summer:  0.5284</a:t>
                           </a:r>
                         </a:p>
                         <a:p>
                           <a:r>
                             <a:rPr lang="en-GB" b="1" dirty="0"/>
-                            <a:t>Autumn:  0.6952</a:t>
+                            <a:t>Autumn:  0.7728</a:t>
                           </a:r>
                         </a:p>
                       </a:txBody>
@@ -15372,12 +15265,11 @@
                               <m:sSub>
                                 <m:sSubPr>
                                   <m:ctrlPr>
-                                    <a:rPr lang="en-GB" sz="1800" b="1" i="1" kern="1200" smtClean="0">
+                                    <a:rPr lang="en-GB" sz="1800" b="1" kern="1200" smtClean="0">
                                       <a:solidFill>
                                         <a:schemeClr val="dk1"/>
                                       </a:solidFill>
                                       <a:effectLst/>
-                                      <a:latin typeface="Cambria Math" panose="02040503050406030204" pitchFamily="18" charset="0"/>
                                     </a:rPr>
                                   </m:ctrlPr>
                                 </m:sSubPr>
@@ -15388,7 +15280,6 @@
                                         <a:schemeClr val="dk1"/>
                                       </a:solidFill>
                                       <a:effectLst/>
-                                      <a:latin typeface="Cambria Math" panose="02040503050406030204" pitchFamily="18" charset="0"/>
                                     </a:rPr>
                                     <m:t>𝑯</m:t>
                                   </m:r>
@@ -15400,7 +15291,6 @@
                                         <a:schemeClr val="dk1"/>
                                       </a:solidFill>
                                       <a:effectLst/>
-                                      <a:latin typeface="Cambria Math" panose="02040503050406030204" pitchFamily="18" charset="0"/>
                                     </a:rPr>
                                     <m:t>𝟎</m:t>
                                   </m:r>
@@ -15446,12 +15336,11 @@
                               <m:sSub>
                                 <m:sSubPr>
                                   <m:ctrlPr>
-                                    <a:rPr lang="en-GB" sz="1800" b="1" i="1" kern="1200" smtClean="0">
+                                    <a:rPr lang="en-GB" sz="1800" b="1" kern="1200" smtClean="0">
                                       <a:solidFill>
                                         <a:schemeClr val="dk1"/>
                                       </a:solidFill>
                                       <a:effectLst/>
-                                      <a:latin typeface="Cambria Math" panose="02040503050406030204" pitchFamily="18" charset="0"/>
                                     </a:rPr>
                                   </m:ctrlPr>
                                 </m:sSubPr>
@@ -15462,7 +15351,6 @@
                                         <a:schemeClr val="dk1"/>
                                       </a:solidFill>
                                       <a:effectLst/>
-                                      <a:latin typeface="Cambria Math" panose="02040503050406030204" pitchFamily="18" charset="0"/>
                                     </a:rPr>
                                     <m:t>𝑯</m:t>
                                   </m:r>
@@ -15474,7 +15362,6 @@
                                         <a:schemeClr val="dk1"/>
                                       </a:solidFill>
                                       <a:effectLst/>
-                                      <a:latin typeface="Cambria Math" panose="02040503050406030204" pitchFamily="18" charset="0"/>
                                     </a:rPr>
                                     <m:t>𝟎</m:t>
                                   </m:r>
@@ -15517,7 +15404,7 @@
               <p:nvPr>
                 <p:extLst>
                   <p:ext uri="{D42A27DB-BD31-4B8C-83A1-F6EECF244321}">
-                    <p14:modId xmlns:p14="http://schemas.microsoft.com/office/powerpoint/2010/main" val="2705779665"/>
+                    <p14:modId xmlns:p14="http://schemas.microsoft.com/office/powerpoint/2010/main" val="132383291"/>
                   </p:ext>
                 </p:extLst>
               </p:nvPr>
@@ -15732,19 +15619,19 @@
                         <a:p>
                           <a:r>
                             <a:rPr lang="en-GB" b="1" dirty="0"/>
-                            <a:t>Spring:     0.491</a:t>
+                            <a:t>Spring:     0.1682</a:t>
                           </a:r>
                         </a:p>
                         <a:p>
                           <a:r>
                             <a:rPr lang="en-GB" b="1" dirty="0"/>
-                            <a:t>Summer:  0.6908</a:t>
+                            <a:t>Summer:  0.5284</a:t>
                           </a:r>
                         </a:p>
                         <a:p>
                           <a:r>
                             <a:rPr lang="en-GB" b="1" dirty="0"/>
-                            <a:t>Autumn:  0.6952</a:t>
+                            <a:t>Autumn:  0.7728</a:t>
                           </a:r>
                         </a:p>
                       </a:txBody>
